--- a/powerpoint template.pptx
+++ b/powerpoint template.pptx
@@ -968,7 +968,7 @@
           </a:ln>
           <a:extLst>
             <a:ext uri="{C572A759-6A51-4108-AA02-DFA0A04FC94B}">
-              <ma14:wrappingTextBoxFlag xmlns:ma14="http://schemas.microsoft.com/office/mac/drawingml/2011/main" xmlns:a14="http://schemas.microsoft.com/office/drawing/2010/main" xmlns:m="http://schemas.openxmlformats.org/officeDocument/2006/math" xmlns="" val="1"/>
+              <ma14:wrappingTextBoxFlag xmlns="" xmlns:m="http://schemas.openxmlformats.org/officeDocument/2006/math" xmlns:a14="http://schemas.microsoft.com/office/drawing/2010/main" xmlns:ma14="http://schemas.microsoft.com/office/mac/drawingml/2011/main" val="1"/>
             </a:ext>
           </a:extLst>
         </p:spPr>
@@ -1015,7 +1015,7 @@
           </a:ln>
           <a:extLst>
             <a:ext uri="{C572A759-6A51-4108-AA02-DFA0A04FC94B}">
-              <ma14:wrappingTextBoxFlag xmlns:ma14="http://schemas.microsoft.com/office/mac/drawingml/2011/main" xmlns:a14="http://schemas.microsoft.com/office/drawing/2010/main" xmlns:m="http://schemas.openxmlformats.org/officeDocument/2006/math" xmlns="" val="1"/>
+              <ma14:wrappingTextBoxFlag xmlns="" xmlns:m="http://schemas.openxmlformats.org/officeDocument/2006/math" xmlns:a14="http://schemas.microsoft.com/office/drawing/2010/main" xmlns:ma14="http://schemas.microsoft.com/office/mac/drawingml/2011/main" val="1"/>
             </a:ext>
           </a:extLst>
         </p:spPr>
@@ -1062,7 +1062,7 @@
           </a:ln>
           <a:extLst>
             <a:ext uri="{C572A759-6A51-4108-AA02-DFA0A04FC94B}">
-              <ma14:wrappingTextBoxFlag xmlns:ma14="http://schemas.microsoft.com/office/mac/drawingml/2011/main" xmlns:a14="http://schemas.microsoft.com/office/drawing/2010/main" xmlns:m="http://schemas.openxmlformats.org/officeDocument/2006/math" xmlns="" val="1"/>
+              <ma14:wrappingTextBoxFlag xmlns="" xmlns:m="http://schemas.openxmlformats.org/officeDocument/2006/math" xmlns:a14="http://schemas.microsoft.com/office/drawing/2010/main" xmlns:ma14="http://schemas.microsoft.com/office/mac/drawingml/2011/main" val="1"/>
             </a:ext>
           </a:extLst>
         </p:spPr>
@@ -2543,7 +2543,7 @@
           </a:ln>
           <a:extLst>
             <a:ext uri="{C572A759-6A51-4108-AA02-DFA0A04FC94B}">
-              <ma14:wrappingTextBoxFlag xmlns:ma14="http://schemas.microsoft.com/office/mac/drawingml/2011/main" xmlns:a14="http://schemas.microsoft.com/office/drawing/2010/main" xmlns:m="http://schemas.openxmlformats.org/officeDocument/2006/math" xmlns="" val="1"/>
+              <ma14:wrappingTextBoxFlag xmlns="" xmlns:m="http://schemas.openxmlformats.org/officeDocument/2006/math" xmlns:a14="http://schemas.microsoft.com/office/drawing/2010/main" xmlns:ma14="http://schemas.microsoft.com/office/mac/drawingml/2011/main" val="1"/>
             </a:ext>
           </a:extLst>
         </p:spPr>
@@ -2685,7 +2685,7 @@
           </a:ln>
           <a:extLst>
             <a:ext uri="{C572A759-6A51-4108-AA02-DFA0A04FC94B}">
-              <ma14:wrappingTextBoxFlag xmlns:ma14="http://schemas.microsoft.com/office/mac/drawingml/2011/main" xmlns:a14="http://schemas.microsoft.com/office/drawing/2010/main" xmlns:m="http://schemas.openxmlformats.org/officeDocument/2006/math" xmlns="" val="1"/>
+              <ma14:wrappingTextBoxFlag xmlns="" xmlns:m="http://schemas.openxmlformats.org/officeDocument/2006/math" xmlns:a14="http://schemas.microsoft.com/office/drawing/2010/main" xmlns:ma14="http://schemas.microsoft.com/office/mac/drawingml/2011/main" val="1"/>
             </a:ext>
           </a:extLst>
         </p:spPr>
@@ -2763,7 +2763,7 @@
           </a:ln>
           <a:extLst>
             <a:ext uri="{C572A759-6A51-4108-AA02-DFA0A04FC94B}">
-              <ma14:wrappingTextBoxFlag xmlns:ma14="http://schemas.microsoft.com/office/mac/drawingml/2011/main" xmlns:a14="http://schemas.microsoft.com/office/drawing/2010/main" xmlns:m="http://schemas.openxmlformats.org/officeDocument/2006/math" xmlns="" val="1"/>
+              <ma14:wrappingTextBoxFlag xmlns="" xmlns:m="http://schemas.openxmlformats.org/officeDocument/2006/math" xmlns:a14="http://schemas.microsoft.com/office/drawing/2010/main" xmlns:ma14="http://schemas.microsoft.com/office/mac/drawingml/2011/main" val="1"/>
             </a:ext>
           </a:extLst>
         </p:spPr>
@@ -2810,7 +2810,7 @@
           </a:ln>
           <a:extLst>
             <a:ext uri="{C572A759-6A51-4108-AA02-DFA0A04FC94B}">
-              <ma14:wrappingTextBoxFlag xmlns:ma14="http://schemas.microsoft.com/office/mac/drawingml/2011/main" xmlns:a14="http://schemas.microsoft.com/office/drawing/2010/main" xmlns:m="http://schemas.openxmlformats.org/officeDocument/2006/math" xmlns="" val="1"/>
+              <ma14:wrappingTextBoxFlag xmlns="" xmlns:m="http://schemas.openxmlformats.org/officeDocument/2006/math" xmlns:a14="http://schemas.microsoft.com/office/drawing/2010/main" xmlns:ma14="http://schemas.microsoft.com/office/mac/drawingml/2011/main" val="1"/>
             </a:ext>
           </a:extLst>
         </p:spPr>
@@ -2857,7 +2857,7 @@
           </a:ln>
           <a:extLst>
             <a:ext uri="{C572A759-6A51-4108-AA02-DFA0A04FC94B}">
-              <ma14:wrappingTextBoxFlag xmlns:ma14="http://schemas.microsoft.com/office/mac/drawingml/2011/main" xmlns:a14="http://schemas.microsoft.com/office/drawing/2010/main" xmlns:m="http://schemas.openxmlformats.org/officeDocument/2006/math" xmlns="" val="1"/>
+              <ma14:wrappingTextBoxFlag xmlns="" xmlns:m="http://schemas.openxmlformats.org/officeDocument/2006/math" xmlns:a14="http://schemas.microsoft.com/office/drawing/2010/main" xmlns:ma14="http://schemas.microsoft.com/office/mac/drawingml/2011/main" val="1"/>
             </a:ext>
           </a:extLst>
         </p:spPr>
@@ -2904,7 +2904,7 @@
           </a:ln>
           <a:extLst>
             <a:ext uri="{C572A759-6A51-4108-AA02-DFA0A04FC94B}">
-              <ma14:wrappingTextBoxFlag xmlns:ma14="http://schemas.microsoft.com/office/mac/drawingml/2011/main" xmlns:a14="http://schemas.microsoft.com/office/drawing/2010/main" xmlns:m="http://schemas.openxmlformats.org/officeDocument/2006/math" xmlns="" val="1"/>
+              <ma14:wrappingTextBoxFlag xmlns="" xmlns:m="http://schemas.openxmlformats.org/officeDocument/2006/math" xmlns:a14="http://schemas.microsoft.com/office/drawing/2010/main" xmlns:ma14="http://schemas.microsoft.com/office/mac/drawingml/2011/main" val="1"/>
             </a:ext>
           </a:extLst>
         </p:spPr>
@@ -2951,7 +2951,7 @@
           </a:ln>
           <a:extLst>
             <a:ext uri="{C572A759-6A51-4108-AA02-DFA0A04FC94B}">
-              <ma14:wrappingTextBoxFlag xmlns:ma14="http://schemas.microsoft.com/office/mac/drawingml/2011/main" xmlns:a14="http://schemas.microsoft.com/office/drawing/2010/main" xmlns:m="http://schemas.openxmlformats.org/officeDocument/2006/math" xmlns="" val="1"/>
+              <ma14:wrappingTextBoxFlag xmlns="" xmlns:m="http://schemas.openxmlformats.org/officeDocument/2006/math" xmlns:a14="http://schemas.microsoft.com/office/drawing/2010/main" xmlns:ma14="http://schemas.microsoft.com/office/mac/drawingml/2011/main" val="1"/>
             </a:ext>
           </a:extLst>
         </p:spPr>
@@ -3187,7 +3187,7 @@
           </a:ln>
           <a:extLst>
             <a:ext uri="{C572A759-6A51-4108-AA02-DFA0A04FC94B}">
-              <ma14:wrappingTextBoxFlag xmlns:ma14="http://schemas.microsoft.com/office/mac/drawingml/2011/main" xmlns:a14="http://schemas.microsoft.com/office/drawing/2010/main" xmlns:m="http://schemas.openxmlformats.org/officeDocument/2006/math" xmlns="" val="1"/>
+              <ma14:wrappingTextBoxFlag xmlns="" xmlns:m="http://schemas.openxmlformats.org/officeDocument/2006/math" xmlns:a14="http://schemas.microsoft.com/office/drawing/2010/main" xmlns:ma14="http://schemas.microsoft.com/office/mac/drawingml/2011/main" val="1"/>
             </a:ext>
           </a:extLst>
         </p:spPr>
@@ -3234,7 +3234,7 @@
           </a:ln>
           <a:extLst>
             <a:ext uri="{C572A759-6A51-4108-AA02-DFA0A04FC94B}">
-              <ma14:wrappingTextBoxFlag xmlns:ma14="http://schemas.microsoft.com/office/mac/drawingml/2011/main" xmlns:a14="http://schemas.microsoft.com/office/drawing/2010/main" xmlns:m="http://schemas.openxmlformats.org/officeDocument/2006/math" xmlns="" val="1"/>
+              <ma14:wrappingTextBoxFlag xmlns="" xmlns:m="http://schemas.openxmlformats.org/officeDocument/2006/math" xmlns:a14="http://schemas.microsoft.com/office/drawing/2010/main" xmlns:ma14="http://schemas.microsoft.com/office/mac/drawingml/2011/main" val="1"/>
             </a:ext>
           </a:extLst>
         </p:spPr>
@@ -3426,7 +3426,7 @@
           </a:ln>
           <a:extLst>
             <a:ext uri="{C572A759-6A51-4108-AA02-DFA0A04FC94B}">
-              <ma14:wrappingTextBoxFlag xmlns:ma14="http://schemas.microsoft.com/office/mac/drawingml/2011/main" xmlns:a14="http://schemas.microsoft.com/office/drawing/2010/main" xmlns:m="http://schemas.openxmlformats.org/officeDocument/2006/math" xmlns="" val="1"/>
+              <ma14:wrappingTextBoxFlag xmlns="" xmlns:m="http://schemas.openxmlformats.org/officeDocument/2006/math" xmlns:a14="http://schemas.microsoft.com/office/drawing/2010/main" xmlns:ma14="http://schemas.microsoft.com/office/mac/drawingml/2011/main" val="1"/>
             </a:ext>
           </a:extLst>
         </p:spPr>
@@ -3465,7 +3465,7 @@
           </a:ln>
           <a:extLst>
             <a:ext uri="{C572A759-6A51-4108-AA02-DFA0A04FC94B}">
-              <ma14:wrappingTextBoxFlag xmlns:ma14="http://schemas.microsoft.com/office/mac/drawingml/2011/main" xmlns:a14="http://schemas.microsoft.com/office/drawing/2010/main" xmlns:m="http://schemas.openxmlformats.org/officeDocument/2006/math" xmlns="" val="1"/>
+              <ma14:wrappingTextBoxFlag xmlns="" xmlns:m="http://schemas.openxmlformats.org/officeDocument/2006/math" xmlns:a14="http://schemas.microsoft.com/office/drawing/2010/main" xmlns:ma14="http://schemas.microsoft.com/office/mac/drawingml/2011/main" val="1"/>
             </a:ext>
           </a:extLst>
         </p:spPr>
@@ -4475,7 +4475,7 @@
           </a:ln>
           <a:extLst>
             <a:ext uri="{C572A759-6A51-4108-AA02-DFA0A04FC94B}">
-              <ma14:wrappingTextBoxFlag xmlns:ma14="http://schemas.microsoft.com/office/mac/drawingml/2011/main" xmlns:a14="http://schemas.microsoft.com/office/drawing/2010/main" xmlns:m="http://schemas.openxmlformats.org/officeDocument/2006/math" xmlns="" val="1"/>
+              <ma14:wrappingTextBoxFlag xmlns="" xmlns:m="http://schemas.openxmlformats.org/officeDocument/2006/math" xmlns:a14="http://schemas.microsoft.com/office/drawing/2010/main" xmlns:ma14="http://schemas.microsoft.com/office/mac/drawingml/2011/main" val="1"/>
             </a:ext>
           </a:extLst>
         </p:spPr>
@@ -4646,7 +4646,7 @@
           </a:ln>
           <a:extLst>
             <a:ext uri="{C572A759-6A51-4108-AA02-DFA0A04FC94B}">
-              <ma14:wrappingTextBoxFlag xmlns:ma14="http://schemas.microsoft.com/office/mac/drawingml/2011/main" xmlns:a14="http://schemas.microsoft.com/office/drawing/2010/main" xmlns:m="http://schemas.openxmlformats.org/officeDocument/2006/math" xmlns="" val="1"/>
+              <ma14:wrappingTextBoxFlag xmlns="" xmlns:m="http://schemas.openxmlformats.org/officeDocument/2006/math" xmlns:a14="http://schemas.microsoft.com/office/drawing/2010/main" xmlns:ma14="http://schemas.microsoft.com/office/mac/drawingml/2011/main" val="1"/>
             </a:ext>
           </a:extLst>
         </p:spPr>
@@ -4693,7 +4693,7 @@
           </a:ln>
           <a:extLst>
             <a:ext uri="{C572A759-6A51-4108-AA02-DFA0A04FC94B}">
-              <ma14:wrappingTextBoxFlag xmlns:ma14="http://schemas.microsoft.com/office/mac/drawingml/2011/main" xmlns:a14="http://schemas.microsoft.com/office/drawing/2010/main" xmlns:m="http://schemas.openxmlformats.org/officeDocument/2006/math" xmlns="" val="1"/>
+              <ma14:wrappingTextBoxFlag xmlns="" xmlns:m="http://schemas.openxmlformats.org/officeDocument/2006/math" xmlns:a14="http://schemas.microsoft.com/office/drawing/2010/main" xmlns:ma14="http://schemas.microsoft.com/office/mac/drawingml/2011/main" val="1"/>
             </a:ext>
           </a:extLst>
         </p:spPr>
@@ -4740,7 +4740,7 @@
           </a:ln>
           <a:extLst>
             <a:ext uri="{C572A759-6A51-4108-AA02-DFA0A04FC94B}">
-              <ma14:wrappingTextBoxFlag xmlns:ma14="http://schemas.microsoft.com/office/mac/drawingml/2011/main" xmlns:a14="http://schemas.microsoft.com/office/drawing/2010/main" xmlns:m="http://schemas.openxmlformats.org/officeDocument/2006/math" xmlns="" val="1"/>
+              <ma14:wrappingTextBoxFlag xmlns="" xmlns:m="http://schemas.openxmlformats.org/officeDocument/2006/math" xmlns:a14="http://schemas.microsoft.com/office/drawing/2010/main" xmlns:ma14="http://schemas.microsoft.com/office/mac/drawingml/2011/main" val="1"/>
             </a:ext>
           </a:extLst>
         </p:spPr>
@@ -4787,7 +4787,7 @@
           </a:ln>
           <a:extLst>
             <a:ext uri="{C572A759-6A51-4108-AA02-DFA0A04FC94B}">
-              <ma14:wrappingTextBoxFlag xmlns:ma14="http://schemas.microsoft.com/office/mac/drawingml/2011/main" xmlns:a14="http://schemas.microsoft.com/office/drawing/2010/main" xmlns:m="http://schemas.openxmlformats.org/officeDocument/2006/math" xmlns="" val="1"/>
+              <ma14:wrappingTextBoxFlag xmlns="" xmlns:m="http://schemas.openxmlformats.org/officeDocument/2006/math" xmlns:a14="http://schemas.microsoft.com/office/drawing/2010/main" xmlns:ma14="http://schemas.microsoft.com/office/mac/drawingml/2011/main" val="1"/>
             </a:ext>
           </a:extLst>
         </p:spPr>
@@ -4834,7 +4834,7 @@
           </a:ln>
           <a:extLst>
             <a:ext uri="{C572A759-6A51-4108-AA02-DFA0A04FC94B}">
-              <ma14:wrappingTextBoxFlag xmlns:ma14="http://schemas.microsoft.com/office/mac/drawingml/2011/main" xmlns:a14="http://schemas.microsoft.com/office/drawing/2010/main" xmlns:m="http://schemas.openxmlformats.org/officeDocument/2006/math" xmlns="" val="1"/>
+              <ma14:wrappingTextBoxFlag xmlns="" xmlns:m="http://schemas.openxmlformats.org/officeDocument/2006/math" xmlns:a14="http://schemas.microsoft.com/office/drawing/2010/main" xmlns:ma14="http://schemas.microsoft.com/office/mac/drawingml/2011/main" val="1"/>
             </a:ext>
           </a:extLst>
         </p:spPr>
@@ -4881,7 +4881,7 @@
           </a:ln>
           <a:extLst>
             <a:ext uri="{C572A759-6A51-4108-AA02-DFA0A04FC94B}">
-              <ma14:wrappingTextBoxFlag xmlns:ma14="http://schemas.microsoft.com/office/mac/drawingml/2011/main" xmlns:a14="http://schemas.microsoft.com/office/drawing/2010/main" xmlns:m="http://schemas.openxmlformats.org/officeDocument/2006/math" xmlns="" val="1"/>
+              <ma14:wrappingTextBoxFlag xmlns="" xmlns:m="http://schemas.openxmlformats.org/officeDocument/2006/math" xmlns:a14="http://schemas.microsoft.com/office/drawing/2010/main" xmlns:ma14="http://schemas.microsoft.com/office/mac/drawingml/2011/main" val="1"/>
             </a:ext>
           </a:extLst>
         </p:spPr>
@@ -5053,7 +5053,7 @@
           </a:ln>
           <a:extLst>
             <a:ext uri="{C572A759-6A51-4108-AA02-DFA0A04FC94B}">
-              <ma14:wrappingTextBoxFlag xmlns:ma14="http://schemas.microsoft.com/office/mac/drawingml/2011/main" xmlns:a14="http://schemas.microsoft.com/office/drawing/2010/main" xmlns:m="http://schemas.openxmlformats.org/officeDocument/2006/math" xmlns="" val="1"/>
+              <ma14:wrappingTextBoxFlag xmlns="" xmlns:m="http://schemas.openxmlformats.org/officeDocument/2006/math" xmlns:a14="http://schemas.microsoft.com/office/drawing/2010/main" xmlns:ma14="http://schemas.microsoft.com/office/mac/drawingml/2011/main" val="1"/>
             </a:ext>
           </a:extLst>
         </p:spPr>
@@ -5146,7 +5146,7 @@
           </a:ln>
           <a:extLst>
             <a:ext uri="{C572A759-6A51-4108-AA02-DFA0A04FC94B}">
-              <ma14:wrappingTextBoxFlag xmlns:ma14="http://schemas.microsoft.com/office/mac/drawingml/2011/main" xmlns:a14="http://schemas.microsoft.com/office/drawing/2010/main" xmlns:m="http://schemas.openxmlformats.org/officeDocument/2006/math" xmlns="" val="1"/>
+              <ma14:wrappingTextBoxFlag xmlns="" xmlns:m="http://schemas.openxmlformats.org/officeDocument/2006/math" xmlns:a14="http://schemas.microsoft.com/office/drawing/2010/main" xmlns:ma14="http://schemas.microsoft.com/office/mac/drawingml/2011/main" val="1"/>
             </a:ext>
           </a:extLst>
         </p:spPr>
@@ -5196,7 +5196,7 @@
           </a:ln>
           <a:extLst>
             <a:ext uri="{C572A759-6A51-4108-AA02-DFA0A04FC94B}">
-              <ma14:wrappingTextBoxFlag xmlns:ma14="http://schemas.microsoft.com/office/mac/drawingml/2011/main" xmlns:a14="http://schemas.microsoft.com/office/drawing/2010/main" xmlns:m="http://schemas.openxmlformats.org/officeDocument/2006/math" xmlns="" val="1"/>
+              <ma14:wrappingTextBoxFlag xmlns="" xmlns:m="http://schemas.openxmlformats.org/officeDocument/2006/math" xmlns:a14="http://schemas.microsoft.com/office/drawing/2010/main" xmlns:ma14="http://schemas.microsoft.com/office/mac/drawingml/2011/main" val="1"/>
             </a:ext>
           </a:extLst>
         </p:spPr>
@@ -5248,7 +5248,7 @@
           </a:ln>
           <a:extLst>
             <a:ext uri="{C572A759-6A51-4108-AA02-DFA0A04FC94B}">
-              <ma14:wrappingTextBoxFlag xmlns:ma14="http://schemas.microsoft.com/office/mac/drawingml/2011/main" xmlns:a14="http://schemas.microsoft.com/office/drawing/2010/main" xmlns:m="http://schemas.openxmlformats.org/officeDocument/2006/math" xmlns="" val="1"/>
+              <ma14:wrappingTextBoxFlag xmlns="" xmlns:m="http://schemas.openxmlformats.org/officeDocument/2006/math" xmlns:a14="http://schemas.microsoft.com/office/drawing/2010/main" xmlns:ma14="http://schemas.microsoft.com/office/mac/drawingml/2011/main" val="1"/>
             </a:ext>
           </a:extLst>
         </p:spPr>
@@ -5300,7 +5300,7 @@
           </a:ln>
           <a:extLst>
             <a:ext uri="{C572A759-6A51-4108-AA02-DFA0A04FC94B}">
-              <ma14:wrappingTextBoxFlag xmlns:ma14="http://schemas.microsoft.com/office/mac/drawingml/2011/main" xmlns:a14="http://schemas.microsoft.com/office/drawing/2010/main" xmlns:m="http://schemas.openxmlformats.org/officeDocument/2006/math" xmlns="" val="1"/>
+              <ma14:wrappingTextBoxFlag xmlns="" xmlns:m="http://schemas.openxmlformats.org/officeDocument/2006/math" xmlns:a14="http://schemas.microsoft.com/office/drawing/2010/main" xmlns:ma14="http://schemas.microsoft.com/office/mac/drawingml/2011/main" val="1"/>
             </a:ext>
           </a:extLst>
         </p:spPr>
@@ -5352,7 +5352,7 @@
           </a:ln>
           <a:extLst>
             <a:ext uri="{C572A759-6A51-4108-AA02-DFA0A04FC94B}">
-              <ma14:wrappingTextBoxFlag xmlns:ma14="http://schemas.microsoft.com/office/mac/drawingml/2011/main" xmlns:a14="http://schemas.microsoft.com/office/drawing/2010/main" xmlns:m="http://schemas.openxmlformats.org/officeDocument/2006/math" xmlns="" val="1"/>
+              <ma14:wrappingTextBoxFlag xmlns="" xmlns:m="http://schemas.openxmlformats.org/officeDocument/2006/math" xmlns:a14="http://schemas.microsoft.com/office/drawing/2010/main" xmlns:ma14="http://schemas.microsoft.com/office/mac/drawingml/2011/main" val="1"/>
             </a:ext>
           </a:extLst>
         </p:spPr>
@@ -5404,7 +5404,7 @@
           </a:ln>
           <a:extLst>
             <a:ext uri="{C572A759-6A51-4108-AA02-DFA0A04FC94B}">
-              <ma14:wrappingTextBoxFlag xmlns:ma14="http://schemas.microsoft.com/office/mac/drawingml/2011/main" xmlns:a14="http://schemas.microsoft.com/office/drawing/2010/main" xmlns:m="http://schemas.openxmlformats.org/officeDocument/2006/math" xmlns="" val="1"/>
+              <ma14:wrappingTextBoxFlag xmlns="" xmlns:m="http://schemas.openxmlformats.org/officeDocument/2006/math" xmlns:a14="http://schemas.microsoft.com/office/drawing/2010/main" xmlns:ma14="http://schemas.microsoft.com/office/mac/drawingml/2011/main" val="1"/>
             </a:ext>
           </a:extLst>
         </p:spPr>
@@ -5456,7 +5456,7 @@
           </a:ln>
           <a:extLst>
             <a:ext uri="{C572A759-6A51-4108-AA02-DFA0A04FC94B}">
-              <ma14:wrappingTextBoxFlag xmlns:ma14="http://schemas.microsoft.com/office/mac/drawingml/2011/main" xmlns:a14="http://schemas.microsoft.com/office/drawing/2010/main" xmlns:m="http://schemas.openxmlformats.org/officeDocument/2006/math" xmlns="" val="1"/>
+              <ma14:wrappingTextBoxFlag xmlns="" xmlns:m="http://schemas.openxmlformats.org/officeDocument/2006/math" xmlns:a14="http://schemas.microsoft.com/office/drawing/2010/main" xmlns:ma14="http://schemas.microsoft.com/office/mac/drawingml/2011/main" val="1"/>
             </a:ext>
           </a:extLst>
         </p:spPr>
@@ -5507,7 +5507,7 @@
           </a:ln>
           <a:extLst>
             <a:ext uri="{C572A759-6A51-4108-AA02-DFA0A04FC94B}">
-              <ma14:wrappingTextBoxFlag xmlns:ma14="http://schemas.microsoft.com/office/mac/drawingml/2011/main" xmlns:a14="http://schemas.microsoft.com/office/drawing/2010/main" xmlns:m="http://schemas.openxmlformats.org/officeDocument/2006/math" xmlns="" val="1"/>
+              <ma14:wrappingTextBoxFlag xmlns="" xmlns:m="http://schemas.openxmlformats.org/officeDocument/2006/math" xmlns:a14="http://schemas.microsoft.com/office/drawing/2010/main" xmlns:ma14="http://schemas.microsoft.com/office/mac/drawingml/2011/main" val="1"/>
             </a:ext>
           </a:extLst>
         </p:spPr>
@@ -5636,7 +5636,7 @@
           </a:ln>
           <a:extLst>
             <a:ext uri="{C572A759-6A51-4108-AA02-DFA0A04FC94B}">
-              <ma14:wrappingTextBoxFlag xmlns:ma14="http://schemas.microsoft.com/office/mac/drawingml/2011/main" xmlns:a14="http://schemas.microsoft.com/office/drawing/2010/main" xmlns:m="http://schemas.openxmlformats.org/officeDocument/2006/math" xmlns="" val="1"/>
+              <ma14:wrappingTextBoxFlag xmlns="" xmlns:m="http://schemas.openxmlformats.org/officeDocument/2006/math" xmlns:a14="http://schemas.microsoft.com/office/drawing/2010/main" xmlns:ma14="http://schemas.microsoft.com/office/mac/drawingml/2011/main" val="1"/>
             </a:ext>
           </a:extLst>
         </p:spPr>
@@ -5684,7 +5684,7 @@
           </a:ln>
           <a:extLst>
             <a:ext uri="{C572A759-6A51-4108-AA02-DFA0A04FC94B}">
-              <ma14:wrappingTextBoxFlag xmlns:ma14="http://schemas.microsoft.com/office/mac/drawingml/2011/main" xmlns:a14="http://schemas.microsoft.com/office/drawing/2010/main" xmlns:m="http://schemas.openxmlformats.org/officeDocument/2006/math" xmlns="" val="1"/>
+              <ma14:wrappingTextBoxFlag xmlns="" xmlns:m="http://schemas.openxmlformats.org/officeDocument/2006/math" xmlns:a14="http://schemas.microsoft.com/office/drawing/2010/main" xmlns:ma14="http://schemas.microsoft.com/office/mac/drawingml/2011/main" val="1"/>
             </a:ext>
           </a:extLst>
         </p:spPr>
@@ -5732,7 +5732,7 @@
           </a:ln>
           <a:extLst>
             <a:ext uri="{C572A759-6A51-4108-AA02-DFA0A04FC94B}">
-              <ma14:wrappingTextBoxFlag xmlns:ma14="http://schemas.microsoft.com/office/mac/drawingml/2011/main" xmlns:a14="http://schemas.microsoft.com/office/drawing/2010/main" xmlns:m="http://schemas.openxmlformats.org/officeDocument/2006/math" xmlns="" val="1"/>
+              <ma14:wrappingTextBoxFlag xmlns="" xmlns:m="http://schemas.openxmlformats.org/officeDocument/2006/math" xmlns:a14="http://schemas.microsoft.com/office/drawing/2010/main" xmlns:ma14="http://schemas.microsoft.com/office/mac/drawingml/2011/main" val="1"/>
             </a:ext>
           </a:extLst>
         </p:spPr>
@@ -5780,7 +5780,7 @@
           </a:ln>
           <a:extLst>
             <a:ext uri="{C572A759-6A51-4108-AA02-DFA0A04FC94B}">
-              <ma14:wrappingTextBoxFlag xmlns:ma14="http://schemas.microsoft.com/office/mac/drawingml/2011/main" xmlns:a14="http://schemas.microsoft.com/office/drawing/2010/main" xmlns:m="http://schemas.openxmlformats.org/officeDocument/2006/math" xmlns="" val="1"/>
+              <ma14:wrappingTextBoxFlag xmlns="" xmlns:m="http://schemas.openxmlformats.org/officeDocument/2006/math" xmlns:a14="http://schemas.microsoft.com/office/drawing/2010/main" xmlns:ma14="http://schemas.microsoft.com/office/mac/drawingml/2011/main" val="1"/>
             </a:ext>
           </a:extLst>
         </p:spPr>
@@ -5828,7 +5828,7 @@
           </a:ln>
           <a:extLst>
             <a:ext uri="{C572A759-6A51-4108-AA02-DFA0A04FC94B}">
-              <ma14:wrappingTextBoxFlag xmlns:ma14="http://schemas.microsoft.com/office/mac/drawingml/2011/main" xmlns:a14="http://schemas.microsoft.com/office/drawing/2010/main" xmlns:m="http://schemas.openxmlformats.org/officeDocument/2006/math" xmlns="" val="1"/>
+              <ma14:wrappingTextBoxFlag xmlns="" xmlns:m="http://schemas.openxmlformats.org/officeDocument/2006/math" xmlns:a14="http://schemas.microsoft.com/office/drawing/2010/main" xmlns:ma14="http://schemas.microsoft.com/office/mac/drawingml/2011/main" val="1"/>
             </a:ext>
           </a:extLst>
         </p:spPr>
@@ -5876,7 +5876,7 @@
           </a:ln>
           <a:extLst>
             <a:ext uri="{C572A759-6A51-4108-AA02-DFA0A04FC94B}">
-              <ma14:wrappingTextBoxFlag xmlns:ma14="http://schemas.microsoft.com/office/mac/drawingml/2011/main" xmlns:a14="http://schemas.microsoft.com/office/drawing/2010/main" xmlns:m="http://schemas.openxmlformats.org/officeDocument/2006/math" xmlns="" val="1"/>
+              <ma14:wrappingTextBoxFlag xmlns="" xmlns:m="http://schemas.openxmlformats.org/officeDocument/2006/math" xmlns:a14="http://schemas.microsoft.com/office/drawing/2010/main" xmlns:ma14="http://schemas.microsoft.com/office/mac/drawingml/2011/main" val="1"/>
             </a:ext>
           </a:extLst>
         </p:spPr>
@@ -5924,7 +5924,7 @@
           </a:ln>
           <a:extLst>
             <a:ext uri="{C572A759-6A51-4108-AA02-DFA0A04FC94B}">
-              <ma14:wrappingTextBoxFlag xmlns:ma14="http://schemas.microsoft.com/office/mac/drawingml/2011/main" xmlns:a14="http://schemas.microsoft.com/office/drawing/2010/main" xmlns:m="http://schemas.openxmlformats.org/officeDocument/2006/math" xmlns="" val="1"/>
+              <ma14:wrappingTextBoxFlag xmlns="" xmlns:m="http://schemas.openxmlformats.org/officeDocument/2006/math" xmlns:a14="http://schemas.microsoft.com/office/drawing/2010/main" xmlns:ma14="http://schemas.microsoft.com/office/mac/drawingml/2011/main" val="1"/>
             </a:ext>
           </a:extLst>
         </p:spPr>
@@ -5972,7 +5972,7 @@
           </a:ln>
           <a:extLst>
             <a:ext uri="{C572A759-6A51-4108-AA02-DFA0A04FC94B}">
-              <ma14:wrappingTextBoxFlag xmlns:ma14="http://schemas.microsoft.com/office/mac/drawingml/2011/main" xmlns:a14="http://schemas.microsoft.com/office/drawing/2010/main" xmlns:m="http://schemas.openxmlformats.org/officeDocument/2006/math" xmlns="" val="1"/>
+              <ma14:wrappingTextBoxFlag xmlns="" xmlns:m="http://schemas.openxmlformats.org/officeDocument/2006/math" xmlns:a14="http://schemas.microsoft.com/office/drawing/2010/main" xmlns:ma14="http://schemas.microsoft.com/office/mac/drawingml/2011/main" val="1"/>
             </a:ext>
           </a:extLst>
         </p:spPr>
@@ -6020,7 +6020,7 @@
           </a:ln>
           <a:extLst>
             <a:ext uri="{C572A759-6A51-4108-AA02-DFA0A04FC94B}">
-              <ma14:wrappingTextBoxFlag xmlns:ma14="http://schemas.microsoft.com/office/mac/drawingml/2011/main" xmlns:a14="http://schemas.microsoft.com/office/drawing/2010/main" xmlns:m="http://schemas.openxmlformats.org/officeDocument/2006/math" xmlns="" val="1"/>
+              <ma14:wrappingTextBoxFlag xmlns="" xmlns:m="http://schemas.openxmlformats.org/officeDocument/2006/math" xmlns:a14="http://schemas.microsoft.com/office/drawing/2010/main" xmlns:ma14="http://schemas.microsoft.com/office/mac/drawingml/2011/main" val="1"/>
             </a:ext>
           </a:extLst>
         </p:spPr>
@@ -6068,7 +6068,7 @@
           </a:ln>
           <a:extLst>
             <a:ext uri="{C572A759-6A51-4108-AA02-DFA0A04FC94B}">
-              <ma14:wrappingTextBoxFlag xmlns:ma14="http://schemas.microsoft.com/office/mac/drawingml/2011/main" xmlns:a14="http://schemas.microsoft.com/office/drawing/2010/main" xmlns:m="http://schemas.openxmlformats.org/officeDocument/2006/math" xmlns="" val="1"/>
+              <ma14:wrappingTextBoxFlag xmlns="" xmlns:m="http://schemas.openxmlformats.org/officeDocument/2006/math" xmlns:a14="http://schemas.microsoft.com/office/drawing/2010/main" xmlns:ma14="http://schemas.microsoft.com/office/mac/drawingml/2011/main" val="1"/>
             </a:ext>
           </a:extLst>
         </p:spPr>
@@ -6116,7 +6116,7 @@
           </a:ln>
           <a:extLst>
             <a:ext uri="{C572A759-6A51-4108-AA02-DFA0A04FC94B}">
-              <ma14:wrappingTextBoxFlag xmlns:ma14="http://schemas.microsoft.com/office/mac/drawingml/2011/main" xmlns:a14="http://schemas.microsoft.com/office/drawing/2010/main" xmlns:m="http://schemas.openxmlformats.org/officeDocument/2006/math" xmlns="" val="1"/>
+              <ma14:wrappingTextBoxFlag xmlns="" xmlns:m="http://schemas.openxmlformats.org/officeDocument/2006/math" xmlns:a14="http://schemas.microsoft.com/office/drawing/2010/main" xmlns:ma14="http://schemas.microsoft.com/office/mac/drawingml/2011/main" val="1"/>
             </a:ext>
           </a:extLst>
         </p:spPr>
@@ -6187,7 +6187,7 @@
           </a:ln>
           <a:extLst>
             <a:ext uri="{C572A759-6A51-4108-AA02-DFA0A04FC94B}">
-              <ma14:wrappingTextBoxFlag xmlns:ma14="http://schemas.microsoft.com/office/mac/drawingml/2011/main" xmlns:a14="http://schemas.microsoft.com/office/drawing/2010/main" xmlns:m="http://schemas.openxmlformats.org/officeDocument/2006/math" xmlns="" val="1"/>
+              <ma14:wrappingTextBoxFlag xmlns="" xmlns:m="http://schemas.openxmlformats.org/officeDocument/2006/math" xmlns:a14="http://schemas.microsoft.com/office/drawing/2010/main" xmlns:ma14="http://schemas.microsoft.com/office/mac/drawingml/2011/main" val="1"/>
             </a:ext>
           </a:extLst>
         </p:spPr>
@@ -7275,6 +7275,88 @@
                 <a:solidFill>
                   <a:schemeClr val="tx1"/>
                 </a:solidFill>
+              </a:ln>
+              <a:solidFill>
+                <a:srgbClr val="000000"/>
+              </a:solidFill>
+              <a:effectLst/>
+              <a:uFillTx/>
+              <a:latin typeface="+mn-lt"/>
+              <a:ea typeface="+mn-ea"/>
+              <a:cs typeface="+mn-cs"/>
+              <a:sym typeface="Aptos"/>
+            </a:endParaRPr>
+          </a:p>
+        </p:txBody>
+      </p:sp>
+      <p:sp>
+        <p:nvSpPr>
+          <p:cNvPr id="3" name="Rectangle 2">
+            <a:extLst>
+              <a:ext uri="{FF2B5EF4-FFF2-40B4-BE49-F238E27FC236}">
+                <a16:creationId xmlns:a16="http://schemas.microsoft.com/office/drawing/2014/main" id="{803A8EF7-C950-0C96-8049-02A3EC380F3E}"/>
+              </a:ext>
+            </a:extLst>
+          </p:cNvPr>
+          <p:cNvSpPr/>
+          <p:nvPr/>
+        </p:nvSpPr>
+        <p:spPr>
+          <a:xfrm>
+            <a:off x="3542113" y="6400489"/>
+            <a:ext cx="3099934" cy="3205022"/>
+          </a:xfrm>
+          <a:prstGeom prst="rect">
+            <a:avLst/>
+          </a:prstGeom>
+          <a:noFill/>
+          <a:ln w="50800" cap="flat">
+            <a:solidFill>
+              <a:schemeClr val="tx1"/>
+            </a:solidFill>
+            <a:prstDash val="solid"/>
+            <a:miter lim="800000"/>
+          </a:ln>
+          <a:effectLst/>
+          <a:sp3d/>
+        </p:spPr>
+        <p:style>
+          <a:lnRef idx="0">
+            <a:scrgbClr r="0" g="0" b="0"/>
+          </a:lnRef>
+          <a:fillRef idx="0">
+            <a:scrgbClr r="0" g="0" b="0"/>
+          </a:fillRef>
+          <a:effectRef idx="0">
+            <a:scrgbClr r="0" g="0" b="0"/>
+          </a:effectRef>
+          <a:fontRef idx="none"/>
+        </p:style>
+        <p:txBody>
+          <a:bodyPr rot="0" spcFirstLastPara="1" vertOverflow="overflow" horzOverflow="overflow" vert="horz" wrap="square" lIns="45719" tIns="45719" rIns="45719" bIns="45719" numCol="1" spcCol="38100" rtlCol="0" anchor="ctr">
+            <a:spAutoFit/>
+          </a:bodyPr>
+          <a:lstStyle/>
+          <a:p>
+            <a:pPr marL="0" marR="0" indent="0" algn="l" defTabSz="457200" rtl="0" fontAlgn="auto" latinLnBrk="0" hangingPunct="0">
+              <a:lnSpc>
+                <a:spcPct val="100000"/>
+              </a:lnSpc>
+              <a:spcBef>
+                <a:spcPts val="0"/>
+              </a:spcBef>
+              <a:spcAft>
+                <a:spcPts val="0"/>
+              </a:spcAft>
+              <a:buClrTx/>
+              <a:buSzTx/>
+              <a:buFontTx/>
+              <a:buNone/>
+              <a:tabLst/>
+            </a:pPr>
+            <a:endParaRPr kumimoji="0" lang="LID4096" sz="1800" b="0" i="0" u="none" strike="noStrike" cap="none" spc="0" normalizeH="0" baseline="0">
+              <a:ln>
+                <a:noFill/>
               </a:ln>
               <a:solidFill>
                 <a:srgbClr val="000000"/>

--- a/powerpoint template.pptx
+++ b/powerpoint template.pptx
@@ -318,6 +318,51 @@
 </p:presentation>
 </file>
 
+<file path=ppt/revisionInfo.xml><?xml version="1.0" encoding="utf-8"?>
+<p1510:revInfo xmlns:a="http://schemas.openxmlformats.org/drawingml/2006/main" xmlns:r="http://schemas.openxmlformats.org/officeDocument/2006/relationships" xmlns:p1510="http://schemas.microsoft.com/office/powerpoint/2015/10/main">
+  <p1510:revLst>
+    <p1510:client id="{CB0225AB-6E09-4C02-964D-D149BB380812}" v="1" dt="2026-02-10T13:48:19.522"/>
+  </p1510:revLst>
+</p1510:revInfo>
+</file>
+
+<file path=ppt/changesInfos/changesInfo1.xml><?xml version="1.0" encoding="utf-8"?>
+<pc:chgInfo xmlns:a="http://schemas.openxmlformats.org/drawingml/2006/main" xmlns:r="http://schemas.openxmlformats.org/officeDocument/2006/relationships" xmlns:ac="http://schemas.microsoft.com/office/drawing/2013/main/command" xmlns:pc="http://schemas.microsoft.com/office/powerpoint/2013/main/command">
+  <pc:docChgLst>
+    <pc:chgData name="roeland kramer" userId="205d280fcba3cbd5" providerId="LiveId" clId="{AE241127-7682-4E2B-B120-8E8D17819845}"/>
+    <pc:docChg chg="modSld">
+      <pc:chgData name="roeland kramer" userId="205d280fcba3cbd5" providerId="LiveId" clId="{AE241127-7682-4E2B-B120-8E8D17819845}" dt="2026-02-10T13:48:31.615" v="4" actId="1076"/>
+      <pc:docMkLst>
+        <pc:docMk/>
+      </pc:docMkLst>
+      <pc:sldChg chg="addSp modSp mod">
+        <pc:chgData name="roeland kramer" userId="205d280fcba3cbd5" providerId="LiveId" clId="{AE241127-7682-4E2B-B120-8E8D17819845}" dt="2026-02-10T13:48:31.615" v="4" actId="1076"/>
+        <pc:sldMkLst>
+          <pc:docMk/>
+          <pc:sldMk cId="0" sldId="256"/>
+        </pc:sldMkLst>
+        <pc:spChg chg="add mod">
+          <ac:chgData name="roeland kramer" userId="205d280fcba3cbd5" providerId="LiveId" clId="{AE241127-7682-4E2B-B120-8E8D17819845}" dt="2026-02-10T13:48:19.521" v="3"/>
+          <ac:spMkLst>
+            <pc:docMk/>
+            <pc:sldMk cId="0" sldId="256"/>
+            <ac:spMk id="4" creationId="{C29B6D7C-C33A-D242-6C97-5AB89E6195D7}"/>
+          </ac:spMkLst>
+        </pc:spChg>
+        <pc:spChg chg="mod">
+          <ac:chgData name="roeland kramer" userId="205d280fcba3cbd5" providerId="LiveId" clId="{AE241127-7682-4E2B-B120-8E8D17819845}" dt="2026-02-10T13:48:31.615" v="4" actId="1076"/>
+          <ac:spMkLst>
+            <pc:docMk/>
+            <pc:sldMk cId="0" sldId="256"/>
+            <ac:spMk id="6" creationId="{1A70E66F-FDAA-0070-7C79-E2F3E1807420}"/>
+          </ac:spMkLst>
+        </pc:spChg>
+      </pc:sldChg>
+    </pc:docChg>
+  </pc:docChgLst>
+</pc:chgInfo>
+</file>
+
 <file path=ppt/notesMasters/notesMaster1.xml><?xml version="1.0" encoding="utf-8"?>
 <p:notesMaster xmlns:a="http://schemas.openxmlformats.org/drawingml/2006/main" xmlns:r="http://schemas.openxmlformats.org/officeDocument/2006/relationships" xmlns:p="http://schemas.openxmlformats.org/presentationml/2006/main">
   <p:cSld>
@@ -968,7 +1013,7 @@
           </a:ln>
           <a:extLst>
             <a:ext uri="{C572A759-6A51-4108-AA02-DFA0A04FC94B}">
-              <ma14:wrappingTextBoxFlag xmlns="" xmlns:m="http://schemas.openxmlformats.org/officeDocument/2006/math" xmlns:a14="http://schemas.microsoft.com/office/drawing/2010/main" xmlns:ma14="http://schemas.microsoft.com/office/mac/drawingml/2011/main" val="1"/>
+              <ma14:wrappingTextBoxFlag xmlns:ma14="http://schemas.microsoft.com/office/mac/drawingml/2011/main" xmlns:a14="http://schemas.microsoft.com/office/drawing/2010/main" xmlns:m="http://schemas.openxmlformats.org/officeDocument/2006/math" xmlns="" val="1"/>
             </a:ext>
           </a:extLst>
         </p:spPr>
@@ -1015,7 +1060,7 @@
           </a:ln>
           <a:extLst>
             <a:ext uri="{C572A759-6A51-4108-AA02-DFA0A04FC94B}">
-              <ma14:wrappingTextBoxFlag xmlns="" xmlns:m="http://schemas.openxmlformats.org/officeDocument/2006/math" xmlns:a14="http://schemas.microsoft.com/office/drawing/2010/main" xmlns:ma14="http://schemas.microsoft.com/office/mac/drawingml/2011/main" val="1"/>
+              <ma14:wrappingTextBoxFlag xmlns:ma14="http://schemas.microsoft.com/office/mac/drawingml/2011/main" xmlns:a14="http://schemas.microsoft.com/office/drawing/2010/main" xmlns:m="http://schemas.openxmlformats.org/officeDocument/2006/math" xmlns="" val="1"/>
             </a:ext>
           </a:extLst>
         </p:spPr>
@@ -1062,7 +1107,7 @@
           </a:ln>
           <a:extLst>
             <a:ext uri="{C572A759-6A51-4108-AA02-DFA0A04FC94B}">
-              <ma14:wrappingTextBoxFlag xmlns="" xmlns:m="http://schemas.openxmlformats.org/officeDocument/2006/math" xmlns:a14="http://schemas.microsoft.com/office/drawing/2010/main" xmlns:ma14="http://schemas.microsoft.com/office/mac/drawingml/2011/main" val="1"/>
+              <ma14:wrappingTextBoxFlag xmlns:ma14="http://schemas.microsoft.com/office/mac/drawingml/2011/main" xmlns:a14="http://schemas.microsoft.com/office/drawing/2010/main" xmlns:m="http://schemas.openxmlformats.org/officeDocument/2006/math" xmlns="" val="1"/>
             </a:ext>
           </a:extLst>
         </p:spPr>
@@ -2543,7 +2588,7 @@
           </a:ln>
           <a:extLst>
             <a:ext uri="{C572A759-6A51-4108-AA02-DFA0A04FC94B}">
-              <ma14:wrappingTextBoxFlag xmlns="" xmlns:m="http://schemas.openxmlformats.org/officeDocument/2006/math" xmlns:a14="http://schemas.microsoft.com/office/drawing/2010/main" xmlns:ma14="http://schemas.microsoft.com/office/mac/drawingml/2011/main" val="1"/>
+              <ma14:wrappingTextBoxFlag xmlns:ma14="http://schemas.microsoft.com/office/mac/drawingml/2011/main" xmlns:a14="http://schemas.microsoft.com/office/drawing/2010/main" xmlns:m="http://schemas.openxmlformats.org/officeDocument/2006/math" xmlns="" val="1"/>
             </a:ext>
           </a:extLst>
         </p:spPr>
@@ -2685,7 +2730,7 @@
           </a:ln>
           <a:extLst>
             <a:ext uri="{C572A759-6A51-4108-AA02-DFA0A04FC94B}">
-              <ma14:wrappingTextBoxFlag xmlns="" xmlns:m="http://schemas.openxmlformats.org/officeDocument/2006/math" xmlns:a14="http://schemas.microsoft.com/office/drawing/2010/main" xmlns:ma14="http://schemas.microsoft.com/office/mac/drawingml/2011/main" val="1"/>
+              <ma14:wrappingTextBoxFlag xmlns:ma14="http://schemas.microsoft.com/office/mac/drawingml/2011/main" xmlns:a14="http://schemas.microsoft.com/office/drawing/2010/main" xmlns:m="http://schemas.openxmlformats.org/officeDocument/2006/math" xmlns="" val="1"/>
             </a:ext>
           </a:extLst>
         </p:spPr>
@@ -2763,7 +2808,7 @@
           </a:ln>
           <a:extLst>
             <a:ext uri="{C572A759-6A51-4108-AA02-DFA0A04FC94B}">
-              <ma14:wrappingTextBoxFlag xmlns="" xmlns:m="http://schemas.openxmlformats.org/officeDocument/2006/math" xmlns:a14="http://schemas.microsoft.com/office/drawing/2010/main" xmlns:ma14="http://schemas.microsoft.com/office/mac/drawingml/2011/main" val="1"/>
+              <ma14:wrappingTextBoxFlag xmlns:ma14="http://schemas.microsoft.com/office/mac/drawingml/2011/main" xmlns:a14="http://schemas.microsoft.com/office/drawing/2010/main" xmlns:m="http://schemas.openxmlformats.org/officeDocument/2006/math" xmlns="" val="1"/>
             </a:ext>
           </a:extLst>
         </p:spPr>
@@ -2810,7 +2855,7 @@
           </a:ln>
           <a:extLst>
             <a:ext uri="{C572A759-6A51-4108-AA02-DFA0A04FC94B}">
-              <ma14:wrappingTextBoxFlag xmlns="" xmlns:m="http://schemas.openxmlformats.org/officeDocument/2006/math" xmlns:a14="http://schemas.microsoft.com/office/drawing/2010/main" xmlns:ma14="http://schemas.microsoft.com/office/mac/drawingml/2011/main" val="1"/>
+              <ma14:wrappingTextBoxFlag xmlns:ma14="http://schemas.microsoft.com/office/mac/drawingml/2011/main" xmlns:a14="http://schemas.microsoft.com/office/drawing/2010/main" xmlns:m="http://schemas.openxmlformats.org/officeDocument/2006/math" xmlns="" val="1"/>
             </a:ext>
           </a:extLst>
         </p:spPr>
@@ -2857,7 +2902,7 @@
           </a:ln>
           <a:extLst>
             <a:ext uri="{C572A759-6A51-4108-AA02-DFA0A04FC94B}">
-              <ma14:wrappingTextBoxFlag xmlns="" xmlns:m="http://schemas.openxmlformats.org/officeDocument/2006/math" xmlns:a14="http://schemas.microsoft.com/office/drawing/2010/main" xmlns:ma14="http://schemas.microsoft.com/office/mac/drawingml/2011/main" val="1"/>
+              <ma14:wrappingTextBoxFlag xmlns:ma14="http://schemas.microsoft.com/office/mac/drawingml/2011/main" xmlns:a14="http://schemas.microsoft.com/office/drawing/2010/main" xmlns:m="http://schemas.openxmlformats.org/officeDocument/2006/math" xmlns="" val="1"/>
             </a:ext>
           </a:extLst>
         </p:spPr>
@@ -2904,7 +2949,7 @@
           </a:ln>
           <a:extLst>
             <a:ext uri="{C572A759-6A51-4108-AA02-DFA0A04FC94B}">
-              <ma14:wrappingTextBoxFlag xmlns="" xmlns:m="http://schemas.openxmlformats.org/officeDocument/2006/math" xmlns:a14="http://schemas.microsoft.com/office/drawing/2010/main" xmlns:ma14="http://schemas.microsoft.com/office/mac/drawingml/2011/main" val="1"/>
+              <ma14:wrappingTextBoxFlag xmlns:ma14="http://schemas.microsoft.com/office/mac/drawingml/2011/main" xmlns:a14="http://schemas.microsoft.com/office/drawing/2010/main" xmlns:m="http://schemas.openxmlformats.org/officeDocument/2006/math" xmlns="" val="1"/>
             </a:ext>
           </a:extLst>
         </p:spPr>
@@ -2951,7 +2996,7 @@
           </a:ln>
           <a:extLst>
             <a:ext uri="{C572A759-6A51-4108-AA02-DFA0A04FC94B}">
-              <ma14:wrappingTextBoxFlag xmlns="" xmlns:m="http://schemas.openxmlformats.org/officeDocument/2006/math" xmlns:a14="http://schemas.microsoft.com/office/drawing/2010/main" xmlns:ma14="http://schemas.microsoft.com/office/mac/drawingml/2011/main" val="1"/>
+              <ma14:wrappingTextBoxFlag xmlns:ma14="http://schemas.microsoft.com/office/mac/drawingml/2011/main" xmlns:a14="http://schemas.microsoft.com/office/drawing/2010/main" xmlns:m="http://schemas.openxmlformats.org/officeDocument/2006/math" xmlns="" val="1"/>
             </a:ext>
           </a:extLst>
         </p:spPr>
@@ -3187,7 +3232,7 @@
           </a:ln>
           <a:extLst>
             <a:ext uri="{C572A759-6A51-4108-AA02-DFA0A04FC94B}">
-              <ma14:wrappingTextBoxFlag xmlns="" xmlns:m="http://schemas.openxmlformats.org/officeDocument/2006/math" xmlns:a14="http://schemas.microsoft.com/office/drawing/2010/main" xmlns:ma14="http://schemas.microsoft.com/office/mac/drawingml/2011/main" val="1"/>
+              <ma14:wrappingTextBoxFlag xmlns:ma14="http://schemas.microsoft.com/office/mac/drawingml/2011/main" xmlns:a14="http://schemas.microsoft.com/office/drawing/2010/main" xmlns:m="http://schemas.openxmlformats.org/officeDocument/2006/math" xmlns="" val="1"/>
             </a:ext>
           </a:extLst>
         </p:spPr>
@@ -3234,7 +3279,7 @@
           </a:ln>
           <a:extLst>
             <a:ext uri="{C572A759-6A51-4108-AA02-DFA0A04FC94B}">
-              <ma14:wrappingTextBoxFlag xmlns="" xmlns:m="http://schemas.openxmlformats.org/officeDocument/2006/math" xmlns:a14="http://schemas.microsoft.com/office/drawing/2010/main" xmlns:ma14="http://schemas.microsoft.com/office/mac/drawingml/2011/main" val="1"/>
+              <ma14:wrappingTextBoxFlag xmlns:ma14="http://schemas.microsoft.com/office/mac/drawingml/2011/main" xmlns:a14="http://schemas.microsoft.com/office/drawing/2010/main" xmlns:m="http://schemas.openxmlformats.org/officeDocument/2006/math" xmlns="" val="1"/>
             </a:ext>
           </a:extLst>
         </p:spPr>
@@ -3426,7 +3471,7 @@
           </a:ln>
           <a:extLst>
             <a:ext uri="{C572A759-6A51-4108-AA02-DFA0A04FC94B}">
-              <ma14:wrappingTextBoxFlag xmlns="" xmlns:m="http://schemas.openxmlformats.org/officeDocument/2006/math" xmlns:a14="http://schemas.microsoft.com/office/drawing/2010/main" xmlns:ma14="http://schemas.microsoft.com/office/mac/drawingml/2011/main" val="1"/>
+              <ma14:wrappingTextBoxFlag xmlns:ma14="http://schemas.microsoft.com/office/mac/drawingml/2011/main" xmlns:a14="http://schemas.microsoft.com/office/drawing/2010/main" xmlns:m="http://schemas.openxmlformats.org/officeDocument/2006/math" xmlns="" val="1"/>
             </a:ext>
           </a:extLst>
         </p:spPr>
@@ -3465,7 +3510,7 @@
           </a:ln>
           <a:extLst>
             <a:ext uri="{C572A759-6A51-4108-AA02-DFA0A04FC94B}">
-              <ma14:wrappingTextBoxFlag xmlns="" xmlns:m="http://schemas.openxmlformats.org/officeDocument/2006/math" xmlns:a14="http://schemas.microsoft.com/office/drawing/2010/main" xmlns:ma14="http://schemas.microsoft.com/office/mac/drawingml/2011/main" val="1"/>
+              <ma14:wrappingTextBoxFlag xmlns:ma14="http://schemas.microsoft.com/office/mac/drawingml/2011/main" xmlns:a14="http://schemas.microsoft.com/office/drawing/2010/main" xmlns:m="http://schemas.openxmlformats.org/officeDocument/2006/math" xmlns="" val="1"/>
             </a:ext>
           </a:extLst>
         </p:spPr>
@@ -4475,7 +4520,7 @@
           </a:ln>
           <a:extLst>
             <a:ext uri="{C572A759-6A51-4108-AA02-DFA0A04FC94B}">
-              <ma14:wrappingTextBoxFlag xmlns="" xmlns:m="http://schemas.openxmlformats.org/officeDocument/2006/math" xmlns:a14="http://schemas.microsoft.com/office/drawing/2010/main" xmlns:ma14="http://schemas.microsoft.com/office/mac/drawingml/2011/main" val="1"/>
+              <ma14:wrappingTextBoxFlag xmlns:ma14="http://schemas.microsoft.com/office/mac/drawingml/2011/main" xmlns:a14="http://schemas.microsoft.com/office/drawing/2010/main" xmlns:m="http://schemas.openxmlformats.org/officeDocument/2006/math" xmlns="" val="1"/>
             </a:ext>
           </a:extLst>
         </p:spPr>
@@ -4646,7 +4691,7 @@
           </a:ln>
           <a:extLst>
             <a:ext uri="{C572A759-6A51-4108-AA02-DFA0A04FC94B}">
-              <ma14:wrappingTextBoxFlag xmlns="" xmlns:m="http://schemas.openxmlformats.org/officeDocument/2006/math" xmlns:a14="http://schemas.microsoft.com/office/drawing/2010/main" xmlns:ma14="http://schemas.microsoft.com/office/mac/drawingml/2011/main" val="1"/>
+              <ma14:wrappingTextBoxFlag xmlns:ma14="http://schemas.microsoft.com/office/mac/drawingml/2011/main" xmlns:a14="http://schemas.microsoft.com/office/drawing/2010/main" xmlns:m="http://schemas.openxmlformats.org/officeDocument/2006/math" xmlns="" val="1"/>
             </a:ext>
           </a:extLst>
         </p:spPr>
@@ -4693,7 +4738,7 @@
           </a:ln>
           <a:extLst>
             <a:ext uri="{C572A759-6A51-4108-AA02-DFA0A04FC94B}">
-              <ma14:wrappingTextBoxFlag xmlns="" xmlns:m="http://schemas.openxmlformats.org/officeDocument/2006/math" xmlns:a14="http://schemas.microsoft.com/office/drawing/2010/main" xmlns:ma14="http://schemas.microsoft.com/office/mac/drawingml/2011/main" val="1"/>
+              <ma14:wrappingTextBoxFlag xmlns:ma14="http://schemas.microsoft.com/office/mac/drawingml/2011/main" xmlns:a14="http://schemas.microsoft.com/office/drawing/2010/main" xmlns:m="http://schemas.openxmlformats.org/officeDocument/2006/math" xmlns="" val="1"/>
             </a:ext>
           </a:extLst>
         </p:spPr>
@@ -4740,7 +4785,7 @@
           </a:ln>
           <a:extLst>
             <a:ext uri="{C572A759-6A51-4108-AA02-DFA0A04FC94B}">
-              <ma14:wrappingTextBoxFlag xmlns="" xmlns:m="http://schemas.openxmlformats.org/officeDocument/2006/math" xmlns:a14="http://schemas.microsoft.com/office/drawing/2010/main" xmlns:ma14="http://schemas.microsoft.com/office/mac/drawingml/2011/main" val="1"/>
+              <ma14:wrappingTextBoxFlag xmlns:ma14="http://schemas.microsoft.com/office/mac/drawingml/2011/main" xmlns:a14="http://schemas.microsoft.com/office/drawing/2010/main" xmlns:m="http://schemas.openxmlformats.org/officeDocument/2006/math" xmlns="" val="1"/>
             </a:ext>
           </a:extLst>
         </p:spPr>
@@ -4787,7 +4832,7 @@
           </a:ln>
           <a:extLst>
             <a:ext uri="{C572A759-6A51-4108-AA02-DFA0A04FC94B}">
-              <ma14:wrappingTextBoxFlag xmlns="" xmlns:m="http://schemas.openxmlformats.org/officeDocument/2006/math" xmlns:a14="http://schemas.microsoft.com/office/drawing/2010/main" xmlns:ma14="http://schemas.microsoft.com/office/mac/drawingml/2011/main" val="1"/>
+              <ma14:wrappingTextBoxFlag xmlns:ma14="http://schemas.microsoft.com/office/mac/drawingml/2011/main" xmlns:a14="http://schemas.microsoft.com/office/drawing/2010/main" xmlns:m="http://schemas.openxmlformats.org/officeDocument/2006/math" xmlns="" val="1"/>
             </a:ext>
           </a:extLst>
         </p:spPr>
@@ -4834,7 +4879,7 @@
           </a:ln>
           <a:extLst>
             <a:ext uri="{C572A759-6A51-4108-AA02-DFA0A04FC94B}">
-              <ma14:wrappingTextBoxFlag xmlns="" xmlns:m="http://schemas.openxmlformats.org/officeDocument/2006/math" xmlns:a14="http://schemas.microsoft.com/office/drawing/2010/main" xmlns:ma14="http://schemas.microsoft.com/office/mac/drawingml/2011/main" val="1"/>
+              <ma14:wrappingTextBoxFlag xmlns:ma14="http://schemas.microsoft.com/office/mac/drawingml/2011/main" xmlns:a14="http://schemas.microsoft.com/office/drawing/2010/main" xmlns:m="http://schemas.openxmlformats.org/officeDocument/2006/math" xmlns="" val="1"/>
             </a:ext>
           </a:extLst>
         </p:spPr>
@@ -4881,7 +4926,7 @@
           </a:ln>
           <a:extLst>
             <a:ext uri="{C572A759-6A51-4108-AA02-DFA0A04FC94B}">
-              <ma14:wrappingTextBoxFlag xmlns="" xmlns:m="http://schemas.openxmlformats.org/officeDocument/2006/math" xmlns:a14="http://schemas.microsoft.com/office/drawing/2010/main" xmlns:ma14="http://schemas.microsoft.com/office/mac/drawingml/2011/main" val="1"/>
+              <ma14:wrappingTextBoxFlag xmlns:ma14="http://schemas.microsoft.com/office/mac/drawingml/2011/main" xmlns:a14="http://schemas.microsoft.com/office/drawing/2010/main" xmlns:m="http://schemas.openxmlformats.org/officeDocument/2006/math" xmlns="" val="1"/>
             </a:ext>
           </a:extLst>
         </p:spPr>
@@ -5053,7 +5098,7 @@
           </a:ln>
           <a:extLst>
             <a:ext uri="{C572A759-6A51-4108-AA02-DFA0A04FC94B}">
-              <ma14:wrappingTextBoxFlag xmlns="" xmlns:m="http://schemas.openxmlformats.org/officeDocument/2006/math" xmlns:a14="http://schemas.microsoft.com/office/drawing/2010/main" xmlns:ma14="http://schemas.microsoft.com/office/mac/drawingml/2011/main" val="1"/>
+              <ma14:wrappingTextBoxFlag xmlns:ma14="http://schemas.microsoft.com/office/mac/drawingml/2011/main" xmlns:a14="http://schemas.microsoft.com/office/drawing/2010/main" xmlns:m="http://schemas.openxmlformats.org/officeDocument/2006/math" xmlns="" val="1"/>
             </a:ext>
           </a:extLst>
         </p:spPr>
@@ -5146,7 +5191,7 @@
           </a:ln>
           <a:extLst>
             <a:ext uri="{C572A759-6A51-4108-AA02-DFA0A04FC94B}">
-              <ma14:wrappingTextBoxFlag xmlns="" xmlns:m="http://schemas.openxmlformats.org/officeDocument/2006/math" xmlns:a14="http://schemas.microsoft.com/office/drawing/2010/main" xmlns:ma14="http://schemas.microsoft.com/office/mac/drawingml/2011/main" val="1"/>
+              <ma14:wrappingTextBoxFlag xmlns:ma14="http://schemas.microsoft.com/office/mac/drawingml/2011/main" xmlns:a14="http://schemas.microsoft.com/office/drawing/2010/main" xmlns:m="http://schemas.openxmlformats.org/officeDocument/2006/math" xmlns="" val="1"/>
             </a:ext>
           </a:extLst>
         </p:spPr>
@@ -5196,7 +5241,7 @@
           </a:ln>
           <a:extLst>
             <a:ext uri="{C572A759-6A51-4108-AA02-DFA0A04FC94B}">
-              <ma14:wrappingTextBoxFlag xmlns="" xmlns:m="http://schemas.openxmlformats.org/officeDocument/2006/math" xmlns:a14="http://schemas.microsoft.com/office/drawing/2010/main" xmlns:ma14="http://schemas.microsoft.com/office/mac/drawingml/2011/main" val="1"/>
+              <ma14:wrappingTextBoxFlag xmlns:ma14="http://schemas.microsoft.com/office/mac/drawingml/2011/main" xmlns:a14="http://schemas.microsoft.com/office/drawing/2010/main" xmlns:m="http://schemas.openxmlformats.org/officeDocument/2006/math" xmlns="" val="1"/>
             </a:ext>
           </a:extLst>
         </p:spPr>
@@ -5248,7 +5293,7 @@
           </a:ln>
           <a:extLst>
             <a:ext uri="{C572A759-6A51-4108-AA02-DFA0A04FC94B}">
-              <ma14:wrappingTextBoxFlag xmlns="" xmlns:m="http://schemas.openxmlformats.org/officeDocument/2006/math" xmlns:a14="http://schemas.microsoft.com/office/drawing/2010/main" xmlns:ma14="http://schemas.microsoft.com/office/mac/drawingml/2011/main" val="1"/>
+              <ma14:wrappingTextBoxFlag xmlns:ma14="http://schemas.microsoft.com/office/mac/drawingml/2011/main" xmlns:a14="http://schemas.microsoft.com/office/drawing/2010/main" xmlns:m="http://schemas.openxmlformats.org/officeDocument/2006/math" xmlns="" val="1"/>
             </a:ext>
           </a:extLst>
         </p:spPr>
@@ -5300,7 +5345,7 @@
           </a:ln>
           <a:extLst>
             <a:ext uri="{C572A759-6A51-4108-AA02-DFA0A04FC94B}">
-              <ma14:wrappingTextBoxFlag xmlns="" xmlns:m="http://schemas.openxmlformats.org/officeDocument/2006/math" xmlns:a14="http://schemas.microsoft.com/office/drawing/2010/main" xmlns:ma14="http://schemas.microsoft.com/office/mac/drawingml/2011/main" val="1"/>
+              <ma14:wrappingTextBoxFlag xmlns:ma14="http://schemas.microsoft.com/office/mac/drawingml/2011/main" xmlns:a14="http://schemas.microsoft.com/office/drawing/2010/main" xmlns:m="http://schemas.openxmlformats.org/officeDocument/2006/math" xmlns="" val="1"/>
             </a:ext>
           </a:extLst>
         </p:spPr>
@@ -5352,7 +5397,7 @@
           </a:ln>
           <a:extLst>
             <a:ext uri="{C572A759-6A51-4108-AA02-DFA0A04FC94B}">
-              <ma14:wrappingTextBoxFlag xmlns="" xmlns:m="http://schemas.openxmlformats.org/officeDocument/2006/math" xmlns:a14="http://schemas.microsoft.com/office/drawing/2010/main" xmlns:ma14="http://schemas.microsoft.com/office/mac/drawingml/2011/main" val="1"/>
+              <ma14:wrappingTextBoxFlag xmlns:ma14="http://schemas.microsoft.com/office/mac/drawingml/2011/main" xmlns:a14="http://schemas.microsoft.com/office/drawing/2010/main" xmlns:m="http://schemas.openxmlformats.org/officeDocument/2006/math" xmlns="" val="1"/>
             </a:ext>
           </a:extLst>
         </p:spPr>
@@ -5404,7 +5449,7 @@
           </a:ln>
           <a:extLst>
             <a:ext uri="{C572A759-6A51-4108-AA02-DFA0A04FC94B}">
-              <ma14:wrappingTextBoxFlag xmlns="" xmlns:m="http://schemas.openxmlformats.org/officeDocument/2006/math" xmlns:a14="http://schemas.microsoft.com/office/drawing/2010/main" xmlns:ma14="http://schemas.microsoft.com/office/mac/drawingml/2011/main" val="1"/>
+              <ma14:wrappingTextBoxFlag xmlns:ma14="http://schemas.microsoft.com/office/mac/drawingml/2011/main" xmlns:a14="http://schemas.microsoft.com/office/drawing/2010/main" xmlns:m="http://schemas.openxmlformats.org/officeDocument/2006/math" xmlns="" val="1"/>
             </a:ext>
           </a:extLst>
         </p:spPr>
@@ -5456,7 +5501,7 @@
           </a:ln>
           <a:extLst>
             <a:ext uri="{C572A759-6A51-4108-AA02-DFA0A04FC94B}">
-              <ma14:wrappingTextBoxFlag xmlns="" xmlns:m="http://schemas.openxmlformats.org/officeDocument/2006/math" xmlns:a14="http://schemas.microsoft.com/office/drawing/2010/main" xmlns:ma14="http://schemas.microsoft.com/office/mac/drawingml/2011/main" val="1"/>
+              <ma14:wrappingTextBoxFlag xmlns:ma14="http://schemas.microsoft.com/office/mac/drawingml/2011/main" xmlns:a14="http://schemas.microsoft.com/office/drawing/2010/main" xmlns:m="http://schemas.openxmlformats.org/officeDocument/2006/math" xmlns="" val="1"/>
             </a:ext>
           </a:extLst>
         </p:spPr>
@@ -5507,7 +5552,7 @@
           </a:ln>
           <a:extLst>
             <a:ext uri="{C572A759-6A51-4108-AA02-DFA0A04FC94B}">
-              <ma14:wrappingTextBoxFlag xmlns="" xmlns:m="http://schemas.openxmlformats.org/officeDocument/2006/math" xmlns:a14="http://schemas.microsoft.com/office/drawing/2010/main" xmlns:ma14="http://schemas.microsoft.com/office/mac/drawingml/2011/main" val="1"/>
+              <ma14:wrappingTextBoxFlag xmlns:ma14="http://schemas.microsoft.com/office/mac/drawingml/2011/main" xmlns:a14="http://schemas.microsoft.com/office/drawing/2010/main" xmlns:m="http://schemas.openxmlformats.org/officeDocument/2006/math" xmlns="" val="1"/>
             </a:ext>
           </a:extLst>
         </p:spPr>
@@ -5636,7 +5681,7 @@
           </a:ln>
           <a:extLst>
             <a:ext uri="{C572A759-6A51-4108-AA02-DFA0A04FC94B}">
-              <ma14:wrappingTextBoxFlag xmlns="" xmlns:m="http://schemas.openxmlformats.org/officeDocument/2006/math" xmlns:a14="http://schemas.microsoft.com/office/drawing/2010/main" xmlns:ma14="http://schemas.microsoft.com/office/mac/drawingml/2011/main" val="1"/>
+              <ma14:wrappingTextBoxFlag xmlns:ma14="http://schemas.microsoft.com/office/mac/drawingml/2011/main" xmlns:a14="http://schemas.microsoft.com/office/drawing/2010/main" xmlns:m="http://schemas.openxmlformats.org/officeDocument/2006/math" xmlns="" val="1"/>
             </a:ext>
           </a:extLst>
         </p:spPr>
@@ -5684,7 +5729,7 @@
           </a:ln>
           <a:extLst>
             <a:ext uri="{C572A759-6A51-4108-AA02-DFA0A04FC94B}">
-              <ma14:wrappingTextBoxFlag xmlns="" xmlns:m="http://schemas.openxmlformats.org/officeDocument/2006/math" xmlns:a14="http://schemas.microsoft.com/office/drawing/2010/main" xmlns:ma14="http://schemas.microsoft.com/office/mac/drawingml/2011/main" val="1"/>
+              <ma14:wrappingTextBoxFlag xmlns:ma14="http://schemas.microsoft.com/office/mac/drawingml/2011/main" xmlns:a14="http://schemas.microsoft.com/office/drawing/2010/main" xmlns:m="http://schemas.openxmlformats.org/officeDocument/2006/math" xmlns="" val="1"/>
             </a:ext>
           </a:extLst>
         </p:spPr>
@@ -5732,7 +5777,7 @@
           </a:ln>
           <a:extLst>
             <a:ext uri="{C572A759-6A51-4108-AA02-DFA0A04FC94B}">
-              <ma14:wrappingTextBoxFlag xmlns="" xmlns:m="http://schemas.openxmlformats.org/officeDocument/2006/math" xmlns:a14="http://schemas.microsoft.com/office/drawing/2010/main" xmlns:ma14="http://schemas.microsoft.com/office/mac/drawingml/2011/main" val="1"/>
+              <ma14:wrappingTextBoxFlag xmlns:ma14="http://schemas.microsoft.com/office/mac/drawingml/2011/main" xmlns:a14="http://schemas.microsoft.com/office/drawing/2010/main" xmlns:m="http://schemas.openxmlformats.org/officeDocument/2006/math" xmlns="" val="1"/>
             </a:ext>
           </a:extLst>
         </p:spPr>
@@ -5780,7 +5825,7 @@
           </a:ln>
           <a:extLst>
             <a:ext uri="{C572A759-6A51-4108-AA02-DFA0A04FC94B}">
-              <ma14:wrappingTextBoxFlag xmlns="" xmlns:m="http://schemas.openxmlformats.org/officeDocument/2006/math" xmlns:a14="http://schemas.microsoft.com/office/drawing/2010/main" xmlns:ma14="http://schemas.microsoft.com/office/mac/drawingml/2011/main" val="1"/>
+              <ma14:wrappingTextBoxFlag xmlns:ma14="http://schemas.microsoft.com/office/mac/drawingml/2011/main" xmlns:a14="http://schemas.microsoft.com/office/drawing/2010/main" xmlns:m="http://schemas.openxmlformats.org/officeDocument/2006/math" xmlns="" val="1"/>
             </a:ext>
           </a:extLst>
         </p:spPr>
@@ -5828,7 +5873,7 @@
           </a:ln>
           <a:extLst>
             <a:ext uri="{C572A759-6A51-4108-AA02-DFA0A04FC94B}">
-              <ma14:wrappingTextBoxFlag xmlns="" xmlns:m="http://schemas.openxmlformats.org/officeDocument/2006/math" xmlns:a14="http://schemas.microsoft.com/office/drawing/2010/main" xmlns:ma14="http://schemas.microsoft.com/office/mac/drawingml/2011/main" val="1"/>
+              <ma14:wrappingTextBoxFlag xmlns:ma14="http://schemas.microsoft.com/office/mac/drawingml/2011/main" xmlns:a14="http://schemas.microsoft.com/office/drawing/2010/main" xmlns:m="http://schemas.openxmlformats.org/officeDocument/2006/math" xmlns="" val="1"/>
             </a:ext>
           </a:extLst>
         </p:spPr>
@@ -5876,7 +5921,7 @@
           </a:ln>
           <a:extLst>
             <a:ext uri="{C572A759-6A51-4108-AA02-DFA0A04FC94B}">
-              <ma14:wrappingTextBoxFlag xmlns="" xmlns:m="http://schemas.openxmlformats.org/officeDocument/2006/math" xmlns:a14="http://schemas.microsoft.com/office/drawing/2010/main" xmlns:ma14="http://schemas.microsoft.com/office/mac/drawingml/2011/main" val="1"/>
+              <ma14:wrappingTextBoxFlag xmlns:ma14="http://schemas.microsoft.com/office/mac/drawingml/2011/main" xmlns:a14="http://schemas.microsoft.com/office/drawing/2010/main" xmlns:m="http://schemas.openxmlformats.org/officeDocument/2006/math" xmlns="" val="1"/>
             </a:ext>
           </a:extLst>
         </p:spPr>
@@ -5924,7 +5969,7 @@
           </a:ln>
           <a:extLst>
             <a:ext uri="{C572A759-6A51-4108-AA02-DFA0A04FC94B}">
-              <ma14:wrappingTextBoxFlag xmlns="" xmlns:m="http://schemas.openxmlformats.org/officeDocument/2006/math" xmlns:a14="http://schemas.microsoft.com/office/drawing/2010/main" xmlns:ma14="http://schemas.microsoft.com/office/mac/drawingml/2011/main" val="1"/>
+              <ma14:wrappingTextBoxFlag xmlns:ma14="http://schemas.microsoft.com/office/mac/drawingml/2011/main" xmlns:a14="http://schemas.microsoft.com/office/drawing/2010/main" xmlns:m="http://schemas.openxmlformats.org/officeDocument/2006/math" xmlns="" val="1"/>
             </a:ext>
           </a:extLst>
         </p:spPr>
@@ -5972,7 +6017,7 @@
           </a:ln>
           <a:extLst>
             <a:ext uri="{C572A759-6A51-4108-AA02-DFA0A04FC94B}">
-              <ma14:wrappingTextBoxFlag xmlns="" xmlns:m="http://schemas.openxmlformats.org/officeDocument/2006/math" xmlns:a14="http://schemas.microsoft.com/office/drawing/2010/main" xmlns:ma14="http://schemas.microsoft.com/office/mac/drawingml/2011/main" val="1"/>
+              <ma14:wrappingTextBoxFlag xmlns:ma14="http://schemas.microsoft.com/office/mac/drawingml/2011/main" xmlns:a14="http://schemas.microsoft.com/office/drawing/2010/main" xmlns:m="http://schemas.openxmlformats.org/officeDocument/2006/math" xmlns="" val="1"/>
             </a:ext>
           </a:extLst>
         </p:spPr>
@@ -6020,7 +6065,7 @@
           </a:ln>
           <a:extLst>
             <a:ext uri="{C572A759-6A51-4108-AA02-DFA0A04FC94B}">
-              <ma14:wrappingTextBoxFlag xmlns="" xmlns:m="http://schemas.openxmlformats.org/officeDocument/2006/math" xmlns:a14="http://schemas.microsoft.com/office/drawing/2010/main" xmlns:ma14="http://schemas.microsoft.com/office/mac/drawingml/2011/main" val="1"/>
+              <ma14:wrappingTextBoxFlag xmlns:ma14="http://schemas.microsoft.com/office/mac/drawingml/2011/main" xmlns:a14="http://schemas.microsoft.com/office/drawing/2010/main" xmlns:m="http://schemas.openxmlformats.org/officeDocument/2006/math" xmlns="" val="1"/>
             </a:ext>
           </a:extLst>
         </p:spPr>
@@ -6068,7 +6113,7 @@
           </a:ln>
           <a:extLst>
             <a:ext uri="{C572A759-6A51-4108-AA02-DFA0A04FC94B}">
-              <ma14:wrappingTextBoxFlag xmlns="" xmlns:m="http://schemas.openxmlformats.org/officeDocument/2006/math" xmlns:a14="http://schemas.microsoft.com/office/drawing/2010/main" xmlns:ma14="http://schemas.microsoft.com/office/mac/drawingml/2011/main" val="1"/>
+              <ma14:wrappingTextBoxFlag xmlns:ma14="http://schemas.microsoft.com/office/mac/drawingml/2011/main" xmlns:a14="http://schemas.microsoft.com/office/drawing/2010/main" xmlns:m="http://schemas.openxmlformats.org/officeDocument/2006/math" xmlns="" val="1"/>
             </a:ext>
           </a:extLst>
         </p:spPr>
@@ -6116,7 +6161,7 @@
           </a:ln>
           <a:extLst>
             <a:ext uri="{C572A759-6A51-4108-AA02-DFA0A04FC94B}">
-              <ma14:wrappingTextBoxFlag xmlns="" xmlns:m="http://schemas.openxmlformats.org/officeDocument/2006/math" xmlns:a14="http://schemas.microsoft.com/office/drawing/2010/main" xmlns:ma14="http://schemas.microsoft.com/office/mac/drawingml/2011/main" val="1"/>
+              <ma14:wrappingTextBoxFlag xmlns:ma14="http://schemas.microsoft.com/office/mac/drawingml/2011/main" xmlns:a14="http://schemas.microsoft.com/office/drawing/2010/main" xmlns:m="http://schemas.openxmlformats.org/officeDocument/2006/math" xmlns="" val="1"/>
             </a:ext>
           </a:extLst>
         </p:spPr>
@@ -6187,7 +6232,7 @@
           </a:ln>
           <a:extLst>
             <a:ext uri="{C572A759-6A51-4108-AA02-DFA0A04FC94B}">
-              <ma14:wrappingTextBoxFlag xmlns="" xmlns:m="http://schemas.openxmlformats.org/officeDocument/2006/math" xmlns:a14="http://schemas.microsoft.com/office/drawing/2010/main" xmlns:ma14="http://schemas.microsoft.com/office/mac/drawingml/2011/main" val="1"/>
+              <ma14:wrappingTextBoxFlag xmlns:ma14="http://schemas.microsoft.com/office/mac/drawingml/2011/main" xmlns:a14="http://schemas.microsoft.com/office/drawing/2010/main" xmlns:m="http://schemas.openxmlformats.org/officeDocument/2006/math" xmlns="" val="1"/>
             </a:ext>
           </a:extLst>
         </p:spPr>
@@ -6450,8 +6495,8 @@
         </p:nvSpPr>
         <p:spPr>
           <a:xfrm>
-            <a:off x="118754" y="6111290"/>
-            <a:ext cx="3410712" cy="3502152"/>
+            <a:off x="279177" y="6429483"/>
+            <a:ext cx="3026664" cy="3209544"/>
           </a:xfrm>
           <a:prstGeom prst="rect">
             <a:avLst/>
@@ -7304,6 +7349,88 @@
         <p:spPr>
           <a:xfrm>
             <a:off x="3542113" y="6400489"/>
+            <a:ext cx="3099934" cy="3205022"/>
+          </a:xfrm>
+          <a:prstGeom prst="rect">
+            <a:avLst/>
+          </a:prstGeom>
+          <a:noFill/>
+          <a:ln w="50800" cap="flat">
+            <a:solidFill>
+              <a:schemeClr val="tx1"/>
+            </a:solidFill>
+            <a:prstDash val="solid"/>
+            <a:miter lim="800000"/>
+          </a:ln>
+          <a:effectLst/>
+          <a:sp3d/>
+        </p:spPr>
+        <p:style>
+          <a:lnRef idx="0">
+            <a:scrgbClr r="0" g="0" b="0"/>
+          </a:lnRef>
+          <a:fillRef idx="0">
+            <a:scrgbClr r="0" g="0" b="0"/>
+          </a:fillRef>
+          <a:effectRef idx="0">
+            <a:scrgbClr r="0" g="0" b="0"/>
+          </a:effectRef>
+          <a:fontRef idx="none"/>
+        </p:style>
+        <p:txBody>
+          <a:bodyPr rot="0" spcFirstLastPara="1" vertOverflow="overflow" horzOverflow="overflow" vert="horz" wrap="square" lIns="45719" tIns="45719" rIns="45719" bIns="45719" numCol="1" spcCol="38100" rtlCol="0" anchor="ctr">
+            <a:spAutoFit/>
+          </a:bodyPr>
+          <a:lstStyle/>
+          <a:p>
+            <a:pPr marL="0" marR="0" indent="0" algn="l" defTabSz="457200" rtl="0" fontAlgn="auto" latinLnBrk="0" hangingPunct="0">
+              <a:lnSpc>
+                <a:spcPct val="100000"/>
+              </a:lnSpc>
+              <a:spcBef>
+                <a:spcPts val="0"/>
+              </a:spcBef>
+              <a:spcAft>
+                <a:spcPts val="0"/>
+              </a:spcAft>
+              <a:buClrTx/>
+              <a:buSzTx/>
+              <a:buFontTx/>
+              <a:buNone/>
+              <a:tabLst/>
+            </a:pPr>
+            <a:endParaRPr kumimoji="0" lang="LID4096" sz="1800" b="0" i="0" u="none" strike="noStrike" cap="none" spc="0" normalizeH="0" baseline="0">
+              <a:ln>
+                <a:noFill/>
+              </a:ln>
+              <a:solidFill>
+                <a:srgbClr val="000000"/>
+              </a:solidFill>
+              <a:effectLst/>
+              <a:uFillTx/>
+              <a:latin typeface="+mn-lt"/>
+              <a:ea typeface="+mn-ea"/>
+              <a:cs typeface="+mn-cs"/>
+              <a:sym typeface="Aptos"/>
+            </a:endParaRPr>
+          </a:p>
+        </p:txBody>
+      </p:sp>
+      <p:sp>
+        <p:nvSpPr>
+          <p:cNvPr id="4" name="Rectangle 3">
+            <a:extLst>
+              <a:ext uri="{FF2B5EF4-FFF2-40B4-BE49-F238E27FC236}">
+                <a16:creationId xmlns:a16="http://schemas.microsoft.com/office/drawing/2014/main" id="{C29B6D7C-C33A-D242-6C97-5AB89E6195D7}"/>
+              </a:ext>
+            </a:extLst>
+          </p:cNvPr>
+          <p:cNvSpPr/>
+          <p:nvPr/>
+        </p:nvSpPr>
+        <p:spPr>
+          <a:xfrm>
+            <a:off x="236198" y="6411841"/>
             <a:ext cx="3099934" cy="3205022"/>
           </a:xfrm>
           <a:prstGeom prst="rect">

--- a/powerpoint template.pptx
+++ b/powerpoint template.pptx
@@ -1013,7 +1013,7 @@
           </a:ln>
           <a:extLst>
             <a:ext uri="{C572A759-6A51-4108-AA02-DFA0A04FC94B}">
-              <ma14:wrappingTextBoxFlag xmlns:ma14="http://schemas.microsoft.com/office/mac/drawingml/2011/main" xmlns:a14="http://schemas.microsoft.com/office/drawing/2010/main" xmlns:m="http://schemas.openxmlformats.org/officeDocument/2006/math" xmlns="" val="1"/>
+              <ma14:wrappingTextBoxFlag xmlns="" xmlns:m="http://schemas.openxmlformats.org/officeDocument/2006/math" xmlns:a14="http://schemas.microsoft.com/office/drawing/2010/main" xmlns:ma14="http://schemas.microsoft.com/office/mac/drawingml/2011/main" val="1"/>
             </a:ext>
           </a:extLst>
         </p:spPr>
@@ -1060,7 +1060,7 @@
           </a:ln>
           <a:extLst>
             <a:ext uri="{C572A759-6A51-4108-AA02-DFA0A04FC94B}">
-              <ma14:wrappingTextBoxFlag xmlns:ma14="http://schemas.microsoft.com/office/mac/drawingml/2011/main" xmlns:a14="http://schemas.microsoft.com/office/drawing/2010/main" xmlns:m="http://schemas.openxmlformats.org/officeDocument/2006/math" xmlns="" val="1"/>
+              <ma14:wrappingTextBoxFlag xmlns="" xmlns:m="http://schemas.openxmlformats.org/officeDocument/2006/math" xmlns:a14="http://schemas.microsoft.com/office/drawing/2010/main" xmlns:ma14="http://schemas.microsoft.com/office/mac/drawingml/2011/main" val="1"/>
             </a:ext>
           </a:extLst>
         </p:spPr>
@@ -1107,7 +1107,7 @@
           </a:ln>
           <a:extLst>
             <a:ext uri="{C572A759-6A51-4108-AA02-DFA0A04FC94B}">
-              <ma14:wrappingTextBoxFlag xmlns:ma14="http://schemas.microsoft.com/office/mac/drawingml/2011/main" xmlns:a14="http://schemas.microsoft.com/office/drawing/2010/main" xmlns:m="http://schemas.openxmlformats.org/officeDocument/2006/math" xmlns="" val="1"/>
+              <ma14:wrappingTextBoxFlag xmlns="" xmlns:m="http://schemas.openxmlformats.org/officeDocument/2006/math" xmlns:a14="http://schemas.microsoft.com/office/drawing/2010/main" xmlns:ma14="http://schemas.microsoft.com/office/mac/drawingml/2011/main" val="1"/>
             </a:ext>
           </a:extLst>
         </p:spPr>
@@ -2588,7 +2588,7 @@
           </a:ln>
           <a:extLst>
             <a:ext uri="{C572A759-6A51-4108-AA02-DFA0A04FC94B}">
-              <ma14:wrappingTextBoxFlag xmlns:ma14="http://schemas.microsoft.com/office/mac/drawingml/2011/main" xmlns:a14="http://schemas.microsoft.com/office/drawing/2010/main" xmlns:m="http://schemas.openxmlformats.org/officeDocument/2006/math" xmlns="" val="1"/>
+              <ma14:wrappingTextBoxFlag xmlns="" xmlns:m="http://schemas.openxmlformats.org/officeDocument/2006/math" xmlns:a14="http://schemas.microsoft.com/office/drawing/2010/main" xmlns:ma14="http://schemas.microsoft.com/office/mac/drawingml/2011/main" val="1"/>
             </a:ext>
           </a:extLst>
         </p:spPr>
@@ -2730,7 +2730,7 @@
           </a:ln>
           <a:extLst>
             <a:ext uri="{C572A759-6A51-4108-AA02-DFA0A04FC94B}">
-              <ma14:wrappingTextBoxFlag xmlns:ma14="http://schemas.microsoft.com/office/mac/drawingml/2011/main" xmlns:a14="http://schemas.microsoft.com/office/drawing/2010/main" xmlns:m="http://schemas.openxmlformats.org/officeDocument/2006/math" xmlns="" val="1"/>
+              <ma14:wrappingTextBoxFlag xmlns="" xmlns:m="http://schemas.openxmlformats.org/officeDocument/2006/math" xmlns:a14="http://schemas.microsoft.com/office/drawing/2010/main" xmlns:ma14="http://schemas.microsoft.com/office/mac/drawingml/2011/main" val="1"/>
             </a:ext>
           </a:extLst>
         </p:spPr>
@@ -2808,7 +2808,7 @@
           </a:ln>
           <a:extLst>
             <a:ext uri="{C572A759-6A51-4108-AA02-DFA0A04FC94B}">
-              <ma14:wrappingTextBoxFlag xmlns:ma14="http://schemas.microsoft.com/office/mac/drawingml/2011/main" xmlns:a14="http://schemas.microsoft.com/office/drawing/2010/main" xmlns:m="http://schemas.openxmlformats.org/officeDocument/2006/math" xmlns="" val="1"/>
+              <ma14:wrappingTextBoxFlag xmlns="" xmlns:m="http://schemas.openxmlformats.org/officeDocument/2006/math" xmlns:a14="http://schemas.microsoft.com/office/drawing/2010/main" xmlns:ma14="http://schemas.microsoft.com/office/mac/drawingml/2011/main" val="1"/>
             </a:ext>
           </a:extLst>
         </p:spPr>
@@ -2855,7 +2855,7 @@
           </a:ln>
           <a:extLst>
             <a:ext uri="{C572A759-6A51-4108-AA02-DFA0A04FC94B}">
-              <ma14:wrappingTextBoxFlag xmlns:ma14="http://schemas.microsoft.com/office/mac/drawingml/2011/main" xmlns:a14="http://schemas.microsoft.com/office/drawing/2010/main" xmlns:m="http://schemas.openxmlformats.org/officeDocument/2006/math" xmlns="" val="1"/>
+              <ma14:wrappingTextBoxFlag xmlns="" xmlns:m="http://schemas.openxmlformats.org/officeDocument/2006/math" xmlns:a14="http://schemas.microsoft.com/office/drawing/2010/main" xmlns:ma14="http://schemas.microsoft.com/office/mac/drawingml/2011/main" val="1"/>
             </a:ext>
           </a:extLst>
         </p:spPr>
@@ -2902,7 +2902,7 @@
           </a:ln>
           <a:extLst>
             <a:ext uri="{C572A759-6A51-4108-AA02-DFA0A04FC94B}">
-              <ma14:wrappingTextBoxFlag xmlns:ma14="http://schemas.microsoft.com/office/mac/drawingml/2011/main" xmlns:a14="http://schemas.microsoft.com/office/drawing/2010/main" xmlns:m="http://schemas.openxmlformats.org/officeDocument/2006/math" xmlns="" val="1"/>
+              <ma14:wrappingTextBoxFlag xmlns="" xmlns:m="http://schemas.openxmlformats.org/officeDocument/2006/math" xmlns:a14="http://schemas.microsoft.com/office/drawing/2010/main" xmlns:ma14="http://schemas.microsoft.com/office/mac/drawingml/2011/main" val="1"/>
             </a:ext>
           </a:extLst>
         </p:spPr>
@@ -2949,7 +2949,7 @@
           </a:ln>
           <a:extLst>
             <a:ext uri="{C572A759-6A51-4108-AA02-DFA0A04FC94B}">
-              <ma14:wrappingTextBoxFlag xmlns:ma14="http://schemas.microsoft.com/office/mac/drawingml/2011/main" xmlns:a14="http://schemas.microsoft.com/office/drawing/2010/main" xmlns:m="http://schemas.openxmlformats.org/officeDocument/2006/math" xmlns="" val="1"/>
+              <ma14:wrappingTextBoxFlag xmlns="" xmlns:m="http://schemas.openxmlformats.org/officeDocument/2006/math" xmlns:a14="http://schemas.microsoft.com/office/drawing/2010/main" xmlns:ma14="http://schemas.microsoft.com/office/mac/drawingml/2011/main" val="1"/>
             </a:ext>
           </a:extLst>
         </p:spPr>
@@ -2996,7 +2996,7 @@
           </a:ln>
           <a:extLst>
             <a:ext uri="{C572A759-6A51-4108-AA02-DFA0A04FC94B}">
-              <ma14:wrappingTextBoxFlag xmlns:ma14="http://schemas.microsoft.com/office/mac/drawingml/2011/main" xmlns:a14="http://schemas.microsoft.com/office/drawing/2010/main" xmlns:m="http://schemas.openxmlformats.org/officeDocument/2006/math" xmlns="" val="1"/>
+              <ma14:wrappingTextBoxFlag xmlns="" xmlns:m="http://schemas.openxmlformats.org/officeDocument/2006/math" xmlns:a14="http://schemas.microsoft.com/office/drawing/2010/main" xmlns:ma14="http://schemas.microsoft.com/office/mac/drawingml/2011/main" val="1"/>
             </a:ext>
           </a:extLst>
         </p:spPr>
@@ -3232,7 +3232,7 @@
           </a:ln>
           <a:extLst>
             <a:ext uri="{C572A759-6A51-4108-AA02-DFA0A04FC94B}">
-              <ma14:wrappingTextBoxFlag xmlns:ma14="http://schemas.microsoft.com/office/mac/drawingml/2011/main" xmlns:a14="http://schemas.microsoft.com/office/drawing/2010/main" xmlns:m="http://schemas.openxmlformats.org/officeDocument/2006/math" xmlns="" val="1"/>
+              <ma14:wrappingTextBoxFlag xmlns="" xmlns:m="http://schemas.openxmlformats.org/officeDocument/2006/math" xmlns:a14="http://schemas.microsoft.com/office/drawing/2010/main" xmlns:ma14="http://schemas.microsoft.com/office/mac/drawingml/2011/main" val="1"/>
             </a:ext>
           </a:extLst>
         </p:spPr>
@@ -3279,7 +3279,7 @@
           </a:ln>
           <a:extLst>
             <a:ext uri="{C572A759-6A51-4108-AA02-DFA0A04FC94B}">
-              <ma14:wrappingTextBoxFlag xmlns:ma14="http://schemas.microsoft.com/office/mac/drawingml/2011/main" xmlns:a14="http://schemas.microsoft.com/office/drawing/2010/main" xmlns:m="http://schemas.openxmlformats.org/officeDocument/2006/math" xmlns="" val="1"/>
+              <ma14:wrappingTextBoxFlag xmlns="" xmlns:m="http://schemas.openxmlformats.org/officeDocument/2006/math" xmlns:a14="http://schemas.microsoft.com/office/drawing/2010/main" xmlns:ma14="http://schemas.microsoft.com/office/mac/drawingml/2011/main" val="1"/>
             </a:ext>
           </a:extLst>
         </p:spPr>
@@ -3471,7 +3471,7 @@
           </a:ln>
           <a:extLst>
             <a:ext uri="{C572A759-6A51-4108-AA02-DFA0A04FC94B}">
-              <ma14:wrappingTextBoxFlag xmlns:ma14="http://schemas.microsoft.com/office/mac/drawingml/2011/main" xmlns:a14="http://schemas.microsoft.com/office/drawing/2010/main" xmlns:m="http://schemas.openxmlformats.org/officeDocument/2006/math" xmlns="" val="1"/>
+              <ma14:wrappingTextBoxFlag xmlns="" xmlns:m="http://schemas.openxmlformats.org/officeDocument/2006/math" xmlns:a14="http://schemas.microsoft.com/office/drawing/2010/main" xmlns:ma14="http://schemas.microsoft.com/office/mac/drawingml/2011/main" val="1"/>
             </a:ext>
           </a:extLst>
         </p:spPr>
@@ -3510,7 +3510,7 @@
           </a:ln>
           <a:extLst>
             <a:ext uri="{C572A759-6A51-4108-AA02-DFA0A04FC94B}">
-              <ma14:wrappingTextBoxFlag xmlns:ma14="http://schemas.microsoft.com/office/mac/drawingml/2011/main" xmlns:a14="http://schemas.microsoft.com/office/drawing/2010/main" xmlns:m="http://schemas.openxmlformats.org/officeDocument/2006/math" xmlns="" val="1"/>
+              <ma14:wrappingTextBoxFlag xmlns="" xmlns:m="http://schemas.openxmlformats.org/officeDocument/2006/math" xmlns:a14="http://schemas.microsoft.com/office/drawing/2010/main" xmlns:ma14="http://schemas.microsoft.com/office/mac/drawingml/2011/main" val="1"/>
             </a:ext>
           </a:extLst>
         </p:spPr>
@@ -4520,7 +4520,7 @@
           </a:ln>
           <a:extLst>
             <a:ext uri="{C572A759-6A51-4108-AA02-DFA0A04FC94B}">
-              <ma14:wrappingTextBoxFlag xmlns:ma14="http://schemas.microsoft.com/office/mac/drawingml/2011/main" xmlns:a14="http://schemas.microsoft.com/office/drawing/2010/main" xmlns:m="http://schemas.openxmlformats.org/officeDocument/2006/math" xmlns="" val="1"/>
+              <ma14:wrappingTextBoxFlag xmlns="" xmlns:m="http://schemas.openxmlformats.org/officeDocument/2006/math" xmlns:a14="http://schemas.microsoft.com/office/drawing/2010/main" xmlns:ma14="http://schemas.microsoft.com/office/mac/drawingml/2011/main" val="1"/>
             </a:ext>
           </a:extLst>
         </p:spPr>
@@ -4691,7 +4691,7 @@
           </a:ln>
           <a:extLst>
             <a:ext uri="{C572A759-6A51-4108-AA02-DFA0A04FC94B}">
-              <ma14:wrappingTextBoxFlag xmlns:ma14="http://schemas.microsoft.com/office/mac/drawingml/2011/main" xmlns:a14="http://schemas.microsoft.com/office/drawing/2010/main" xmlns:m="http://schemas.openxmlformats.org/officeDocument/2006/math" xmlns="" val="1"/>
+              <ma14:wrappingTextBoxFlag xmlns="" xmlns:m="http://schemas.openxmlformats.org/officeDocument/2006/math" xmlns:a14="http://schemas.microsoft.com/office/drawing/2010/main" xmlns:ma14="http://schemas.microsoft.com/office/mac/drawingml/2011/main" val="1"/>
             </a:ext>
           </a:extLst>
         </p:spPr>
@@ -4738,7 +4738,7 @@
           </a:ln>
           <a:extLst>
             <a:ext uri="{C572A759-6A51-4108-AA02-DFA0A04FC94B}">
-              <ma14:wrappingTextBoxFlag xmlns:ma14="http://schemas.microsoft.com/office/mac/drawingml/2011/main" xmlns:a14="http://schemas.microsoft.com/office/drawing/2010/main" xmlns:m="http://schemas.openxmlformats.org/officeDocument/2006/math" xmlns="" val="1"/>
+              <ma14:wrappingTextBoxFlag xmlns="" xmlns:m="http://schemas.openxmlformats.org/officeDocument/2006/math" xmlns:a14="http://schemas.microsoft.com/office/drawing/2010/main" xmlns:ma14="http://schemas.microsoft.com/office/mac/drawingml/2011/main" val="1"/>
             </a:ext>
           </a:extLst>
         </p:spPr>
@@ -4785,7 +4785,7 @@
           </a:ln>
           <a:extLst>
             <a:ext uri="{C572A759-6A51-4108-AA02-DFA0A04FC94B}">
-              <ma14:wrappingTextBoxFlag xmlns:ma14="http://schemas.microsoft.com/office/mac/drawingml/2011/main" xmlns:a14="http://schemas.microsoft.com/office/drawing/2010/main" xmlns:m="http://schemas.openxmlformats.org/officeDocument/2006/math" xmlns="" val="1"/>
+              <ma14:wrappingTextBoxFlag xmlns="" xmlns:m="http://schemas.openxmlformats.org/officeDocument/2006/math" xmlns:a14="http://schemas.microsoft.com/office/drawing/2010/main" xmlns:ma14="http://schemas.microsoft.com/office/mac/drawingml/2011/main" val="1"/>
             </a:ext>
           </a:extLst>
         </p:spPr>
@@ -4832,7 +4832,7 @@
           </a:ln>
           <a:extLst>
             <a:ext uri="{C572A759-6A51-4108-AA02-DFA0A04FC94B}">
-              <ma14:wrappingTextBoxFlag xmlns:ma14="http://schemas.microsoft.com/office/mac/drawingml/2011/main" xmlns:a14="http://schemas.microsoft.com/office/drawing/2010/main" xmlns:m="http://schemas.openxmlformats.org/officeDocument/2006/math" xmlns="" val="1"/>
+              <ma14:wrappingTextBoxFlag xmlns="" xmlns:m="http://schemas.openxmlformats.org/officeDocument/2006/math" xmlns:a14="http://schemas.microsoft.com/office/drawing/2010/main" xmlns:ma14="http://schemas.microsoft.com/office/mac/drawingml/2011/main" val="1"/>
             </a:ext>
           </a:extLst>
         </p:spPr>
@@ -4879,7 +4879,7 @@
           </a:ln>
           <a:extLst>
             <a:ext uri="{C572A759-6A51-4108-AA02-DFA0A04FC94B}">
-              <ma14:wrappingTextBoxFlag xmlns:ma14="http://schemas.microsoft.com/office/mac/drawingml/2011/main" xmlns:a14="http://schemas.microsoft.com/office/drawing/2010/main" xmlns:m="http://schemas.openxmlformats.org/officeDocument/2006/math" xmlns="" val="1"/>
+              <ma14:wrappingTextBoxFlag xmlns="" xmlns:m="http://schemas.openxmlformats.org/officeDocument/2006/math" xmlns:a14="http://schemas.microsoft.com/office/drawing/2010/main" xmlns:ma14="http://schemas.microsoft.com/office/mac/drawingml/2011/main" val="1"/>
             </a:ext>
           </a:extLst>
         </p:spPr>
@@ -4926,7 +4926,7 @@
           </a:ln>
           <a:extLst>
             <a:ext uri="{C572A759-6A51-4108-AA02-DFA0A04FC94B}">
-              <ma14:wrappingTextBoxFlag xmlns:ma14="http://schemas.microsoft.com/office/mac/drawingml/2011/main" xmlns:a14="http://schemas.microsoft.com/office/drawing/2010/main" xmlns:m="http://schemas.openxmlformats.org/officeDocument/2006/math" xmlns="" val="1"/>
+              <ma14:wrappingTextBoxFlag xmlns="" xmlns:m="http://schemas.openxmlformats.org/officeDocument/2006/math" xmlns:a14="http://schemas.microsoft.com/office/drawing/2010/main" xmlns:ma14="http://schemas.microsoft.com/office/mac/drawingml/2011/main" val="1"/>
             </a:ext>
           </a:extLst>
         </p:spPr>
@@ -5098,7 +5098,7 @@
           </a:ln>
           <a:extLst>
             <a:ext uri="{C572A759-6A51-4108-AA02-DFA0A04FC94B}">
-              <ma14:wrappingTextBoxFlag xmlns:ma14="http://schemas.microsoft.com/office/mac/drawingml/2011/main" xmlns:a14="http://schemas.microsoft.com/office/drawing/2010/main" xmlns:m="http://schemas.openxmlformats.org/officeDocument/2006/math" xmlns="" val="1"/>
+              <ma14:wrappingTextBoxFlag xmlns="" xmlns:m="http://schemas.openxmlformats.org/officeDocument/2006/math" xmlns:a14="http://schemas.microsoft.com/office/drawing/2010/main" xmlns:ma14="http://schemas.microsoft.com/office/mac/drawingml/2011/main" val="1"/>
             </a:ext>
           </a:extLst>
         </p:spPr>
@@ -5191,7 +5191,7 @@
           </a:ln>
           <a:extLst>
             <a:ext uri="{C572A759-6A51-4108-AA02-DFA0A04FC94B}">
-              <ma14:wrappingTextBoxFlag xmlns:ma14="http://schemas.microsoft.com/office/mac/drawingml/2011/main" xmlns:a14="http://schemas.microsoft.com/office/drawing/2010/main" xmlns:m="http://schemas.openxmlformats.org/officeDocument/2006/math" xmlns="" val="1"/>
+              <ma14:wrappingTextBoxFlag xmlns="" xmlns:m="http://schemas.openxmlformats.org/officeDocument/2006/math" xmlns:a14="http://schemas.microsoft.com/office/drawing/2010/main" xmlns:ma14="http://schemas.microsoft.com/office/mac/drawingml/2011/main" val="1"/>
             </a:ext>
           </a:extLst>
         </p:spPr>
@@ -5241,7 +5241,7 @@
           </a:ln>
           <a:extLst>
             <a:ext uri="{C572A759-6A51-4108-AA02-DFA0A04FC94B}">
-              <ma14:wrappingTextBoxFlag xmlns:ma14="http://schemas.microsoft.com/office/mac/drawingml/2011/main" xmlns:a14="http://schemas.microsoft.com/office/drawing/2010/main" xmlns:m="http://schemas.openxmlformats.org/officeDocument/2006/math" xmlns="" val="1"/>
+              <ma14:wrappingTextBoxFlag xmlns="" xmlns:m="http://schemas.openxmlformats.org/officeDocument/2006/math" xmlns:a14="http://schemas.microsoft.com/office/drawing/2010/main" xmlns:ma14="http://schemas.microsoft.com/office/mac/drawingml/2011/main" val="1"/>
             </a:ext>
           </a:extLst>
         </p:spPr>
@@ -5293,7 +5293,7 @@
           </a:ln>
           <a:extLst>
             <a:ext uri="{C572A759-6A51-4108-AA02-DFA0A04FC94B}">
-              <ma14:wrappingTextBoxFlag xmlns:ma14="http://schemas.microsoft.com/office/mac/drawingml/2011/main" xmlns:a14="http://schemas.microsoft.com/office/drawing/2010/main" xmlns:m="http://schemas.openxmlformats.org/officeDocument/2006/math" xmlns="" val="1"/>
+              <ma14:wrappingTextBoxFlag xmlns="" xmlns:m="http://schemas.openxmlformats.org/officeDocument/2006/math" xmlns:a14="http://schemas.microsoft.com/office/drawing/2010/main" xmlns:ma14="http://schemas.microsoft.com/office/mac/drawingml/2011/main" val="1"/>
             </a:ext>
           </a:extLst>
         </p:spPr>
@@ -5345,7 +5345,7 @@
           </a:ln>
           <a:extLst>
             <a:ext uri="{C572A759-6A51-4108-AA02-DFA0A04FC94B}">
-              <ma14:wrappingTextBoxFlag xmlns:ma14="http://schemas.microsoft.com/office/mac/drawingml/2011/main" xmlns:a14="http://schemas.microsoft.com/office/drawing/2010/main" xmlns:m="http://schemas.openxmlformats.org/officeDocument/2006/math" xmlns="" val="1"/>
+              <ma14:wrappingTextBoxFlag xmlns="" xmlns:m="http://schemas.openxmlformats.org/officeDocument/2006/math" xmlns:a14="http://schemas.microsoft.com/office/drawing/2010/main" xmlns:ma14="http://schemas.microsoft.com/office/mac/drawingml/2011/main" val="1"/>
             </a:ext>
           </a:extLst>
         </p:spPr>
@@ -5397,7 +5397,7 @@
           </a:ln>
           <a:extLst>
             <a:ext uri="{C572A759-6A51-4108-AA02-DFA0A04FC94B}">
-              <ma14:wrappingTextBoxFlag xmlns:ma14="http://schemas.microsoft.com/office/mac/drawingml/2011/main" xmlns:a14="http://schemas.microsoft.com/office/drawing/2010/main" xmlns:m="http://schemas.openxmlformats.org/officeDocument/2006/math" xmlns="" val="1"/>
+              <ma14:wrappingTextBoxFlag xmlns="" xmlns:m="http://schemas.openxmlformats.org/officeDocument/2006/math" xmlns:a14="http://schemas.microsoft.com/office/drawing/2010/main" xmlns:ma14="http://schemas.microsoft.com/office/mac/drawingml/2011/main" val="1"/>
             </a:ext>
           </a:extLst>
         </p:spPr>
@@ -5449,7 +5449,7 @@
           </a:ln>
           <a:extLst>
             <a:ext uri="{C572A759-6A51-4108-AA02-DFA0A04FC94B}">
-              <ma14:wrappingTextBoxFlag xmlns:ma14="http://schemas.microsoft.com/office/mac/drawingml/2011/main" xmlns:a14="http://schemas.microsoft.com/office/drawing/2010/main" xmlns:m="http://schemas.openxmlformats.org/officeDocument/2006/math" xmlns="" val="1"/>
+              <ma14:wrappingTextBoxFlag xmlns="" xmlns:m="http://schemas.openxmlformats.org/officeDocument/2006/math" xmlns:a14="http://schemas.microsoft.com/office/drawing/2010/main" xmlns:ma14="http://schemas.microsoft.com/office/mac/drawingml/2011/main" val="1"/>
             </a:ext>
           </a:extLst>
         </p:spPr>
@@ -5501,7 +5501,7 @@
           </a:ln>
           <a:extLst>
             <a:ext uri="{C572A759-6A51-4108-AA02-DFA0A04FC94B}">
-              <ma14:wrappingTextBoxFlag xmlns:ma14="http://schemas.microsoft.com/office/mac/drawingml/2011/main" xmlns:a14="http://schemas.microsoft.com/office/drawing/2010/main" xmlns:m="http://schemas.openxmlformats.org/officeDocument/2006/math" xmlns="" val="1"/>
+              <ma14:wrappingTextBoxFlag xmlns="" xmlns:m="http://schemas.openxmlformats.org/officeDocument/2006/math" xmlns:a14="http://schemas.microsoft.com/office/drawing/2010/main" xmlns:ma14="http://schemas.microsoft.com/office/mac/drawingml/2011/main" val="1"/>
             </a:ext>
           </a:extLst>
         </p:spPr>
@@ -5552,7 +5552,7 @@
           </a:ln>
           <a:extLst>
             <a:ext uri="{C572A759-6A51-4108-AA02-DFA0A04FC94B}">
-              <ma14:wrappingTextBoxFlag xmlns:ma14="http://schemas.microsoft.com/office/mac/drawingml/2011/main" xmlns:a14="http://schemas.microsoft.com/office/drawing/2010/main" xmlns:m="http://schemas.openxmlformats.org/officeDocument/2006/math" xmlns="" val="1"/>
+              <ma14:wrappingTextBoxFlag xmlns="" xmlns:m="http://schemas.openxmlformats.org/officeDocument/2006/math" xmlns:a14="http://schemas.microsoft.com/office/drawing/2010/main" xmlns:ma14="http://schemas.microsoft.com/office/mac/drawingml/2011/main" val="1"/>
             </a:ext>
           </a:extLst>
         </p:spPr>
@@ -5681,7 +5681,7 @@
           </a:ln>
           <a:extLst>
             <a:ext uri="{C572A759-6A51-4108-AA02-DFA0A04FC94B}">
-              <ma14:wrappingTextBoxFlag xmlns:ma14="http://schemas.microsoft.com/office/mac/drawingml/2011/main" xmlns:a14="http://schemas.microsoft.com/office/drawing/2010/main" xmlns:m="http://schemas.openxmlformats.org/officeDocument/2006/math" xmlns="" val="1"/>
+              <ma14:wrappingTextBoxFlag xmlns="" xmlns:m="http://schemas.openxmlformats.org/officeDocument/2006/math" xmlns:a14="http://schemas.microsoft.com/office/drawing/2010/main" xmlns:ma14="http://schemas.microsoft.com/office/mac/drawingml/2011/main" val="1"/>
             </a:ext>
           </a:extLst>
         </p:spPr>
@@ -5729,7 +5729,7 @@
           </a:ln>
           <a:extLst>
             <a:ext uri="{C572A759-6A51-4108-AA02-DFA0A04FC94B}">
-              <ma14:wrappingTextBoxFlag xmlns:ma14="http://schemas.microsoft.com/office/mac/drawingml/2011/main" xmlns:a14="http://schemas.microsoft.com/office/drawing/2010/main" xmlns:m="http://schemas.openxmlformats.org/officeDocument/2006/math" xmlns="" val="1"/>
+              <ma14:wrappingTextBoxFlag xmlns="" xmlns:m="http://schemas.openxmlformats.org/officeDocument/2006/math" xmlns:a14="http://schemas.microsoft.com/office/drawing/2010/main" xmlns:ma14="http://schemas.microsoft.com/office/mac/drawingml/2011/main" val="1"/>
             </a:ext>
           </a:extLst>
         </p:spPr>
@@ -5777,7 +5777,7 @@
           </a:ln>
           <a:extLst>
             <a:ext uri="{C572A759-6A51-4108-AA02-DFA0A04FC94B}">
-              <ma14:wrappingTextBoxFlag xmlns:ma14="http://schemas.microsoft.com/office/mac/drawingml/2011/main" xmlns:a14="http://schemas.microsoft.com/office/drawing/2010/main" xmlns:m="http://schemas.openxmlformats.org/officeDocument/2006/math" xmlns="" val="1"/>
+              <ma14:wrappingTextBoxFlag xmlns="" xmlns:m="http://schemas.openxmlformats.org/officeDocument/2006/math" xmlns:a14="http://schemas.microsoft.com/office/drawing/2010/main" xmlns:ma14="http://schemas.microsoft.com/office/mac/drawingml/2011/main" val="1"/>
             </a:ext>
           </a:extLst>
         </p:spPr>
@@ -5825,7 +5825,7 @@
           </a:ln>
           <a:extLst>
             <a:ext uri="{C572A759-6A51-4108-AA02-DFA0A04FC94B}">
-              <ma14:wrappingTextBoxFlag xmlns:ma14="http://schemas.microsoft.com/office/mac/drawingml/2011/main" xmlns:a14="http://schemas.microsoft.com/office/drawing/2010/main" xmlns:m="http://schemas.openxmlformats.org/officeDocument/2006/math" xmlns="" val="1"/>
+              <ma14:wrappingTextBoxFlag xmlns="" xmlns:m="http://schemas.openxmlformats.org/officeDocument/2006/math" xmlns:a14="http://schemas.microsoft.com/office/drawing/2010/main" xmlns:ma14="http://schemas.microsoft.com/office/mac/drawingml/2011/main" val="1"/>
             </a:ext>
           </a:extLst>
         </p:spPr>
@@ -5873,7 +5873,7 @@
           </a:ln>
           <a:extLst>
             <a:ext uri="{C572A759-6A51-4108-AA02-DFA0A04FC94B}">
-              <ma14:wrappingTextBoxFlag xmlns:ma14="http://schemas.microsoft.com/office/mac/drawingml/2011/main" xmlns:a14="http://schemas.microsoft.com/office/drawing/2010/main" xmlns:m="http://schemas.openxmlformats.org/officeDocument/2006/math" xmlns="" val="1"/>
+              <ma14:wrappingTextBoxFlag xmlns="" xmlns:m="http://schemas.openxmlformats.org/officeDocument/2006/math" xmlns:a14="http://schemas.microsoft.com/office/drawing/2010/main" xmlns:ma14="http://schemas.microsoft.com/office/mac/drawingml/2011/main" val="1"/>
             </a:ext>
           </a:extLst>
         </p:spPr>
@@ -5921,7 +5921,7 @@
           </a:ln>
           <a:extLst>
             <a:ext uri="{C572A759-6A51-4108-AA02-DFA0A04FC94B}">
-              <ma14:wrappingTextBoxFlag xmlns:ma14="http://schemas.microsoft.com/office/mac/drawingml/2011/main" xmlns:a14="http://schemas.microsoft.com/office/drawing/2010/main" xmlns:m="http://schemas.openxmlformats.org/officeDocument/2006/math" xmlns="" val="1"/>
+              <ma14:wrappingTextBoxFlag xmlns="" xmlns:m="http://schemas.openxmlformats.org/officeDocument/2006/math" xmlns:a14="http://schemas.microsoft.com/office/drawing/2010/main" xmlns:ma14="http://schemas.microsoft.com/office/mac/drawingml/2011/main" val="1"/>
             </a:ext>
           </a:extLst>
         </p:spPr>
@@ -5969,7 +5969,7 @@
           </a:ln>
           <a:extLst>
             <a:ext uri="{C572A759-6A51-4108-AA02-DFA0A04FC94B}">
-              <ma14:wrappingTextBoxFlag xmlns:ma14="http://schemas.microsoft.com/office/mac/drawingml/2011/main" xmlns:a14="http://schemas.microsoft.com/office/drawing/2010/main" xmlns:m="http://schemas.openxmlformats.org/officeDocument/2006/math" xmlns="" val="1"/>
+              <ma14:wrappingTextBoxFlag xmlns="" xmlns:m="http://schemas.openxmlformats.org/officeDocument/2006/math" xmlns:a14="http://schemas.microsoft.com/office/drawing/2010/main" xmlns:ma14="http://schemas.microsoft.com/office/mac/drawingml/2011/main" val="1"/>
             </a:ext>
           </a:extLst>
         </p:spPr>
@@ -6017,7 +6017,7 @@
           </a:ln>
           <a:extLst>
             <a:ext uri="{C572A759-6A51-4108-AA02-DFA0A04FC94B}">
-              <ma14:wrappingTextBoxFlag xmlns:ma14="http://schemas.microsoft.com/office/mac/drawingml/2011/main" xmlns:a14="http://schemas.microsoft.com/office/drawing/2010/main" xmlns:m="http://schemas.openxmlformats.org/officeDocument/2006/math" xmlns="" val="1"/>
+              <ma14:wrappingTextBoxFlag xmlns="" xmlns:m="http://schemas.openxmlformats.org/officeDocument/2006/math" xmlns:a14="http://schemas.microsoft.com/office/drawing/2010/main" xmlns:ma14="http://schemas.microsoft.com/office/mac/drawingml/2011/main" val="1"/>
             </a:ext>
           </a:extLst>
         </p:spPr>
@@ -6065,7 +6065,7 @@
           </a:ln>
           <a:extLst>
             <a:ext uri="{C572A759-6A51-4108-AA02-DFA0A04FC94B}">
-              <ma14:wrappingTextBoxFlag xmlns:ma14="http://schemas.microsoft.com/office/mac/drawingml/2011/main" xmlns:a14="http://schemas.microsoft.com/office/drawing/2010/main" xmlns:m="http://schemas.openxmlformats.org/officeDocument/2006/math" xmlns="" val="1"/>
+              <ma14:wrappingTextBoxFlag xmlns="" xmlns:m="http://schemas.openxmlformats.org/officeDocument/2006/math" xmlns:a14="http://schemas.microsoft.com/office/drawing/2010/main" xmlns:ma14="http://schemas.microsoft.com/office/mac/drawingml/2011/main" val="1"/>
             </a:ext>
           </a:extLst>
         </p:spPr>
@@ -6113,7 +6113,7 @@
           </a:ln>
           <a:extLst>
             <a:ext uri="{C572A759-6A51-4108-AA02-DFA0A04FC94B}">
-              <ma14:wrappingTextBoxFlag xmlns:ma14="http://schemas.microsoft.com/office/mac/drawingml/2011/main" xmlns:a14="http://schemas.microsoft.com/office/drawing/2010/main" xmlns:m="http://schemas.openxmlformats.org/officeDocument/2006/math" xmlns="" val="1"/>
+              <ma14:wrappingTextBoxFlag xmlns="" xmlns:m="http://schemas.openxmlformats.org/officeDocument/2006/math" xmlns:a14="http://schemas.microsoft.com/office/drawing/2010/main" xmlns:ma14="http://schemas.microsoft.com/office/mac/drawingml/2011/main" val="1"/>
             </a:ext>
           </a:extLst>
         </p:spPr>
@@ -6161,7 +6161,7 @@
           </a:ln>
           <a:extLst>
             <a:ext uri="{C572A759-6A51-4108-AA02-DFA0A04FC94B}">
-              <ma14:wrappingTextBoxFlag xmlns:ma14="http://schemas.microsoft.com/office/mac/drawingml/2011/main" xmlns:a14="http://schemas.microsoft.com/office/drawing/2010/main" xmlns:m="http://schemas.openxmlformats.org/officeDocument/2006/math" xmlns="" val="1"/>
+              <ma14:wrappingTextBoxFlag xmlns="" xmlns:m="http://schemas.openxmlformats.org/officeDocument/2006/math" xmlns:a14="http://schemas.microsoft.com/office/drawing/2010/main" xmlns:ma14="http://schemas.microsoft.com/office/mac/drawingml/2011/main" val="1"/>
             </a:ext>
           </a:extLst>
         </p:spPr>
@@ -6232,7 +6232,7 @@
           </a:ln>
           <a:extLst>
             <a:ext uri="{C572A759-6A51-4108-AA02-DFA0A04FC94B}">
-              <ma14:wrappingTextBoxFlag xmlns:ma14="http://schemas.microsoft.com/office/mac/drawingml/2011/main" xmlns:a14="http://schemas.microsoft.com/office/drawing/2010/main" xmlns:m="http://schemas.openxmlformats.org/officeDocument/2006/math" xmlns="" val="1"/>
+              <ma14:wrappingTextBoxFlag xmlns="" xmlns:m="http://schemas.openxmlformats.org/officeDocument/2006/math" xmlns:a14="http://schemas.microsoft.com/office/drawing/2010/main" xmlns:ma14="http://schemas.microsoft.com/office/mac/drawingml/2011/main" val="1"/>
             </a:ext>
           </a:extLst>
         </p:spPr>
@@ -6496,7 +6496,7 @@
         <p:spPr>
           <a:xfrm>
             <a:off x="279177" y="6429483"/>
-            <a:ext cx="3026664" cy="3209544"/>
+            <a:ext cx="3026664" cy="3145536"/>
           </a:xfrm>
           <a:prstGeom prst="rect">
             <a:avLst/>

--- a/powerpoint template.pptx
+++ b/powerpoint template.pptx
@@ -1013,7 +1013,7 @@
           </a:ln>
           <a:extLst>
             <a:ext uri="{C572A759-6A51-4108-AA02-DFA0A04FC94B}">
-              <ma14:wrappingTextBoxFlag xmlns="" xmlns:m="http://schemas.openxmlformats.org/officeDocument/2006/math" xmlns:a14="http://schemas.microsoft.com/office/drawing/2010/main" xmlns:ma14="http://schemas.microsoft.com/office/mac/drawingml/2011/main" val="1"/>
+              <ma14:wrappingTextBoxFlag xmlns:ma14="http://schemas.microsoft.com/office/mac/drawingml/2011/main" xmlns:a14="http://schemas.microsoft.com/office/drawing/2010/main" xmlns:m="http://schemas.openxmlformats.org/officeDocument/2006/math" xmlns="" val="1"/>
             </a:ext>
           </a:extLst>
         </p:spPr>
@@ -1060,7 +1060,7 @@
           </a:ln>
           <a:extLst>
             <a:ext uri="{C572A759-6A51-4108-AA02-DFA0A04FC94B}">
-              <ma14:wrappingTextBoxFlag xmlns="" xmlns:m="http://schemas.openxmlformats.org/officeDocument/2006/math" xmlns:a14="http://schemas.microsoft.com/office/drawing/2010/main" xmlns:ma14="http://schemas.microsoft.com/office/mac/drawingml/2011/main" val="1"/>
+              <ma14:wrappingTextBoxFlag xmlns:ma14="http://schemas.microsoft.com/office/mac/drawingml/2011/main" xmlns:a14="http://schemas.microsoft.com/office/drawing/2010/main" xmlns:m="http://schemas.openxmlformats.org/officeDocument/2006/math" xmlns="" val="1"/>
             </a:ext>
           </a:extLst>
         </p:spPr>
@@ -1107,7 +1107,7 @@
           </a:ln>
           <a:extLst>
             <a:ext uri="{C572A759-6A51-4108-AA02-DFA0A04FC94B}">
-              <ma14:wrappingTextBoxFlag xmlns="" xmlns:m="http://schemas.openxmlformats.org/officeDocument/2006/math" xmlns:a14="http://schemas.microsoft.com/office/drawing/2010/main" xmlns:ma14="http://schemas.microsoft.com/office/mac/drawingml/2011/main" val="1"/>
+              <ma14:wrappingTextBoxFlag xmlns:ma14="http://schemas.microsoft.com/office/mac/drawingml/2011/main" xmlns:a14="http://schemas.microsoft.com/office/drawing/2010/main" xmlns:m="http://schemas.openxmlformats.org/officeDocument/2006/math" xmlns="" val="1"/>
             </a:ext>
           </a:extLst>
         </p:spPr>
@@ -2588,7 +2588,7 @@
           </a:ln>
           <a:extLst>
             <a:ext uri="{C572A759-6A51-4108-AA02-DFA0A04FC94B}">
-              <ma14:wrappingTextBoxFlag xmlns="" xmlns:m="http://schemas.openxmlformats.org/officeDocument/2006/math" xmlns:a14="http://schemas.microsoft.com/office/drawing/2010/main" xmlns:ma14="http://schemas.microsoft.com/office/mac/drawingml/2011/main" val="1"/>
+              <ma14:wrappingTextBoxFlag xmlns:ma14="http://schemas.microsoft.com/office/mac/drawingml/2011/main" xmlns:a14="http://schemas.microsoft.com/office/drawing/2010/main" xmlns:m="http://schemas.openxmlformats.org/officeDocument/2006/math" xmlns="" val="1"/>
             </a:ext>
           </a:extLst>
         </p:spPr>
@@ -2730,7 +2730,7 @@
           </a:ln>
           <a:extLst>
             <a:ext uri="{C572A759-6A51-4108-AA02-DFA0A04FC94B}">
-              <ma14:wrappingTextBoxFlag xmlns="" xmlns:m="http://schemas.openxmlformats.org/officeDocument/2006/math" xmlns:a14="http://schemas.microsoft.com/office/drawing/2010/main" xmlns:ma14="http://schemas.microsoft.com/office/mac/drawingml/2011/main" val="1"/>
+              <ma14:wrappingTextBoxFlag xmlns:ma14="http://schemas.microsoft.com/office/mac/drawingml/2011/main" xmlns:a14="http://schemas.microsoft.com/office/drawing/2010/main" xmlns:m="http://schemas.openxmlformats.org/officeDocument/2006/math" xmlns="" val="1"/>
             </a:ext>
           </a:extLst>
         </p:spPr>
@@ -2808,7 +2808,7 @@
           </a:ln>
           <a:extLst>
             <a:ext uri="{C572A759-6A51-4108-AA02-DFA0A04FC94B}">
-              <ma14:wrappingTextBoxFlag xmlns="" xmlns:m="http://schemas.openxmlformats.org/officeDocument/2006/math" xmlns:a14="http://schemas.microsoft.com/office/drawing/2010/main" xmlns:ma14="http://schemas.microsoft.com/office/mac/drawingml/2011/main" val="1"/>
+              <ma14:wrappingTextBoxFlag xmlns:ma14="http://schemas.microsoft.com/office/mac/drawingml/2011/main" xmlns:a14="http://schemas.microsoft.com/office/drawing/2010/main" xmlns:m="http://schemas.openxmlformats.org/officeDocument/2006/math" xmlns="" val="1"/>
             </a:ext>
           </a:extLst>
         </p:spPr>
@@ -2855,7 +2855,7 @@
           </a:ln>
           <a:extLst>
             <a:ext uri="{C572A759-6A51-4108-AA02-DFA0A04FC94B}">
-              <ma14:wrappingTextBoxFlag xmlns="" xmlns:m="http://schemas.openxmlformats.org/officeDocument/2006/math" xmlns:a14="http://schemas.microsoft.com/office/drawing/2010/main" xmlns:ma14="http://schemas.microsoft.com/office/mac/drawingml/2011/main" val="1"/>
+              <ma14:wrappingTextBoxFlag xmlns:ma14="http://schemas.microsoft.com/office/mac/drawingml/2011/main" xmlns:a14="http://schemas.microsoft.com/office/drawing/2010/main" xmlns:m="http://schemas.openxmlformats.org/officeDocument/2006/math" xmlns="" val="1"/>
             </a:ext>
           </a:extLst>
         </p:spPr>
@@ -2902,7 +2902,7 @@
           </a:ln>
           <a:extLst>
             <a:ext uri="{C572A759-6A51-4108-AA02-DFA0A04FC94B}">
-              <ma14:wrappingTextBoxFlag xmlns="" xmlns:m="http://schemas.openxmlformats.org/officeDocument/2006/math" xmlns:a14="http://schemas.microsoft.com/office/drawing/2010/main" xmlns:ma14="http://schemas.microsoft.com/office/mac/drawingml/2011/main" val="1"/>
+              <ma14:wrappingTextBoxFlag xmlns:ma14="http://schemas.microsoft.com/office/mac/drawingml/2011/main" xmlns:a14="http://schemas.microsoft.com/office/drawing/2010/main" xmlns:m="http://schemas.openxmlformats.org/officeDocument/2006/math" xmlns="" val="1"/>
             </a:ext>
           </a:extLst>
         </p:spPr>
@@ -2949,7 +2949,7 @@
           </a:ln>
           <a:extLst>
             <a:ext uri="{C572A759-6A51-4108-AA02-DFA0A04FC94B}">
-              <ma14:wrappingTextBoxFlag xmlns="" xmlns:m="http://schemas.openxmlformats.org/officeDocument/2006/math" xmlns:a14="http://schemas.microsoft.com/office/drawing/2010/main" xmlns:ma14="http://schemas.microsoft.com/office/mac/drawingml/2011/main" val="1"/>
+              <ma14:wrappingTextBoxFlag xmlns:ma14="http://schemas.microsoft.com/office/mac/drawingml/2011/main" xmlns:a14="http://schemas.microsoft.com/office/drawing/2010/main" xmlns:m="http://schemas.openxmlformats.org/officeDocument/2006/math" xmlns="" val="1"/>
             </a:ext>
           </a:extLst>
         </p:spPr>
@@ -2996,7 +2996,7 @@
           </a:ln>
           <a:extLst>
             <a:ext uri="{C572A759-6A51-4108-AA02-DFA0A04FC94B}">
-              <ma14:wrappingTextBoxFlag xmlns="" xmlns:m="http://schemas.openxmlformats.org/officeDocument/2006/math" xmlns:a14="http://schemas.microsoft.com/office/drawing/2010/main" xmlns:ma14="http://schemas.microsoft.com/office/mac/drawingml/2011/main" val="1"/>
+              <ma14:wrappingTextBoxFlag xmlns:ma14="http://schemas.microsoft.com/office/mac/drawingml/2011/main" xmlns:a14="http://schemas.microsoft.com/office/drawing/2010/main" xmlns:m="http://schemas.openxmlformats.org/officeDocument/2006/math" xmlns="" val="1"/>
             </a:ext>
           </a:extLst>
         </p:spPr>
@@ -3232,7 +3232,7 @@
           </a:ln>
           <a:extLst>
             <a:ext uri="{C572A759-6A51-4108-AA02-DFA0A04FC94B}">
-              <ma14:wrappingTextBoxFlag xmlns="" xmlns:m="http://schemas.openxmlformats.org/officeDocument/2006/math" xmlns:a14="http://schemas.microsoft.com/office/drawing/2010/main" xmlns:ma14="http://schemas.microsoft.com/office/mac/drawingml/2011/main" val="1"/>
+              <ma14:wrappingTextBoxFlag xmlns:ma14="http://schemas.microsoft.com/office/mac/drawingml/2011/main" xmlns:a14="http://schemas.microsoft.com/office/drawing/2010/main" xmlns:m="http://schemas.openxmlformats.org/officeDocument/2006/math" xmlns="" val="1"/>
             </a:ext>
           </a:extLst>
         </p:spPr>
@@ -3279,7 +3279,7 @@
           </a:ln>
           <a:extLst>
             <a:ext uri="{C572A759-6A51-4108-AA02-DFA0A04FC94B}">
-              <ma14:wrappingTextBoxFlag xmlns="" xmlns:m="http://schemas.openxmlformats.org/officeDocument/2006/math" xmlns:a14="http://schemas.microsoft.com/office/drawing/2010/main" xmlns:ma14="http://schemas.microsoft.com/office/mac/drawingml/2011/main" val="1"/>
+              <ma14:wrappingTextBoxFlag xmlns:ma14="http://schemas.microsoft.com/office/mac/drawingml/2011/main" xmlns:a14="http://schemas.microsoft.com/office/drawing/2010/main" xmlns:m="http://schemas.openxmlformats.org/officeDocument/2006/math" xmlns="" val="1"/>
             </a:ext>
           </a:extLst>
         </p:spPr>
@@ -3471,7 +3471,7 @@
           </a:ln>
           <a:extLst>
             <a:ext uri="{C572A759-6A51-4108-AA02-DFA0A04FC94B}">
-              <ma14:wrappingTextBoxFlag xmlns="" xmlns:m="http://schemas.openxmlformats.org/officeDocument/2006/math" xmlns:a14="http://schemas.microsoft.com/office/drawing/2010/main" xmlns:ma14="http://schemas.microsoft.com/office/mac/drawingml/2011/main" val="1"/>
+              <ma14:wrappingTextBoxFlag xmlns:ma14="http://schemas.microsoft.com/office/mac/drawingml/2011/main" xmlns:a14="http://schemas.microsoft.com/office/drawing/2010/main" xmlns:m="http://schemas.openxmlformats.org/officeDocument/2006/math" xmlns="" val="1"/>
             </a:ext>
           </a:extLst>
         </p:spPr>
@@ -3510,7 +3510,7 @@
           </a:ln>
           <a:extLst>
             <a:ext uri="{C572A759-6A51-4108-AA02-DFA0A04FC94B}">
-              <ma14:wrappingTextBoxFlag xmlns="" xmlns:m="http://schemas.openxmlformats.org/officeDocument/2006/math" xmlns:a14="http://schemas.microsoft.com/office/drawing/2010/main" xmlns:ma14="http://schemas.microsoft.com/office/mac/drawingml/2011/main" val="1"/>
+              <ma14:wrappingTextBoxFlag xmlns:ma14="http://schemas.microsoft.com/office/mac/drawingml/2011/main" xmlns:a14="http://schemas.microsoft.com/office/drawing/2010/main" xmlns:m="http://schemas.openxmlformats.org/officeDocument/2006/math" xmlns="" val="1"/>
             </a:ext>
           </a:extLst>
         </p:spPr>
@@ -4520,7 +4520,7 @@
           </a:ln>
           <a:extLst>
             <a:ext uri="{C572A759-6A51-4108-AA02-DFA0A04FC94B}">
-              <ma14:wrappingTextBoxFlag xmlns="" xmlns:m="http://schemas.openxmlformats.org/officeDocument/2006/math" xmlns:a14="http://schemas.microsoft.com/office/drawing/2010/main" xmlns:ma14="http://schemas.microsoft.com/office/mac/drawingml/2011/main" val="1"/>
+              <ma14:wrappingTextBoxFlag xmlns:ma14="http://schemas.microsoft.com/office/mac/drawingml/2011/main" xmlns:a14="http://schemas.microsoft.com/office/drawing/2010/main" xmlns:m="http://schemas.openxmlformats.org/officeDocument/2006/math" xmlns="" val="1"/>
             </a:ext>
           </a:extLst>
         </p:spPr>
@@ -4691,7 +4691,7 @@
           </a:ln>
           <a:extLst>
             <a:ext uri="{C572A759-6A51-4108-AA02-DFA0A04FC94B}">
-              <ma14:wrappingTextBoxFlag xmlns="" xmlns:m="http://schemas.openxmlformats.org/officeDocument/2006/math" xmlns:a14="http://schemas.microsoft.com/office/drawing/2010/main" xmlns:ma14="http://schemas.microsoft.com/office/mac/drawingml/2011/main" val="1"/>
+              <ma14:wrappingTextBoxFlag xmlns:ma14="http://schemas.microsoft.com/office/mac/drawingml/2011/main" xmlns:a14="http://schemas.microsoft.com/office/drawing/2010/main" xmlns:m="http://schemas.openxmlformats.org/officeDocument/2006/math" xmlns="" val="1"/>
             </a:ext>
           </a:extLst>
         </p:spPr>
@@ -4738,7 +4738,7 @@
           </a:ln>
           <a:extLst>
             <a:ext uri="{C572A759-6A51-4108-AA02-DFA0A04FC94B}">
-              <ma14:wrappingTextBoxFlag xmlns="" xmlns:m="http://schemas.openxmlformats.org/officeDocument/2006/math" xmlns:a14="http://schemas.microsoft.com/office/drawing/2010/main" xmlns:ma14="http://schemas.microsoft.com/office/mac/drawingml/2011/main" val="1"/>
+              <ma14:wrappingTextBoxFlag xmlns:ma14="http://schemas.microsoft.com/office/mac/drawingml/2011/main" xmlns:a14="http://schemas.microsoft.com/office/drawing/2010/main" xmlns:m="http://schemas.openxmlformats.org/officeDocument/2006/math" xmlns="" val="1"/>
             </a:ext>
           </a:extLst>
         </p:spPr>
@@ -4785,7 +4785,7 @@
           </a:ln>
           <a:extLst>
             <a:ext uri="{C572A759-6A51-4108-AA02-DFA0A04FC94B}">
-              <ma14:wrappingTextBoxFlag xmlns="" xmlns:m="http://schemas.openxmlformats.org/officeDocument/2006/math" xmlns:a14="http://schemas.microsoft.com/office/drawing/2010/main" xmlns:ma14="http://schemas.microsoft.com/office/mac/drawingml/2011/main" val="1"/>
+              <ma14:wrappingTextBoxFlag xmlns:ma14="http://schemas.microsoft.com/office/mac/drawingml/2011/main" xmlns:a14="http://schemas.microsoft.com/office/drawing/2010/main" xmlns:m="http://schemas.openxmlformats.org/officeDocument/2006/math" xmlns="" val="1"/>
             </a:ext>
           </a:extLst>
         </p:spPr>
@@ -4832,7 +4832,7 @@
           </a:ln>
           <a:extLst>
             <a:ext uri="{C572A759-6A51-4108-AA02-DFA0A04FC94B}">
-              <ma14:wrappingTextBoxFlag xmlns="" xmlns:m="http://schemas.openxmlformats.org/officeDocument/2006/math" xmlns:a14="http://schemas.microsoft.com/office/drawing/2010/main" xmlns:ma14="http://schemas.microsoft.com/office/mac/drawingml/2011/main" val="1"/>
+              <ma14:wrappingTextBoxFlag xmlns:ma14="http://schemas.microsoft.com/office/mac/drawingml/2011/main" xmlns:a14="http://schemas.microsoft.com/office/drawing/2010/main" xmlns:m="http://schemas.openxmlformats.org/officeDocument/2006/math" xmlns="" val="1"/>
             </a:ext>
           </a:extLst>
         </p:spPr>
@@ -4879,7 +4879,7 @@
           </a:ln>
           <a:extLst>
             <a:ext uri="{C572A759-6A51-4108-AA02-DFA0A04FC94B}">
-              <ma14:wrappingTextBoxFlag xmlns="" xmlns:m="http://schemas.openxmlformats.org/officeDocument/2006/math" xmlns:a14="http://schemas.microsoft.com/office/drawing/2010/main" xmlns:ma14="http://schemas.microsoft.com/office/mac/drawingml/2011/main" val="1"/>
+              <ma14:wrappingTextBoxFlag xmlns:ma14="http://schemas.microsoft.com/office/mac/drawingml/2011/main" xmlns:a14="http://schemas.microsoft.com/office/drawing/2010/main" xmlns:m="http://schemas.openxmlformats.org/officeDocument/2006/math" xmlns="" val="1"/>
             </a:ext>
           </a:extLst>
         </p:spPr>
@@ -4926,7 +4926,7 @@
           </a:ln>
           <a:extLst>
             <a:ext uri="{C572A759-6A51-4108-AA02-DFA0A04FC94B}">
-              <ma14:wrappingTextBoxFlag xmlns="" xmlns:m="http://schemas.openxmlformats.org/officeDocument/2006/math" xmlns:a14="http://schemas.microsoft.com/office/drawing/2010/main" xmlns:ma14="http://schemas.microsoft.com/office/mac/drawingml/2011/main" val="1"/>
+              <ma14:wrappingTextBoxFlag xmlns:ma14="http://schemas.microsoft.com/office/mac/drawingml/2011/main" xmlns:a14="http://schemas.microsoft.com/office/drawing/2010/main" xmlns:m="http://schemas.openxmlformats.org/officeDocument/2006/math" xmlns="" val="1"/>
             </a:ext>
           </a:extLst>
         </p:spPr>
@@ -5098,7 +5098,7 @@
           </a:ln>
           <a:extLst>
             <a:ext uri="{C572A759-6A51-4108-AA02-DFA0A04FC94B}">
-              <ma14:wrappingTextBoxFlag xmlns="" xmlns:m="http://schemas.openxmlformats.org/officeDocument/2006/math" xmlns:a14="http://schemas.microsoft.com/office/drawing/2010/main" xmlns:ma14="http://schemas.microsoft.com/office/mac/drawingml/2011/main" val="1"/>
+              <ma14:wrappingTextBoxFlag xmlns:ma14="http://schemas.microsoft.com/office/mac/drawingml/2011/main" xmlns:a14="http://schemas.microsoft.com/office/drawing/2010/main" xmlns:m="http://schemas.openxmlformats.org/officeDocument/2006/math" xmlns="" val="1"/>
             </a:ext>
           </a:extLst>
         </p:spPr>
@@ -5191,7 +5191,7 @@
           </a:ln>
           <a:extLst>
             <a:ext uri="{C572A759-6A51-4108-AA02-DFA0A04FC94B}">
-              <ma14:wrappingTextBoxFlag xmlns="" xmlns:m="http://schemas.openxmlformats.org/officeDocument/2006/math" xmlns:a14="http://schemas.microsoft.com/office/drawing/2010/main" xmlns:ma14="http://schemas.microsoft.com/office/mac/drawingml/2011/main" val="1"/>
+              <ma14:wrappingTextBoxFlag xmlns:ma14="http://schemas.microsoft.com/office/mac/drawingml/2011/main" xmlns:a14="http://schemas.microsoft.com/office/drawing/2010/main" xmlns:m="http://schemas.openxmlformats.org/officeDocument/2006/math" xmlns="" val="1"/>
             </a:ext>
           </a:extLst>
         </p:spPr>
@@ -5241,7 +5241,7 @@
           </a:ln>
           <a:extLst>
             <a:ext uri="{C572A759-6A51-4108-AA02-DFA0A04FC94B}">
-              <ma14:wrappingTextBoxFlag xmlns="" xmlns:m="http://schemas.openxmlformats.org/officeDocument/2006/math" xmlns:a14="http://schemas.microsoft.com/office/drawing/2010/main" xmlns:ma14="http://schemas.microsoft.com/office/mac/drawingml/2011/main" val="1"/>
+              <ma14:wrappingTextBoxFlag xmlns:ma14="http://schemas.microsoft.com/office/mac/drawingml/2011/main" xmlns:a14="http://schemas.microsoft.com/office/drawing/2010/main" xmlns:m="http://schemas.openxmlformats.org/officeDocument/2006/math" xmlns="" val="1"/>
             </a:ext>
           </a:extLst>
         </p:spPr>
@@ -5293,7 +5293,7 @@
           </a:ln>
           <a:extLst>
             <a:ext uri="{C572A759-6A51-4108-AA02-DFA0A04FC94B}">
-              <ma14:wrappingTextBoxFlag xmlns="" xmlns:m="http://schemas.openxmlformats.org/officeDocument/2006/math" xmlns:a14="http://schemas.microsoft.com/office/drawing/2010/main" xmlns:ma14="http://schemas.microsoft.com/office/mac/drawingml/2011/main" val="1"/>
+              <ma14:wrappingTextBoxFlag xmlns:ma14="http://schemas.microsoft.com/office/mac/drawingml/2011/main" xmlns:a14="http://schemas.microsoft.com/office/drawing/2010/main" xmlns:m="http://schemas.openxmlformats.org/officeDocument/2006/math" xmlns="" val="1"/>
             </a:ext>
           </a:extLst>
         </p:spPr>
@@ -5345,7 +5345,7 @@
           </a:ln>
           <a:extLst>
             <a:ext uri="{C572A759-6A51-4108-AA02-DFA0A04FC94B}">
-              <ma14:wrappingTextBoxFlag xmlns="" xmlns:m="http://schemas.openxmlformats.org/officeDocument/2006/math" xmlns:a14="http://schemas.microsoft.com/office/drawing/2010/main" xmlns:ma14="http://schemas.microsoft.com/office/mac/drawingml/2011/main" val="1"/>
+              <ma14:wrappingTextBoxFlag xmlns:ma14="http://schemas.microsoft.com/office/mac/drawingml/2011/main" xmlns:a14="http://schemas.microsoft.com/office/drawing/2010/main" xmlns:m="http://schemas.openxmlformats.org/officeDocument/2006/math" xmlns="" val="1"/>
             </a:ext>
           </a:extLst>
         </p:spPr>
@@ -5397,7 +5397,7 @@
           </a:ln>
           <a:extLst>
             <a:ext uri="{C572A759-6A51-4108-AA02-DFA0A04FC94B}">
-              <ma14:wrappingTextBoxFlag xmlns="" xmlns:m="http://schemas.openxmlformats.org/officeDocument/2006/math" xmlns:a14="http://schemas.microsoft.com/office/drawing/2010/main" xmlns:ma14="http://schemas.microsoft.com/office/mac/drawingml/2011/main" val="1"/>
+              <ma14:wrappingTextBoxFlag xmlns:ma14="http://schemas.microsoft.com/office/mac/drawingml/2011/main" xmlns:a14="http://schemas.microsoft.com/office/drawing/2010/main" xmlns:m="http://schemas.openxmlformats.org/officeDocument/2006/math" xmlns="" val="1"/>
             </a:ext>
           </a:extLst>
         </p:spPr>
@@ -5449,7 +5449,7 @@
           </a:ln>
           <a:extLst>
             <a:ext uri="{C572A759-6A51-4108-AA02-DFA0A04FC94B}">
-              <ma14:wrappingTextBoxFlag xmlns="" xmlns:m="http://schemas.openxmlformats.org/officeDocument/2006/math" xmlns:a14="http://schemas.microsoft.com/office/drawing/2010/main" xmlns:ma14="http://schemas.microsoft.com/office/mac/drawingml/2011/main" val="1"/>
+              <ma14:wrappingTextBoxFlag xmlns:ma14="http://schemas.microsoft.com/office/mac/drawingml/2011/main" xmlns:a14="http://schemas.microsoft.com/office/drawing/2010/main" xmlns:m="http://schemas.openxmlformats.org/officeDocument/2006/math" xmlns="" val="1"/>
             </a:ext>
           </a:extLst>
         </p:spPr>
@@ -5501,7 +5501,7 @@
           </a:ln>
           <a:extLst>
             <a:ext uri="{C572A759-6A51-4108-AA02-DFA0A04FC94B}">
-              <ma14:wrappingTextBoxFlag xmlns="" xmlns:m="http://schemas.openxmlformats.org/officeDocument/2006/math" xmlns:a14="http://schemas.microsoft.com/office/drawing/2010/main" xmlns:ma14="http://schemas.microsoft.com/office/mac/drawingml/2011/main" val="1"/>
+              <ma14:wrappingTextBoxFlag xmlns:ma14="http://schemas.microsoft.com/office/mac/drawingml/2011/main" xmlns:a14="http://schemas.microsoft.com/office/drawing/2010/main" xmlns:m="http://schemas.openxmlformats.org/officeDocument/2006/math" xmlns="" val="1"/>
             </a:ext>
           </a:extLst>
         </p:spPr>
@@ -5552,7 +5552,7 @@
           </a:ln>
           <a:extLst>
             <a:ext uri="{C572A759-6A51-4108-AA02-DFA0A04FC94B}">
-              <ma14:wrappingTextBoxFlag xmlns="" xmlns:m="http://schemas.openxmlformats.org/officeDocument/2006/math" xmlns:a14="http://schemas.microsoft.com/office/drawing/2010/main" xmlns:ma14="http://schemas.microsoft.com/office/mac/drawingml/2011/main" val="1"/>
+              <ma14:wrappingTextBoxFlag xmlns:ma14="http://schemas.microsoft.com/office/mac/drawingml/2011/main" xmlns:a14="http://schemas.microsoft.com/office/drawing/2010/main" xmlns:m="http://schemas.openxmlformats.org/officeDocument/2006/math" xmlns="" val="1"/>
             </a:ext>
           </a:extLst>
         </p:spPr>
@@ -5681,7 +5681,7 @@
           </a:ln>
           <a:extLst>
             <a:ext uri="{C572A759-6A51-4108-AA02-DFA0A04FC94B}">
-              <ma14:wrappingTextBoxFlag xmlns="" xmlns:m="http://schemas.openxmlformats.org/officeDocument/2006/math" xmlns:a14="http://schemas.microsoft.com/office/drawing/2010/main" xmlns:ma14="http://schemas.microsoft.com/office/mac/drawingml/2011/main" val="1"/>
+              <ma14:wrappingTextBoxFlag xmlns:ma14="http://schemas.microsoft.com/office/mac/drawingml/2011/main" xmlns:a14="http://schemas.microsoft.com/office/drawing/2010/main" xmlns:m="http://schemas.openxmlformats.org/officeDocument/2006/math" xmlns="" val="1"/>
             </a:ext>
           </a:extLst>
         </p:spPr>
@@ -5729,7 +5729,7 @@
           </a:ln>
           <a:extLst>
             <a:ext uri="{C572A759-6A51-4108-AA02-DFA0A04FC94B}">
-              <ma14:wrappingTextBoxFlag xmlns="" xmlns:m="http://schemas.openxmlformats.org/officeDocument/2006/math" xmlns:a14="http://schemas.microsoft.com/office/drawing/2010/main" xmlns:ma14="http://schemas.microsoft.com/office/mac/drawingml/2011/main" val="1"/>
+              <ma14:wrappingTextBoxFlag xmlns:ma14="http://schemas.microsoft.com/office/mac/drawingml/2011/main" xmlns:a14="http://schemas.microsoft.com/office/drawing/2010/main" xmlns:m="http://schemas.openxmlformats.org/officeDocument/2006/math" xmlns="" val="1"/>
             </a:ext>
           </a:extLst>
         </p:spPr>
@@ -5777,7 +5777,7 @@
           </a:ln>
           <a:extLst>
             <a:ext uri="{C572A759-6A51-4108-AA02-DFA0A04FC94B}">
-              <ma14:wrappingTextBoxFlag xmlns="" xmlns:m="http://schemas.openxmlformats.org/officeDocument/2006/math" xmlns:a14="http://schemas.microsoft.com/office/drawing/2010/main" xmlns:ma14="http://schemas.microsoft.com/office/mac/drawingml/2011/main" val="1"/>
+              <ma14:wrappingTextBoxFlag xmlns:ma14="http://schemas.microsoft.com/office/mac/drawingml/2011/main" xmlns:a14="http://schemas.microsoft.com/office/drawing/2010/main" xmlns:m="http://schemas.openxmlformats.org/officeDocument/2006/math" xmlns="" val="1"/>
             </a:ext>
           </a:extLst>
         </p:spPr>
@@ -5825,7 +5825,7 @@
           </a:ln>
           <a:extLst>
             <a:ext uri="{C572A759-6A51-4108-AA02-DFA0A04FC94B}">
-              <ma14:wrappingTextBoxFlag xmlns="" xmlns:m="http://schemas.openxmlformats.org/officeDocument/2006/math" xmlns:a14="http://schemas.microsoft.com/office/drawing/2010/main" xmlns:ma14="http://schemas.microsoft.com/office/mac/drawingml/2011/main" val="1"/>
+              <ma14:wrappingTextBoxFlag xmlns:ma14="http://schemas.microsoft.com/office/mac/drawingml/2011/main" xmlns:a14="http://schemas.microsoft.com/office/drawing/2010/main" xmlns:m="http://schemas.openxmlformats.org/officeDocument/2006/math" xmlns="" val="1"/>
             </a:ext>
           </a:extLst>
         </p:spPr>
@@ -5873,7 +5873,7 @@
           </a:ln>
           <a:extLst>
             <a:ext uri="{C572A759-6A51-4108-AA02-DFA0A04FC94B}">
-              <ma14:wrappingTextBoxFlag xmlns="" xmlns:m="http://schemas.openxmlformats.org/officeDocument/2006/math" xmlns:a14="http://schemas.microsoft.com/office/drawing/2010/main" xmlns:ma14="http://schemas.microsoft.com/office/mac/drawingml/2011/main" val="1"/>
+              <ma14:wrappingTextBoxFlag xmlns:ma14="http://schemas.microsoft.com/office/mac/drawingml/2011/main" xmlns:a14="http://schemas.microsoft.com/office/drawing/2010/main" xmlns:m="http://schemas.openxmlformats.org/officeDocument/2006/math" xmlns="" val="1"/>
             </a:ext>
           </a:extLst>
         </p:spPr>
@@ -5921,7 +5921,7 @@
           </a:ln>
           <a:extLst>
             <a:ext uri="{C572A759-6A51-4108-AA02-DFA0A04FC94B}">
-              <ma14:wrappingTextBoxFlag xmlns="" xmlns:m="http://schemas.openxmlformats.org/officeDocument/2006/math" xmlns:a14="http://schemas.microsoft.com/office/drawing/2010/main" xmlns:ma14="http://schemas.microsoft.com/office/mac/drawingml/2011/main" val="1"/>
+              <ma14:wrappingTextBoxFlag xmlns:ma14="http://schemas.microsoft.com/office/mac/drawingml/2011/main" xmlns:a14="http://schemas.microsoft.com/office/drawing/2010/main" xmlns:m="http://schemas.openxmlformats.org/officeDocument/2006/math" xmlns="" val="1"/>
             </a:ext>
           </a:extLst>
         </p:spPr>
@@ -5969,7 +5969,7 @@
           </a:ln>
           <a:extLst>
             <a:ext uri="{C572A759-6A51-4108-AA02-DFA0A04FC94B}">
-              <ma14:wrappingTextBoxFlag xmlns="" xmlns:m="http://schemas.openxmlformats.org/officeDocument/2006/math" xmlns:a14="http://schemas.microsoft.com/office/drawing/2010/main" xmlns:ma14="http://schemas.microsoft.com/office/mac/drawingml/2011/main" val="1"/>
+              <ma14:wrappingTextBoxFlag xmlns:ma14="http://schemas.microsoft.com/office/mac/drawingml/2011/main" xmlns:a14="http://schemas.microsoft.com/office/drawing/2010/main" xmlns:m="http://schemas.openxmlformats.org/officeDocument/2006/math" xmlns="" val="1"/>
             </a:ext>
           </a:extLst>
         </p:spPr>
@@ -6017,7 +6017,7 @@
           </a:ln>
           <a:extLst>
             <a:ext uri="{C572A759-6A51-4108-AA02-DFA0A04FC94B}">
-              <ma14:wrappingTextBoxFlag xmlns="" xmlns:m="http://schemas.openxmlformats.org/officeDocument/2006/math" xmlns:a14="http://schemas.microsoft.com/office/drawing/2010/main" xmlns:ma14="http://schemas.microsoft.com/office/mac/drawingml/2011/main" val="1"/>
+              <ma14:wrappingTextBoxFlag xmlns:ma14="http://schemas.microsoft.com/office/mac/drawingml/2011/main" xmlns:a14="http://schemas.microsoft.com/office/drawing/2010/main" xmlns:m="http://schemas.openxmlformats.org/officeDocument/2006/math" xmlns="" val="1"/>
             </a:ext>
           </a:extLst>
         </p:spPr>
@@ -6065,7 +6065,7 @@
           </a:ln>
           <a:extLst>
             <a:ext uri="{C572A759-6A51-4108-AA02-DFA0A04FC94B}">
-              <ma14:wrappingTextBoxFlag xmlns="" xmlns:m="http://schemas.openxmlformats.org/officeDocument/2006/math" xmlns:a14="http://schemas.microsoft.com/office/drawing/2010/main" xmlns:ma14="http://schemas.microsoft.com/office/mac/drawingml/2011/main" val="1"/>
+              <ma14:wrappingTextBoxFlag xmlns:ma14="http://schemas.microsoft.com/office/mac/drawingml/2011/main" xmlns:a14="http://schemas.microsoft.com/office/drawing/2010/main" xmlns:m="http://schemas.openxmlformats.org/officeDocument/2006/math" xmlns="" val="1"/>
             </a:ext>
           </a:extLst>
         </p:spPr>
@@ -6113,7 +6113,7 @@
           </a:ln>
           <a:extLst>
             <a:ext uri="{C572A759-6A51-4108-AA02-DFA0A04FC94B}">
-              <ma14:wrappingTextBoxFlag xmlns="" xmlns:m="http://schemas.openxmlformats.org/officeDocument/2006/math" xmlns:a14="http://schemas.microsoft.com/office/drawing/2010/main" xmlns:ma14="http://schemas.microsoft.com/office/mac/drawingml/2011/main" val="1"/>
+              <ma14:wrappingTextBoxFlag xmlns:ma14="http://schemas.microsoft.com/office/mac/drawingml/2011/main" xmlns:a14="http://schemas.microsoft.com/office/drawing/2010/main" xmlns:m="http://schemas.openxmlformats.org/officeDocument/2006/math" xmlns="" val="1"/>
             </a:ext>
           </a:extLst>
         </p:spPr>
@@ -6161,7 +6161,7 @@
           </a:ln>
           <a:extLst>
             <a:ext uri="{C572A759-6A51-4108-AA02-DFA0A04FC94B}">
-              <ma14:wrappingTextBoxFlag xmlns="" xmlns:m="http://schemas.openxmlformats.org/officeDocument/2006/math" xmlns:a14="http://schemas.microsoft.com/office/drawing/2010/main" xmlns:ma14="http://schemas.microsoft.com/office/mac/drawingml/2011/main" val="1"/>
+              <ma14:wrappingTextBoxFlag xmlns:ma14="http://schemas.microsoft.com/office/mac/drawingml/2011/main" xmlns:a14="http://schemas.microsoft.com/office/drawing/2010/main" xmlns:m="http://schemas.openxmlformats.org/officeDocument/2006/math" xmlns="" val="1"/>
             </a:ext>
           </a:extLst>
         </p:spPr>
@@ -6232,7 +6232,7 @@
           </a:ln>
           <a:extLst>
             <a:ext uri="{C572A759-6A51-4108-AA02-DFA0A04FC94B}">
-              <ma14:wrappingTextBoxFlag xmlns="" xmlns:m="http://schemas.openxmlformats.org/officeDocument/2006/math" xmlns:a14="http://schemas.microsoft.com/office/drawing/2010/main" xmlns:ma14="http://schemas.microsoft.com/office/mac/drawingml/2011/main" val="1"/>
+              <ma14:wrappingTextBoxFlag xmlns:ma14="http://schemas.microsoft.com/office/mac/drawingml/2011/main" xmlns:a14="http://schemas.microsoft.com/office/drawing/2010/main" xmlns:m="http://schemas.openxmlformats.org/officeDocument/2006/math" xmlns="" val="1"/>
             </a:ext>
           </a:extLst>
         </p:spPr>
@@ -6496,7 +6496,7 @@
         <p:spPr>
           <a:xfrm>
             <a:off x="279177" y="6429483"/>
-            <a:ext cx="3026664" cy="3145536"/>
+            <a:ext cx="2962656" cy="3145536"/>
           </a:xfrm>
           <a:prstGeom prst="rect">
             <a:avLst/>
@@ -7431,7 +7431,7 @@
         <p:spPr>
           <a:xfrm>
             <a:off x="236198" y="6411841"/>
-            <a:ext cx="3099934" cy="3205022"/>
+            <a:ext cx="3035808" cy="3205022"/>
           </a:xfrm>
           <a:prstGeom prst="rect">
             <a:avLst/>

--- a/powerpoint template.pptx
+++ b/powerpoint template.pptx
@@ -1013,7 +1013,7 @@
           </a:ln>
           <a:extLst>
             <a:ext uri="{C572A759-6A51-4108-AA02-DFA0A04FC94B}">
-              <ma14:wrappingTextBoxFlag xmlns:ma14="http://schemas.microsoft.com/office/mac/drawingml/2011/main" xmlns:a14="http://schemas.microsoft.com/office/drawing/2010/main" xmlns:m="http://schemas.openxmlformats.org/officeDocument/2006/math" xmlns="" val="1"/>
+              <ma14:wrappingTextBoxFlag xmlns="" xmlns:m="http://schemas.openxmlformats.org/officeDocument/2006/math" xmlns:a14="http://schemas.microsoft.com/office/drawing/2010/main" xmlns:ma14="http://schemas.microsoft.com/office/mac/drawingml/2011/main" val="1"/>
             </a:ext>
           </a:extLst>
         </p:spPr>
@@ -1060,7 +1060,7 @@
           </a:ln>
           <a:extLst>
             <a:ext uri="{C572A759-6A51-4108-AA02-DFA0A04FC94B}">
-              <ma14:wrappingTextBoxFlag xmlns:ma14="http://schemas.microsoft.com/office/mac/drawingml/2011/main" xmlns:a14="http://schemas.microsoft.com/office/drawing/2010/main" xmlns:m="http://schemas.openxmlformats.org/officeDocument/2006/math" xmlns="" val="1"/>
+              <ma14:wrappingTextBoxFlag xmlns="" xmlns:m="http://schemas.openxmlformats.org/officeDocument/2006/math" xmlns:a14="http://schemas.microsoft.com/office/drawing/2010/main" xmlns:ma14="http://schemas.microsoft.com/office/mac/drawingml/2011/main" val="1"/>
             </a:ext>
           </a:extLst>
         </p:spPr>
@@ -1107,7 +1107,7 @@
           </a:ln>
           <a:extLst>
             <a:ext uri="{C572A759-6A51-4108-AA02-DFA0A04FC94B}">
-              <ma14:wrappingTextBoxFlag xmlns:ma14="http://schemas.microsoft.com/office/mac/drawingml/2011/main" xmlns:a14="http://schemas.microsoft.com/office/drawing/2010/main" xmlns:m="http://schemas.openxmlformats.org/officeDocument/2006/math" xmlns="" val="1"/>
+              <ma14:wrappingTextBoxFlag xmlns="" xmlns:m="http://schemas.openxmlformats.org/officeDocument/2006/math" xmlns:a14="http://schemas.microsoft.com/office/drawing/2010/main" xmlns:ma14="http://schemas.microsoft.com/office/mac/drawingml/2011/main" val="1"/>
             </a:ext>
           </a:extLst>
         </p:spPr>
@@ -2588,7 +2588,7 @@
           </a:ln>
           <a:extLst>
             <a:ext uri="{C572A759-6A51-4108-AA02-DFA0A04FC94B}">
-              <ma14:wrappingTextBoxFlag xmlns:ma14="http://schemas.microsoft.com/office/mac/drawingml/2011/main" xmlns:a14="http://schemas.microsoft.com/office/drawing/2010/main" xmlns:m="http://schemas.openxmlformats.org/officeDocument/2006/math" xmlns="" val="1"/>
+              <ma14:wrappingTextBoxFlag xmlns="" xmlns:m="http://schemas.openxmlformats.org/officeDocument/2006/math" xmlns:a14="http://schemas.microsoft.com/office/drawing/2010/main" xmlns:ma14="http://schemas.microsoft.com/office/mac/drawingml/2011/main" val="1"/>
             </a:ext>
           </a:extLst>
         </p:spPr>
@@ -2730,7 +2730,7 @@
           </a:ln>
           <a:extLst>
             <a:ext uri="{C572A759-6A51-4108-AA02-DFA0A04FC94B}">
-              <ma14:wrappingTextBoxFlag xmlns:ma14="http://schemas.microsoft.com/office/mac/drawingml/2011/main" xmlns:a14="http://schemas.microsoft.com/office/drawing/2010/main" xmlns:m="http://schemas.openxmlformats.org/officeDocument/2006/math" xmlns="" val="1"/>
+              <ma14:wrappingTextBoxFlag xmlns="" xmlns:m="http://schemas.openxmlformats.org/officeDocument/2006/math" xmlns:a14="http://schemas.microsoft.com/office/drawing/2010/main" xmlns:ma14="http://schemas.microsoft.com/office/mac/drawingml/2011/main" val="1"/>
             </a:ext>
           </a:extLst>
         </p:spPr>
@@ -2808,7 +2808,7 @@
           </a:ln>
           <a:extLst>
             <a:ext uri="{C572A759-6A51-4108-AA02-DFA0A04FC94B}">
-              <ma14:wrappingTextBoxFlag xmlns:ma14="http://schemas.microsoft.com/office/mac/drawingml/2011/main" xmlns:a14="http://schemas.microsoft.com/office/drawing/2010/main" xmlns:m="http://schemas.openxmlformats.org/officeDocument/2006/math" xmlns="" val="1"/>
+              <ma14:wrappingTextBoxFlag xmlns="" xmlns:m="http://schemas.openxmlformats.org/officeDocument/2006/math" xmlns:a14="http://schemas.microsoft.com/office/drawing/2010/main" xmlns:ma14="http://schemas.microsoft.com/office/mac/drawingml/2011/main" val="1"/>
             </a:ext>
           </a:extLst>
         </p:spPr>
@@ -2855,7 +2855,7 @@
           </a:ln>
           <a:extLst>
             <a:ext uri="{C572A759-6A51-4108-AA02-DFA0A04FC94B}">
-              <ma14:wrappingTextBoxFlag xmlns:ma14="http://schemas.microsoft.com/office/mac/drawingml/2011/main" xmlns:a14="http://schemas.microsoft.com/office/drawing/2010/main" xmlns:m="http://schemas.openxmlformats.org/officeDocument/2006/math" xmlns="" val="1"/>
+              <ma14:wrappingTextBoxFlag xmlns="" xmlns:m="http://schemas.openxmlformats.org/officeDocument/2006/math" xmlns:a14="http://schemas.microsoft.com/office/drawing/2010/main" xmlns:ma14="http://schemas.microsoft.com/office/mac/drawingml/2011/main" val="1"/>
             </a:ext>
           </a:extLst>
         </p:spPr>
@@ -2902,7 +2902,7 @@
           </a:ln>
           <a:extLst>
             <a:ext uri="{C572A759-6A51-4108-AA02-DFA0A04FC94B}">
-              <ma14:wrappingTextBoxFlag xmlns:ma14="http://schemas.microsoft.com/office/mac/drawingml/2011/main" xmlns:a14="http://schemas.microsoft.com/office/drawing/2010/main" xmlns:m="http://schemas.openxmlformats.org/officeDocument/2006/math" xmlns="" val="1"/>
+              <ma14:wrappingTextBoxFlag xmlns="" xmlns:m="http://schemas.openxmlformats.org/officeDocument/2006/math" xmlns:a14="http://schemas.microsoft.com/office/drawing/2010/main" xmlns:ma14="http://schemas.microsoft.com/office/mac/drawingml/2011/main" val="1"/>
             </a:ext>
           </a:extLst>
         </p:spPr>
@@ -2949,7 +2949,7 @@
           </a:ln>
           <a:extLst>
             <a:ext uri="{C572A759-6A51-4108-AA02-DFA0A04FC94B}">
-              <ma14:wrappingTextBoxFlag xmlns:ma14="http://schemas.microsoft.com/office/mac/drawingml/2011/main" xmlns:a14="http://schemas.microsoft.com/office/drawing/2010/main" xmlns:m="http://schemas.openxmlformats.org/officeDocument/2006/math" xmlns="" val="1"/>
+              <ma14:wrappingTextBoxFlag xmlns="" xmlns:m="http://schemas.openxmlformats.org/officeDocument/2006/math" xmlns:a14="http://schemas.microsoft.com/office/drawing/2010/main" xmlns:ma14="http://schemas.microsoft.com/office/mac/drawingml/2011/main" val="1"/>
             </a:ext>
           </a:extLst>
         </p:spPr>
@@ -2996,7 +2996,7 @@
           </a:ln>
           <a:extLst>
             <a:ext uri="{C572A759-6A51-4108-AA02-DFA0A04FC94B}">
-              <ma14:wrappingTextBoxFlag xmlns:ma14="http://schemas.microsoft.com/office/mac/drawingml/2011/main" xmlns:a14="http://schemas.microsoft.com/office/drawing/2010/main" xmlns:m="http://schemas.openxmlformats.org/officeDocument/2006/math" xmlns="" val="1"/>
+              <ma14:wrappingTextBoxFlag xmlns="" xmlns:m="http://schemas.openxmlformats.org/officeDocument/2006/math" xmlns:a14="http://schemas.microsoft.com/office/drawing/2010/main" xmlns:ma14="http://schemas.microsoft.com/office/mac/drawingml/2011/main" val="1"/>
             </a:ext>
           </a:extLst>
         </p:spPr>
@@ -3232,7 +3232,7 @@
           </a:ln>
           <a:extLst>
             <a:ext uri="{C572A759-6A51-4108-AA02-DFA0A04FC94B}">
-              <ma14:wrappingTextBoxFlag xmlns:ma14="http://schemas.microsoft.com/office/mac/drawingml/2011/main" xmlns:a14="http://schemas.microsoft.com/office/drawing/2010/main" xmlns:m="http://schemas.openxmlformats.org/officeDocument/2006/math" xmlns="" val="1"/>
+              <ma14:wrappingTextBoxFlag xmlns="" xmlns:m="http://schemas.openxmlformats.org/officeDocument/2006/math" xmlns:a14="http://schemas.microsoft.com/office/drawing/2010/main" xmlns:ma14="http://schemas.microsoft.com/office/mac/drawingml/2011/main" val="1"/>
             </a:ext>
           </a:extLst>
         </p:spPr>
@@ -3279,7 +3279,7 @@
           </a:ln>
           <a:extLst>
             <a:ext uri="{C572A759-6A51-4108-AA02-DFA0A04FC94B}">
-              <ma14:wrappingTextBoxFlag xmlns:ma14="http://schemas.microsoft.com/office/mac/drawingml/2011/main" xmlns:a14="http://schemas.microsoft.com/office/drawing/2010/main" xmlns:m="http://schemas.openxmlformats.org/officeDocument/2006/math" xmlns="" val="1"/>
+              <ma14:wrappingTextBoxFlag xmlns="" xmlns:m="http://schemas.openxmlformats.org/officeDocument/2006/math" xmlns:a14="http://schemas.microsoft.com/office/drawing/2010/main" xmlns:ma14="http://schemas.microsoft.com/office/mac/drawingml/2011/main" val="1"/>
             </a:ext>
           </a:extLst>
         </p:spPr>
@@ -3471,7 +3471,7 @@
           </a:ln>
           <a:extLst>
             <a:ext uri="{C572A759-6A51-4108-AA02-DFA0A04FC94B}">
-              <ma14:wrappingTextBoxFlag xmlns:ma14="http://schemas.microsoft.com/office/mac/drawingml/2011/main" xmlns:a14="http://schemas.microsoft.com/office/drawing/2010/main" xmlns:m="http://schemas.openxmlformats.org/officeDocument/2006/math" xmlns="" val="1"/>
+              <ma14:wrappingTextBoxFlag xmlns="" xmlns:m="http://schemas.openxmlformats.org/officeDocument/2006/math" xmlns:a14="http://schemas.microsoft.com/office/drawing/2010/main" xmlns:ma14="http://schemas.microsoft.com/office/mac/drawingml/2011/main" val="1"/>
             </a:ext>
           </a:extLst>
         </p:spPr>
@@ -3510,7 +3510,7 @@
           </a:ln>
           <a:extLst>
             <a:ext uri="{C572A759-6A51-4108-AA02-DFA0A04FC94B}">
-              <ma14:wrappingTextBoxFlag xmlns:ma14="http://schemas.microsoft.com/office/mac/drawingml/2011/main" xmlns:a14="http://schemas.microsoft.com/office/drawing/2010/main" xmlns:m="http://schemas.openxmlformats.org/officeDocument/2006/math" xmlns="" val="1"/>
+              <ma14:wrappingTextBoxFlag xmlns="" xmlns:m="http://schemas.openxmlformats.org/officeDocument/2006/math" xmlns:a14="http://schemas.microsoft.com/office/drawing/2010/main" xmlns:ma14="http://schemas.microsoft.com/office/mac/drawingml/2011/main" val="1"/>
             </a:ext>
           </a:extLst>
         </p:spPr>
@@ -4520,7 +4520,7 @@
           </a:ln>
           <a:extLst>
             <a:ext uri="{C572A759-6A51-4108-AA02-DFA0A04FC94B}">
-              <ma14:wrappingTextBoxFlag xmlns:ma14="http://schemas.microsoft.com/office/mac/drawingml/2011/main" xmlns:a14="http://schemas.microsoft.com/office/drawing/2010/main" xmlns:m="http://schemas.openxmlformats.org/officeDocument/2006/math" xmlns="" val="1"/>
+              <ma14:wrappingTextBoxFlag xmlns="" xmlns:m="http://schemas.openxmlformats.org/officeDocument/2006/math" xmlns:a14="http://schemas.microsoft.com/office/drawing/2010/main" xmlns:ma14="http://schemas.microsoft.com/office/mac/drawingml/2011/main" val="1"/>
             </a:ext>
           </a:extLst>
         </p:spPr>
@@ -4691,7 +4691,7 @@
           </a:ln>
           <a:extLst>
             <a:ext uri="{C572A759-6A51-4108-AA02-DFA0A04FC94B}">
-              <ma14:wrappingTextBoxFlag xmlns:ma14="http://schemas.microsoft.com/office/mac/drawingml/2011/main" xmlns:a14="http://schemas.microsoft.com/office/drawing/2010/main" xmlns:m="http://schemas.openxmlformats.org/officeDocument/2006/math" xmlns="" val="1"/>
+              <ma14:wrappingTextBoxFlag xmlns="" xmlns:m="http://schemas.openxmlformats.org/officeDocument/2006/math" xmlns:a14="http://schemas.microsoft.com/office/drawing/2010/main" xmlns:ma14="http://schemas.microsoft.com/office/mac/drawingml/2011/main" val="1"/>
             </a:ext>
           </a:extLst>
         </p:spPr>
@@ -4738,7 +4738,7 @@
           </a:ln>
           <a:extLst>
             <a:ext uri="{C572A759-6A51-4108-AA02-DFA0A04FC94B}">
-              <ma14:wrappingTextBoxFlag xmlns:ma14="http://schemas.microsoft.com/office/mac/drawingml/2011/main" xmlns:a14="http://schemas.microsoft.com/office/drawing/2010/main" xmlns:m="http://schemas.openxmlformats.org/officeDocument/2006/math" xmlns="" val="1"/>
+              <ma14:wrappingTextBoxFlag xmlns="" xmlns:m="http://schemas.openxmlformats.org/officeDocument/2006/math" xmlns:a14="http://schemas.microsoft.com/office/drawing/2010/main" xmlns:ma14="http://schemas.microsoft.com/office/mac/drawingml/2011/main" val="1"/>
             </a:ext>
           </a:extLst>
         </p:spPr>
@@ -4785,7 +4785,7 @@
           </a:ln>
           <a:extLst>
             <a:ext uri="{C572A759-6A51-4108-AA02-DFA0A04FC94B}">
-              <ma14:wrappingTextBoxFlag xmlns:ma14="http://schemas.microsoft.com/office/mac/drawingml/2011/main" xmlns:a14="http://schemas.microsoft.com/office/drawing/2010/main" xmlns:m="http://schemas.openxmlformats.org/officeDocument/2006/math" xmlns="" val="1"/>
+              <ma14:wrappingTextBoxFlag xmlns="" xmlns:m="http://schemas.openxmlformats.org/officeDocument/2006/math" xmlns:a14="http://schemas.microsoft.com/office/drawing/2010/main" xmlns:ma14="http://schemas.microsoft.com/office/mac/drawingml/2011/main" val="1"/>
             </a:ext>
           </a:extLst>
         </p:spPr>
@@ -4832,7 +4832,7 @@
           </a:ln>
           <a:extLst>
             <a:ext uri="{C572A759-6A51-4108-AA02-DFA0A04FC94B}">
-              <ma14:wrappingTextBoxFlag xmlns:ma14="http://schemas.microsoft.com/office/mac/drawingml/2011/main" xmlns:a14="http://schemas.microsoft.com/office/drawing/2010/main" xmlns:m="http://schemas.openxmlformats.org/officeDocument/2006/math" xmlns="" val="1"/>
+              <ma14:wrappingTextBoxFlag xmlns="" xmlns:m="http://schemas.openxmlformats.org/officeDocument/2006/math" xmlns:a14="http://schemas.microsoft.com/office/drawing/2010/main" xmlns:ma14="http://schemas.microsoft.com/office/mac/drawingml/2011/main" val="1"/>
             </a:ext>
           </a:extLst>
         </p:spPr>
@@ -4879,7 +4879,7 @@
           </a:ln>
           <a:extLst>
             <a:ext uri="{C572A759-6A51-4108-AA02-DFA0A04FC94B}">
-              <ma14:wrappingTextBoxFlag xmlns:ma14="http://schemas.microsoft.com/office/mac/drawingml/2011/main" xmlns:a14="http://schemas.microsoft.com/office/drawing/2010/main" xmlns:m="http://schemas.openxmlformats.org/officeDocument/2006/math" xmlns="" val="1"/>
+              <ma14:wrappingTextBoxFlag xmlns="" xmlns:m="http://schemas.openxmlformats.org/officeDocument/2006/math" xmlns:a14="http://schemas.microsoft.com/office/drawing/2010/main" xmlns:ma14="http://schemas.microsoft.com/office/mac/drawingml/2011/main" val="1"/>
             </a:ext>
           </a:extLst>
         </p:spPr>
@@ -4926,7 +4926,7 @@
           </a:ln>
           <a:extLst>
             <a:ext uri="{C572A759-6A51-4108-AA02-DFA0A04FC94B}">
-              <ma14:wrappingTextBoxFlag xmlns:ma14="http://schemas.microsoft.com/office/mac/drawingml/2011/main" xmlns:a14="http://schemas.microsoft.com/office/drawing/2010/main" xmlns:m="http://schemas.openxmlformats.org/officeDocument/2006/math" xmlns="" val="1"/>
+              <ma14:wrappingTextBoxFlag xmlns="" xmlns:m="http://schemas.openxmlformats.org/officeDocument/2006/math" xmlns:a14="http://schemas.microsoft.com/office/drawing/2010/main" xmlns:ma14="http://schemas.microsoft.com/office/mac/drawingml/2011/main" val="1"/>
             </a:ext>
           </a:extLst>
         </p:spPr>
@@ -5087,7 +5087,7 @@
         </p:nvSpPr>
         <p:spPr>
           <a:xfrm>
-            <a:off x="5362719" y="2585783"/>
+            <a:off x="5092080" y="2549964"/>
             <a:ext cx="1621596" cy="646331"/>
           </a:xfrm>
           <a:prstGeom prst="rect">
@@ -5098,7 +5098,7 @@
           </a:ln>
           <a:extLst>
             <a:ext uri="{C572A759-6A51-4108-AA02-DFA0A04FC94B}">
-              <ma14:wrappingTextBoxFlag xmlns:ma14="http://schemas.microsoft.com/office/mac/drawingml/2011/main" xmlns:a14="http://schemas.microsoft.com/office/drawing/2010/main" xmlns:m="http://schemas.openxmlformats.org/officeDocument/2006/math" xmlns="" val="1"/>
+              <ma14:wrappingTextBoxFlag xmlns="" xmlns:m="http://schemas.openxmlformats.org/officeDocument/2006/math" xmlns:a14="http://schemas.microsoft.com/office/drawing/2010/main" xmlns:ma14="http://schemas.microsoft.com/office/mac/drawingml/2011/main" val="1"/>
             </a:ext>
           </a:extLst>
         </p:spPr>
@@ -5191,7 +5191,7 @@
           </a:ln>
           <a:extLst>
             <a:ext uri="{C572A759-6A51-4108-AA02-DFA0A04FC94B}">
-              <ma14:wrappingTextBoxFlag xmlns:ma14="http://schemas.microsoft.com/office/mac/drawingml/2011/main" xmlns:a14="http://schemas.microsoft.com/office/drawing/2010/main" xmlns:m="http://schemas.openxmlformats.org/officeDocument/2006/math" xmlns="" val="1"/>
+              <ma14:wrappingTextBoxFlag xmlns="" xmlns:m="http://schemas.openxmlformats.org/officeDocument/2006/math" xmlns:a14="http://schemas.microsoft.com/office/drawing/2010/main" xmlns:ma14="http://schemas.microsoft.com/office/mac/drawingml/2011/main" val="1"/>
             </a:ext>
           </a:extLst>
         </p:spPr>
@@ -5241,7 +5241,7 @@
           </a:ln>
           <a:extLst>
             <a:ext uri="{C572A759-6A51-4108-AA02-DFA0A04FC94B}">
-              <ma14:wrappingTextBoxFlag xmlns:ma14="http://schemas.microsoft.com/office/mac/drawingml/2011/main" xmlns:a14="http://schemas.microsoft.com/office/drawing/2010/main" xmlns:m="http://schemas.openxmlformats.org/officeDocument/2006/math" xmlns="" val="1"/>
+              <ma14:wrappingTextBoxFlag xmlns="" xmlns:m="http://schemas.openxmlformats.org/officeDocument/2006/math" xmlns:a14="http://schemas.microsoft.com/office/drawing/2010/main" xmlns:ma14="http://schemas.microsoft.com/office/mac/drawingml/2011/main" val="1"/>
             </a:ext>
           </a:extLst>
         </p:spPr>
@@ -5293,7 +5293,7 @@
           </a:ln>
           <a:extLst>
             <a:ext uri="{C572A759-6A51-4108-AA02-DFA0A04FC94B}">
-              <ma14:wrappingTextBoxFlag xmlns:ma14="http://schemas.microsoft.com/office/mac/drawingml/2011/main" xmlns:a14="http://schemas.microsoft.com/office/drawing/2010/main" xmlns:m="http://schemas.openxmlformats.org/officeDocument/2006/math" xmlns="" val="1"/>
+              <ma14:wrappingTextBoxFlag xmlns="" xmlns:m="http://schemas.openxmlformats.org/officeDocument/2006/math" xmlns:a14="http://schemas.microsoft.com/office/drawing/2010/main" xmlns:ma14="http://schemas.microsoft.com/office/mac/drawingml/2011/main" val="1"/>
             </a:ext>
           </a:extLst>
         </p:spPr>
@@ -5345,7 +5345,7 @@
           </a:ln>
           <a:extLst>
             <a:ext uri="{C572A759-6A51-4108-AA02-DFA0A04FC94B}">
-              <ma14:wrappingTextBoxFlag xmlns:ma14="http://schemas.microsoft.com/office/mac/drawingml/2011/main" xmlns:a14="http://schemas.microsoft.com/office/drawing/2010/main" xmlns:m="http://schemas.openxmlformats.org/officeDocument/2006/math" xmlns="" val="1"/>
+              <ma14:wrappingTextBoxFlag xmlns="" xmlns:m="http://schemas.openxmlformats.org/officeDocument/2006/math" xmlns:a14="http://schemas.microsoft.com/office/drawing/2010/main" xmlns:ma14="http://schemas.microsoft.com/office/mac/drawingml/2011/main" val="1"/>
             </a:ext>
           </a:extLst>
         </p:spPr>
@@ -5397,7 +5397,7 @@
           </a:ln>
           <a:extLst>
             <a:ext uri="{C572A759-6A51-4108-AA02-DFA0A04FC94B}">
-              <ma14:wrappingTextBoxFlag xmlns:ma14="http://schemas.microsoft.com/office/mac/drawingml/2011/main" xmlns:a14="http://schemas.microsoft.com/office/drawing/2010/main" xmlns:m="http://schemas.openxmlformats.org/officeDocument/2006/math" xmlns="" val="1"/>
+              <ma14:wrappingTextBoxFlag xmlns="" xmlns:m="http://schemas.openxmlformats.org/officeDocument/2006/math" xmlns:a14="http://schemas.microsoft.com/office/drawing/2010/main" xmlns:ma14="http://schemas.microsoft.com/office/mac/drawingml/2011/main" val="1"/>
             </a:ext>
           </a:extLst>
         </p:spPr>
@@ -5449,7 +5449,7 @@
           </a:ln>
           <a:extLst>
             <a:ext uri="{C572A759-6A51-4108-AA02-DFA0A04FC94B}">
-              <ma14:wrappingTextBoxFlag xmlns:ma14="http://schemas.microsoft.com/office/mac/drawingml/2011/main" xmlns:a14="http://schemas.microsoft.com/office/drawing/2010/main" xmlns:m="http://schemas.openxmlformats.org/officeDocument/2006/math" xmlns="" val="1"/>
+              <ma14:wrappingTextBoxFlag xmlns="" xmlns:m="http://schemas.openxmlformats.org/officeDocument/2006/math" xmlns:a14="http://schemas.microsoft.com/office/drawing/2010/main" xmlns:ma14="http://schemas.microsoft.com/office/mac/drawingml/2011/main" val="1"/>
             </a:ext>
           </a:extLst>
         </p:spPr>
@@ -5501,7 +5501,7 @@
           </a:ln>
           <a:extLst>
             <a:ext uri="{C572A759-6A51-4108-AA02-DFA0A04FC94B}">
-              <ma14:wrappingTextBoxFlag xmlns:ma14="http://schemas.microsoft.com/office/mac/drawingml/2011/main" xmlns:a14="http://schemas.microsoft.com/office/drawing/2010/main" xmlns:m="http://schemas.openxmlformats.org/officeDocument/2006/math" xmlns="" val="1"/>
+              <ma14:wrappingTextBoxFlag xmlns="" xmlns:m="http://schemas.openxmlformats.org/officeDocument/2006/math" xmlns:a14="http://schemas.microsoft.com/office/drawing/2010/main" xmlns:ma14="http://schemas.microsoft.com/office/mac/drawingml/2011/main" val="1"/>
             </a:ext>
           </a:extLst>
         </p:spPr>
@@ -5552,7 +5552,7 @@
           </a:ln>
           <a:extLst>
             <a:ext uri="{C572A759-6A51-4108-AA02-DFA0A04FC94B}">
-              <ma14:wrappingTextBoxFlag xmlns:ma14="http://schemas.microsoft.com/office/mac/drawingml/2011/main" xmlns:a14="http://schemas.microsoft.com/office/drawing/2010/main" xmlns:m="http://schemas.openxmlformats.org/officeDocument/2006/math" xmlns="" val="1"/>
+              <ma14:wrappingTextBoxFlag xmlns="" xmlns:m="http://schemas.openxmlformats.org/officeDocument/2006/math" xmlns:a14="http://schemas.microsoft.com/office/drawing/2010/main" xmlns:ma14="http://schemas.microsoft.com/office/mac/drawingml/2011/main" val="1"/>
             </a:ext>
           </a:extLst>
         </p:spPr>
@@ -5681,7 +5681,7 @@
           </a:ln>
           <a:extLst>
             <a:ext uri="{C572A759-6A51-4108-AA02-DFA0A04FC94B}">
-              <ma14:wrappingTextBoxFlag xmlns:ma14="http://schemas.microsoft.com/office/mac/drawingml/2011/main" xmlns:a14="http://schemas.microsoft.com/office/drawing/2010/main" xmlns:m="http://schemas.openxmlformats.org/officeDocument/2006/math" xmlns="" val="1"/>
+              <ma14:wrappingTextBoxFlag xmlns="" xmlns:m="http://schemas.openxmlformats.org/officeDocument/2006/math" xmlns:a14="http://schemas.microsoft.com/office/drawing/2010/main" xmlns:ma14="http://schemas.microsoft.com/office/mac/drawingml/2011/main" val="1"/>
             </a:ext>
           </a:extLst>
         </p:spPr>
@@ -5729,7 +5729,7 @@
           </a:ln>
           <a:extLst>
             <a:ext uri="{C572A759-6A51-4108-AA02-DFA0A04FC94B}">
-              <ma14:wrappingTextBoxFlag xmlns:ma14="http://schemas.microsoft.com/office/mac/drawingml/2011/main" xmlns:a14="http://schemas.microsoft.com/office/drawing/2010/main" xmlns:m="http://schemas.openxmlformats.org/officeDocument/2006/math" xmlns="" val="1"/>
+              <ma14:wrappingTextBoxFlag xmlns="" xmlns:m="http://schemas.openxmlformats.org/officeDocument/2006/math" xmlns:a14="http://schemas.microsoft.com/office/drawing/2010/main" xmlns:ma14="http://schemas.microsoft.com/office/mac/drawingml/2011/main" val="1"/>
             </a:ext>
           </a:extLst>
         </p:spPr>
@@ -5777,7 +5777,7 @@
           </a:ln>
           <a:extLst>
             <a:ext uri="{C572A759-6A51-4108-AA02-DFA0A04FC94B}">
-              <ma14:wrappingTextBoxFlag xmlns:ma14="http://schemas.microsoft.com/office/mac/drawingml/2011/main" xmlns:a14="http://schemas.microsoft.com/office/drawing/2010/main" xmlns:m="http://schemas.openxmlformats.org/officeDocument/2006/math" xmlns="" val="1"/>
+              <ma14:wrappingTextBoxFlag xmlns="" xmlns:m="http://schemas.openxmlformats.org/officeDocument/2006/math" xmlns:a14="http://schemas.microsoft.com/office/drawing/2010/main" xmlns:ma14="http://schemas.microsoft.com/office/mac/drawingml/2011/main" val="1"/>
             </a:ext>
           </a:extLst>
         </p:spPr>
@@ -5825,7 +5825,7 @@
           </a:ln>
           <a:extLst>
             <a:ext uri="{C572A759-6A51-4108-AA02-DFA0A04FC94B}">
-              <ma14:wrappingTextBoxFlag xmlns:ma14="http://schemas.microsoft.com/office/mac/drawingml/2011/main" xmlns:a14="http://schemas.microsoft.com/office/drawing/2010/main" xmlns:m="http://schemas.openxmlformats.org/officeDocument/2006/math" xmlns="" val="1"/>
+              <ma14:wrappingTextBoxFlag xmlns="" xmlns:m="http://schemas.openxmlformats.org/officeDocument/2006/math" xmlns:a14="http://schemas.microsoft.com/office/drawing/2010/main" xmlns:ma14="http://schemas.microsoft.com/office/mac/drawingml/2011/main" val="1"/>
             </a:ext>
           </a:extLst>
         </p:spPr>
@@ -5873,7 +5873,7 @@
           </a:ln>
           <a:extLst>
             <a:ext uri="{C572A759-6A51-4108-AA02-DFA0A04FC94B}">
-              <ma14:wrappingTextBoxFlag xmlns:ma14="http://schemas.microsoft.com/office/mac/drawingml/2011/main" xmlns:a14="http://schemas.microsoft.com/office/drawing/2010/main" xmlns:m="http://schemas.openxmlformats.org/officeDocument/2006/math" xmlns="" val="1"/>
+              <ma14:wrappingTextBoxFlag xmlns="" xmlns:m="http://schemas.openxmlformats.org/officeDocument/2006/math" xmlns:a14="http://schemas.microsoft.com/office/drawing/2010/main" xmlns:ma14="http://schemas.microsoft.com/office/mac/drawingml/2011/main" val="1"/>
             </a:ext>
           </a:extLst>
         </p:spPr>
@@ -5921,7 +5921,7 @@
           </a:ln>
           <a:extLst>
             <a:ext uri="{C572A759-6A51-4108-AA02-DFA0A04FC94B}">
-              <ma14:wrappingTextBoxFlag xmlns:ma14="http://schemas.microsoft.com/office/mac/drawingml/2011/main" xmlns:a14="http://schemas.microsoft.com/office/drawing/2010/main" xmlns:m="http://schemas.openxmlformats.org/officeDocument/2006/math" xmlns="" val="1"/>
+              <ma14:wrappingTextBoxFlag xmlns="" xmlns:m="http://schemas.openxmlformats.org/officeDocument/2006/math" xmlns:a14="http://schemas.microsoft.com/office/drawing/2010/main" xmlns:ma14="http://schemas.microsoft.com/office/mac/drawingml/2011/main" val="1"/>
             </a:ext>
           </a:extLst>
         </p:spPr>
@@ -5969,7 +5969,7 @@
           </a:ln>
           <a:extLst>
             <a:ext uri="{C572A759-6A51-4108-AA02-DFA0A04FC94B}">
-              <ma14:wrappingTextBoxFlag xmlns:ma14="http://schemas.microsoft.com/office/mac/drawingml/2011/main" xmlns:a14="http://schemas.microsoft.com/office/drawing/2010/main" xmlns:m="http://schemas.openxmlformats.org/officeDocument/2006/math" xmlns="" val="1"/>
+              <ma14:wrappingTextBoxFlag xmlns="" xmlns:m="http://schemas.openxmlformats.org/officeDocument/2006/math" xmlns:a14="http://schemas.microsoft.com/office/drawing/2010/main" xmlns:ma14="http://schemas.microsoft.com/office/mac/drawingml/2011/main" val="1"/>
             </a:ext>
           </a:extLst>
         </p:spPr>
@@ -6017,7 +6017,7 @@
           </a:ln>
           <a:extLst>
             <a:ext uri="{C572A759-6A51-4108-AA02-DFA0A04FC94B}">
-              <ma14:wrappingTextBoxFlag xmlns:ma14="http://schemas.microsoft.com/office/mac/drawingml/2011/main" xmlns:a14="http://schemas.microsoft.com/office/drawing/2010/main" xmlns:m="http://schemas.openxmlformats.org/officeDocument/2006/math" xmlns="" val="1"/>
+              <ma14:wrappingTextBoxFlag xmlns="" xmlns:m="http://schemas.openxmlformats.org/officeDocument/2006/math" xmlns:a14="http://schemas.microsoft.com/office/drawing/2010/main" xmlns:ma14="http://schemas.microsoft.com/office/mac/drawingml/2011/main" val="1"/>
             </a:ext>
           </a:extLst>
         </p:spPr>
@@ -6065,7 +6065,7 @@
           </a:ln>
           <a:extLst>
             <a:ext uri="{C572A759-6A51-4108-AA02-DFA0A04FC94B}">
-              <ma14:wrappingTextBoxFlag xmlns:ma14="http://schemas.microsoft.com/office/mac/drawingml/2011/main" xmlns:a14="http://schemas.microsoft.com/office/drawing/2010/main" xmlns:m="http://schemas.openxmlformats.org/officeDocument/2006/math" xmlns="" val="1"/>
+              <ma14:wrappingTextBoxFlag xmlns="" xmlns:m="http://schemas.openxmlformats.org/officeDocument/2006/math" xmlns:a14="http://schemas.microsoft.com/office/drawing/2010/main" xmlns:ma14="http://schemas.microsoft.com/office/mac/drawingml/2011/main" val="1"/>
             </a:ext>
           </a:extLst>
         </p:spPr>
@@ -6113,7 +6113,7 @@
           </a:ln>
           <a:extLst>
             <a:ext uri="{C572A759-6A51-4108-AA02-DFA0A04FC94B}">
-              <ma14:wrappingTextBoxFlag xmlns:ma14="http://schemas.microsoft.com/office/mac/drawingml/2011/main" xmlns:a14="http://schemas.microsoft.com/office/drawing/2010/main" xmlns:m="http://schemas.openxmlformats.org/officeDocument/2006/math" xmlns="" val="1"/>
+              <ma14:wrappingTextBoxFlag xmlns="" xmlns:m="http://schemas.openxmlformats.org/officeDocument/2006/math" xmlns:a14="http://schemas.microsoft.com/office/drawing/2010/main" xmlns:ma14="http://schemas.microsoft.com/office/mac/drawingml/2011/main" val="1"/>
             </a:ext>
           </a:extLst>
         </p:spPr>
@@ -6161,7 +6161,7 @@
           </a:ln>
           <a:extLst>
             <a:ext uri="{C572A759-6A51-4108-AA02-DFA0A04FC94B}">
-              <ma14:wrappingTextBoxFlag xmlns:ma14="http://schemas.microsoft.com/office/mac/drawingml/2011/main" xmlns:a14="http://schemas.microsoft.com/office/drawing/2010/main" xmlns:m="http://schemas.openxmlformats.org/officeDocument/2006/math" xmlns="" val="1"/>
+              <ma14:wrappingTextBoxFlag xmlns="" xmlns:m="http://schemas.openxmlformats.org/officeDocument/2006/math" xmlns:a14="http://schemas.microsoft.com/office/drawing/2010/main" xmlns:ma14="http://schemas.microsoft.com/office/mac/drawingml/2011/main" val="1"/>
             </a:ext>
           </a:extLst>
         </p:spPr>
@@ -6232,7 +6232,7 @@
           </a:ln>
           <a:extLst>
             <a:ext uri="{C572A759-6A51-4108-AA02-DFA0A04FC94B}">
-              <ma14:wrappingTextBoxFlag xmlns:ma14="http://schemas.microsoft.com/office/mac/drawingml/2011/main" xmlns:a14="http://schemas.microsoft.com/office/drawing/2010/main" xmlns:m="http://schemas.openxmlformats.org/officeDocument/2006/math" xmlns="" val="1"/>
+              <ma14:wrappingTextBoxFlag xmlns="" xmlns:m="http://schemas.openxmlformats.org/officeDocument/2006/math" xmlns:a14="http://schemas.microsoft.com/office/drawing/2010/main" xmlns:ma14="http://schemas.microsoft.com/office/mac/drawingml/2011/main" val="1"/>
             </a:ext>
           </a:extLst>
         </p:spPr>

--- a/powerpoint template.pptx
+++ b/powerpoint template.pptx
@@ -1013,7 +1013,7 @@
           </a:ln>
           <a:extLst>
             <a:ext uri="{C572A759-6A51-4108-AA02-DFA0A04FC94B}">
-              <ma14:wrappingTextBoxFlag xmlns="" xmlns:m="http://schemas.openxmlformats.org/officeDocument/2006/math" xmlns:a14="http://schemas.microsoft.com/office/drawing/2010/main" xmlns:ma14="http://schemas.microsoft.com/office/mac/drawingml/2011/main" val="1"/>
+              <ma14:wrappingTextBoxFlag xmlns:ma14="http://schemas.microsoft.com/office/mac/drawingml/2011/main" xmlns:a14="http://schemas.microsoft.com/office/drawing/2010/main" xmlns:m="http://schemas.openxmlformats.org/officeDocument/2006/math" xmlns="" val="1"/>
             </a:ext>
           </a:extLst>
         </p:spPr>
@@ -1060,7 +1060,7 @@
           </a:ln>
           <a:extLst>
             <a:ext uri="{C572A759-6A51-4108-AA02-DFA0A04FC94B}">
-              <ma14:wrappingTextBoxFlag xmlns="" xmlns:m="http://schemas.openxmlformats.org/officeDocument/2006/math" xmlns:a14="http://schemas.microsoft.com/office/drawing/2010/main" xmlns:ma14="http://schemas.microsoft.com/office/mac/drawingml/2011/main" val="1"/>
+              <ma14:wrappingTextBoxFlag xmlns:ma14="http://schemas.microsoft.com/office/mac/drawingml/2011/main" xmlns:a14="http://schemas.microsoft.com/office/drawing/2010/main" xmlns:m="http://schemas.openxmlformats.org/officeDocument/2006/math" xmlns="" val="1"/>
             </a:ext>
           </a:extLst>
         </p:spPr>
@@ -1107,7 +1107,7 @@
           </a:ln>
           <a:extLst>
             <a:ext uri="{C572A759-6A51-4108-AA02-DFA0A04FC94B}">
-              <ma14:wrappingTextBoxFlag xmlns="" xmlns:m="http://schemas.openxmlformats.org/officeDocument/2006/math" xmlns:a14="http://schemas.microsoft.com/office/drawing/2010/main" xmlns:ma14="http://schemas.microsoft.com/office/mac/drawingml/2011/main" val="1"/>
+              <ma14:wrappingTextBoxFlag xmlns:ma14="http://schemas.microsoft.com/office/mac/drawingml/2011/main" xmlns:a14="http://schemas.microsoft.com/office/drawing/2010/main" xmlns:m="http://schemas.openxmlformats.org/officeDocument/2006/math" xmlns="" val="1"/>
             </a:ext>
           </a:extLst>
         </p:spPr>
@@ -2588,7 +2588,7 @@
           </a:ln>
           <a:extLst>
             <a:ext uri="{C572A759-6A51-4108-AA02-DFA0A04FC94B}">
-              <ma14:wrappingTextBoxFlag xmlns="" xmlns:m="http://schemas.openxmlformats.org/officeDocument/2006/math" xmlns:a14="http://schemas.microsoft.com/office/drawing/2010/main" xmlns:ma14="http://schemas.microsoft.com/office/mac/drawingml/2011/main" val="1"/>
+              <ma14:wrappingTextBoxFlag xmlns:ma14="http://schemas.microsoft.com/office/mac/drawingml/2011/main" xmlns:a14="http://schemas.microsoft.com/office/drawing/2010/main" xmlns:m="http://schemas.openxmlformats.org/officeDocument/2006/math" xmlns="" val="1"/>
             </a:ext>
           </a:extLst>
         </p:spPr>
@@ -2730,7 +2730,7 @@
           </a:ln>
           <a:extLst>
             <a:ext uri="{C572A759-6A51-4108-AA02-DFA0A04FC94B}">
-              <ma14:wrappingTextBoxFlag xmlns="" xmlns:m="http://schemas.openxmlformats.org/officeDocument/2006/math" xmlns:a14="http://schemas.microsoft.com/office/drawing/2010/main" xmlns:ma14="http://schemas.microsoft.com/office/mac/drawingml/2011/main" val="1"/>
+              <ma14:wrappingTextBoxFlag xmlns:ma14="http://schemas.microsoft.com/office/mac/drawingml/2011/main" xmlns:a14="http://schemas.microsoft.com/office/drawing/2010/main" xmlns:m="http://schemas.openxmlformats.org/officeDocument/2006/math" xmlns="" val="1"/>
             </a:ext>
           </a:extLst>
         </p:spPr>
@@ -2808,7 +2808,7 @@
           </a:ln>
           <a:extLst>
             <a:ext uri="{C572A759-6A51-4108-AA02-DFA0A04FC94B}">
-              <ma14:wrappingTextBoxFlag xmlns="" xmlns:m="http://schemas.openxmlformats.org/officeDocument/2006/math" xmlns:a14="http://schemas.microsoft.com/office/drawing/2010/main" xmlns:ma14="http://schemas.microsoft.com/office/mac/drawingml/2011/main" val="1"/>
+              <ma14:wrappingTextBoxFlag xmlns:ma14="http://schemas.microsoft.com/office/mac/drawingml/2011/main" xmlns:a14="http://schemas.microsoft.com/office/drawing/2010/main" xmlns:m="http://schemas.openxmlformats.org/officeDocument/2006/math" xmlns="" val="1"/>
             </a:ext>
           </a:extLst>
         </p:spPr>
@@ -2855,7 +2855,7 @@
           </a:ln>
           <a:extLst>
             <a:ext uri="{C572A759-6A51-4108-AA02-DFA0A04FC94B}">
-              <ma14:wrappingTextBoxFlag xmlns="" xmlns:m="http://schemas.openxmlformats.org/officeDocument/2006/math" xmlns:a14="http://schemas.microsoft.com/office/drawing/2010/main" xmlns:ma14="http://schemas.microsoft.com/office/mac/drawingml/2011/main" val="1"/>
+              <ma14:wrappingTextBoxFlag xmlns:ma14="http://schemas.microsoft.com/office/mac/drawingml/2011/main" xmlns:a14="http://schemas.microsoft.com/office/drawing/2010/main" xmlns:m="http://schemas.openxmlformats.org/officeDocument/2006/math" xmlns="" val="1"/>
             </a:ext>
           </a:extLst>
         </p:spPr>
@@ -2902,7 +2902,7 @@
           </a:ln>
           <a:extLst>
             <a:ext uri="{C572A759-6A51-4108-AA02-DFA0A04FC94B}">
-              <ma14:wrappingTextBoxFlag xmlns="" xmlns:m="http://schemas.openxmlformats.org/officeDocument/2006/math" xmlns:a14="http://schemas.microsoft.com/office/drawing/2010/main" xmlns:ma14="http://schemas.microsoft.com/office/mac/drawingml/2011/main" val="1"/>
+              <ma14:wrappingTextBoxFlag xmlns:ma14="http://schemas.microsoft.com/office/mac/drawingml/2011/main" xmlns:a14="http://schemas.microsoft.com/office/drawing/2010/main" xmlns:m="http://schemas.openxmlformats.org/officeDocument/2006/math" xmlns="" val="1"/>
             </a:ext>
           </a:extLst>
         </p:spPr>
@@ -2949,7 +2949,7 @@
           </a:ln>
           <a:extLst>
             <a:ext uri="{C572A759-6A51-4108-AA02-DFA0A04FC94B}">
-              <ma14:wrappingTextBoxFlag xmlns="" xmlns:m="http://schemas.openxmlformats.org/officeDocument/2006/math" xmlns:a14="http://schemas.microsoft.com/office/drawing/2010/main" xmlns:ma14="http://schemas.microsoft.com/office/mac/drawingml/2011/main" val="1"/>
+              <ma14:wrappingTextBoxFlag xmlns:ma14="http://schemas.microsoft.com/office/mac/drawingml/2011/main" xmlns:a14="http://schemas.microsoft.com/office/drawing/2010/main" xmlns:m="http://schemas.openxmlformats.org/officeDocument/2006/math" xmlns="" val="1"/>
             </a:ext>
           </a:extLst>
         </p:spPr>
@@ -2996,7 +2996,7 @@
           </a:ln>
           <a:extLst>
             <a:ext uri="{C572A759-6A51-4108-AA02-DFA0A04FC94B}">
-              <ma14:wrappingTextBoxFlag xmlns="" xmlns:m="http://schemas.openxmlformats.org/officeDocument/2006/math" xmlns:a14="http://schemas.microsoft.com/office/drawing/2010/main" xmlns:ma14="http://schemas.microsoft.com/office/mac/drawingml/2011/main" val="1"/>
+              <ma14:wrappingTextBoxFlag xmlns:ma14="http://schemas.microsoft.com/office/mac/drawingml/2011/main" xmlns:a14="http://schemas.microsoft.com/office/drawing/2010/main" xmlns:m="http://schemas.openxmlformats.org/officeDocument/2006/math" xmlns="" val="1"/>
             </a:ext>
           </a:extLst>
         </p:spPr>
@@ -3232,7 +3232,7 @@
           </a:ln>
           <a:extLst>
             <a:ext uri="{C572A759-6A51-4108-AA02-DFA0A04FC94B}">
-              <ma14:wrappingTextBoxFlag xmlns="" xmlns:m="http://schemas.openxmlformats.org/officeDocument/2006/math" xmlns:a14="http://schemas.microsoft.com/office/drawing/2010/main" xmlns:ma14="http://schemas.microsoft.com/office/mac/drawingml/2011/main" val="1"/>
+              <ma14:wrappingTextBoxFlag xmlns:ma14="http://schemas.microsoft.com/office/mac/drawingml/2011/main" xmlns:a14="http://schemas.microsoft.com/office/drawing/2010/main" xmlns:m="http://schemas.openxmlformats.org/officeDocument/2006/math" xmlns="" val="1"/>
             </a:ext>
           </a:extLst>
         </p:spPr>
@@ -3279,7 +3279,7 @@
           </a:ln>
           <a:extLst>
             <a:ext uri="{C572A759-6A51-4108-AA02-DFA0A04FC94B}">
-              <ma14:wrappingTextBoxFlag xmlns="" xmlns:m="http://schemas.openxmlformats.org/officeDocument/2006/math" xmlns:a14="http://schemas.microsoft.com/office/drawing/2010/main" xmlns:ma14="http://schemas.microsoft.com/office/mac/drawingml/2011/main" val="1"/>
+              <ma14:wrappingTextBoxFlag xmlns:ma14="http://schemas.microsoft.com/office/mac/drawingml/2011/main" xmlns:a14="http://schemas.microsoft.com/office/drawing/2010/main" xmlns:m="http://schemas.openxmlformats.org/officeDocument/2006/math" xmlns="" val="1"/>
             </a:ext>
           </a:extLst>
         </p:spPr>
@@ -3471,7 +3471,7 @@
           </a:ln>
           <a:extLst>
             <a:ext uri="{C572A759-6A51-4108-AA02-DFA0A04FC94B}">
-              <ma14:wrappingTextBoxFlag xmlns="" xmlns:m="http://schemas.openxmlformats.org/officeDocument/2006/math" xmlns:a14="http://schemas.microsoft.com/office/drawing/2010/main" xmlns:ma14="http://schemas.microsoft.com/office/mac/drawingml/2011/main" val="1"/>
+              <ma14:wrappingTextBoxFlag xmlns:ma14="http://schemas.microsoft.com/office/mac/drawingml/2011/main" xmlns:a14="http://schemas.microsoft.com/office/drawing/2010/main" xmlns:m="http://schemas.openxmlformats.org/officeDocument/2006/math" xmlns="" val="1"/>
             </a:ext>
           </a:extLst>
         </p:spPr>
@@ -3510,7 +3510,7 @@
           </a:ln>
           <a:extLst>
             <a:ext uri="{C572A759-6A51-4108-AA02-DFA0A04FC94B}">
-              <ma14:wrappingTextBoxFlag xmlns="" xmlns:m="http://schemas.openxmlformats.org/officeDocument/2006/math" xmlns:a14="http://schemas.microsoft.com/office/drawing/2010/main" xmlns:ma14="http://schemas.microsoft.com/office/mac/drawingml/2011/main" val="1"/>
+              <ma14:wrappingTextBoxFlag xmlns:ma14="http://schemas.microsoft.com/office/mac/drawingml/2011/main" xmlns:a14="http://schemas.microsoft.com/office/drawing/2010/main" xmlns:m="http://schemas.openxmlformats.org/officeDocument/2006/math" xmlns="" val="1"/>
             </a:ext>
           </a:extLst>
         </p:spPr>
@@ -4520,7 +4520,7 @@
           </a:ln>
           <a:extLst>
             <a:ext uri="{C572A759-6A51-4108-AA02-DFA0A04FC94B}">
-              <ma14:wrappingTextBoxFlag xmlns="" xmlns:m="http://schemas.openxmlformats.org/officeDocument/2006/math" xmlns:a14="http://schemas.microsoft.com/office/drawing/2010/main" xmlns:ma14="http://schemas.microsoft.com/office/mac/drawingml/2011/main" val="1"/>
+              <ma14:wrappingTextBoxFlag xmlns:ma14="http://schemas.microsoft.com/office/mac/drawingml/2011/main" xmlns:a14="http://schemas.microsoft.com/office/drawing/2010/main" xmlns:m="http://schemas.openxmlformats.org/officeDocument/2006/math" xmlns="" val="1"/>
             </a:ext>
           </a:extLst>
         </p:spPr>
@@ -4691,7 +4691,7 @@
           </a:ln>
           <a:extLst>
             <a:ext uri="{C572A759-6A51-4108-AA02-DFA0A04FC94B}">
-              <ma14:wrappingTextBoxFlag xmlns="" xmlns:m="http://schemas.openxmlformats.org/officeDocument/2006/math" xmlns:a14="http://schemas.microsoft.com/office/drawing/2010/main" xmlns:ma14="http://schemas.microsoft.com/office/mac/drawingml/2011/main" val="1"/>
+              <ma14:wrappingTextBoxFlag xmlns:ma14="http://schemas.microsoft.com/office/mac/drawingml/2011/main" xmlns:a14="http://schemas.microsoft.com/office/drawing/2010/main" xmlns:m="http://schemas.openxmlformats.org/officeDocument/2006/math" xmlns="" val="1"/>
             </a:ext>
           </a:extLst>
         </p:spPr>
@@ -4738,7 +4738,7 @@
           </a:ln>
           <a:extLst>
             <a:ext uri="{C572A759-6A51-4108-AA02-DFA0A04FC94B}">
-              <ma14:wrappingTextBoxFlag xmlns="" xmlns:m="http://schemas.openxmlformats.org/officeDocument/2006/math" xmlns:a14="http://schemas.microsoft.com/office/drawing/2010/main" xmlns:ma14="http://schemas.microsoft.com/office/mac/drawingml/2011/main" val="1"/>
+              <ma14:wrappingTextBoxFlag xmlns:ma14="http://schemas.microsoft.com/office/mac/drawingml/2011/main" xmlns:a14="http://schemas.microsoft.com/office/drawing/2010/main" xmlns:m="http://schemas.openxmlformats.org/officeDocument/2006/math" xmlns="" val="1"/>
             </a:ext>
           </a:extLst>
         </p:spPr>
@@ -4785,7 +4785,7 @@
           </a:ln>
           <a:extLst>
             <a:ext uri="{C572A759-6A51-4108-AA02-DFA0A04FC94B}">
-              <ma14:wrappingTextBoxFlag xmlns="" xmlns:m="http://schemas.openxmlformats.org/officeDocument/2006/math" xmlns:a14="http://schemas.microsoft.com/office/drawing/2010/main" xmlns:ma14="http://schemas.microsoft.com/office/mac/drawingml/2011/main" val="1"/>
+              <ma14:wrappingTextBoxFlag xmlns:ma14="http://schemas.microsoft.com/office/mac/drawingml/2011/main" xmlns:a14="http://schemas.microsoft.com/office/drawing/2010/main" xmlns:m="http://schemas.openxmlformats.org/officeDocument/2006/math" xmlns="" val="1"/>
             </a:ext>
           </a:extLst>
         </p:spPr>
@@ -4832,7 +4832,7 @@
           </a:ln>
           <a:extLst>
             <a:ext uri="{C572A759-6A51-4108-AA02-DFA0A04FC94B}">
-              <ma14:wrappingTextBoxFlag xmlns="" xmlns:m="http://schemas.openxmlformats.org/officeDocument/2006/math" xmlns:a14="http://schemas.microsoft.com/office/drawing/2010/main" xmlns:ma14="http://schemas.microsoft.com/office/mac/drawingml/2011/main" val="1"/>
+              <ma14:wrappingTextBoxFlag xmlns:ma14="http://schemas.microsoft.com/office/mac/drawingml/2011/main" xmlns:a14="http://schemas.microsoft.com/office/drawing/2010/main" xmlns:m="http://schemas.openxmlformats.org/officeDocument/2006/math" xmlns="" val="1"/>
             </a:ext>
           </a:extLst>
         </p:spPr>
@@ -4879,7 +4879,7 @@
           </a:ln>
           <a:extLst>
             <a:ext uri="{C572A759-6A51-4108-AA02-DFA0A04FC94B}">
-              <ma14:wrappingTextBoxFlag xmlns="" xmlns:m="http://schemas.openxmlformats.org/officeDocument/2006/math" xmlns:a14="http://schemas.microsoft.com/office/drawing/2010/main" xmlns:ma14="http://schemas.microsoft.com/office/mac/drawingml/2011/main" val="1"/>
+              <ma14:wrappingTextBoxFlag xmlns:ma14="http://schemas.microsoft.com/office/mac/drawingml/2011/main" xmlns:a14="http://schemas.microsoft.com/office/drawing/2010/main" xmlns:m="http://schemas.openxmlformats.org/officeDocument/2006/math" xmlns="" val="1"/>
             </a:ext>
           </a:extLst>
         </p:spPr>
@@ -4926,7 +4926,7 @@
           </a:ln>
           <a:extLst>
             <a:ext uri="{C572A759-6A51-4108-AA02-DFA0A04FC94B}">
-              <ma14:wrappingTextBoxFlag xmlns="" xmlns:m="http://schemas.openxmlformats.org/officeDocument/2006/math" xmlns:a14="http://schemas.microsoft.com/office/drawing/2010/main" xmlns:ma14="http://schemas.microsoft.com/office/mac/drawingml/2011/main" val="1"/>
+              <ma14:wrappingTextBoxFlag xmlns:ma14="http://schemas.microsoft.com/office/mac/drawingml/2011/main" xmlns:a14="http://schemas.microsoft.com/office/drawing/2010/main" xmlns:m="http://schemas.openxmlformats.org/officeDocument/2006/math" xmlns="" val="1"/>
             </a:ext>
           </a:extLst>
         </p:spPr>
@@ -5098,7 +5098,7 @@
           </a:ln>
           <a:extLst>
             <a:ext uri="{C572A759-6A51-4108-AA02-DFA0A04FC94B}">
-              <ma14:wrappingTextBoxFlag xmlns="" xmlns:m="http://schemas.openxmlformats.org/officeDocument/2006/math" xmlns:a14="http://schemas.microsoft.com/office/drawing/2010/main" xmlns:ma14="http://schemas.microsoft.com/office/mac/drawingml/2011/main" val="1"/>
+              <ma14:wrappingTextBoxFlag xmlns:ma14="http://schemas.microsoft.com/office/mac/drawingml/2011/main" xmlns:a14="http://schemas.microsoft.com/office/drawing/2010/main" xmlns:m="http://schemas.openxmlformats.org/officeDocument/2006/math" xmlns="" val="1"/>
             </a:ext>
           </a:extLst>
         </p:spPr>
@@ -5191,7 +5191,7 @@
           </a:ln>
           <a:extLst>
             <a:ext uri="{C572A759-6A51-4108-AA02-DFA0A04FC94B}">
-              <ma14:wrappingTextBoxFlag xmlns="" xmlns:m="http://schemas.openxmlformats.org/officeDocument/2006/math" xmlns:a14="http://schemas.microsoft.com/office/drawing/2010/main" xmlns:ma14="http://schemas.microsoft.com/office/mac/drawingml/2011/main" val="1"/>
+              <ma14:wrappingTextBoxFlag xmlns:ma14="http://schemas.microsoft.com/office/mac/drawingml/2011/main" xmlns:a14="http://schemas.microsoft.com/office/drawing/2010/main" xmlns:m="http://schemas.openxmlformats.org/officeDocument/2006/math" xmlns="" val="1"/>
             </a:ext>
           </a:extLst>
         </p:spPr>
@@ -5241,7 +5241,7 @@
           </a:ln>
           <a:extLst>
             <a:ext uri="{C572A759-6A51-4108-AA02-DFA0A04FC94B}">
-              <ma14:wrappingTextBoxFlag xmlns="" xmlns:m="http://schemas.openxmlformats.org/officeDocument/2006/math" xmlns:a14="http://schemas.microsoft.com/office/drawing/2010/main" xmlns:ma14="http://schemas.microsoft.com/office/mac/drawingml/2011/main" val="1"/>
+              <ma14:wrappingTextBoxFlag xmlns:ma14="http://schemas.microsoft.com/office/mac/drawingml/2011/main" xmlns:a14="http://schemas.microsoft.com/office/drawing/2010/main" xmlns:m="http://schemas.openxmlformats.org/officeDocument/2006/math" xmlns="" val="1"/>
             </a:ext>
           </a:extLst>
         </p:spPr>
@@ -5293,7 +5293,7 @@
           </a:ln>
           <a:extLst>
             <a:ext uri="{C572A759-6A51-4108-AA02-DFA0A04FC94B}">
-              <ma14:wrappingTextBoxFlag xmlns="" xmlns:m="http://schemas.openxmlformats.org/officeDocument/2006/math" xmlns:a14="http://schemas.microsoft.com/office/drawing/2010/main" xmlns:ma14="http://schemas.microsoft.com/office/mac/drawingml/2011/main" val="1"/>
+              <ma14:wrappingTextBoxFlag xmlns:ma14="http://schemas.microsoft.com/office/mac/drawingml/2011/main" xmlns:a14="http://schemas.microsoft.com/office/drawing/2010/main" xmlns:m="http://schemas.openxmlformats.org/officeDocument/2006/math" xmlns="" val="1"/>
             </a:ext>
           </a:extLst>
         </p:spPr>
@@ -5345,7 +5345,7 @@
           </a:ln>
           <a:extLst>
             <a:ext uri="{C572A759-6A51-4108-AA02-DFA0A04FC94B}">
-              <ma14:wrappingTextBoxFlag xmlns="" xmlns:m="http://schemas.openxmlformats.org/officeDocument/2006/math" xmlns:a14="http://schemas.microsoft.com/office/drawing/2010/main" xmlns:ma14="http://schemas.microsoft.com/office/mac/drawingml/2011/main" val="1"/>
+              <ma14:wrappingTextBoxFlag xmlns:ma14="http://schemas.microsoft.com/office/mac/drawingml/2011/main" xmlns:a14="http://schemas.microsoft.com/office/drawing/2010/main" xmlns:m="http://schemas.openxmlformats.org/officeDocument/2006/math" xmlns="" val="1"/>
             </a:ext>
           </a:extLst>
         </p:spPr>
@@ -5397,7 +5397,7 @@
           </a:ln>
           <a:extLst>
             <a:ext uri="{C572A759-6A51-4108-AA02-DFA0A04FC94B}">
-              <ma14:wrappingTextBoxFlag xmlns="" xmlns:m="http://schemas.openxmlformats.org/officeDocument/2006/math" xmlns:a14="http://schemas.microsoft.com/office/drawing/2010/main" xmlns:ma14="http://schemas.microsoft.com/office/mac/drawingml/2011/main" val="1"/>
+              <ma14:wrappingTextBoxFlag xmlns:ma14="http://schemas.microsoft.com/office/mac/drawingml/2011/main" xmlns:a14="http://schemas.microsoft.com/office/drawing/2010/main" xmlns:m="http://schemas.openxmlformats.org/officeDocument/2006/math" xmlns="" val="1"/>
             </a:ext>
           </a:extLst>
         </p:spPr>
@@ -5449,7 +5449,7 @@
           </a:ln>
           <a:extLst>
             <a:ext uri="{C572A759-6A51-4108-AA02-DFA0A04FC94B}">
-              <ma14:wrappingTextBoxFlag xmlns="" xmlns:m="http://schemas.openxmlformats.org/officeDocument/2006/math" xmlns:a14="http://schemas.microsoft.com/office/drawing/2010/main" xmlns:ma14="http://schemas.microsoft.com/office/mac/drawingml/2011/main" val="1"/>
+              <ma14:wrappingTextBoxFlag xmlns:ma14="http://schemas.microsoft.com/office/mac/drawingml/2011/main" xmlns:a14="http://schemas.microsoft.com/office/drawing/2010/main" xmlns:m="http://schemas.openxmlformats.org/officeDocument/2006/math" xmlns="" val="1"/>
             </a:ext>
           </a:extLst>
         </p:spPr>
@@ -5501,7 +5501,7 @@
           </a:ln>
           <a:extLst>
             <a:ext uri="{C572A759-6A51-4108-AA02-DFA0A04FC94B}">
-              <ma14:wrappingTextBoxFlag xmlns="" xmlns:m="http://schemas.openxmlformats.org/officeDocument/2006/math" xmlns:a14="http://schemas.microsoft.com/office/drawing/2010/main" xmlns:ma14="http://schemas.microsoft.com/office/mac/drawingml/2011/main" val="1"/>
+              <ma14:wrappingTextBoxFlag xmlns:ma14="http://schemas.microsoft.com/office/mac/drawingml/2011/main" xmlns:a14="http://schemas.microsoft.com/office/drawing/2010/main" xmlns:m="http://schemas.openxmlformats.org/officeDocument/2006/math" xmlns="" val="1"/>
             </a:ext>
           </a:extLst>
         </p:spPr>
@@ -5552,7 +5552,7 @@
           </a:ln>
           <a:extLst>
             <a:ext uri="{C572A759-6A51-4108-AA02-DFA0A04FC94B}">
-              <ma14:wrappingTextBoxFlag xmlns="" xmlns:m="http://schemas.openxmlformats.org/officeDocument/2006/math" xmlns:a14="http://schemas.microsoft.com/office/drawing/2010/main" xmlns:ma14="http://schemas.microsoft.com/office/mac/drawingml/2011/main" val="1"/>
+              <ma14:wrappingTextBoxFlag xmlns:ma14="http://schemas.microsoft.com/office/mac/drawingml/2011/main" xmlns:a14="http://schemas.microsoft.com/office/drawing/2010/main" xmlns:m="http://schemas.openxmlformats.org/officeDocument/2006/math" xmlns="" val="1"/>
             </a:ext>
           </a:extLst>
         </p:spPr>
@@ -5681,7 +5681,7 @@
           </a:ln>
           <a:extLst>
             <a:ext uri="{C572A759-6A51-4108-AA02-DFA0A04FC94B}">
-              <ma14:wrappingTextBoxFlag xmlns="" xmlns:m="http://schemas.openxmlformats.org/officeDocument/2006/math" xmlns:a14="http://schemas.microsoft.com/office/drawing/2010/main" xmlns:ma14="http://schemas.microsoft.com/office/mac/drawingml/2011/main" val="1"/>
+              <ma14:wrappingTextBoxFlag xmlns:ma14="http://schemas.microsoft.com/office/mac/drawingml/2011/main" xmlns:a14="http://schemas.microsoft.com/office/drawing/2010/main" xmlns:m="http://schemas.openxmlformats.org/officeDocument/2006/math" xmlns="" val="1"/>
             </a:ext>
           </a:extLst>
         </p:spPr>
@@ -5729,7 +5729,7 @@
           </a:ln>
           <a:extLst>
             <a:ext uri="{C572A759-6A51-4108-AA02-DFA0A04FC94B}">
-              <ma14:wrappingTextBoxFlag xmlns="" xmlns:m="http://schemas.openxmlformats.org/officeDocument/2006/math" xmlns:a14="http://schemas.microsoft.com/office/drawing/2010/main" xmlns:ma14="http://schemas.microsoft.com/office/mac/drawingml/2011/main" val="1"/>
+              <ma14:wrappingTextBoxFlag xmlns:ma14="http://schemas.microsoft.com/office/mac/drawingml/2011/main" xmlns:a14="http://schemas.microsoft.com/office/drawing/2010/main" xmlns:m="http://schemas.openxmlformats.org/officeDocument/2006/math" xmlns="" val="1"/>
             </a:ext>
           </a:extLst>
         </p:spPr>
@@ -5777,7 +5777,7 @@
           </a:ln>
           <a:extLst>
             <a:ext uri="{C572A759-6A51-4108-AA02-DFA0A04FC94B}">
-              <ma14:wrappingTextBoxFlag xmlns="" xmlns:m="http://schemas.openxmlformats.org/officeDocument/2006/math" xmlns:a14="http://schemas.microsoft.com/office/drawing/2010/main" xmlns:ma14="http://schemas.microsoft.com/office/mac/drawingml/2011/main" val="1"/>
+              <ma14:wrappingTextBoxFlag xmlns:ma14="http://schemas.microsoft.com/office/mac/drawingml/2011/main" xmlns:a14="http://schemas.microsoft.com/office/drawing/2010/main" xmlns:m="http://schemas.openxmlformats.org/officeDocument/2006/math" xmlns="" val="1"/>
             </a:ext>
           </a:extLst>
         </p:spPr>
@@ -5825,7 +5825,7 @@
           </a:ln>
           <a:extLst>
             <a:ext uri="{C572A759-6A51-4108-AA02-DFA0A04FC94B}">
-              <ma14:wrappingTextBoxFlag xmlns="" xmlns:m="http://schemas.openxmlformats.org/officeDocument/2006/math" xmlns:a14="http://schemas.microsoft.com/office/drawing/2010/main" xmlns:ma14="http://schemas.microsoft.com/office/mac/drawingml/2011/main" val="1"/>
+              <ma14:wrappingTextBoxFlag xmlns:ma14="http://schemas.microsoft.com/office/mac/drawingml/2011/main" xmlns:a14="http://schemas.microsoft.com/office/drawing/2010/main" xmlns:m="http://schemas.openxmlformats.org/officeDocument/2006/math" xmlns="" val="1"/>
             </a:ext>
           </a:extLst>
         </p:spPr>
@@ -5873,7 +5873,7 @@
           </a:ln>
           <a:extLst>
             <a:ext uri="{C572A759-6A51-4108-AA02-DFA0A04FC94B}">
-              <ma14:wrappingTextBoxFlag xmlns="" xmlns:m="http://schemas.openxmlformats.org/officeDocument/2006/math" xmlns:a14="http://schemas.microsoft.com/office/drawing/2010/main" xmlns:ma14="http://schemas.microsoft.com/office/mac/drawingml/2011/main" val="1"/>
+              <ma14:wrappingTextBoxFlag xmlns:ma14="http://schemas.microsoft.com/office/mac/drawingml/2011/main" xmlns:a14="http://schemas.microsoft.com/office/drawing/2010/main" xmlns:m="http://schemas.openxmlformats.org/officeDocument/2006/math" xmlns="" val="1"/>
             </a:ext>
           </a:extLst>
         </p:spPr>
@@ -5921,7 +5921,7 @@
           </a:ln>
           <a:extLst>
             <a:ext uri="{C572A759-6A51-4108-AA02-DFA0A04FC94B}">
-              <ma14:wrappingTextBoxFlag xmlns="" xmlns:m="http://schemas.openxmlformats.org/officeDocument/2006/math" xmlns:a14="http://schemas.microsoft.com/office/drawing/2010/main" xmlns:ma14="http://schemas.microsoft.com/office/mac/drawingml/2011/main" val="1"/>
+              <ma14:wrappingTextBoxFlag xmlns:ma14="http://schemas.microsoft.com/office/mac/drawingml/2011/main" xmlns:a14="http://schemas.microsoft.com/office/drawing/2010/main" xmlns:m="http://schemas.openxmlformats.org/officeDocument/2006/math" xmlns="" val="1"/>
             </a:ext>
           </a:extLst>
         </p:spPr>
@@ -5969,7 +5969,7 @@
           </a:ln>
           <a:extLst>
             <a:ext uri="{C572A759-6A51-4108-AA02-DFA0A04FC94B}">
-              <ma14:wrappingTextBoxFlag xmlns="" xmlns:m="http://schemas.openxmlformats.org/officeDocument/2006/math" xmlns:a14="http://schemas.microsoft.com/office/drawing/2010/main" xmlns:ma14="http://schemas.microsoft.com/office/mac/drawingml/2011/main" val="1"/>
+              <ma14:wrappingTextBoxFlag xmlns:ma14="http://schemas.microsoft.com/office/mac/drawingml/2011/main" xmlns:a14="http://schemas.microsoft.com/office/drawing/2010/main" xmlns:m="http://schemas.openxmlformats.org/officeDocument/2006/math" xmlns="" val="1"/>
             </a:ext>
           </a:extLst>
         </p:spPr>
@@ -6017,7 +6017,7 @@
           </a:ln>
           <a:extLst>
             <a:ext uri="{C572A759-6A51-4108-AA02-DFA0A04FC94B}">
-              <ma14:wrappingTextBoxFlag xmlns="" xmlns:m="http://schemas.openxmlformats.org/officeDocument/2006/math" xmlns:a14="http://schemas.microsoft.com/office/drawing/2010/main" xmlns:ma14="http://schemas.microsoft.com/office/mac/drawingml/2011/main" val="1"/>
+              <ma14:wrappingTextBoxFlag xmlns:ma14="http://schemas.microsoft.com/office/mac/drawingml/2011/main" xmlns:a14="http://schemas.microsoft.com/office/drawing/2010/main" xmlns:m="http://schemas.openxmlformats.org/officeDocument/2006/math" xmlns="" val="1"/>
             </a:ext>
           </a:extLst>
         </p:spPr>
@@ -6065,7 +6065,7 @@
           </a:ln>
           <a:extLst>
             <a:ext uri="{C572A759-6A51-4108-AA02-DFA0A04FC94B}">
-              <ma14:wrappingTextBoxFlag xmlns="" xmlns:m="http://schemas.openxmlformats.org/officeDocument/2006/math" xmlns:a14="http://schemas.microsoft.com/office/drawing/2010/main" xmlns:ma14="http://schemas.microsoft.com/office/mac/drawingml/2011/main" val="1"/>
+              <ma14:wrappingTextBoxFlag xmlns:ma14="http://schemas.microsoft.com/office/mac/drawingml/2011/main" xmlns:a14="http://schemas.microsoft.com/office/drawing/2010/main" xmlns:m="http://schemas.openxmlformats.org/officeDocument/2006/math" xmlns="" val="1"/>
             </a:ext>
           </a:extLst>
         </p:spPr>
@@ -6113,7 +6113,7 @@
           </a:ln>
           <a:extLst>
             <a:ext uri="{C572A759-6A51-4108-AA02-DFA0A04FC94B}">
-              <ma14:wrappingTextBoxFlag xmlns="" xmlns:m="http://schemas.openxmlformats.org/officeDocument/2006/math" xmlns:a14="http://schemas.microsoft.com/office/drawing/2010/main" xmlns:ma14="http://schemas.microsoft.com/office/mac/drawingml/2011/main" val="1"/>
+              <ma14:wrappingTextBoxFlag xmlns:ma14="http://schemas.microsoft.com/office/mac/drawingml/2011/main" xmlns:a14="http://schemas.microsoft.com/office/drawing/2010/main" xmlns:m="http://schemas.openxmlformats.org/officeDocument/2006/math" xmlns="" val="1"/>
             </a:ext>
           </a:extLst>
         </p:spPr>
@@ -6161,7 +6161,7 @@
           </a:ln>
           <a:extLst>
             <a:ext uri="{C572A759-6A51-4108-AA02-DFA0A04FC94B}">
-              <ma14:wrappingTextBoxFlag xmlns="" xmlns:m="http://schemas.openxmlformats.org/officeDocument/2006/math" xmlns:a14="http://schemas.microsoft.com/office/drawing/2010/main" xmlns:ma14="http://schemas.microsoft.com/office/mac/drawingml/2011/main" val="1"/>
+              <ma14:wrappingTextBoxFlag xmlns:ma14="http://schemas.microsoft.com/office/mac/drawingml/2011/main" xmlns:a14="http://schemas.microsoft.com/office/drawing/2010/main" xmlns:m="http://schemas.openxmlformats.org/officeDocument/2006/math" xmlns="" val="1"/>
             </a:ext>
           </a:extLst>
         </p:spPr>
@@ -6186,35 +6186,6 @@
       </p:sp>
       <p:sp>
         <p:nvSpPr>
-          <p:cNvPr id="192" name="Rechthoek"/>
-          <p:cNvSpPr/>
-          <p:nvPr/>
-        </p:nvSpPr>
-        <p:spPr>
-          <a:xfrm>
-            <a:off x="5097220" y="126893"/>
-            <a:ext cx="1160444" cy="1672365"/>
-          </a:xfrm>
-          <a:prstGeom prst="rect">
-            <a:avLst/>
-          </a:prstGeom>
-          <a:ln w="19050">
-            <a:solidFill>
-              <a:srgbClr val="FFFFFF"/>
-            </a:solidFill>
-            <a:miter/>
-          </a:ln>
-        </p:spPr>
-        <p:txBody>
-          <a:bodyPr lIns="45719" rIns="45719" anchor="ctr"/>
-          <a:lstStyle/>
-          <a:p>
-            <a:endParaRPr/>
-          </a:p>
-        </p:txBody>
-      </p:sp>
-      <p:sp>
-        <p:nvSpPr>
           <p:cNvPr id="193" name="Tekstvak 8"/>
           <p:cNvSpPr txBox="1"/>
           <p:nvPr/>
@@ -6232,7 +6203,7 @@
           </a:ln>
           <a:extLst>
             <a:ext uri="{C572A759-6A51-4108-AA02-DFA0A04FC94B}">
-              <ma14:wrappingTextBoxFlag xmlns="" xmlns:m="http://schemas.openxmlformats.org/officeDocument/2006/math" xmlns:a14="http://schemas.microsoft.com/office/drawing/2010/main" xmlns:ma14="http://schemas.microsoft.com/office/mac/drawingml/2011/main" val="1"/>
+              <ma14:wrappingTextBoxFlag xmlns:ma14="http://schemas.microsoft.com/office/mac/drawingml/2011/main" xmlns:a14="http://schemas.microsoft.com/office/drawing/2010/main" xmlns:m="http://schemas.openxmlformats.org/officeDocument/2006/math" xmlns="" val="1"/>
             </a:ext>
           </a:extLst>
         </p:spPr>
@@ -6495,8 +6466,8 @@
         </p:nvSpPr>
         <p:spPr>
           <a:xfrm>
-            <a:off x="279177" y="6429483"/>
-            <a:ext cx="2962656" cy="3145536"/>
+            <a:off x="228597" y="6212291"/>
+            <a:ext cx="3035808" cy="3209544"/>
           </a:xfrm>
           <a:prstGeom prst="rect">
             <a:avLst/>
@@ -6958,8 +6929,8 @@
         </p:nvSpPr>
         <p:spPr>
           <a:xfrm>
-            <a:off x="3562358" y="6433341"/>
-            <a:ext cx="3059444" cy="3139319"/>
+            <a:off x="3549714" y="6196418"/>
+            <a:ext cx="3099816" cy="3209544"/>
           </a:xfrm>
           <a:prstGeom prst="rect">
             <a:avLst/>
@@ -7336,10 +7307,10 @@
       </p:sp>
       <p:sp>
         <p:nvSpPr>
-          <p:cNvPr id="3" name="Rectangle 2">
+          <p:cNvPr id="5" name="Rectangle 3">
             <a:extLst>
               <a:ext uri="{FF2B5EF4-FFF2-40B4-BE49-F238E27FC236}">
-                <a16:creationId xmlns:a16="http://schemas.microsoft.com/office/drawing/2014/main" id="{803A8EF7-C950-0C96-8049-02A3EC380F3E}"/>
+                <a16:creationId xmlns:a16="http://schemas.microsoft.com/office/drawing/2014/main" id="{E77BFF67-E3DC-DAF9-7053-0AF1A279012C}"/>
               </a:ext>
             </a:extLst>
           </p:cNvPr>
@@ -7348,80 +7319,40 @@
         </p:nvSpPr>
         <p:spPr>
           <a:xfrm>
-            <a:off x="3542113" y="6400489"/>
-            <a:ext cx="3099934" cy="3205022"/>
-          </a:xfrm>
-          <a:prstGeom prst="rect">
-            <a:avLst/>
-          </a:prstGeom>
-          <a:noFill/>
-          <a:ln w="50800" cap="flat">
-            <a:solidFill>
-              <a:schemeClr val="tx1"/>
-            </a:solidFill>
-            <a:prstDash val="solid"/>
-            <a:miter lim="800000"/>
+            <a:off x="236197" y="6212291"/>
+            <a:ext cx="3035810" cy="3205023"/>
+          </a:xfrm>
+          <a:prstGeom prst="rect">
+            <a:avLst/>
+          </a:prstGeom>
+          <a:solidFill>
+            <a:srgbClr val="FFFFFF"/>
+          </a:solidFill>
+          <a:ln w="12700">
+            <a:miter lim="400000"/>
           </a:ln>
-          <a:effectLst/>
-          <a:sp3d/>
-        </p:spPr>
-        <p:style>
-          <a:lnRef idx="0">
-            <a:scrgbClr r="0" g="0" b="0"/>
-          </a:lnRef>
-          <a:fillRef idx="0">
-            <a:scrgbClr r="0" g="0" b="0"/>
-          </a:fillRef>
-          <a:effectRef idx="0">
-            <a:scrgbClr r="0" g="0" b="0"/>
-          </a:effectRef>
-          <a:fontRef idx="none"/>
-        </p:style>
+          <a:effectLst>
+            <a:outerShdw blurRad="50800" dist="127920" dir="3116579" rotWithShape="0">
+              <a:srgbClr val="000000">
+                <a:alpha val="48426"/>
+              </a:srgbClr>
+            </a:outerShdw>
+          </a:effectLst>
+        </p:spPr>
         <p:txBody>
-          <a:bodyPr rot="0" spcFirstLastPara="1" vertOverflow="overflow" horzOverflow="overflow" vert="horz" wrap="square" lIns="45719" tIns="45719" rIns="45719" bIns="45719" numCol="1" spcCol="38100" rtlCol="0" anchor="ctr">
-            <a:spAutoFit/>
-          </a:bodyPr>
+          <a:bodyPr lIns="45718" tIns="45718" rIns="45718" bIns="45718" anchor="ctr"/>
           <a:lstStyle/>
           <a:p>
-            <a:pPr marL="0" marR="0" indent="0" algn="l" defTabSz="457200" rtl="0" fontAlgn="auto" latinLnBrk="0" hangingPunct="0">
-              <a:lnSpc>
-                <a:spcPct val="100000"/>
-              </a:lnSpc>
-              <a:spcBef>
-                <a:spcPts val="0"/>
-              </a:spcBef>
-              <a:spcAft>
-                <a:spcPts val="0"/>
-              </a:spcAft>
-              <a:buClrTx/>
-              <a:buSzTx/>
-              <a:buFontTx/>
-              <a:buNone/>
-              <a:tabLst/>
-            </a:pPr>
-            <a:endParaRPr kumimoji="0" lang="LID4096" sz="1800" b="0" i="0" u="none" strike="noStrike" cap="none" spc="0" normalizeH="0" baseline="0">
-              <a:ln>
-                <a:noFill/>
-              </a:ln>
-              <a:solidFill>
-                <a:srgbClr val="000000"/>
-              </a:solidFill>
-              <a:effectLst/>
-              <a:uFillTx/>
-              <a:latin typeface="+mn-lt"/>
-              <a:ea typeface="+mn-ea"/>
-              <a:cs typeface="+mn-cs"/>
-              <a:sym typeface="Aptos"/>
-            </a:endParaRPr>
+            <a:endParaRPr/>
           </a:p>
         </p:txBody>
       </p:sp>
       <p:sp>
         <p:nvSpPr>
-          <p:cNvPr id="4" name="Rectangle 3">
+          <p:cNvPr id="7" name="Rectangle 2">
             <a:extLst>
               <a:ext uri="{FF2B5EF4-FFF2-40B4-BE49-F238E27FC236}">
-                <a16:creationId xmlns:a16="http://schemas.microsoft.com/office/drawing/2014/main" id="{C29B6D7C-C33A-D242-6C97-5AB89E6195D7}"/>
+                <a16:creationId xmlns:a16="http://schemas.microsoft.com/office/drawing/2014/main" id="{E39DDD7D-3A0C-6109-7668-4B3E8487D472}"/>
               </a:ext>
             </a:extLst>
           </p:cNvPr>
@@ -7430,71 +7361,31 @@
         </p:nvSpPr>
         <p:spPr>
           <a:xfrm>
-            <a:off x="236198" y="6411841"/>
-            <a:ext cx="3035808" cy="3205022"/>
-          </a:xfrm>
-          <a:prstGeom prst="rect">
-            <a:avLst/>
-          </a:prstGeom>
-          <a:noFill/>
-          <a:ln w="50800" cap="flat">
-            <a:solidFill>
-              <a:schemeClr val="tx1"/>
-            </a:solidFill>
-            <a:prstDash val="solid"/>
-            <a:miter lim="800000"/>
+            <a:off x="3542112" y="6200939"/>
+            <a:ext cx="3099935" cy="3205023"/>
+          </a:xfrm>
+          <a:prstGeom prst="rect">
+            <a:avLst/>
+          </a:prstGeom>
+          <a:solidFill>
+            <a:srgbClr val="FFFFFF"/>
+          </a:solidFill>
+          <a:ln w="12700">
+            <a:miter lim="400000"/>
           </a:ln>
-          <a:effectLst/>
-          <a:sp3d/>
-        </p:spPr>
-        <p:style>
-          <a:lnRef idx="0">
-            <a:scrgbClr r="0" g="0" b="0"/>
-          </a:lnRef>
-          <a:fillRef idx="0">
-            <a:scrgbClr r="0" g="0" b="0"/>
-          </a:fillRef>
-          <a:effectRef idx="0">
-            <a:scrgbClr r="0" g="0" b="0"/>
-          </a:effectRef>
-          <a:fontRef idx="none"/>
-        </p:style>
+          <a:effectLst>
+            <a:outerShdw blurRad="50800" dist="127920" dir="3116579" rotWithShape="0">
+              <a:srgbClr val="000000">
+                <a:alpha val="48426"/>
+              </a:srgbClr>
+            </a:outerShdw>
+          </a:effectLst>
+        </p:spPr>
         <p:txBody>
-          <a:bodyPr rot="0" spcFirstLastPara="1" vertOverflow="overflow" horzOverflow="overflow" vert="horz" wrap="square" lIns="45719" tIns="45719" rIns="45719" bIns="45719" numCol="1" spcCol="38100" rtlCol="0" anchor="ctr">
-            <a:spAutoFit/>
-          </a:bodyPr>
+          <a:bodyPr lIns="45718" tIns="45718" rIns="45718" bIns="45718" anchor="ctr"/>
           <a:lstStyle/>
           <a:p>
-            <a:pPr marL="0" marR="0" indent="0" algn="l" defTabSz="457200" rtl="0" fontAlgn="auto" latinLnBrk="0" hangingPunct="0">
-              <a:lnSpc>
-                <a:spcPct val="100000"/>
-              </a:lnSpc>
-              <a:spcBef>
-                <a:spcPts val="0"/>
-              </a:spcBef>
-              <a:spcAft>
-                <a:spcPts val="0"/>
-              </a:spcAft>
-              <a:buClrTx/>
-              <a:buSzTx/>
-              <a:buFontTx/>
-              <a:buNone/>
-              <a:tabLst/>
-            </a:pPr>
-            <a:endParaRPr kumimoji="0" lang="LID4096" sz="1800" b="0" i="0" u="none" strike="noStrike" cap="none" spc="0" normalizeH="0" baseline="0">
-              <a:ln>
-                <a:noFill/>
-              </a:ln>
-              <a:solidFill>
-                <a:srgbClr val="000000"/>
-              </a:solidFill>
-              <a:effectLst/>
-              <a:uFillTx/>
-              <a:latin typeface="+mn-lt"/>
-              <a:ea typeface="+mn-ea"/>
-              <a:cs typeface="+mn-cs"/>
-              <a:sym typeface="Aptos"/>
-            </a:endParaRPr>
+            <a:endParaRPr/>
           </a:p>
         </p:txBody>
       </p:sp>

--- a/powerpoint template.pptx
+++ b/powerpoint template.pptx
@@ -321,7 +321,7 @@
 <file path=ppt/revisionInfo.xml><?xml version="1.0" encoding="utf-8"?>
 <p1510:revInfo xmlns:a="http://schemas.openxmlformats.org/drawingml/2006/main" xmlns:r="http://schemas.openxmlformats.org/officeDocument/2006/relationships" xmlns:p1510="http://schemas.microsoft.com/office/powerpoint/2015/10/main">
   <p1510:revLst>
-    <p1510:client id="{CB0225AB-6E09-4C02-964D-D149BB380812}" v="1" dt="2026-02-10T13:48:19.522"/>
+    <p1510:client id="{CB0225AB-6E09-4C02-964D-D149BB380812}" v="3" dt="2026-02-11T11:01:34.408"/>
   </p1510:revLst>
 </p1510:revInfo>
 </file>
@@ -330,17 +330,33 @@
 <pc:chgInfo xmlns:a="http://schemas.openxmlformats.org/drawingml/2006/main" xmlns:r="http://schemas.openxmlformats.org/officeDocument/2006/relationships" xmlns:ac="http://schemas.microsoft.com/office/drawing/2013/main/command" xmlns:pc="http://schemas.microsoft.com/office/powerpoint/2013/main/command">
   <pc:docChgLst>
     <pc:chgData name="roeland kramer" userId="205d280fcba3cbd5" providerId="LiveId" clId="{AE241127-7682-4E2B-B120-8E8D17819845}"/>
-    <pc:docChg chg="modSld">
-      <pc:chgData name="roeland kramer" userId="205d280fcba3cbd5" providerId="LiveId" clId="{AE241127-7682-4E2B-B120-8E8D17819845}" dt="2026-02-10T13:48:31.615" v="4" actId="1076"/>
+    <pc:docChg chg="undo custSel modSld">
+      <pc:chgData name="roeland kramer" userId="205d280fcba3cbd5" providerId="LiveId" clId="{AE241127-7682-4E2B-B120-8E8D17819845}" dt="2026-02-11T11:01:42.612" v="12" actId="14100"/>
       <pc:docMkLst>
         <pc:docMk/>
       </pc:docMkLst>
       <pc:sldChg chg="addSp modSp mod">
-        <pc:chgData name="roeland kramer" userId="205d280fcba3cbd5" providerId="LiveId" clId="{AE241127-7682-4E2B-B120-8E8D17819845}" dt="2026-02-10T13:48:31.615" v="4" actId="1076"/>
+        <pc:chgData name="roeland kramer" userId="205d280fcba3cbd5" providerId="LiveId" clId="{AE241127-7682-4E2B-B120-8E8D17819845}" dt="2026-02-11T11:01:42.612" v="12" actId="14100"/>
         <pc:sldMkLst>
           <pc:docMk/>
           <pc:sldMk cId="0" sldId="256"/>
         </pc:sldMkLst>
+        <pc:spChg chg="add mod">
+          <ac:chgData name="roeland kramer" userId="205d280fcba3cbd5" providerId="LiveId" clId="{AE241127-7682-4E2B-B120-8E8D17819845}" dt="2026-02-11T11:00:37.721" v="5"/>
+          <ac:spMkLst>
+            <pc:docMk/>
+            <pc:sldMk cId="0" sldId="256"/>
+            <ac:spMk id="3" creationId="{BB3921B5-1062-934A-9741-17E6263E6886}"/>
+          </ac:spMkLst>
+        </pc:spChg>
+        <pc:spChg chg="add mod">
+          <ac:chgData name="roeland kramer" userId="205d280fcba3cbd5" providerId="LiveId" clId="{AE241127-7682-4E2B-B120-8E8D17819845}" dt="2026-02-11T11:01:42.612" v="12" actId="14100"/>
+          <ac:spMkLst>
+            <pc:docMk/>
+            <pc:sldMk cId="0" sldId="256"/>
+            <ac:spMk id="4" creationId="{5DC59128-3946-7A3C-5BF2-3C0AC5E116AC}"/>
+          </ac:spMkLst>
+        </pc:spChg>
         <pc:spChg chg="add mod">
           <ac:chgData name="roeland kramer" userId="205d280fcba3cbd5" providerId="LiveId" clId="{AE241127-7682-4E2B-B120-8E8D17819845}" dt="2026-02-10T13:48:19.521" v="3"/>
           <ac:spMkLst>
@@ -355,6 +371,22 @@
             <pc:docMk/>
             <pc:sldMk cId="0" sldId="256"/>
             <ac:spMk id="6" creationId="{1A70E66F-FDAA-0070-7C79-E2F3E1807420}"/>
+          </ac:spMkLst>
+        </pc:spChg>
+        <pc:spChg chg="mod">
+          <ac:chgData name="roeland kramer" userId="205d280fcba3cbd5" providerId="LiveId" clId="{AE241127-7682-4E2B-B120-8E8D17819845}" dt="2026-02-11T11:00:50.194" v="7" actId="1076"/>
+          <ac:spMkLst>
+            <pc:docMk/>
+            <pc:sldMk cId="0" sldId="256"/>
+            <ac:spMk id="176" creationId="{00000000-0000-0000-0000-000000000000}"/>
+          </ac:spMkLst>
+        </pc:spChg>
+        <pc:spChg chg="mod">
+          <ac:chgData name="roeland kramer" userId="205d280fcba3cbd5" providerId="LiveId" clId="{AE241127-7682-4E2B-B120-8E8D17819845}" dt="2026-02-11T11:00:52.538" v="8" actId="20577"/>
+          <ac:spMkLst>
+            <pc:docMk/>
+            <pc:sldMk cId="0" sldId="256"/>
+            <ac:spMk id="177" creationId="{00000000-0000-0000-0000-000000000000}"/>
           </ac:spMkLst>
         </pc:spChg>
       </pc:sldChg>
@@ -1013,7 +1045,7 @@
           </a:ln>
           <a:extLst>
             <a:ext uri="{C572A759-6A51-4108-AA02-DFA0A04FC94B}">
-              <ma14:wrappingTextBoxFlag xmlns:ma14="http://schemas.microsoft.com/office/mac/drawingml/2011/main" xmlns:a14="http://schemas.microsoft.com/office/drawing/2010/main" xmlns:m="http://schemas.openxmlformats.org/officeDocument/2006/math" xmlns="" val="1"/>
+              <ma14:wrappingTextBoxFlag xmlns="" xmlns:m="http://schemas.openxmlformats.org/officeDocument/2006/math" xmlns:a14="http://schemas.microsoft.com/office/drawing/2010/main" xmlns:ma14="http://schemas.microsoft.com/office/mac/drawingml/2011/main" val="1"/>
             </a:ext>
           </a:extLst>
         </p:spPr>
@@ -1060,7 +1092,7 @@
           </a:ln>
           <a:extLst>
             <a:ext uri="{C572A759-6A51-4108-AA02-DFA0A04FC94B}">
-              <ma14:wrappingTextBoxFlag xmlns:ma14="http://schemas.microsoft.com/office/mac/drawingml/2011/main" xmlns:a14="http://schemas.microsoft.com/office/drawing/2010/main" xmlns:m="http://schemas.openxmlformats.org/officeDocument/2006/math" xmlns="" val="1"/>
+              <ma14:wrappingTextBoxFlag xmlns="" xmlns:m="http://schemas.openxmlformats.org/officeDocument/2006/math" xmlns:a14="http://schemas.microsoft.com/office/drawing/2010/main" xmlns:ma14="http://schemas.microsoft.com/office/mac/drawingml/2011/main" val="1"/>
             </a:ext>
           </a:extLst>
         </p:spPr>
@@ -1107,7 +1139,7 @@
           </a:ln>
           <a:extLst>
             <a:ext uri="{C572A759-6A51-4108-AA02-DFA0A04FC94B}">
-              <ma14:wrappingTextBoxFlag xmlns:ma14="http://schemas.microsoft.com/office/mac/drawingml/2011/main" xmlns:a14="http://schemas.microsoft.com/office/drawing/2010/main" xmlns:m="http://schemas.openxmlformats.org/officeDocument/2006/math" xmlns="" val="1"/>
+              <ma14:wrappingTextBoxFlag xmlns="" xmlns:m="http://schemas.openxmlformats.org/officeDocument/2006/math" xmlns:a14="http://schemas.microsoft.com/office/drawing/2010/main" xmlns:ma14="http://schemas.microsoft.com/office/mac/drawingml/2011/main" val="1"/>
             </a:ext>
           </a:extLst>
         </p:spPr>
@@ -2588,7 +2620,7 @@
           </a:ln>
           <a:extLst>
             <a:ext uri="{C572A759-6A51-4108-AA02-DFA0A04FC94B}">
-              <ma14:wrappingTextBoxFlag xmlns:ma14="http://schemas.microsoft.com/office/mac/drawingml/2011/main" xmlns:a14="http://schemas.microsoft.com/office/drawing/2010/main" xmlns:m="http://schemas.openxmlformats.org/officeDocument/2006/math" xmlns="" val="1"/>
+              <ma14:wrappingTextBoxFlag xmlns="" xmlns:m="http://schemas.openxmlformats.org/officeDocument/2006/math" xmlns:a14="http://schemas.microsoft.com/office/drawing/2010/main" xmlns:ma14="http://schemas.microsoft.com/office/mac/drawingml/2011/main" val="1"/>
             </a:ext>
           </a:extLst>
         </p:spPr>
@@ -2730,7 +2762,7 @@
           </a:ln>
           <a:extLst>
             <a:ext uri="{C572A759-6A51-4108-AA02-DFA0A04FC94B}">
-              <ma14:wrappingTextBoxFlag xmlns:ma14="http://schemas.microsoft.com/office/mac/drawingml/2011/main" xmlns:a14="http://schemas.microsoft.com/office/drawing/2010/main" xmlns:m="http://schemas.openxmlformats.org/officeDocument/2006/math" xmlns="" val="1"/>
+              <ma14:wrappingTextBoxFlag xmlns="" xmlns:m="http://schemas.openxmlformats.org/officeDocument/2006/math" xmlns:a14="http://schemas.microsoft.com/office/drawing/2010/main" xmlns:ma14="http://schemas.microsoft.com/office/mac/drawingml/2011/main" val="1"/>
             </a:ext>
           </a:extLst>
         </p:spPr>
@@ -2808,7 +2840,7 @@
           </a:ln>
           <a:extLst>
             <a:ext uri="{C572A759-6A51-4108-AA02-DFA0A04FC94B}">
-              <ma14:wrappingTextBoxFlag xmlns:ma14="http://schemas.microsoft.com/office/mac/drawingml/2011/main" xmlns:a14="http://schemas.microsoft.com/office/drawing/2010/main" xmlns:m="http://schemas.openxmlformats.org/officeDocument/2006/math" xmlns="" val="1"/>
+              <ma14:wrappingTextBoxFlag xmlns="" xmlns:m="http://schemas.openxmlformats.org/officeDocument/2006/math" xmlns:a14="http://schemas.microsoft.com/office/drawing/2010/main" xmlns:ma14="http://schemas.microsoft.com/office/mac/drawingml/2011/main" val="1"/>
             </a:ext>
           </a:extLst>
         </p:spPr>
@@ -2855,7 +2887,7 @@
           </a:ln>
           <a:extLst>
             <a:ext uri="{C572A759-6A51-4108-AA02-DFA0A04FC94B}">
-              <ma14:wrappingTextBoxFlag xmlns:ma14="http://schemas.microsoft.com/office/mac/drawingml/2011/main" xmlns:a14="http://schemas.microsoft.com/office/drawing/2010/main" xmlns:m="http://schemas.openxmlformats.org/officeDocument/2006/math" xmlns="" val="1"/>
+              <ma14:wrappingTextBoxFlag xmlns="" xmlns:m="http://schemas.openxmlformats.org/officeDocument/2006/math" xmlns:a14="http://schemas.microsoft.com/office/drawing/2010/main" xmlns:ma14="http://schemas.microsoft.com/office/mac/drawingml/2011/main" val="1"/>
             </a:ext>
           </a:extLst>
         </p:spPr>
@@ -2902,7 +2934,7 @@
           </a:ln>
           <a:extLst>
             <a:ext uri="{C572A759-6A51-4108-AA02-DFA0A04FC94B}">
-              <ma14:wrappingTextBoxFlag xmlns:ma14="http://schemas.microsoft.com/office/mac/drawingml/2011/main" xmlns:a14="http://schemas.microsoft.com/office/drawing/2010/main" xmlns:m="http://schemas.openxmlformats.org/officeDocument/2006/math" xmlns="" val="1"/>
+              <ma14:wrappingTextBoxFlag xmlns="" xmlns:m="http://schemas.openxmlformats.org/officeDocument/2006/math" xmlns:a14="http://schemas.microsoft.com/office/drawing/2010/main" xmlns:ma14="http://schemas.microsoft.com/office/mac/drawingml/2011/main" val="1"/>
             </a:ext>
           </a:extLst>
         </p:spPr>
@@ -2949,7 +2981,7 @@
           </a:ln>
           <a:extLst>
             <a:ext uri="{C572A759-6A51-4108-AA02-DFA0A04FC94B}">
-              <ma14:wrappingTextBoxFlag xmlns:ma14="http://schemas.microsoft.com/office/mac/drawingml/2011/main" xmlns:a14="http://schemas.microsoft.com/office/drawing/2010/main" xmlns:m="http://schemas.openxmlformats.org/officeDocument/2006/math" xmlns="" val="1"/>
+              <ma14:wrappingTextBoxFlag xmlns="" xmlns:m="http://schemas.openxmlformats.org/officeDocument/2006/math" xmlns:a14="http://schemas.microsoft.com/office/drawing/2010/main" xmlns:ma14="http://schemas.microsoft.com/office/mac/drawingml/2011/main" val="1"/>
             </a:ext>
           </a:extLst>
         </p:spPr>
@@ -2996,7 +3028,7 @@
           </a:ln>
           <a:extLst>
             <a:ext uri="{C572A759-6A51-4108-AA02-DFA0A04FC94B}">
-              <ma14:wrappingTextBoxFlag xmlns:ma14="http://schemas.microsoft.com/office/mac/drawingml/2011/main" xmlns:a14="http://schemas.microsoft.com/office/drawing/2010/main" xmlns:m="http://schemas.openxmlformats.org/officeDocument/2006/math" xmlns="" val="1"/>
+              <ma14:wrappingTextBoxFlag xmlns="" xmlns:m="http://schemas.openxmlformats.org/officeDocument/2006/math" xmlns:a14="http://schemas.microsoft.com/office/drawing/2010/main" xmlns:ma14="http://schemas.microsoft.com/office/mac/drawingml/2011/main" val="1"/>
             </a:ext>
           </a:extLst>
         </p:spPr>
@@ -3232,7 +3264,7 @@
           </a:ln>
           <a:extLst>
             <a:ext uri="{C572A759-6A51-4108-AA02-DFA0A04FC94B}">
-              <ma14:wrappingTextBoxFlag xmlns:ma14="http://schemas.microsoft.com/office/mac/drawingml/2011/main" xmlns:a14="http://schemas.microsoft.com/office/drawing/2010/main" xmlns:m="http://schemas.openxmlformats.org/officeDocument/2006/math" xmlns="" val="1"/>
+              <ma14:wrappingTextBoxFlag xmlns="" xmlns:m="http://schemas.openxmlformats.org/officeDocument/2006/math" xmlns:a14="http://schemas.microsoft.com/office/drawing/2010/main" xmlns:ma14="http://schemas.microsoft.com/office/mac/drawingml/2011/main" val="1"/>
             </a:ext>
           </a:extLst>
         </p:spPr>
@@ -3279,7 +3311,7 @@
           </a:ln>
           <a:extLst>
             <a:ext uri="{C572A759-6A51-4108-AA02-DFA0A04FC94B}">
-              <ma14:wrappingTextBoxFlag xmlns:ma14="http://schemas.microsoft.com/office/mac/drawingml/2011/main" xmlns:a14="http://schemas.microsoft.com/office/drawing/2010/main" xmlns:m="http://schemas.openxmlformats.org/officeDocument/2006/math" xmlns="" val="1"/>
+              <ma14:wrappingTextBoxFlag xmlns="" xmlns:m="http://schemas.openxmlformats.org/officeDocument/2006/math" xmlns:a14="http://schemas.microsoft.com/office/drawing/2010/main" xmlns:ma14="http://schemas.microsoft.com/office/mac/drawingml/2011/main" val="1"/>
             </a:ext>
           </a:extLst>
         </p:spPr>
@@ -3471,7 +3503,7 @@
           </a:ln>
           <a:extLst>
             <a:ext uri="{C572A759-6A51-4108-AA02-DFA0A04FC94B}">
-              <ma14:wrappingTextBoxFlag xmlns:ma14="http://schemas.microsoft.com/office/mac/drawingml/2011/main" xmlns:a14="http://schemas.microsoft.com/office/drawing/2010/main" xmlns:m="http://schemas.openxmlformats.org/officeDocument/2006/math" xmlns="" val="1"/>
+              <ma14:wrappingTextBoxFlag xmlns="" xmlns:m="http://schemas.openxmlformats.org/officeDocument/2006/math" xmlns:a14="http://schemas.microsoft.com/office/drawing/2010/main" xmlns:ma14="http://schemas.microsoft.com/office/mac/drawingml/2011/main" val="1"/>
             </a:ext>
           </a:extLst>
         </p:spPr>
@@ -3510,7 +3542,7 @@
           </a:ln>
           <a:extLst>
             <a:ext uri="{C572A759-6A51-4108-AA02-DFA0A04FC94B}">
-              <ma14:wrappingTextBoxFlag xmlns:ma14="http://schemas.microsoft.com/office/mac/drawingml/2011/main" xmlns:a14="http://schemas.microsoft.com/office/drawing/2010/main" xmlns:m="http://schemas.openxmlformats.org/officeDocument/2006/math" xmlns="" val="1"/>
+              <ma14:wrappingTextBoxFlag xmlns="" xmlns:m="http://schemas.openxmlformats.org/officeDocument/2006/math" xmlns:a14="http://schemas.microsoft.com/office/drawing/2010/main" xmlns:ma14="http://schemas.microsoft.com/office/mac/drawingml/2011/main" val="1"/>
             </a:ext>
           </a:extLst>
         </p:spPr>
@@ -4520,7 +4552,7 @@
           </a:ln>
           <a:extLst>
             <a:ext uri="{C572A759-6A51-4108-AA02-DFA0A04FC94B}">
-              <ma14:wrappingTextBoxFlag xmlns:ma14="http://schemas.microsoft.com/office/mac/drawingml/2011/main" xmlns:a14="http://schemas.microsoft.com/office/drawing/2010/main" xmlns:m="http://schemas.openxmlformats.org/officeDocument/2006/math" xmlns="" val="1"/>
+              <ma14:wrappingTextBoxFlag xmlns="" xmlns:m="http://schemas.openxmlformats.org/officeDocument/2006/math" xmlns:a14="http://schemas.microsoft.com/office/drawing/2010/main" xmlns:ma14="http://schemas.microsoft.com/office/mac/drawingml/2011/main" val="1"/>
             </a:ext>
           </a:extLst>
         </p:spPr>
@@ -4691,7 +4723,7 @@
           </a:ln>
           <a:extLst>
             <a:ext uri="{C572A759-6A51-4108-AA02-DFA0A04FC94B}">
-              <ma14:wrappingTextBoxFlag xmlns:ma14="http://schemas.microsoft.com/office/mac/drawingml/2011/main" xmlns:a14="http://schemas.microsoft.com/office/drawing/2010/main" xmlns:m="http://schemas.openxmlformats.org/officeDocument/2006/math" xmlns="" val="1"/>
+              <ma14:wrappingTextBoxFlag xmlns="" xmlns:m="http://schemas.openxmlformats.org/officeDocument/2006/math" xmlns:a14="http://schemas.microsoft.com/office/drawing/2010/main" xmlns:ma14="http://schemas.microsoft.com/office/mac/drawingml/2011/main" val="1"/>
             </a:ext>
           </a:extLst>
         </p:spPr>
@@ -4738,7 +4770,7 @@
           </a:ln>
           <a:extLst>
             <a:ext uri="{C572A759-6A51-4108-AA02-DFA0A04FC94B}">
-              <ma14:wrappingTextBoxFlag xmlns:ma14="http://schemas.microsoft.com/office/mac/drawingml/2011/main" xmlns:a14="http://schemas.microsoft.com/office/drawing/2010/main" xmlns:m="http://schemas.openxmlformats.org/officeDocument/2006/math" xmlns="" val="1"/>
+              <ma14:wrappingTextBoxFlag xmlns="" xmlns:m="http://schemas.openxmlformats.org/officeDocument/2006/math" xmlns:a14="http://schemas.microsoft.com/office/drawing/2010/main" xmlns:ma14="http://schemas.microsoft.com/office/mac/drawingml/2011/main" val="1"/>
             </a:ext>
           </a:extLst>
         </p:spPr>
@@ -4785,7 +4817,7 @@
           </a:ln>
           <a:extLst>
             <a:ext uri="{C572A759-6A51-4108-AA02-DFA0A04FC94B}">
-              <ma14:wrappingTextBoxFlag xmlns:ma14="http://schemas.microsoft.com/office/mac/drawingml/2011/main" xmlns:a14="http://schemas.microsoft.com/office/drawing/2010/main" xmlns:m="http://schemas.openxmlformats.org/officeDocument/2006/math" xmlns="" val="1"/>
+              <ma14:wrappingTextBoxFlag xmlns="" xmlns:m="http://schemas.openxmlformats.org/officeDocument/2006/math" xmlns:a14="http://schemas.microsoft.com/office/drawing/2010/main" xmlns:ma14="http://schemas.microsoft.com/office/mac/drawingml/2011/main" val="1"/>
             </a:ext>
           </a:extLst>
         </p:spPr>
@@ -4832,7 +4864,7 @@
           </a:ln>
           <a:extLst>
             <a:ext uri="{C572A759-6A51-4108-AA02-DFA0A04FC94B}">
-              <ma14:wrappingTextBoxFlag xmlns:ma14="http://schemas.microsoft.com/office/mac/drawingml/2011/main" xmlns:a14="http://schemas.microsoft.com/office/drawing/2010/main" xmlns:m="http://schemas.openxmlformats.org/officeDocument/2006/math" xmlns="" val="1"/>
+              <ma14:wrappingTextBoxFlag xmlns="" xmlns:m="http://schemas.openxmlformats.org/officeDocument/2006/math" xmlns:a14="http://schemas.microsoft.com/office/drawing/2010/main" xmlns:ma14="http://schemas.microsoft.com/office/mac/drawingml/2011/main" val="1"/>
             </a:ext>
           </a:extLst>
         </p:spPr>
@@ -4879,7 +4911,7 @@
           </a:ln>
           <a:extLst>
             <a:ext uri="{C572A759-6A51-4108-AA02-DFA0A04FC94B}">
-              <ma14:wrappingTextBoxFlag xmlns:ma14="http://schemas.microsoft.com/office/mac/drawingml/2011/main" xmlns:a14="http://schemas.microsoft.com/office/drawing/2010/main" xmlns:m="http://schemas.openxmlformats.org/officeDocument/2006/math" xmlns="" val="1"/>
+              <ma14:wrappingTextBoxFlag xmlns="" xmlns:m="http://schemas.openxmlformats.org/officeDocument/2006/math" xmlns:a14="http://schemas.microsoft.com/office/drawing/2010/main" xmlns:ma14="http://schemas.microsoft.com/office/mac/drawingml/2011/main" val="1"/>
             </a:ext>
           </a:extLst>
         </p:spPr>
@@ -4926,7 +4958,7 @@
           </a:ln>
           <a:extLst>
             <a:ext uri="{C572A759-6A51-4108-AA02-DFA0A04FC94B}">
-              <ma14:wrappingTextBoxFlag xmlns:ma14="http://schemas.microsoft.com/office/mac/drawingml/2011/main" xmlns:a14="http://schemas.microsoft.com/office/drawing/2010/main" xmlns:m="http://schemas.openxmlformats.org/officeDocument/2006/math" xmlns="" val="1"/>
+              <ma14:wrappingTextBoxFlag xmlns="" xmlns:m="http://schemas.openxmlformats.org/officeDocument/2006/math" xmlns:a14="http://schemas.microsoft.com/office/drawing/2010/main" xmlns:ma14="http://schemas.microsoft.com/office/mac/drawingml/2011/main" val="1"/>
             </a:ext>
           </a:extLst>
         </p:spPr>
@@ -5098,7 +5130,7 @@
           </a:ln>
           <a:extLst>
             <a:ext uri="{C572A759-6A51-4108-AA02-DFA0A04FC94B}">
-              <ma14:wrappingTextBoxFlag xmlns:ma14="http://schemas.microsoft.com/office/mac/drawingml/2011/main" xmlns:a14="http://schemas.microsoft.com/office/drawing/2010/main" xmlns:m="http://schemas.openxmlformats.org/officeDocument/2006/math" xmlns="" val="1"/>
+              <ma14:wrappingTextBoxFlag xmlns="" xmlns:m="http://schemas.openxmlformats.org/officeDocument/2006/math" xmlns:a14="http://schemas.microsoft.com/office/drawing/2010/main" xmlns:ma14="http://schemas.microsoft.com/office/mac/drawingml/2011/main" val="1"/>
             </a:ext>
           </a:extLst>
         </p:spPr>
@@ -5191,7 +5223,7 @@
           </a:ln>
           <a:extLst>
             <a:ext uri="{C572A759-6A51-4108-AA02-DFA0A04FC94B}">
-              <ma14:wrappingTextBoxFlag xmlns:ma14="http://schemas.microsoft.com/office/mac/drawingml/2011/main" xmlns:a14="http://schemas.microsoft.com/office/drawing/2010/main" xmlns:m="http://schemas.openxmlformats.org/officeDocument/2006/math" xmlns="" val="1"/>
+              <ma14:wrappingTextBoxFlag xmlns="" xmlns:m="http://schemas.openxmlformats.org/officeDocument/2006/math" xmlns:a14="http://schemas.microsoft.com/office/drawing/2010/main" xmlns:ma14="http://schemas.microsoft.com/office/mac/drawingml/2011/main" val="1"/>
             </a:ext>
           </a:extLst>
         </p:spPr>
@@ -5241,7 +5273,7 @@
           </a:ln>
           <a:extLst>
             <a:ext uri="{C572A759-6A51-4108-AA02-DFA0A04FC94B}">
-              <ma14:wrappingTextBoxFlag xmlns:ma14="http://schemas.microsoft.com/office/mac/drawingml/2011/main" xmlns:a14="http://schemas.microsoft.com/office/drawing/2010/main" xmlns:m="http://schemas.openxmlformats.org/officeDocument/2006/math" xmlns="" val="1"/>
+              <ma14:wrappingTextBoxFlag xmlns="" xmlns:m="http://schemas.openxmlformats.org/officeDocument/2006/math" xmlns:a14="http://schemas.microsoft.com/office/drawing/2010/main" xmlns:ma14="http://schemas.microsoft.com/office/mac/drawingml/2011/main" val="1"/>
             </a:ext>
           </a:extLst>
         </p:spPr>
@@ -5293,7 +5325,7 @@
           </a:ln>
           <a:extLst>
             <a:ext uri="{C572A759-6A51-4108-AA02-DFA0A04FC94B}">
-              <ma14:wrappingTextBoxFlag xmlns:ma14="http://schemas.microsoft.com/office/mac/drawingml/2011/main" xmlns:a14="http://schemas.microsoft.com/office/drawing/2010/main" xmlns:m="http://schemas.openxmlformats.org/officeDocument/2006/math" xmlns="" val="1"/>
+              <ma14:wrappingTextBoxFlag xmlns="" xmlns:m="http://schemas.openxmlformats.org/officeDocument/2006/math" xmlns:a14="http://schemas.microsoft.com/office/drawing/2010/main" xmlns:ma14="http://schemas.microsoft.com/office/mac/drawingml/2011/main" val="1"/>
             </a:ext>
           </a:extLst>
         </p:spPr>
@@ -5345,7 +5377,7 @@
           </a:ln>
           <a:extLst>
             <a:ext uri="{C572A759-6A51-4108-AA02-DFA0A04FC94B}">
-              <ma14:wrappingTextBoxFlag xmlns:ma14="http://schemas.microsoft.com/office/mac/drawingml/2011/main" xmlns:a14="http://schemas.microsoft.com/office/drawing/2010/main" xmlns:m="http://schemas.openxmlformats.org/officeDocument/2006/math" xmlns="" val="1"/>
+              <ma14:wrappingTextBoxFlag xmlns="" xmlns:m="http://schemas.openxmlformats.org/officeDocument/2006/math" xmlns:a14="http://schemas.microsoft.com/office/drawing/2010/main" xmlns:ma14="http://schemas.microsoft.com/office/mac/drawingml/2011/main" val="1"/>
             </a:ext>
           </a:extLst>
         </p:spPr>
@@ -5397,7 +5429,7 @@
           </a:ln>
           <a:extLst>
             <a:ext uri="{C572A759-6A51-4108-AA02-DFA0A04FC94B}">
-              <ma14:wrappingTextBoxFlag xmlns:ma14="http://schemas.microsoft.com/office/mac/drawingml/2011/main" xmlns:a14="http://schemas.microsoft.com/office/drawing/2010/main" xmlns:m="http://schemas.openxmlformats.org/officeDocument/2006/math" xmlns="" val="1"/>
+              <ma14:wrappingTextBoxFlag xmlns="" xmlns:m="http://schemas.openxmlformats.org/officeDocument/2006/math" xmlns:a14="http://schemas.microsoft.com/office/drawing/2010/main" xmlns:ma14="http://schemas.microsoft.com/office/mac/drawingml/2011/main" val="1"/>
             </a:ext>
           </a:extLst>
         </p:spPr>
@@ -5449,7 +5481,7 @@
           </a:ln>
           <a:extLst>
             <a:ext uri="{C572A759-6A51-4108-AA02-DFA0A04FC94B}">
-              <ma14:wrappingTextBoxFlag xmlns:ma14="http://schemas.microsoft.com/office/mac/drawingml/2011/main" xmlns:a14="http://schemas.microsoft.com/office/drawing/2010/main" xmlns:m="http://schemas.openxmlformats.org/officeDocument/2006/math" xmlns="" val="1"/>
+              <ma14:wrappingTextBoxFlag xmlns="" xmlns:m="http://schemas.openxmlformats.org/officeDocument/2006/math" xmlns:a14="http://schemas.microsoft.com/office/drawing/2010/main" xmlns:ma14="http://schemas.microsoft.com/office/mac/drawingml/2011/main" val="1"/>
             </a:ext>
           </a:extLst>
         </p:spPr>
@@ -5491,7 +5523,7 @@
         <p:spPr>
           <a:xfrm>
             <a:off x="272520" y="5115016"/>
-            <a:ext cx="2235546" cy="276999"/>
+            <a:ext cx="2270812" cy="276999"/>
           </a:xfrm>
           <a:prstGeom prst="rect">
             <a:avLst/>
@@ -5501,7 +5533,7 @@
           </a:ln>
           <a:extLst>
             <a:ext uri="{C572A759-6A51-4108-AA02-DFA0A04FC94B}">
-              <ma14:wrappingTextBoxFlag xmlns:ma14="http://schemas.microsoft.com/office/mac/drawingml/2011/main" xmlns:a14="http://schemas.microsoft.com/office/drawing/2010/main" xmlns:m="http://schemas.openxmlformats.org/officeDocument/2006/math" xmlns="" val="1"/>
+              <ma14:wrappingTextBoxFlag xmlns="" xmlns:m="http://schemas.openxmlformats.org/officeDocument/2006/math" xmlns:a14="http://schemas.microsoft.com/office/drawing/2010/main" xmlns:ma14="http://schemas.microsoft.com/office/mac/drawingml/2011/main" val="1"/>
             </a:ext>
           </a:extLst>
         </p:spPr>
@@ -5528,7 +5560,7 @@
           <a:p>
             <a:r>
               <a:rPr lang="nl-NL"/>
-              <a:t>{{CLUB_2023/2024}} (2023/2024)</a:t>
+              <a:t> {{CLUB_2023/2024}} (2023/2024)</a:t>
             </a:r>
           </a:p>
         </p:txBody>
@@ -5552,7 +5584,7 @@
           </a:ln>
           <a:extLst>
             <a:ext uri="{C572A759-6A51-4108-AA02-DFA0A04FC94B}">
-              <ma14:wrappingTextBoxFlag xmlns:ma14="http://schemas.microsoft.com/office/mac/drawingml/2011/main" xmlns:a14="http://schemas.microsoft.com/office/drawing/2010/main" xmlns:m="http://schemas.openxmlformats.org/officeDocument/2006/math" xmlns="" val="1"/>
+              <ma14:wrappingTextBoxFlag xmlns="" xmlns:m="http://schemas.openxmlformats.org/officeDocument/2006/math" xmlns:a14="http://schemas.microsoft.com/office/drawing/2010/main" xmlns:ma14="http://schemas.microsoft.com/office/mac/drawingml/2011/main" val="1"/>
             </a:ext>
           </a:extLst>
         </p:spPr>
@@ -5681,7 +5713,7 @@
           </a:ln>
           <a:extLst>
             <a:ext uri="{C572A759-6A51-4108-AA02-DFA0A04FC94B}">
-              <ma14:wrappingTextBoxFlag xmlns:ma14="http://schemas.microsoft.com/office/mac/drawingml/2011/main" xmlns:a14="http://schemas.microsoft.com/office/drawing/2010/main" xmlns:m="http://schemas.openxmlformats.org/officeDocument/2006/math" xmlns="" val="1"/>
+              <ma14:wrappingTextBoxFlag xmlns="" xmlns:m="http://schemas.openxmlformats.org/officeDocument/2006/math" xmlns:a14="http://schemas.microsoft.com/office/drawing/2010/main" xmlns:ma14="http://schemas.microsoft.com/office/mac/drawingml/2011/main" val="1"/>
             </a:ext>
           </a:extLst>
         </p:spPr>
@@ -5729,7 +5761,7 @@
           </a:ln>
           <a:extLst>
             <a:ext uri="{C572A759-6A51-4108-AA02-DFA0A04FC94B}">
-              <ma14:wrappingTextBoxFlag xmlns:ma14="http://schemas.microsoft.com/office/mac/drawingml/2011/main" xmlns:a14="http://schemas.microsoft.com/office/drawing/2010/main" xmlns:m="http://schemas.openxmlformats.org/officeDocument/2006/math" xmlns="" val="1"/>
+              <ma14:wrappingTextBoxFlag xmlns="" xmlns:m="http://schemas.openxmlformats.org/officeDocument/2006/math" xmlns:a14="http://schemas.microsoft.com/office/drawing/2010/main" xmlns:ma14="http://schemas.microsoft.com/office/mac/drawingml/2011/main" val="1"/>
             </a:ext>
           </a:extLst>
         </p:spPr>
@@ -5777,7 +5809,7 @@
           </a:ln>
           <a:extLst>
             <a:ext uri="{C572A759-6A51-4108-AA02-DFA0A04FC94B}">
-              <ma14:wrappingTextBoxFlag xmlns:ma14="http://schemas.microsoft.com/office/mac/drawingml/2011/main" xmlns:a14="http://schemas.microsoft.com/office/drawing/2010/main" xmlns:m="http://schemas.openxmlformats.org/officeDocument/2006/math" xmlns="" val="1"/>
+              <ma14:wrappingTextBoxFlag xmlns="" xmlns:m="http://schemas.openxmlformats.org/officeDocument/2006/math" xmlns:a14="http://schemas.microsoft.com/office/drawing/2010/main" xmlns:ma14="http://schemas.microsoft.com/office/mac/drawingml/2011/main" val="1"/>
             </a:ext>
           </a:extLst>
         </p:spPr>
@@ -5825,7 +5857,7 @@
           </a:ln>
           <a:extLst>
             <a:ext uri="{C572A759-6A51-4108-AA02-DFA0A04FC94B}">
-              <ma14:wrappingTextBoxFlag xmlns:ma14="http://schemas.microsoft.com/office/mac/drawingml/2011/main" xmlns:a14="http://schemas.microsoft.com/office/drawing/2010/main" xmlns:m="http://schemas.openxmlformats.org/officeDocument/2006/math" xmlns="" val="1"/>
+              <ma14:wrappingTextBoxFlag xmlns="" xmlns:m="http://schemas.openxmlformats.org/officeDocument/2006/math" xmlns:a14="http://schemas.microsoft.com/office/drawing/2010/main" xmlns:ma14="http://schemas.microsoft.com/office/mac/drawingml/2011/main" val="1"/>
             </a:ext>
           </a:extLst>
         </p:spPr>
@@ -5873,7 +5905,7 @@
           </a:ln>
           <a:extLst>
             <a:ext uri="{C572A759-6A51-4108-AA02-DFA0A04FC94B}">
-              <ma14:wrappingTextBoxFlag xmlns:ma14="http://schemas.microsoft.com/office/mac/drawingml/2011/main" xmlns:a14="http://schemas.microsoft.com/office/drawing/2010/main" xmlns:m="http://schemas.openxmlformats.org/officeDocument/2006/math" xmlns="" val="1"/>
+              <ma14:wrappingTextBoxFlag xmlns="" xmlns:m="http://schemas.openxmlformats.org/officeDocument/2006/math" xmlns:a14="http://schemas.microsoft.com/office/drawing/2010/main" xmlns:ma14="http://schemas.microsoft.com/office/mac/drawingml/2011/main" val="1"/>
             </a:ext>
           </a:extLst>
         </p:spPr>
@@ -5921,7 +5953,7 @@
           </a:ln>
           <a:extLst>
             <a:ext uri="{C572A759-6A51-4108-AA02-DFA0A04FC94B}">
-              <ma14:wrappingTextBoxFlag xmlns:ma14="http://schemas.microsoft.com/office/mac/drawingml/2011/main" xmlns:a14="http://schemas.microsoft.com/office/drawing/2010/main" xmlns:m="http://schemas.openxmlformats.org/officeDocument/2006/math" xmlns="" val="1"/>
+              <ma14:wrappingTextBoxFlag xmlns="" xmlns:m="http://schemas.openxmlformats.org/officeDocument/2006/math" xmlns:a14="http://schemas.microsoft.com/office/drawing/2010/main" xmlns:ma14="http://schemas.microsoft.com/office/mac/drawingml/2011/main" val="1"/>
             </a:ext>
           </a:extLst>
         </p:spPr>
@@ -5969,7 +6001,7 @@
           </a:ln>
           <a:extLst>
             <a:ext uri="{C572A759-6A51-4108-AA02-DFA0A04FC94B}">
-              <ma14:wrappingTextBoxFlag xmlns:ma14="http://schemas.microsoft.com/office/mac/drawingml/2011/main" xmlns:a14="http://schemas.microsoft.com/office/drawing/2010/main" xmlns:m="http://schemas.openxmlformats.org/officeDocument/2006/math" xmlns="" val="1"/>
+              <ma14:wrappingTextBoxFlag xmlns="" xmlns:m="http://schemas.openxmlformats.org/officeDocument/2006/math" xmlns:a14="http://schemas.microsoft.com/office/drawing/2010/main" xmlns:ma14="http://schemas.microsoft.com/office/mac/drawingml/2011/main" val="1"/>
             </a:ext>
           </a:extLst>
         </p:spPr>
@@ -6017,7 +6049,7 @@
           </a:ln>
           <a:extLst>
             <a:ext uri="{C572A759-6A51-4108-AA02-DFA0A04FC94B}">
-              <ma14:wrappingTextBoxFlag xmlns:ma14="http://schemas.microsoft.com/office/mac/drawingml/2011/main" xmlns:a14="http://schemas.microsoft.com/office/drawing/2010/main" xmlns:m="http://schemas.openxmlformats.org/officeDocument/2006/math" xmlns="" val="1"/>
+              <ma14:wrappingTextBoxFlag xmlns="" xmlns:m="http://schemas.openxmlformats.org/officeDocument/2006/math" xmlns:a14="http://schemas.microsoft.com/office/drawing/2010/main" xmlns:ma14="http://schemas.microsoft.com/office/mac/drawingml/2011/main" val="1"/>
             </a:ext>
           </a:extLst>
         </p:spPr>
@@ -6065,7 +6097,7 @@
           </a:ln>
           <a:extLst>
             <a:ext uri="{C572A759-6A51-4108-AA02-DFA0A04FC94B}">
-              <ma14:wrappingTextBoxFlag xmlns:ma14="http://schemas.microsoft.com/office/mac/drawingml/2011/main" xmlns:a14="http://schemas.microsoft.com/office/drawing/2010/main" xmlns:m="http://schemas.openxmlformats.org/officeDocument/2006/math" xmlns="" val="1"/>
+              <ma14:wrappingTextBoxFlag xmlns="" xmlns:m="http://schemas.openxmlformats.org/officeDocument/2006/math" xmlns:a14="http://schemas.microsoft.com/office/drawing/2010/main" xmlns:ma14="http://schemas.microsoft.com/office/mac/drawingml/2011/main" val="1"/>
             </a:ext>
           </a:extLst>
         </p:spPr>
@@ -6113,7 +6145,7 @@
           </a:ln>
           <a:extLst>
             <a:ext uri="{C572A759-6A51-4108-AA02-DFA0A04FC94B}">
-              <ma14:wrappingTextBoxFlag xmlns:ma14="http://schemas.microsoft.com/office/mac/drawingml/2011/main" xmlns:a14="http://schemas.microsoft.com/office/drawing/2010/main" xmlns:m="http://schemas.openxmlformats.org/officeDocument/2006/math" xmlns="" val="1"/>
+              <ma14:wrappingTextBoxFlag xmlns="" xmlns:m="http://schemas.openxmlformats.org/officeDocument/2006/math" xmlns:a14="http://schemas.microsoft.com/office/drawing/2010/main" xmlns:ma14="http://schemas.microsoft.com/office/mac/drawingml/2011/main" val="1"/>
             </a:ext>
           </a:extLst>
         </p:spPr>
@@ -6161,7 +6193,7 @@
           </a:ln>
           <a:extLst>
             <a:ext uri="{C572A759-6A51-4108-AA02-DFA0A04FC94B}">
-              <ma14:wrappingTextBoxFlag xmlns:ma14="http://schemas.microsoft.com/office/mac/drawingml/2011/main" xmlns:a14="http://schemas.microsoft.com/office/drawing/2010/main" xmlns:m="http://schemas.openxmlformats.org/officeDocument/2006/math" xmlns="" val="1"/>
+              <ma14:wrappingTextBoxFlag xmlns="" xmlns:m="http://schemas.openxmlformats.org/officeDocument/2006/math" xmlns:a14="http://schemas.microsoft.com/office/drawing/2010/main" xmlns:ma14="http://schemas.microsoft.com/office/mac/drawingml/2011/main" val="1"/>
             </a:ext>
           </a:extLst>
         </p:spPr>
@@ -6203,7 +6235,7 @@
           </a:ln>
           <a:extLst>
             <a:ext uri="{C572A759-6A51-4108-AA02-DFA0A04FC94B}">
-              <ma14:wrappingTextBoxFlag xmlns:ma14="http://schemas.microsoft.com/office/mac/drawingml/2011/main" xmlns:a14="http://schemas.microsoft.com/office/drawing/2010/main" xmlns:m="http://schemas.openxmlformats.org/officeDocument/2006/math" xmlns="" val="1"/>
+              <ma14:wrappingTextBoxFlag xmlns="" xmlns:m="http://schemas.openxmlformats.org/officeDocument/2006/math" xmlns:a14="http://schemas.microsoft.com/office/drawing/2010/main" xmlns:ma14="http://schemas.microsoft.com/office/mac/drawingml/2011/main" val="1"/>
             </a:ext>
           </a:extLst>
         </p:spPr>
@@ -7380,6 +7412,76 @@
               </a:srgbClr>
             </a:outerShdw>
           </a:effectLst>
+        </p:spPr>
+        <p:txBody>
+          <a:bodyPr lIns="45718" tIns="45718" rIns="45718" bIns="45718" anchor="ctr"/>
+          <a:lstStyle/>
+          <a:p>
+            <a:endParaRPr/>
+          </a:p>
+        </p:txBody>
+      </p:sp>
+      <p:sp>
+        <p:nvSpPr>
+          <p:cNvPr id="3" name="Rechte verbindingslijn 6">
+            <a:extLst>
+              <a:ext uri="{FF2B5EF4-FFF2-40B4-BE49-F238E27FC236}">
+                <a16:creationId xmlns:a16="http://schemas.microsoft.com/office/drawing/2014/main" id="{BB3921B5-1062-934A-9741-17E6263E6886}"/>
+              </a:ext>
+            </a:extLst>
+          </p:cNvPr>
+          <p:cNvSpPr/>
+          <p:nvPr/>
+        </p:nvSpPr>
+        <p:spPr>
+          <a:xfrm>
+            <a:off x="342219" y="4521891"/>
+            <a:ext cx="6173562" cy="1"/>
+          </a:xfrm>
+          <a:prstGeom prst="line">
+            <a:avLst/>
+          </a:prstGeom>
+          <a:ln w="12700">
+            <a:solidFill>
+              <a:srgbClr val="173883"/>
+            </a:solidFill>
+            <a:miter/>
+          </a:ln>
+        </p:spPr>
+        <p:txBody>
+          <a:bodyPr lIns="45718" tIns="45718" rIns="45718" bIns="45718"/>
+          <a:lstStyle/>
+          <a:p>
+            <a:endParaRPr/>
+          </a:p>
+        </p:txBody>
+      </p:sp>
+      <p:sp>
+        <p:nvSpPr>
+          <p:cNvPr id="4" name="Rechthoek">
+            <a:extLst>
+              <a:ext uri="{FF2B5EF4-FFF2-40B4-BE49-F238E27FC236}">
+                <a16:creationId xmlns:a16="http://schemas.microsoft.com/office/drawing/2014/main" id="{5DC59128-3946-7A3C-5BF2-3C0AC5E116AC}"/>
+              </a:ext>
+            </a:extLst>
+          </p:cNvPr>
+          <p:cNvSpPr/>
+          <p:nvPr/>
+        </p:nvSpPr>
+        <p:spPr>
+          <a:xfrm>
+            <a:off x="5144150" y="195044"/>
+            <a:ext cx="1036640" cy="1566864"/>
+          </a:xfrm>
+          <a:prstGeom prst="rect">
+            <a:avLst/>
+          </a:prstGeom>
+          <a:ln w="19050">
+            <a:solidFill>
+              <a:srgbClr val="FFFFFF"/>
+            </a:solidFill>
+            <a:miter/>
+          </a:ln>
         </p:spPr>
         <p:txBody>
           <a:bodyPr lIns="45718" tIns="45718" rIns="45718" bIns="45718" anchor="ctr"/>

--- a/powerpoint template.pptx
+++ b/powerpoint template.pptx
@@ -1045,7 +1045,7 @@
           </a:ln>
           <a:extLst>
             <a:ext uri="{C572A759-6A51-4108-AA02-DFA0A04FC94B}">
-              <ma14:wrappingTextBoxFlag xmlns="" xmlns:m="http://schemas.openxmlformats.org/officeDocument/2006/math" xmlns:a14="http://schemas.microsoft.com/office/drawing/2010/main" xmlns:ma14="http://schemas.microsoft.com/office/mac/drawingml/2011/main" val="1"/>
+              <ma14:wrappingTextBoxFlag xmlns:ma14="http://schemas.microsoft.com/office/mac/drawingml/2011/main" xmlns:a14="http://schemas.microsoft.com/office/drawing/2010/main" xmlns:m="http://schemas.openxmlformats.org/officeDocument/2006/math" xmlns="" val="1"/>
             </a:ext>
           </a:extLst>
         </p:spPr>
@@ -1092,7 +1092,7 @@
           </a:ln>
           <a:extLst>
             <a:ext uri="{C572A759-6A51-4108-AA02-DFA0A04FC94B}">
-              <ma14:wrappingTextBoxFlag xmlns="" xmlns:m="http://schemas.openxmlformats.org/officeDocument/2006/math" xmlns:a14="http://schemas.microsoft.com/office/drawing/2010/main" xmlns:ma14="http://schemas.microsoft.com/office/mac/drawingml/2011/main" val="1"/>
+              <ma14:wrappingTextBoxFlag xmlns:ma14="http://schemas.microsoft.com/office/mac/drawingml/2011/main" xmlns:a14="http://schemas.microsoft.com/office/drawing/2010/main" xmlns:m="http://schemas.openxmlformats.org/officeDocument/2006/math" xmlns="" val="1"/>
             </a:ext>
           </a:extLst>
         </p:spPr>
@@ -1139,7 +1139,7 @@
           </a:ln>
           <a:extLst>
             <a:ext uri="{C572A759-6A51-4108-AA02-DFA0A04FC94B}">
-              <ma14:wrappingTextBoxFlag xmlns="" xmlns:m="http://schemas.openxmlformats.org/officeDocument/2006/math" xmlns:a14="http://schemas.microsoft.com/office/drawing/2010/main" xmlns:ma14="http://schemas.microsoft.com/office/mac/drawingml/2011/main" val="1"/>
+              <ma14:wrappingTextBoxFlag xmlns:ma14="http://schemas.microsoft.com/office/mac/drawingml/2011/main" xmlns:a14="http://schemas.microsoft.com/office/drawing/2010/main" xmlns:m="http://schemas.openxmlformats.org/officeDocument/2006/math" xmlns="" val="1"/>
             </a:ext>
           </a:extLst>
         </p:spPr>
@@ -2620,7 +2620,7 @@
           </a:ln>
           <a:extLst>
             <a:ext uri="{C572A759-6A51-4108-AA02-DFA0A04FC94B}">
-              <ma14:wrappingTextBoxFlag xmlns="" xmlns:m="http://schemas.openxmlformats.org/officeDocument/2006/math" xmlns:a14="http://schemas.microsoft.com/office/drawing/2010/main" xmlns:ma14="http://schemas.microsoft.com/office/mac/drawingml/2011/main" val="1"/>
+              <ma14:wrappingTextBoxFlag xmlns:ma14="http://schemas.microsoft.com/office/mac/drawingml/2011/main" xmlns:a14="http://schemas.microsoft.com/office/drawing/2010/main" xmlns:m="http://schemas.openxmlformats.org/officeDocument/2006/math" xmlns="" val="1"/>
             </a:ext>
           </a:extLst>
         </p:spPr>
@@ -2762,7 +2762,7 @@
           </a:ln>
           <a:extLst>
             <a:ext uri="{C572A759-6A51-4108-AA02-DFA0A04FC94B}">
-              <ma14:wrappingTextBoxFlag xmlns="" xmlns:m="http://schemas.openxmlformats.org/officeDocument/2006/math" xmlns:a14="http://schemas.microsoft.com/office/drawing/2010/main" xmlns:ma14="http://schemas.microsoft.com/office/mac/drawingml/2011/main" val="1"/>
+              <ma14:wrappingTextBoxFlag xmlns:ma14="http://schemas.microsoft.com/office/mac/drawingml/2011/main" xmlns:a14="http://schemas.microsoft.com/office/drawing/2010/main" xmlns:m="http://schemas.openxmlformats.org/officeDocument/2006/math" xmlns="" val="1"/>
             </a:ext>
           </a:extLst>
         </p:spPr>
@@ -2840,7 +2840,7 @@
           </a:ln>
           <a:extLst>
             <a:ext uri="{C572A759-6A51-4108-AA02-DFA0A04FC94B}">
-              <ma14:wrappingTextBoxFlag xmlns="" xmlns:m="http://schemas.openxmlformats.org/officeDocument/2006/math" xmlns:a14="http://schemas.microsoft.com/office/drawing/2010/main" xmlns:ma14="http://schemas.microsoft.com/office/mac/drawingml/2011/main" val="1"/>
+              <ma14:wrappingTextBoxFlag xmlns:ma14="http://schemas.microsoft.com/office/mac/drawingml/2011/main" xmlns:a14="http://schemas.microsoft.com/office/drawing/2010/main" xmlns:m="http://schemas.openxmlformats.org/officeDocument/2006/math" xmlns="" val="1"/>
             </a:ext>
           </a:extLst>
         </p:spPr>
@@ -2887,7 +2887,7 @@
           </a:ln>
           <a:extLst>
             <a:ext uri="{C572A759-6A51-4108-AA02-DFA0A04FC94B}">
-              <ma14:wrappingTextBoxFlag xmlns="" xmlns:m="http://schemas.openxmlformats.org/officeDocument/2006/math" xmlns:a14="http://schemas.microsoft.com/office/drawing/2010/main" xmlns:ma14="http://schemas.microsoft.com/office/mac/drawingml/2011/main" val="1"/>
+              <ma14:wrappingTextBoxFlag xmlns:ma14="http://schemas.microsoft.com/office/mac/drawingml/2011/main" xmlns:a14="http://schemas.microsoft.com/office/drawing/2010/main" xmlns:m="http://schemas.openxmlformats.org/officeDocument/2006/math" xmlns="" val="1"/>
             </a:ext>
           </a:extLst>
         </p:spPr>
@@ -2934,7 +2934,7 @@
           </a:ln>
           <a:extLst>
             <a:ext uri="{C572A759-6A51-4108-AA02-DFA0A04FC94B}">
-              <ma14:wrappingTextBoxFlag xmlns="" xmlns:m="http://schemas.openxmlformats.org/officeDocument/2006/math" xmlns:a14="http://schemas.microsoft.com/office/drawing/2010/main" xmlns:ma14="http://schemas.microsoft.com/office/mac/drawingml/2011/main" val="1"/>
+              <ma14:wrappingTextBoxFlag xmlns:ma14="http://schemas.microsoft.com/office/mac/drawingml/2011/main" xmlns:a14="http://schemas.microsoft.com/office/drawing/2010/main" xmlns:m="http://schemas.openxmlformats.org/officeDocument/2006/math" xmlns="" val="1"/>
             </a:ext>
           </a:extLst>
         </p:spPr>
@@ -2981,7 +2981,7 @@
           </a:ln>
           <a:extLst>
             <a:ext uri="{C572A759-6A51-4108-AA02-DFA0A04FC94B}">
-              <ma14:wrappingTextBoxFlag xmlns="" xmlns:m="http://schemas.openxmlformats.org/officeDocument/2006/math" xmlns:a14="http://schemas.microsoft.com/office/drawing/2010/main" xmlns:ma14="http://schemas.microsoft.com/office/mac/drawingml/2011/main" val="1"/>
+              <ma14:wrappingTextBoxFlag xmlns:ma14="http://schemas.microsoft.com/office/mac/drawingml/2011/main" xmlns:a14="http://schemas.microsoft.com/office/drawing/2010/main" xmlns:m="http://schemas.openxmlformats.org/officeDocument/2006/math" xmlns="" val="1"/>
             </a:ext>
           </a:extLst>
         </p:spPr>
@@ -3028,7 +3028,7 @@
           </a:ln>
           <a:extLst>
             <a:ext uri="{C572A759-6A51-4108-AA02-DFA0A04FC94B}">
-              <ma14:wrappingTextBoxFlag xmlns="" xmlns:m="http://schemas.openxmlformats.org/officeDocument/2006/math" xmlns:a14="http://schemas.microsoft.com/office/drawing/2010/main" xmlns:ma14="http://schemas.microsoft.com/office/mac/drawingml/2011/main" val="1"/>
+              <ma14:wrappingTextBoxFlag xmlns:ma14="http://schemas.microsoft.com/office/mac/drawingml/2011/main" xmlns:a14="http://schemas.microsoft.com/office/drawing/2010/main" xmlns:m="http://schemas.openxmlformats.org/officeDocument/2006/math" xmlns="" val="1"/>
             </a:ext>
           </a:extLst>
         </p:spPr>
@@ -3264,7 +3264,7 @@
           </a:ln>
           <a:extLst>
             <a:ext uri="{C572A759-6A51-4108-AA02-DFA0A04FC94B}">
-              <ma14:wrappingTextBoxFlag xmlns="" xmlns:m="http://schemas.openxmlformats.org/officeDocument/2006/math" xmlns:a14="http://schemas.microsoft.com/office/drawing/2010/main" xmlns:ma14="http://schemas.microsoft.com/office/mac/drawingml/2011/main" val="1"/>
+              <ma14:wrappingTextBoxFlag xmlns:ma14="http://schemas.microsoft.com/office/mac/drawingml/2011/main" xmlns:a14="http://schemas.microsoft.com/office/drawing/2010/main" xmlns:m="http://schemas.openxmlformats.org/officeDocument/2006/math" xmlns="" val="1"/>
             </a:ext>
           </a:extLst>
         </p:spPr>
@@ -3311,7 +3311,7 @@
           </a:ln>
           <a:extLst>
             <a:ext uri="{C572A759-6A51-4108-AA02-DFA0A04FC94B}">
-              <ma14:wrappingTextBoxFlag xmlns="" xmlns:m="http://schemas.openxmlformats.org/officeDocument/2006/math" xmlns:a14="http://schemas.microsoft.com/office/drawing/2010/main" xmlns:ma14="http://schemas.microsoft.com/office/mac/drawingml/2011/main" val="1"/>
+              <ma14:wrappingTextBoxFlag xmlns:ma14="http://schemas.microsoft.com/office/mac/drawingml/2011/main" xmlns:a14="http://schemas.microsoft.com/office/drawing/2010/main" xmlns:m="http://schemas.openxmlformats.org/officeDocument/2006/math" xmlns="" val="1"/>
             </a:ext>
           </a:extLst>
         </p:spPr>
@@ -3503,7 +3503,7 @@
           </a:ln>
           <a:extLst>
             <a:ext uri="{C572A759-6A51-4108-AA02-DFA0A04FC94B}">
-              <ma14:wrappingTextBoxFlag xmlns="" xmlns:m="http://schemas.openxmlformats.org/officeDocument/2006/math" xmlns:a14="http://schemas.microsoft.com/office/drawing/2010/main" xmlns:ma14="http://schemas.microsoft.com/office/mac/drawingml/2011/main" val="1"/>
+              <ma14:wrappingTextBoxFlag xmlns:ma14="http://schemas.microsoft.com/office/mac/drawingml/2011/main" xmlns:a14="http://schemas.microsoft.com/office/drawing/2010/main" xmlns:m="http://schemas.openxmlformats.org/officeDocument/2006/math" xmlns="" val="1"/>
             </a:ext>
           </a:extLst>
         </p:spPr>
@@ -3542,7 +3542,7 @@
           </a:ln>
           <a:extLst>
             <a:ext uri="{C572A759-6A51-4108-AA02-DFA0A04FC94B}">
-              <ma14:wrappingTextBoxFlag xmlns="" xmlns:m="http://schemas.openxmlformats.org/officeDocument/2006/math" xmlns:a14="http://schemas.microsoft.com/office/drawing/2010/main" xmlns:ma14="http://schemas.microsoft.com/office/mac/drawingml/2011/main" val="1"/>
+              <ma14:wrappingTextBoxFlag xmlns:ma14="http://schemas.microsoft.com/office/mac/drawingml/2011/main" xmlns:a14="http://schemas.microsoft.com/office/drawing/2010/main" xmlns:m="http://schemas.openxmlformats.org/officeDocument/2006/math" xmlns="" val="1"/>
             </a:ext>
           </a:extLst>
         </p:spPr>
@@ -4552,7 +4552,7 @@
           </a:ln>
           <a:extLst>
             <a:ext uri="{C572A759-6A51-4108-AA02-DFA0A04FC94B}">
-              <ma14:wrappingTextBoxFlag xmlns="" xmlns:m="http://schemas.openxmlformats.org/officeDocument/2006/math" xmlns:a14="http://schemas.microsoft.com/office/drawing/2010/main" xmlns:ma14="http://schemas.microsoft.com/office/mac/drawingml/2011/main" val="1"/>
+              <ma14:wrappingTextBoxFlag xmlns:ma14="http://schemas.microsoft.com/office/mac/drawingml/2011/main" xmlns:a14="http://schemas.microsoft.com/office/drawing/2010/main" xmlns:m="http://schemas.openxmlformats.org/officeDocument/2006/math" xmlns="" val="1"/>
             </a:ext>
           </a:extLst>
         </p:spPr>
@@ -4723,7 +4723,7 @@
           </a:ln>
           <a:extLst>
             <a:ext uri="{C572A759-6A51-4108-AA02-DFA0A04FC94B}">
-              <ma14:wrappingTextBoxFlag xmlns="" xmlns:m="http://schemas.openxmlformats.org/officeDocument/2006/math" xmlns:a14="http://schemas.microsoft.com/office/drawing/2010/main" xmlns:ma14="http://schemas.microsoft.com/office/mac/drawingml/2011/main" val="1"/>
+              <ma14:wrappingTextBoxFlag xmlns:ma14="http://schemas.microsoft.com/office/mac/drawingml/2011/main" xmlns:a14="http://schemas.microsoft.com/office/drawing/2010/main" xmlns:m="http://schemas.openxmlformats.org/officeDocument/2006/math" xmlns="" val="1"/>
             </a:ext>
           </a:extLst>
         </p:spPr>
@@ -4770,7 +4770,7 @@
           </a:ln>
           <a:extLst>
             <a:ext uri="{C572A759-6A51-4108-AA02-DFA0A04FC94B}">
-              <ma14:wrappingTextBoxFlag xmlns="" xmlns:m="http://schemas.openxmlformats.org/officeDocument/2006/math" xmlns:a14="http://schemas.microsoft.com/office/drawing/2010/main" xmlns:ma14="http://schemas.microsoft.com/office/mac/drawingml/2011/main" val="1"/>
+              <ma14:wrappingTextBoxFlag xmlns:ma14="http://schemas.microsoft.com/office/mac/drawingml/2011/main" xmlns:a14="http://schemas.microsoft.com/office/drawing/2010/main" xmlns:m="http://schemas.openxmlformats.org/officeDocument/2006/math" xmlns="" val="1"/>
             </a:ext>
           </a:extLst>
         </p:spPr>
@@ -4817,7 +4817,7 @@
           </a:ln>
           <a:extLst>
             <a:ext uri="{C572A759-6A51-4108-AA02-DFA0A04FC94B}">
-              <ma14:wrappingTextBoxFlag xmlns="" xmlns:m="http://schemas.openxmlformats.org/officeDocument/2006/math" xmlns:a14="http://schemas.microsoft.com/office/drawing/2010/main" xmlns:ma14="http://schemas.microsoft.com/office/mac/drawingml/2011/main" val="1"/>
+              <ma14:wrappingTextBoxFlag xmlns:ma14="http://schemas.microsoft.com/office/mac/drawingml/2011/main" xmlns:a14="http://schemas.microsoft.com/office/drawing/2010/main" xmlns:m="http://schemas.openxmlformats.org/officeDocument/2006/math" xmlns="" val="1"/>
             </a:ext>
           </a:extLst>
         </p:spPr>
@@ -4864,7 +4864,7 @@
           </a:ln>
           <a:extLst>
             <a:ext uri="{C572A759-6A51-4108-AA02-DFA0A04FC94B}">
-              <ma14:wrappingTextBoxFlag xmlns="" xmlns:m="http://schemas.openxmlformats.org/officeDocument/2006/math" xmlns:a14="http://schemas.microsoft.com/office/drawing/2010/main" xmlns:ma14="http://schemas.microsoft.com/office/mac/drawingml/2011/main" val="1"/>
+              <ma14:wrappingTextBoxFlag xmlns:ma14="http://schemas.microsoft.com/office/mac/drawingml/2011/main" xmlns:a14="http://schemas.microsoft.com/office/drawing/2010/main" xmlns:m="http://schemas.openxmlformats.org/officeDocument/2006/math" xmlns="" val="1"/>
             </a:ext>
           </a:extLst>
         </p:spPr>
@@ -4911,7 +4911,7 @@
           </a:ln>
           <a:extLst>
             <a:ext uri="{C572A759-6A51-4108-AA02-DFA0A04FC94B}">
-              <ma14:wrappingTextBoxFlag xmlns="" xmlns:m="http://schemas.openxmlformats.org/officeDocument/2006/math" xmlns:a14="http://schemas.microsoft.com/office/drawing/2010/main" xmlns:ma14="http://schemas.microsoft.com/office/mac/drawingml/2011/main" val="1"/>
+              <ma14:wrappingTextBoxFlag xmlns:ma14="http://schemas.microsoft.com/office/mac/drawingml/2011/main" xmlns:a14="http://schemas.microsoft.com/office/drawing/2010/main" xmlns:m="http://schemas.openxmlformats.org/officeDocument/2006/math" xmlns="" val="1"/>
             </a:ext>
           </a:extLst>
         </p:spPr>
@@ -4958,7 +4958,7 @@
           </a:ln>
           <a:extLst>
             <a:ext uri="{C572A759-6A51-4108-AA02-DFA0A04FC94B}">
-              <ma14:wrappingTextBoxFlag xmlns="" xmlns:m="http://schemas.openxmlformats.org/officeDocument/2006/math" xmlns:a14="http://schemas.microsoft.com/office/drawing/2010/main" xmlns:ma14="http://schemas.microsoft.com/office/mac/drawingml/2011/main" val="1"/>
+              <ma14:wrappingTextBoxFlag xmlns:ma14="http://schemas.microsoft.com/office/mac/drawingml/2011/main" xmlns:a14="http://schemas.microsoft.com/office/drawing/2010/main" xmlns:m="http://schemas.openxmlformats.org/officeDocument/2006/math" xmlns="" val="1"/>
             </a:ext>
           </a:extLst>
         </p:spPr>
@@ -5130,7 +5130,7 @@
           </a:ln>
           <a:extLst>
             <a:ext uri="{C572A759-6A51-4108-AA02-DFA0A04FC94B}">
-              <ma14:wrappingTextBoxFlag xmlns="" xmlns:m="http://schemas.openxmlformats.org/officeDocument/2006/math" xmlns:a14="http://schemas.microsoft.com/office/drawing/2010/main" xmlns:ma14="http://schemas.microsoft.com/office/mac/drawingml/2011/main" val="1"/>
+              <ma14:wrappingTextBoxFlag xmlns:ma14="http://schemas.microsoft.com/office/mac/drawingml/2011/main" xmlns:a14="http://schemas.microsoft.com/office/drawing/2010/main" xmlns:m="http://schemas.openxmlformats.org/officeDocument/2006/math" xmlns="" val="1"/>
             </a:ext>
           </a:extLst>
         </p:spPr>
@@ -5223,7 +5223,7 @@
           </a:ln>
           <a:extLst>
             <a:ext uri="{C572A759-6A51-4108-AA02-DFA0A04FC94B}">
-              <ma14:wrappingTextBoxFlag xmlns="" xmlns:m="http://schemas.openxmlformats.org/officeDocument/2006/math" xmlns:a14="http://schemas.microsoft.com/office/drawing/2010/main" xmlns:ma14="http://schemas.microsoft.com/office/mac/drawingml/2011/main" val="1"/>
+              <ma14:wrappingTextBoxFlag xmlns:ma14="http://schemas.microsoft.com/office/mac/drawingml/2011/main" xmlns:a14="http://schemas.microsoft.com/office/drawing/2010/main" xmlns:m="http://schemas.openxmlformats.org/officeDocument/2006/math" xmlns="" val="1"/>
             </a:ext>
           </a:extLst>
         </p:spPr>
@@ -5273,7 +5273,7 @@
           </a:ln>
           <a:extLst>
             <a:ext uri="{C572A759-6A51-4108-AA02-DFA0A04FC94B}">
-              <ma14:wrappingTextBoxFlag xmlns="" xmlns:m="http://schemas.openxmlformats.org/officeDocument/2006/math" xmlns:a14="http://schemas.microsoft.com/office/drawing/2010/main" xmlns:ma14="http://schemas.microsoft.com/office/mac/drawingml/2011/main" val="1"/>
+              <ma14:wrappingTextBoxFlag xmlns:ma14="http://schemas.microsoft.com/office/mac/drawingml/2011/main" xmlns:a14="http://schemas.microsoft.com/office/drawing/2010/main" xmlns:m="http://schemas.openxmlformats.org/officeDocument/2006/math" xmlns="" val="1"/>
             </a:ext>
           </a:extLst>
         </p:spPr>
@@ -5325,7 +5325,7 @@
           </a:ln>
           <a:extLst>
             <a:ext uri="{C572A759-6A51-4108-AA02-DFA0A04FC94B}">
-              <ma14:wrappingTextBoxFlag xmlns="" xmlns:m="http://schemas.openxmlformats.org/officeDocument/2006/math" xmlns:a14="http://schemas.microsoft.com/office/drawing/2010/main" xmlns:ma14="http://schemas.microsoft.com/office/mac/drawingml/2011/main" val="1"/>
+              <ma14:wrappingTextBoxFlag xmlns:ma14="http://schemas.microsoft.com/office/mac/drawingml/2011/main" xmlns:a14="http://schemas.microsoft.com/office/drawing/2010/main" xmlns:m="http://schemas.openxmlformats.org/officeDocument/2006/math" xmlns="" val="1"/>
             </a:ext>
           </a:extLst>
         </p:spPr>
@@ -5377,7 +5377,7 @@
           </a:ln>
           <a:extLst>
             <a:ext uri="{C572A759-6A51-4108-AA02-DFA0A04FC94B}">
-              <ma14:wrappingTextBoxFlag xmlns="" xmlns:m="http://schemas.openxmlformats.org/officeDocument/2006/math" xmlns:a14="http://schemas.microsoft.com/office/drawing/2010/main" xmlns:ma14="http://schemas.microsoft.com/office/mac/drawingml/2011/main" val="1"/>
+              <ma14:wrappingTextBoxFlag xmlns:ma14="http://schemas.microsoft.com/office/mac/drawingml/2011/main" xmlns:a14="http://schemas.microsoft.com/office/drawing/2010/main" xmlns:m="http://schemas.openxmlformats.org/officeDocument/2006/math" xmlns="" val="1"/>
             </a:ext>
           </a:extLst>
         </p:spPr>
@@ -5429,7 +5429,7 @@
           </a:ln>
           <a:extLst>
             <a:ext uri="{C572A759-6A51-4108-AA02-DFA0A04FC94B}">
-              <ma14:wrappingTextBoxFlag xmlns="" xmlns:m="http://schemas.openxmlformats.org/officeDocument/2006/math" xmlns:a14="http://schemas.microsoft.com/office/drawing/2010/main" xmlns:ma14="http://schemas.microsoft.com/office/mac/drawingml/2011/main" val="1"/>
+              <ma14:wrappingTextBoxFlag xmlns:ma14="http://schemas.microsoft.com/office/mac/drawingml/2011/main" xmlns:a14="http://schemas.microsoft.com/office/drawing/2010/main" xmlns:m="http://schemas.openxmlformats.org/officeDocument/2006/math" xmlns="" val="1"/>
             </a:ext>
           </a:extLst>
         </p:spPr>
@@ -5481,7 +5481,7 @@
           </a:ln>
           <a:extLst>
             <a:ext uri="{C572A759-6A51-4108-AA02-DFA0A04FC94B}">
-              <ma14:wrappingTextBoxFlag xmlns="" xmlns:m="http://schemas.openxmlformats.org/officeDocument/2006/math" xmlns:a14="http://schemas.microsoft.com/office/drawing/2010/main" xmlns:ma14="http://schemas.microsoft.com/office/mac/drawingml/2011/main" val="1"/>
+              <ma14:wrappingTextBoxFlag xmlns:ma14="http://schemas.microsoft.com/office/mac/drawingml/2011/main" xmlns:a14="http://schemas.microsoft.com/office/drawing/2010/main" xmlns:m="http://schemas.openxmlformats.org/officeDocument/2006/math" xmlns="" val="1"/>
             </a:ext>
           </a:extLst>
         </p:spPr>
@@ -5533,7 +5533,7 @@
           </a:ln>
           <a:extLst>
             <a:ext uri="{C572A759-6A51-4108-AA02-DFA0A04FC94B}">
-              <ma14:wrappingTextBoxFlag xmlns="" xmlns:m="http://schemas.openxmlformats.org/officeDocument/2006/math" xmlns:a14="http://schemas.microsoft.com/office/drawing/2010/main" xmlns:ma14="http://schemas.microsoft.com/office/mac/drawingml/2011/main" val="1"/>
+              <ma14:wrappingTextBoxFlag xmlns:ma14="http://schemas.microsoft.com/office/mac/drawingml/2011/main" xmlns:a14="http://schemas.microsoft.com/office/drawing/2010/main" xmlns:m="http://schemas.openxmlformats.org/officeDocument/2006/math" xmlns="" val="1"/>
             </a:ext>
           </a:extLst>
         </p:spPr>
@@ -5560,7 +5560,7 @@
           <a:p>
             <a:r>
               <a:rPr lang="nl-NL"/>
-              <a:t> {{CLUB_2023/2024}} (2023/2024)</a:t>
+              <a:t>{{CLUB_2023/2024}} (2023/2024)</a:t>
             </a:r>
           </a:p>
         </p:txBody>
@@ -5584,7 +5584,7 @@
           </a:ln>
           <a:extLst>
             <a:ext uri="{C572A759-6A51-4108-AA02-DFA0A04FC94B}">
-              <ma14:wrappingTextBoxFlag xmlns="" xmlns:m="http://schemas.openxmlformats.org/officeDocument/2006/math" xmlns:a14="http://schemas.microsoft.com/office/drawing/2010/main" xmlns:ma14="http://schemas.microsoft.com/office/mac/drawingml/2011/main" val="1"/>
+              <ma14:wrappingTextBoxFlag xmlns:ma14="http://schemas.microsoft.com/office/mac/drawingml/2011/main" xmlns:a14="http://schemas.microsoft.com/office/drawing/2010/main" xmlns:m="http://schemas.openxmlformats.org/officeDocument/2006/math" xmlns="" val="1"/>
             </a:ext>
           </a:extLst>
         </p:spPr>
@@ -5713,7 +5713,7 @@
           </a:ln>
           <a:extLst>
             <a:ext uri="{C572A759-6A51-4108-AA02-DFA0A04FC94B}">
-              <ma14:wrappingTextBoxFlag xmlns="" xmlns:m="http://schemas.openxmlformats.org/officeDocument/2006/math" xmlns:a14="http://schemas.microsoft.com/office/drawing/2010/main" xmlns:ma14="http://schemas.microsoft.com/office/mac/drawingml/2011/main" val="1"/>
+              <ma14:wrappingTextBoxFlag xmlns:ma14="http://schemas.microsoft.com/office/mac/drawingml/2011/main" xmlns:a14="http://schemas.microsoft.com/office/drawing/2010/main" xmlns:m="http://schemas.openxmlformats.org/officeDocument/2006/math" xmlns="" val="1"/>
             </a:ext>
           </a:extLst>
         </p:spPr>
@@ -5761,7 +5761,7 @@
           </a:ln>
           <a:extLst>
             <a:ext uri="{C572A759-6A51-4108-AA02-DFA0A04FC94B}">
-              <ma14:wrappingTextBoxFlag xmlns="" xmlns:m="http://schemas.openxmlformats.org/officeDocument/2006/math" xmlns:a14="http://schemas.microsoft.com/office/drawing/2010/main" xmlns:ma14="http://schemas.microsoft.com/office/mac/drawingml/2011/main" val="1"/>
+              <ma14:wrappingTextBoxFlag xmlns:ma14="http://schemas.microsoft.com/office/mac/drawingml/2011/main" xmlns:a14="http://schemas.microsoft.com/office/drawing/2010/main" xmlns:m="http://schemas.openxmlformats.org/officeDocument/2006/math" xmlns="" val="1"/>
             </a:ext>
           </a:extLst>
         </p:spPr>
@@ -5809,7 +5809,7 @@
           </a:ln>
           <a:extLst>
             <a:ext uri="{C572A759-6A51-4108-AA02-DFA0A04FC94B}">
-              <ma14:wrappingTextBoxFlag xmlns="" xmlns:m="http://schemas.openxmlformats.org/officeDocument/2006/math" xmlns:a14="http://schemas.microsoft.com/office/drawing/2010/main" xmlns:ma14="http://schemas.microsoft.com/office/mac/drawingml/2011/main" val="1"/>
+              <ma14:wrappingTextBoxFlag xmlns:ma14="http://schemas.microsoft.com/office/mac/drawingml/2011/main" xmlns:a14="http://schemas.microsoft.com/office/drawing/2010/main" xmlns:m="http://schemas.openxmlformats.org/officeDocument/2006/math" xmlns="" val="1"/>
             </a:ext>
           </a:extLst>
         </p:spPr>
@@ -5857,7 +5857,7 @@
           </a:ln>
           <a:extLst>
             <a:ext uri="{C572A759-6A51-4108-AA02-DFA0A04FC94B}">
-              <ma14:wrappingTextBoxFlag xmlns="" xmlns:m="http://schemas.openxmlformats.org/officeDocument/2006/math" xmlns:a14="http://schemas.microsoft.com/office/drawing/2010/main" xmlns:ma14="http://schemas.microsoft.com/office/mac/drawingml/2011/main" val="1"/>
+              <ma14:wrappingTextBoxFlag xmlns:ma14="http://schemas.microsoft.com/office/mac/drawingml/2011/main" xmlns:a14="http://schemas.microsoft.com/office/drawing/2010/main" xmlns:m="http://schemas.openxmlformats.org/officeDocument/2006/math" xmlns="" val="1"/>
             </a:ext>
           </a:extLst>
         </p:spPr>
@@ -5905,7 +5905,7 @@
           </a:ln>
           <a:extLst>
             <a:ext uri="{C572A759-6A51-4108-AA02-DFA0A04FC94B}">
-              <ma14:wrappingTextBoxFlag xmlns="" xmlns:m="http://schemas.openxmlformats.org/officeDocument/2006/math" xmlns:a14="http://schemas.microsoft.com/office/drawing/2010/main" xmlns:ma14="http://schemas.microsoft.com/office/mac/drawingml/2011/main" val="1"/>
+              <ma14:wrappingTextBoxFlag xmlns:ma14="http://schemas.microsoft.com/office/mac/drawingml/2011/main" xmlns:a14="http://schemas.microsoft.com/office/drawing/2010/main" xmlns:m="http://schemas.openxmlformats.org/officeDocument/2006/math" xmlns="" val="1"/>
             </a:ext>
           </a:extLst>
         </p:spPr>
@@ -5953,7 +5953,7 @@
           </a:ln>
           <a:extLst>
             <a:ext uri="{C572A759-6A51-4108-AA02-DFA0A04FC94B}">
-              <ma14:wrappingTextBoxFlag xmlns="" xmlns:m="http://schemas.openxmlformats.org/officeDocument/2006/math" xmlns:a14="http://schemas.microsoft.com/office/drawing/2010/main" xmlns:ma14="http://schemas.microsoft.com/office/mac/drawingml/2011/main" val="1"/>
+              <ma14:wrappingTextBoxFlag xmlns:ma14="http://schemas.microsoft.com/office/mac/drawingml/2011/main" xmlns:a14="http://schemas.microsoft.com/office/drawing/2010/main" xmlns:m="http://schemas.openxmlformats.org/officeDocument/2006/math" xmlns="" val="1"/>
             </a:ext>
           </a:extLst>
         </p:spPr>
@@ -6001,7 +6001,7 @@
           </a:ln>
           <a:extLst>
             <a:ext uri="{C572A759-6A51-4108-AA02-DFA0A04FC94B}">
-              <ma14:wrappingTextBoxFlag xmlns="" xmlns:m="http://schemas.openxmlformats.org/officeDocument/2006/math" xmlns:a14="http://schemas.microsoft.com/office/drawing/2010/main" xmlns:ma14="http://schemas.microsoft.com/office/mac/drawingml/2011/main" val="1"/>
+              <ma14:wrappingTextBoxFlag xmlns:ma14="http://schemas.microsoft.com/office/mac/drawingml/2011/main" xmlns:a14="http://schemas.microsoft.com/office/drawing/2010/main" xmlns:m="http://schemas.openxmlformats.org/officeDocument/2006/math" xmlns="" val="1"/>
             </a:ext>
           </a:extLst>
         </p:spPr>
@@ -6049,7 +6049,7 @@
           </a:ln>
           <a:extLst>
             <a:ext uri="{C572A759-6A51-4108-AA02-DFA0A04FC94B}">
-              <ma14:wrappingTextBoxFlag xmlns="" xmlns:m="http://schemas.openxmlformats.org/officeDocument/2006/math" xmlns:a14="http://schemas.microsoft.com/office/drawing/2010/main" xmlns:ma14="http://schemas.microsoft.com/office/mac/drawingml/2011/main" val="1"/>
+              <ma14:wrappingTextBoxFlag xmlns:ma14="http://schemas.microsoft.com/office/mac/drawingml/2011/main" xmlns:a14="http://schemas.microsoft.com/office/drawing/2010/main" xmlns:m="http://schemas.openxmlformats.org/officeDocument/2006/math" xmlns="" val="1"/>
             </a:ext>
           </a:extLst>
         </p:spPr>
@@ -6097,7 +6097,7 @@
           </a:ln>
           <a:extLst>
             <a:ext uri="{C572A759-6A51-4108-AA02-DFA0A04FC94B}">
-              <ma14:wrappingTextBoxFlag xmlns="" xmlns:m="http://schemas.openxmlformats.org/officeDocument/2006/math" xmlns:a14="http://schemas.microsoft.com/office/drawing/2010/main" xmlns:ma14="http://schemas.microsoft.com/office/mac/drawingml/2011/main" val="1"/>
+              <ma14:wrappingTextBoxFlag xmlns:ma14="http://schemas.microsoft.com/office/mac/drawingml/2011/main" xmlns:a14="http://schemas.microsoft.com/office/drawing/2010/main" xmlns:m="http://schemas.openxmlformats.org/officeDocument/2006/math" xmlns="" val="1"/>
             </a:ext>
           </a:extLst>
         </p:spPr>
@@ -6145,7 +6145,7 @@
           </a:ln>
           <a:extLst>
             <a:ext uri="{C572A759-6A51-4108-AA02-DFA0A04FC94B}">
-              <ma14:wrappingTextBoxFlag xmlns="" xmlns:m="http://schemas.openxmlformats.org/officeDocument/2006/math" xmlns:a14="http://schemas.microsoft.com/office/drawing/2010/main" xmlns:ma14="http://schemas.microsoft.com/office/mac/drawingml/2011/main" val="1"/>
+              <ma14:wrappingTextBoxFlag xmlns:ma14="http://schemas.microsoft.com/office/mac/drawingml/2011/main" xmlns:a14="http://schemas.microsoft.com/office/drawing/2010/main" xmlns:m="http://schemas.openxmlformats.org/officeDocument/2006/math" xmlns="" val="1"/>
             </a:ext>
           </a:extLst>
         </p:spPr>
@@ -6193,7 +6193,7 @@
           </a:ln>
           <a:extLst>
             <a:ext uri="{C572A759-6A51-4108-AA02-DFA0A04FC94B}">
-              <ma14:wrappingTextBoxFlag xmlns="" xmlns:m="http://schemas.openxmlformats.org/officeDocument/2006/math" xmlns:a14="http://schemas.microsoft.com/office/drawing/2010/main" xmlns:ma14="http://schemas.microsoft.com/office/mac/drawingml/2011/main" val="1"/>
+              <ma14:wrappingTextBoxFlag xmlns:ma14="http://schemas.microsoft.com/office/mac/drawingml/2011/main" xmlns:a14="http://schemas.microsoft.com/office/drawing/2010/main" xmlns:m="http://schemas.openxmlformats.org/officeDocument/2006/math" xmlns="" val="1"/>
             </a:ext>
           </a:extLst>
         </p:spPr>
@@ -6235,7 +6235,7 @@
           </a:ln>
           <a:extLst>
             <a:ext uri="{C572A759-6A51-4108-AA02-DFA0A04FC94B}">
-              <ma14:wrappingTextBoxFlag xmlns="" xmlns:m="http://schemas.openxmlformats.org/officeDocument/2006/math" xmlns:a14="http://schemas.microsoft.com/office/drawing/2010/main" xmlns:ma14="http://schemas.microsoft.com/office/mac/drawingml/2011/main" val="1"/>
+              <ma14:wrappingTextBoxFlag xmlns:ma14="http://schemas.microsoft.com/office/mac/drawingml/2011/main" xmlns:a14="http://schemas.microsoft.com/office/drawing/2010/main" xmlns:m="http://schemas.openxmlformats.org/officeDocument/2006/math" xmlns="" val="1"/>
             </a:ext>
           </a:extLst>
         </p:spPr>
@@ -7458,10 +7458,10 @@
       </p:sp>
       <p:sp>
         <p:nvSpPr>
-          <p:cNvPr id="4" name="Rechthoek">
+          <p:cNvPr id="9" name="Rechthoek">
             <a:extLst>
               <a:ext uri="{FF2B5EF4-FFF2-40B4-BE49-F238E27FC236}">
-                <a16:creationId xmlns:a16="http://schemas.microsoft.com/office/drawing/2014/main" id="{5DC59128-3946-7A3C-5BF2-3C0AC5E116AC}"/>
+                <a16:creationId xmlns:a16="http://schemas.microsoft.com/office/drawing/2014/main" id="{A06A7496-2F9E-232D-D46C-98387FA1F4D7}"/>
               </a:ext>
             </a:extLst>
           </p:cNvPr>
@@ -7470,8 +7470,8 @@
         </p:nvSpPr>
         <p:spPr>
           <a:xfrm>
-            <a:off x="5144150" y="195044"/>
-            <a:ext cx="1036640" cy="1566864"/>
+            <a:off x="5096073" y="142292"/>
+            <a:ext cx="1160445" cy="1672365"/>
           </a:xfrm>
           <a:prstGeom prst="rect">
             <a:avLst/>

--- a/powerpoint template.pptx
+++ b/powerpoint template.pptx
@@ -1045,7 +1045,7 @@
           </a:ln>
           <a:extLst>
             <a:ext uri="{C572A759-6A51-4108-AA02-DFA0A04FC94B}">
-              <ma14:wrappingTextBoxFlag xmlns:ma14="http://schemas.microsoft.com/office/mac/drawingml/2011/main" xmlns:a14="http://schemas.microsoft.com/office/drawing/2010/main" xmlns:m="http://schemas.openxmlformats.org/officeDocument/2006/math" xmlns="" val="1"/>
+              <ma14:wrappingTextBoxFlag xmlns="" xmlns:m="http://schemas.openxmlformats.org/officeDocument/2006/math" xmlns:a14="http://schemas.microsoft.com/office/drawing/2010/main" xmlns:ma14="http://schemas.microsoft.com/office/mac/drawingml/2011/main" val="1"/>
             </a:ext>
           </a:extLst>
         </p:spPr>
@@ -1092,7 +1092,7 @@
           </a:ln>
           <a:extLst>
             <a:ext uri="{C572A759-6A51-4108-AA02-DFA0A04FC94B}">
-              <ma14:wrappingTextBoxFlag xmlns:ma14="http://schemas.microsoft.com/office/mac/drawingml/2011/main" xmlns:a14="http://schemas.microsoft.com/office/drawing/2010/main" xmlns:m="http://schemas.openxmlformats.org/officeDocument/2006/math" xmlns="" val="1"/>
+              <ma14:wrappingTextBoxFlag xmlns="" xmlns:m="http://schemas.openxmlformats.org/officeDocument/2006/math" xmlns:a14="http://schemas.microsoft.com/office/drawing/2010/main" xmlns:ma14="http://schemas.microsoft.com/office/mac/drawingml/2011/main" val="1"/>
             </a:ext>
           </a:extLst>
         </p:spPr>
@@ -1139,7 +1139,7 @@
           </a:ln>
           <a:extLst>
             <a:ext uri="{C572A759-6A51-4108-AA02-DFA0A04FC94B}">
-              <ma14:wrappingTextBoxFlag xmlns:ma14="http://schemas.microsoft.com/office/mac/drawingml/2011/main" xmlns:a14="http://schemas.microsoft.com/office/drawing/2010/main" xmlns:m="http://schemas.openxmlformats.org/officeDocument/2006/math" xmlns="" val="1"/>
+              <ma14:wrappingTextBoxFlag xmlns="" xmlns:m="http://schemas.openxmlformats.org/officeDocument/2006/math" xmlns:a14="http://schemas.microsoft.com/office/drawing/2010/main" xmlns:ma14="http://schemas.microsoft.com/office/mac/drawingml/2011/main" val="1"/>
             </a:ext>
           </a:extLst>
         </p:spPr>
@@ -2620,7 +2620,7 @@
           </a:ln>
           <a:extLst>
             <a:ext uri="{C572A759-6A51-4108-AA02-DFA0A04FC94B}">
-              <ma14:wrappingTextBoxFlag xmlns:ma14="http://schemas.microsoft.com/office/mac/drawingml/2011/main" xmlns:a14="http://schemas.microsoft.com/office/drawing/2010/main" xmlns:m="http://schemas.openxmlformats.org/officeDocument/2006/math" xmlns="" val="1"/>
+              <ma14:wrappingTextBoxFlag xmlns="" xmlns:m="http://schemas.openxmlformats.org/officeDocument/2006/math" xmlns:a14="http://schemas.microsoft.com/office/drawing/2010/main" xmlns:ma14="http://schemas.microsoft.com/office/mac/drawingml/2011/main" val="1"/>
             </a:ext>
           </a:extLst>
         </p:spPr>
@@ -2762,7 +2762,7 @@
           </a:ln>
           <a:extLst>
             <a:ext uri="{C572A759-6A51-4108-AA02-DFA0A04FC94B}">
-              <ma14:wrappingTextBoxFlag xmlns:ma14="http://schemas.microsoft.com/office/mac/drawingml/2011/main" xmlns:a14="http://schemas.microsoft.com/office/drawing/2010/main" xmlns:m="http://schemas.openxmlformats.org/officeDocument/2006/math" xmlns="" val="1"/>
+              <ma14:wrappingTextBoxFlag xmlns="" xmlns:m="http://schemas.openxmlformats.org/officeDocument/2006/math" xmlns:a14="http://schemas.microsoft.com/office/drawing/2010/main" xmlns:ma14="http://schemas.microsoft.com/office/mac/drawingml/2011/main" val="1"/>
             </a:ext>
           </a:extLst>
         </p:spPr>
@@ -2840,7 +2840,7 @@
           </a:ln>
           <a:extLst>
             <a:ext uri="{C572A759-6A51-4108-AA02-DFA0A04FC94B}">
-              <ma14:wrappingTextBoxFlag xmlns:ma14="http://schemas.microsoft.com/office/mac/drawingml/2011/main" xmlns:a14="http://schemas.microsoft.com/office/drawing/2010/main" xmlns:m="http://schemas.openxmlformats.org/officeDocument/2006/math" xmlns="" val="1"/>
+              <ma14:wrappingTextBoxFlag xmlns="" xmlns:m="http://schemas.openxmlformats.org/officeDocument/2006/math" xmlns:a14="http://schemas.microsoft.com/office/drawing/2010/main" xmlns:ma14="http://schemas.microsoft.com/office/mac/drawingml/2011/main" val="1"/>
             </a:ext>
           </a:extLst>
         </p:spPr>
@@ -2887,7 +2887,7 @@
           </a:ln>
           <a:extLst>
             <a:ext uri="{C572A759-6A51-4108-AA02-DFA0A04FC94B}">
-              <ma14:wrappingTextBoxFlag xmlns:ma14="http://schemas.microsoft.com/office/mac/drawingml/2011/main" xmlns:a14="http://schemas.microsoft.com/office/drawing/2010/main" xmlns:m="http://schemas.openxmlformats.org/officeDocument/2006/math" xmlns="" val="1"/>
+              <ma14:wrappingTextBoxFlag xmlns="" xmlns:m="http://schemas.openxmlformats.org/officeDocument/2006/math" xmlns:a14="http://schemas.microsoft.com/office/drawing/2010/main" xmlns:ma14="http://schemas.microsoft.com/office/mac/drawingml/2011/main" val="1"/>
             </a:ext>
           </a:extLst>
         </p:spPr>
@@ -2934,7 +2934,7 @@
           </a:ln>
           <a:extLst>
             <a:ext uri="{C572A759-6A51-4108-AA02-DFA0A04FC94B}">
-              <ma14:wrappingTextBoxFlag xmlns:ma14="http://schemas.microsoft.com/office/mac/drawingml/2011/main" xmlns:a14="http://schemas.microsoft.com/office/drawing/2010/main" xmlns:m="http://schemas.openxmlformats.org/officeDocument/2006/math" xmlns="" val="1"/>
+              <ma14:wrappingTextBoxFlag xmlns="" xmlns:m="http://schemas.openxmlformats.org/officeDocument/2006/math" xmlns:a14="http://schemas.microsoft.com/office/drawing/2010/main" xmlns:ma14="http://schemas.microsoft.com/office/mac/drawingml/2011/main" val="1"/>
             </a:ext>
           </a:extLst>
         </p:spPr>
@@ -2981,7 +2981,7 @@
           </a:ln>
           <a:extLst>
             <a:ext uri="{C572A759-6A51-4108-AA02-DFA0A04FC94B}">
-              <ma14:wrappingTextBoxFlag xmlns:ma14="http://schemas.microsoft.com/office/mac/drawingml/2011/main" xmlns:a14="http://schemas.microsoft.com/office/drawing/2010/main" xmlns:m="http://schemas.openxmlformats.org/officeDocument/2006/math" xmlns="" val="1"/>
+              <ma14:wrappingTextBoxFlag xmlns="" xmlns:m="http://schemas.openxmlformats.org/officeDocument/2006/math" xmlns:a14="http://schemas.microsoft.com/office/drawing/2010/main" xmlns:ma14="http://schemas.microsoft.com/office/mac/drawingml/2011/main" val="1"/>
             </a:ext>
           </a:extLst>
         </p:spPr>
@@ -3028,7 +3028,7 @@
           </a:ln>
           <a:extLst>
             <a:ext uri="{C572A759-6A51-4108-AA02-DFA0A04FC94B}">
-              <ma14:wrappingTextBoxFlag xmlns:ma14="http://schemas.microsoft.com/office/mac/drawingml/2011/main" xmlns:a14="http://schemas.microsoft.com/office/drawing/2010/main" xmlns:m="http://schemas.openxmlformats.org/officeDocument/2006/math" xmlns="" val="1"/>
+              <ma14:wrappingTextBoxFlag xmlns="" xmlns:m="http://schemas.openxmlformats.org/officeDocument/2006/math" xmlns:a14="http://schemas.microsoft.com/office/drawing/2010/main" xmlns:ma14="http://schemas.microsoft.com/office/mac/drawingml/2011/main" val="1"/>
             </a:ext>
           </a:extLst>
         </p:spPr>
@@ -3264,7 +3264,7 @@
           </a:ln>
           <a:extLst>
             <a:ext uri="{C572A759-6A51-4108-AA02-DFA0A04FC94B}">
-              <ma14:wrappingTextBoxFlag xmlns:ma14="http://schemas.microsoft.com/office/mac/drawingml/2011/main" xmlns:a14="http://schemas.microsoft.com/office/drawing/2010/main" xmlns:m="http://schemas.openxmlformats.org/officeDocument/2006/math" xmlns="" val="1"/>
+              <ma14:wrappingTextBoxFlag xmlns="" xmlns:m="http://schemas.openxmlformats.org/officeDocument/2006/math" xmlns:a14="http://schemas.microsoft.com/office/drawing/2010/main" xmlns:ma14="http://schemas.microsoft.com/office/mac/drawingml/2011/main" val="1"/>
             </a:ext>
           </a:extLst>
         </p:spPr>
@@ -3311,7 +3311,7 @@
           </a:ln>
           <a:extLst>
             <a:ext uri="{C572A759-6A51-4108-AA02-DFA0A04FC94B}">
-              <ma14:wrappingTextBoxFlag xmlns:ma14="http://schemas.microsoft.com/office/mac/drawingml/2011/main" xmlns:a14="http://schemas.microsoft.com/office/drawing/2010/main" xmlns:m="http://schemas.openxmlformats.org/officeDocument/2006/math" xmlns="" val="1"/>
+              <ma14:wrappingTextBoxFlag xmlns="" xmlns:m="http://schemas.openxmlformats.org/officeDocument/2006/math" xmlns:a14="http://schemas.microsoft.com/office/drawing/2010/main" xmlns:ma14="http://schemas.microsoft.com/office/mac/drawingml/2011/main" val="1"/>
             </a:ext>
           </a:extLst>
         </p:spPr>
@@ -3503,7 +3503,7 @@
           </a:ln>
           <a:extLst>
             <a:ext uri="{C572A759-6A51-4108-AA02-DFA0A04FC94B}">
-              <ma14:wrappingTextBoxFlag xmlns:ma14="http://schemas.microsoft.com/office/mac/drawingml/2011/main" xmlns:a14="http://schemas.microsoft.com/office/drawing/2010/main" xmlns:m="http://schemas.openxmlformats.org/officeDocument/2006/math" xmlns="" val="1"/>
+              <ma14:wrappingTextBoxFlag xmlns="" xmlns:m="http://schemas.openxmlformats.org/officeDocument/2006/math" xmlns:a14="http://schemas.microsoft.com/office/drawing/2010/main" xmlns:ma14="http://schemas.microsoft.com/office/mac/drawingml/2011/main" val="1"/>
             </a:ext>
           </a:extLst>
         </p:spPr>
@@ -3542,7 +3542,7 @@
           </a:ln>
           <a:extLst>
             <a:ext uri="{C572A759-6A51-4108-AA02-DFA0A04FC94B}">
-              <ma14:wrappingTextBoxFlag xmlns:ma14="http://schemas.microsoft.com/office/mac/drawingml/2011/main" xmlns:a14="http://schemas.microsoft.com/office/drawing/2010/main" xmlns:m="http://schemas.openxmlformats.org/officeDocument/2006/math" xmlns="" val="1"/>
+              <ma14:wrappingTextBoxFlag xmlns="" xmlns:m="http://schemas.openxmlformats.org/officeDocument/2006/math" xmlns:a14="http://schemas.microsoft.com/office/drawing/2010/main" xmlns:ma14="http://schemas.microsoft.com/office/mac/drawingml/2011/main" val="1"/>
             </a:ext>
           </a:extLst>
         </p:spPr>
@@ -4552,7 +4552,7 @@
           </a:ln>
           <a:extLst>
             <a:ext uri="{C572A759-6A51-4108-AA02-DFA0A04FC94B}">
-              <ma14:wrappingTextBoxFlag xmlns:ma14="http://schemas.microsoft.com/office/mac/drawingml/2011/main" xmlns:a14="http://schemas.microsoft.com/office/drawing/2010/main" xmlns:m="http://schemas.openxmlformats.org/officeDocument/2006/math" xmlns="" val="1"/>
+              <ma14:wrappingTextBoxFlag xmlns="" xmlns:m="http://schemas.openxmlformats.org/officeDocument/2006/math" xmlns:a14="http://schemas.microsoft.com/office/drawing/2010/main" xmlns:ma14="http://schemas.microsoft.com/office/mac/drawingml/2011/main" val="1"/>
             </a:ext>
           </a:extLst>
         </p:spPr>
@@ -4723,7 +4723,7 @@
           </a:ln>
           <a:extLst>
             <a:ext uri="{C572A759-6A51-4108-AA02-DFA0A04FC94B}">
-              <ma14:wrappingTextBoxFlag xmlns:ma14="http://schemas.microsoft.com/office/mac/drawingml/2011/main" xmlns:a14="http://schemas.microsoft.com/office/drawing/2010/main" xmlns:m="http://schemas.openxmlformats.org/officeDocument/2006/math" xmlns="" val="1"/>
+              <ma14:wrappingTextBoxFlag xmlns="" xmlns:m="http://schemas.openxmlformats.org/officeDocument/2006/math" xmlns:a14="http://schemas.microsoft.com/office/drawing/2010/main" xmlns:ma14="http://schemas.microsoft.com/office/mac/drawingml/2011/main" val="1"/>
             </a:ext>
           </a:extLst>
         </p:spPr>
@@ -4770,7 +4770,7 @@
           </a:ln>
           <a:extLst>
             <a:ext uri="{C572A759-6A51-4108-AA02-DFA0A04FC94B}">
-              <ma14:wrappingTextBoxFlag xmlns:ma14="http://schemas.microsoft.com/office/mac/drawingml/2011/main" xmlns:a14="http://schemas.microsoft.com/office/drawing/2010/main" xmlns:m="http://schemas.openxmlformats.org/officeDocument/2006/math" xmlns="" val="1"/>
+              <ma14:wrappingTextBoxFlag xmlns="" xmlns:m="http://schemas.openxmlformats.org/officeDocument/2006/math" xmlns:a14="http://schemas.microsoft.com/office/drawing/2010/main" xmlns:ma14="http://schemas.microsoft.com/office/mac/drawingml/2011/main" val="1"/>
             </a:ext>
           </a:extLst>
         </p:spPr>
@@ -4817,7 +4817,7 @@
           </a:ln>
           <a:extLst>
             <a:ext uri="{C572A759-6A51-4108-AA02-DFA0A04FC94B}">
-              <ma14:wrappingTextBoxFlag xmlns:ma14="http://schemas.microsoft.com/office/mac/drawingml/2011/main" xmlns:a14="http://schemas.microsoft.com/office/drawing/2010/main" xmlns:m="http://schemas.openxmlformats.org/officeDocument/2006/math" xmlns="" val="1"/>
+              <ma14:wrappingTextBoxFlag xmlns="" xmlns:m="http://schemas.openxmlformats.org/officeDocument/2006/math" xmlns:a14="http://schemas.microsoft.com/office/drawing/2010/main" xmlns:ma14="http://schemas.microsoft.com/office/mac/drawingml/2011/main" val="1"/>
             </a:ext>
           </a:extLst>
         </p:spPr>
@@ -4864,7 +4864,7 @@
           </a:ln>
           <a:extLst>
             <a:ext uri="{C572A759-6A51-4108-AA02-DFA0A04FC94B}">
-              <ma14:wrappingTextBoxFlag xmlns:ma14="http://schemas.microsoft.com/office/mac/drawingml/2011/main" xmlns:a14="http://schemas.microsoft.com/office/drawing/2010/main" xmlns:m="http://schemas.openxmlformats.org/officeDocument/2006/math" xmlns="" val="1"/>
+              <ma14:wrappingTextBoxFlag xmlns="" xmlns:m="http://schemas.openxmlformats.org/officeDocument/2006/math" xmlns:a14="http://schemas.microsoft.com/office/drawing/2010/main" xmlns:ma14="http://schemas.microsoft.com/office/mac/drawingml/2011/main" val="1"/>
             </a:ext>
           </a:extLst>
         </p:spPr>
@@ -4911,7 +4911,7 @@
           </a:ln>
           <a:extLst>
             <a:ext uri="{C572A759-6A51-4108-AA02-DFA0A04FC94B}">
-              <ma14:wrappingTextBoxFlag xmlns:ma14="http://schemas.microsoft.com/office/mac/drawingml/2011/main" xmlns:a14="http://schemas.microsoft.com/office/drawing/2010/main" xmlns:m="http://schemas.openxmlformats.org/officeDocument/2006/math" xmlns="" val="1"/>
+              <ma14:wrappingTextBoxFlag xmlns="" xmlns:m="http://schemas.openxmlformats.org/officeDocument/2006/math" xmlns:a14="http://schemas.microsoft.com/office/drawing/2010/main" xmlns:ma14="http://schemas.microsoft.com/office/mac/drawingml/2011/main" val="1"/>
             </a:ext>
           </a:extLst>
         </p:spPr>
@@ -4947,8 +4947,8 @@
         </p:nvSpPr>
         <p:spPr>
           <a:xfrm>
-            <a:off x="1644119" y="1569600"/>
-            <a:ext cx="1318629" cy="1384995"/>
+            <a:off x="1644120" y="1569600"/>
+            <a:ext cx="1784880" cy="1384995"/>
           </a:xfrm>
           <a:prstGeom prst="rect">
             <a:avLst/>
@@ -4958,12 +4958,12 @@
           </a:ln>
           <a:extLst>
             <a:ext uri="{C572A759-6A51-4108-AA02-DFA0A04FC94B}">
-              <ma14:wrappingTextBoxFlag xmlns:ma14="http://schemas.microsoft.com/office/mac/drawingml/2011/main" xmlns:a14="http://schemas.microsoft.com/office/drawing/2010/main" xmlns:m="http://schemas.openxmlformats.org/officeDocument/2006/math" xmlns="" val="1"/>
+              <ma14:wrappingTextBoxFlag xmlns="" xmlns:m="http://schemas.openxmlformats.org/officeDocument/2006/math" xmlns:a14="http://schemas.microsoft.com/office/drawing/2010/main" xmlns:ma14="http://schemas.microsoft.com/office/mac/drawingml/2011/main" val="1"/>
             </a:ext>
           </a:extLst>
         </p:spPr>
         <p:txBody>
-          <a:bodyPr wrap="none" lIns="45719" rIns="45719">
+          <a:bodyPr wrap="square" lIns="45719" rIns="45719">
             <a:spAutoFit/>
           </a:bodyPr>
           <a:lstStyle/>
@@ -5120,7 +5120,7 @@
         <p:spPr>
           <a:xfrm>
             <a:off x="5092080" y="2549964"/>
-            <a:ext cx="1621596" cy="646331"/>
+            <a:ext cx="1720200" cy="646331"/>
           </a:xfrm>
           <a:prstGeom prst="rect">
             <a:avLst/>
@@ -5130,12 +5130,12 @@
           </a:ln>
           <a:extLst>
             <a:ext uri="{C572A759-6A51-4108-AA02-DFA0A04FC94B}">
-              <ma14:wrappingTextBoxFlag xmlns:ma14="http://schemas.microsoft.com/office/mac/drawingml/2011/main" xmlns:a14="http://schemas.microsoft.com/office/drawing/2010/main" xmlns:m="http://schemas.openxmlformats.org/officeDocument/2006/math" xmlns="" val="1"/>
+              <ma14:wrappingTextBoxFlag xmlns="" xmlns:m="http://schemas.openxmlformats.org/officeDocument/2006/math" xmlns:a14="http://schemas.microsoft.com/office/drawing/2010/main" xmlns:ma14="http://schemas.microsoft.com/office/mac/drawingml/2011/main" val="1"/>
             </a:ext>
           </a:extLst>
         </p:spPr>
         <p:txBody>
-          <a:bodyPr wrap="none" lIns="45719" rIns="45719">
+          <a:bodyPr wrap="square" lIns="45719" rIns="45719">
             <a:spAutoFit/>
           </a:bodyPr>
           <a:lstStyle/>
@@ -5223,7 +5223,7 @@
           </a:ln>
           <a:extLst>
             <a:ext uri="{C572A759-6A51-4108-AA02-DFA0A04FC94B}">
-              <ma14:wrappingTextBoxFlag xmlns:ma14="http://schemas.microsoft.com/office/mac/drawingml/2011/main" xmlns:a14="http://schemas.microsoft.com/office/drawing/2010/main" xmlns:m="http://schemas.openxmlformats.org/officeDocument/2006/math" xmlns="" val="1"/>
+              <ma14:wrappingTextBoxFlag xmlns="" xmlns:m="http://schemas.openxmlformats.org/officeDocument/2006/math" xmlns:a14="http://schemas.microsoft.com/office/drawing/2010/main" xmlns:ma14="http://schemas.microsoft.com/office/mac/drawingml/2011/main" val="1"/>
             </a:ext>
           </a:extLst>
         </p:spPr>
@@ -5273,7 +5273,7 @@
           </a:ln>
           <a:extLst>
             <a:ext uri="{C572A759-6A51-4108-AA02-DFA0A04FC94B}">
-              <ma14:wrappingTextBoxFlag xmlns:ma14="http://schemas.microsoft.com/office/mac/drawingml/2011/main" xmlns:a14="http://schemas.microsoft.com/office/drawing/2010/main" xmlns:m="http://schemas.openxmlformats.org/officeDocument/2006/math" xmlns="" val="1"/>
+              <ma14:wrappingTextBoxFlag xmlns="" xmlns:m="http://schemas.openxmlformats.org/officeDocument/2006/math" xmlns:a14="http://schemas.microsoft.com/office/drawing/2010/main" xmlns:ma14="http://schemas.microsoft.com/office/mac/drawingml/2011/main" val="1"/>
             </a:ext>
           </a:extLst>
         </p:spPr>
@@ -5325,7 +5325,7 @@
           </a:ln>
           <a:extLst>
             <a:ext uri="{C572A759-6A51-4108-AA02-DFA0A04FC94B}">
-              <ma14:wrappingTextBoxFlag xmlns:ma14="http://schemas.microsoft.com/office/mac/drawingml/2011/main" xmlns:a14="http://schemas.microsoft.com/office/drawing/2010/main" xmlns:m="http://schemas.openxmlformats.org/officeDocument/2006/math" xmlns="" val="1"/>
+              <ma14:wrappingTextBoxFlag xmlns="" xmlns:m="http://schemas.openxmlformats.org/officeDocument/2006/math" xmlns:a14="http://schemas.microsoft.com/office/drawing/2010/main" xmlns:ma14="http://schemas.microsoft.com/office/mac/drawingml/2011/main" val="1"/>
             </a:ext>
           </a:extLst>
         </p:spPr>
@@ -5377,7 +5377,7 @@
           </a:ln>
           <a:extLst>
             <a:ext uri="{C572A759-6A51-4108-AA02-DFA0A04FC94B}">
-              <ma14:wrappingTextBoxFlag xmlns:ma14="http://schemas.microsoft.com/office/mac/drawingml/2011/main" xmlns:a14="http://schemas.microsoft.com/office/drawing/2010/main" xmlns:m="http://schemas.openxmlformats.org/officeDocument/2006/math" xmlns="" val="1"/>
+              <ma14:wrappingTextBoxFlag xmlns="" xmlns:m="http://schemas.openxmlformats.org/officeDocument/2006/math" xmlns:a14="http://schemas.microsoft.com/office/drawing/2010/main" xmlns:ma14="http://schemas.microsoft.com/office/mac/drawingml/2011/main" val="1"/>
             </a:ext>
           </a:extLst>
         </p:spPr>
@@ -5429,7 +5429,7 @@
           </a:ln>
           <a:extLst>
             <a:ext uri="{C572A759-6A51-4108-AA02-DFA0A04FC94B}">
-              <ma14:wrappingTextBoxFlag xmlns:ma14="http://schemas.microsoft.com/office/mac/drawingml/2011/main" xmlns:a14="http://schemas.microsoft.com/office/drawing/2010/main" xmlns:m="http://schemas.openxmlformats.org/officeDocument/2006/math" xmlns="" val="1"/>
+              <ma14:wrappingTextBoxFlag xmlns="" xmlns:m="http://schemas.openxmlformats.org/officeDocument/2006/math" xmlns:a14="http://schemas.microsoft.com/office/drawing/2010/main" xmlns:ma14="http://schemas.microsoft.com/office/mac/drawingml/2011/main" val="1"/>
             </a:ext>
           </a:extLst>
         </p:spPr>
@@ -5481,7 +5481,7 @@
           </a:ln>
           <a:extLst>
             <a:ext uri="{C572A759-6A51-4108-AA02-DFA0A04FC94B}">
-              <ma14:wrappingTextBoxFlag xmlns:ma14="http://schemas.microsoft.com/office/mac/drawingml/2011/main" xmlns:a14="http://schemas.microsoft.com/office/drawing/2010/main" xmlns:m="http://schemas.openxmlformats.org/officeDocument/2006/math" xmlns="" val="1"/>
+              <ma14:wrappingTextBoxFlag xmlns="" xmlns:m="http://schemas.openxmlformats.org/officeDocument/2006/math" xmlns:a14="http://schemas.microsoft.com/office/drawing/2010/main" xmlns:ma14="http://schemas.microsoft.com/office/mac/drawingml/2011/main" val="1"/>
             </a:ext>
           </a:extLst>
         </p:spPr>
@@ -5533,7 +5533,7 @@
           </a:ln>
           <a:extLst>
             <a:ext uri="{C572A759-6A51-4108-AA02-DFA0A04FC94B}">
-              <ma14:wrappingTextBoxFlag xmlns:ma14="http://schemas.microsoft.com/office/mac/drawingml/2011/main" xmlns:a14="http://schemas.microsoft.com/office/drawing/2010/main" xmlns:m="http://schemas.openxmlformats.org/officeDocument/2006/math" xmlns="" val="1"/>
+              <ma14:wrappingTextBoxFlag xmlns="" xmlns:m="http://schemas.openxmlformats.org/officeDocument/2006/math" xmlns:a14="http://schemas.microsoft.com/office/drawing/2010/main" xmlns:ma14="http://schemas.microsoft.com/office/mac/drawingml/2011/main" val="1"/>
             </a:ext>
           </a:extLst>
         </p:spPr>
@@ -5574,7 +5574,7 @@
         <p:spPr>
           <a:xfrm>
             <a:off x="300173" y="1081666"/>
-            <a:ext cx="1780937" cy="252377"/>
+            <a:ext cx="3034310" cy="252377"/>
           </a:xfrm>
           <a:prstGeom prst="rect">
             <a:avLst/>
@@ -5584,12 +5584,12 @@
           </a:ln>
           <a:extLst>
             <a:ext uri="{C572A759-6A51-4108-AA02-DFA0A04FC94B}">
-              <ma14:wrappingTextBoxFlag xmlns:ma14="http://schemas.microsoft.com/office/mac/drawingml/2011/main" xmlns:a14="http://schemas.microsoft.com/office/drawing/2010/main" xmlns:m="http://schemas.openxmlformats.org/officeDocument/2006/math" xmlns="" val="1"/>
+              <ma14:wrappingTextBoxFlag xmlns="" xmlns:m="http://schemas.openxmlformats.org/officeDocument/2006/math" xmlns:a14="http://schemas.microsoft.com/office/drawing/2010/main" xmlns:ma14="http://schemas.microsoft.com/office/mac/drawingml/2011/main" val="1"/>
             </a:ext>
           </a:extLst>
         </p:spPr>
         <p:txBody>
-          <a:bodyPr wrap="none" lIns="0" tIns="0" rIns="0" bIns="0" anchor="ctr">
+          <a:bodyPr wrap="square" lIns="0" tIns="0" rIns="0" bIns="0" anchor="ctr">
             <a:spAutoFit/>
           </a:bodyPr>
           <a:lstStyle>
@@ -5713,7 +5713,7 @@
           </a:ln>
           <a:extLst>
             <a:ext uri="{C572A759-6A51-4108-AA02-DFA0A04FC94B}">
-              <ma14:wrappingTextBoxFlag xmlns:ma14="http://schemas.microsoft.com/office/mac/drawingml/2011/main" xmlns:a14="http://schemas.microsoft.com/office/drawing/2010/main" xmlns:m="http://schemas.openxmlformats.org/officeDocument/2006/math" xmlns="" val="1"/>
+              <ma14:wrappingTextBoxFlag xmlns="" xmlns:m="http://schemas.openxmlformats.org/officeDocument/2006/math" xmlns:a14="http://schemas.microsoft.com/office/drawing/2010/main" xmlns:ma14="http://schemas.microsoft.com/office/mac/drawingml/2011/main" val="1"/>
             </a:ext>
           </a:extLst>
         </p:spPr>
@@ -5761,7 +5761,7 @@
           </a:ln>
           <a:extLst>
             <a:ext uri="{C572A759-6A51-4108-AA02-DFA0A04FC94B}">
-              <ma14:wrappingTextBoxFlag xmlns:ma14="http://schemas.microsoft.com/office/mac/drawingml/2011/main" xmlns:a14="http://schemas.microsoft.com/office/drawing/2010/main" xmlns:m="http://schemas.openxmlformats.org/officeDocument/2006/math" xmlns="" val="1"/>
+              <ma14:wrappingTextBoxFlag xmlns="" xmlns:m="http://schemas.openxmlformats.org/officeDocument/2006/math" xmlns:a14="http://schemas.microsoft.com/office/drawing/2010/main" xmlns:ma14="http://schemas.microsoft.com/office/mac/drawingml/2011/main" val="1"/>
             </a:ext>
           </a:extLst>
         </p:spPr>
@@ -5809,7 +5809,7 @@
           </a:ln>
           <a:extLst>
             <a:ext uri="{C572A759-6A51-4108-AA02-DFA0A04FC94B}">
-              <ma14:wrappingTextBoxFlag xmlns:ma14="http://schemas.microsoft.com/office/mac/drawingml/2011/main" xmlns:a14="http://schemas.microsoft.com/office/drawing/2010/main" xmlns:m="http://schemas.openxmlformats.org/officeDocument/2006/math" xmlns="" val="1"/>
+              <ma14:wrappingTextBoxFlag xmlns="" xmlns:m="http://schemas.openxmlformats.org/officeDocument/2006/math" xmlns:a14="http://schemas.microsoft.com/office/drawing/2010/main" xmlns:ma14="http://schemas.microsoft.com/office/mac/drawingml/2011/main" val="1"/>
             </a:ext>
           </a:extLst>
         </p:spPr>
@@ -5857,7 +5857,7 @@
           </a:ln>
           <a:extLst>
             <a:ext uri="{C572A759-6A51-4108-AA02-DFA0A04FC94B}">
-              <ma14:wrappingTextBoxFlag xmlns:ma14="http://schemas.microsoft.com/office/mac/drawingml/2011/main" xmlns:a14="http://schemas.microsoft.com/office/drawing/2010/main" xmlns:m="http://schemas.openxmlformats.org/officeDocument/2006/math" xmlns="" val="1"/>
+              <ma14:wrappingTextBoxFlag xmlns="" xmlns:m="http://schemas.openxmlformats.org/officeDocument/2006/math" xmlns:a14="http://schemas.microsoft.com/office/drawing/2010/main" xmlns:ma14="http://schemas.microsoft.com/office/mac/drawingml/2011/main" val="1"/>
             </a:ext>
           </a:extLst>
         </p:spPr>
@@ -5905,7 +5905,7 @@
           </a:ln>
           <a:extLst>
             <a:ext uri="{C572A759-6A51-4108-AA02-DFA0A04FC94B}">
-              <ma14:wrappingTextBoxFlag xmlns:ma14="http://schemas.microsoft.com/office/mac/drawingml/2011/main" xmlns:a14="http://schemas.microsoft.com/office/drawing/2010/main" xmlns:m="http://schemas.openxmlformats.org/officeDocument/2006/math" xmlns="" val="1"/>
+              <ma14:wrappingTextBoxFlag xmlns="" xmlns:m="http://schemas.openxmlformats.org/officeDocument/2006/math" xmlns:a14="http://schemas.microsoft.com/office/drawing/2010/main" xmlns:ma14="http://schemas.microsoft.com/office/mac/drawingml/2011/main" val="1"/>
             </a:ext>
           </a:extLst>
         </p:spPr>
@@ -5953,7 +5953,7 @@
           </a:ln>
           <a:extLst>
             <a:ext uri="{C572A759-6A51-4108-AA02-DFA0A04FC94B}">
-              <ma14:wrappingTextBoxFlag xmlns:ma14="http://schemas.microsoft.com/office/mac/drawingml/2011/main" xmlns:a14="http://schemas.microsoft.com/office/drawing/2010/main" xmlns:m="http://schemas.openxmlformats.org/officeDocument/2006/math" xmlns="" val="1"/>
+              <ma14:wrappingTextBoxFlag xmlns="" xmlns:m="http://schemas.openxmlformats.org/officeDocument/2006/math" xmlns:a14="http://schemas.microsoft.com/office/drawing/2010/main" xmlns:ma14="http://schemas.microsoft.com/office/mac/drawingml/2011/main" val="1"/>
             </a:ext>
           </a:extLst>
         </p:spPr>
@@ -6001,7 +6001,7 @@
           </a:ln>
           <a:extLst>
             <a:ext uri="{C572A759-6A51-4108-AA02-DFA0A04FC94B}">
-              <ma14:wrappingTextBoxFlag xmlns:ma14="http://schemas.microsoft.com/office/mac/drawingml/2011/main" xmlns:a14="http://schemas.microsoft.com/office/drawing/2010/main" xmlns:m="http://schemas.openxmlformats.org/officeDocument/2006/math" xmlns="" val="1"/>
+              <ma14:wrappingTextBoxFlag xmlns="" xmlns:m="http://schemas.openxmlformats.org/officeDocument/2006/math" xmlns:a14="http://schemas.microsoft.com/office/drawing/2010/main" xmlns:ma14="http://schemas.microsoft.com/office/mac/drawingml/2011/main" val="1"/>
             </a:ext>
           </a:extLst>
         </p:spPr>
@@ -6049,7 +6049,7 @@
           </a:ln>
           <a:extLst>
             <a:ext uri="{C572A759-6A51-4108-AA02-DFA0A04FC94B}">
-              <ma14:wrappingTextBoxFlag xmlns:ma14="http://schemas.microsoft.com/office/mac/drawingml/2011/main" xmlns:a14="http://schemas.microsoft.com/office/drawing/2010/main" xmlns:m="http://schemas.openxmlformats.org/officeDocument/2006/math" xmlns="" val="1"/>
+              <ma14:wrappingTextBoxFlag xmlns="" xmlns:m="http://schemas.openxmlformats.org/officeDocument/2006/math" xmlns:a14="http://schemas.microsoft.com/office/drawing/2010/main" xmlns:ma14="http://schemas.microsoft.com/office/mac/drawingml/2011/main" val="1"/>
             </a:ext>
           </a:extLst>
         </p:spPr>
@@ -6097,7 +6097,7 @@
           </a:ln>
           <a:extLst>
             <a:ext uri="{C572A759-6A51-4108-AA02-DFA0A04FC94B}">
-              <ma14:wrappingTextBoxFlag xmlns:ma14="http://schemas.microsoft.com/office/mac/drawingml/2011/main" xmlns:a14="http://schemas.microsoft.com/office/drawing/2010/main" xmlns:m="http://schemas.openxmlformats.org/officeDocument/2006/math" xmlns="" val="1"/>
+              <ma14:wrappingTextBoxFlag xmlns="" xmlns:m="http://schemas.openxmlformats.org/officeDocument/2006/math" xmlns:a14="http://schemas.microsoft.com/office/drawing/2010/main" xmlns:ma14="http://schemas.microsoft.com/office/mac/drawingml/2011/main" val="1"/>
             </a:ext>
           </a:extLst>
         </p:spPr>
@@ -6145,7 +6145,7 @@
           </a:ln>
           <a:extLst>
             <a:ext uri="{C572A759-6A51-4108-AA02-DFA0A04FC94B}">
-              <ma14:wrappingTextBoxFlag xmlns:ma14="http://schemas.microsoft.com/office/mac/drawingml/2011/main" xmlns:a14="http://schemas.microsoft.com/office/drawing/2010/main" xmlns:m="http://schemas.openxmlformats.org/officeDocument/2006/math" xmlns="" val="1"/>
+              <ma14:wrappingTextBoxFlag xmlns="" xmlns:m="http://schemas.openxmlformats.org/officeDocument/2006/math" xmlns:a14="http://schemas.microsoft.com/office/drawing/2010/main" xmlns:ma14="http://schemas.microsoft.com/office/mac/drawingml/2011/main" val="1"/>
             </a:ext>
           </a:extLst>
         </p:spPr>
@@ -6193,7 +6193,7 @@
           </a:ln>
           <a:extLst>
             <a:ext uri="{C572A759-6A51-4108-AA02-DFA0A04FC94B}">
-              <ma14:wrappingTextBoxFlag xmlns:ma14="http://schemas.microsoft.com/office/mac/drawingml/2011/main" xmlns:a14="http://schemas.microsoft.com/office/drawing/2010/main" xmlns:m="http://schemas.openxmlformats.org/officeDocument/2006/math" xmlns="" val="1"/>
+              <ma14:wrappingTextBoxFlag xmlns="" xmlns:m="http://schemas.openxmlformats.org/officeDocument/2006/math" xmlns:a14="http://schemas.microsoft.com/office/drawing/2010/main" xmlns:ma14="http://schemas.microsoft.com/office/mac/drawingml/2011/main" val="1"/>
             </a:ext>
           </a:extLst>
         </p:spPr>
@@ -6235,7 +6235,7 @@
           </a:ln>
           <a:extLst>
             <a:ext uri="{C572A759-6A51-4108-AA02-DFA0A04FC94B}">
-              <ma14:wrappingTextBoxFlag xmlns:ma14="http://schemas.microsoft.com/office/mac/drawingml/2011/main" xmlns:a14="http://schemas.microsoft.com/office/drawing/2010/main" xmlns:m="http://schemas.openxmlformats.org/officeDocument/2006/math" xmlns="" val="1"/>
+              <ma14:wrappingTextBoxFlag xmlns="" xmlns:m="http://schemas.openxmlformats.org/officeDocument/2006/math" xmlns:a14="http://schemas.microsoft.com/office/drawing/2010/main" xmlns:ma14="http://schemas.microsoft.com/office/mac/drawingml/2011/main" val="1"/>
             </a:ext>
           </a:extLst>
         </p:spPr>
@@ -6949,6 +6949,48 @@
       </p:sp>
       <p:sp>
         <p:nvSpPr>
+          <p:cNvPr id="5" name="Rectangle 3">
+            <a:extLst>
+              <a:ext uri="{FF2B5EF4-FFF2-40B4-BE49-F238E27FC236}">
+                <a16:creationId xmlns:a16="http://schemas.microsoft.com/office/drawing/2014/main" id="{E77BFF67-E3DC-DAF9-7053-0AF1A279012C}"/>
+              </a:ext>
+            </a:extLst>
+          </p:cNvPr>
+          <p:cNvSpPr/>
+          <p:nvPr/>
+        </p:nvSpPr>
+        <p:spPr>
+          <a:xfrm>
+            <a:off x="236197" y="6212291"/>
+            <a:ext cx="3035810" cy="3205023"/>
+          </a:xfrm>
+          <a:prstGeom prst="rect">
+            <a:avLst/>
+          </a:prstGeom>
+          <a:solidFill>
+            <a:srgbClr val="FFFFFF"/>
+          </a:solidFill>
+          <a:ln w="12700">
+            <a:miter lim="400000"/>
+          </a:ln>
+          <a:effectLst>
+            <a:outerShdw blurRad="50800" dist="127920" dir="3116579" rotWithShape="0">
+              <a:srgbClr val="000000">
+                <a:alpha val="48426"/>
+              </a:srgbClr>
+            </a:outerShdw>
+          </a:effectLst>
+        </p:spPr>
+        <p:txBody>
+          <a:bodyPr lIns="45718" tIns="45718" rIns="45718" bIns="45718" anchor="ctr"/>
+          <a:lstStyle/>
+          <a:p>
+            <a:endParaRPr/>
+          </a:p>
+        </p:txBody>
+      </p:sp>
+      <p:sp>
+        <p:nvSpPr>
           <p:cNvPr id="8" name="Rectangle 7">
             <a:extLst>
               <a:ext uri="{FF2B5EF4-FFF2-40B4-BE49-F238E27FC236}">
@@ -6961,7 +7003,7 @@
         </p:nvSpPr>
         <p:spPr>
           <a:xfrm>
-            <a:off x="3549714" y="6196418"/>
+            <a:off x="3545973" y="6207770"/>
             <a:ext cx="3099816" cy="3209544"/>
           </a:xfrm>
           <a:prstGeom prst="rect">
@@ -7339,48 +7381,6 @@
       </p:sp>
       <p:sp>
         <p:nvSpPr>
-          <p:cNvPr id="5" name="Rectangle 3">
-            <a:extLst>
-              <a:ext uri="{FF2B5EF4-FFF2-40B4-BE49-F238E27FC236}">
-                <a16:creationId xmlns:a16="http://schemas.microsoft.com/office/drawing/2014/main" id="{E77BFF67-E3DC-DAF9-7053-0AF1A279012C}"/>
-              </a:ext>
-            </a:extLst>
-          </p:cNvPr>
-          <p:cNvSpPr/>
-          <p:nvPr/>
-        </p:nvSpPr>
-        <p:spPr>
-          <a:xfrm>
-            <a:off x="236197" y="6212291"/>
-            <a:ext cx="3035810" cy="3205023"/>
-          </a:xfrm>
-          <a:prstGeom prst="rect">
-            <a:avLst/>
-          </a:prstGeom>
-          <a:solidFill>
-            <a:srgbClr val="FFFFFF"/>
-          </a:solidFill>
-          <a:ln w="12700">
-            <a:miter lim="400000"/>
-          </a:ln>
-          <a:effectLst>
-            <a:outerShdw blurRad="50800" dist="127920" dir="3116579" rotWithShape="0">
-              <a:srgbClr val="000000">
-                <a:alpha val="48426"/>
-              </a:srgbClr>
-            </a:outerShdw>
-          </a:effectLst>
-        </p:spPr>
-        <p:txBody>
-          <a:bodyPr lIns="45718" tIns="45718" rIns="45718" bIns="45718" anchor="ctr"/>
-          <a:lstStyle/>
-          <a:p>
-            <a:endParaRPr/>
-          </a:p>
-        </p:txBody>
-      </p:sp>
-      <p:sp>
-        <p:nvSpPr>
           <p:cNvPr id="7" name="Rectangle 2">
             <a:extLst>
               <a:ext uri="{FF2B5EF4-FFF2-40B4-BE49-F238E27FC236}">
@@ -7393,7 +7393,7 @@
         </p:nvSpPr>
         <p:spPr>
           <a:xfrm>
-            <a:off x="3542112" y="6200939"/>
+            <a:off x="3538371" y="6212291"/>
             <a:ext cx="3099935" cy="3205023"/>
           </a:xfrm>
           <a:prstGeom prst="rect">

--- a/powerpoint template.pptx
+++ b/powerpoint template.pptx
@@ -1045,7 +1045,7 @@
           </a:ln>
           <a:extLst>
             <a:ext uri="{C572A759-6A51-4108-AA02-DFA0A04FC94B}">
-              <ma14:wrappingTextBoxFlag xmlns="" xmlns:m="http://schemas.openxmlformats.org/officeDocument/2006/math" xmlns:a14="http://schemas.microsoft.com/office/drawing/2010/main" xmlns:ma14="http://schemas.microsoft.com/office/mac/drawingml/2011/main" val="1"/>
+              <ma14:wrappingTextBoxFlag xmlns:ma14="http://schemas.microsoft.com/office/mac/drawingml/2011/main" xmlns:a14="http://schemas.microsoft.com/office/drawing/2010/main" xmlns:m="http://schemas.openxmlformats.org/officeDocument/2006/math" xmlns="" val="1"/>
             </a:ext>
           </a:extLst>
         </p:spPr>
@@ -1092,7 +1092,7 @@
           </a:ln>
           <a:extLst>
             <a:ext uri="{C572A759-6A51-4108-AA02-DFA0A04FC94B}">
-              <ma14:wrappingTextBoxFlag xmlns="" xmlns:m="http://schemas.openxmlformats.org/officeDocument/2006/math" xmlns:a14="http://schemas.microsoft.com/office/drawing/2010/main" xmlns:ma14="http://schemas.microsoft.com/office/mac/drawingml/2011/main" val="1"/>
+              <ma14:wrappingTextBoxFlag xmlns:ma14="http://schemas.microsoft.com/office/mac/drawingml/2011/main" xmlns:a14="http://schemas.microsoft.com/office/drawing/2010/main" xmlns:m="http://schemas.openxmlformats.org/officeDocument/2006/math" xmlns="" val="1"/>
             </a:ext>
           </a:extLst>
         </p:spPr>
@@ -1139,7 +1139,7 @@
           </a:ln>
           <a:extLst>
             <a:ext uri="{C572A759-6A51-4108-AA02-DFA0A04FC94B}">
-              <ma14:wrappingTextBoxFlag xmlns="" xmlns:m="http://schemas.openxmlformats.org/officeDocument/2006/math" xmlns:a14="http://schemas.microsoft.com/office/drawing/2010/main" xmlns:ma14="http://schemas.microsoft.com/office/mac/drawingml/2011/main" val="1"/>
+              <ma14:wrappingTextBoxFlag xmlns:ma14="http://schemas.microsoft.com/office/mac/drawingml/2011/main" xmlns:a14="http://schemas.microsoft.com/office/drawing/2010/main" xmlns:m="http://schemas.openxmlformats.org/officeDocument/2006/math" xmlns="" val="1"/>
             </a:ext>
           </a:extLst>
         </p:spPr>
@@ -2620,7 +2620,7 @@
           </a:ln>
           <a:extLst>
             <a:ext uri="{C572A759-6A51-4108-AA02-DFA0A04FC94B}">
-              <ma14:wrappingTextBoxFlag xmlns="" xmlns:m="http://schemas.openxmlformats.org/officeDocument/2006/math" xmlns:a14="http://schemas.microsoft.com/office/drawing/2010/main" xmlns:ma14="http://schemas.microsoft.com/office/mac/drawingml/2011/main" val="1"/>
+              <ma14:wrappingTextBoxFlag xmlns:ma14="http://schemas.microsoft.com/office/mac/drawingml/2011/main" xmlns:a14="http://schemas.microsoft.com/office/drawing/2010/main" xmlns:m="http://schemas.openxmlformats.org/officeDocument/2006/math" xmlns="" val="1"/>
             </a:ext>
           </a:extLst>
         </p:spPr>
@@ -2762,7 +2762,7 @@
           </a:ln>
           <a:extLst>
             <a:ext uri="{C572A759-6A51-4108-AA02-DFA0A04FC94B}">
-              <ma14:wrappingTextBoxFlag xmlns="" xmlns:m="http://schemas.openxmlformats.org/officeDocument/2006/math" xmlns:a14="http://schemas.microsoft.com/office/drawing/2010/main" xmlns:ma14="http://schemas.microsoft.com/office/mac/drawingml/2011/main" val="1"/>
+              <ma14:wrappingTextBoxFlag xmlns:ma14="http://schemas.microsoft.com/office/mac/drawingml/2011/main" xmlns:a14="http://schemas.microsoft.com/office/drawing/2010/main" xmlns:m="http://schemas.openxmlformats.org/officeDocument/2006/math" xmlns="" val="1"/>
             </a:ext>
           </a:extLst>
         </p:spPr>
@@ -2840,7 +2840,7 @@
           </a:ln>
           <a:extLst>
             <a:ext uri="{C572A759-6A51-4108-AA02-DFA0A04FC94B}">
-              <ma14:wrappingTextBoxFlag xmlns="" xmlns:m="http://schemas.openxmlformats.org/officeDocument/2006/math" xmlns:a14="http://schemas.microsoft.com/office/drawing/2010/main" xmlns:ma14="http://schemas.microsoft.com/office/mac/drawingml/2011/main" val="1"/>
+              <ma14:wrappingTextBoxFlag xmlns:ma14="http://schemas.microsoft.com/office/mac/drawingml/2011/main" xmlns:a14="http://schemas.microsoft.com/office/drawing/2010/main" xmlns:m="http://schemas.openxmlformats.org/officeDocument/2006/math" xmlns="" val="1"/>
             </a:ext>
           </a:extLst>
         </p:spPr>
@@ -2887,7 +2887,7 @@
           </a:ln>
           <a:extLst>
             <a:ext uri="{C572A759-6A51-4108-AA02-DFA0A04FC94B}">
-              <ma14:wrappingTextBoxFlag xmlns="" xmlns:m="http://schemas.openxmlformats.org/officeDocument/2006/math" xmlns:a14="http://schemas.microsoft.com/office/drawing/2010/main" xmlns:ma14="http://schemas.microsoft.com/office/mac/drawingml/2011/main" val="1"/>
+              <ma14:wrappingTextBoxFlag xmlns:ma14="http://schemas.microsoft.com/office/mac/drawingml/2011/main" xmlns:a14="http://schemas.microsoft.com/office/drawing/2010/main" xmlns:m="http://schemas.openxmlformats.org/officeDocument/2006/math" xmlns="" val="1"/>
             </a:ext>
           </a:extLst>
         </p:spPr>
@@ -2934,7 +2934,7 @@
           </a:ln>
           <a:extLst>
             <a:ext uri="{C572A759-6A51-4108-AA02-DFA0A04FC94B}">
-              <ma14:wrappingTextBoxFlag xmlns="" xmlns:m="http://schemas.openxmlformats.org/officeDocument/2006/math" xmlns:a14="http://schemas.microsoft.com/office/drawing/2010/main" xmlns:ma14="http://schemas.microsoft.com/office/mac/drawingml/2011/main" val="1"/>
+              <ma14:wrappingTextBoxFlag xmlns:ma14="http://schemas.microsoft.com/office/mac/drawingml/2011/main" xmlns:a14="http://schemas.microsoft.com/office/drawing/2010/main" xmlns:m="http://schemas.openxmlformats.org/officeDocument/2006/math" xmlns="" val="1"/>
             </a:ext>
           </a:extLst>
         </p:spPr>
@@ -2981,7 +2981,7 @@
           </a:ln>
           <a:extLst>
             <a:ext uri="{C572A759-6A51-4108-AA02-DFA0A04FC94B}">
-              <ma14:wrappingTextBoxFlag xmlns="" xmlns:m="http://schemas.openxmlformats.org/officeDocument/2006/math" xmlns:a14="http://schemas.microsoft.com/office/drawing/2010/main" xmlns:ma14="http://schemas.microsoft.com/office/mac/drawingml/2011/main" val="1"/>
+              <ma14:wrappingTextBoxFlag xmlns:ma14="http://schemas.microsoft.com/office/mac/drawingml/2011/main" xmlns:a14="http://schemas.microsoft.com/office/drawing/2010/main" xmlns:m="http://schemas.openxmlformats.org/officeDocument/2006/math" xmlns="" val="1"/>
             </a:ext>
           </a:extLst>
         </p:spPr>
@@ -3028,7 +3028,7 @@
           </a:ln>
           <a:extLst>
             <a:ext uri="{C572A759-6A51-4108-AA02-DFA0A04FC94B}">
-              <ma14:wrappingTextBoxFlag xmlns="" xmlns:m="http://schemas.openxmlformats.org/officeDocument/2006/math" xmlns:a14="http://schemas.microsoft.com/office/drawing/2010/main" xmlns:ma14="http://schemas.microsoft.com/office/mac/drawingml/2011/main" val="1"/>
+              <ma14:wrappingTextBoxFlag xmlns:ma14="http://schemas.microsoft.com/office/mac/drawingml/2011/main" xmlns:a14="http://schemas.microsoft.com/office/drawing/2010/main" xmlns:m="http://schemas.openxmlformats.org/officeDocument/2006/math" xmlns="" val="1"/>
             </a:ext>
           </a:extLst>
         </p:spPr>
@@ -3264,7 +3264,7 @@
           </a:ln>
           <a:extLst>
             <a:ext uri="{C572A759-6A51-4108-AA02-DFA0A04FC94B}">
-              <ma14:wrappingTextBoxFlag xmlns="" xmlns:m="http://schemas.openxmlformats.org/officeDocument/2006/math" xmlns:a14="http://schemas.microsoft.com/office/drawing/2010/main" xmlns:ma14="http://schemas.microsoft.com/office/mac/drawingml/2011/main" val="1"/>
+              <ma14:wrappingTextBoxFlag xmlns:ma14="http://schemas.microsoft.com/office/mac/drawingml/2011/main" xmlns:a14="http://schemas.microsoft.com/office/drawing/2010/main" xmlns:m="http://schemas.openxmlformats.org/officeDocument/2006/math" xmlns="" val="1"/>
             </a:ext>
           </a:extLst>
         </p:spPr>
@@ -3311,7 +3311,7 @@
           </a:ln>
           <a:extLst>
             <a:ext uri="{C572A759-6A51-4108-AA02-DFA0A04FC94B}">
-              <ma14:wrappingTextBoxFlag xmlns="" xmlns:m="http://schemas.openxmlformats.org/officeDocument/2006/math" xmlns:a14="http://schemas.microsoft.com/office/drawing/2010/main" xmlns:ma14="http://schemas.microsoft.com/office/mac/drawingml/2011/main" val="1"/>
+              <ma14:wrappingTextBoxFlag xmlns:ma14="http://schemas.microsoft.com/office/mac/drawingml/2011/main" xmlns:a14="http://schemas.microsoft.com/office/drawing/2010/main" xmlns:m="http://schemas.openxmlformats.org/officeDocument/2006/math" xmlns="" val="1"/>
             </a:ext>
           </a:extLst>
         </p:spPr>
@@ -3503,7 +3503,7 @@
           </a:ln>
           <a:extLst>
             <a:ext uri="{C572A759-6A51-4108-AA02-DFA0A04FC94B}">
-              <ma14:wrappingTextBoxFlag xmlns="" xmlns:m="http://schemas.openxmlformats.org/officeDocument/2006/math" xmlns:a14="http://schemas.microsoft.com/office/drawing/2010/main" xmlns:ma14="http://schemas.microsoft.com/office/mac/drawingml/2011/main" val="1"/>
+              <ma14:wrappingTextBoxFlag xmlns:ma14="http://schemas.microsoft.com/office/mac/drawingml/2011/main" xmlns:a14="http://schemas.microsoft.com/office/drawing/2010/main" xmlns:m="http://schemas.openxmlformats.org/officeDocument/2006/math" xmlns="" val="1"/>
             </a:ext>
           </a:extLst>
         </p:spPr>
@@ -3542,7 +3542,7 @@
           </a:ln>
           <a:extLst>
             <a:ext uri="{C572A759-6A51-4108-AA02-DFA0A04FC94B}">
-              <ma14:wrappingTextBoxFlag xmlns="" xmlns:m="http://schemas.openxmlformats.org/officeDocument/2006/math" xmlns:a14="http://schemas.microsoft.com/office/drawing/2010/main" xmlns:ma14="http://schemas.microsoft.com/office/mac/drawingml/2011/main" val="1"/>
+              <ma14:wrappingTextBoxFlag xmlns:ma14="http://schemas.microsoft.com/office/mac/drawingml/2011/main" xmlns:a14="http://schemas.microsoft.com/office/drawing/2010/main" xmlns:m="http://schemas.openxmlformats.org/officeDocument/2006/math" xmlns="" val="1"/>
             </a:ext>
           </a:extLst>
         </p:spPr>
@@ -4552,7 +4552,7 @@
           </a:ln>
           <a:extLst>
             <a:ext uri="{C572A759-6A51-4108-AA02-DFA0A04FC94B}">
-              <ma14:wrappingTextBoxFlag xmlns="" xmlns:m="http://schemas.openxmlformats.org/officeDocument/2006/math" xmlns:a14="http://schemas.microsoft.com/office/drawing/2010/main" xmlns:ma14="http://schemas.microsoft.com/office/mac/drawingml/2011/main" val="1"/>
+              <ma14:wrappingTextBoxFlag xmlns:ma14="http://schemas.microsoft.com/office/mac/drawingml/2011/main" xmlns:a14="http://schemas.microsoft.com/office/drawing/2010/main" xmlns:m="http://schemas.openxmlformats.org/officeDocument/2006/math" xmlns="" val="1"/>
             </a:ext>
           </a:extLst>
         </p:spPr>
@@ -4723,7 +4723,7 @@
           </a:ln>
           <a:extLst>
             <a:ext uri="{C572A759-6A51-4108-AA02-DFA0A04FC94B}">
-              <ma14:wrappingTextBoxFlag xmlns="" xmlns:m="http://schemas.openxmlformats.org/officeDocument/2006/math" xmlns:a14="http://schemas.microsoft.com/office/drawing/2010/main" xmlns:ma14="http://schemas.microsoft.com/office/mac/drawingml/2011/main" val="1"/>
+              <ma14:wrappingTextBoxFlag xmlns:ma14="http://schemas.microsoft.com/office/mac/drawingml/2011/main" xmlns:a14="http://schemas.microsoft.com/office/drawing/2010/main" xmlns:m="http://schemas.openxmlformats.org/officeDocument/2006/math" xmlns="" val="1"/>
             </a:ext>
           </a:extLst>
         </p:spPr>
@@ -4770,7 +4770,7 @@
           </a:ln>
           <a:extLst>
             <a:ext uri="{C572A759-6A51-4108-AA02-DFA0A04FC94B}">
-              <ma14:wrappingTextBoxFlag xmlns="" xmlns:m="http://schemas.openxmlformats.org/officeDocument/2006/math" xmlns:a14="http://schemas.microsoft.com/office/drawing/2010/main" xmlns:ma14="http://schemas.microsoft.com/office/mac/drawingml/2011/main" val="1"/>
+              <ma14:wrappingTextBoxFlag xmlns:ma14="http://schemas.microsoft.com/office/mac/drawingml/2011/main" xmlns:a14="http://schemas.microsoft.com/office/drawing/2010/main" xmlns:m="http://schemas.openxmlformats.org/officeDocument/2006/math" xmlns="" val="1"/>
             </a:ext>
           </a:extLst>
         </p:spPr>
@@ -4817,7 +4817,7 @@
           </a:ln>
           <a:extLst>
             <a:ext uri="{C572A759-6A51-4108-AA02-DFA0A04FC94B}">
-              <ma14:wrappingTextBoxFlag xmlns="" xmlns:m="http://schemas.openxmlformats.org/officeDocument/2006/math" xmlns:a14="http://schemas.microsoft.com/office/drawing/2010/main" xmlns:ma14="http://schemas.microsoft.com/office/mac/drawingml/2011/main" val="1"/>
+              <ma14:wrappingTextBoxFlag xmlns:ma14="http://schemas.microsoft.com/office/mac/drawingml/2011/main" xmlns:a14="http://schemas.microsoft.com/office/drawing/2010/main" xmlns:m="http://schemas.openxmlformats.org/officeDocument/2006/math" xmlns="" val="1"/>
             </a:ext>
           </a:extLst>
         </p:spPr>
@@ -4864,7 +4864,7 @@
           </a:ln>
           <a:extLst>
             <a:ext uri="{C572A759-6A51-4108-AA02-DFA0A04FC94B}">
-              <ma14:wrappingTextBoxFlag xmlns="" xmlns:m="http://schemas.openxmlformats.org/officeDocument/2006/math" xmlns:a14="http://schemas.microsoft.com/office/drawing/2010/main" xmlns:ma14="http://schemas.microsoft.com/office/mac/drawingml/2011/main" val="1"/>
+              <ma14:wrappingTextBoxFlag xmlns:ma14="http://schemas.microsoft.com/office/mac/drawingml/2011/main" xmlns:a14="http://schemas.microsoft.com/office/drawing/2010/main" xmlns:m="http://schemas.openxmlformats.org/officeDocument/2006/math" xmlns="" val="1"/>
             </a:ext>
           </a:extLst>
         </p:spPr>
@@ -4911,7 +4911,7 @@
           </a:ln>
           <a:extLst>
             <a:ext uri="{C572A759-6A51-4108-AA02-DFA0A04FC94B}">
-              <ma14:wrappingTextBoxFlag xmlns="" xmlns:m="http://schemas.openxmlformats.org/officeDocument/2006/math" xmlns:a14="http://schemas.microsoft.com/office/drawing/2010/main" xmlns:ma14="http://schemas.microsoft.com/office/mac/drawingml/2011/main" val="1"/>
+              <ma14:wrappingTextBoxFlag xmlns:ma14="http://schemas.microsoft.com/office/mac/drawingml/2011/main" xmlns:a14="http://schemas.microsoft.com/office/drawing/2010/main" xmlns:m="http://schemas.openxmlformats.org/officeDocument/2006/math" xmlns="" val="1"/>
             </a:ext>
           </a:extLst>
         </p:spPr>
@@ -4958,7 +4958,7 @@
           </a:ln>
           <a:extLst>
             <a:ext uri="{C572A759-6A51-4108-AA02-DFA0A04FC94B}">
-              <ma14:wrappingTextBoxFlag xmlns="" xmlns:m="http://schemas.openxmlformats.org/officeDocument/2006/math" xmlns:a14="http://schemas.microsoft.com/office/drawing/2010/main" xmlns:ma14="http://schemas.microsoft.com/office/mac/drawingml/2011/main" val="1"/>
+              <ma14:wrappingTextBoxFlag xmlns:ma14="http://schemas.microsoft.com/office/mac/drawingml/2011/main" xmlns:a14="http://schemas.microsoft.com/office/drawing/2010/main" xmlns:m="http://schemas.openxmlformats.org/officeDocument/2006/math" xmlns="" val="1"/>
             </a:ext>
           </a:extLst>
         </p:spPr>
@@ -5130,7 +5130,7 @@
           </a:ln>
           <a:extLst>
             <a:ext uri="{C572A759-6A51-4108-AA02-DFA0A04FC94B}">
-              <ma14:wrappingTextBoxFlag xmlns="" xmlns:m="http://schemas.openxmlformats.org/officeDocument/2006/math" xmlns:a14="http://schemas.microsoft.com/office/drawing/2010/main" xmlns:ma14="http://schemas.microsoft.com/office/mac/drawingml/2011/main" val="1"/>
+              <ma14:wrappingTextBoxFlag xmlns:ma14="http://schemas.microsoft.com/office/mac/drawingml/2011/main" xmlns:a14="http://schemas.microsoft.com/office/drawing/2010/main" xmlns:m="http://schemas.openxmlformats.org/officeDocument/2006/math" xmlns="" val="1"/>
             </a:ext>
           </a:extLst>
         </p:spPr>
@@ -5223,7 +5223,7 @@
           </a:ln>
           <a:extLst>
             <a:ext uri="{C572A759-6A51-4108-AA02-DFA0A04FC94B}">
-              <ma14:wrappingTextBoxFlag xmlns="" xmlns:m="http://schemas.openxmlformats.org/officeDocument/2006/math" xmlns:a14="http://schemas.microsoft.com/office/drawing/2010/main" xmlns:ma14="http://schemas.microsoft.com/office/mac/drawingml/2011/main" val="1"/>
+              <ma14:wrappingTextBoxFlag xmlns:ma14="http://schemas.microsoft.com/office/mac/drawingml/2011/main" xmlns:a14="http://schemas.microsoft.com/office/drawing/2010/main" xmlns:m="http://schemas.openxmlformats.org/officeDocument/2006/math" xmlns="" val="1"/>
             </a:ext>
           </a:extLst>
         </p:spPr>
@@ -5273,7 +5273,7 @@
           </a:ln>
           <a:extLst>
             <a:ext uri="{C572A759-6A51-4108-AA02-DFA0A04FC94B}">
-              <ma14:wrappingTextBoxFlag xmlns="" xmlns:m="http://schemas.openxmlformats.org/officeDocument/2006/math" xmlns:a14="http://schemas.microsoft.com/office/drawing/2010/main" xmlns:ma14="http://schemas.microsoft.com/office/mac/drawingml/2011/main" val="1"/>
+              <ma14:wrappingTextBoxFlag xmlns:ma14="http://schemas.microsoft.com/office/mac/drawingml/2011/main" xmlns:a14="http://schemas.microsoft.com/office/drawing/2010/main" xmlns:m="http://schemas.openxmlformats.org/officeDocument/2006/math" xmlns="" val="1"/>
             </a:ext>
           </a:extLst>
         </p:spPr>
@@ -5325,7 +5325,7 @@
           </a:ln>
           <a:extLst>
             <a:ext uri="{C572A759-6A51-4108-AA02-DFA0A04FC94B}">
-              <ma14:wrappingTextBoxFlag xmlns="" xmlns:m="http://schemas.openxmlformats.org/officeDocument/2006/math" xmlns:a14="http://schemas.microsoft.com/office/drawing/2010/main" xmlns:ma14="http://schemas.microsoft.com/office/mac/drawingml/2011/main" val="1"/>
+              <ma14:wrappingTextBoxFlag xmlns:ma14="http://schemas.microsoft.com/office/mac/drawingml/2011/main" xmlns:a14="http://schemas.microsoft.com/office/drawing/2010/main" xmlns:m="http://schemas.openxmlformats.org/officeDocument/2006/math" xmlns="" val="1"/>
             </a:ext>
           </a:extLst>
         </p:spPr>
@@ -5377,7 +5377,7 @@
           </a:ln>
           <a:extLst>
             <a:ext uri="{C572A759-6A51-4108-AA02-DFA0A04FC94B}">
-              <ma14:wrappingTextBoxFlag xmlns="" xmlns:m="http://schemas.openxmlformats.org/officeDocument/2006/math" xmlns:a14="http://schemas.microsoft.com/office/drawing/2010/main" xmlns:ma14="http://schemas.microsoft.com/office/mac/drawingml/2011/main" val="1"/>
+              <ma14:wrappingTextBoxFlag xmlns:ma14="http://schemas.microsoft.com/office/mac/drawingml/2011/main" xmlns:a14="http://schemas.microsoft.com/office/drawing/2010/main" xmlns:m="http://schemas.openxmlformats.org/officeDocument/2006/math" xmlns="" val="1"/>
             </a:ext>
           </a:extLst>
         </p:spPr>
@@ -5429,7 +5429,7 @@
           </a:ln>
           <a:extLst>
             <a:ext uri="{C572A759-6A51-4108-AA02-DFA0A04FC94B}">
-              <ma14:wrappingTextBoxFlag xmlns="" xmlns:m="http://schemas.openxmlformats.org/officeDocument/2006/math" xmlns:a14="http://schemas.microsoft.com/office/drawing/2010/main" xmlns:ma14="http://schemas.microsoft.com/office/mac/drawingml/2011/main" val="1"/>
+              <ma14:wrappingTextBoxFlag xmlns:ma14="http://schemas.microsoft.com/office/mac/drawingml/2011/main" xmlns:a14="http://schemas.microsoft.com/office/drawing/2010/main" xmlns:m="http://schemas.openxmlformats.org/officeDocument/2006/math" xmlns="" val="1"/>
             </a:ext>
           </a:extLst>
         </p:spPr>
@@ -5471,7 +5471,7 @@
         <p:spPr>
           <a:xfrm>
             <a:off x="272520" y="4852216"/>
-            <a:ext cx="2266003" cy="276999"/>
+            <a:ext cx="3773984" cy="276999"/>
           </a:xfrm>
           <a:prstGeom prst="rect">
             <a:avLst/>
@@ -5481,12 +5481,12 @@
           </a:ln>
           <a:extLst>
             <a:ext uri="{C572A759-6A51-4108-AA02-DFA0A04FC94B}">
-              <ma14:wrappingTextBoxFlag xmlns="" xmlns:m="http://schemas.openxmlformats.org/officeDocument/2006/math" xmlns:a14="http://schemas.microsoft.com/office/drawing/2010/main" xmlns:ma14="http://schemas.microsoft.com/office/mac/drawingml/2011/main" val="1"/>
+              <ma14:wrappingTextBoxFlag xmlns:ma14="http://schemas.microsoft.com/office/mac/drawingml/2011/main" xmlns:a14="http://schemas.microsoft.com/office/drawing/2010/main" xmlns:m="http://schemas.openxmlformats.org/officeDocument/2006/math" xmlns="" val="1"/>
             </a:ext>
           </a:extLst>
         </p:spPr>
         <p:txBody>
-          <a:bodyPr wrap="none" lIns="45719" rIns="45719">
+          <a:bodyPr wrap="square" lIns="45719" rIns="45719">
             <a:spAutoFit/>
           </a:bodyPr>
           <a:lstStyle>
@@ -5522,8 +5522,8 @@
         </p:nvSpPr>
         <p:spPr>
           <a:xfrm>
-            <a:off x="272520" y="5115016"/>
-            <a:ext cx="2270812" cy="276999"/>
+            <a:off x="272519" y="5115016"/>
+            <a:ext cx="3675263" cy="276999"/>
           </a:xfrm>
           <a:prstGeom prst="rect">
             <a:avLst/>
@@ -5533,12 +5533,12 @@
           </a:ln>
           <a:extLst>
             <a:ext uri="{C572A759-6A51-4108-AA02-DFA0A04FC94B}">
-              <ma14:wrappingTextBoxFlag xmlns="" xmlns:m="http://schemas.openxmlformats.org/officeDocument/2006/math" xmlns:a14="http://schemas.microsoft.com/office/drawing/2010/main" xmlns:ma14="http://schemas.microsoft.com/office/mac/drawingml/2011/main" val="1"/>
+              <ma14:wrappingTextBoxFlag xmlns:ma14="http://schemas.microsoft.com/office/mac/drawingml/2011/main" xmlns:a14="http://schemas.microsoft.com/office/drawing/2010/main" xmlns:m="http://schemas.openxmlformats.org/officeDocument/2006/math" xmlns="" val="1"/>
             </a:ext>
           </a:extLst>
         </p:spPr>
         <p:txBody>
-          <a:bodyPr wrap="none" lIns="45719" rIns="45719">
+          <a:bodyPr wrap="square" lIns="45719" rIns="45719">
             <a:spAutoFit/>
           </a:bodyPr>
           <a:lstStyle>
@@ -5584,7 +5584,7 @@
           </a:ln>
           <a:extLst>
             <a:ext uri="{C572A759-6A51-4108-AA02-DFA0A04FC94B}">
-              <ma14:wrappingTextBoxFlag xmlns="" xmlns:m="http://schemas.openxmlformats.org/officeDocument/2006/math" xmlns:a14="http://schemas.microsoft.com/office/drawing/2010/main" xmlns:ma14="http://schemas.microsoft.com/office/mac/drawingml/2011/main" val="1"/>
+              <ma14:wrappingTextBoxFlag xmlns:ma14="http://schemas.microsoft.com/office/mac/drawingml/2011/main" xmlns:a14="http://schemas.microsoft.com/office/drawing/2010/main" xmlns:m="http://schemas.openxmlformats.org/officeDocument/2006/math" xmlns="" val="1"/>
             </a:ext>
           </a:extLst>
         </p:spPr>
@@ -5713,7 +5713,7 @@
           </a:ln>
           <a:extLst>
             <a:ext uri="{C572A759-6A51-4108-AA02-DFA0A04FC94B}">
-              <ma14:wrappingTextBoxFlag xmlns="" xmlns:m="http://schemas.openxmlformats.org/officeDocument/2006/math" xmlns:a14="http://schemas.microsoft.com/office/drawing/2010/main" xmlns:ma14="http://schemas.microsoft.com/office/mac/drawingml/2011/main" val="1"/>
+              <ma14:wrappingTextBoxFlag xmlns:ma14="http://schemas.microsoft.com/office/mac/drawingml/2011/main" xmlns:a14="http://schemas.microsoft.com/office/drawing/2010/main" xmlns:m="http://schemas.openxmlformats.org/officeDocument/2006/math" xmlns="" val="1"/>
             </a:ext>
           </a:extLst>
         </p:spPr>
@@ -5761,7 +5761,7 @@
           </a:ln>
           <a:extLst>
             <a:ext uri="{C572A759-6A51-4108-AA02-DFA0A04FC94B}">
-              <ma14:wrappingTextBoxFlag xmlns="" xmlns:m="http://schemas.openxmlformats.org/officeDocument/2006/math" xmlns:a14="http://schemas.microsoft.com/office/drawing/2010/main" xmlns:ma14="http://schemas.microsoft.com/office/mac/drawingml/2011/main" val="1"/>
+              <ma14:wrappingTextBoxFlag xmlns:ma14="http://schemas.microsoft.com/office/mac/drawingml/2011/main" xmlns:a14="http://schemas.microsoft.com/office/drawing/2010/main" xmlns:m="http://schemas.openxmlformats.org/officeDocument/2006/math" xmlns="" val="1"/>
             </a:ext>
           </a:extLst>
         </p:spPr>
@@ -5809,7 +5809,7 @@
           </a:ln>
           <a:extLst>
             <a:ext uri="{C572A759-6A51-4108-AA02-DFA0A04FC94B}">
-              <ma14:wrappingTextBoxFlag xmlns="" xmlns:m="http://schemas.openxmlformats.org/officeDocument/2006/math" xmlns:a14="http://schemas.microsoft.com/office/drawing/2010/main" xmlns:ma14="http://schemas.microsoft.com/office/mac/drawingml/2011/main" val="1"/>
+              <ma14:wrappingTextBoxFlag xmlns:ma14="http://schemas.microsoft.com/office/mac/drawingml/2011/main" xmlns:a14="http://schemas.microsoft.com/office/drawing/2010/main" xmlns:m="http://schemas.openxmlformats.org/officeDocument/2006/math" xmlns="" val="1"/>
             </a:ext>
           </a:extLst>
         </p:spPr>
@@ -5857,7 +5857,7 @@
           </a:ln>
           <a:extLst>
             <a:ext uri="{C572A759-6A51-4108-AA02-DFA0A04FC94B}">
-              <ma14:wrappingTextBoxFlag xmlns="" xmlns:m="http://schemas.openxmlformats.org/officeDocument/2006/math" xmlns:a14="http://schemas.microsoft.com/office/drawing/2010/main" xmlns:ma14="http://schemas.microsoft.com/office/mac/drawingml/2011/main" val="1"/>
+              <ma14:wrappingTextBoxFlag xmlns:ma14="http://schemas.microsoft.com/office/mac/drawingml/2011/main" xmlns:a14="http://schemas.microsoft.com/office/drawing/2010/main" xmlns:m="http://schemas.openxmlformats.org/officeDocument/2006/math" xmlns="" val="1"/>
             </a:ext>
           </a:extLst>
         </p:spPr>
@@ -5905,7 +5905,7 @@
           </a:ln>
           <a:extLst>
             <a:ext uri="{C572A759-6A51-4108-AA02-DFA0A04FC94B}">
-              <ma14:wrappingTextBoxFlag xmlns="" xmlns:m="http://schemas.openxmlformats.org/officeDocument/2006/math" xmlns:a14="http://schemas.microsoft.com/office/drawing/2010/main" xmlns:ma14="http://schemas.microsoft.com/office/mac/drawingml/2011/main" val="1"/>
+              <ma14:wrappingTextBoxFlag xmlns:ma14="http://schemas.microsoft.com/office/mac/drawingml/2011/main" xmlns:a14="http://schemas.microsoft.com/office/drawing/2010/main" xmlns:m="http://schemas.openxmlformats.org/officeDocument/2006/math" xmlns="" val="1"/>
             </a:ext>
           </a:extLst>
         </p:spPr>
@@ -5953,7 +5953,7 @@
           </a:ln>
           <a:extLst>
             <a:ext uri="{C572A759-6A51-4108-AA02-DFA0A04FC94B}">
-              <ma14:wrappingTextBoxFlag xmlns="" xmlns:m="http://schemas.openxmlformats.org/officeDocument/2006/math" xmlns:a14="http://schemas.microsoft.com/office/drawing/2010/main" xmlns:ma14="http://schemas.microsoft.com/office/mac/drawingml/2011/main" val="1"/>
+              <ma14:wrappingTextBoxFlag xmlns:ma14="http://schemas.microsoft.com/office/mac/drawingml/2011/main" xmlns:a14="http://schemas.microsoft.com/office/drawing/2010/main" xmlns:m="http://schemas.openxmlformats.org/officeDocument/2006/math" xmlns="" val="1"/>
             </a:ext>
           </a:extLst>
         </p:spPr>
@@ -6001,7 +6001,7 @@
           </a:ln>
           <a:extLst>
             <a:ext uri="{C572A759-6A51-4108-AA02-DFA0A04FC94B}">
-              <ma14:wrappingTextBoxFlag xmlns="" xmlns:m="http://schemas.openxmlformats.org/officeDocument/2006/math" xmlns:a14="http://schemas.microsoft.com/office/drawing/2010/main" xmlns:ma14="http://schemas.microsoft.com/office/mac/drawingml/2011/main" val="1"/>
+              <ma14:wrappingTextBoxFlag xmlns:ma14="http://schemas.microsoft.com/office/mac/drawingml/2011/main" xmlns:a14="http://schemas.microsoft.com/office/drawing/2010/main" xmlns:m="http://schemas.openxmlformats.org/officeDocument/2006/math" xmlns="" val="1"/>
             </a:ext>
           </a:extLst>
         </p:spPr>
@@ -6049,7 +6049,7 @@
           </a:ln>
           <a:extLst>
             <a:ext uri="{C572A759-6A51-4108-AA02-DFA0A04FC94B}">
-              <ma14:wrappingTextBoxFlag xmlns="" xmlns:m="http://schemas.openxmlformats.org/officeDocument/2006/math" xmlns:a14="http://schemas.microsoft.com/office/drawing/2010/main" xmlns:ma14="http://schemas.microsoft.com/office/mac/drawingml/2011/main" val="1"/>
+              <ma14:wrappingTextBoxFlag xmlns:ma14="http://schemas.microsoft.com/office/mac/drawingml/2011/main" xmlns:a14="http://schemas.microsoft.com/office/drawing/2010/main" xmlns:m="http://schemas.openxmlformats.org/officeDocument/2006/math" xmlns="" val="1"/>
             </a:ext>
           </a:extLst>
         </p:spPr>
@@ -6097,7 +6097,7 @@
           </a:ln>
           <a:extLst>
             <a:ext uri="{C572A759-6A51-4108-AA02-DFA0A04FC94B}">
-              <ma14:wrappingTextBoxFlag xmlns="" xmlns:m="http://schemas.openxmlformats.org/officeDocument/2006/math" xmlns:a14="http://schemas.microsoft.com/office/drawing/2010/main" xmlns:ma14="http://schemas.microsoft.com/office/mac/drawingml/2011/main" val="1"/>
+              <ma14:wrappingTextBoxFlag xmlns:ma14="http://schemas.microsoft.com/office/mac/drawingml/2011/main" xmlns:a14="http://schemas.microsoft.com/office/drawing/2010/main" xmlns:m="http://schemas.openxmlformats.org/officeDocument/2006/math" xmlns="" val="1"/>
             </a:ext>
           </a:extLst>
         </p:spPr>
@@ -6145,7 +6145,7 @@
           </a:ln>
           <a:extLst>
             <a:ext uri="{C572A759-6A51-4108-AA02-DFA0A04FC94B}">
-              <ma14:wrappingTextBoxFlag xmlns="" xmlns:m="http://schemas.openxmlformats.org/officeDocument/2006/math" xmlns:a14="http://schemas.microsoft.com/office/drawing/2010/main" xmlns:ma14="http://schemas.microsoft.com/office/mac/drawingml/2011/main" val="1"/>
+              <ma14:wrappingTextBoxFlag xmlns:ma14="http://schemas.microsoft.com/office/mac/drawingml/2011/main" xmlns:a14="http://schemas.microsoft.com/office/drawing/2010/main" xmlns:m="http://schemas.openxmlformats.org/officeDocument/2006/math" xmlns="" val="1"/>
             </a:ext>
           </a:extLst>
         </p:spPr>
@@ -6193,7 +6193,7 @@
           </a:ln>
           <a:extLst>
             <a:ext uri="{C572A759-6A51-4108-AA02-DFA0A04FC94B}">
-              <ma14:wrappingTextBoxFlag xmlns="" xmlns:m="http://schemas.openxmlformats.org/officeDocument/2006/math" xmlns:a14="http://schemas.microsoft.com/office/drawing/2010/main" xmlns:ma14="http://schemas.microsoft.com/office/mac/drawingml/2011/main" val="1"/>
+              <ma14:wrappingTextBoxFlag xmlns:ma14="http://schemas.microsoft.com/office/mac/drawingml/2011/main" xmlns:a14="http://schemas.microsoft.com/office/drawing/2010/main" xmlns:m="http://schemas.openxmlformats.org/officeDocument/2006/math" xmlns="" val="1"/>
             </a:ext>
           </a:extLst>
         </p:spPr>
@@ -6235,7 +6235,7 @@
           </a:ln>
           <a:extLst>
             <a:ext uri="{C572A759-6A51-4108-AA02-DFA0A04FC94B}">
-              <ma14:wrappingTextBoxFlag xmlns="" xmlns:m="http://schemas.openxmlformats.org/officeDocument/2006/math" xmlns:a14="http://schemas.microsoft.com/office/drawing/2010/main" xmlns:ma14="http://schemas.microsoft.com/office/mac/drawingml/2011/main" val="1"/>
+              <ma14:wrappingTextBoxFlag xmlns:ma14="http://schemas.microsoft.com/office/mac/drawingml/2011/main" xmlns:a14="http://schemas.microsoft.com/office/drawing/2010/main" xmlns:m="http://schemas.openxmlformats.org/officeDocument/2006/math" xmlns="" val="1"/>
             </a:ext>
           </a:extLst>
         </p:spPr>

--- a/powerpoint template.pptx
+++ b/powerpoint template.pptx
@@ -1045,7 +1045,7 @@
           </a:ln>
           <a:extLst>
             <a:ext uri="{C572A759-6A51-4108-AA02-DFA0A04FC94B}">
-              <ma14:wrappingTextBoxFlag xmlns:ma14="http://schemas.microsoft.com/office/mac/drawingml/2011/main" xmlns:a14="http://schemas.microsoft.com/office/drawing/2010/main" xmlns:m="http://schemas.openxmlformats.org/officeDocument/2006/math" xmlns="" val="1"/>
+              <ma14:wrappingTextBoxFlag xmlns="" xmlns:m="http://schemas.openxmlformats.org/officeDocument/2006/math" xmlns:a14="http://schemas.microsoft.com/office/drawing/2010/main" xmlns:ma14="http://schemas.microsoft.com/office/mac/drawingml/2011/main" val="1"/>
             </a:ext>
           </a:extLst>
         </p:spPr>
@@ -1092,7 +1092,7 @@
           </a:ln>
           <a:extLst>
             <a:ext uri="{C572A759-6A51-4108-AA02-DFA0A04FC94B}">
-              <ma14:wrappingTextBoxFlag xmlns:ma14="http://schemas.microsoft.com/office/mac/drawingml/2011/main" xmlns:a14="http://schemas.microsoft.com/office/drawing/2010/main" xmlns:m="http://schemas.openxmlformats.org/officeDocument/2006/math" xmlns="" val="1"/>
+              <ma14:wrappingTextBoxFlag xmlns="" xmlns:m="http://schemas.openxmlformats.org/officeDocument/2006/math" xmlns:a14="http://schemas.microsoft.com/office/drawing/2010/main" xmlns:ma14="http://schemas.microsoft.com/office/mac/drawingml/2011/main" val="1"/>
             </a:ext>
           </a:extLst>
         </p:spPr>
@@ -1139,7 +1139,7 @@
           </a:ln>
           <a:extLst>
             <a:ext uri="{C572A759-6A51-4108-AA02-DFA0A04FC94B}">
-              <ma14:wrappingTextBoxFlag xmlns:ma14="http://schemas.microsoft.com/office/mac/drawingml/2011/main" xmlns:a14="http://schemas.microsoft.com/office/drawing/2010/main" xmlns:m="http://schemas.openxmlformats.org/officeDocument/2006/math" xmlns="" val="1"/>
+              <ma14:wrappingTextBoxFlag xmlns="" xmlns:m="http://schemas.openxmlformats.org/officeDocument/2006/math" xmlns:a14="http://schemas.microsoft.com/office/drawing/2010/main" xmlns:ma14="http://schemas.microsoft.com/office/mac/drawingml/2011/main" val="1"/>
             </a:ext>
           </a:extLst>
         </p:spPr>
@@ -2620,7 +2620,7 @@
           </a:ln>
           <a:extLst>
             <a:ext uri="{C572A759-6A51-4108-AA02-DFA0A04FC94B}">
-              <ma14:wrappingTextBoxFlag xmlns:ma14="http://schemas.microsoft.com/office/mac/drawingml/2011/main" xmlns:a14="http://schemas.microsoft.com/office/drawing/2010/main" xmlns:m="http://schemas.openxmlformats.org/officeDocument/2006/math" xmlns="" val="1"/>
+              <ma14:wrappingTextBoxFlag xmlns="" xmlns:m="http://schemas.openxmlformats.org/officeDocument/2006/math" xmlns:a14="http://schemas.microsoft.com/office/drawing/2010/main" xmlns:ma14="http://schemas.microsoft.com/office/mac/drawingml/2011/main" val="1"/>
             </a:ext>
           </a:extLst>
         </p:spPr>
@@ -2762,7 +2762,7 @@
           </a:ln>
           <a:extLst>
             <a:ext uri="{C572A759-6A51-4108-AA02-DFA0A04FC94B}">
-              <ma14:wrappingTextBoxFlag xmlns:ma14="http://schemas.microsoft.com/office/mac/drawingml/2011/main" xmlns:a14="http://schemas.microsoft.com/office/drawing/2010/main" xmlns:m="http://schemas.openxmlformats.org/officeDocument/2006/math" xmlns="" val="1"/>
+              <ma14:wrappingTextBoxFlag xmlns="" xmlns:m="http://schemas.openxmlformats.org/officeDocument/2006/math" xmlns:a14="http://schemas.microsoft.com/office/drawing/2010/main" xmlns:ma14="http://schemas.microsoft.com/office/mac/drawingml/2011/main" val="1"/>
             </a:ext>
           </a:extLst>
         </p:spPr>
@@ -2840,7 +2840,7 @@
           </a:ln>
           <a:extLst>
             <a:ext uri="{C572A759-6A51-4108-AA02-DFA0A04FC94B}">
-              <ma14:wrappingTextBoxFlag xmlns:ma14="http://schemas.microsoft.com/office/mac/drawingml/2011/main" xmlns:a14="http://schemas.microsoft.com/office/drawing/2010/main" xmlns:m="http://schemas.openxmlformats.org/officeDocument/2006/math" xmlns="" val="1"/>
+              <ma14:wrappingTextBoxFlag xmlns="" xmlns:m="http://schemas.openxmlformats.org/officeDocument/2006/math" xmlns:a14="http://schemas.microsoft.com/office/drawing/2010/main" xmlns:ma14="http://schemas.microsoft.com/office/mac/drawingml/2011/main" val="1"/>
             </a:ext>
           </a:extLst>
         </p:spPr>
@@ -2887,7 +2887,7 @@
           </a:ln>
           <a:extLst>
             <a:ext uri="{C572A759-6A51-4108-AA02-DFA0A04FC94B}">
-              <ma14:wrappingTextBoxFlag xmlns:ma14="http://schemas.microsoft.com/office/mac/drawingml/2011/main" xmlns:a14="http://schemas.microsoft.com/office/drawing/2010/main" xmlns:m="http://schemas.openxmlformats.org/officeDocument/2006/math" xmlns="" val="1"/>
+              <ma14:wrappingTextBoxFlag xmlns="" xmlns:m="http://schemas.openxmlformats.org/officeDocument/2006/math" xmlns:a14="http://schemas.microsoft.com/office/drawing/2010/main" xmlns:ma14="http://schemas.microsoft.com/office/mac/drawingml/2011/main" val="1"/>
             </a:ext>
           </a:extLst>
         </p:spPr>
@@ -2934,7 +2934,7 @@
           </a:ln>
           <a:extLst>
             <a:ext uri="{C572A759-6A51-4108-AA02-DFA0A04FC94B}">
-              <ma14:wrappingTextBoxFlag xmlns:ma14="http://schemas.microsoft.com/office/mac/drawingml/2011/main" xmlns:a14="http://schemas.microsoft.com/office/drawing/2010/main" xmlns:m="http://schemas.openxmlformats.org/officeDocument/2006/math" xmlns="" val="1"/>
+              <ma14:wrappingTextBoxFlag xmlns="" xmlns:m="http://schemas.openxmlformats.org/officeDocument/2006/math" xmlns:a14="http://schemas.microsoft.com/office/drawing/2010/main" xmlns:ma14="http://schemas.microsoft.com/office/mac/drawingml/2011/main" val="1"/>
             </a:ext>
           </a:extLst>
         </p:spPr>
@@ -2981,7 +2981,7 @@
           </a:ln>
           <a:extLst>
             <a:ext uri="{C572A759-6A51-4108-AA02-DFA0A04FC94B}">
-              <ma14:wrappingTextBoxFlag xmlns:ma14="http://schemas.microsoft.com/office/mac/drawingml/2011/main" xmlns:a14="http://schemas.microsoft.com/office/drawing/2010/main" xmlns:m="http://schemas.openxmlformats.org/officeDocument/2006/math" xmlns="" val="1"/>
+              <ma14:wrappingTextBoxFlag xmlns="" xmlns:m="http://schemas.openxmlformats.org/officeDocument/2006/math" xmlns:a14="http://schemas.microsoft.com/office/drawing/2010/main" xmlns:ma14="http://schemas.microsoft.com/office/mac/drawingml/2011/main" val="1"/>
             </a:ext>
           </a:extLst>
         </p:spPr>
@@ -3028,7 +3028,7 @@
           </a:ln>
           <a:extLst>
             <a:ext uri="{C572A759-6A51-4108-AA02-DFA0A04FC94B}">
-              <ma14:wrappingTextBoxFlag xmlns:ma14="http://schemas.microsoft.com/office/mac/drawingml/2011/main" xmlns:a14="http://schemas.microsoft.com/office/drawing/2010/main" xmlns:m="http://schemas.openxmlformats.org/officeDocument/2006/math" xmlns="" val="1"/>
+              <ma14:wrappingTextBoxFlag xmlns="" xmlns:m="http://schemas.openxmlformats.org/officeDocument/2006/math" xmlns:a14="http://schemas.microsoft.com/office/drawing/2010/main" xmlns:ma14="http://schemas.microsoft.com/office/mac/drawingml/2011/main" val="1"/>
             </a:ext>
           </a:extLst>
         </p:spPr>
@@ -3264,7 +3264,7 @@
           </a:ln>
           <a:extLst>
             <a:ext uri="{C572A759-6A51-4108-AA02-DFA0A04FC94B}">
-              <ma14:wrappingTextBoxFlag xmlns:ma14="http://schemas.microsoft.com/office/mac/drawingml/2011/main" xmlns:a14="http://schemas.microsoft.com/office/drawing/2010/main" xmlns:m="http://schemas.openxmlformats.org/officeDocument/2006/math" xmlns="" val="1"/>
+              <ma14:wrappingTextBoxFlag xmlns="" xmlns:m="http://schemas.openxmlformats.org/officeDocument/2006/math" xmlns:a14="http://schemas.microsoft.com/office/drawing/2010/main" xmlns:ma14="http://schemas.microsoft.com/office/mac/drawingml/2011/main" val="1"/>
             </a:ext>
           </a:extLst>
         </p:spPr>
@@ -3311,7 +3311,7 @@
           </a:ln>
           <a:extLst>
             <a:ext uri="{C572A759-6A51-4108-AA02-DFA0A04FC94B}">
-              <ma14:wrappingTextBoxFlag xmlns:ma14="http://schemas.microsoft.com/office/mac/drawingml/2011/main" xmlns:a14="http://schemas.microsoft.com/office/drawing/2010/main" xmlns:m="http://schemas.openxmlformats.org/officeDocument/2006/math" xmlns="" val="1"/>
+              <ma14:wrappingTextBoxFlag xmlns="" xmlns:m="http://schemas.openxmlformats.org/officeDocument/2006/math" xmlns:a14="http://schemas.microsoft.com/office/drawing/2010/main" xmlns:ma14="http://schemas.microsoft.com/office/mac/drawingml/2011/main" val="1"/>
             </a:ext>
           </a:extLst>
         </p:spPr>
@@ -3503,7 +3503,7 @@
           </a:ln>
           <a:extLst>
             <a:ext uri="{C572A759-6A51-4108-AA02-DFA0A04FC94B}">
-              <ma14:wrappingTextBoxFlag xmlns:ma14="http://schemas.microsoft.com/office/mac/drawingml/2011/main" xmlns:a14="http://schemas.microsoft.com/office/drawing/2010/main" xmlns:m="http://schemas.openxmlformats.org/officeDocument/2006/math" xmlns="" val="1"/>
+              <ma14:wrappingTextBoxFlag xmlns="" xmlns:m="http://schemas.openxmlformats.org/officeDocument/2006/math" xmlns:a14="http://schemas.microsoft.com/office/drawing/2010/main" xmlns:ma14="http://schemas.microsoft.com/office/mac/drawingml/2011/main" val="1"/>
             </a:ext>
           </a:extLst>
         </p:spPr>
@@ -3542,7 +3542,7 @@
           </a:ln>
           <a:extLst>
             <a:ext uri="{C572A759-6A51-4108-AA02-DFA0A04FC94B}">
-              <ma14:wrappingTextBoxFlag xmlns:ma14="http://schemas.microsoft.com/office/mac/drawingml/2011/main" xmlns:a14="http://schemas.microsoft.com/office/drawing/2010/main" xmlns:m="http://schemas.openxmlformats.org/officeDocument/2006/math" xmlns="" val="1"/>
+              <ma14:wrappingTextBoxFlag xmlns="" xmlns:m="http://schemas.openxmlformats.org/officeDocument/2006/math" xmlns:a14="http://schemas.microsoft.com/office/drawing/2010/main" xmlns:ma14="http://schemas.microsoft.com/office/mac/drawingml/2011/main" val="1"/>
             </a:ext>
           </a:extLst>
         </p:spPr>
@@ -4552,7 +4552,7 @@
           </a:ln>
           <a:extLst>
             <a:ext uri="{C572A759-6A51-4108-AA02-DFA0A04FC94B}">
-              <ma14:wrappingTextBoxFlag xmlns:ma14="http://schemas.microsoft.com/office/mac/drawingml/2011/main" xmlns:a14="http://schemas.microsoft.com/office/drawing/2010/main" xmlns:m="http://schemas.openxmlformats.org/officeDocument/2006/math" xmlns="" val="1"/>
+              <ma14:wrappingTextBoxFlag xmlns="" xmlns:m="http://schemas.openxmlformats.org/officeDocument/2006/math" xmlns:a14="http://schemas.microsoft.com/office/drawing/2010/main" xmlns:ma14="http://schemas.microsoft.com/office/mac/drawingml/2011/main" val="1"/>
             </a:ext>
           </a:extLst>
         </p:spPr>
@@ -4723,7 +4723,7 @@
           </a:ln>
           <a:extLst>
             <a:ext uri="{C572A759-6A51-4108-AA02-DFA0A04FC94B}">
-              <ma14:wrappingTextBoxFlag xmlns:ma14="http://schemas.microsoft.com/office/mac/drawingml/2011/main" xmlns:a14="http://schemas.microsoft.com/office/drawing/2010/main" xmlns:m="http://schemas.openxmlformats.org/officeDocument/2006/math" xmlns="" val="1"/>
+              <ma14:wrappingTextBoxFlag xmlns="" xmlns:m="http://schemas.openxmlformats.org/officeDocument/2006/math" xmlns:a14="http://schemas.microsoft.com/office/drawing/2010/main" xmlns:ma14="http://schemas.microsoft.com/office/mac/drawingml/2011/main" val="1"/>
             </a:ext>
           </a:extLst>
         </p:spPr>
@@ -4770,7 +4770,7 @@
           </a:ln>
           <a:extLst>
             <a:ext uri="{C572A759-6A51-4108-AA02-DFA0A04FC94B}">
-              <ma14:wrappingTextBoxFlag xmlns:ma14="http://schemas.microsoft.com/office/mac/drawingml/2011/main" xmlns:a14="http://schemas.microsoft.com/office/drawing/2010/main" xmlns:m="http://schemas.openxmlformats.org/officeDocument/2006/math" xmlns="" val="1"/>
+              <ma14:wrappingTextBoxFlag xmlns="" xmlns:m="http://schemas.openxmlformats.org/officeDocument/2006/math" xmlns:a14="http://schemas.microsoft.com/office/drawing/2010/main" xmlns:ma14="http://schemas.microsoft.com/office/mac/drawingml/2011/main" val="1"/>
             </a:ext>
           </a:extLst>
         </p:spPr>
@@ -4817,7 +4817,7 @@
           </a:ln>
           <a:extLst>
             <a:ext uri="{C572A759-6A51-4108-AA02-DFA0A04FC94B}">
-              <ma14:wrappingTextBoxFlag xmlns:ma14="http://schemas.microsoft.com/office/mac/drawingml/2011/main" xmlns:a14="http://schemas.microsoft.com/office/drawing/2010/main" xmlns:m="http://schemas.openxmlformats.org/officeDocument/2006/math" xmlns="" val="1"/>
+              <ma14:wrappingTextBoxFlag xmlns="" xmlns:m="http://schemas.openxmlformats.org/officeDocument/2006/math" xmlns:a14="http://schemas.microsoft.com/office/drawing/2010/main" xmlns:ma14="http://schemas.microsoft.com/office/mac/drawingml/2011/main" val="1"/>
             </a:ext>
           </a:extLst>
         </p:spPr>
@@ -4864,7 +4864,7 @@
           </a:ln>
           <a:extLst>
             <a:ext uri="{C572A759-6A51-4108-AA02-DFA0A04FC94B}">
-              <ma14:wrappingTextBoxFlag xmlns:ma14="http://schemas.microsoft.com/office/mac/drawingml/2011/main" xmlns:a14="http://schemas.microsoft.com/office/drawing/2010/main" xmlns:m="http://schemas.openxmlformats.org/officeDocument/2006/math" xmlns="" val="1"/>
+              <ma14:wrappingTextBoxFlag xmlns="" xmlns:m="http://schemas.openxmlformats.org/officeDocument/2006/math" xmlns:a14="http://schemas.microsoft.com/office/drawing/2010/main" xmlns:ma14="http://schemas.microsoft.com/office/mac/drawingml/2011/main" val="1"/>
             </a:ext>
           </a:extLst>
         </p:spPr>
@@ -4911,7 +4911,7 @@
           </a:ln>
           <a:extLst>
             <a:ext uri="{C572A759-6A51-4108-AA02-DFA0A04FC94B}">
-              <ma14:wrappingTextBoxFlag xmlns:ma14="http://schemas.microsoft.com/office/mac/drawingml/2011/main" xmlns:a14="http://schemas.microsoft.com/office/drawing/2010/main" xmlns:m="http://schemas.openxmlformats.org/officeDocument/2006/math" xmlns="" val="1"/>
+              <ma14:wrappingTextBoxFlag xmlns="" xmlns:m="http://schemas.openxmlformats.org/officeDocument/2006/math" xmlns:a14="http://schemas.microsoft.com/office/drawing/2010/main" xmlns:ma14="http://schemas.microsoft.com/office/mac/drawingml/2011/main" val="1"/>
             </a:ext>
           </a:extLst>
         </p:spPr>
@@ -4958,7 +4958,7 @@
           </a:ln>
           <a:extLst>
             <a:ext uri="{C572A759-6A51-4108-AA02-DFA0A04FC94B}">
-              <ma14:wrappingTextBoxFlag xmlns:ma14="http://schemas.microsoft.com/office/mac/drawingml/2011/main" xmlns:a14="http://schemas.microsoft.com/office/drawing/2010/main" xmlns:m="http://schemas.openxmlformats.org/officeDocument/2006/math" xmlns="" val="1"/>
+              <ma14:wrappingTextBoxFlag xmlns="" xmlns:m="http://schemas.openxmlformats.org/officeDocument/2006/math" xmlns:a14="http://schemas.microsoft.com/office/drawing/2010/main" xmlns:ma14="http://schemas.microsoft.com/office/mac/drawingml/2011/main" val="1"/>
             </a:ext>
           </a:extLst>
         </p:spPr>
@@ -5130,7 +5130,7 @@
           </a:ln>
           <a:extLst>
             <a:ext uri="{C572A759-6A51-4108-AA02-DFA0A04FC94B}">
-              <ma14:wrappingTextBoxFlag xmlns:ma14="http://schemas.microsoft.com/office/mac/drawingml/2011/main" xmlns:a14="http://schemas.microsoft.com/office/drawing/2010/main" xmlns:m="http://schemas.openxmlformats.org/officeDocument/2006/math" xmlns="" val="1"/>
+              <ma14:wrappingTextBoxFlag xmlns="" xmlns:m="http://schemas.openxmlformats.org/officeDocument/2006/math" xmlns:a14="http://schemas.microsoft.com/office/drawing/2010/main" xmlns:ma14="http://schemas.microsoft.com/office/mac/drawingml/2011/main" val="1"/>
             </a:ext>
           </a:extLst>
         </p:spPr>
@@ -5223,7 +5223,7 @@
           </a:ln>
           <a:extLst>
             <a:ext uri="{C572A759-6A51-4108-AA02-DFA0A04FC94B}">
-              <ma14:wrappingTextBoxFlag xmlns:ma14="http://schemas.microsoft.com/office/mac/drawingml/2011/main" xmlns:a14="http://schemas.microsoft.com/office/drawing/2010/main" xmlns:m="http://schemas.openxmlformats.org/officeDocument/2006/math" xmlns="" val="1"/>
+              <ma14:wrappingTextBoxFlag xmlns="" xmlns:m="http://schemas.openxmlformats.org/officeDocument/2006/math" xmlns:a14="http://schemas.microsoft.com/office/drawing/2010/main" xmlns:ma14="http://schemas.microsoft.com/office/mac/drawingml/2011/main" val="1"/>
             </a:ext>
           </a:extLst>
         </p:spPr>
@@ -5273,7 +5273,7 @@
           </a:ln>
           <a:extLst>
             <a:ext uri="{C572A759-6A51-4108-AA02-DFA0A04FC94B}">
-              <ma14:wrappingTextBoxFlag xmlns:ma14="http://schemas.microsoft.com/office/mac/drawingml/2011/main" xmlns:a14="http://schemas.microsoft.com/office/drawing/2010/main" xmlns:m="http://schemas.openxmlformats.org/officeDocument/2006/math" xmlns="" val="1"/>
+              <ma14:wrappingTextBoxFlag xmlns="" xmlns:m="http://schemas.openxmlformats.org/officeDocument/2006/math" xmlns:a14="http://schemas.microsoft.com/office/drawing/2010/main" xmlns:ma14="http://schemas.microsoft.com/office/mac/drawingml/2011/main" val="1"/>
             </a:ext>
           </a:extLst>
         </p:spPr>
@@ -5325,7 +5325,7 @@
           </a:ln>
           <a:extLst>
             <a:ext uri="{C572A759-6A51-4108-AA02-DFA0A04FC94B}">
-              <ma14:wrappingTextBoxFlag xmlns:ma14="http://schemas.microsoft.com/office/mac/drawingml/2011/main" xmlns:a14="http://schemas.microsoft.com/office/drawing/2010/main" xmlns:m="http://schemas.openxmlformats.org/officeDocument/2006/math" xmlns="" val="1"/>
+              <ma14:wrappingTextBoxFlag xmlns="" xmlns:m="http://schemas.openxmlformats.org/officeDocument/2006/math" xmlns:a14="http://schemas.microsoft.com/office/drawing/2010/main" xmlns:ma14="http://schemas.microsoft.com/office/mac/drawingml/2011/main" val="1"/>
             </a:ext>
           </a:extLst>
         </p:spPr>
@@ -5377,7 +5377,7 @@
           </a:ln>
           <a:extLst>
             <a:ext uri="{C572A759-6A51-4108-AA02-DFA0A04FC94B}">
-              <ma14:wrappingTextBoxFlag xmlns:ma14="http://schemas.microsoft.com/office/mac/drawingml/2011/main" xmlns:a14="http://schemas.microsoft.com/office/drawing/2010/main" xmlns:m="http://schemas.openxmlformats.org/officeDocument/2006/math" xmlns="" val="1"/>
+              <ma14:wrappingTextBoxFlag xmlns="" xmlns:m="http://schemas.openxmlformats.org/officeDocument/2006/math" xmlns:a14="http://schemas.microsoft.com/office/drawing/2010/main" xmlns:ma14="http://schemas.microsoft.com/office/mac/drawingml/2011/main" val="1"/>
             </a:ext>
           </a:extLst>
         </p:spPr>
@@ -5429,7 +5429,7 @@
           </a:ln>
           <a:extLst>
             <a:ext uri="{C572A759-6A51-4108-AA02-DFA0A04FC94B}">
-              <ma14:wrappingTextBoxFlag xmlns:ma14="http://schemas.microsoft.com/office/mac/drawingml/2011/main" xmlns:a14="http://schemas.microsoft.com/office/drawing/2010/main" xmlns:m="http://schemas.openxmlformats.org/officeDocument/2006/math" xmlns="" val="1"/>
+              <ma14:wrappingTextBoxFlag xmlns="" xmlns:m="http://schemas.openxmlformats.org/officeDocument/2006/math" xmlns:a14="http://schemas.microsoft.com/office/drawing/2010/main" xmlns:ma14="http://schemas.microsoft.com/office/mac/drawingml/2011/main" val="1"/>
             </a:ext>
           </a:extLst>
         </p:spPr>
@@ -5481,7 +5481,7 @@
           </a:ln>
           <a:extLst>
             <a:ext uri="{C572A759-6A51-4108-AA02-DFA0A04FC94B}">
-              <ma14:wrappingTextBoxFlag xmlns:ma14="http://schemas.microsoft.com/office/mac/drawingml/2011/main" xmlns:a14="http://schemas.microsoft.com/office/drawing/2010/main" xmlns:m="http://schemas.openxmlformats.org/officeDocument/2006/math" xmlns="" val="1"/>
+              <ma14:wrappingTextBoxFlag xmlns="" xmlns:m="http://schemas.openxmlformats.org/officeDocument/2006/math" xmlns:a14="http://schemas.microsoft.com/office/drawing/2010/main" xmlns:ma14="http://schemas.microsoft.com/office/mac/drawingml/2011/main" val="1"/>
             </a:ext>
           </a:extLst>
         </p:spPr>
@@ -5533,7 +5533,7 @@
           </a:ln>
           <a:extLst>
             <a:ext uri="{C572A759-6A51-4108-AA02-DFA0A04FC94B}">
-              <ma14:wrappingTextBoxFlag xmlns:ma14="http://schemas.microsoft.com/office/mac/drawingml/2011/main" xmlns:a14="http://schemas.microsoft.com/office/drawing/2010/main" xmlns:m="http://schemas.openxmlformats.org/officeDocument/2006/math" xmlns="" val="1"/>
+              <ma14:wrappingTextBoxFlag xmlns="" xmlns:m="http://schemas.openxmlformats.org/officeDocument/2006/math" xmlns:a14="http://schemas.microsoft.com/office/drawing/2010/main" xmlns:ma14="http://schemas.microsoft.com/office/mac/drawingml/2011/main" val="1"/>
             </a:ext>
           </a:extLst>
         </p:spPr>
@@ -5584,7 +5584,7 @@
           </a:ln>
           <a:extLst>
             <a:ext uri="{C572A759-6A51-4108-AA02-DFA0A04FC94B}">
-              <ma14:wrappingTextBoxFlag xmlns:ma14="http://schemas.microsoft.com/office/mac/drawingml/2011/main" xmlns:a14="http://schemas.microsoft.com/office/drawing/2010/main" xmlns:m="http://schemas.openxmlformats.org/officeDocument/2006/math" xmlns="" val="1"/>
+              <ma14:wrappingTextBoxFlag xmlns="" xmlns:m="http://schemas.openxmlformats.org/officeDocument/2006/math" xmlns:a14="http://schemas.microsoft.com/office/drawing/2010/main" xmlns:ma14="http://schemas.microsoft.com/office/mac/drawingml/2011/main" val="1"/>
             </a:ext>
           </a:extLst>
         </p:spPr>
@@ -5713,7 +5713,7 @@
           </a:ln>
           <a:extLst>
             <a:ext uri="{C572A759-6A51-4108-AA02-DFA0A04FC94B}">
-              <ma14:wrappingTextBoxFlag xmlns:ma14="http://schemas.microsoft.com/office/mac/drawingml/2011/main" xmlns:a14="http://schemas.microsoft.com/office/drawing/2010/main" xmlns:m="http://schemas.openxmlformats.org/officeDocument/2006/math" xmlns="" val="1"/>
+              <ma14:wrappingTextBoxFlag xmlns="" xmlns:m="http://schemas.openxmlformats.org/officeDocument/2006/math" xmlns:a14="http://schemas.microsoft.com/office/drawing/2010/main" xmlns:ma14="http://schemas.microsoft.com/office/mac/drawingml/2011/main" val="1"/>
             </a:ext>
           </a:extLst>
         </p:spPr>
@@ -5761,7 +5761,7 @@
           </a:ln>
           <a:extLst>
             <a:ext uri="{C572A759-6A51-4108-AA02-DFA0A04FC94B}">
-              <ma14:wrappingTextBoxFlag xmlns:ma14="http://schemas.microsoft.com/office/mac/drawingml/2011/main" xmlns:a14="http://schemas.microsoft.com/office/drawing/2010/main" xmlns:m="http://schemas.openxmlformats.org/officeDocument/2006/math" xmlns="" val="1"/>
+              <ma14:wrappingTextBoxFlag xmlns="" xmlns:m="http://schemas.openxmlformats.org/officeDocument/2006/math" xmlns:a14="http://schemas.microsoft.com/office/drawing/2010/main" xmlns:ma14="http://schemas.microsoft.com/office/mac/drawingml/2011/main" val="1"/>
             </a:ext>
           </a:extLst>
         </p:spPr>
@@ -5809,7 +5809,7 @@
           </a:ln>
           <a:extLst>
             <a:ext uri="{C572A759-6A51-4108-AA02-DFA0A04FC94B}">
-              <ma14:wrappingTextBoxFlag xmlns:ma14="http://schemas.microsoft.com/office/mac/drawingml/2011/main" xmlns:a14="http://schemas.microsoft.com/office/drawing/2010/main" xmlns:m="http://schemas.openxmlformats.org/officeDocument/2006/math" xmlns="" val="1"/>
+              <ma14:wrappingTextBoxFlag xmlns="" xmlns:m="http://schemas.openxmlformats.org/officeDocument/2006/math" xmlns:a14="http://schemas.microsoft.com/office/drawing/2010/main" xmlns:ma14="http://schemas.microsoft.com/office/mac/drawingml/2011/main" val="1"/>
             </a:ext>
           </a:extLst>
         </p:spPr>
@@ -5857,7 +5857,7 @@
           </a:ln>
           <a:extLst>
             <a:ext uri="{C572A759-6A51-4108-AA02-DFA0A04FC94B}">
-              <ma14:wrappingTextBoxFlag xmlns:ma14="http://schemas.microsoft.com/office/mac/drawingml/2011/main" xmlns:a14="http://schemas.microsoft.com/office/drawing/2010/main" xmlns:m="http://schemas.openxmlformats.org/officeDocument/2006/math" xmlns="" val="1"/>
+              <ma14:wrappingTextBoxFlag xmlns="" xmlns:m="http://schemas.openxmlformats.org/officeDocument/2006/math" xmlns:a14="http://schemas.microsoft.com/office/drawing/2010/main" xmlns:ma14="http://schemas.microsoft.com/office/mac/drawingml/2011/main" val="1"/>
             </a:ext>
           </a:extLst>
         </p:spPr>
@@ -5905,7 +5905,7 @@
           </a:ln>
           <a:extLst>
             <a:ext uri="{C572A759-6A51-4108-AA02-DFA0A04FC94B}">
-              <ma14:wrappingTextBoxFlag xmlns:ma14="http://schemas.microsoft.com/office/mac/drawingml/2011/main" xmlns:a14="http://schemas.microsoft.com/office/drawing/2010/main" xmlns:m="http://schemas.openxmlformats.org/officeDocument/2006/math" xmlns="" val="1"/>
+              <ma14:wrappingTextBoxFlag xmlns="" xmlns:m="http://schemas.openxmlformats.org/officeDocument/2006/math" xmlns:a14="http://schemas.microsoft.com/office/drawing/2010/main" xmlns:ma14="http://schemas.microsoft.com/office/mac/drawingml/2011/main" val="1"/>
             </a:ext>
           </a:extLst>
         </p:spPr>
@@ -5953,7 +5953,7 @@
           </a:ln>
           <a:extLst>
             <a:ext uri="{C572A759-6A51-4108-AA02-DFA0A04FC94B}">
-              <ma14:wrappingTextBoxFlag xmlns:ma14="http://schemas.microsoft.com/office/mac/drawingml/2011/main" xmlns:a14="http://schemas.microsoft.com/office/drawing/2010/main" xmlns:m="http://schemas.openxmlformats.org/officeDocument/2006/math" xmlns="" val="1"/>
+              <ma14:wrappingTextBoxFlag xmlns="" xmlns:m="http://schemas.openxmlformats.org/officeDocument/2006/math" xmlns:a14="http://schemas.microsoft.com/office/drawing/2010/main" xmlns:ma14="http://schemas.microsoft.com/office/mac/drawingml/2011/main" val="1"/>
             </a:ext>
           </a:extLst>
         </p:spPr>
@@ -6001,7 +6001,7 @@
           </a:ln>
           <a:extLst>
             <a:ext uri="{C572A759-6A51-4108-AA02-DFA0A04FC94B}">
-              <ma14:wrappingTextBoxFlag xmlns:ma14="http://schemas.microsoft.com/office/mac/drawingml/2011/main" xmlns:a14="http://schemas.microsoft.com/office/drawing/2010/main" xmlns:m="http://schemas.openxmlformats.org/officeDocument/2006/math" xmlns="" val="1"/>
+              <ma14:wrappingTextBoxFlag xmlns="" xmlns:m="http://schemas.openxmlformats.org/officeDocument/2006/math" xmlns:a14="http://schemas.microsoft.com/office/drawing/2010/main" xmlns:ma14="http://schemas.microsoft.com/office/mac/drawingml/2011/main" val="1"/>
             </a:ext>
           </a:extLst>
         </p:spPr>
@@ -6049,7 +6049,7 @@
           </a:ln>
           <a:extLst>
             <a:ext uri="{C572A759-6A51-4108-AA02-DFA0A04FC94B}">
-              <ma14:wrappingTextBoxFlag xmlns:ma14="http://schemas.microsoft.com/office/mac/drawingml/2011/main" xmlns:a14="http://schemas.microsoft.com/office/drawing/2010/main" xmlns:m="http://schemas.openxmlformats.org/officeDocument/2006/math" xmlns="" val="1"/>
+              <ma14:wrappingTextBoxFlag xmlns="" xmlns:m="http://schemas.openxmlformats.org/officeDocument/2006/math" xmlns:a14="http://schemas.microsoft.com/office/drawing/2010/main" xmlns:ma14="http://schemas.microsoft.com/office/mac/drawingml/2011/main" val="1"/>
             </a:ext>
           </a:extLst>
         </p:spPr>
@@ -6097,7 +6097,7 @@
           </a:ln>
           <a:extLst>
             <a:ext uri="{C572A759-6A51-4108-AA02-DFA0A04FC94B}">
-              <ma14:wrappingTextBoxFlag xmlns:ma14="http://schemas.microsoft.com/office/mac/drawingml/2011/main" xmlns:a14="http://schemas.microsoft.com/office/drawing/2010/main" xmlns:m="http://schemas.openxmlformats.org/officeDocument/2006/math" xmlns="" val="1"/>
+              <ma14:wrappingTextBoxFlag xmlns="" xmlns:m="http://schemas.openxmlformats.org/officeDocument/2006/math" xmlns:a14="http://schemas.microsoft.com/office/drawing/2010/main" xmlns:ma14="http://schemas.microsoft.com/office/mac/drawingml/2011/main" val="1"/>
             </a:ext>
           </a:extLst>
         </p:spPr>
@@ -6145,7 +6145,7 @@
           </a:ln>
           <a:extLst>
             <a:ext uri="{C572A759-6A51-4108-AA02-DFA0A04FC94B}">
-              <ma14:wrappingTextBoxFlag xmlns:ma14="http://schemas.microsoft.com/office/mac/drawingml/2011/main" xmlns:a14="http://schemas.microsoft.com/office/drawing/2010/main" xmlns:m="http://schemas.openxmlformats.org/officeDocument/2006/math" xmlns="" val="1"/>
+              <ma14:wrappingTextBoxFlag xmlns="" xmlns:m="http://schemas.openxmlformats.org/officeDocument/2006/math" xmlns:a14="http://schemas.microsoft.com/office/drawing/2010/main" xmlns:ma14="http://schemas.microsoft.com/office/mac/drawingml/2011/main" val="1"/>
             </a:ext>
           </a:extLst>
         </p:spPr>
@@ -6193,7 +6193,7 @@
           </a:ln>
           <a:extLst>
             <a:ext uri="{C572A759-6A51-4108-AA02-DFA0A04FC94B}">
-              <ma14:wrappingTextBoxFlag xmlns:ma14="http://schemas.microsoft.com/office/mac/drawingml/2011/main" xmlns:a14="http://schemas.microsoft.com/office/drawing/2010/main" xmlns:m="http://schemas.openxmlformats.org/officeDocument/2006/math" xmlns="" val="1"/>
+              <ma14:wrappingTextBoxFlag xmlns="" xmlns:m="http://schemas.openxmlformats.org/officeDocument/2006/math" xmlns:a14="http://schemas.microsoft.com/office/drawing/2010/main" xmlns:ma14="http://schemas.microsoft.com/office/mac/drawingml/2011/main" val="1"/>
             </a:ext>
           </a:extLst>
         </p:spPr>
@@ -6235,7 +6235,7 @@
           </a:ln>
           <a:extLst>
             <a:ext uri="{C572A759-6A51-4108-AA02-DFA0A04FC94B}">
-              <ma14:wrappingTextBoxFlag xmlns:ma14="http://schemas.microsoft.com/office/mac/drawingml/2011/main" xmlns:a14="http://schemas.microsoft.com/office/drawing/2010/main" xmlns:m="http://schemas.openxmlformats.org/officeDocument/2006/math" xmlns="" val="1"/>
+              <ma14:wrappingTextBoxFlag xmlns="" xmlns:m="http://schemas.openxmlformats.org/officeDocument/2006/math" xmlns:a14="http://schemas.microsoft.com/office/drawing/2010/main" xmlns:ma14="http://schemas.microsoft.com/office/mac/drawingml/2011/main" val="1"/>
             </a:ext>
           </a:extLst>
         </p:spPr>
@@ -7470,7 +7470,7 @@
         </p:nvSpPr>
         <p:spPr>
           <a:xfrm>
-            <a:off x="5096073" y="142292"/>
+            <a:off x="5074201" y="142292"/>
             <a:ext cx="1160445" cy="1672365"/>
           </a:xfrm>
           <a:prstGeom prst="rect">
@@ -7491,6 +7491,82 @@
           </a:p>
         </p:txBody>
       </p:sp>
+      <p:pic>
+        <p:nvPicPr>
+          <p:cNvPr id="4" name="pasted-image.tiff" descr="pasted-image.tiff">
+            <a:extLst>
+              <a:ext uri="{FF2B5EF4-FFF2-40B4-BE49-F238E27FC236}">
+                <a16:creationId xmlns:a16="http://schemas.microsoft.com/office/drawing/2014/main" id="{D61676F5-A187-1B27-BB8B-45FA15A106DA}"/>
+              </a:ext>
+            </a:extLst>
+          </p:cNvPr>
+          <p:cNvPicPr>
+            <a:picLocks noChangeAspect="1"/>
+          </p:cNvPicPr>
+          <p:nvPr/>
+        </p:nvPicPr>
+        <p:blipFill>
+          <a:blip r:embed="rId5">
+            <a:alphaModFix amt="85000"/>
+          </a:blip>
+          <a:srcRect l="4545" t="19455" r="2658" b="21336"/>
+          <a:stretch>
+            <a:fillRect/>
+          </a:stretch>
+        </p:blipFill>
+        <p:spPr>
+          <a:xfrm rot="16200000">
+            <a:off x="2699109" y="2186895"/>
+            <a:ext cx="1566863" cy="1036639"/>
+          </a:xfrm>
+          <a:custGeom>
+            <a:avLst/>
+            <a:gdLst/>
+            <a:ahLst/>
+            <a:cxnLst>
+              <a:cxn ang="0">
+                <a:pos x="wd2" y="hd2"/>
+              </a:cxn>
+              <a:cxn ang="5400000">
+                <a:pos x="wd2" y="hd2"/>
+              </a:cxn>
+              <a:cxn ang="10800000">
+                <a:pos x="wd2" y="hd2"/>
+              </a:cxn>
+              <a:cxn ang="16200000">
+                <a:pos x="wd2" y="hd2"/>
+              </a:cxn>
+            </a:cxnLst>
+            <a:rect l="0" t="0" r="r" b="b"/>
+            <a:pathLst>
+              <a:path w="21600" h="21600" extrusionOk="0">
+                <a:moveTo>
+                  <a:pt x="0" y="0"/>
+                </a:moveTo>
+                <a:lnTo>
+                  <a:pt x="0" y="10742"/>
+                </a:lnTo>
+                <a:lnTo>
+                  <a:pt x="0" y="21600"/>
+                </a:lnTo>
+                <a:lnTo>
+                  <a:pt x="21600" y="21600"/>
+                </a:lnTo>
+                <a:lnTo>
+                  <a:pt x="21600" y="0"/>
+                </a:lnTo>
+                <a:lnTo>
+                  <a:pt x="0" y="0"/>
+                </a:lnTo>
+                <a:close/>
+              </a:path>
+            </a:pathLst>
+          </a:custGeom>
+          <a:ln w="12700">
+            <a:miter lim="400000"/>
+          </a:ln>
+        </p:spPr>
+      </p:pic>
     </p:spTree>
   </p:cSld>
   <p:clrMapOvr>

--- a/powerpoint template.pptx
+++ b/powerpoint template.pptx
@@ -1045,7 +1045,7 @@
           </a:ln>
           <a:extLst>
             <a:ext uri="{C572A759-6A51-4108-AA02-DFA0A04FC94B}">
-              <ma14:wrappingTextBoxFlag xmlns="" xmlns:m="http://schemas.openxmlformats.org/officeDocument/2006/math" xmlns:a14="http://schemas.microsoft.com/office/drawing/2010/main" xmlns:ma14="http://schemas.microsoft.com/office/mac/drawingml/2011/main" val="1"/>
+              <ma14:wrappingTextBoxFlag xmlns:ma14="http://schemas.microsoft.com/office/mac/drawingml/2011/main" xmlns:a14="http://schemas.microsoft.com/office/drawing/2010/main" xmlns:m="http://schemas.openxmlformats.org/officeDocument/2006/math" xmlns="" val="1"/>
             </a:ext>
           </a:extLst>
         </p:spPr>
@@ -1092,7 +1092,7 @@
           </a:ln>
           <a:extLst>
             <a:ext uri="{C572A759-6A51-4108-AA02-DFA0A04FC94B}">
-              <ma14:wrappingTextBoxFlag xmlns="" xmlns:m="http://schemas.openxmlformats.org/officeDocument/2006/math" xmlns:a14="http://schemas.microsoft.com/office/drawing/2010/main" xmlns:ma14="http://schemas.microsoft.com/office/mac/drawingml/2011/main" val="1"/>
+              <ma14:wrappingTextBoxFlag xmlns:ma14="http://schemas.microsoft.com/office/mac/drawingml/2011/main" xmlns:a14="http://schemas.microsoft.com/office/drawing/2010/main" xmlns:m="http://schemas.openxmlformats.org/officeDocument/2006/math" xmlns="" val="1"/>
             </a:ext>
           </a:extLst>
         </p:spPr>
@@ -1139,7 +1139,7 @@
           </a:ln>
           <a:extLst>
             <a:ext uri="{C572A759-6A51-4108-AA02-DFA0A04FC94B}">
-              <ma14:wrappingTextBoxFlag xmlns="" xmlns:m="http://schemas.openxmlformats.org/officeDocument/2006/math" xmlns:a14="http://schemas.microsoft.com/office/drawing/2010/main" xmlns:ma14="http://schemas.microsoft.com/office/mac/drawingml/2011/main" val="1"/>
+              <ma14:wrappingTextBoxFlag xmlns:ma14="http://schemas.microsoft.com/office/mac/drawingml/2011/main" xmlns:a14="http://schemas.microsoft.com/office/drawing/2010/main" xmlns:m="http://schemas.openxmlformats.org/officeDocument/2006/math" xmlns="" val="1"/>
             </a:ext>
           </a:extLst>
         </p:spPr>
@@ -2620,7 +2620,7 @@
           </a:ln>
           <a:extLst>
             <a:ext uri="{C572A759-6A51-4108-AA02-DFA0A04FC94B}">
-              <ma14:wrappingTextBoxFlag xmlns="" xmlns:m="http://schemas.openxmlformats.org/officeDocument/2006/math" xmlns:a14="http://schemas.microsoft.com/office/drawing/2010/main" xmlns:ma14="http://schemas.microsoft.com/office/mac/drawingml/2011/main" val="1"/>
+              <ma14:wrappingTextBoxFlag xmlns:ma14="http://schemas.microsoft.com/office/mac/drawingml/2011/main" xmlns:a14="http://schemas.microsoft.com/office/drawing/2010/main" xmlns:m="http://schemas.openxmlformats.org/officeDocument/2006/math" xmlns="" val="1"/>
             </a:ext>
           </a:extLst>
         </p:spPr>
@@ -2762,7 +2762,7 @@
           </a:ln>
           <a:extLst>
             <a:ext uri="{C572A759-6A51-4108-AA02-DFA0A04FC94B}">
-              <ma14:wrappingTextBoxFlag xmlns="" xmlns:m="http://schemas.openxmlformats.org/officeDocument/2006/math" xmlns:a14="http://schemas.microsoft.com/office/drawing/2010/main" xmlns:ma14="http://schemas.microsoft.com/office/mac/drawingml/2011/main" val="1"/>
+              <ma14:wrappingTextBoxFlag xmlns:ma14="http://schemas.microsoft.com/office/mac/drawingml/2011/main" xmlns:a14="http://schemas.microsoft.com/office/drawing/2010/main" xmlns:m="http://schemas.openxmlformats.org/officeDocument/2006/math" xmlns="" val="1"/>
             </a:ext>
           </a:extLst>
         </p:spPr>
@@ -2840,7 +2840,7 @@
           </a:ln>
           <a:extLst>
             <a:ext uri="{C572A759-6A51-4108-AA02-DFA0A04FC94B}">
-              <ma14:wrappingTextBoxFlag xmlns="" xmlns:m="http://schemas.openxmlformats.org/officeDocument/2006/math" xmlns:a14="http://schemas.microsoft.com/office/drawing/2010/main" xmlns:ma14="http://schemas.microsoft.com/office/mac/drawingml/2011/main" val="1"/>
+              <ma14:wrappingTextBoxFlag xmlns:ma14="http://schemas.microsoft.com/office/mac/drawingml/2011/main" xmlns:a14="http://schemas.microsoft.com/office/drawing/2010/main" xmlns:m="http://schemas.openxmlformats.org/officeDocument/2006/math" xmlns="" val="1"/>
             </a:ext>
           </a:extLst>
         </p:spPr>
@@ -2887,7 +2887,7 @@
           </a:ln>
           <a:extLst>
             <a:ext uri="{C572A759-6A51-4108-AA02-DFA0A04FC94B}">
-              <ma14:wrappingTextBoxFlag xmlns="" xmlns:m="http://schemas.openxmlformats.org/officeDocument/2006/math" xmlns:a14="http://schemas.microsoft.com/office/drawing/2010/main" xmlns:ma14="http://schemas.microsoft.com/office/mac/drawingml/2011/main" val="1"/>
+              <ma14:wrappingTextBoxFlag xmlns:ma14="http://schemas.microsoft.com/office/mac/drawingml/2011/main" xmlns:a14="http://schemas.microsoft.com/office/drawing/2010/main" xmlns:m="http://schemas.openxmlformats.org/officeDocument/2006/math" xmlns="" val="1"/>
             </a:ext>
           </a:extLst>
         </p:spPr>
@@ -2934,7 +2934,7 @@
           </a:ln>
           <a:extLst>
             <a:ext uri="{C572A759-6A51-4108-AA02-DFA0A04FC94B}">
-              <ma14:wrappingTextBoxFlag xmlns="" xmlns:m="http://schemas.openxmlformats.org/officeDocument/2006/math" xmlns:a14="http://schemas.microsoft.com/office/drawing/2010/main" xmlns:ma14="http://schemas.microsoft.com/office/mac/drawingml/2011/main" val="1"/>
+              <ma14:wrappingTextBoxFlag xmlns:ma14="http://schemas.microsoft.com/office/mac/drawingml/2011/main" xmlns:a14="http://schemas.microsoft.com/office/drawing/2010/main" xmlns:m="http://schemas.openxmlformats.org/officeDocument/2006/math" xmlns="" val="1"/>
             </a:ext>
           </a:extLst>
         </p:spPr>
@@ -2981,7 +2981,7 @@
           </a:ln>
           <a:extLst>
             <a:ext uri="{C572A759-6A51-4108-AA02-DFA0A04FC94B}">
-              <ma14:wrappingTextBoxFlag xmlns="" xmlns:m="http://schemas.openxmlformats.org/officeDocument/2006/math" xmlns:a14="http://schemas.microsoft.com/office/drawing/2010/main" xmlns:ma14="http://schemas.microsoft.com/office/mac/drawingml/2011/main" val="1"/>
+              <ma14:wrappingTextBoxFlag xmlns:ma14="http://schemas.microsoft.com/office/mac/drawingml/2011/main" xmlns:a14="http://schemas.microsoft.com/office/drawing/2010/main" xmlns:m="http://schemas.openxmlformats.org/officeDocument/2006/math" xmlns="" val="1"/>
             </a:ext>
           </a:extLst>
         </p:spPr>
@@ -3028,7 +3028,7 @@
           </a:ln>
           <a:extLst>
             <a:ext uri="{C572A759-6A51-4108-AA02-DFA0A04FC94B}">
-              <ma14:wrappingTextBoxFlag xmlns="" xmlns:m="http://schemas.openxmlformats.org/officeDocument/2006/math" xmlns:a14="http://schemas.microsoft.com/office/drawing/2010/main" xmlns:ma14="http://schemas.microsoft.com/office/mac/drawingml/2011/main" val="1"/>
+              <ma14:wrappingTextBoxFlag xmlns:ma14="http://schemas.microsoft.com/office/mac/drawingml/2011/main" xmlns:a14="http://schemas.microsoft.com/office/drawing/2010/main" xmlns:m="http://schemas.openxmlformats.org/officeDocument/2006/math" xmlns="" val="1"/>
             </a:ext>
           </a:extLst>
         </p:spPr>
@@ -3264,7 +3264,7 @@
           </a:ln>
           <a:extLst>
             <a:ext uri="{C572A759-6A51-4108-AA02-DFA0A04FC94B}">
-              <ma14:wrappingTextBoxFlag xmlns="" xmlns:m="http://schemas.openxmlformats.org/officeDocument/2006/math" xmlns:a14="http://schemas.microsoft.com/office/drawing/2010/main" xmlns:ma14="http://schemas.microsoft.com/office/mac/drawingml/2011/main" val="1"/>
+              <ma14:wrappingTextBoxFlag xmlns:ma14="http://schemas.microsoft.com/office/mac/drawingml/2011/main" xmlns:a14="http://schemas.microsoft.com/office/drawing/2010/main" xmlns:m="http://schemas.openxmlformats.org/officeDocument/2006/math" xmlns="" val="1"/>
             </a:ext>
           </a:extLst>
         </p:spPr>
@@ -3311,7 +3311,7 @@
           </a:ln>
           <a:extLst>
             <a:ext uri="{C572A759-6A51-4108-AA02-DFA0A04FC94B}">
-              <ma14:wrappingTextBoxFlag xmlns="" xmlns:m="http://schemas.openxmlformats.org/officeDocument/2006/math" xmlns:a14="http://schemas.microsoft.com/office/drawing/2010/main" xmlns:ma14="http://schemas.microsoft.com/office/mac/drawingml/2011/main" val="1"/>
+              <ma14:wrappingTextBoxFlag xmlns:ma14="http://schemas.microsoft.com/office/mac/drawingml/2011/main" xmlns:a14="http://schemas.microsoft.com/office/drawing/2010/main" xmlns:m="http://schemas.openxmlformats.org/officeDocument/2006/math" xmlns="" val="1"/>
             </a:ext>
           </a:extLst>
         </p:spPr>
@@ -3503,7 +3503,7 @@
           </a:ln>
           <a:extLst>
             <a:ext uri="{C572A759-6A51-4108-AA02-DFA0A04FC94B}">
-              <ma14:wrappingTextBoxFlag xmlns="" xmlns:m="http://schemas.openxmlformats.org/officeDocument/2006/math" xmlns:a14="http://schemas.microsoft.com/office/drawing/2010/main" xmlns:ma14="http://schemas.microsoft.com/office/mac/drawingml/2011/main" val="1"/>
+              <ma14:wrappingTextBoxFlag xmlns:ma14="http://schemas.microsoft.com/office/mac/drawingml/2011/main" xmlns:a14="http://schemas.microsoft.com/office/drawing/2010/main" xmlns:m="http://schemas.openxmlformats.org/officeDocument/2006/math" xmlns="" val="1"/>
             </a:ext>
           </a:extLst>
         </p:spPr>
@@ -3542,7 +3542,7 @@
           </a:ln>
           <a:extLst>
             <a:ext uri="{C572A759-6A51-4108-AA02-DFA0A04FC94B}">
-              <ma14:wrappingTextBoxFlag xmlns="" xmlns:m="http://schemas.openxmlformats.org/officeDocument/2006/math" xmlns:a14="http://schemas.microsoft.com/office/drawing/2010/main" xmlns:ma14="http://schemas.microsoft.com/office/mac/drawingml/2011/main" val="1"/>
+              <ma14:wrappingTextBoxFlag xmlns:ma14="http://schemas.microsoft.com/office/mac/drawingml/2011/main" xmlns:a14="http://schemas.microsoft.com/office/drawing/2010/main" xmlns:m="http://schemas.openxmlformats.org/officeDocument/2006/math" xmlns="" val="1"/>
             </a:ext>
           </a:extLst>
         </p:spPr>
@@ -4552,7 +4552,7 @@
           </a:ln>
           <a:extLst>
             <a:ext uri="{C572A759-6A51-4108-AA02-DFA0A04FC94B}">
-              <ma14:wrappingTextBoxFlag xmlns="" xmlns:m="http://schemas.openxmlformats.org/officeDocument/2006/math" xmlns:a14="http://schemas.microsoft.com/office/drawing/2010/main" xmlns:ma14="http://schemas.microsoft.com/office/mac/drawingml/2011/main" val="1"/>
+              <ma14:wrappingTextBoxFlag xmlns:ma14="http://schemas.microsoft.com/office/mac/drawingml/2011/main" xmlns:a14="http://schemas.microsoft.com/office/drawing/2010/main" xmlns:m="http://schemas.openxmlformats.org/officeDocument/2006/math" xmlns="" val="1"/>
             </a:ext>
           </a:extLst>
         </p:spPr>
@@ -4723,7 +4723,7 @@
           </a:ln>
           <a:extLst>
             <a:ext uri="{C572A759-6A51-4108-AA02-DFA0A04FC94B}">
-              <ma14:wrappingTextBoxFlag xmlns="" xmlns:m="http://schemas.openxmlformats.org/officeDocument/2006/math" xmlns:a14="http://schemas.microsoft.com/office/drawing/2010/main" xmlns:ma14="http://schemas.microsoft.com/office/mac/drawingml/2011/main" val="1"/>
+              <ma14:wrappingTextBoxFlag xmlns:ma14="http://schemas.microsoft.com/office/mac/drawingml/2011/main" xmlns:a14="http://schemas.microsoft.com/office/drawing/2010/main" xmlns:m="http://schemas.openxmlformats.org/officeDocument/2006/math" xmlns="" val="1"/>
             </a:ext>
           </a:extLst>
         </p:spPr>
@@ -4770,7 +4770,7 @@
           </a:ln>
           <a:extLst>
             <a:ext uri="{C572A759-6A51-4108-AA02-DFA0A04FC94B}">
-              <ma14:wrappingTextBoxFlag xmlns="" xmlns:m="http://schemas.openxmlformats.org/officeDocument/2006/math" xmlns:a14="http://schemas.microsoft.com/office/drawing/2010/main" xmlns:ma14="http://schemas.microsoft.com/office/mac/drawingml/2011/main" val="1"/>
+              <ma14:wrappingTextBoxFlag xmlns:ma14="http://schemas.microsoft.com/office/mac/drawingml/2011/main" xmlns:a14="http://schemas.microsoft.com/office/drawing/2010/main" xmlns:m="http://schemas.openxmlformats.org/officeDocument/2006/math" xmlns="" val="1"/>
             </a:ext>
           </a:extLst>
         </p:spPr>
@@ -4817,7 +4817,7 @@
           </a:ln>
           <a:extLst>
             <a:ext uri="{C572A759-6A51-4108-AA02-DFA0A04FC94B}">
-              <ma14:wrappingTextBoxFlag xmlns="" xmlns:m="http://schemas.openxmlformats.org/officeDocument/2006/math" xmlns:a14="http://schemas.microsoft.com/office/drawing/2010/main" xmlns:ma14="http://schemas.microsoft.com/office/mac/drawingml/2011/main" val="1"/>
+              <ma14:wrappingTextBoxFlag xmlns:ma14="http://schemas.microsoft.com/office/mac/drawingml/2011/main" xmlns:a14="http://schemas.microsoft.com/office/drawing/2010/main" xmlns:m="http://schemas.openxmlformats.org/officeDocument/2006/math" xmlns="" val="1"/>
             </a:ext>
           </a:extLst>
         </p:spPr>
@@ -4864,7 +4864,7 @@
           </a:ln>
           <a:extLst>
             <a:ext uri="{C572A759-6A51-4108-AA02-DFA0A04FC94B}">
-              <ma14:wrappingTextBoxFlag xmlns="" xmlns:m="http://schemas.openxmlformats.org/officeDocument/2006/math" xmlns:a14="http://schemas.microsoft.com/office/drawing/2010/main" xmlns:ma14="http://schemas.microsoft.com/office/mac/drawingml/2011/main" val="1"/>
+              <ma14:wrappingTextBoxFlag xmlns:ma14="http://schemas.microsoft.com/office/mac/drawingml/2011/main" xmlns:a14="http://schemas.microsoft.com/office/drawing/2010/main" xmlns:m="http://schemas.openxmlformats.org/officeDocument/2006/math" xmlns="" val="1"/>
             </a:ext>
           </a:extLst>
         </p:spPr>
@@ -4911,7 +4911,7 @@
           </a:ln>
           <a:extLst>
             <a:ext uri="{C572A759-6A51-4108-AA02-DFA0A04FC94B}">
-              <ma14:wrappingTextBoxFlag xmlns="" xmlns:m="http://schemas.openxmlformats.org/officeDocument/2006/math" xmlns:a14="http://schemas.microsoft.com/office/drawing/2010/main" xmlns:ma14="http://schemas.microsoft.com/office/mac/drawingml/2011/main" val="1"/>
+              <ma14:wrappingTextBoxFlag xmlns:ma14="http://schemas.microsoft.com/office/mac/drawingml/2011/main" xmlns:a14="http://schemas.microsoft.com/office/drawing/2010/main" xmlns:m="http://schemas.openxmlformats.org/officeDocument/2006/math" xmlns="" val="1"/>
             </a:ext>
           </a:extLst>
         </p:spPr>
@@ -4958,7 +4958,7 @@
           </a:ln>
           <a:extLst>
             <a:ext uri="{C572A759-6A51-4108-AA02-DFA0A04FC94B}">
-              <ma14:wrappingTextBoxFlag xmlns="" xmlns:m="http://schemas.openxmlformats.org/officeDocument/2006/math" xmlns:a14="http://schemas.microsoft.com/office/drawing/2010/main" xmlns:ma14="http://schemas.microsoft.com/office/mac/drawingml/2011/main" val="1"/>
+              <ma14:wrappingTextBoxFlag xmlns:ma14="http://schemas.microsoft.com/office/mac/drawingml/2011/main" xmlns:a14="http://schemas.microsoft.com/office/drawing/2010/main" xmlns:m="http://schemas.openxmlformats.org/officeDocument/2006/math" xmlns="" val="1"/>
             </a:ext>
           </a:extLst>
         </p:spPr>
@@ -5130,7 +5130,7 @@
           </a:ln>
           <a:extLst>
             <a:ext uri="{C572A759-6A51-4108-AA02-DFA0A04FC94B}">
-              <ma14:wrappingTextBoxFlag xmlns="" xmlns:m="http://schemas.openxmlformats.org/officeDocument/2006/math" xmlns:a14="http://schemas.microsoft.com/office/drawing/2010/main" xmlns:ma14="http://schemas.microsoft.com/office/mac/drawingml/2011/main" val="1"/>
+              <ma14:wrappingTextBoxFlag xmlns:ma14="http://schemas.microsoft.com/office/mac/drawingml/2011/main" xmlns:a14="http://schemas.microsoft.com/office/drawing/2010/main" xmlns:m="http://schemas.openxmlformats.org/officeDocument/2006/math" xmlns="" val="1"/>
             </a:ext>
           </a:extLst>
         </p:spPr>
@@ -5223,7 +5223,7 @@
           </a:ln>
           <a:extLst>
             <a:ext uri="{C572A759-6A51-4108-AA02-DFA0A04FC94B}">
-              <ma14:wrappingTextBoxFlag xmlns="" xmlns:m="http://schemas.openxmlformats.org/officeDocument/2006/math" xmlns:a14="http://schemas.microsoft.com/office/drawing/2010/main" xmlns:ma14="http://schemas.microsoft.com/office/mac/drawingml/2011/main" val="1"/>
+              <ma14:wrappingTextBoxFlag xmlns:ma14="http://schemas.microsoft.com/office/mac/drawingml/2011/main" xmlns:a14="http://schemas.microsoft.com/office/drawing/2010/main" xmlns:m="http://schemas.openxmlformats.org/officeDocument/2006/math" xmlns="" val="1"/>
             </a:ext>
           </a:extLst>
         </p:spPr>
@@ -5273,7 +5273,7 @@
           </a:ln>
           <a:extLst>
             <a:ext uri="{C572A759-6A51-4108-AA02-DFA0A04FC94B}">
-              <ma14:wrappingTextBoxFlag xmlns="" xmlns:m="http://schemas.openxmlformats.org/officeDocument/2006/math" xmlns:a14="http://schemas.microsoft.com/office/drawing/2010/main" xmlns:ma14="http://schemas.microsoft.com/office/mac/drawingml/2011/main" val="1"/>
+              <ma14:wrappingTextBoxFlag xmlns:ma14="http://schemas.microsoft.com/office/mac/drawingml/2011/main" xmlns:a14="http://schemas.microsoft.com/office/drawing/2010/main" xmlns:m="http://schemas.openxmlformats.org/officeDocument/2006/math" xmlns="" val="1"/>
             </a:ext>
           </a:extLst>
         </p:spPr>
@@ -5325,7 +5325,7 @@
           </a:ln>
           <a:extLst>
             <a:ext uri="{C572A759-6A51-4108-AA02-DFA0A04FC94B}">
-              <ma14:wrappingTextBoxFlag xmlns="" xmlns:m="http://schemas.openxmlformats.org/officeDocument/2006/math" xmlns:a14="http://schemas.microsoft.com/office/drawing/2010/main" xmlns:ma14="http://schemas.microsoft.com/office/mac/drawingml/2011/main" val="1"/>
+              <ma14:wrappingTextBoxFlag xmlns:ma14="http://schemas.microsoft.com/office/mac/drawingml/2011/main" xmlns:a14="http://schemas.microsoft.com/office/drawing/2010/main" xmlns:m="http://schemas.openxmlformats.org/officeDocument/2006/math" xmlns="" val="1"/>
             </a:ext>
           </a:extLst>
         </p:spPr>
@@ -5377,7 +5377,7 @@
           </a:ln>
           <a:extLst>
             <a:ext uri="{C572A759-6A51-4108-AA02-DFA0A04FC94B}">
-              <ma14:wrappingTextBoxFlag xmlns="" xmlns:m="http://schemas.openxmlformats.org/officeDocument/2006/math" xmlns:a14="http://schemas.microsoft.com/office/drawing/2010/main" xmlns:ma14="http://schemas.microsoft.com/office/mac/drawingml/2011/main" val="1"/>
+              <ma14:wrappingTextBoxFlag xmlns:ma14="http://schemas.microsoft.com/office/mac/drawingml/2011/main" xmlns:a14="http://schemas.microsoft.com/office/drawing/2010/main" xmlns:m="http://schemas.openxmlformats.org/officeDocument/2006/math" xmlns="" val="1"/>
             </a:ext>
           </a:extLst>
         </p:spPr>
@@ -5429,7 +5429,7 @@
           </a:ln>
           <a:extLst>
             <a:ext uri="{C572A759-6A51-4108-AA02-DFA0A04FC94B}">
-              <ma14:wrappingTextBoxFlag xmlns="" xmlns:m="http://schemas.openxmlformats.org/officeDocument/2006/math" xmlns:a14="http://schemas.microsoft.com/office/drawing/2010/main" xmlns:ma14="http://schemas.microsoft.com/office/mac/drawingml/2011/main" val="1"/>
+              <ma14:wrappingTextBoxFlag xmlns:ma14="http://schemas.microsoft.com/office/mac/drawingml/2011/main" xmlns:a14="http://schemas.microsoft.com/office/drawing/2010/main" xmlns:m="http://schemas.openxmlformats.org/officeDocument/2006/math" xmlns="" val="1"/>
             </a:ext>
           </a:extLst>
         </p:spPr>
@@ -5481,7 +5481,7 @@
           </a:ln>
           <a:extLst>
             <a:ext uri="{C572A759-6A51-4108-AA02-DFA0A04FC94B}">
-              <ma14:wrappingTextBoxFlag xmlns="" xmlns:m="http://schemas.openxmlformats.org/officeDocument/2006/math" xmlns:a14="http://schemas.microsoft.com/office/drawing/2010/main" xmlns:ma14="http://schemas.microsoft.com/office/mac/drawingml/2011/main" val="1"/>
+              <ma14:wrappingTextBoxFlag xmlns:ma14="http://schemas.microsoft.com/office/mac/drawingml/2011/main" xmlns:a14="http://schemas.microsoft.com/office/drawing/2010/main" xmlns:m="http://schemas.openxmlformats.org/officeDocument/2006/math" xmlns="" val="1"/>
             </a:ext>
           </a:extLst>
         </p:spPr>
@@ -5533,7 +5533,7 @@
           </a:ln>
           <a:extLst>
             <a:ext uri="{C572A759-6A51-4108-AA02-DFA0A04FC94B}">
-              <ma14:wrappingTextBoxFlag xmlns="" xmlns:m="http://schemas.openxmlformats.org/officeDocument/2006/math" xmlns:a14="http://schemas.microsoft.com/office/drawing/2010/main" xmlns:ma14="http://schemas.microsoft.com/office/mac/drawingml/2011/main" val="1"/>
+              <ma14:wrappingTextBoxFlag xmlns:ma14="http://schemas.microsoft.com/office/mac/drawingml/2011/main" xmlns:a14="http://schemas.microsoft.com/office/drawing/2010/main" xmlns:m="http://schemas.openxmlformats.org/officeDocument/2006/math" xmlns="" val="1"/>
             </a:ext>
           </a:extLst>
         </p:spPr>
@@ -5584,7 +5584,7 @@
           </a:ln>
           <a:extLst>
             <a:ext uri="{C572A759-6A51-4108-AA02-DFA0A04FC94B}">
-              <ma14:wrappingTextBoxFlag xmlns="" xmlns:m="http://schemas.openxmlformats.org/officeDocument/2006/math" xmlns:a14="http://schemas.microsoft.com/office/drawing/2010/main" xmlns:ma14="http://schemas.microsoft.com/office/mac/drawingml/2011/main" val="1"/>
+              <ma14:wrappingTextBoxFlag xmlns:ma14="http://schemas.microsoft.com/office/mac/drawingml/2011/main" xmlns:a14="http://schemas.microsoft.com/office/drawing/2010/main" xmlns:m="http://schemas.openxmlformats.org/officeDocument/2006/math" xmlns="" val="1"/>
             </a:ext>
           </a:extLst>
         </p:spPr>
@@ -5713,7 +5713,7 @@
           </a:ln>
           <a:extLst>
             <a:ext uri="{C572A759-6A51-4108-AA02-DFA0A04FC94B}">
-              <ma14:wrappingTextBoxFlag xmlns="" xmlns:m="http://schemas.openxmlformats.org/officeDocument/2006/math" xmlns:a14="http://schemas.microsoft.com/office/drawing/2010/main" xmlns:ma14="http://schemas.microsoft.com/office/mac/drawingml/2011/main" val="1"/>
+              <ma14:wrappingTextBoxFlag xmlns:ma14="http://schemas.microsoft.com/office/mac/drawingml/2011/main" xmlns:a14="http://schemas.microsoft.com/office/drawing/2010/main" xmlns:m="http://schemas.openxmlformats.org/officeDocument/2006/math" xmlns="" val="1"/>
             </a:ext>
           </a:extLst>
         </p:spPr>
@@ -5761,7 +5761,7 @@
           </a:ln>
           <a:extLst>
             <a:ext uri="{C572A759-6A51-4108-AA02-DFA0A04FC94B}">
-              <ma14:wrappingTextBoxFlag xmlns="" xmlns:m="http://schemas.openxmlformats.org/officeDocument/2006/math" xmlns:a14="http://schemas.microsoft.com/office/drawing/2010/main" xmlns:ma14="http://schemas.microsoft.com/office/mac/drawingml/2011/main" val="1"/>
+              <ma14:wrappingTextBoxFlag xmlns:ma14="http://schemas.microsoft.com/office/mac/drawingml/2011/main" xmlns:a14="http://schemas.microsoft.com/office/drawing/2010/main" xmlns:m="http://schemas.openxmlformats.org/officeDocument/2006/math" xmlns="" val="1"/>
             </a:ext>
           </a:extLst>
         </p:spPr>
@@ -5809,7 +5809,7 @@
           </a:ln>
           <a:extLst>
             <a:ext uri="{C572A759-6A51-4108-AA02-DFA0A04FC94B}">
-              <ma14:wrappingTextBoxFlag xmlns="" xmlns:m="http://schemas.openxmlformats.org/officeDocument/2006/math" xmlns:a14="http://schemas.microsoft.com/office/drawing/2010/main" xmlns:ma14="http://schemas.microsoft.com/office/mac/drawingml/2011/main" val="1"/>
+              <ma14:wrappingTextBoxFlag xmlns:ma14="http://schemas.microsoft.com/office/mac/drawingml/2011/main" xmlns:a14="http://schemas.microsoft.com/office/drawing/2010/main" xmlns:m="http://schemas.openxmlformats.org/officeDocument/2006/math" xmlns="" val="1"/>
             </a:ext>
           </a:extLst>
         </p:spPr>
@@ -5857,7 +5857,7 @@
           </a:ln>
           <a:extLst>
             <a:ext uri="{C572A759-6A51-4108-AA02-DFA0A04FC94B}">
-              <ma14:wrappingTextBoxFlag xmlns="" xmlns:m="http://schemas.openxmlformats.org/officeDocument/2006/math" xmlns:a14="http://schemas.microsoft.com/office/drawing/2010/main" xmlns:ma14="http://schemas.microsoft.com/office/mac/drawingml/2011/main" val="1"/>
+              <ma14:wrappingTextBoxFlag xmlns:ma14="http://schemas.microsoft.com/office/mac/drawingml/2011/main" xmlns:a14="http://schemas.microsoft.com/office/drawing/2010/main" xmlns:m="http://schemas.openxmlformats.org/officeDocument/2006/math" xmlns="" val="1"/>
             </a:ext>
           </a:extLst>
         </p:spPr>
@@ -5905,7 +5905,7 @@
           </a:ln>
           <a:extLst>
             <a:ext uri="{C572A759-6A51-4108-AA02-DFA0A04FC94B}">
-              <ma14:wrappingTextBoxFlag xmlns="" xmlns:m="http://schemas.openxmlformats.org/officeDocument/2006/math" xmlns:a14="http://schemas.microsoft.com/office/drawing/2010/main" xmlns:ma14="http://schemas.microsoft.com/office/mac/drawingml/2011/main" val="1"/>
+              <ma14:wrappingTextBoxFlag xmlns:ma14="http://schemas.microsoft.com/office/mac/drawingml/2011/main" xmlns:a14="http://schemas.microsoft.com/office/drawing/2010/main" xmlns:m="http://schemas.openxmlformats.org/officeDocument/2006/math" xmlns="" val="1"/>
             </a:ext>
           </a:extLst>
         </p:spPr>
@@ -5953,7 +5953,7 @@
           </a:ln>
           <a:extLst>
             <a:ext uri="{C572A759-6A51-4108-AA02-DFA0A04FC94B}">
-              <ma14:wrappingTextBoxFlag xmlns="" xmlns:m="http://schemas.openxmlformats.org/officeDocument/2006/math" xmlns:a14="http://schemas.microsoft.com/office/drawing/2010/main" xmlns:ma14="http://schemas.microsoft.com/office/mac/drawingml/2011/main" val="1"/>
+              <ma14:wrappingTextBoxFlag xmlns:ma14="http://schemas.microsoft.com/office/mac/drawingml/2011/main" xmlns:a14="http://schemas.microsoft.com/office/drawing/2010/main" xmlns:m="http://schemas.openxmlformats.org/officeDocument/2006/math" xmlns="" val="1"/>
             </a:ext>
           </a:extLst>
         </p:spPr>
@@ -6001,7 +6001,7 @@
           </a:ln>
           <a:extLst>
             <a:ext uri="{C572A759-6A51-4108-AA02-DFA0A04FC94B}">
-              <ma14:wrappingTextBoxFlag xmlns="" xmlns:m="http://schemas.openxmlformats.org/officeDocument/2006/math" xmlns:a14="http://schemas.microsoft.com/office/drawing/2010/main" xmlns:ma14="http://schemas.microsoft.com/office/mac/drawingml/2011/main" val="1"/>
+              <ma14:wrappingTextBoxFlag xmlns:ma14="http://schemas.microsoft.com/office/mac/drawingml/2011/main" xmlns:a14="http://schemas.microsoft.com/office/drawing/2010/main" xmlns:m="http://schemas.openxmlformats.org/officeDocument/2006/math" xmlns="" val="1"/>
             </a:ext>
           </a:extLst>
         </p:spPr>
@@ -6049,7 +6049,7 @@
           </a:ln>
           <a:extLst>
             <a:ext uri="{C572A759-6A51-4108-AA02-DFA0A04FC94B}">
-              <ma14:wrappingTextBoxFlag xmlns="" xmlns:m="http://schemas.openxmlformats.org/officeDocument/2006/math" xmlns:a14="http://schemas.microsoft.com/office/drawing/2010/main" xmlns:ma14="http://schemas.microsoft.com/office/mac/drawingml/2011/main" val="1"/>
+              <ma14:wrappingTextBoxFlag xmlns:ma14="http://schemas.microsoft.com/office/mac/drawingml/2011/main" xmlns:a14="http://schemas.microsoft.com/office/drawing/2010/main" xmlns:m="http://schemas.openxmlformats.org/officeDocument/2006/math" xmlns="" val="1"/>
             </a:ext>
           </a:extLst>
         </p:spPr>
@@ -6097,7 +6097,7 @@
           </a:ln>
           <a:extLst>
             <a:ext uri="{C572A759-6A51-4108-AA02-DFA0A04FC94B}">
-              <ma14:wrappingTextBoxFlag xmlns="" xmlns:m="http://schemas.openxmlformats.org/officeDocument/2006/math" xmlns:a14="http://schemas.microsoft.com/office/drawing/2010/main" xmlns:ma14="http://schemas.microsoft.com/office/mac/drawingml/2011/main" val="1"/>
+              <ma14:wrappingTextBoxFlag xmlns:ma14="http://schemas.microsoft.com/office/mac/drawingml/2011/main" xmlns:a14="http://schemas.microsoft.com/office/drawing/2010/main" xmlns:m="http://schemas.openxmlformats.org/officeDocument/2006/math" xmlns="" val="1"/>
             </a:ext>
           </a:extLst>
         </p:spPr>
@@ -6145,7 +6145,7 @@
           </a:ln>
           <a:extLst>
             <a:ext uri="{C572A759-6A51-4108-AA02-DFA0A04FC94B}">
-              <ma14:wrappingTextBoxFlag xmlns="" xmlns:m="http://schemas.openxmlformats.org/officeDocument/2006/math" xmlns:a14="http://schemas.microsoft.com/office/drawing/2010/main" xmlns:ma14="http://schemas.microsoft.com/office/mac/drawingml/2011/main" val="1"/>
+              <ma14:wrappingTextBoxFlag xmlns:ma14="http://schemas.microsoft.com/office/mac/drawingml/2011/main" xmlns:a14="http://schemas.microsoft.com/office/drawing/2010/main" xmlns:m="http://schemas.openxmlformats.org/officeDocument/2006/math" xmlns="" val="1"/>
             </a:ext>
           </a:extLst>
         </p:spPr>
@@ -6193,7 +6193,7 @@
           </a:ln>
           <a:extLst>
             <a:ext uri="{C572A759-6A51-4108-AA02-DFA0A04FC94B}">
-              <ma14:wrappingTextBoxFlag xmlns="" xmlns:m="http://schemas.openxmlformats.org/officeDocument/2006/math" xmlns:a14="http://schemas.microsoft.com/office/drawing/2010/main" xmlns:ma14="http://schemas.microsoft.com/office/mac/drawingml/2011/main" val="1"/>
+              <ma14:wrappingTextBoxFlag xmlns:ma14="http://schemas.microsoft.com/office/mac/drawingml/2011/main" xmlns:a14="http://schemas.microsoft.com/office/drawing/2010/main" xmlns:m="http://schemas.openxmlformats.org/officeDocument/2006/math" xmlns="" val="1"/>
             </a:ext>
           </a:extLst>
         </p:spPr>
@@ -6235,7 +6235,7 @@
           </a:ln>
           <a:extLst>
             <a:ext uri="{C572A759-6A51-4108-AA02-DFA0A04FC94B}">
-              <ma14:wrappingTextBoxFlag xmlns="" xmlns:m="http://schemas.openxmlformats.org/officeDocument/2006/math" xmlns:a14="http://schemas.microsoft.com/office/drawing/2010/main" xmlns:ma14="http://schemas.microsoft.com/office/mac/drawingml/2011/main" val="1"/>
+              <ma14:wrappingTextBoxFlag xmlns:ma14="http://schemas.microsoft.com/office/mac/drawingml/2011/main" xmlns:a14="http://schemas.microsoft.com/office/drawing/2010/main" xmlns:m="http://schemas.openxmlformats.org/officeDocument/2006/math" xmlns="" val="1"/>
             </a:ext>
           </a:extLst>
         </p:spPr>
@@ -7491,82 +7491,6 @@
           </a:p>
         </p:txBody>
       </p:sp>
-      <p:pic>
-        <p:nvPicPr>
-          <p:cNvPr id="4" name="pasted-image.tiff" descr="pasted-image.tiff">
-            <a:extLst>
-              <a:ext uri="{FF2B5EF4-FFF2-40B4-BE49-F238E27FC236}">
-                <a16:creationId xmlns:a16="http://schemas.microsoft.com/office/drawing/2014/main" id="{D61676F5-A187-1B27-BB8B-45FA15A106DA}"/>
-              </a:ext>
-            </a:extLst>
-          </p:cNvPr>
-          <p:cNvPicPr>
-            <a:picLocks noChangeAspect="1"/>
-          </p:cNvPicPr>
-          <p:nvPr/>
-        </p:nvPicPr>
-        <p:blipFill>
-          <a:blip r:embed="rId5">
-            <a:alphaModFix amt="85000"/>
-          </a:blip>
-          <a:srcRect l="4545" t="19455" r="2658" b="21336"/>
-          <a:stretch>
-            <a:fillRect/>
-          </a:stretch>
-        </p:blipFill>
-        <p:spPr>
-          <a:xfrm rot="16200000">
-            <a:off x="2699109" y="2186895"/>
-            <a:ext cx="1566863" cy="1036639"/>
-          </a:xfrm>
-          <a:custGeom>
-            <a:avLst/>
-            <a:gdLst/>
-            <a:ahLst/>
-            <a:cxnLst>
-              <a:cxn ang="0">
-                <a:pos x="wd2" y="hd2"/>
-              </a:cxn>
-              <a:cxn ang="5400000">
-                <a:pos x="wd2" y="hd2"/>
-              </a:cxn>
-              <a:cxn ang="10800000">
-                <a:pos x="wd2" y="hd2"/>
-              </a:cxn>
-              <a:cxn ang="16200000">
-                <a:pos x="wd2" y="hd2"/>
-              </a:cxn>
-            </a:cxnLst>
-            <a:rect l="0" t="0" r="r" b="b"/>
-            <a:pathLst>
-              <a:path w="21600" h="21600" extrusionOk="0">
-                <a:moveTo>
-                  <a:pt x="0" y="0"/>
-                </a:moveTo>
-                <a:lnTo>
-                  <a:pt x="0" y="10742"/>
-                </a:lnTo>
-                <a:lnTo>
-                  <a:pt x="0" y="21600"/>
-                </a:lnTo>
-                <a:lnTo>
-                  <a:pt x="21600" y="21600"/>
-                </a:lnTo>
-                <a:lnTo>
-                  <a:pt x="21600" y="0"/>
-                </a:lnTo>
-                <a:lnTo>
-                  <a:pt x="0" y="0"/>
-                </a:lnTo>
-                <a:close/>
-              </a:path>
-            </a:pathLst>
-          </a:custGeom>
-          <a:ln w="12700">
-            <a:miter lim="400000"/>
-          </a:ln>
-        </p:spPr>
-      </p:pic>
     </p:spTree>
   </p:cSld>
   <p:clrMapOvr>

--- a/powerpoint template.pptx
+++ b/powerpoint template.pptx
@@ -1045,7 +1045,7 @@
           </a:ln>
           <a:extLst>
             <a:ext uri="{C572A759-6A51-4108-AA02-DFA0A04FC94B}">
-              <ma14:wrappingTextBoxFlag xmlns:ma14="http://schemas.microsoft.com/office/mac/drawingml/2011/main" xmlns:a14="http://schemas.microsoft.com/office/drawing/2010/main" xmlns:m="http://schemas.openxmlformats.org/officeDocument/2006/math" xmlns="" val="1"/>
+              <ma14:wrappingTextBoxFlag xmlns="" xmlns:m="http://schemas.openxmlformats.org/officeDocument/2006/math" xmlns:a14="http://schemas.microsoft.com/office/drawing/2010/main" xmlns:ma14="http://schemas.microsoft.com/office/mac/drawingml/2011/main" val="1"/>
             </a:ext>
           </a:extLst>
         </p:spPr>
@@ -1092,7 +1092,7 @@
           </a:ln>
           <a:extLst>
             <a:ext uri="{C572A759-6A51-4108-AA02-DFA0A04FC94B}">
-              <ma14:wrappingTextBoxFlag xmlns:ma14="http://schemas.microsoft.com/office/mac/drawingml/2011/main" xmlns:a14="http://schemas.microsoft.com/office/drawing/2010/main" xmlns:m="http://schemas.openxmlformats.org/officeDocument/2006/math" xmlns="" val="1"/>
+              <ma14:wrappingTextBoxFlag xmlns="" xmlns:m="http://schemas.openxmlformats.org/officeDocument/2006/math" xmlns:a14="http://schemas.microsoft.com/office/drawing/2010/main" xmlns:ma14="http://schemas.microsoft.com/office/mac/drawingml/2011/main" val="1"/>
             </a:ext>
           </a:extLst>
         </p:spPr>
@@ -1139,7 +1139,7 @@
           </a:ln>
           <a:extLst>
             <a:ext uri="{C572A759-6A51-4108-AA02-DFA0A04FC94B}">
-              <ma14:wrappingTextBoxFlag xmlns:ma14="http://schemas.microsoft.com/office/mac/drawingml/2011/main" xmlns:a14="http://schemas.microsoft.com/office/drawing/2010/main" xmlns:m="http://schemas.openxmlformats.org/officeDocument/2006/math" xmlns="" val="1"/>
+              <ma14:wrappingTextBoxFlag xmlns="" xmlns:m="http://schemas.openxmlformats.org/officeDocument/2006/math" xmlns:a14="http://schemas.microsoft.com/office/drawing/2010/main" xmlns:ma14="http://schemas.microsoft.com/office/mac/drawingml/2011/main" val="1"/>
             </a:ext>
           </a:extLst>
         </p:spPr>
@@ -2620,7 +2620,7 @@
           </a:ln>
           <a:extLst>
             <a:ext uri="{C572A759-6A51-4108-AA02-DFA0A04FC94B}">
-              <ma14:wrappingTextBoxFlag xmlns:ma14="http://schemas.microsoft.com/office/mac/drawingml/2011/main" xmlns:a14="http://schemas.microsoft.com/office/drawing/2010/main" xmlns:m="http://schemas.openxmlformats.org/officeDocument/2006/math" xmlns="" val="1"/>
+              <ma14:wrappingTextBoxFlag xmlns="" xmlns:m="http://schemas.openxmlformats.org/officeDocument/2006/math" xmlns:a14="http://schemas.microsoft.com/office/drawing/2010/main" xmlns:ma14="http://schemas.microsoft.com/office/mac/drawingml/2011/main" val="1"/>
             </a:ext>
           </a:extLst>
         </p:spPr>
@@ -2762,7 +2762,7 @@
           </a:ln>
           <a:extLst>
             <a:ext uri="{C572A759-6A51-4108-AA02-DFA0A04FC94B}">
-              <ma14:wrappingTextBoxFlag xmlns:ma14="http://schemas.microsoft.com/office/mac/drawingml/2011/main" xmlns:a14="http://schemas.microsoft.com/office/drawing/2010/main" xmlns:m="http://schemas.openxmlformats.org/officeDocument/2006/math" xmlns="" val="1"/>
+              <ma14:wrappingTextBoxFlag xmlns="" xmlns:m="http://schemas.openxmlformats.org/officeDocument/2006/math" xmlns:a14="http://schemas.microsoft.com/office/drawing/2010/main" xmlns:ma14="http://schemas.microsoft.com/office/mac/drawingml/2011/main" val="1"/>
             </a:ext>
           </a:extLst>
         </p:spPr>
@@ -2840,7 +2840,7 @@
           </a:ln>
           <a:extLst>
             <a:ext uri="{C572A759-6A51-4108-AA02-DFA0A04FC94B}">
-              <ma14:wrappingTextBoxFlag xmlns:ma14="http://schemas.microsoft.com/office/mac/drawingml/2011/main" xmlns:a14="http://schemas.microsoft.com/office/drawing/2010/main" xmlns:m="http://schemas.openxmlformats.org/officeDocument/2006/math" xmlns="" val="1"/>
+              <ma14:wrappingTextBoxFlag xmlns="" xmlns:m="http://schemas.openxmlformats.org/officeDocument/2006/math" xmlns:a14="http://schemas.microsoft.com/office/drawing/2010/main" xmlns:ma14="http://schemas.microsoft.com/office/mac/drawingml/2011/main" val="1"/>
             </a:ext>
           </a:extLst>
         </p:spPr>
@@ -2887,7 +2887,7 @@
           </a:ln>
           <a:extLst>
             <a:ext uri="{C572A759-6A51-4108-AA02-DFA0A04FC94B}">
-              <ma14:wrappingTextBoxFlag xmlns:ma14="http://schemas.microsoft.com/office/mac/drawingml/2011/main" xmlns:a14="http://schemas.microsoft.com/office/drawing/2010/main" xmlns:m="http://schemas.openxmlformats.org/officeDocument/2006/math" xmlns="" val="1"/>
+              <ma14:wrappingTextBoxFlag xmlns="" xmlns:m="http://schemas.openxmlformats.org/officeDocument/2006/math" xmlns:a14="http://schemas.microsoft.com/office/drawing/2010/main" xmlns:ma14="http://schemas.microsoft.com/office/mac/drawingml/2011/main" val="1"/>
             </a:ext>
           </a:extLst>
         </p:spPr>
@@ -2934,7 +2934,7 @@
           </a:ln>
           <a:extLst>
             <a:ext uri="{C572A759-6A51-4108-AA02-DFA0A04FC94B}">
-              <ma14:wrappingTextBoxFlag xmlns:ma14="http://schemas.microsoft.com/office/mac/drawingml/2011/main" xmlns:a14="http://schemas.microsoft.com/office/drawing/2010/main" xmlns:m="http://schemas.openxmlformats.org/officeDocument/2006/math" xmlns="" val="1"/>
+              <ma14:wrappingTextBoxFlag xmlns="" xmlns:m="http://schemas.openxmlformats.org/officeDocument/2006/math" xmlns:a14="http://schemas.microsoft.com/office/drawing/2010/main" xmlns:ma14="http://schemas.microsoft.com/office/mac/drawingml/2011/main" val="1"/>
             </a:ext>
           </a:extLst>
         </p:spPr>
@@ -2981,7 +2981,7 @@
           </a:ln>
           <a:extLst>
             <a:ext uri="{C572A759-6A51-4108-AA02-DFA0A04FC94B}">
-              <ma14:wrappingTextBoxFlag xmlns:ma14="http://schemas.microsoft.com/office/mac/drawingml/2011/main" xmlns:a14="http://schemas.microsoft.com/office/drawing/2010/main" xmlns:m="http://schemas.openxmlformats.org/officeDocument/2006/math" xmlns="" val="1"/>
+              <ma14:wrappingTextBoxFlag xmlns="" xmlns:m="http://schemas.openxmlformats.org/officeDocument/2006/math" xmlns:a14="http://schemas.microsoft.com/office/drawing/2010/main" xmlns:ma14="http://schemas.microsoft.com/office/mac/drawingml/2011/main" val="1"/>
             </a:ext>
           </a:extLst>
         </p:spPr>
@@ -3028,7 +3028,7 @@
           </a:ln>
           <a:extLst>
             <a:ext uri="{C572A759-6A51-4108-AA02-DFA0A04FC94B}">
-              <ma14:wrappingTextBoxFlag xmlns:ma14="http://schemas.microsoft.com/office/mac/drawingml/2011/main" xmlns:a14="http://schemas.microsoft.com/office/drawing/2010/main" xmlns:m="http://schemas.openxmlformats.org/officeDocument/2006/math" xmlns="" val="1"/>
+              <ma14:wrappingTextBoxFlag xmlns="" xmlns:m="http://schemas.openxmlformats.org/officeDocument/2006/math" xmlns:a14="http://schemas.microsoft.com/office/drawing/2010/main" xmlns:ma14="http://schemas.microsoft.com/office/mac/drawingml/2011/main" val="1"/>
             </a:ext>
           </a:extLst>
         </p:spPr>
@@ -3264,7 +3264,7 @@
           </a:ln>
           <a:extLst>
             <a:ext uri="{C572A759-6A51-4108-AA02-DFA0A04FC94B}">
-              <ma14:wrappingTextBoxFlag xmlns:ma14="http://schemas.microsoft.com/office/mac/drawingml/2011/main" xmlns:a14="http://schemas.microsoft.com/office/drawing/2010/main" xmlns:m="http://schemas.openxmlformats.org/officeDocument/2006/math" xmlns="" val="1"/>
+              <ma14:wrappingTextBoxFlag xmlns="" xmlns:m="http://schemas.openxmlformats.org/officeDocument/2006/math" xmlns:a14="http://schemas.microsoft.com/office/drawing/2010/main" xmlns:ma14="http://schemas.microsoft.com/office/mac/drawingml/2011/main" val="1"/>
             </a:ext>
           </a:extLst>
         </p:spPr>
@@ -3311,7 +3311,7 @@
           </a:ln>
           <a:extLst>
             <a:ext uri="{C572A759-6A51-4108-AA02-DFA0A04FC94B}">
-              <ma14:wrappingTextBoxFlag xmlns:ma14="http://schemas.microsoft.com/office/mac/drawingml/2011/main" xmlns:a14="http://schemas.microsoft.com/office/drawing/2010/main" xmlns:m="http://schemas.openxmlformats.org/officeDocument/2006/math" xmlns="" val="1"/>
+              <ma14:wrappingTextBoxFlag xmlns="" xmlns:m="http://schemas.openxmlformats.org/officeDocument/2006/math" xmlns:a14="http://schemas.microsoft.com/office/drawing/2010/main" xmlns:ma14="http://schemas.microsoft.com/office/mac/drawingml/2011/main" val="1"/>
             </a:ext>
           </a:extLst>
         </p:spPr>
@@ -3503,7 +3503,7 @@
           </a:ln>
           <a:extLst>
             <a:ext uri="{C572A759-6A51-4108-AA02-DFA0A04FC94B}">
-              <ma14:wrappingTextBoxFlag xmlns:ma14="http://schemas.microsoft.com/office/mac/drawingml/2011/main" xmlns:a14="http://schemas.microsoft.com/office/drawing/2010/main" xmlns:m="http://schemas.openxmlformats.org/officeDocument/2006/math" xmlns="" val="1"/>
+              <ma14:wrappingTextBoxFlag xmlns="" xmlns:m="http://schemas.openxmlformats.org/officeDocument/2006/math" xmlns:a14="http://schemas.microsoft.com/office/drawing/2010/main" xmlns:ma14="http://schemas.microsoft.com/office/mac/drawingml/2011/main" val="1"/>
             </a:ext>
           </a:extLst>
         </p:spPr>
@@ -3542,7 +3542,7 @@
           </a:ln>
           <a:extLst>
             <a:ext uri="{C572A759-6A51-4108-AA02-DFA0A04FC94B}">
-              <ma14:wrappingTextBoxFlag xmlns:ma14="http://schemas.microsoft.com/office/mac/drawingml/2011/main" xmlns:a14="http://schemas.microsoft.com/office/drawing/2010/main" xmlns:m="http://schemas.openxmlformats.org/officeDocument/2006/math" xmlns="" val="1"/>
+              <ma14:wrappingTextBoxFlag xmlns="" xmlns:m="http://schemas.openxmlformats.org/officeDocument/2006/math" xmlns:a14="http://schemas.microsoft.com/office/drawing/2010/main" xmlns:ma14="http://schemas.microsoft.com/office/mac/drawingml/2011/main" val="1"/>
             </a:ext>
           </a:extLst>
         </p:spPr>
@@ -4552,7 +4552,7 @@
           </a:ln>
           <a:extLst>
             <a:ext uri="{C572A759-6A51-4108-AA02-DFA0A04FC94B}">
-              <ma14:wrappingTextBoxFlag xmlns:ma14="http://schemas.microsoft.com/office/mac/drawingml/2011/main" xmlns:a14="http://schemas.microsoft.com/office/drawing/2010/main" xmlns:m="http://schemas.openxmlformats.org/officeDocument/2006/math" xmlns="" val="1"/>
+              <ma14:wrappingTextBoxFlag xmlns="" xmlns:m="http://schemas.openxmlformats.org/officeDocument/2006/math" xmlns:a14="http://schemas.microsoft.com/office/drawing/2010/main" xmlns:ma14="http://schemas.microsoft.com/office/mac/drawingml/2011/main" val="1"/>
             </a:ext>
           </a:extLst>
         </p:spPr>
@@ -4723,7 +4723,7 @@
           </a:ln>
           <a:extLst>
             <a:ext uri="{C572A759-6A51-4108-AA02-DFA0A04FC94B}">
-              <ma14:wrappingTextBoxFlag xmlns:ma14="http://schemas.microsoft.com/office/mac/drawingml/2011/main" xmlns:a14="http://schemas.microsoft.com/office/drawing/2010/main" xmlns:m="http://schemas.openxmlformats.org/officeDocument/2006/math" xmlns="" val="1"/>
+              <ma14:wrappingTextBoxFlag xmlns="" xmlns:m="http://schemas.openxmlformats.org/officeDocument/2006/math" xmlns:a14="http://schemas.microsoft.com/office/drawing/2010/main" xmlns:ma14="http://schemas.microsoft.com/office/mac/drawingml/2011/main" val="1"/>
             </a:ext>
           </a:extLst>
         </p:spPr>
@@ -4770,7 +4770,7 @@
           </a:ln>
           <a:extLst>
             <a:ext uri="{C572A759-6A51-4108-AA02-DFA0A04FC94B}">
-              <ma14:wrappingTextBoxFlag xmlns:ma14="http://schemas.microsoft.com/office/mac/drawingml/2011/main" xmlns:a14="http://schemas.microsoft.com/office/drawing/2010/main" xmlns:m="http://schemas.openxmlformats.org/officeDocument/2006/math" xmlns="" val="1"/>
+              <ma14:wrappingTextBoxFlag xmlns="" xmlns:m="http://schemas.openxmlformats.org/officeDocument/2006/math" xmlns:a14="http://schemas.microsoft.com/office/drawing/2010/main" xmlns:ma14="http://schemas.microsoft.com/office/mac/drawingml/2011/main" val="1"/>
             </a:ext>
           </a:extLst>
         </p:spPr>
@@ -4817,7 +4817,7 @@
           </a:ln>
           <a:extLst>
             <a:ext uri="{C572A759-6A51-4108-AA02-DFA0A04FC94B}">
-              <ma14:wrappingTextBoxFlag xmlns:ma14="http://schemas.microsoft.com/office/mac/drawingml/2011/main" xmlns:a14="http://schemas.microsoft.com/office/drawing/2010/main" xmlns:m="http://schemas.openxmlformats.org/officeDocument/2006/math" xmlns="" val="1"/>
+              <ma14:wrappingTextBoxFlag xmlns="" xmlns:m="http://schemas.openxmlformats.org/officeDocument/2006/math" xmlns:a14="http://schemas.microsoft.com/office/drawing/2010/main" xmlns:ma14="http://schemas.microsoft.com/office/mac/drawingml/2011/main" val="1"/>
             </a:ext>
           </a:extLst>
         </p:spPr>
@@ -4864,7 +4864,7 @@
           </a:ln>
           <a:extLst>
             <a:ext uri="{C572A759-6A51-4108-AA02-DFA0A04FC94B}">
-              <ma14:wrappingTextBoxFlag xmlns:ma14="http://schemas.microsoft.com/office/mac/drawingml/2011/main" xmlns:a14="http://schemas.microsoft.com/office/drawing/2010/main" xmlns:m="http://schemas.openxmlformats.org/officeDocument/2006/math" xmlns="" val="1"/>
+              <ma14:wrappingTextBoxFlag xmlns="" xmlns:m="http://schemas.openxmlformats.org/officeDocument/2006/math" xmlns:a14="http://schemas.microsoft.com/office/drawing/2010/main" xmlns:ma14="http://schemas.microsoft.com/office/mac/drawingml/2011/main" val="1"/>
             </a:ext>
           </a:extLst>
         </p:spPr>
@@ -4911,7 +4911,7 @@
           </a:ln>
           <a:extLst>
             <a:ext uri="{C572A759-6A51-4108-AA02-DFA0A04FC94B}">
-              <ma14:wrappingTextBoxFlag xmlns:ma14="http://schemas.microsoft.com/office/mac/drawingml/2011/main" xmlns:a14="http://schemas.microsoft.com/office/drawing/2010/main" xmlns:m="http://schemas.openxmlformats.org/officeDocument/2006/math" xmlns="" val="1"/>
+              <ma14:wrappingTextBoxFlag xmlns="" xmlns:m="http://schemas.openxmlformats.org/officeDocument/2006/math" xmlns:a14="http://schemas.microsoft.com/office/drawing/2010/main" xmlns:ma14="http://schemas.microsoft.com/office/mac/drawingml/2011/main" val="1"/>
             </a:ext>
           </a:extLst>
         </p:spPr>
@@ -4958,7 +4958,7 @@
           </a:ln>
           <a:extLst>
             <a:ext uri="{C572A759-6A51-4108-AA02-DFA0A04FC94B}">
-              <ma14:wrappingTextBoxFlag xmlns:ma14="http://schemas.microsoft.com/office/mac/drawingml/2011/main" xmlns:a14="http://schemas.microsoft.com/office/drawing/2010/main" xmlns:m="http://schemas.openxmlformats.org/officeDocument/2006/math" xmlns="" val="1"/>
+              <ma14:wrappingTextBoxFlag xmlns="" xmlns:m="http://schemas.openxmlformats.org/officeDocument/2006/math" xmlns:a14="http://schemas.microsoft.com/office/drawing/2010/main" xmlns:ma14="http://schemas.microsoft.com/office/mac/drawingml/2011/main" val="1"/>
             </a:ext>
           </a:extLst>
         </p:spPr>
@@ -5119,7 +5119,7 @@
         </p:nvSpPr>
         <p:spPr>
           <a:xfrm>
-            <a:off x="5092080" y="2549964"/>
+            <a:off x="5178020" y="2577403"/>
             <a:ext cx="1720200" cy="646331"/>
           </a:xfrm>
           <a:prstGeom prst="rect">
@@ -5130,7 +5130,7 @@
           </a:ln>
           <a:extLst>
             <a:ext uri="{C572A759-6A51-4108-AA02-DFA0A04FC94B}">
-              <ma14:wrappingTextBoxFlag xmlns:ma14="http://schemas.microsoft.com/office/mac/drawingml/2011/main" xmlns:a14="http://schemas.microsoft.com/office/drawing/2010/main" xmlns:m="http://schemas.openxmlformats.org/officeDocument/2006/math" xmlns="" val="1"/>
+              <ma14:wrappingTextBoxFlag xmlns="" xmlns:m="http://schemas.openxmlformats.org/officeDocument/2006/math" xmlns:a14="http://schemas.microsoft.com/office/drawing/2010/main" xmlns:ma14="http://schemas.microsoft.com/office/mac/drawingml/2011/main" val="1"/>
             </a:ext>
           </a:extLst>
         </p:spPr>
@@ -5223,7 +5223,7 @@
           </a:ln>
           <a:extLst>
             <a:ext uri="{C572A759-6A51-4108-AA02-DFA0A04FC94B}">
-              <ma14:wrappingTextBoxFlag xmlns:ma14="http://schemas.microsoft.com/office/mac/drawingml/2011/main" xmlns:a14="http://schemas.microsoft.com/office/drawing/2010/main" xmlns:m="http://schemas.openxmlformats.org/officeDocument/2006/math" xmlns="" val="1"/>
+              <ma14:wrappingTextBoxFlag xmlns="" xmlns:m="http://schemas.openxmlformats.org/officeDocument/2006/math" xmlns:a14="http://schemas.microsoft.com/office/drawing/2010/main" xmlns:ma14="http://schemas.microsoft.com/office/mac/drawingml/2011/main" val="1"/>
             </a:ext>
           </a:extLst>
         </p:spPr>
@@ -5273,7 +5273,7 @@
           </a:ln>
           <a:extLst>
             <a:ext uri="{C572A759-6A51-4108-AA02-DFA0A04FC94B}">
-              <ma14:wrappingTextBoxFlag xmlns:ma14="http://schemas.microsoft.com/office/mac/drawingml/2011/main" xmlns:a14="http://schemas.microsoft.com/office/drawing/2010/main" xmlns:m="http://schemas.openxmlformats.org/officeDocument/2006/math" xmlns="" val="1"/>
+              <ma14:wrappingTextBoxFlag xmlns="" xmlns:m="http://schemas.openxmlformats.org/officeDocument/2006/math" xmlns:a14="http://schemas.microsoft.com/office/drawing/2010/main" xmlns:ma14="http://schemas.microsoft.com/office/mac/drawingml/2011/main" val="1"/>
             </a:ext>
           </a:extLst>
         </p:spPr>
@@ -5325,7 +5325,7 @@
           </a:ln>
           <a:extLst>
             <a:ext uri="{C572A759-6A51-4108-AA02-DFA0A04FC94B}">
-              <ma14:wrappingTextBoxFlag xmlns:ma14="http://schemas.microsoft.com/office/mac/drawingml/2011/main" xmlns:a14="http://schemas.microsoft.com/office/drawing/2010/main" xmlns:m="http://schemas.openxmlformats.org/officeDocument/2006/math" xmlns="" val="1"/>
+              <ma14:wrappingTextBoxFlag xmlns="" xmlns:m="http://schemas.openxmlformats.org/officeDocument/2006/math" xmlns:a14="http://schemas.microsoft.com/office/drawing/2010/main" xmlns:ma14="http://schemas.microsoft.com/office/mac/drawingml/2011/main" val="1"/>
             </a:ext>
           </a:extLst>
         </p:spPr>
@@ -5377,7 +5377,7 @@
           </a:ln>
           <a:extLst>
             <a:ext uri="{C572A759-6A51-4108-AA02-DFA0A04FC94B}">
-              <ma14:wrappingTextBoxFlag xmlns:ma14="http://schemas.microsoft.com/office/mac/drawingml/2011/main" xmlns:a14="http://schemas.microsoft.com/office/drawing/2010/main" xmlns:m="http://schemas.openxmlformats.org/officeDocument/2006/math" xmlns="" val="1"/>
+              <ma14:wrappingTextBoxFlag xmlns="" xmlns:m="http://schemas.openxmlformats.org/officeDocument/2006/math" xmlns:a14="http://schemas.microsoft.com/office/drawing/2010/main" xmlns:ma14="http://schemas.microsoft.com/office/mac/drawingml/2011/main" val="1"/>
             </a:ext>
           </a:extLst>
         </p:spPr>
@@ -5429,7 +5429,7 @@
           </a:ln>
           <a:extLst>
             <a:ext uri="{C572A759-6A51-4108-AA02-DFA0A04FC94B}">
-              <ma14:wrappingTextBoxFlag xmlns:ma14="http://schemas.microsoft.com/office/mac/drawingml/2011/main" xmlns:a14="http://schemas.microsoft.com/office/drawing/2010/main" xmlns:m="http://schemas.openxmlformats.org/officeDocument/2006/math" xmlns="" val="1"/>
+              <ma14:wrappingTextBoxFlag xmlns="" xmlns:m="http://schemas.openxmlformats.org/officeDocument/2006/math" xmlns:a14="http://schemas.microsoft.com/office/drawing/2010/main" xmlns:ma14="http://schemas.microsoft.com/office/mac/drawingml/2011/main" val="1"/>
             </a:ext>
           </a:extLst>
         </p:spPr>
@@ -5481,7 +5481,7 @@
           </a:ln>
           <a:extLst>
             <a:ext uri="{C572A759-6A51-4108-AA02-DFA0A04FC94B}">
-              <ma14:wrappingTextBoxFlag xmlns:ma14="http://schemas.microsoft.com/office/mac/drawingml/2011/main" xmlns:a14="http://schemas.microsoft.com/office/drawing/2010/main" xmlns:m="http://schemas.openxmlformats.org/officeDocument/2006/math" xmlns="" val="1"/>
+              <ma14:wrappingTextBoxFlag xmlns="" xmlns:m="http://schemas.openxmlformats.org/officeDocument/2006/math" xmlns:a14="http://schemas.microsoft.com/office/drawing/2010/main" xmlns:ma14="http://schemas.microsoft.com/office/mac/drawingml/2011/main" val="1"/>
             </a:ext>
           </a:extLst>
         </p:spPr>
@@ -5533,7 +5533,7 @@
           </a:ln>
           <a:extLst>
             <a:ext uri="{C572A759-6A51-4108-AA02-DFA0A04FC94B}">
-              <ma14:wrappingTextBoxFlag xmlns:ma14="http://schemas.microsoft.com/office/mac/drawingml/2011/main" xmlns:a14="http://schemas.microsoft.com/office/drawing/2010/main" xmlns:m="http://schemas.openxmlformats.org/officeDocument/2006/math" xmlns="" val="1"/>
+              <ma14:wrappingTextBoxFlag xmlns="" xmlns:m="http://schemas.openxmlformats.org/officeDocument/2006/math" xmlns:a14="http://schemas.microsoft.com/office/drawing/2010/main" xmlns:ma14="http://schemas.microsoft.com/office/mac/drawingml/2011/main" val="1"/>
             </a:ext>
           </a:extLst>
         </p:spPr>
@@ -5584,7 +5584,7 @@
           </a:ln>
           <a:extLst>
             <a:ext uri="{C572A759-6A51-4108-AA02-DFA0A04FC94B}">
-              <ma14:wrappingTextBoxFlag xmlns:ma14="http://schemas.microsoft.com/office/mac/drawingml/2011/main" xmlns:a14="http://schemas.microsoft.com/office/drawing/2010/main" xmlns:m="http://schemas.openxmlformats.org/officeDocument/2006/math" xmlns="" val="1"/>
+              <ma14:wrappingTextBoxFlag xmlns="" xmlns:m="http://schemas.openxmlformats.org/officeDocument/2006/math" xmlns:a14="http://schemas.microsoft.com/office/drawing/2010/main" xmlns:ma14="http://schemas.microsoft.com/office/mac/drawingml/2011/main" val="1"/>
             </a:ext>
           </a:extLst>
         </p:spPr>
@@ -5713,7 +5713,7 @@
           </a:ln>
           <a:extLst>
             <a:ext uri="{C572A759-6A51-4108-AA02-DFA0A04FC94B}">
-              <ma14:wrappingTextBoxFlag xmlns:ma14="http://schemas.microsoft.com/office/mac/drawingml/2011/main" xmlns:a14="http://schemas.microsoft.com/office/drawing/2010/main" xmlns:m="http://schemas.openxmlformats.org/officeDocument/2006/math" xmlns="" val="1"/>
+              <ma14:wrappingTextBoxFlag xmlns="" xmlns:m="http://schemas.openxmlformats.org/officeDocument/2006/math" xmlns:a14="http://schemas.microsoft.com/office/drawing/2010/main" xmlns:ma14="http://schemas.microsoft.com/office/mac/drawingml/2011/main" val="1"/>
             </a:ext>
           </a:extLst>
         </p:spPr>
@@ -5761,7 +5761,7 @@
           </a:ln>
           <a:extLst>
             <a:ext uri="{C572A759-6A51-4108-AA02-DFA0A04FC94B}">
-              <ma14:wrappingTextBoxFlag xmlns:ma14="http://schemas.microsoft.com/office/mac/drawingml/2011/main" xmlns:a14="http://schemas.microsoft.com/office/drawing/2010/main" xmlns:m="http://schemas.openxmlformats.org/officeDocument/2006/math" xmlns="" val="1"/>
+              <ma14:wrappingTextBoxFlag xmlns="" xmlns:m="http://schemas.openxmlformats.org/officeDocument/2006/math" xmlns:a14="http://schemas.microsoft.com/office/drawing/2010/main" xmlns:ma14="http://schemas.microsoft.com/office/mac/drawingml/2011/main" val="1"/>
             </a:ext>
           </a:extLst>
         </p:spPr>
@@ -5809,7 +5809,7 @@
           </a:ln>
           <a:extLst>
             <a:ext uri="{C572A759-6A51-4108-AA02-DFA0A04FC94B}">
-              <ma14:wrappingTextBoxFlag xmlns:ma14="http://schemas.microsoft.com/office/mac/drawingml/2011/main" xmlns:a14="http://schemas.microsoft.com/office/drawing/2010/main" xmlns:m="http://schemas.openxmlformats.org/officeDocument/2006/math" xmlns="" val="1"/>
+              <ma14:wrappingTextBoxFlag xmlns="" xmlns:m="http://schemas.openxmlformats.org/officeDocument/2006/math" xmlns:a14="http://schemas.microsoft.com/office/drawing/2010/main" xmlns:ma14="http://schemas.microsoft.com/office/mac/drawingml/2011/main" val="1"/>
             </a:ext>
           </a:extLst>
         </p:spPr>
@@ -5857,7 +5857,7 @@
           </a:ln>
           <a:extLst>
             <a:ext uri="{C572A759-6A51-4108-AA02-DFA0A04FC94B}">
-              <ma14:wrappingTextBoxFlag xmlns:ma14="http://schemas.microsoft.com/office/mac/drawingml/2011/main" xmlns:a14="http://schemas.microsoft.com/office/drawing/2010/main" xmlns:m="http://schemas.openxmlformats.org/officeDocument/2006/math" xmlns="" val="1"/>
+              <ma14:wrappingTextBoxFlag xmlns="" xmlns:m="http://schemas.openxmlformats.org/officeDocument/2006/math" xmlns:a14="http://schemas.microsoft.com/office/drawing/2010/main" xmlns:ma14="http://schemas.microsoft.com/office/mac/drawingml/2011/main" val="1"/>
             </a:ext>
           </a:extLst>
         </p:spPr>
@@ -5905,7 +5905,7 @@
           </a:ln>
           <a:extLst>
             <a:ext uri="{C572A759-6A51-4108-AA02-DFA0A04FC94B}">
-              <ma14:wrappingTextBoxFlag xmlns:ma14="http://schemas.microsoft.com/office/mac/drawingml/2011/main" xmlns:a14="http://schemas.microsoft.com/office/drawing/2010/main" xmlns:m="http://schemas.openxmlformats.org/officeDocument/2006/math" xmlns="" val="1"/>
+              <ma14:wrappingTextBoxFlag xmlns="" xmlns:m="http://schemas.openxmlformats.org/officeDocument/2006/math" xmlns:a14="http://schemas.microsoft.com/office/drawing/2010/main" xmlns:ma14="http://schemas.microsoft.com/office/mac/drawingml/2011/main" val="1"/>
             </a:ext>
           </a:extLst>
         </p:spPr>
@@ -5953,7 +5953,7 @@
           </a:ln>
           <a:extLst>
             <a:ext uri="{C572A759-6A51-4108-AA02-DFA0A04FC94B}">
-              <ma14:wrappingTextBoxFlag xmlns:ma14="http://schemas.microsoft.com/office/mac/drawingml/2011/main" xmlns:a14="http://schemas.microsoft.com/office/drawing/2010/main" xmlns:m="http://schemas.openxmlformats.org/officeDocument/2006/math" xmlns="" val="1"/>
+              <ma14:wrappingTextBoxFlag xmlns="" xmlns:m="http://schemas.openxmlformats.org/officeDocument/2006/math" xmlns:a14="http://schemas.microsoft.com/office/drawing/2010/main" xmlns:ma14="http://schemas.microsoft.com/office/mac/drawingml/2011/main" val="1"/>
             </a:ext>
           </a:extLst>
         </p:spPr>
@@ -6001,7 +6001,7 @@
           </a:ln>
           <a:extLst>
             <a:ext uri="{C572A759-6A51-4108-AA02-DFA0A04FC94B}">
-              <ma14:wrappingTextBoxFlag xmlns:ma14="http://schemas.microsoft.com/office/mac/drawingml/2011/main" xmlns:a14="http://schemas.microsoft.com/office/drawing/2010/main" xmlns:m="http://schemas.openxmlformats.org/officeDocument/2006/math" xmlns="" val="1"/>
+              <ma14:wrappingTextBoxFlag xmlns="" xmlns:m="http://schemas.openxmlformats.org/officeDocument/2006/math" xmlns:a14="http://schemas.microsoft.com/office/drawing/2010/main" xmlns:ma14="http://schemas.microsoft.com/office/mac/drawingml/2011/main" val="1"/>
             </a:ext>
           </a:extLst>
         </p:spPr>
@@ -6049,7 +6049,7 @@
           </a:ln>
           <a:extLst>
             <a:ext uri="{C572A759-6A51-4108-AA02-DFA0A04FC94B}">
-              <ma14:wrappingTextBoxFlag xmlns:ma14="http://schemas.microsoft.com/office/mac/drawingml/2011/main" xmlns:a14="http://schemas.microsoft.com/office/drawing/2010/main" xmlns:m="http://schemas.openxmlformats.org/officeDocument/2006/math" xmlns="" val="1"/>
+              <ma14:wrappingTextBoxFlag xmlns="" xmlns:m="http://schemas.openxmlformats.org/officeDocument/2006/math" xmlns:a14="http://schemas.microsoft.com/office/drawing/2010/main" xmlns:ma14="http://schemas.microsoft.com/office/mac/drawingml/2011/main" val="1"/>
             </a:ext>
           </a:extLst>
         </p:spPr>
@@ -6097,7 +6097,7 @@
           </a:ln>
           <a:extLst>
             <a:ext uri="{C572A759-6A51-4108-AA02-DFA0A04FC94B}">
-              <ma14:wrappingTextBoxFlag xmlns:ma14="http://schemas.microsoft.com/office/mac/drawingml/2011/main" xmlns:a14="http://schemas.microsoft.com/office/drawing/2010/main" xmlns:m="http://schemas.openxmlformats.org/officeDocument/2006/math" xmlns="" val="1"/>
+              <ma14:wrappingTextBoxFlag xmlns="" xmlns:m="http://schemas.openxmlformats.org/officeDocument/2006/math" xmlns:a14="http://schemas.microsoft.com/office/drawing/2010/main" xmlns:ma14="http://schemas.microsoft.com/office/mac/drawingml/2011/main" val="1"/>
             </a:ext>
           </a:extLst>
         </p:spPr>
@@ -6145,7 +6145,7 @@
           </a:ln>
           <a:extLst>
             <a:ext uri="{C572A759-6A51-4108-AA02-DFA0A04FC94B}">
-              <ma14:wrappingTextBoxFlag xmlns:ma14="http://schemas.microsoft.com/office/mac/drawingml/2011/main" xmlns:a14="http://schemas.microsoft.com/office/drawing/2010/main" xmlns:m="http://schemas.openxmlformats.org/officeDocument/2006/math" xmlns="" val="1"/>
+              <ma14:wrappingTextBoxFlag xmlns="" xmlns:m="http://schemas.openxmlformats.org/officeDocument/2006/math" xmlns:a14="http://schemas.microsoft.com/office/drawing/2010/main" xmlns:ma14="http://schemas.microsoft.com/office/mac/drawingml/2011/main" val="1"/>
             </a:ext>
           </a:extLst>
         </p:spPr>
@@ -6193,7 +6193,7 @@
           </a:ln>
           <a:extLst>
             <a:ext uri="{C572A759-6A51-4108-AA02-DFA0A04FC94B}">
-              <ma14:wrappingTextBoxFlag xmlns:ma14="http://schemas.microsoft.com/office/mac/drawingml/2011/main" xmlns:a14="http://schemas.microsoft.com/office/drawing/2010/main" xmlns:m="http://schemas.openxmlformats.org/officeDocument/2006/math" xmlns="" val="1"/>
+              <ma14:wrappingTextBoxFlag xmlns="" xmlns:m="http://schemas.openxmlformats.org/officeDocument/2006/math" xmlns:a14="http://schemas.microsoft.com/office/drawing/2010/main" xmlns:ma14="http://schemas.microsoft.com/office/mac/drawingml/2011/main" val="1"/>
             </a:ext>
           </a:extLst>
         </p:spPr>
@@ -6235,7 +6235,7 @@
           </a:ln>
           <a:extLst>
             <a:ext uri="{C572A759-6A51-4108-AA02-DFA0A04FC94B}">
-              <ma14:wrappingTextBoxFlag xmlns:ma14="http://schemas.microsoft.com/office/mac/drawingml/2011/main" xmlns:a14="http://schemas.microsoft.com/office/drawing/2010/main" xmlns:m="http://schemas.openxmlformats.org/officeDocument/2006/math" xmlns="" val="1"/>
+              <ma14:wrappingTextBoxFlag xmlns="" xmlns:m="http://schemas.openxmlformats.org/officeDocument/2006/math" xmlns:a14="http://schemas.microsoft.com/office/drawing/2010/main" xmlns:ma14="http://schemas.microsoft.com/office/mac/drawingml/2011/main" val="1"/>
             </a:ext>
           </a:extLst>
         </p:spPr>

--- a/powerpoint template.pptx
+++ b/powerpoint template.pptx
@@ -1045,7 +1045,7 @@
           </a:ln>
           <a:extLst>
             <a:ext uri="{C572A759-6A51-4108-AA02-DFA0A04FC94B}">
-              <ma14:wrappingTextBoxFlag xmlns="" xmlns:m="http://schemas.openxmlformats.org/officeDocument/2006/math" xmlns:a14="http://schemas.microsoft.com/office/drawing/2010/main" xmlns:ma14="http://schemas.microsoft.com/office/mac/drawingml/2011/main" val="1"/>
+              <ma14:wrappingTextBoxFlag xmlns:ma14="http://schemas.microsoft.com/office/mac/drawingml/2011/main" xmlns:a14="http://schemas.microsoft.com/office/drawing/2010/main" xmlns:m="http://schemas.openxmlformats.org/officeDocument/2006/math" xmlns="" val="1"/>
             </a:ext>
           </a:extLst>
         </p:spPr>
@@ -1092,7 +1092,7 @@
           </a:ln>
           <a:extLst>
             <a:ext uri="{C572A759-6A51-4108-AA02-DFA0A04FC94B}">
-              <ma14:wrappingTextBoxFlag xmlns="" xmlns:m="http://schemas.openxmlformats.org/officeDocument/2006/math" xmlns:a14="http://schemas.microsoft.com/office/drawing/2010/main" xmlns:ma14="http://schemas.microsoft.com/office/mac/drawingml/2011/main" val="1"/>
+              <ma14:wrappingTextBoxFlag xmlns:ma14="http://schemas.microsoft.com/office/mac/drawingml/2011/main" xmlns:a14="http://schemas.microsoft.com/office/drawing/2010/main" xmlns:m="http://schemas.openxmlformats.org/officeDocument/2006/math" xmlns="" val="1"/>
             </a:ext>
           </a:extLst>
         </p:spPr>
@@ -1139,7 +1139,7 @@
           </a:ln>
           <a:extLst>
             <a:ext uri="{C572A759-6A51-4108-AA02-DFA0A04FC94B}">
-              <ma14:wrappingTextBoxFlag xmlns="" xmlns:m="http://schemas.openxmlformats.org/officeDocument/2006/math" xmlns:a14="http://schemas.microsoft.com/office/drawing/2010/main" xmlns:ma14="http://schemas.microsoft.com/office/mac/drawingml/2011/main" val="1"/>
+              <ma14:wrappingTextBoxFlag xmlns:ma14="http://schemas.microsoft.com/office/mac/drawingml/2011/main" xmlns:a14="http://schemas.microsoft.com/office/drawing/2010/main" xmlns:m="http://schemas.openxmlformats.org/officeDocument/2006/math" xmlns="" val="1"/>
             </a:ext>
           </a:extLst>
         </p:spPr>
@@ -2620,7 +2620,7 @@
           </a:ln>
           <a:extLst>
             <a:ext uri="{C572A759-6A51-4108-AA02-DFA0A04FC94B}">
-              <ma14:wrappingTextBoxFlag xmlns="" xmlns:m="http://schemas.openxmlformats.org/officeDocument/2006/math" xmlns:a14="http://schemas.microsoft.com/office/drawing/2010/main" xmlns:ma14="http://schemas.microsoft.com/office/mac/drawingml/2011/main" val="1"/>
+              <ma14:wrappingTextBoxFlag xmlns:ma14="http://schemas.microsoft.com/office/mac/drawingml/2011/main" xmlns:a14="http://schemas.microsoft.com/office/drawing/2010/main" xmlns:m="http://schemas.openxmlformats.org/officeDocument/2006/math" xmlns="" val="1"/>
             </a:ext>
           </a:extLst>
         </p:spPr>
@@ -2762,7 +2762,7 @@
           </a:ln>
           <a:extLst>
             <a:ext uri="{C572A759-6A51-4108-AA02-DFA0A04FC94B}">
-              <ma14:wrappingTextBoxFlag xmlns="" xmlns:m="http://schemas.openxmlformats.org/officeDocument/2006/math" xmlns:a14="http://schemas.microsoft.com/office/drawing/2010/main" xmlns:ma14="http://schemas.microsoft.com/office/mac/drawingml/2011/main" val="1"/>
+              <ma14:wrappingTextBoxFlag xmlns:ma14="http://schemas.microsoft.com/office/mac/drawingml/2011/main" xmlns:a14="http://schemas.microsoft.com/office/drawing/2010/main" xmlns:m="http://schemas.openxmlformats.org/officeDocument/2006/math" xmlns="" val="1"/>
             </a:ext>
           </a:extLst>
         </p:spPr>
@@ -2840,7 +2840,7 @@
           </a:ln>
           <a:extLst>
             <a:ext uri="{C572A759-6A51-4108-AA02-DFA0A04FC94B}">
-              <ma14:wrappingTextBoxFlag xmlns="" xmlns:m="http://schemas.openxmlformats.org/officeDocument/2006/math" xmlns:a14="http://schemas.microsoft.com/office/drawing/2010/main" xmlns:ma14="http://schemas.microsoft.com/office/mac/drawingml/2011/main" val="1"/>
+              <ma14:wrappingTextBoxFlag xmlns:ma14="http://schemas.microsoft.com/office/mac/drawingml/2011/main" xmlns:a14="http://schemas.microsoft.com/office/drawing/2010/main" xmlns:m="http://schemas.openxmlformats.org/officeDocument/2006/math" xmlns="" val="1"/>
             </a:ext>
           </a:extLst>
         </p:spPr>
@@ -2887,7 +2887,7 @@
           </a:ln>
           <a:extLst>
             <a:ext uri="{C572A759-6A51-4108-AA02-DFA0A04FC94B}">
-              <ma14:wrappingTextBoxFlag xmlns="" xmlns:m="http://schemas.openxmlformats.org/officeDocument/2006/math" xmlns:a14="http://schemas.microsoft.com/office/drawing/2010/main" xmlns:ma14="http://schemas.microsoft.com/office/mac/drawingml/2011/main" val="1"/>
+              <ma14:wrappingTextBoxFlag xmlns:ma14="http://schemas.microsoft.com/office/mac/drawingml/2011/main" xmlns:a14="http://schemas.microsoft.com/office/drawing/2010/main" xmlns:m="http://schemas.openxmlformats.org/officeDocument/2006/math" xmlns="" val="1"/>
             </a:ext>
           </a:extLst>
         </p:spPr>
@@ -2934,7 +2934,7 @@
           </a:ln>
           <a:extLst>
             <a:ext uri="{C572A759-6A51-4108-AA02-DFA0A04FC94B}">
-              <ma14:wrappingTextBoxFlag xmlns="" xmlns:m="http://schemas.openxmlformats.org/officeDocument/2006/math" xmlns:a14="http://schemas.microsoft.com/office/drawing/2010/main" xmlns:ma14="http://schemas.microsoft.com/office/mac/drawingml/2011/main" val="1"/>
+              <ma14:wrappingTextBoxFlag xmlns:ma14="http://schemas.microsoft.com/office/mac/drawingml/2011/main" xmlns:a14="http://schemas.microsoft.com/office/drawing/2010/main" xmlns:m="http://schemas.openxmlformats.org/officeDocument/2006/math" xmlns="" val="1"/>
             </a:ext>
           </a:extLst>
         </p:spPr>
@@ -2981,7 +2981,7 @@
           </a:ln>
           <a:extLst>
             <a:ext uri="{C572A759-6A51-4108-AA02-DFA0A04FC94B}">
-              <ma14:wrappingTextBoxFlag xmlns="" xmlns:m="http://schemas.openxmlformats.org/officeDocument/2006/math" xmlns:a14="http://schemas.microsoft.com/office/drawing/2010/main" xmlns:ma14="http://schemas.microsoft.com/office/mac/drawingml/2011/main" val="1"/>
+              <ma14:wrappingTextBoxFlag xmlns:ma14="http://schemas.microsoft.com/office/mac/drawingml/2011/main" xmlns:a14="http://schemas.microsoft.com/office/drawing/2010/main" xmlns:m="http://schemas.openxmlformats.org/officeDocument/2006/math" xmlns="" val="1"/>
             </a:ext>
           </a:extLst>
         </p:spPr>
@@ -3028,7 +3028,7 @@
           </a:ln>
           <a:extLst>
             <a:ext uri="{C572A759-6A51-4108-AA02-DFA0A04FC94B}">
-              <ma14:wrappingTextBoxFlag xmlns="" xmlns:m="http://schemas.openxmlformats.org/officeDocument/2006/math" xmlns:a14="http://schemas.microsoft.com/office/drawing/2010/main" xmlns:ma14="http://schemas.microsoft.com/office/mac/drawingml/2011/main" val="1"/>
+              <ma14:wrappingTextBoxFlag xmlns:ma14="http://schemas.microsoft.com/office/mac/drawingml/2011/main" xmlns:a14="http://schemas.microsoft.com/office/drawing/2010/main" xmlns:m="http://schemas.openxmlformats.org/officeDocument/2006/math" xmlns="" val="1"/>
             </a:ext>
           </a:extLst>
         </p:spPr>
@@ -3264,7 +3264,7 @@
           </a:ln>
           <a:extLst>
             <a:ext uri="{C572A759-6A51-4108-AA02-DFA0A04FC94B}">
-              <ma14:wrappingTextBoxFlag xmlns="" xmlns:m="http://schemas.openxmlformats.org/officeDocument/2006/math" xmlns:a14="http://schemas.microsoft.com/office/drawing/2010/main" xmlns:ma14="http://schemas.microsoft.com/office/mac/drawingml/2011/main" val="1"/>
+              <ma14:wrappingTextBoxFlag xmlns:ma14="http://schemas.microsoft.com/office/mac/drawingml/2011/main" xmlns:a14="http://schemas.microsoft.com/office/drawing/2010/main" xmlns:m="http://schemas.openxmlformats.org/officeDocument/2006/math" xmlns="" val="1"/>
             </a:ext>
           </a:extLst>
         </p:spPr>
@@ -3311,7 +3311,7 @@
           </a:ln>
           <a:extLst>
             <a:ext uri="{C572A759-6A51-4108-AA02-DFA0A04FC94B}">
-              <ma14:wrappingTextBoxFlag xmlns="" xmlns:m="http://schemas.openxmlformats.org/officeDocument/2006/math" xmlns:a14="http://schemas.microsoft.com/office/drawing/2010/main" xmlns:ma14="http://schemas.microsoft.com/office/mac/drawingml/2011/main" val="1"/>
+              <ma14:wrappingTextBoxFlag xmlns:ma14="http://schemas.microsoft.com/office/mac/drawingml/2011/main" xmlns:a14="http://schemas.microsoft.com/office/drawing/2010/main" xmlns:m="http://schemas.openxmlformats.org/officeDocument/2006/math" xmlns="" val="1"/>
             </a:ext>
           </a:extLst>
         </p:spPr>
@@ -3503,7 +3503,7 @@
           </a:ln>
           <a:extLst>
             <a:ext uri="{C572A759-6A51-4108-AA02-DFA0A04FC94B}">
-              <ma14:wrappingTextBoxFlag xmlns="" xmlns:m="http://schemas.openxmlformats.org/officeDocument/2006/math" xmlns:a14="http://schemas.microsoft.com/office/drawing/2010/main" xmlns:ma14="http://schemas.microsoft.com/office/mac/drawingml/2011/main" val="1"/>
+              <ma14:wrappingTextBoxFlag xmlns:ma14="http://schemas.microsoft.com/office/mac/drawingml/2011/main" xmlns:a14="http://schemas.microsoft.com/office/drawing/2010/main" xmlns:m="http://schemas.openxmlformats.org/officeDocument/2006/math" xmlns="" val="1"/>
             </a:ext>
           </a:extLst>
         </p:spPr>
@@ -3542,7 +3542,7 @@
           </a:ln>
           <a:extLst>
             <a:ext uri="{C572A759-6A51-4108-AA02-DFA0A04FC94B}">
-              <ma14:wrappingTextBoxFlag xmlns="" xmlns:m="http://schemas.openxmlformats.org/officeDocument/2006/math" xmlns:a14="http://schemas.microsoft.com/office/drawing/2010/main" xmlns:ma14="http://schemas.microsoft.com/office/mac/drawingml/2011/main" val="1"/>
+              <ma14:wrappingTextBoxFlag xmlns:ma14="http://schemas.microsoft.com/office/mac/drawingml/2011/main" xmlns:a14="http://schemas.microsoft.com/office/drawing/2010/main" xmlns:m="http://schemas.openxmlformats.org/officeDocument/2006/math" xmlns="" val="1"/>
             </a:ext>
           </a:extLst>
         </p:spPr>
@@ -4552,7 +4552,7 @@
           </a:ln>
           <a:extLst>
             <a:ext uri="{C572A759-6A51-4108-AA02-DFA0A04FC94B}">
-              <ma14:wrappingTextBoxFlag xmlns="" xmlns:m="http://schemas.openxmlformats.org/officeDocument/2006/math" xmlns:a14="http://schemas.microsoft.com/office/drawing/2010/main" xmlns:ma14="http://schemas.microsoft.com/office/mac/drawingml/2011/main" val="1"/>
+              <ma14:wrappingTextBoxFlag xmlns:ma14="http://schemas.microsoft.com/office/mac/drawingml/2011/main" xmlns:a14="http://schemas.microsoft.com/office/drawing/2010/main" xmlns:m="http://schemas.openxmlformats.org/officeDocument/2006/math" xmlns="" val="1"/>
             </a:ext>
           </a:extLst>
         </p:spPr>
@@ -4677,35 +4677,6 @@
       </p:sp>
       <p:sp>
         <p:nvSpPr>
-          <p:cNvPr id="163" name="Rechte verbindingslijn 6"/>
-          <p:cNvSpPr/>
-          <p:nvPr/>
-        </p:nvSpPr>
-        <p:spPr>
-          <a:xfrm>
-            <a:off x="2836461" y="3794464"/>
-            <a:ext cx="1" cy="617484"/>
-          </a:xfrm>
-          <a:prstGeom prst="line">
-            <a:avLst/>
-          </a:prstGeom>
-          <a:ln w="19050">
-            <a:solidFill>
-              <a:srgbClr val="173883"/>
-            </a:solidFill>
-            <a:miter/>
-          </a:ln>
-        </p:spPr>
-        <p:txBody>
-          <a:bodyPr lIns="45719" rIns="45719"/>
-          <a:lstStyle/>
-          <a:p>
-            <a:endParaRPr/>
-          </a:p>
-        </p:txBody>
-      </p:sp>
-      <p:sp>
-        <p:nvSpPr>
           <p:cNvPr id="164" name="Tekstvak 8"/>
           <p:cNvSpPr txBox="1"/>
           <p:nvPr/>
@@ -4723,7 +4694,7 @@
           </a:ln>
           <a:extLst>
             <a:ext uri="{C572A759-6A51-4108-AA02-DFA0A04FC94B}">
-              <ma14:wrappingTextBoxFlag xmlns="" xmlns:m="http://schemas.openxmlformats.org/officeDocument/2006/math" xmlns:a14="http://schemas.microsoft.com/office/drawing/2010/main" xmlns:ma14="http://schemas.microsoft.com/office/mac/drawingml/2011/main" val="1"/>
+              <ma14:wrappingTextBoxFlag xmlns:ma14="http://schemas.microsoft.com/office/mac/drawingml/2011/main" xmlns:a14="http://schemas.microsoft.com/office/drawing/2010/main" xmlns:m="http://schemas.openxmlformats.org/officeDocument/2006/math" xmlns="" val="1"/>
             </a:ext>
           </a:extLst>
         </p:spPr>
@@ -4770,7 +4741,7 @@
           </a:ln>
           <a:extLst>
             <a:ext uri="{C572A759-6A51-4108-AA02-DFA0A04FC94B}">
-              <ma14:wrappingTextBoxFlag xmlns="" xmlns:m="http://schemas.openxmlformats.org/officeDocument/2006/math" xmlns:a14="http://schemas.microsoft.com/office/drawing/2010/main" xmlns:ma14="http://schemas.microsoft.com/office/mac/drawingml/2011/main" val="1"/>
+              <ma14:wrappingTextBoxFlag xmlns:ma14="http://schemas.microsoft.com/office/mac/drawingml/2011/main" xmlns:a14="http://schemas.microsoft.com/office/drawing/2010/main" xmlns:m="http://schemas.openxmlformats.org/officeDocument/2006/math" xmlns="" val="1"/>
             </a:ext>
           </a:extLst>
         </p:spPr>
@@ -4817,7 +4788,7 @@
           </a:ln>
           <a:extLst>
             <a:ext uri="{C572A759-6A51-4108-AA02-DFA0A04FC94B}">
-              <ma14:wrappingTextBoxFlag xmlns="" xmlns:m="http://schemas.openxmlformats.org/officeDocument/2006/math" xmlns:a14="http://schemas.microsoft.com/office/drawing/2010/main" xmlns:ma14="http://schemas.microsoft.com/office/mac/drawingml/2011/main" val="1"/>
+              <ma14:wrappingTextBoxFlag xmlns:ma14="http://schemas.microsoft.com/office/mac/drawingml/2011/main" xmlns:a14="http://schemas.microsoft.com/office/drawing/2010/main" xmlns:m="http://schemas.openxmlformats.org/officeDocument/2006/math" xmlns="" val="1"/>
             </a:ext>
           </a:extLst>
         </p:spPr>
@@ -4864,7 +4835,7 @@
           </a:ln>
           <a:extLst>
             <a:ext uri="{C572A759-6A51-4108-AA02-DFA0A04FC94B}">
-              <ma14:wrappingTextBoxFlag xmlns="" xmlns:m="http://schemas.openxmlformats.org/officeDocument/2006/math" xmlns:a14="http://schemas.microsoft.com/office/drawing/2010/main" xmlns:ma14="http://schemas.microsoft.com/office/mac/drawingml/2011/main" val="1"/>
+              <ma14:wrappingTextBoxFlag xmlns:ma14="http://schemas.microsoft.com/office/mac/drawingml/2011/main" xmlns:a14="http://schemas.microsoft.com/office/drawing/2010/main" xmlns:m="http://schemas.openxmlformats.org/officeDocument/2006/math" xmlns="" val="1"/>
             </a:ext>
           </a:extLst>
         </p:spPr>
@@ -4911,7 +4882,7 @@
           </a:ln>
           <a:extLst>
             <a:ext uri="{C572A759-6A51-4108-AA02-DFA0A04FC94B}">
-              <ma14:wrappingTextBoxFlag xmlns="" xmlns:m="http://schemas.openxmlformats.org/officeDocument/2006/math" xmlns:a14="http://schemas.microsoft.com/office/drawing/2010/main" xmlns:ma14="http://schemas.microsoft.com/office/mac/drawingml/2011/main" val="1"/>
+              <ma14:wrappingTextBoxFlag xmlns:ma14="http://schemas.microsoft.com/office/mac/drawingml/2011/main" xmlns:a14="http://schemas.microsoft.com/office/drawing/2010/main" xmlns:m="http://schemas.openxmlformats.org/officeDocument/2006/math" xmlns="" val="1"/>
             </a:ext>
           </a:extLst>
         </p:spPr>
@@ -4958,7 +4929,7 @@
           </a:ln>
           <a:extLst>
             <a:ext uri="{C572A759-6A51-4108-AA02-DFA0A04FC94B}">
-              <ma14:wrappingTextBoxFlag xmlns="" xmlns:m="http://schemas.openxmlformats.org/officeDocument/2006/math" xmlns:a14="http://schemas.microsoft.com/office/drawing/2010/main" xmlns:ma14="http://schemas.microsoft.com/office/mac/drawingml/2011/main" val="1"/>
+              <ma14:wrappingTextBoxFlag xmlns:ma14="http://schemas.microsoft.com/office/mac/drawingml/2011/main" xmlns:a14="http://schemas.microsoft.com/office/drawing/2010/main" xmlns:m="http://schemas.openxmlformats.org/officeDocument/2006/math" xmlns="" val="1"/>
             </a:ext>
           </a:extLst>
         </p:spPr>
@@ -5130,7 +5101,7 @@
           </a:ln>
           <a:extLst>
             <a:ext uri="{C572A759-6A51-4108-AA02-DFA0A04FC94B}">
-              <ma14:wrappingTextBoxFlag xmlns="" xmlns:m="http://schemas.openxmlformats.org/officeDocument/2006/math" xmlns:a14="http://schemas.microsoft.com/office/drawing/2010/main" xmlns:ma14="http://schemas.microsoft.com/office/mac/drawingml/2011/main" val="1"/>
+              <ma14:wrappingTextBoxFlag xmlns:ma14="http://schemas.microsoft.com/office/mac/drawingml/2011/main" xmlns:a14="http://schemas.microsoft.com/office/drawing/2010/main" xmlns:m="http://schemas.openxmlformats.org/officeDocument/2006/math" xmlns="" val="1"/>
             </a:ext>
           </a:extLst>
         </p:spPr>
@@ -5223,7 +5194,7 @@
           </a:ln>
           <a:extLst>
             <a:ext uri="{C572A759-6A51-4108-AA02-DFA0A04FC94B}">
-              <ma14:wrappingTextBoxFlag xmlns="" xmlns:m="http://schemas.openxmlformats.org/officeDocument/2006/math" xmlns:a14="http://schemas.microsoft.com/office/drawing/2010/main" xmlns:ma14="http://schemas.microsoft.com/office/mac/drawingml/2011/main" val="1"/>
+              <ma14:wrappingTextBoxFlag xmlns:ma14="http://schemas.microsoft.com/office/mac/drawingml/2011/main" xmlns:a14="http://schemas.microsoft.com/office/drawing/2010/main" xmlns:m="http://schemas.openxmlformats.org/officeDocument/2006/math" xmlns="" val="1"/>
             </a:ext>
           </a:extLst>
         </p:spPr>
@@ -5273,7 +5244,7 @@
           </a:ln>
           <a:extLst>
             <a:ext uri="{C572A759-6A51-4108-AA02-DFA0A04FC94B}">
-              <ma14:wrappingTextBoxFlag xmlns="" xmlns:m="http://schemas.openxmlformats.org/officeDocument/2006/math" xmlns:a14="http://schemas.microsoft.com/office/drawing/2010/main" xmlns:ma14="http://schemas.microsoft.com/office/mac/drawingml/2011/main" val="1"/>
+              <ma14:wrappingTextBoxFlag xmlns:ma14="http://schemas.microsoft.com/office/mac/drawingml/2011/main" xmlns:a14="http://schemas.microsoft.com/office/drawing/2010/main" xmlns:m="http://schemas.openxmlformats.org/officeDocument/2006/math" xmlns="" val="1"/>
             </a:ext>
           </a:extLst>
         </p:spPr>
@@ -5325,7 +5296,7 @@
           </a:ln>
           <a:extLst>
             <a:ext uri="{C572A759-6A51-4108-AA02-DFA0A04FC94B}">
-              <ma14:wrappingTextBoxFlag xmlns="" xmlns:m="http://schemas.openxmlformats.org/officeDocument/2006/math" xmlns:a14="http://schemas.microsoft.com/office/drawing/2010/main" xmlns:ma14="http://schemas.microsoft.com/office/mac/drawingml/2011/main" val="1"/>
+              <ma14:wrappingTextBoxFlag xmlns:ma14="http://schemas.microsoft.com/office/mac/drawingml/2011/main" xmlns:a14="http://schemas.microsoft.com/office/drawing/2010/main" xmlns:m="http://schemas.openxmlformats.org/officeDocument/2006/math" xmlns="" val="1"/>
             </a:ext>
           </a:extLst>
         </p:spPr>
@@ -5377,7 +5348,7 @@
           </a:ln>
           <a:extLst>
             <a:ext uri="{C572A759-6A51-4108-AA02-DFA0A04FC94B}">
-              <ma14:wrappingTextBoxFlag xmlns="" xmlns:m="http://schemas.openxmlformats.org/officeDocument/2006/math" xmlns:a14="http://schemas.microsoft.com/office/drawing/2010/main" xmlns:ma14="http://schemas.microsoft.com/office/mac/drawingml/2011/main" val="1"/>
+              <ma14:wrappingTextBoxFlag xmlns:ma14="http://schemas.microsoft.com/office/mac/drawingml/2011/main" xmlns:a14="http://schemas.microsoft.com/office/drawing/2010/main" xmlns:m="http://schemas.openxmlformats.org/officeDocument/2006/math" xmlns="" val="1"/>
             </a:ext>
           </a:extLst>
         </p:spPr>
@@ -5429,7 +5400,7 @@
           </a:ln>
           <a:extLst>
             <a:ext uri="{C572A759-6A51-4108-AA02-DFA0A04FC94B}">
-              <ma14:wrappingTextBoxFlag xmlns="" xmlns:m="http://schemas.openxmlformats.org/officeDocument/2006/math" xmlns:a14="http://schemas.microsoft.com/office/drawing/2010/main" xmlns:ma14="http://schemas.microsoft.com/office/mac/drawingml/2011/main" val="1"/>
+              <ma14:wrappingTextBoxFlag xmlns:ma14="http://schemas.microsoft.com/office/mac/drawingml/2011/main" xmlns:a14="http://schemas.microsoft.com/office/drawing/2010/main" xmlns:m="http://schemas.openxmlformats.org/officeDocument/2006/math" xmlns="" val="1"/>
             </a:ext>
           </a:extLst>
         </p:spPr>
@@ -5464,14 +5435,14 @@
       </p:sp>
       <p:sp>
         <p:nvSpPr>
-          <p:cNvPr id="176" name="TextBox 82"/>
+          <p:cNvPr id="178" name="TextBox 28"/>
           <p:cNvSpPr txBox="1"/>
           <p:nvPr/>
         </p:nvSpPr>
         <p:spPr>
           <a:xfrm>
-            <a:off x="272520" y="4852216"/>
-            <a:ext cx="3773984" cy="276999"/>
+            <a:off x="300173" y="1081666"/>
+            <a:ext cx="3034310" cy="252377"/>
           </a:xfrm>
           <a:prstGeom prst="rect">
             <a:avLst/>
@@ -5481,110 +5452,7 @@
           </a:ln>
           <a:extLst>
             <a:ext uri="{C572A759-6A51-4108-AA02-DFA0A04FC94B}">
-              <ma14:wrappingTextBoxFlag xmlns="" xmlns:m="http://schemas.openxmlformats.org/officeDocument/2006/math" xmlns:a14="http://schemas.microsoft.com/office/drawing/2010/main" xmlns:ma14="http://schemas.microsoft.com/office/mac/drawingml/2011/main" val="1"/>
-            </a:ext>
-          </a:extLst>
-        </p:spPr>
-        <p:txBody>
-          <a:bodyPr wrap="square" lIns="45719" rIns="45719">
-            <a:spAutoFit/>
-          </a:bodyPr>
-          <a:lstStyle>
-            <a:lvl1pPr>
-              <a:spcBef>
-                <a:spcPts val="1200"/>
-              </a:spcBef>
-              <a:defRPr sz="1200" b="1">
-                <a:solidFill>
-                  <a:srgbClr val="173883"/>
-                </a:solidFill>
-                <a:latin typeface="Avenir Next Regular"/>
-                <a:ea typeface="Avenir Next Regular"/>
-                <a:cs typeface="Avenir Next Regular"/>
-                <a:sym typeface="Avenir Next Regular"/>
-              </a:defRPr>
-            </a:lvl1pPr>
-          </a:lstStyle>
-          <a:p>
-            <a:r>
-              <a:rPr lang="nl-NL"/>
-              <a:t>{{CLUB_2024/2025}} (2024/2025)</a:t>
-            </a:r>
-            <a:endParaRPr/>
-          </a:p>
-        </p:txBody>
-      </p:sp>
-      <p:sp>
-        <p:nvSpPr>
-          <p:cNvPr id="177" name="TextBox 87"/>
-          <p:cNvSpPr txBox="1"/>
-          <p:nvPr/>
-        </p:nvSpPr>
-        <p:spPr>
-          <a:xfrm>
-            <a:off x="272519" y="5115016"/>
-            <a:ext cx="3675263" cy="276999"/>
-          </a:xfrm>
-          <a:prstGeom prst="rect">
-            <a:avLst/>
-          </a:prstGeom>
-          <a:ln w="12700">
-            <a:miter lim="400000"/>
-          </a:ln>
-          <a:extLst>
-            <a:ext uri="{C572A759-6A51-4108-AA02-DFA0A04FC94B}">
-              <ma14:wrappingTextBoxFlag xmlns="" xmlns:m="http://schemas.openxmlformats.org/officeDocument/2006/math" xmlns:a14="http://schemas.microsoft.com/office/drawing/2010/main" xmlns:ma14="http://schemas.microsoft.com/office/mac/drawingml/2011/main" val="1"/>
-            </a:ext>
-          </a:extLst>
-        </p:spPr>
-        <p:txBody>
-          <a:bodyPr wrap="square" lIns="45719" rIns="45719">
-            <a:spAutoFit/>
-          </a:bodyPr>
-          <a:lstStyle>
-            <a:lvl1pPr>
-              <a:spcBef>
-                <a:spcPts val="1200"/>
-              </a:spcBef>
-              <a:defRPr sz="1200" b="1">
-                <a:solidFill>
-                  <a:srgbClr val="173883"/>
-                </a:solidFill>
-                <a:latin typeface="Avenir Next Regular"/>
-                <a:ea typeface="Avenir Next Regular"/>
-                <a:cs typeface="Avenir Next Regular"/>
-                <a:sym typeface="Avenir Next Regular"/>
-              </a:defRPr>
-            </a:lvl1pPr>
-          </a:lstStyle>
-          <a:p>
-            <a:r>
-              <a:rPr lang="nl-NL"/>
-              <a:t>{{CLUB_2023/2024}} (2023/2024)</a:t>
-            </a:r>
-          </a:p>
-        </p:txBody>
-      </p:sp>
-      <p:sp>
-        <p:nvSpPr>
-          <p:cNvPr id="178" name="TextBox 28"/>
-          <p:cNvSpPr txBox="1"/>
-          <p:nvPr/>
-        </p:nvSpPr>
-        <p:spPr>
-          <a:xfrm>
-            <a:off x="300173" y="1081666"/>
-            <a:ext cx="3034310" cy="252377"/>
-          </a:xfrm>
-          <a:prstGeom prst="rect">
-            <a:avLst/>
-          </a:prstGeom>
-          <a:ln w="12700">
-            <a:miter lim="400000"/>
-          </a:ln>
-          <a:extLst>
-            <a:ext uri="{C572A759-6A51-4108-AA02-DFA0A04FC94B}">
-              <ma14:wrappingTextBoxFlag xmlns="" xmlns:m="http://schemas.openxmlformats.org/officeDocument/2006/math" xmlns:a14="http://schemas.microsoft.com/office/drawing/2010/main" xmlns:ma14="http://schemas.microsoft.com/office/mac/drawingml/2011/main" val="1"/>
+              <ma14:wrappingTextBoxFlag xmlns:ma14="http://schemas.microsoft.com/office/mac/drawingml/2011/main" xmlns:a14="http://schemas.microsoft.com/office/drawing/2010/main" xmlns:m="http://schemas.openxmlformats.org/officeDocument/2006/math" xmlns="" val="1"/>
             </a:ext>
           </a:extLst>
         </p:spPr>
@@ -5713,7 +5581,7 @@
           </a:ln>
           <a:extLst>
             <a:ext uri="{C572A759-6A51-4108-AA02-DFA0A04FC94B}">
-              <ma14:wrappingTextBoxFlag xmlns="" xmlns:m="http://schemas.openxmlformats.org/officeDocument/2006/math" xmlns:a14="http://schemas.microsoft.com/office/drawing/2010/main" xmlns:ma14="http://schemas.microsoft.com/office/mac/drawingml/2011/main" val="1"/>
+              <ma14:wrappingTextBoxFlag xmlns:ma14="http://schemas.microsoft.com/office/mac/drawingml/2011/main" xmlns:a14="http://schemas.microsoft.com/office/drawing/2010/main" xmlns:m="http://schemas.openxmlformats.org/officeDocument/2006/math" xmlns="" val="1"/>
             </a:ext>
           </a:extLst>
         </p:spPr>
@@ -5761,7 +5629,7 @@
           </a:ln>
           <a:extLst>
             <a:ext uri="{C572A759-6A51-4108-AA02-DFA0A04FC94B}">
-              <ma14:wrappingTextBoxFlag xmlns="" xmlns:m="http://schemas.openxmlformats.org/officeDocument/2006/math" xmlns:a14="http://schemas.microsoft.com/office/drawing/2010/main" xmlns:ma14="http://schemas.microsoft.com/office/mac/drawingml/2011/main" val="1"/>
+              <ma14:wrappingTextBoxFlag xmlns:ma14="http://schemas.microsoft.com/office/mac/drawingml/2011/main" xmlns:a14="http://schemas.microsoft.com/office/drawing/2010/main" xmlns:m="http://schemas.openxmlformats.org/officeDocument/2006/math" xmlns="" val="1"/>
             </a:ext>
           </a:extLst>
         </p:spPr>
@@ -5809,7 +5677,7 @@
           </a:ln>
           <a:extLst>
             <a:ext uri="{C572A759-6A51-4108-AA02-DFA0A04FC94B}">
-              <ma14:wrappingTextBoxFlag xmlns="" xmlns:m="http://schemas.openxmlformats.org/officeDocument/2006/math" xmlns:a14="http://schemas.microsoft.com/office/drawing/2010/main" xmlns:ma14="http://schemas.microsoft.com/office/mac/drawingml/2011/main" val="1"/>
+              <ma14:wrappingTextBoxFlag xmlns:ma14="http://schemas.microsoft.com/office/mac/drawingml/2011/main" xmlns:a14="http://schemas.microsoft.com/office/drawing/2010/main" xmlns:m="http://schemas.openxmlformats.org/officeDocument/2006/math" xmlns="" val="1"/>
             </a:ext>
           </a:extLst>
         </p:spPr>
@@ -5857,7 +5725,7 @@
           </a:ln>
           <a:extLst>
             <a:ext uri="{C572A759-6A51-4108-AA02-DFA0A04FC94B}">
-              <ma14:wrappingTextBoxFlag xmlns="" xmlns:m="http://schemas.openxmlformats.org/officeDocument/2006/math" xmlns:a14="http://schemas.microsoft.com/office/drawing/2010/main" xmlns:ma14="http://schemas.microsoft.com/office/mac/drawingml/2011/main" val="1"/>
+              <ma14:wrappingTextBoxFlag xmlns:ma14="http://schemas.microsoft.com/office/mac/drawingml/2011/main" xmlns:a14="http://schemas.microsoft.com/office/drawing/2010/main" xmlns:m="http://schemas.openxmlformats.org/officeDocument/2006/math" xmlns="" val="1"/>
             </a:ext>
           </a:extLst>
         </p:spPr>
@@ -5905,7 +5773,7 @@
           </a:ln>
           <a:extLst>
             <a:ext uri="{C572A759-6A51-4108-AA02-DFA0A04FC94B}">
-              <ma14:wrappingTextBoxFlag xmlns="" xmlns:m="http://schemas.openxmlformats.org/officeDocument/2006/math" xmlns:a14="http://schemas.microsoft.com/office/drawing/2010/main" xmlns:ma14="http://schemas.microsoft.com/office/mac/drawingml/2011/main" val="1"/>
+              <ma14:wrappingTextBoxFlag xmlns:ma14="http://schemas.microsoft.com/office/mac/drawingml/2011/main" xmlns:a14="http://schemas.microsoft.com/office/drawing/2010/main" xmlns:m="http://schemas.openxmlformats.org/officeDocument/2006/math" xmlns="" val="1"/>
             </a:ext>
           </a:extLst>
         </p:spPr>
@@ -5953,7 +5821,7 @@
           </a:ln>
           <a:extLst>
             <a:ext uri="{C572A759-6A51-4108-AA02-DFA0A04FC94B}">
-              <ma14:wrappingTextBoxFlag xmlns="" xmlns:m="http://schemas.openxmlformats.org/officeDocument/2006/math" xmlns:a14="http://schemas.microsoft.com/office/drawing/2010/main" xmlns:ma14="http://schemas.microsoft.com/office/mac/drawingml/2011/main" val="1"/>
+              <ma14:wrappingTextBoxFlag xmlns:ma14="http://schemas.microsoft.com/office/mac/drawingml/2011/main" xmlns:a14="http://schemas.microsoft.com/office/drawing/2010/main" xmlns:m="http://schemas.openxmlformats.org/officeDocument/2006/math" xmlns="" val="1"/>
             </a:ext>
           </a:extLst>
         </p:spPr>
@@ -6001,7 +5869,7 @@
           </a:ln>
           <a:extLst>
             <a:ext uri="{C572A759-6A51-4108-AA02-DFA0A04FC94B}">
-              <ma14:wrappingTextBoxFlag xmlns="" xmlns:m="http://schemas.openxmlformats.org/officeDocument/2006/math" xmlns:a14="http://schemas.microsoft.com/office/drawing/2010/main" xmlns:ma14="http://schemas.microsoft.com/office/mac/drawingml/2011/main" val="1"/>
+              <ma14:wrappingTextBoxFlag xmlns:ma14="http://schemas.microsoft.com/office/mac/drawingml/2011/main" xmlns:a14="http://schemas.microsoft.com/office/drawing/2010/main" xmlns:m="http://schemas.openxmlformats.org/officeDocument/2006/math" xmlns="" val="1"/>
             </a:ext>
           </a:extLst>
         </p:spPr>
@@ -6049,7 +5917,7 @@
           </a:ln>
           <a:extLst>
             <a:ext uri="{C572A759-6A51-4108-AA02-DFA0A04FC94B}">
-              <ma14:wrappingTextBoxFlag xmlns="" xmlns:m="http://schemas.openxmlformats.org/officeDocument/2006/math" xmlns:a14="http://schemas.microsoft.com/office/drawing/2010/main" xmlns:ma14="http://schemas.microsoft.com/office/mac/drawingml/2011/main" val="1"/>
+              <ma14:wrappingTextBoxFlag xmlns:ma14="http://schemas.microsoft.com/office/mac/drawingml/2011/main" xmlns:a14="http://schemas.microsoft.com/office/drawing/2010/main" xmlns:m="http://schemas.openxmlformats.org/officeDocument/2006/math" xmlns="" val="1"/>
             </a:ext>
           </a:extLst>
         </p:spPr>
@@ -6097,7 +5965,7 @@
           </a:ln>
           <a:extLst>
             <a:ext uri="{C572A759-6A51-4108-AA02-DFA0A04FC94B}">
-              <ma14:wrappingTextBoxFlag xmlns="" xmlns:m="http://schemas.openxmlformats.org/officeDocument/2006/math" xmlns:a14="http://schemas.microsoft.com/office/drawing/2010/main" xmlns:ma14="http://schemas.microsoft.com/office/mac/drawingml/2011/main" val="1"/>
+              <ma14:wrappingTextBoxFlag xmlns:ma14="http://schemas.microsoft.com/office/mac/drawingml/2011/main" xmlns:a14="http://schemas.microsoft.com/office/drawing/2010/main" xmlns:m="http://schemas.openxmlformats.org/officeDocument/2006/math" xmlns="" val="1"/>
             </a:ext>
           </a:extLst>
         </p:spPr>
@@ -6145,7 +6013,7 @@
           </a:ln>
           <a:extLst>
             <a:ext uri="{C572A759-6A51-4108-AA02-DFA0A04FC94B}">
-              <ma14:wrappingTextBoxFlag xmlns="" xmlns:m="http://schemas.openxmlformats.org/officeDocument/2006/math" xmlns:a14="http://schemas.microsoft.com/office/drawing/2010/main" xmlns:ma14="http://schemas.microsoft.com/office/mac/drawingml/2011/main" val="1"/>
+              <ma14:wrappingTextBoxFlag xmlns:ma14="http://schemas.microsoft.com/office/mac/drawingml/2011/main" xmlns:a14="http://schemas.microsoft.com/office/drawing/2010/main" xmlns:m="http://schemas.openxmlformats.org/officeDocument/2006/math" xmlns="" val="1"/>
             </a:ext>
           </a:extLst>
         </p:spPr>
@@ -6193,7 +6061,7 @@
           </a:ln>
           <a:extLst>
             <a:ext uri="{C572A759-6A51-4108-AA02-DFA0A04FC94B}">
-              <ma14:wrappingTextBoxFlag xmlns="" xmlns:m="http://schemas.openxmlformats.org/officeDocument/2006/math" xmlns:a14="http://schemas.microsoft.com/office/drawing/2010/main" xmlns:ma14="http://schemas.microsoft.com/office/mac/drawingml/2011/main" val="1"/>
+              <ma14:wrappingTextBoxFlag xmlns:ma14="http://schemas.microsoft.com/office/mac/drawingml/2011/main" xmlns:a14="http://schemas.microsoft.com/office/drawing/2010/main" xmlns:m="http://schemas.openxmlformats.org/officeDocument/2006/math" xmlns="" val="1"/>
             </a:ext>
           </a:extLst>
         </p:spPr>
@@ -6225,7 +6093,7 @@
         <p:spPr>
           <a:xfrm>
             <a:off x="279177" y="4589050"/>
-            <a:ext cx="1430987" cy="281941"/>
+            <a:ext cx="1430987" cy="261610"/>
           </a:xfrm>
           <a:prstGeom prst="rect">
             <a:avLst/>
@@ -6235,7 +6103,7 @@
           </a:ln>
           <a:extLst>
             <a:ext uri="{C572A759-6A51-4108-AA02-DFA0A04FC94B}">
-              <ma14:wrappingTextBoxFlag xmlns="" xmlns:m="http://schemas.openxmlformats.org/officeDocument/2006/math" xmlns:a14="http://schemas.microsoft.com/office/drawing/2010/main" xmlns:ma14="http://schemas.microsoft.com/office/mac/drawingml/2011/main" val="1"/>
+              <ma14:wrappingTextBoxFlag xmlns:ma14="http://schemas.microsoft.com/office/mac/drawingml/2011/main" xmlns:a14="http://schemas.microsoft.com/office/drawing/2010/main" xmlns:m="http://schemas.openxmlformats.org/officeDocument/2006/math" xmlns="" val="1"/>
             </a:ext>
           </a:extLst>
         </p:spPr>
@@ -6257,9 +6125,7 @@
             </a:lvl1pPr>
           </a:lstStyle>
           <a:p>
-            <a:r>
-              <a:t>Previous Clubs</a:t>
-            </a:r>
+            <a:endParaRPr/>
           </a:p>
         </p:txBody>
       </p:sp>
@@ -6499,7 +6365,7 @@
         <p:spPr>
           <a:xfrm>
             <a:off x="228597" y="6212291"/>
-            <a:ext cx="3035808" cy="3209544"/>
+            <a:ext cx="3108960" cy="3108960"/>
           </a:xfrm>
           <a:prstGeom prst="rect">
             <a:avLst/>
@@ -6961,8 +6827,8 @@
         </p:nvSpPr>
         <p:spPr>
           <a:xfrm>
-            <a:off x="236197" y="6212291"/>
-            <a:ext cx="3035810" cy="3205023"/>
+            <a:off x="3545973" y="6207770"/>
+            <a:ext cx="3108960" cy="3108960"/>
           </a:xfrm>
           <a:prstGeom prst="rect">
             <a:avLst/>
@@ -7004,7 +6870,7 @@
         <p:spPr>
           <a:xfrm>
             <a:off x="3545973" y="6207770"/>
-            <a:ext cx="3099816" cy="3209544"/>
+            <a:ext cx="3108960" cy="3108960"/>
           </a:xfrm>
           <a:prstGeom prst="rect">
             <a:avLst/>
@@ -7393,8 +7259,8 @@
         </p:nvSpPr>
         <p:spPr>
           <a:xfrm>
-            <a:off x="3538371" y="6212291"/>
-            <a:ext cx="3099935" cy="3205023"/>
+            <a:off x="234547" y="6212291"/>
+            <a:ext cx="3108960" cy="3108960"/>
           </a:xfrm>
           <a:prstGeom prst="rect">
             <a:avLst/>
@@ -7415,41 +7281,6 @@
         </p:spPr>
         <p:txBody>
           <a:bodyPr lIns="45718" tIns="45718" rIns="45718" bIns="45718" anchor="ctr"/>
-          <a:lstStyle/>
-          <a:p>
-            <a:endParaRPr/>
-          </a:p>
-        </p:txBody>
-      </p:sp>
-      <p:sp>
-        <p:nvSpPr>
-          <p:cNvPr id="3" name="Rechte verbindingslijn 6">
-            <a:extLst>
-              <a:ext uri="{FF2B5EF4-FFF2-40B4-BE49-F238E27FC236}">
-                <a16:creationId xmlns:a16="http://schemas.microsoft.com/office/drawing/2014/main" id="{BB3921B5-1062-934A-9741-17E6263E6886}"/>
-              </a:ext>
-            </a:extLst>
-          </p:cNvPr>
-          <p:cNvSpPr/>
-          <p:nvPr/>
-        </p:nvSpPr>
-        <p:spPr>
-          <a:xfrm>
-            <a:off x="342219" y="4521891"/>
-            <a:ext cx="6173562" cy="1"/>
-          </a:xfrm>
-          <a:prstGeom prst="line">
-            <a:avLst/>
-          </a:prstGeom>
-          <a:ln w="12700">
-            <a:solidFill>
-              <a:srgbClr val="173883"/>
-            </a:solidFill>
-            <a:miter/>
-          </a:ln>
-        </p:spPr>
-        <p:txBody>
-          <a:bodyPr lIns="45718" tIns="45718" rIns="45718" bIns="45718"/>
           <a:lstStyle/>
           <a:p>
             <a:endParaRPr/>
@@ -7486,6 +7317,957 @@
         <p:txBody>
           <a:bodyPr lIns="45718" tIns="45718" rIns="45718" bIns="45718" anchor="ctr"/>
           <a:lstStyle/>
+          <a:p>
+            <a:endParaRPr/>
+          </a:p>
+        </p:txBody>
+      </p:sp>
+      <p:sp>
+        <p:nvSpPr>
+          <p:cNvPr id="4" name="Rechte verbindingslijn 6">
+            <a:extLst>
+              <a:ext uri="{FF2B5EF4-FFF2-40B4-BE49-F238E27FC236}">
+                <a16:creationId xmlns:a16="http://schemas.microsoft.com/office/drawing/2014/main" id="{A23C5B04-6DAC-0EC1-08D4-63C00CCB1815}"/>
+              </a:ext>
+            </a:extLst>
+          </p:cNvPr>
+          <p:cNvSpPr/>
+          <p:nvPr/>
+        </p:nvSpPr>
+        <p:spPr>
+          <a:xfrm flipH="1">
+            <a:off x="2836460" y="3794464"/>
+            <a:ext cx="1" cy="1566863"/>
+          </a:xfrm>
+          <a:prstGeom prst="line">
+            <a:avLst/>
+          </a:prstGeom>
+          <a:ln w="19050">
+            <a:solidFill>
+              <a:srgbClr val="173883"/>
+            </a:solidFill>
+            <a:miter/>
+          </a:ln>
+        </p:spPr>
+        <p:txBody>
+          <a:bodyPr lIns="45718" tIns="45718" rIns="45718" bIns="45718"/>
+          <a:lstStyle/>
+          <a:p>
+            <a:endParaRPr/>
+          </a:p>
+        </p:txBody>
+      </p:sp>
+      <p:sp>
+        <p:nvSpPr>
+          <p:cNvPr id="12" name="TextBox 72">
+            <a:extLst>
+              <a:ext uri="{FF2B5EF4-FFF2-40B4-BE49-F238E27FC236}">
+                <a16:creationId xmlns:a16="http://schemas.microsoft.com/office/drawing/2014/main" id="{06D2ADCC-DB12-998A-F693-AD240609E0BB}"/>
+              </a:ext>
+            </a:extLst>
+          </p:cNvPr>
+          <p:cNvSpPr txBox="1"/>
+          <p:nvPr/>
+        </p:nvSpPr>
+        <p:spPr>
+          <a:xfrm>
+            <a:off x="271713" y="4388558"/>
+            <a:ext cx="3594889" cy="281939"/>
+          </a:xfrm>
+          <a:prstGeom prst="rect">
+            <a:avLst/>
+          </a:prstGeom>
+          <a:ln w="12700">
+            <a:miter lim="400000"/>
+          </a:ln>
+          <a:extLst>
+            <a:ext uri="{C572A759-6A51-4108-AA02-DFA0A04FC94B}">
+              <ma14:wrappingTextBoxFlag xmlns:ma14="http://schemas.microsoft.com/office/mac/drawingml/2011/main" xmlns:a14="http://schemas.microsoft.com/office/drawing/2010/main" xmlns:m="http://schemas.openxmlformats.org/officeDocument/2006/math" xmlns="" val="1"/>
+            </a:ext>
+          </a:extLst>
+        </p:spPr>
+        <p:txBody>
+          <a:bodyPr wrap="square" lIns="45718" tIns="45718" rIns="45718" bIns="45718">
+            <a:spAutoFit/>
+          </a:bodyPr>
+          <a:lstStyle>
+            <a:lvl1pPr>
+              <a:spcBef>
+                <a:spcPts val="1200"/>
+              </a:spcBef>
+              <a:defRPr sz="1200" b="1">
+                <a:solidFill>
+                  <a:srgbClr val="173883"/>
+                </a:solidFill>
+                <a:latin typeface="Avenir Next Regular"/>
+                <a:ea typeface="Avenir Next Regular"/>
+                <a:cs typeface="Avenir Next Regular"/>
+                <a:sym typeface="Avenir Next Regular"/>
+              </a:defRPr>
+            </a:lvl1pPr>
+          </a:lstStyle>
+          <a:p>
+            <a:r>
+              <a:rPr lang="nl-NL"/>
+              <a:t>{{CLUB_2024/2025}} (2024/2025)</a:t>
+            </a:r>
+          </a:p>
+        </p:txBody>
+      </p:sp>
+      <p:sp>
+        <p:nvSpPr>
+          <p:cNvPr id="13" name="TextBox 72">
+            <a:extLst>
+              <a:ext uri="{FF2B5EF4-FFF2-40B4-BE49-F238E27FC236}">
+                <a16:creationId xmlns:a16="http://schemas.microsoft.com/office/drawing/2014/main" id="{7DE77425-E702-EC58-C155-A0740A2F1639}"/>
+              </a:ext>
+            </a:extLst>
+          </p:cNvPr>
+          <p:cNvSpPr txBox="1"/>
+          <p:nvPr/>
+        </p:nvSpPr>
+        <p:spPr>
+          <a:xfrm>
+            <a:off x="271713" y="4716249"/>
+            <a:ext cx="3982423" cy="276995"/>
+          </a:xfrm>
+          <a:prstGeom prst="rect">
+            <a:avLst/>
+          </a:prstGeom>
+          <a:ln w="12700">
+            <a:miter lim="400000"/>
+          </a:ln>
+          <a:extLst>
+            <a:ext uri="{C572A759-6A51-4108-AA02-DFA0A04FC94B}">
+              <ma14:wrappingTextBoxFlag xmlns:ma14="http://schemas.microsoft.com/office/mac/drawingml/2011/main" xmlns:a14="http://schemas.microsoft.com/office/drawing/2010/main" xmlns:m="http://schemas.openxmlformats.org/officeDocument/2006/math" xmlns="" val="1"/>
+            </a:ext>
+          </a:extLst>
+        </p:spPr>
+        <p:txBody>
+          <a:bodyPr wrap="square" lIns="45718" tIns="45718" rIns="45718" bIns="45718">
+            <a:spAutoFit/>
+          </a:bodyPr>
+          <a:lstStyle>
+            <a:lvl1pPr>
+              <a:spcBef>
+                <a:spcPts val="1200"/>
+              </a:spcBef>
+              <a:defRPr sz="1200" b="1">
+                <a:solidFill>
+                  <a:srgbClr val="173883"/>
+                </a:solidFill>
+                <a:latin typeface="Avenir Next Regular"/>
+                <a:ea typeface="Avenir Next Regular"/>
+                <a:cs typeface="Avenir Next Regular"/>
+                <a:sym typeface="Avenir Next Regular"/>
+              </a:defRPr>
+            </a:lvl1pPr>
+          </a:lstStyle>
+          <a:p>
+            <a:r>
+              <a:rPr lang="nl-NL"/>
+              <a:t>{{CLUB_2023/2024}} (2023/2024)</a:t>
+            </a:r>
+          </a:p>
+        </p:txBody>
+      </p:sp>
+      <p:sp>
+        <p:nvSpPr>
+          <p:cNvPr id="14" name="TextBox 72">
+            <a:extLst>
+              <a:ext uri="{FF2B5EF4-FFF2-40B4-BE49-F238E27FC236}">
+                <a16:creationId xmlns:a16="http://schemas.microsoft.com/office/drawing/2014/main" id="{32DF8666-D1B4-CD0B-C7D8-B88FF80B5AB2}"/>
+              </a:ext>
+            </a:extLst>
+          </p:cNvPr>
+          <p:cNvSpPr txBox="1"/>
+          <p:nvPr/>
+        </p:nvSpPr>
+        <p:spPr>
+          <a:xfrm>
+            <a:off x="271713" y="5028809"/>
+            <a:ext cx="3780895" cy="276995"/>
+          </a:xfrm>
+          <a:prstGeom prst="rect">
+            <a:avLst/>
+          </a:prstGeom>
+          <a:ln w="12700">
+            <a:miter lim="400000"/>
+          </a:ln>
+          <a:extLst>
+            <a:ext uri="{C572A759-6A51-4108-AA02-DFA0A04FC94B}">
+              <ma14:wrappingTextBoxFlag xmlns:ma14="http://schemas.microsoft.com/office/mac/drawingml/2011/main" xmlns:a14="http://schemas.microsoft.com/office/drawing/2010/main" xmlns:m="http://schemas.openxmlformats.org/officeDocument/2006/math" xmlns="" val="1"/>
+            </a:ext>
+          </a:extLst>
+        </p:spPr>
+        <p:txBody>
+          <a:bodyPr wrap="square" lIns="45718" tIns="45718" rIns="45718" bIns="45718">
+            <a:spAutoFit/>
+          </a:bodyPr>
+          <a:lstStyle>
+            <a:lvl1pPr>
+              <a:spcBef>
+                <a:spcPts val="1200"/>
+              </a:spcBef>
+              <a:defRPr sz="1200" b="1">
+                <a:solidFill>
+                  <a:srgbClr val="173883"/>
+                </a:solidFill>
+                <a:latin typeface="Avenir Next Regular"/>
+                <a:ea typeface="Avenir Next Regular"/>
+                <a:cs typeface="Avenir Next Regular"/>
+                <a:sym typeface="Avenir Next Regular"/>
+              </a:defRPr>
+            </a:lvl1pPr>
+          </a:lstStyle>
+          <a:p>
+            <a:r>
+              <a:rPr lang="nl-NL"/>
+              <a:t>{{CLUB_2022/2023}} (2022/2023)</a:t>
+            </a:r>
+          </a:p>
+        </p:txBody>
+      </p:sp>
+      <p:pic>
+        <p:nvPicPr>
+          <p:cNvPr id="31" name="Afbeelding 47" descr="Afbeelding 47">
+            <a:extLst>
+              <a:ext uri="{FF2B5EF4-FFF2-40B4-BE49-F238E27FC236}">
+                <a16:creationId xmlns:a16="http://schemas.microsoft.com/office/drawing/2014/main" id="{6526D066-9B91-00EC-0B0E-EF1A19E389EB}"/>
+              </a:ext>
+            </a:extLst>
+          </p:cNvPr>
+          <p:cNvPicPr>
+            <a:picLocks noChangeAspect="1"/>
+          </p:cNvPicPr>
+          <p:nvPr/>
+        </p:nvPicPr>
+        <p:blipFill>
+          <a:blip r:embed="rId4"/>
+          <a:stretch>
+            <a:fillRect/>
+          </a:stretch>
+        </p:blipFill>
+        <p:spPr>
+          <a:xfrm>
+            <a:off x="3766037" y="5575279"/>
+            <a:ext cx="445479" cy="392864"/>
+          </a:xfrm>
+          <a:prstGeom prst="rect">
+            <a:avLst/>
+          </a:prstGeom>
+          <a:ln w="12700">
+            <a:miter lim="400000"/>
+          </a:ln>
+        </p:spPr>
+      </p:pic>
+      <p:sp>
+        <p:nvSpPr>
+          <p:cNvPr id="32" name="TextBox 73">
+            <a:extLst>
+              <a:ext uri="{FF2B5EF4-FFF2-40B4-BE49-F238E27FC236}">
+                <a16:creationId xmlns:a16="http://schemas.microsoft.com/office/drawing/2014/main" id="{4E8D4BBB-CD3C-A8E8-FCFF-377DE27583B8}"/>
+              </a:ext>
+            </a:extLst>
+          </p:cNvPr>
+          <p:cNvSpPr txBox="1"/>
+          <p:nvPr/>
+        </p:nvSpPr>
+        <p:spPr>
+          <a:xfrm>
+            <a:off x="3194210" y="4388558"/>
+            <a:ext cx="755973" cy="276995"/>
+          </a:xfrm>
+          <a:prstGeom prst="rect">
+            <a:avLst/>
+          </a:prstGeom>
+          <a:ln w="12700">
+            <a:miter lim="400000"/>
+          </a:ln>
+          <a:extLst>
+            <a:ext uri="{C572A759-6A51-4108-AA02-DFA0A04FC94B}">
+              <ma14:wrappingTextBoxFlag xmlns:ma14="http://schemas.microsoft.com/office/mac/drawingml/2011/main" xmlns:a14="http://schemas.microsoft.com/office/drawing/2010/main" xmlns:m="http://schemas.openxmlformats.org/officeDocument/2006/math" xmlns="" val="1"/>
+            </a:ext>
+          </a:extLst>
+        </p:spPr>
+        <p:txBody>
+          <a:bodyPr wrap="none" lIns="45718" tIns="45718" rIns="45718" bIns="45718">
+            <a:spAutoFit/>
+          </a:bodyPr>
+          <a:lstStyle>
+            <a:lvl1pPr algn="ctr">
+              <a:spcBef>
+                <a:spcPts val="1200"/>
+              </a:spcBef>
+              <a:defRPr sz="1200">
+                <a:solidFill>
+                  <a:srgbClr val="FFFFFF"/>
+                </a:solidFill>
+                <a:latin typeface="Avenir Next Regular"/>
+                <a:ea typeface="Avenir Next Regular"/>
+                <a:cs typeface="Avenir Next Regular"/>
+                <a:sym typeface="Avenir Next Regular"/>
+              </a:defRPr>
+            </a:lvl1pPr>
+          </a:lstStyle>
+          <a:p>
+            <a:r>
+              <a:rPr lang="nl-NL"/>
+              <a:t>{{G24/25}}</a:t>
+            </a:r>
+            <a:endParaRPr/>
+          </a:p>
+        </p:txBody>
+      </p:sp>
+      <p:sp>
+        <p:nvSpPr>
+          <p:cNvPr id="33" name="TextBox 74">
+            <a:extLst>
+              <a:ext uri="{FF2B5EF4-FFF2-40B4-BE49-F238E27FC236}">
+                <a16:creationId xmlns:a16="http://schemas.microsoft.com/office/drawing/2014/main" id="{BBB713D0-BAE5-82DD-D841-7DCC6F996928}"/>
+              </a:ext>
+            </a:extLst>
+          </p:cNvPr>
+          <p:cNvSpPr txBox="1"/>
+          <p:nvPr/>
+        </p:nvSpPr>
+        <p:spPr>
+          <a:xfrm>
+            <a:off x="4088180" y="4388558"/>
+            <a:ext cx="789636" cy="276995"/>
+          </a:xfrm>
+          <a:prstGeom prst="rect">
+            <a:avLst/>
+          </a:prstGeom>
+          <a:ln w="12700">
+            <a:miter lim="400000"/>
+          </a:ln>
+          <a:extLst>
+            <a:ext uri="{C572A759-6A51-4108-AA02-DFA0A04FC94B}">
+              <ma14:wrappingTextBoxFlag xmlns:ma14="http://schemas.microsoft.com/office/mac/drawingml/2011/main" xmlns:a14="http://schemas.microsoft.com/office/drawing/2010/main" xmlns:m="http://schemas.openxmlformats.org/officeDocument/2006/math" xmlns="" val="1"/>
+            </a:ext>
+          </a:extLst>
+        </p:spPr>
+        <p:txBody>
+          <a:bodyPr wrap="none" lIns="45718" tIns="45718" rIns="45718" bIns="45718">
+            <a:spAutoFit/>
+          </a:bodyPr>
+          <a:lstStyle>
+            <a:lvl1pPr algn="ctr">
+              <a:spcBef>
+                <a:spcPts val="1200"/>
+              </a:spcBef>
+              <a:defRPr sz="1200">
+                <a:solidFill>
+                  <a:srgbClr val="FFFFFF"/>
+                </a:solidFill>
+                <a:latin typeface="Avenir Next Regular"/>
+                <a:ea typeface="Avenir Next Regular"/>
+                <a:cs typeface="Avenir Next Regular"/>
+                <a:sym typeface="Avenir Next Regular"/>
+              </a:defRPr>
+            </a:lvl1pPr>
+          </a:lstStyle>
+          <a:p>
+            <a:r>
+              <a:rPr lang="nl-NL"/>
+              <a:t>{{M24/25}}</a:t>
+            </a:r>
+          </a:p>
+        </p:txBody>
+      </p:sp>
+      <p:sp>
+        <p:nvSpPr>
+          <p:cNvPr id="34" name="TextBox 75">
+            <a:extLst>
+              <a:ext uri="{FF2B5EF4-FFF2-40B4-BE49-F238E27FC236}">
+                <a16:creationId xmlns:a16="http://schemas.microsoft.com/office/drawing/2014/main" id="{98926A7D-E11D-4A2E-B8F5-21C628F82E52}"/>
+              </a:ext>
+            </a:extLst>
+          </p:cNvPr>
+          <p:cNvSpPr txBox="1"/>
+          <p:nvPr/>
+        </p:nvSpPr>
+        <p:spPr>
+          <a:xfrm>
+            <a:off x="5022115" y="4388558"/>
+            <a:ext cx="858564" cy="615549"/>
+          </a:xfrm>
+          <a:prstGeom prst="rect">
+            <a:avLst/>
+          </a:prstGeom>
+          <a:ln w="12700">
+            <a:miter lim="400000"/>
+          </a:ln>
+          <a:extLst>
+            <a:ext uri="{C572A759-6A51-4108-AA02-DFA0A04FC94B}">
+              <ma14:wrappingTextBoxFlag xmlns:ma14="http://schemas.microsoft.com/office/mac/drawingml/2011/main" xmlns:a14="http://schemas.microsoft.com/office/drawing/2010/main" xmlns:m="http://schemas.openxmlformats.org/officeDocument/2006/math" xmlns="" val="1"/>
+            </a:ext>
+          </a:extLst>
+        </p:spPr>
+        <p:txBody>
+          <a:bodyPr wrap="none" lIns="45718" tIns="45718" rIns="45718" bIns="45718">
+            <a:spAutoFit/>
+          </a:bodyPr>
+          <a:lstStyle>
+            <a:lvl1pPr algn="ctr">
+              <a:spcBef>
+                <a:spcPts val="1200"/>
+              </a:spcBef>
+              <a:defRPr sz="1200">
+                <a:solidFill>
+                  <a:srgbClr val="FFFFFF"/>
+                </a:solidFill>
+                <a:latin typeface="Avenir Next Regular"/>
+                <a:ea typeface="Avenir Next Regular"/>
+                <a:cs typeface="Avenir Next Regular"/>
+                <a:sym typeface="Avenir Next Regular"/>
+              </a:defRPr>
+            </a:lvl1pPr>
+          </a:lstStyle>
+          <a:p>
+            <a:r>
+              <a:rPr lang="nl-NL"/>
+              <a:t>{{GO24/25}}</a:t>
+            </a:r>
+          </a:p>
+          <a:p>
+            <a:endParaRPr/>
+          </a:p>
+        </p:txBody>
+      </p:sp>
+      <p:sp>
+        <p:nvSpPr>
+          <p:cNvPr id="35" name="TextBox 76">
+            <a:extLst>
+              <a:ext uri="{FF2B5EF4-FFF2-40B4-BE49-F238E27FC236}">
+                <a16:creationId xmlns:a16="http://schemas.microsoft.com/office/drawing/2014/main" id="{DF909042-067C-83F0-41A9-F6F568B5D3C9}"/>
+              </a:ext>
+            </a:extLst>
+          </p:cNvPr>
+          <p:cNvSpPr txBox="1"/>
+          <p:nvPr/>
+        </p:nvSpPr>
+        <p:spPr>
+          <a:xfrm>
+            <a:off x="5956623" y="4388558"/>
+            <a:ext cx="747958" cy="615549"/>
+          </a:xfrm>
+          <a:prstGeom prst="rect">
+            <a:avLst/>
+          </a:prstGeom>
+          <a:ln w="12700">
+            <a:miter lim="400000"/>
+          </a:ln>
+          <a:extLst>
+            <a:ext uri="{C572A759-6A51-4108-AA02-DFA0A04FC94B}">
+              <ma14:wrappingTextBoxFlag xmlns:ma14="http://schemas.microsoft.com/office/mac/drawingml/2011/main" xmlns:a14="http://schemas.microsoft.com/office/drawing/2010/main" xmlns:m="http://schemas.openxmlformats.org/officeDocument/2006/math" xmlns="" val="1"/>
+            </a:ext>
+          </a:extLst>
+        </p:spPr>
+        <p:txBody>
+          <a:bodyPr wrap="none" lIns="45718" tIns="45718" rIns="45718" bIns="45718">
+            <a:spAutoFit/>
+          </a:bodyPr>
+          <a:lstStyle>
+            <a:lvl1pPr algn="ctr">
+              <a:spcBef>
+                <a:spcPts val="1200"/>
+              </a:spcBef>
+              <a:defRPr sz="1200">
+                <a:solidFill>
+                  <a:srgbClr val="FFFFFF"/>
+                </a:solidFill>
+                <a:latin typeface="Avenir Next Regular"/>
+                <a:ea typeface="Avenir Next Regular"/>
+                <a:cs typeface="Avenir Next Regular"/>
+                <a:sym typeface="Avenir Next Regular"/>
+              </a:defRPr>
+            </a:lvl1pPr>
+          </a:lstStyle>
+          <a:p>
+            <a:r>
+              <a:rPr lang="nl-NL"/>
+              <a:t>{{A24/25}}</a:t>
+            </a:r>
+          </a:p>
+          <a:p>
+            <a:endParaRPr/>
+          </a:p>
+        </p:txBody>
+      </p:sp>
+      <p:sp>
+        <p:nvSpPr>
+          <p:cNvPr id="36" name="TextBox 73">
+            <a:extLst>
+              <a:ext uri="{FF2B5EF4-FFF2-40B4-BE49-F238E27FC236}">
+                <a16:creationId xmlns:a16="http://schemas.microsoft.com/office/drawing/2014/main" id="{1D943C90-0A0D-5AEE-FD32-C472C13C4E6E}"/>
+              </a:ext>
+            </a:extLst>
+          </p:cNvPr>
+          <p:cNvSpPr txBox="1"/>
+          <p:nvPr/>
+        </p:nvSpPr>
+        <p:spPr>
+          <a:xfrm>
+            <a:off x="3194210" y="4716249"/>
+            <a:ext cx="755972" cy="615549"/>
+          </a:xfrm>
+          <a:prstGeom prst="rect">
+            <a:avLst/>
+          </a:prstGeom>
+          <a:ln w="12700">
+            <a:miter lim="400000"/>
+          </a:ln>
+          <a:extLst>
+            <a:ext uri="{C572A759-6A51-4108-AA02-DFA0A04FC94B}">
+              <ma14:wrappingTextBoxFlag xmlns:ma14="http://schemas.microsoft.com/office/mac/drawingml/2011/main" xmlns:a14="http://schemas.microsoft.com/office/drawing/2010/main" xmlns:m="http://schemas.openxmlformats.org/officeDocument/2006/math" xmlns="" val="1"/>
+            </a:ext>
+          </a:extLst>
+        </p:spPr>
+        <p:txBody>
+          <a:bodyPr wrap="none" lIns="45718" tIns="45718" rIns="45718" bIns="45718">
+            <a:spAutoFit/>
+          </a:bodyPr>
+          <a:lstStyle>
+            <a:lvl1pPr algn="ctr">
+              <a:spcBef>
+                <a:spcPts val="1200"/>
+              </a:spcBef>
+              <a:defRPr sz="1200">
+                <a:solidFill>
+                  <a:srgbClr val="FFFFFF"/>
+                </a:solidFill>
+                <a:latin typeface="Avenir Next Regular"/>
+                <a:ea typeface="Avenir Next Regular"/>
+                <a:cs typeface="Avenir Next Regular"/>
+                <a:sym typeface="Avenir Next Regular"/>
+              </a:defRPr>
+            </a:lvl1pPr>
+          </a:lstStyle>
+          <a:p>
+            <a:r>
+              <a:rPr lang="nl-NL"/>
+              <a:t>{{G23/24}}</a:t>
+            </a:r>
+          </a:p>
+          <a:p>
+            <a:endParaRPr/>
+          </a:p>
+        </p:txBody>
+      </p:sp>
+      <p:sp>
+        <p:nvSpPr>
+          <p:cNvPr id="37" name="TextBox 74">
+            <a:extLst>
+              <a:ext uri="{FF2B5EF4-FFF2-40B4-BE49-F238E27FC236}">
+                <a16:creationId xmlns:a16="http://schemas.microsoft.com/office/drawing/2014/main" id="{122C9079-3B49-943B-C654-FE9BA52B87C0}"/>
+              </a:ext>
+            </a:extLst>
+          </p:cNvPr>
+          <p:cNvSpPr txBox="1"/>
+          <p:nvPr/>
+        </p:nvSpPr>
+        <p:spPr>
+          <a:xfrm>
+            <a:off x="4105011" y="4716249"/>
+            <a:ext cx="755972" cy="615549"/>
+          </a:xfrm>
+          <a:prstGeom prst="rect">
+            <a:avLst/>
+          </a:prstGeom>
+          <a:ln w="12700">
+            <a:miter lim="400000"/>
+          </a:ln>
+          <a:extLst>
+            <a:ext uri="{C572A759-6A51-4108-AA02-DFA0A04FC94B}">
+              <ma14:wrappingTextBoxFlag xmlns:ma14="http://schemas.microsoft.com/office/mac/drawingml/2011/main" xmlns:a14="http://schemas.microsoft.com/office/drawing/2010/main" xmlns:m="http://schemas.openxmlformats.org/officeDocument/2006/math" xmlns="" val="1"/>
+            </a:ext>
+          </a:extLst>
+        </p:spPr>
+        <p:txBody>
+          <a:bodyPr wrap="none" lIns="45718" tIns="45718" rIns="45718" bIns="45718">
+            <a:spAutoFit/>
+          </a:bodyPr>
+          <a:lstStyle>
+            <a:lvl1pPr algn="ctr">
+              <a:spcBef>
+                <a:spcPts val="1200"/>
+              </a:spcBef>
+              <a:defRPr sz="1200">
+                <a:solidFill>
+                  <a:srgbClr val="FFFFFF"/>
+                </a:solidFill>
+                <a:latin typeface="Avenir Next Regular"/>
+                <a:ea typeface="Avenir Next Regular"/>
+                <a:cs typeface="Avenir Next Regular"/>
+                <a:sym typeface="Avenir Next Regular"/>
+              </a:defRPr>
+            </a:lvl1pPr>
+          </a:lstStyle>
+          <a:p>
+            <a:r>
+              <a:rPr lang="nl-NL"/>
+              <a:t>{{G23/24}}</a:t>
+            </a:r>
+          </a:p>
+          <a:p>
+            <a:endParaRPr/>
+          </a:p>
+        </p:txBody>
+      </p:sp>
+      <p:sp>
+        <p:nvSpPr>
+          <p:cNvPr id="38" name="TextBox 75">
+            <a:extLst>
+              <a:ext uri="{FF2B5EF4-FFF2-40B4-BE49-F238E27FC236}">
+                <a16:creationId xmlns:a16="http://schemas.microsoft.com/office/drawing/2014/main" id="{0DF7A233-D532-35F6-43F9-AC9D9702F216}"/>
+              </a:ext>
+            </a:extLst>
+          </p:cNvPr>
+          <p:cNvSpPr txBox="1"/>
+          <p:nvPr/>
+        </p:nvSpPr>
+        <p:spPr>
+          <a:xfrm>
+            <a:off x="5022115" y="4716249"/>
+            <a:ext cx="858564" cy="615549"/>
+          </a:xfrm>
+          <a:prstGeom prst="rect">
+            <a:avLst/>
+          </a:prstGeom>
+          <a:ln w="12700">
+            <a:miter lim="400000"/>
+          </a:ln>
+          <a:extLst>
+            <a:ext uri="{C572A759-6A51-4108-AA02-DFA0A04FC94B}">
+              <ma14:wrappingTextBoxFlag xmlns:ma14="http://schemas.microsoft.com/office/mac/drawingml/2011/main" xmlns:a14="http://schemas.microsoft.com/office/drawing/2010/main" xmlns:m="http://schemas.openxmlformats.org/officeDocument/2006/math" xmlns="" val="1"/>
+            </a:ext>
+          </a:extLst>
+        </p:spPr>
+        <p:txBody>
+          <a:bodyPr wrap="none" lIns="45718" tIns="45718" rIns="45718" bIns="45718">
+            <a:spAutoFit/>
+          </a:bodyPr>
+          <a:lstStyle>
+            <a:lvl1pPr algn="ctr">
+              <a:spcBef>
+                <a:spcPts val="1200"/>
+              </a:spcBef>
+              <a:defRPr sz="1200">
+                <a:solidFill>
+                  <a:srgbClr val="FFFFFF"/>
+                </a:solidFill>
+                <a:latin typeface="Avenir Next Regular"/>
+                <a:ea typeface="Avenir Next Regular"/>
+                <a:cs typeface="Avenir Next Regular"/>
+                <a:sym typeface="Avenir Next Regular"/>
+              </a:defRPr>
+            </a:lvl1pPr>
+          </a:lstStyle>
+          <a:p>
+            <a:r>
+              <a:rPr lang="nl-NL"/>
+              <a:t>{{GO23/24}}</a:t>
+            </a:r>
+          </a:p>
+          <a:p>
+            <a:endParaRPr/>
+          </a:p>
+        </p:txBody>
+      </p:sp>
+      <p:sp>
+        <p:nvSpPr>
+          <p:cNvPr id="39" name="TextBox 76">
+            <a:extLst>
+              <a:ext uri="{FF2B5EF4-FFF2-40B4-BE49-F238E27FC236}">
+                <a16:creationId xmlns:a16="http://schemas.microsoft.com/office/drawing/2014/main" id="{DC1E359B-CEC8-5103-7FE0-6A705AC5D119}"/>
+              </a:ext>
+            </a:extLst>
+          </p:cNvPr>
+          <p:cNvSpPr txBox="1"/>
+          <p:nvPr/>
+        </p:nvSpPr>
+        <p:spPr>
+          <a:xfrm>
+            <a:off x="5956623" y="4716249"/>
+            <a:ext cx="747958" cy="615549"/>
+          </a:xfrm>
+          <a:prstGeom prst="rect">
+            <a:avLst/>
+          </a:prstGeom>
+          <a:ln w="12700">
+            <a:miter lim="400000"/>
+          </a:ln>
+          <a:extLst>
+            <a:ext uri="{C572A759-6A51-4108-AA02-DFA0A04FC94B}">
+              <ma14:wrappingTextBoxFlag xmlns:ma14="http://schemas.microsoft.com/office/mac/drawingml/2011/main" xmlns:a14="http://schemas.microsoft.com/office/drawing/2010/main" xmlns:m="http://schemas.openxmlformats.org/officeDocument/2006/math" xmlns="" val="1"/>
+            </a:ext>
+          </a:extLst>
+        </p:spPr>
+        <p:txBody>
+          <a:bodyPr wrap="none" lIns="45718" tIns="45718" rIns="45718" bIns="45718">
+            <a:spAutoFit/>
+          </a:bodyPr>
+          <a:lstStyle>
+            <a:lvl1pPr algn="ctr">
+              <a:spcBef>
+                <a:spcPts val="1200"/>
+              </a:spcBef>
+              <a:defRPr sz="1200">
+                <a:solidFill>
+                  <a:srgbClr val="FFFFFF"/>
+                </a:solidFill>
+                <a:latin typeface="Avenir Next Regular"/>
+                <a:ea typeface="Avenir Next Regular"/>
+                <a:cs typeface="Avenir Next Regular"/>
+                <a:sym typeface="Avenir Next Regular"/>
+              </a:defRPr>
+            </a:lvl1pPr>
+          </a:lstStyle>
+          <a:p>
+            <a:r>
+              <a:rPr lang="nl-NL"/>
+              <a:t>{{A23/24}}</a:t>
+            </a:r>
+          </a:p>
+          <a:p>
+            <a:endParaRPr/>
+          </a:p>
+        </p:txBody>
+      </p:sp>
+      <p:sp>
+        <p:nvSpPr>
+          <p:cNvPr id="40" name="TextBox 73">
+            <a:extLst>
+              <a:ext uri="{FF2B5EF4-FFF2-40B4-BE49-F238E27FC236}">
+                <a16:creationId xmlns:a16="http://schemas.microsoft.com/office/drawing/2014/main" id="{FE365C3A-F312-EDC5-3058-47EE10D5EB87}"/>
+              </a:ext>
+            </a:extLst>
+          </p:cNvPr>
+          <p:cNvSpPr txBox="1"/>
+          <p:nvPr/>
+        </p:nvSpPr>
+        <p:spPr>
+          <a:xfrm>
+            <a:off x="3194210" y="5028809"/>
+            <a:ext cx="755972" cy="276995"/>
+          </a:xfrm>
+          <a:prstGeom prst="rect">
+            <a:avLst/>
+          </a:prstGeom>
+          <a:ln w="12700">
+            <a:miter lim="400000"/>
+          </a:ln>
+          <a:extLst>
+            <a:ext uri="{C572A759-6A51-4108-AA02-DFA0A04FC94B}">
+              <ma14:wrappingTextBoxFlag xmlns:ma14="http://schemas.microsoft.com/office/mac/drawingml/2011/main" xmlns:a14="http://schemas.microsoft.com/office/drawing/2010/main" xmlns:m="http://schemas.openxmlformats.org/officeDocument/2006/math" xmlns="" val="1"/>
+            </a:ext>
+          </a:extLst>
+        </p:spPr>
+        <p:txBody>
+          <a:bodyPr wrap="none" lIns="45718" tIns="45718" rIns="45718" bIns="45718">
+            <a:spAutoFit/>
+          </a:bodyPr>
+          <a:lstStyle>
+            <a:lvl1pPr algn="ctr">
+              <a:spcBef>
+                <a:spcPts val="1200"/>
+              </a:spcBef>
+              <a:defRPr sz="1200">
+                <a:solidFill>
+                  <a:srgbClr val="FFFFFF"/>
+                </a:solidFill>
+                <a:latin typeface="Avenir Next Regular"/>
+                <a:ea typeface="Avenir Next Regular"/>
+                <a:cs typeface="Avenir Next Regular"/>
+                <a:sym typeface="Avenir Next Regular"/>
+              </a:defRPr>
+            </a:lvl1pPr>
+          </a:lstStyle>
+          <a:p>
+            <a:r>
+              <a:rPr lang="nl-NL"/>
+              <a:t>{{G22/23}}</a:t>
+            </a:r>
+          </a:p>
+        </p:txBody>
+      </p:sp>
+      <p:sp>
+        <p:nvSpPr>
+          <p:cNvPr id="41" name="TextBox 74">
+            <a:extLst>
+              <a:ext uri="{FF2B5EF4-FFF2-40B4-BE49-F238E27FC236}">
+                <a16:creationId xmlns:a16="http://schemas.microsoft.com/office/drawing/2014/main" id="{4930AC89-81CA-566A-B2BD-F5118C00FE3D}"/>
+              </a:ext>
+            </a:extLst>
+          </p:cNvPr>
+          <p:cNvSpPr txBox="1"/>
+          <p:nvPr/>
+        </p:nvSpPr>
+        <p:spPr>
+          <a:xfrm>
+            <a:off x="4105011" y="5028809"/>
+            <a:ext cx="755972" cy="615549"/>
+          </a:xfrm>
+          <a:prstGeom prst="rect">
+            <a:avLst/>
+          </a:prstGeom>
+          <a:ln w="12700">
+            <a:miter lim="400000"/>
+          </a:ln>
+          <a:extLst>
+            <a:ext uri="{C572A759-6A51-4108-AA02-DFA0A04FC94B}">
+              <ma14:wrappingTextBoxFlag xmlns:ma14="http://schemas.microsoft.com/office/mac/drawingml/2011/main" xmlns:a14="http://schemas.microsoft.com/office/drawing/2010/main" xmlns:m="http://schemas.openxmlformats.org/officeDocument/2006/math" xmlns="" val="1"/>
+            </a:ext>
+          </a:extLst>
+        </p:spPr>
+        <p:txBody>
+          <a:bodyPr wrap="none" lIns="45718" tIns="45718" rIns="45718" bIns="45718">
+            <a:spAutoFit/>
+          </a:bodyPr>
+          <a:lstStyle>
+            <a:lvl1pPr algn="ctr">
+              <a:spcBef>
+                <a:spcPts val="1200"/>
+              </a:spcBef>
+              <a:defRPr sz="1200">
+                <a:solidFill>
+                  <a:srgbClr val="FFFFFF"/>
+                </a:solidFill>
+                <a:latin typeface="Avenir Next Regular"/>
+                <a:ea typeface="Avenir Next Regular"/>
+                <a:cs typeface="Avenir Next Regular"/>
+                <a:sym typeface="Avenir Next Regular"/>
+              </a:defRPr>
+            </a:lvl1pPr>
+          </a:lstStyle>
+          <a:p>
+            <a:r>
+              <a:rPr lang="nl-NL"/>
+              <a:t>{{G22/23}}</a:t>
+            </a:r>
+          </a:p>
+          <a:p>
+            <a:endParaRPr/>
+          </a:p>
+        </p:txBody>
+      </p:sp>
+      <p:sp>
+        <p:nvSpPr>
+          <p:cNvPr id="42" name="TextBox 75">
+            <a:extLst>
+              <a:ext uri="{FF2B5EF4-FFF2-40B4-BE49-F238E27FC236}">
+                <a16:creationId xmlns:a16="http://schemas.microsoft.com/office/drawing/2014/main" id="{ABCD3AC6-7BCB-81CE-1834-8EB7126E9105}"/>
+              </a:ext>
+            </a:extLst>
+          </p:cNvPr>
+          <p:cNvSpPr txBox="1"/>
+          <p:nvPr/>
+        </p:nvSpPr>
+        <p:spPr>
+          <a:xfrm>
+            <a:off x="5022115" y="5028809"/>
+            <a:ext cx="858564" cy="615549"/>
+          </a:xfrm>
+          <a:prstGeom prst="rect">
+            <a:avLst/>
+          </a:prstGeom>
+          <a:ln w="12700">
+            <a:miter lim="400000"/>
+          </a:ln>
+          <a:extLst>
+            <a:ext uri="{C572A759-6A51-4108-AA02-DFA0A04FC94B}">
+              <ma14:wrappingTextBoxFlag xmlns:ma14="http://schemas.microsoft.com/office/mac/drawingml/2011/main" xmlns:a14="http://schemas.microsoft.com/office/drawing/2010/main" xmlns:m="http://schemas.openxmlformats.org/officeDocument/2006/math" xmlns="" val="1"/>
+            </a:ext>
+          </a:extLst>
+        </p:spPr>
+        <p:txBody>
+          <a:bodyPr wrap="none" lIns="45718" tIns="45718" rIns="45718" bIns="45718">
+            <a:spAutoFit/>
+          </a:bodyPr>
+          <a:lstStyle>
+            <a:lvl1pPr algn="ctr">
+              <a:spcBef>
+                <a:spcPts val="1200"/>
+              </a:spcBef>
+              <a:defRPr sz="1200">
+                <a:solidFill>
+                  <a:srgbClr val="FFFFFF"/>
+                </a:solidFill>
+                <a:latin typeface="Avenir Next Regular"/>
+                <a:ea typeface="Avenir Next Regular"/>
+                <a:cs typeface="Avenir Next Regular"/>
+                <a:sym typeface="Avenir Next Regular"/>
+              </a:defRPr>
+            </a:lvl1pPr>
+          </a:lstStyle>
+          <a:p>
+            <a:r>
+              <a:rPr lang="nl-NL"/>
+              <a:t>{{GO22/23}}</a:t>
+            </a:r>
+          </a:p>
+          <a:p>
+            <a:endParaRPr/>
+          </a:p>
+        </p:txBody>
+      </p:sp>
+      <p:sp>
+        <p:nvSpPr>
+          <p:cNvPr id="43" name="TextBox 76">
+            <a:extLst>
+              <a:ext uri="{FF2B5EF4-FFF2-40B4-BE49-F238E27FC236}">
+                <a16:creationId xmlns:a16="http://schemas.microsoft.com/office/drawing/2014/main" id="{83791589-56D9-0F0E-DEE0-3189C7FF6F5D}"/>
+              </a:ext>
+            </a:extLst>
+          </p:cNvPr>
+          <p:cNvSpPr txBox="1"/>
+          <p:nvPr/>
+        </p:nvSpPr>
+        <p:spPr>
+          <a:xfrm>
+            <a:off x="5956623" y="5028809"/>
+            <a:ext cx="747958" cy="615549"/>
+          </a:xfrm>
+          <a:prstGeom prst="rect">
+            <a:avLst/>
+          </a:prstGeom>
+          <a:ln w="12700">
+            <a:miter lim="400000"/>
+          </a:ln>
+          <a:extLst>
+            <a:ext uri="{C572A759-6A51-4108-AA02-DFA0A04FC94B}">
+              <ma14:wrappingTextBoxFlag xmlns:ma14="http://schemas.microsoft.com/office/mac/drawingml/2011/main" xmlns:a14="http://schemas.microsoft.com/office/drawing/2010/main" xmlns:m="http://schemas.openxmlformats.org/officeDocument/2006/math" xmlns="" val="1"/>
+            </a:ext>
+          </a:extLst>
+        </p:spPr>
+        <p:txBody>
+          <a:bodyPr wrap="none" lIns="45718" tIns="45718" rIns="45718" bIns="45718">
+            <a:spAutoFit/>
+          </a:bodyPr>
+          <a:lstStyle>
+            <a:lvl1pPr algn="ctr">
+              <a:spcBef>
+                <a:spcPts val="1200"/>
+              </a:spcBef>
+              <a:defRPr sz="1200">
+                <a:solidFill>
+                  <a:srgbClr val="FFFFFF"/>
+                </a:solidFill>
+                <a:latin typeface="Avenir Next Regular"/>
+                <a:ea typeface="Avenir Next Regular"/>
+                <a:cs typeface="Avenir Next Regular"/>
+                <a:sym typeface="Avenir Next Regular"/>
+              </a:defRPr>
+            </a:lvl1pPr>
+          </a:lstStyle>
+          <a:p>
+            <a:r>
+              <a:rPr lang="nl-NL"/>
+              <a:t>{{A22/23}}</a:t>
+            </a:r>
+          </a:p>
           <a:p>
             <a:endParaRPr/>
           </a:p>

--- a/powerpoint template.pptx
+++ b/powerpoint template.pptx
@@ -1045,7 +1045,7 @@
           </a:ln>
           <a:extLst>
             <a:ext uri="{C572A759-6A51-4108-AA02-DFA0A04FC94B}">
-              <ma14:wrappingTextBoxFlag xmlns:ma14="http://schemas.microsoft.com/office/mac/drawingml/2011/main" xmlns:a14="http://schemas.microsoft.com/office/drawing/2010/main" xmlns:m="http://schemas.openxmlformats.org/officeDocument/2006/math" xmlns="" val="1"/>
+              <ma14:wrappingTextBoxFlag xmlns="" xmlns:m="http://schemas.openxmlformats.org/officeDocument/2006/math" xmlns:a14="http://schemas.microsoft.com/office/drawing/2010/main" xmlns:ma14="http://schemas.microsoft.com/office/mac/drawingml/2011/main" val="1"/>
             </a:ext>
           </a:extLst>
         </p:spPr>
@@ -1092,7 +1092,7 @@
           </a:ln>
           <a:extLst>
             <a:ext uri="{C572A759-6A51-4108-AA02-DFA0A04FC94B}">
-              <ma14:wrappingTextBoxFlag xmlns:ma14="http://schemas.microsoft.com/office/mac/drawingml/2011/main" xmlns:a14="http://schemas.microsoft.com/office/drawing/2010/main" xmlns:m="http://schemas.openxmlformats.org/officeDocument/2006/math" xmlns="" val="1"/>
+              <ma14:wrappingTextBoxFlag xmlns="" xmlns:m="http://schemas.openxmlformats.org/officeDocument/2006/math" xmlns:a14="http://schemas.microsoft.com/office/drawing/2010/main" xmlns:ma14="http://schemas.microsoft.com/office/mac/drawingml/2011/main" val="1"/>
             </a:ext>
           </a:extLst>
         </p:spPr>
@@ -1139,7 +1139,7 @@
           </a:ln>
           <a:extLst>
             <a:ext uri="{C572A759-6A51-4108-AA02-DFA0A04FC94B}">
-              <ma14:wrappingTextBoxFlag xmlns:ma14="http://schemas.microsoft.com/office/mac/drawingml/2011/main" xmlns:a14="http://schemas.microsoft.com/office/drawing/2010/main" xmlns:m="http://schemas.openxmlformats.org/officeDocument/2006/math" xmlns="" val="1"/>
+              <ma14:wrappingTextBoxFlag xmlns="" xmlns:m="http://schemas.openxmlformats.org/officeDocument/2006/math" xmlns:a14="http://schemas.microsoft.com/office/drawing/2010/main" xmlns:ma14="http://schemas.microsoft.com/office/mac/drawingml/2011/main" val="1"/>
             </a:ext>
           </a:extLst>
         </p:spPr>
@@ -2620,7 +2620,7 @@
           </a:ln>
           <a:extLst>
             <a:ext uri="{C572A759-6A51-4108-AA02-DFA0A04FC94B}">
-              <ma14:wrappingTextBoxFlag xmlns:ma14="http://schemas.microsoft.com/office/mac/drawingml/2011/main" xmlns:a14="http://schemas.microsoft.com/office/drawing/2010/main" xmlns:m="http://schemas.openxmlformats.org/officeDocument/2006/math" xmlns="" val="1"/>
+              <ma14:wrappingTextBoxFlag xmlns="" xmlns:m="http://schemas.openxmlformats.org/officeDocument/2006/math" xmlns:a14="http://schemas.microsoft.com/office/drawing/2010/main" xmlns:ma14="http://schemas.microsoft.com/office/mac/drawingml/2011/main" val="1"/>
             </a:ext>
           </a:extLst>
         </p:spPr>
@@ -2762,7 +2762,7 @@
           </a:ln>
           <a:extLst>
             <a:ext uri="{C572A759-6A51-4108-AA02-DFA0A04FC94B}">
-              <ma14:wrappingTextBoxFlag xmlns:ma14="http://schemas.microsoft.com/office/mac/drawingml/2011/main" xmlns:a14="http://schemas.microsoft.com/office/drawing/2010/main" xmlns:m="http://schemas.openxmlformats.org/officeDocument/2006/math" xmlns="" val="1"/>
+              <ma14:wrappingTextBoxFlag xmlns="" xmlns:m="http://schemas.openxmlformats.org/officeDocument/2006/math" xmlns:a14="http://schemas.microsoft.com/office/drawing/2010/main" xmlns:ma14="http://schemas.microsoft.com/office/mac/drawingml/2011/main" val="1"/>
             </a:ext>
           </a:extLst>
         </p:spPr>
@@ -2840,7 +2840,7 @@
           </a:ln>
           <a:extLst>
             <a:ext uri="{C572A759-6A51-4108-AA02-DFA0A04FC94B}">
-              <ma14:wrappingTextBoxFlag xmlns:ma14="http://schemas.microsoft.com/office/mac/drawingml/2011/main" xmlns:a14="http://schemas.microsoft.com/office/drawing/2010/main" xmlns:m="http://schemas.openxmlformats.org/officeDocument/2006/math" xmlns="" val="1"/>
+              <ma14:wrappingTextBoxFlag xmlns="" xmlns:m="http://schemas.openxmlformats.org/officeDocument/2006/math" xmlns:a14="http://schemas.microsoft.com/office/drawing/2010/main" xmlns:ma14="http://schemas.microsoft.com/office/mac/drawingml/2011/main" val="1"/>
             </a:ext>
           </a:extLst>
         </p:spPr>
@@ -2887,7 +2887,7 @@
           </a:ln>
           <a:extLst>
             <a:ext uri="{C572A759-6A51-4108-AA02-DFA0A04FC94B}">
-              <ma14:wrappingTextBoxFlag xmlns:ma14="http://schemas.microsoft.com/office/mac/drawingml/2011/main" xmlns:a14="http://schemas.microsoft.com/office/drawing/2010/main" xmlns:m="http://schemas.openxmlformats.org/officeDocument/2006/math" xmlns="" val="1"/>
+              <ma14:wrappingTextBoxFlag xmlns="" xmlns:m="http://schemas.openxmlformats.org/officeDocument/2006/math" xmlns:a14="http://schemas.microsoft.com/office/drawing/2010/main" xmlns:ma14="http://schemas.microsoft.com/office/mac/drawingml/2011/main" val="1"/>
             </a:ext>
           </a:extLst>
         </p:spPr>
@@ -2934,7 +2934,7 @@
           </a:ln>
           <a:extLst>
             <a:ext uri="{C572A759-6A51-4108-AA02-DFA0A04FC94B}">
-              <ma14:wrappingTextBoxFlag xmlns:ma14="http://schemas.microsoft.com/office/mac/drawingml/2011/main" xmlns:a14="http://schemas.microsoft.com/office/drawing/2010/main" xmlns:m="http://schemas.openxmlformats.org/officeDocument/2006/math" xmlns="" val="1"/>
+              <ma14:wrappingTextBoxFlag xmlns="" xmlns:m="http://schemas.openxmlformats.org/officeDocument/2006/math" xmlns:a14="http://schemas.microsoft.com/office/drawing/2010/main" xmlns:ma14="http://schemas.microsoft.com/office/mac/drawingml/2011/main" val="1"/>
             </a:ext>
           </a:extLst>
         </p:spPr>
@@ -2981,7 +2981,7 @@
           </a:ln>
           <a:extLst>
             <a:ext uri="{C572A759-6A51-4108-AA02-DFA0A04FC94B}">
-              <ma14:wrappingTextBoxFlag xmlns:ma14="http://schemas.microsoft.com/office/mac/drawingml/2011/main" xmlns:a14="http://schemas.microsoft.com/office/drawing/2010/main" xmlns:m="http://schemas.openxmlformats.org/officeDocument/2006/math" xmlns="" val="1"/>
+              <ma14:wrappingTextBoxFlag xmlns="" xmlns:m="http://schemas.openxmlformats.org/officeDocument/2006/math" xmlns:a14="http://schemas.microsoft.com/office/drawing/2010/main" xmlns:ma14="http://schemas.microsoft.com/office/mac/drawingml/2011/main" val="1"/>
             </a:ext>
           </a:extLst>
         </p:spPr>
@@ -3028,7 +3028,7 @@
           </a:ln>
           <a:extLst>
             <a:ext uri="{C572A759-6A51-4108-AA02-DFA0A04FC94B}">
-              <ma14:wrappingTextBoxFlag xmlns:ma14="http://schemas.microsoft.com/office/mac/drawingml/2011/main" xmlns:a14="http://schemas.microsoft.com/office/drawing/2010/main" xmlns:m="http://schemas.openxmlformats.org/officeDocument/2006/math" xmlns="" val="1"/>
+              <ma14:wrappingTextBoxFlag xmlns="" xmlns:m="http://schemas.openxmlformats.org/officeDocument/2006/math" xmlns:a14="http://schemas.microsoft.com/office/drawing/2010/main" xmlns:ma14="http://schemas.microsoft.com/office/mac/drawingml/2011/main" val="1"/>
             </a:ext>
           </a:extLst>
         </p:spPr>
@@ -3264,7 +3264,7 @@
           </a:ln>
           <a:extLst>
             <a:ext uri="{C572A759-6A51-4108-AA02-DFA0A04FC94B}">
-              <ma14:wrappingTextBoxFlag xmlns:ma14="http://schemas.microsoft.com/office/mac/drawingml/2011/main" xmlns:a14="http://schemas.microsoft.com/office/drawing/2010/main" xmlns:m="http://schemas.openxmlformats.org/officeDocument/2006/math" xmlns="" val="1"/>
+              <ma14:wrappingTextBoxFlag xmlns="" xmlns:m="http://schemas.openxmlformats.org/officeDocument/2006/math" xmlns:a14="http://schemas.microsoft.com/office/drawing/2010/main" xmlns:ma14="http://schemas.microsoft.com/office/mac/drawingml/2011/main" val="1"/>
             </a:ext>
           </a:extLst>
         </p:spPr>
@@ -3311,7 +3311,7 @@
           </a:ln>
           <a:extLst>
             <a:ext uri="{C572A759-6A51-4108-AA02-DFA0A04FC94B}">
-              <ma14:wrappingTextBoxFlag xmlns:ma14="http://schemas.microsoft.com/office/mac/drawingml/2011/main" xmlns:a14="http://schemas.microsoft.com/office/drawing/2010/main" xmlns:m="http://schemas.openxmlformats.org/officeDocument/2006/math" xmlns="" val="1"/>
+              <ma14:wrappingTextBoxFlag xmlns="" xmlns:m="http://schemas.openxmlformats.org/officeDocument/2006/math" xmlns:a14="http://schemas.microsoft.com/office/drawing/2010/main" xmlns:ma14="http://schemas.microsoft.com/office/mac/drawingml/2011/main" val="1"/>
             </a:ext>
           </a:extLst>
         </p:spPr>
@@ -3503,7 +3503,7 @@
           </a:ln>
           <a:extLst>
             <a:ext uri="{C572A759-6A51-4108-AA02-DFA0A04FC94B}">
-              <ma14:wrappingTextBoxFlag xmlns:ma14="http://schemas.microsoft.com/office/mac/drawingml/2011/main" xmlns:a14="http://schemas.microsoft.com/office/drawing/2010/main" xmlns:m="http://schemas.openxmlformats.org/officeDocument/2006/math" xmlns="" val="1"/>
+              <ma14:wrappingTextBoxFlag xmlns="" xmlns:m="http://schemas.openxmlformats.org/officeDocument/2006/math" xmlns:a14="http://schemas.microsoft.com/office/drawing/2010/main" xmlns:ma14="http://schemas.microsoft.com/office/mac/drawingml/2011/main" val="1"/>
             </a:ext>
           </a:extLst>
         </p:spPr>
@@ -3542,7 +3542,7 @@
           </a:ln>
           <a:extLst>
             <a:ext uri="{C572A759-6A51-4108-AA02-DFA0A04FC94B}">
-              <ma14:wrappingTextBoxFlag xmlns:ma14="http://schemas.microsoft.com/office/mac/drawingml/2011/main" xmlns:a14="http://schemas.microsoft.com/office/drawing/2010/main" xmlns:m="http://schemas.openxmlformats.org/officeDocument/2006/math" xmlns="" val="1"/>
+              <ma14:wrappingTextBoxFlag xmlns="" xmlns:m="http://schemas.openxmlformats.org/officeDocument/2006/math" xmlns:a14="http://schemas.microsoft.com/office/drawing/2010/main" xmlns:ma14="http://schemas.microsoft.com/office/mac/drawingml/2011/main" val="1"/>
             </a:ext>
           </a:extLst>
         </p:spPr>
@@ -4552,7 +4552,7 @@
           </a:ln>
           <a:extLst>
             <a:ext uri="{C572A759-6A51-4108-AA02-DFA0A04FC94B}">
-              <ma14:wrappingTextBoxFlag xmlns:ma14="http://schemas.microsoft.com/office/mac/drawingml/2011/main" xmlns:a14="http://schemas.microsoft.com/office/drawing/2010/main" xmlns:m="http://schemas.openxmlformats.org/officeDocument/2006/math" xmlns="" val="1"/>
+              <ma14:wrappingTextBoxFlag xmlns="" xmlns:m="http://schemas.openxmlformats.org/officeDocument/2006/math" xmlns:a14="http://schemas.microsoft.com/office/drawing/2010/main" xmlns:ma14="http://schemas.microsoft.com/office/mac/drawingml/2011/main" val="1"/>
             </a:ext>
           </a:extLst>
         </p:spPr>
@@ -4694,7 +4694,7 @@
           </a:ln>
           <a:extLst>
             <a:ext uri="{C572A759-6A51-4108-AA02-DFA0A04FC94B}">
-              <ma14:wrappingTextBoxFlag xmlns:ma14="http://schemas.microsoft.com/office/mac/drawingml/2011/main" xmlns:a14="http://schemas.microsoft.com/office/drawing/2010/main" xmlns:m="http://schemas.openxmlformats.org/officeDocument/2006/math" xmlns="" val="1"/>
+              <ma14:wrappingTextBoxFlag xmlns="" xmlns:m="http://schemas.openxmlformats.org/officeDocument/2006/math" xmlns:a14="http://schemas.microsoft.com/office/drawing/2010/main" xmlns:ma14="http://schemas.microsoft.com/office/mac/drawingml/2011/main" val="1"/>
             </a:ext>
           </a:extLst>
         </p:spPr>
@@ -4741,7 +4741,7 @@
           </a:ln>
           <a:extLst>
             <a:ext uri="{C572A759-6A51-4108-AA02-DFA0A04FC94B}">
-              <ma14:wrappingTextBoxFlag xmlns:ma14="http://schemas.microsoft.com/office/mac/drawingml/2011/main" xmlns:a14="http://schemas.microsoft.com/office/drawing/2010/main" xmlns:m="http://schemas.openxmlformats.org/officeDocument/2006/math" xmlns="" val="1"/>
+              <ma14:wrappingTextBoxFlag xmlns="" xmlns:m="http://schemas.openxmlformats.org/officeDocument/2006/math" xmlns:a14="http://schemas.microsoft.com/office/drawing/2010/main" xmlns:ma14="http://schemas.microsoft.com/office/mac/drawingml/2011/main" val="1"/>
             </a:ext>
           </a:extLst>
         </p:spPr>
@@ -4788,7 +4788,7 @@
           </a:ln>
           <a:extLst>
             <a:ext uri="{C572A759-6A51-4108-AA02-DFA0A04FC94B}">
-              <ma14:wrappingTextBoxFlag xmlns:ma14="http://schemas.microsoft.com/office/mac/drawingml/2011/main" xmlns:a14="http://schemas.microsoft.com/office/drawing/2010/main" xmlns:m="http://schemas.openxmlformats.org/officeDocument/2006/math" xmlns="" val="1"/>
+              <ma14:wrappingTextBoxFlag xmlns="" xmlns:m="http://schemas.openxmlformats.org/officeDocument/2006/math" xmlns:a14="http://schemas.microsoft.com/office/drawing/2010/main" xmlns:ma14="http://schemas.microsoft.com/office/mac/drawingml/2011/main" val="1"/>
             </a:ext>
           </a:extLst>
         </p:spPr>
@@ -4835,7 +4835,7 @@
           </a:ln>
           <a:extLst>
             <a:ext uri="{C572A759-6A51-4108-AA02-DFA0A04FC94B}">
-              <ma14:wrappingTextBoxFlag xmlns:ma14="http://schemas.microsoft.com/office/mac/drawingml/2011/main" xmlns:a14="http://schemas.microsoft.com/office/drawing/2010/main" xmlns:m="http://schemas.openxmlformats.org/officeDocument/2006/math" xmlns="" val="1"/>
+              <ma14:wrappingTextBoxFlag xmlns="" xmlns:m="http://schemas.openxmlformats.org/officeDocument/2006/math" xmlns:a14="http://schemas.microsoft.com/office/drawing/2010/main" xmlns:ma14="http://schemas.microsoft.com/office/mac/drawingml/2011/main" val="1"/>
             </a:ext>
           </a:extLst>
         </p:spPr>
@@ -4882,7 +4882,7 @@
           </a:ln>
           <a:extLst>
             <a:ext uri="{C572A759-6A51-4108-AA02-DFA0A04FC94B}">
-              <ma14:wrappingTextBoxFlag xmlns:ma14="http://schemas.microsoft.com/office/mac/drawingml/2011/main" xmlns:a14="http://schemas.microsoft.com/office/drawing/2010/main" xmlns:m="http://schemas.openxmlformats.org/officeDocument/2006/math" xmlns="" val="1"/>
+              <ma14:wrappingTextBoxFlag xmlns="" xmlns:m="http://schemas.openxmlformats.org/officeDocument/2006/math" xmlns:a14="http://schemas.microsoft.com/office/drawing/2010/main" xmlns:ma14="http://schemas.microsoft.com/office/mac/drawingml/2011/main" val="1"/>
             </a:ext>
           </a:extLst>
         </p:spPr>
@@ -4929,7 +4929,7 @@
           </a:ln>
           <a:extLst>
             <a:ext uri="{C572A759-6A51-4108-AA02-DFA0A04FC94B}">
-              <ma14:wrappingTextBoxFlag xmlns:ma14="http://schemas.microsoft.com/office/mac/drawingml/2011/main" xmlns:a14="http://schemas.microsoft.com/office/drawing/2010/main" xmlns:m="http://schemas.openxmlformats.org/officeDocument/2006/math" xmlns="" val="1"/>
+              <ma14:wrappingTextBoxFlag xmlns="" xmlns:m="http://schemas.openxmlformats.org/officeDocument/2006/math" xmlns:a14="http://schemas.microsoft.com/office/drawing/2010/main" xmlns:ma14="http://schemas.microsoft.com/office/mac/drawingml/2011/main" val="1"/>
             </a:ext>
           </a:extLst>
         </p:spPr>
@@ -5101,7 +5101,7 @@
           </a:ln>
           <a:extLst>
             <a:ext uri="{C572A759-6A51-4108-AA02-DFA0A04FC94B}">
-              <ma14:wrappingTextBoxFlag xmlns:ma14="http://schemas.microsoft.com/office/mac/drawingml/2011/main" xmlns:a14="http://schemas.microsoft.com/office/drawing/2010/main" xmlns:m="http://schemas.openxmlformats.org/officeDocument/2006/math" xmlns="" val="1"/>
+              <ma14:wrappingTextBoxFlag xmlns="" xmlns:m="http://schemas.openxmlformats.org/officeDocument/2006/math" xmlns:a14="http://schemas.microsoft.com/office/drawing/2010/main" xmlns:ma14="http://schemas.microsoft.com/office/mac/drawingml/2011/main" val="1"/>
             </a:ext>
           </a:extLst>
         </p:spPr>
@@ -5184,7 +5184,7 @@
         <p:spPr>
           <a:xfrm>
             <a:off x="272520" y="4082400"/>
-            <a:ext cx="2241855" cy="294641"/>
+            <a:ext cx="2235546" cy="276999"/>
           </a:xfrm>
           <a:prstGeom prst="rect">
             <a:avLst/>
@@ -5194,7 +5194,7 @@
           </a:ln>
           <a:extLst>
             <a:ext uri="{C572A759-6A51-4108-AA02-DFA0A04FC94B}">
-              <ma14:wrappingTextBoxFlag xmlns:ma14="http://schemas.microsoft.com/office/mac/drawingml/2011/main" xmlns:a14="http://schemas.microsoft.com/office/drawing/2010/main" xmlns:m="http://schemas.openxmlformats.org/officeDocument/2006/math" xmlns="" val="1"/>
+              <ma14:wrappingTextBoxFlag xmlns="" xmlns:m="http://schemas.openxmlformats.org/officeDocument/2006/math" xmlns:a14="http://schemas.microsoft.com/office/drawing/2010/main" xmlns:ma14="http://schemas.microsoft.com/office/mac/drawingml/2011/main" val="1"/>
             </a:ext>
           </a:extLst>
         </p:spPr>
@@ -5220,7 +5220,8 @@
           </a:lstStyle>
           <a:p>
             <a:r>
-              <a:t>FC DEN BOSCH (2025/2026)</a:t>
+              <a:rPr lang="nl-NL"/>
+              <a:t>{{CLUB_2025/2026}} (2024/2025)</a:t>
             </a:r>
           </a:p>
         </p:txBody>
@@ -5244,7 +5245,7 @@
           </a:ln>
           <a:extLst>
             <a:ext uri="{C572A759-6A51-4108-AA02-DFA0A04FC94B}">
-              <ma14:wrappingTextBoxFlag xmlns:ma14="http://schemas.microsoft.com/office/mac/drawingml/2011/main" xmlns:a14="http://schemas.microsoft.com/office/drawing/2010/main" xmlns:m="http://schemas.openxmlformats.org/officeDocument/2006/math" xmlns="" val="1"/>
+              <ma14:wrappingTextBoxFlag xmlns="" xmlns:m="http://schemas.openxmlformats.org/officeDocument/2006/math" xmlns:a14="http://schemas.microsoft.com/office/drawing/2010/main" xmlns:ma14="http://schemas.microsoft.com/office/mac/drawingml/2011/main" val="1"/>
             </a:ext>
           </a:extLst>
         </p:spPr>
@@ -5296,7 +5297,7 @@
           </a:ln>
           <a:extLst>
             <a:ext uri="{C572A759-6A51-4108-AA02-DFA0A04FC94B}">
-              <ma14:wrappingTextBoxFlag xmlns:ma14="http://schemas.microsoft.com/office/mac/drawingml/2011/main" xmlns:a14="http://schemas.microsoft.com/office/drawing/2010/main" xmlns:m="http://schemas.openxmlformats.org/officeDocument/2006/math" xmlns="" val="1"/>
+              <ma14:wrappingTextBoxFlag xmlns="" xmlns:m="http://schemas.openxmlformats.org/officeDocument/2006/math" xmlns:a14="http://schemas.microsoft.com/office/drawing/2010/main" xmlns:ma14="http://schemas.microsoft.com/office/mac/drawingml/2011/main" val="1"/>
             </a:ext>
           </a:extLst>
         </p:spPr>
@@ -5348,7 +5349,7 @@
           </a:ln>
           <a:extLst>
             <a:ext uri="{C572A759-6A51-4108-AA02-DFA0A04FC94B}">
-              <ma14:wrappingTextBoxFlag xmlns:ma14="http://schemas.microsoft.com/office/mac/drawingml/2011/main" xmlns:a14="http://schemas.microsoft.com/office/drawing/2010/main" xmlns:m="http://schemas.openxmlformats.org/officeDocument/2006/math" xmlns="" val="1"/>
+              <ma14:wrappingTextBoxFlag xmlns="" xmlns:m="http://schemas.openxmlformats.org/officeDocument/2006/math" xmlns:a14="http://schemas.microsoft.com/office/drawing/2010/main" xmlns:ma14="http://schemas.microsoft.com/office/mac/drawingml/2011/main" val="1"/>
             </a:ext>
           </a:extLst>
         </p:spPr>
@@ -5400,7 +5401,7 @@
           </a:ln>
           <a:extLst>
             <a:ext uri="{C572A759-6A51-4108-AA02-DFA0A04FC94B}">
-              <ma14:wrappingTextBoxFlag xmlns:ma14="http://schemas.microsoft.com/office/mac/drawingml/2011/main" xmlns:a14="http://schemas.microsoft.com/office/drawing/2010/main" xmlns:m="http://schemas.openxmlformats.org/officeDocument/2006/math" xmlns="" val="1"/>
+              <ma14:wrappingTextBoxFlag xmlns="" xmlns:m="http://schemas.openxmlformats.org/officeDocument/2006/math" xmlns:a14="http://schemas.microsoft.com/office/drawing/2010/main" xmlns:ma14="http://schemas.microsoft.com/office/mac/drawingml/2011/main" val="1"/>
             </a:ext>
           </a:extLst>
         </p:spPr>
@@ -5452,7 +5453,7 @@
           </a:ln>
           <a:extLst>
             <a:ext uri="{C572A759-6A51-4108-AA02-DFA0A04FC94B}">
-              <ma14:wrappingTextBoxFlag xmlns:ma14="http://schemas.microsoft.com/office/mac/drawingml/2011/main" xmlns:a14="http://schemas.microsoft.com/office/drawing/2010/main" xmlns:m="http://schemas.openxmlformats.org/officeDocument/2006/math" xmlns="" val="1"/>
+              <ma14:wrappingTextBoxFlag xmlns="" xmlns:m="http://schemas.openxmlformats.org/officeDocument/2006/math" xmlns:a14="http://schemas.microsoft.com/office/drawing/2010/main" xmlns:ma14="http://schemas.microsoft.com/office/mac/drawingml/2011/main" val="1"/>
             </a:ext>
           </a:extLst>
         </p:spPr>
@@ -5581,7 +5582,7 @@
           </a:ln>
           <a:extLst>
             <a:ext uri="{C572A759-6A51-4108-AA02-DFA0A04FC94B}">
-              <ma14:wrappingTextBoxFlag xmlns:ma14="http://schemas.microsoft.com/office/mac/drawingml/2011/main" xmlns:a14="http://schemas.microsoft.com/office/drawing/2010/main" xmlns:m="http://schemas.openxmlformats.org/officeDocument/2006/math" xmlns="" val="1"/>
+              <ma14:wrappingTextBoxFlag xmlns="" xmlns:m="http://schemas.openxmlformats.org/officeDocument/2006/math" xmlns:a14="http://schemas.microsoft.com/office/drawing/2010/main" xmlns:ma14="http://schemas.microsoft.com/office/mac/drawingml/2011/main" val="1"/>
             </a:ext>
           </a:extLst>
         </p:spPr>
@@ -5629,7 +5630,7 @@
           </a:ln>
           <a:extLst>
             <a:ext uri="{C572A759-6A51-4108-AA02-DFA0A04FC94B}">
-              <ma14:wrappingTextBoxFlag xmlns:ma14="http://schemas.microsoft.com/office/mac/drawingml/2011/main" xmlns:a14="http://schemas.microsoft.com/office/drawing/2010/main" xmlns:m="http://schemas.openxmlformats.org/officeDocument/2006/math" xmlns="" val="1"/>
+              <ma14:wrappingTextBoxFlag xmlns="" xmlns:m="http://schemas.openxmlformats.org/officeDocument/2006/math" xmlns:a14="http://schemas.microsoft.com/office/drawing/2010/main" xmlns:ma14="http://schemas.microsoft.com/office/mac/drawingml/2011/main" val="1"/>
             </a:ext>
           </a:extLst>
         </p:spPr>
@@ -5677,7 +5678,7 @@
           </a:ln>
           <a:extLst>
             <a:ext uri="{C572A759-6A51-4108-AA02-DFA0A04FC94B}">
-              <ma14:wrappingTextBoxFlag xmlns:ma14="http://schemas.microsoft.com/office/mac/drawingml/2011/main" xmlns:a14="http://schemas.microsoft.com/office/drawing/2010/main" xmlns:m="http://schemas.openxmlformats.org/officeDocument/2006/math" xmlns="" val="1"/>
+              <ma14:wrappingTextBoxFlag xmlns="" xmlns:m="http://schemas.openxmlformats.org/officeDocument/2006/math" xmlns:a14="http://schemas.microsoft.com/office/drawing/2010/main" xmlns:ma14="http://schemas.microsoft.com/office/mac/drawingml/2011/main" val="1"/>
             </a:ext>
           </a:extLst>
         </p:spPr>
@@ -5725,7 +5726,7 @@
           </a:ln>
           <a:extLst>
             <a:ext uri="{C572A759-6A51-4108-AA02-DFA0A04FC94B}">
-              <ma14:wrappingTextBoxFlag xmlns:ma14="http://schemas.microsoft.com/office/mac/drawingml/2011/main" xmlns:a14="http://schemas.microsoft.com/office/drawing/2010/main" xmlns:m="http://schemas.openxmlformats.org/officeDocument/2006/math" xmlns="" val="1"/>
+              <ma14:wrappingTextBoxFlag xmlns="" xmlns:m="http://schemas.openxmlformats.org/officeDocument/2006/math" xmlns:a14="http://schemas.microsoft.com/office/drawing/2010/main" xmlns:ma14="http://schemas.microsoft.com/office/mac/drawingml/2011/main" val="1"/>
             </a:ext>
           </a:extLst>
         </p:spPr>
@@ -5773,7 +5774,7 @@
           </a:ln>
           <a:extLst>
             <a:ext uri="{C572A759-6A51-4108-AA02-DFA0A04FC94B}">
-              <ma14:wrappingTextBoxFlag xmlns:ma14="http://schemas.microsoft.com/office/mac/drawingml/2011/main" xmlns:a14="http://schemas.microsoft.com/office/drawing/2010/main" xmlns:m="http://schemas.openxmlformats.org/officeDocument/2006/math" xmlns="" val="1"/>
+              <ma14:wrappingTextBoxFlag xmlns="" xmlns:m="http://schemas.openxmlformats.org/officeDocument/2006/math" xmlns:a14="http://schemas.microsoft.com/office/drawing/2010/main" xmlns:ma14="http://schemas.microsoft.com/office/mac/drawingml/2011/main" val="1"/>
             </a:ext>
           </a:extLst>
         </p:spPr>
@@ -5821,7 +5822,7 @@
           </a:ln>
           <a:extLst>
             <a:ext uri="{C572A759-6A51-4108-AA02-DFA0A04FC94B}">
-              <ma14:wrappingTextBoxFlag xmlns:ma14="http://schemas.microsoft.com/office/mac/drawingml/2011/main" xmlns:a14="http://schemas.microsoft.com/office/drawing/2010/main" xmlns:m="http://schemas.openxmlformats.org/officeDocument/2006/math" xmlns="" val="1"/>
+              <ma14:wrappingTextBoxFlag xmlns="" xmlns:m="http://schemas.openxmlformats.org/officeDocument/2006/math" xmlns:a14="http://schemas.microsoft.com/office/drawing/2010/main" xmlns:ma14="http://schemas.microsoft.com/office/mac/drawingml/2011/main" val="1"/>
             </a:ext>
           </a:extLst>
         </p:spPr>
@@ -5869,7 +5870,7 @@
           </a:ln>
           <a:extLst>
             <a:ext uri="{C572A759-6A51-4108-AA02-DFA0A04FC94B}">
-              <ma14:wrappingTextBoxFlag xmlns:ma14="http://schemas.microsoft.com/office/mac/drawingml/2011/main" xmlns:a14="http://schemas.microsoft.com/office/drawing/2010/main" xmlns:m="http://schemas.openxmlformats.org/officeDocument/2006/math" xmlns="" val="1"/>
+              <ma14:wrappingTextBoxFlag xmlns="" xmlns:m="http://schemas.openxmlformats.org/officeDocument/2006/math" xmlns:a14="http://schemas.microsoft.com/office/drawing/2010/main" xmlns:ma14="http://schemas.microsoft.com/office/mac/drawingml/2011/main" val="1"/>
             </a:ext>
           </a:extLst>
         </p:spPr>
@@ -5917,7 +5918,7 @@
           </a:ln>
           <a:extLst>
             <a:ext uri="{C572A759-6A51-4108-AA02-DFA0A04FC94B}">
-              <ma14:wrappingTextBoxFlag xmlns:ma14="http://schemas.microsoft.com/office/mac/drawingml/2011/main" xmlns:a14="http://schemas.microsoft.com/office/drawing/2010/main" xmlns:m="http://schemas.openxmlformats.org/officeDocument/2006/math" xmlns="" val="1"/>
+              <ma14:wrappingTextBoxFlag xmlns="" xmlns:m="http://schemas.openxmlformats.org/officeDocument/2006/math" xmlns:a14="http://schemas.microsoft.com/office/drawing/2010/main" xmlns:ma14="http://schemas.microsoft.com/office/mac/drawingml/2011/main" val="1"/>
             </a:ext>
           </a:extLst>
         </p:spPr>
@@ -5965,7 +5966,7 @@
           </a:ln>
           <a:extLst>
             <a:ext uri="{C572A759-6A51-4108-AA02-DFA0A04FC94B}">
-              <ma14:wrappingTextBoxFlag xmlns:ma14="http://schemas.microsoft.com/office/mac/drawingml/2011/main" xmlns:a14="http://schemas.microsoft.com/office/drawing/2010/main" xmlns:m="http://schemas.openxmlformats.org/officeDocument/2006/math" xmlns="" val="1"/>
+              <ma14:wrappingTextBoxFlag xmlns="" xmlns:m="http://schemas.openxmlformats.org/officeDocument/2006/math" xmlns:a14="http://schemas.microsoft.com/office/drawing/2010/main" xmlns:ma14="http://schemas.microsoft.com/office/mac/drawingml/2011/main" val="1"/>
             </a:ext>
           </a:extLst>
         </p:spPr>
@@ -6013,7 +6014,7 @@
           </a:ln>
           <a:extLst>
             <a:ext uri="{C572A759-6A51-4108-AA02-DFA0A04FC94B}">
-              <ma14:wrappingTextBoxFlag xmlns:ma14="http://schemas.microsoft.com/office/mac/drawingml/2011/main" xmlns:a14="http://schemas.microsoft.com/office/drawing/2010/main" xmlns:m="http://schemas.openxmlformats.org/officeDocument/2006/math" xmlns="" val="1"/>
+              <ma14:wrappingTextBoxFlag xmlns="" xmlns:m="http://schemas.openxmlformats.org/officeDocument/2006/math" xmlns:a14="http://schemas.microsoft.com/office/drawing/2010/main" xmlns:ma14="http://schemas.microsoft.com/office/mac/drawingml/2011/main" val="1"/>
             </a:ext>
           </a:extLst>
         </p:spPr>
@@ -6061,7 +6062,7 @@
           </a:ln>
           <a:extLst>
             <a:ext uri="{C572A759-6A51-4108-AA02-DFA0A04FC94B}">
-              <ma14:wrappingTextBoxFlag xmlns:ma14="http://schemas.microsoft.com/office/mac/drawingml/2011/main" xmlns:a14="http://schemas.microsoft.com/office/drawing/2010/main" xmlns:m="http://schemas.openxmlformats.org/officeDocument/2006/math" xmlns="" val="1"/>
+              <ma14:wrappingTextBoxFlag xmlns="" xmlns:m="http://schemas.openxmlformats.org/officeDocument/2006/math" xmlns:a14="http://schemas.microsoft.com/office/drawing/2010/main" xmlns:ma14="http://schemas.microsoft.com/office/mac/drawingml/2011/main" val="1"/>
             </a:ext>
           </a:extLst>
         </p:spPr>
@@ -6103,7 +6104,7 @@
           </a:ln>
           <a:extLst>
             <a:ext uri="{C572A759-6A51-4108-AA02-DFA0A04FC94B}">
-              <ma14:wrappingTextBoxFlag xmlns:ma14="http://schemas.microsoft.com/office/mac/drawingml/2011/main" xmlns:a14="http://schemas.microsoft.com/office/drawing/2010/main" xmlns:m="http://schemas.openxmlformats.org/officeDocument/2006/math" xmlns="" val="1"/>
+              <ma14:wrappingTextBoxFlag xmlns="" xmlns:m="http://schemas.openxmlformats.org/officeDocument/2006/math" xmlns:a14="http://schemas.microsoft.com/office/drawing/2010/main" xmlns:ma14="http://schemas.microsoft.com/office/mac/drawingml/2011/main" val="1"/>
             </a:ext>
           </a:extLst>
         </p:spPr>
@@ -7382,7 +7383,7 @@
           </a:ln>
           <a:extLst>
             <a:ext uri="{C572A759-6A51-4108-AA02-DFA0A04FC94B}">
-              <ma14:wrappingTextBoxFlag xmlns:ma14="http://schemas.microsoft.com/office/mac/drawingml/2011/main" xmlns:a14="http://schemas.microsoft.com/office/drawing/2010/main" xmlns:m="http://schemas.openxmlformats.org/officeDocument/2006/math" xmlns="" val="1"/>
+              <ma14:wrappingTextBoxFlag xmlns="" xmlns:m="http://schemas.openxmlformats.org/officeDocument/2006/math" xmlns:a14="http://schemas.microsoft.com/office/drawing/2010/main" xmlns:ma14="http://schemas.microsoft.com/office/mac/drawingml/2011/main" val="1"/>
             </a:ext>
           </a:extLst>
         </p:spPr>
@@ -7439,7 +7440,7 @@
           </a:ln>
           <a:extLst>
             <a:ext uri="{C572A759-6A51-4108-AA02-DFA0A04FC94B}">
-              <ma14:wrappingTextBoxFlag xmlns:ma14="http://schemas.microsoft.com/office/mac/drawingml/2011/main" xmlns:a14="http://schemas.microsoft.com/office/drawing/2010/main" xmlns:m="http://schemas.openxmlformats.org/officeDocument/2006/math" xmlns="" val="1"/>
+              <ma14:wrappingTextBoxFlag xmlns="" xmlns:m="http://schemas.openxmlformats.org/officeDocument/2006/math" xmlns:a14="http://schemas.microsoft.com/office/drawing/2010/main" xmlns:ma14="http://schemas.microsoft.com/office/mac/drawingml/2011/main" val="1"/>
             </a:ext>
           </a:extLst>
         </p:spPr>
@@ -7496,7 +7497,7 @@
           </a:ln>
           <a:extLst>
             <a:ext uri="{C572A759-6A51-4108-AA02-DFA0A04FC94B}">
-              <ma14:wrappingTextBoxFlag xmlns:ma14="http://schemas.microsoft.com/office/mac/drawingml/2011/main" xmlns:a14="http://schemas.microsoft.com/office/drawing/2010/main" xmlns:m="http://schemas.openxmlformats.org/officeDocument/2006/math" xmlns="" val="1"/>
+              <ma14:wrappingTextBoxFlag xmlns="" xmlns:m="http://schemas.openxmlformats.org/officeDocument/2006/math" xmlns:a14="http://schemas.microsoft.com/office/drawing/2010/main" xmlns:ma14="http://schemas.microsoft.com/office/mac/drawingml/2011/main" val="1"/>
             </a:ext>
           </a:extLst>
         </p:spPr>
@@ -7586,7 +7587,7 @@
           </a:ln>
           <a:extLst>
             <a:ext uri="{C572A759-6A51-4108-AA02-DFA0A04FC94B}">
-              <ma14:wrappingTextBoxFlag xmlns:ma14="http://schemas.microsoft.com/office/mac/drawingml/2011/main" xmlns:a14="http://schemas.microsoft.com/office/drawing/2010/main" xmlns:m="http://schemas.openxmlformats.org/officeDocument/2006/math" xmlns="" val="1"/>
+              <ma14:wrappingTextBoxFlag xmlns="" xmlns:m="http://schemas.openxmlformats.org/officeDocument/2006/math" xmlns:a14="http://schemas.microsoft.com/office/drawing/2010/main" xmlns:ma14="http://schemas.microsoft.com/office/mac/drawingml/2011/main" val="1"/>
             </a:ext>
           </a:extLst>
         </p:spPr>
@@ -7644,7 +7645,7 @@
           </a:ln>
           <a:extLst>
             <a:ext uri="{C572A759-6A51-4108-AA02-DFA0A04FC94B}">
-              <ma14:wrappingTextBoxFlag xmlns:ma14="http://schemas.microsoft.com/office/mac/drawingml/2011/main" xmlns:a14="http://schemas.microsoft.com/office/drawing/2010/main" xmlns:m="http://schemas.openxmlformats.org/officeDocument/2006/math" xmlns="" val="1"/>
+              <ma14:wrappingTextBoxFlag xmlns="" xmlns:m="http://schemas.openxmlformats.org/officeDocument/2006/math" xmlns:a14="http://schemas.microsoft.com/office/drawing/2010/main" xmlns:ma14="http://schemas.microsoft.com/office/mac/drawingml/2011/main" val="1"/>
             </a:ext>
           </a:extLst>
         </p:spPr>
@@ -7701,7 +7702,7 @@
           </a:ln>
           <a:extLst>
             <a:ext uri="{C572A759-6A51-4108-AA02-DFA0A04FC94B}">
-              <ma14:wrappingTextBoxFlag xmlns:ma14="http://schemas.microsoft.com/office/mac/drawingml/2011/main" xmlns:a14="http://schemas.microsoft.com/office/drawing/2010/main" xmlns:m="http://schemas.openxmlformats.org/officeDocument/2006/math" xmlns="" val="1"/>
+              <ma14:wrappingTextBoxFlag xmlns="" xmlns:m="http://schemas.openxmlformats.org/officeDocument/2006/math" xmlns:a14="http://schemas.microsoft.com/office/drawing/2010/main" xmlns:ma14="http://schemas.microsoft.com/office/mac/drawingml/2011/main" val="1"/>
             </a:ext>
           </a:extLst>
         </p:spPr>
@@ -7761,7 +7762,7 @@
           </a:ln>
           <a:extLst>
             <a:ext uri="{C572A759-6A51-4108-AA02-DFA0A04FC94B}">
-              <ma14:wrappingTextBoxFlag xmlns:ma14="http://schemas.microsoft.com/office/mac/drawingml/2011/main" xmlns:a14="http://schemas.microsoft.com/office/drawing/2010/main" xmlns:m="http://schemas.openxmlformats.org/officeDocument/2006/math" xmlns="" val="1"/>
+              <ma14:wrappingTextBoxFlag xmlns="" xmlns:m="http://schemas.openxmlformats.org/officeDocument/2006/math" xmlns:a14="http://schemas.microsoft.com/office/drawing/2010/main" xmlns:ma14="http://schemas.microsoft.com/office/mac/drawingml/2011/main" val="1"/>
             </a:ext>
           </a:extLst>
         </p:spPr>
@@ -7821,7 +7822,7 @@
           </a:ln>
           <a:extLst>
             <a:ext uri="{C572A759-6A51-4108-AA02-DFA0A04FC94B}">
-              <ma14:wrappingTextBoxFlag xmlns:ma14="http://schemas.microsoft.com/office/mac/drawingml/2011/main" xmlns:a14="http://schemas.microsoft.com/office/drawing/2010/main" xmlns:m="http://schemas.openxmlformats.org/officeDocument/2006/math" xmlns="" val="1"/>
+              <ma14:wrappingTextBoxFlag xmlns="" xmlns:m="http://schemas.openxmlformats.org/officeDocument/2006/math" xmlns:a14="http://schemas.microsoft.com/office/drawing/2010/main" xmlns:ma14="http://schemas.microsoft.com/office/mac/drawingml/2011/main" val="1"/>
             </a:ext>
           </a:extLst>
         </p:spPr>
@@ -7881,7 +7882,7 @@
           </a:ln>
           <a:extLst>
             <a:ext uri="{C572A759-6A51-4108-AA02-DFA0A04FC94B}">
-              <ma14:wrappingTextBoxFlag xmlns:ma14="http://schemas.microsoft.com/office/mac/drawingml/2011/main" xmlns:a14="http://schemas.microsoft.com/office/drawing/2010/main" xmlns:m="http://schemas.openxmlformats.org/officeDocument/2006/math" xmlns="" val="1"/>
+              <ma14:wrappingTextBoxFlag xmlns="" xmlns:m="http://schemas.openxmlformats.org/officeDocument/2006/math" xmlns:a14="http://schemas.microsoft.com/office/drawing/2010/main" xmlns:ma14="http://schemas.microsoft.com/office/mac/drawingml/2011/main" val="1"/>
             </a:ext>
           </a:extLst>
         </p:spPr>
@@ -7941,7 +7942,7 @@
           </a:ln>
           <a:extLst>
             <a:ext uri="{C572A759-6A51-4108-AA02-DFA0A04FC94B}">
-              <ma14:wrappingTextBoxFlag xmlns:ma14="http://schemas.microsoft.com/office/mac/drawingml/2011/main" xmlns:a14="http://schemas.microsoft.com/office/drawing/2010/main" xmlns:m="http://schemas.openxmlformats.org/officeDocument/2006/math" xmlns="" val="1"/>
+              <ma14:wrappingTextBoxFlag xmlns="" xmlns:m="http://schemas.openxmlformats.org/officeDocument/2006/math" xmlns:a14="http://schemas.microsoft.com/office/drawing/2010/main" xmlns:ma14="http://schemas.microsoft.com/office/mac/drawingml/2011/main" val="1"/>
             </a:ext>
           </a:extLst>
         </p:spPr>
@@ -8001,7 +8002,7 @@
           </a:ln>
           <a:extLst>
             <a:ext uri="{C572A759-6A51-4108-AA02-DFA0A04FC94B}">
-              <ma14:wrappingTextBoxFlag xmlns:ma14="http://schemas.microsoft.com/office/mac/drawingml/2011/main" xmlns:a14="http://schemas.microsoft.com/office/drawing/2010/main" xmlns:m="http://schemas.openxmlformats.org/officeDocument/2006/math" xmlns="" val="1"/>
+              <ma14:wrappingTextBoxFlag xmlns="" xmlns:m="http://schemas.openxmlformats.org/officeDocument/2006/math" xmlns:a14="http://schemas.microsoft.com/office/drawing/2010/main" xmlns:ma14="http://schemas.microsoft.com/office/mac/drawingml/2011/main" val="1"/>
             </a:ext>
           </a:extLst>
         </p:spPr>
@@ -8061,7 +8062,7 @@
           </a:ln>
           <a:extLst>
             <a:ext uri="{C572A759-6A51-4108-AA02-DFA0A04FC94B}">
-              <ma14:wrappingTextBoxFlag xmlns:ma14="http://schemas.microsoft.com/office/mac/drawingml/2011/main" xmlns:a14="http://schemas.microsoft.com/office/drawing/2010/main" xmlns:m="http://schemas.openxmlformats.org/officeDocument/2006/math" xmlns="" val="1"/>
+              <ma14:wrappingTextBoxFlag xmlns="" xmlns:m="http://schemas.openxmlformats.org/officeDocument/2006/math" xmlns:a14="http://schemas.microsoft.com/office/drawing/2010/main" xmlns:ma14="http://schemas.microsoft.com/office/mac/drawingml/2011/main" val="1"/>
             </a:ext>
           </a:extLst>
         </p:spPr>
@@ -8118,7 +8119,7 @@
           </a:ln>
           <a:extLst>
             <a:ext uri="{C572A759-6A51-4108-AA02-DFA0A04FC94B}">
-              <ma14:wrappingTextBoxFlag xmlns:ma14="http://schemas.microsoft.com/office/mac/drawingml/2011/main" xmlns:a14="http://schemas.microsoft.com/office/drawing/2010/main" xmlns:m="http://schemas.openxmlformats.org/officeDocument/2006/math" xmlns="" val="1"/>
+              <ma14:wrappingTextBoxFlag xmlns="" xmlns:m="http://schemas.openxmlformats.org/officeDocument/2006/math" xmlns:a14="http://schemas.microsoft.com/office/drawing/2010/main" xmlns:ma14="http://schemas.microsoft.com/office/mac/drawingml/2011/main" val="1"/>
             </a:ext>
           </a:extLst>
         </p:spPr>
@@ -8178,7 +8179,7 @@
           </a:ln>
           <a:extLst>
             <a:ext uri="{C572A759-6A51-4108-AA02-DFA0A04FC94B}">
-              <ma14:wrappingTextBoxFlag xmlns:ma14="http://schemas.microsoft.com/office/mac/drawingml/2011/main" xmlns:a14="http://schemas.microsoft.com/office/drawing/2010/main" xmlns:m="http://schemas.openxmlformats.org/officeDocument/2006/math" xmlns="" val="1"/>
+              <ma14:wrappingTextBoxFlag xmlns="" xmlns:m="http://schemas.openxmlformats.org/officeDocument/2006/math" xmlns:a14="http://schemas.microsoft.com/office/drawing/2010/main" xmlns:ma14="http://schemas.microsoft.com/office/mac/drawingml/2011/main" val="1"/>
             </a:ext>
           </a:extLst>
         </p:spPr>
@@ -8238,7 +8239,7 @@
           </a:ln>
           <a:extLst>
             <a:ext uri="{C572A759-6A51-4108-AA02-DFA0A04FC94B}">
-              <ma14:wrappingTextBoxFlag xmlns:ma14="http://schemas.microsoft.com/office/mac/drawingml/2011/main" xmlns:a14="http://schemas.microsoft.com/office/drawing/2010/main" xmlns:m="http://schemas.openxmlformats.org/officeDocument/2006/math" xmlns="" val="1"/>
+              <ma14:wrappingTextBoxFlag xmlns="" xmlns:m="http://schemas.openxmlformats.org/officeDocument/2006/math" xmlns:a14="http://schemas.microsoft.com/office/drawing/2010/main" xmlns:ma14="http://schemas.microsoft.com/office/mac/drawingml/2011/main" val="1"/>
             </a:ext>
           </a:extLst>
         </p:spPr>
@@ -8270,6 +8271,105 @@
           </a:p>
           <a:p>
             <a:endParaRPr/>
+          </a:p>
+        </p:txBody>
+      </p:sp>
+      <p:sp>
+        <p:nvSpPr>
+          <p:cNvPr id="3" name="Rectangle: Single Corner Rounded 2">
+            <a:extLst>
+              <a:ext uri="{FF2B5EF4-FFF2-40B4-BE49-F238E27FC236}">
+                <a16:creationId xmlns:a16="http://schemas.microsoft.com/office/drawing/2014/main" id="{C2A14CDF-BFC8-C478-AAF8-18B7FB72B9A4}"/>
+              </a:ext>
+            </a:extLst>
+          </p:cNvPr>
+          <p:cNvSpPr/>
+          <p:nvPr/>
+        </p:nvSpPr>
+        <p:spPr>
+          <a:xfrm>
+            <a:off x="574308" y="3324888"/>
+            <a:ext cx="2271711" cy="369330"/>
+          </a:xfrm>
+          <a:prstGeom prst="round1Rect">
+            <a:avLst/>
+          </a:prstGeom>
+          <a:solidFill>
+            <a:schemeClr val="tx1"/>
+          </a:solidFill>
+          <a:ln w="19050" cap="flat">
+            <a:noFill/>
+            <a:prstDash val="solid"/>
+            <a:miter lim="800000"/>
+          </a:ln>
+          <a:effectLst/>
+          <a:sp3d/>
+        </p:spPr>
+        <p:style>
+          <a:lnRef idx="0">
+            <a:scrgbClr r="0" g="0" b="0"/>
+          </a:lnRef>
+          <a:fillRef idx="0">
+            <a:scrgbClr r="0" g="0" b="0"/>
+          </a:fillRef>
+          <a:effectRef idx="0">
+            <a:scrgbClr r="0" g="0" b="0"/>
+          </a:effectRef>
+          <a:fontRef idx="none"/>
+        </p:style>
+        <p:txBody>
+          <a:bodyPr rot="0" spcFirstLastPara="1" vertOverflow="overflow" horzOverflow="overflow" vert="horz" wrap="square" lIns="45719" tIns="45719" rIns="45719" bIns="45719" numCol="1" spcCol="38100" rtlCol="0" anchor="ctr">
+            <a:spAutoFit/>
+          </a:bodyPr>
+          <a:lstStyle/>
+          <a:p>
+            <a:pPr marL="0" marR="0" indent="0" algn="l" defTabSz="457200" rtl="0" fontAlgn="auto" latinLnBrk="0" hangingPunct="0">
+              <a:lnSpc>
+                <a:spcPct val="100000"/>
+              </a:lnSpc>
+              <a:spcBef>
+                <a:spcPts val="0"/>
+              </a:spcBef>
+              <a:spcAft>
+                <a:spcPts val="0"/>
+              </a:spcAft>
+              <a:buClrTx/>
+              <a:buSzTx/>
+              <a:buFontTx/>
+              <a:buNone/>
+              <a:tabLst/>
+            </a:pPr>
+            <a:r>
+              <a:rPr kumimoji="0" lang="nl-NL" sz="1800" b="0" i="0" u="none" strike="noStrike" cap="none" spc="0" normalizeH="0" baseline="0">
+                <a:ln>
+                  <a:noFill/>
+                </a:ln>
+                <a:solidFill>
+                  <a:srgbClr val="FFFFFF"/>
+                </a:solidFill>
+                <a:effectLst/>
+                <a:uFillTx/>
+                <a:latin typeface="+mn-lt"/>
+                <a:ea typeface="+mn-ea"/>
+                <a:cs typeface="+mn-cs"/>
+                <a:sym typeface="Aptos"/>
+              </a:rPr>
+              <a:t>#STATS</a:t>
+            </a:r>
+            <a:endParaRPr kumimoji="0" lang="LID4096" sz="1800" b="0" i="0" u="none" strike="noStrike" cap="none" spc="0" normalizeH="0" baseline="0">
+              <a:ln>
+                <a:noFill/>
+              </a:ln>
+              <a:solidFill>
+                <a:srgbClr val="FFFFFF"/>
+              </a:solidFill>
+              <a:effectLst/>
+              <a:uFillTx/>
+              <a:latin typeface="+mn-lt"/>
+              <a:ea typeface="+mn-ea"/>
+              <a:cs typeface="+mn-cs"/>
+              <a:sym typeface="Aptos"/>
+            </a:endParaRPr>
           </a:p>
         </p:txBody>
       </p:sp>

--- a/powerpoint template.pptx
+++ b/powerpoint template.pptx
@@ -1045,7 +1045,7 @@
           </a:ln>
           <a:extLst>
             <a:ext uri="{C572A759-6A51-4108-AA02-DFA0A04FC94B}">
-              <ma14:wrappingTextBoxFlag xmlns="" xmlns:m="http://schemas.openxmlformats.org/officeDocument/2006/math" xmlns:a14="http://schemas.microsoft.com/office/drawing/2010/main" xmlns:ma14="http://schemas.microsoft.com/office/mac/drawingml/2011/main" val="1"/>
+              <ma14:wrappingTextBoxFlag xmlns:ma14="http://schemas.microsoft.com/office/mac/drawingml/2011/main" xmlns:a14="http://schemas.microsoft.com/office/drawing/2010/main" xmlns:m="http://schemas.openxmlformats.org/officeDocument/2006/math" xmlns="" val="1"/>
             </a:ext>
           </a:extLst>
         </p:spPr>
@@ -1092,7 +1092,7 @@
           </a:ln>
           <a:extLst>
             <a:ext uri="{C572A759-6A51-4108-AA02-DFA0A04FC94B}">
-              <ma14:wrappingTextBoxFlag xmlns="" xmlns:m="http://schemas.openxmlformats.org/officeDocument/2006/math" xmlns:a14="http://schemas.microsoft.com/office/drawing/2010/main" xmlns:ma14="http://schemas.microsoft.com/office/mac/drawingml/2011/main" val="1"/>
+              <ma14:wrappingTextBoxFlag xmlns:ma14="http://schemas.microsoft.com/office/mac/drawingml/2011/main" xmlns:a14="http://schemas.microsoft.com/office/drawing/2010/main" xmlns:m="http://schemas.openxmlformats.org/officeDocument/2006/math" xmlns="" val="1"/>
             </a:ext>
           </a:extLst>
         </p:spPr>
@@ -1139,7 +1139,7 @@
           </a:ln>
           <a:extLst>
             <a:ext uri="{C572A759-6A51-4108-AA02-DFA0A04FC94B}">
-              <ma14:wrappingTextBoxFlag xmlns="" xmlns:m="http://schemas.openxmlformats.org/officeDocument/2006/math" xmlns:a14="http://schemas.microsoft.com/office/drawing/2010/main" xmlns:ma14="http://schemas.microsoft.com/office/mac/drawingml/2011/main" val="1"/>
+              <ma14:wrappingTextBoxFlag xmlns:ma14="http://schemas.microsoft.com/office/mac/drawingml/2011/main" xmlns:a14="http://schemas.microsoft.com/office/drawing/2010/main" xmlns:m="http://schemas.openxmlformats.org/officeDocument/2006/math" xmlns="" val="1"/>
             </a:ext>
           </a:extLst>
         </p:spPr>
@@ -2620,7 +2620,7 @@
           </a:ln>
           <a:extLst>
             <a:ext uri="{C572A759-6A51-4108-AA02-DFA0A04FC94B}">
-              <ma14:wrappingTextBoxFlag xmlns="" xmlns:m="http://schemas.openxmlformats.org/officeDocument/2006/math" xmlns:a14="http://schemas.microsoft.com/office/drawing/2010/main" xmlns:ma14="http://schemas.microsoft.com/office/mac/drawingml/2011/main" val="1"/>
+              <ma14:wrappingTextBoxFlag xmlns:ma14="http://schemas.microsoft.com/office/mac/drawingml/2011/main" xmlns:a14="http://schemas.microsoft.com/office/drawing/2010/main" xmlns:m="http://schemas.openxmlformats.org/officeDocument/2006/math" xmlns="" val="1"/>
             </a:ext>
           </a:extLst>
         </p:spPr>
@@ -2762,7 +2762,7 @@
           </a:ln>
           <a:extLst>
             <a:ext uri="{C572A759-6A51-4108-AA02-DFA0A04FC94B}">
-              <ma14:wrappingTextBoxFlag xmlns="" xmlns:m="http://schemas.openxmlformats.org/officeDocument/2006/math" xmlns:a14="http://schemas.microsoft.com/office/drawing/2010/main" xmlns:ma14="http://schemas.microsoft.com/office/mac/drawingml/2011/main" val="1"/>
+              <ma14:wrappingTextBoxFlag xmlns:ma14="http://schemas.microsoft.com/office/mac/drawingml/2011/main" xmlns:a14="http://schemas.microsoft.com/office/drawing/2010/main" xmlns:m="http://schemas.openxmlformats.org/officeDocument/2006/math" xmlns="" val="1"/>
             </a:ext>
           </a:extLst>
         </p:spPr>
@@ -2840,7 +2840,7 @@
           </a:ln>
           <a:extLst>
             <a:ext uri="{C572A759-6A51-4108-AA02-DFA0A04FC94B}">
-              <ma14:wrappingTextBoxFlag xmlns="" xmlns:m="http://schemas.openxmlformats.org/officeDocument/2006/math" xmlns:a14="http://schemas.microsoft.com/office/drawing/2010/main" xmlns:ma14="http://schemas.microsoft.com/office/mac/drawingml/2011/main" val="1"/>
+              <ma14:wrappingTextBoxFlag xmlns:ma14="http://schemas.microsoft.com/office/mac/drawingml/2011/main" xmlns:a14="http://schemas.microsoft.com/office/drawing/2010/main" xmlns:m="http://schemas.openxmlformats.org/officeDocument/2006/math" xmlns="" val="1"/>
             </a:ext>
           </a:extLst>
         </p:spPr>
@@ -2887,7 +2887,7 @@
           </a:ln>
           <a:extLst>
             <a:ext uri="{C572A759-6A51-4108-AA02-DFA0A04FC94B}">
-              <ma14:wrappingTextBoxFlag xmlns="" xmlns:m="http://schemas.openxmlformats.org/officeDocument/2006/math" xmlns:a14="http://schemas.microsoft.com/office/drawing/2010/main" xmlns:ma14="http://schemas.microsoft.com/office/mac/drawingml/2011/main" val="1"/>
+              <ma14:wrappingTextBoxFlag xmlns:ma14="http://schemas.microsoft.com/office/mac/drawingml/2011/main" xmlns:a14="http://schemas.microsoft.com/office/drawing/2010/main" xmlns:m="http://schemas.openxmlformats.org/officeDocument/2006/math" xmlns="" val="1"/>
             </a:ext>
           </a:extLst>
         </p:spPr>
@@ -2934,7 +2934,7 @@
           </a:ln>
           <a:extLst>
             <a:ext uri="{C572A759-6A51-4108-AA02-DFA0A04FC94B}">
-              <ma14:wrappingTextBoxFlag xmlns="" xmlns:m="http://schemas.openxmlformats.org/officeDocument/2006/math" xmlns:a14="http://schemas.microsoft.com/office/drawing/2010/main" xmlns:ma14="http://schemas.microsoft.com/office/mac/drawingml/2011/main" val="1"/>
+              <ma14:wrappingTextBoxFlag xmlns:ma14="http://schemas.microsoft.com/office/mac/drawingml/2011/main" xmlns:a14="http://schemas.microsoft.com/office/drawing/2010/main" xmlns:m="http://schemas.openxmlformats.org/officeDocument/2006/math" xmlns="" val="1"/>
             </a:ext>
           </a:extLst>
         </p:spPr>
@@ -2981,7 +2981,7 @@
           </a:ln>
           <a:extLst>
             <a:ext uri="{C572A759-6A51-4108-AA02-DFA0A04FC94B}">
-              <ma14:wrappingTextBoxFlag xmlns="" xmlns:m="http://schemas.openxmlformats.org/officeDocument/2006/math" xmlns:a14="http://schemas.microsoft.com/office/drawing/2010/main" xmlns:ma14="http://schemas.microsoft.com/office/mac/drawingml/2011/main" val="1"/>
+              <ma14:wrappingTextBoxFlag xmlns:ma14="http://schemas.microsoft.com/office/mac/drawingml/2011/main" xmlns:a14="http://schemas.microsoft.com/office/drawing/2010/main" xmlns:m="http://schemas.openxmlformats.org/officeDocument/2006/math" xmlns="" val="1"/>
             </a:ext>
           </a:extLst>
         </p:spPr>
@@ -3028,7 +3028,7 @@
           </a:ln>
           <a:extLst>
             <a:ext uri="{C572A759-6A51-4108-AA02-DFA0A04FC94B}">
-              <ma14:wrappingTextBoxFlag xmlns="" xmlns:m="http://schemas.openxmlformats.org/officeDocument/2006/math" xmlns:a14="http://schemas.microsoft.com/office/drawing/2010/main" xmlns:ma14="http://schemas.microsoft.com/office/mac/drawingml/2011/main" val="1"/>
+              <ma14:wrappingTextBoxFlag xmlns:ma14="http://schemas.microsoft.com/office/mac/drawingml/2011/main" xmlns:a14="http://schemas.microsoft.com/office/drawing/2010/main" xmlns:m="http://schemas.openxmlformats.org/officeDocument/2006/math" xmlns="" val="1"/>
             </a:ext>
           </a:extLst>
         </p:spPr>
@@ -3264,7 +3264,7 @@
           </a:ln>
           <a:extLst>
             <a:ext uri="{C572A759-6A51-4108-AA02-DFA0A04FC94B}">
-              <ma14:wrappingTextBoxFlag xmlns="" xmlns:m="http://schemas.openxmlformats.org/officeDocument/2006/math" xmlns:a14="http://schemas.microsoft.com/office/drawing/2010/main" xmlns:ma14="http://schemas.microsoft.com/office/mac/drawingml/2011/main" val="1"/>
+              <ma14:wrappingTextBoxFlag xmlns:ma14="http://schemas.microsoft.com/office/mac/drawingml/2011/main" xmlns:a14="http://schemas.microsoft.com/office/drawing/2010/main" xmlns:m="http://schemas.openxmlformats.org/officeDocument/2006/math" xmlns="" val="1"/>
             </a:ext>
           </a:extLst>
         </p:spPr>
@@ -3311,7 +3311,7 @@
           </a:ln>
           <a:extLst>
             <a:ext uri="{C572A759-6A51-4108-AA02-DFA0A04FC94B}">
-              <ma14:wrappingTextBoxFlag xmlns="" xmlns:m="http://schemas.openxmlformats.org/officeDocument/2006/math" xmlns:a14="http://schemas.microsoft.com/office/drawing/2010/main" xmlns:ma14="http://schemas.microsoft.com/office/mac/drawingml/2011/main" val="1"/>
+              <ma14:wrappingTextBoxFlag xmlns:ma14="http://schemas.microsoft.com/office/mac/drawingml/2011/main" xmlns:a14="http://schemas.microsoft.com/office/drawing/2010/main" xmlns:m="http://schemas.openxmlformats.org/officeDocument/2006/math" xmlns="" val="1"/>
             </a:ext>
           </a:extLst>
         </p:spPr>
@@ -3503,7 +3503,7 @@
           </a:ln>
           <a:extLst>
             <a:ext uri="{C572A759-6A51-4108-AA02-DFA0A04FC94B}">
-              <ma14:wrappingTextBoxFlag xmlns="" xmlns:m="http://schemas.openxmlformats.org/officeDocument/2006/math" xmlns:a14="http://schemas.microsoft.com/office/drawing/2010/main" xmlns:ma14="http://schemas.microsoft.com/office/mac/drawingml/2011/main" val="1"/>
+              <ma14:wrappingTextBoxFlag xmlns:ma14="http://schemas.microsoft.com/office/mac/drawingml/2011/main" xmlns:a14="http://schemas.microsoft.com/office/drawing/2010/main" xmlns:m="http://schemas.openxmlformats.org/officeDocument/2006/math" xmlns="" val="1"/>
             </a:ext>
           </a:extLst>
         </p:spPr>
@@ -3542,7 +3542,7 @@
           </a:ln>
           <a:extLst>
             <a:ext uri="{C572A759-6A51-4108-AA02-DFA0A04FC94B}">
-              <ma14:wrappingTextBoxFlag xmlns="" xmlns:m="http://schemas.openxmlformats.org/officeDocument/2006/math" xmlns:a14="http://schemas.microsoft.com/office/drawing/2010/main" xmlns:ma14="http://schemas.microsoft.com/office/mac/drawingml/2011/main" val="1"/>
+              <ma14:wrappingTextBoxFlag xmlns:ma14="http://schemas.microsoft.com/office/mac/drawingml/2011/main" xmlns:a14="http://schemas.microsoft.com/office/drawing/2010/main" xmlns:m="http://schemas.openxmlformats.org/officeDocument/2006/math" xmlns="" val="1"/>
             </a:ext>
           </a:extLst>
         </p:spPr>
@@ -4552,7 +4552,7 @@
           </a:ln>
           <a:extLst>
             <a:ext uri="{C572A759-6A51-4108-AA02-DFA0A04FC94B}">
-              <ma14:wrappingTextBoxFlag xmlns="" xmlns:m="http://schemas.openxmlformats.org/officeDocument/2006/math" xmlns:a14="http://schemas.microsoft.com/office/drawing/2010/main" xmlns:ma14="http://schemas.microsoft.com/office/mac/drawingml/2011/main" val="1"/>
+              <ma14:wrappingTextBoxFlag xmlns:ma14="http://schemas.microsoft.com/office/mac/drawingml/2011/main" xmlns:a14="http://schemas.microsoft.com/office/drawing/2010/main" xmlns:m="http://schemas.openxmlformats.org/officeDocument/2006/math" xmlns="" val="1"/>
             </a:ext>
           </a:extLst>
         </p:spPr>
@@ -4694,7 +4694,7 @@
           </a:ln>
           <a:extLst>
             <a:ext uri="{C572A759-6A51-4108-AA02-DFA0A04FC94B}">
-              <ma14:wrappingTextBoxFlag xmlns="" xmlns:m="http://schemas.openxmlformats.org/officeDocument/2006/math" xmlns:a14="http://schemas.microsoft.com/office/drawing/2010/main" xmlns:ma14="http://schemas.microsoft.com/office/mac/drawingml/2011/main" val="1"/>
+              <ma14:wrappingTextBoxFlag xmlns:ma14="http://schemas.microsoft.com/office/mac/drawingml/2011/main" xmlns:a14="http://schemas.microsoft.com/office/drawing/2010/main" xmlns:m="http://schemas.openxmlformats.org/officeDocument/2006/math" xmlns="" val="1"/>
             </a:ext>
           </a:extLst>
         </p:spPr>
@@ -4741,7 +4741,7 @@
           </a:ln>
           <a:extLst>
             <a:ext uri="{C572A759-6A51-4108-AA02-DFA0A04FC94B}">
-              <ma14:wrappingTextBoxFlag xmlns="" xmlns:m="http://schemas.openxmlformats.org/officeDocument/2006/math" xmlns:a14="http://schemas.microsoft.com/office/drawing/2010/main" xmlns:ma14="http://schemas.microsoft.com/office/mac/drawingml/2011/main" val="1"/>
+              <ma14:wrappingTextBoxFlag xmlns:ma14="http://schemas.microsoft.com/office/mac/drawingml/2011/main" xmlns:a14="http://schemas.microsoft.com/office/drawing/2010/main" xmlns:m="http://schemas.openxmlformats.org/officeDocument/2006/math" xmlns="" val="1"/>
             </a:ext>
           </a:extLst>
         </p:spPr>
@@ -4788,7 +4788,7 @@
           </a:ln>
           <a:extLst>
             <a:ext uri="{C572A759-6A51-4108-AA02-DFA0A04FC94B}">
-              <ma14:wrappingTextBoxFlag xmlns="" xmlns:m="http://schemas.openxmlformats.org/officeDocument/2006/math" xmlns:a14="http://schemas.microsoft.com/office/drawing/2010/main" xmlns:ma14="http://schemas.microsoft.com/office/mac/drawingml/2011/main" val="1"/>
+              <ma14:wrappingTextBoxFlag xmlns:ma14="http://schemas.microsoft.com/office/mac/drawingml/2011/main" xmlns:a14="http://schemas.microsoft.com/office/drawing/2010/main" xmlns:m="http://schemas.openxmlformats.org/officeDocument/2006/math" xmlns="" val="1"/>
             </a:ext>
           </a:extLst>
         </p:spPr>
@@ -4835,7 +4835,7 @@
           </a:ln>
           <a:extLst>
             <a:ext uri="{C572A759-6A51-4108-AA02-DFA0A04FC94B}">
-              <ma14:wrappingTextBoxFlag xmlns="" xmlns:m="http://schemas.openxmlformats.org/officeDocument/2006/math" xmlns:a14="http://schemas.microsoft.com/office/drawing/2010/main" xmlns:ma14="http://schemas.microsoft.com/office/mac/drawingml/2011/main" val="1"/>
+              <ma14:wrappingTextBoxFlag xmlns:ma14="http://schemas.microsoft.com/office/mac/drawingml/2011/main" xmlns:a14="http://schemas.microsoft.com/office/drawing/2010/main" xmlns:m="http://schemas.openxmlformats.org/officeDocument/2006/math" xmlns="" val="1"/>
             </a:ext>
           </a:extLst>
         </p:spPr>
@@ -4882,7 +4882,7 @@
           </a:ln>
           <a:extLst>
             <a:ext uri="{C572A759-6A51-4108-AA02-DFA0A04FC94B}">
-              <ma14:wrappingTextBoxFlag xmlns="" xmlns:m="http://schemas.openxmlformats.org/officeDocument/2006/math" xmlns:a14="http://schemas.microsoft.com/office/drawing/2010/main" xmlns:ma14="http://schemas.microsoft.com/office/mac/drawingml/2011/main" val="1"/>
+              <ma14:wrappingTextBoxFlag xmlns:ma14="http://schemas.microsoft.com/office/mac/drawingml/2011/main" xmlns:a14="http://schemas.microsoft.com/office/drawing/2010/main" xmlns:m="http://schemas.openxmlformats.org/officeDocument/2006/math" xmlns="" val="1"/>
             </a:ext>
           </a:extLst>
         </p:spPr>
@@ -4929,7 +4929,7 @@
           </a:ln>
           <a:extLst>
             <a:ext uri="{C572A759-6A51-4108-AA02-DFA0A04FC94B}">
-              <ma14:wrappingTextBoxFlag xmlns="" xmlns:m="http://schemas.openxmlformats.org/officeDocument/2006/math" xmlns:a14="http://schemas.microsoft.com/office/drawing/2010/main" xmlns:ma14="http://schemas.microsoft.com/office/mac/drawingml/2011/main" val="1"/>
+              <ma14:wrappingTextBoxFlag xmlns:ma14="http://schemas.microsoft.com/office/mac/drawingml/2011/main" xmlns:a14="http://schemas.microsoft.com/office/drawing/2010/main" xmlns:m="http://schemas.openxmlformats.org/officeDocument/2006/math" xmlns="" val="1"/>
             </a:ext>
           </a:extLst>
         </p:spPr>
@@ -5101,7 +5101,7 @@
           </a:ln>
           <a:extLst>
             <a:ext uri="{C572A759-6A51-4108-AA02-DFA0A04FC94B}">
-              <ma14:wrappingTextBoxFlag xmlns="" xmlns:m="http://schemas.openxmlformats.org/officeDocument/2006/math" xmlns:a14="http://schemas.microsoft.com/office/drawing/2010/main" xmlns:ma14="http://schemas.microsoft.com/office/mac/drawingml/2011/main" val="1"/>
+              <ma14:wrappingTextBoxFlag xmlns:ma14="http://schemas.microsoft.com/office/mac/drawingml/2011/main" xmlns:a14="http://schemas.microsoft.com/office/drawing/2010/main" xmlns:m="http://schemas.openxmlformats.org/officeDocument/2006/math" xmlns="" val="1"/>
             </a:ext>
           </a:extLst>
         </p:spPr>
@@ -5194,7 +5194,7 @@
           </a:ln>
           <a:extLst>
             <a:ext uri="{C572A759-6A51-4108-AA02-DFA0A04FC94B}">
-              <ma14:wrappingTextBoxFlag xmlns="" xmlns:m="http://schemas.openxmlformats.org/officeDocument/2006/math" xmlns:a14="http://schemas.microsoft.com/office/drawing/2010/main" xmlns:ma14="http://schemas.microsoft.com/office/mac/drawingml/2011/main" val="1"/>
+              <ma14:wrappingTextBoxFlag xmlns:ma14="http://schemas.microsoft.com/office/mac/drawingml/2011/main" xmlns:a14="http://schemas.microsoft.com/office/drawing/2010/main" xmlns:m="http://schemas.openxmlformats.org/officeDocument/2006/math" xmlns="" val="1"/>
             </a:ext>
           </a:extLst>
         </p:spPr>
@@ -5245,7 +5245,7 @@
           </a:ln>
           <a:extLst>
             <a:ext uri="{C572A759-6A51-4108-AA02-DFA0A04FC94B}">
-              <ma14:wrappingTextBoxFlag xmlns="" xmlns:m="http://schemas.openxmlformats.org/officeDocument/2006/math" xmlns:a14="http://schemas.microsoft.com/office/drawing/2010/main" xmlns:ma14="http://schemas.microsoft.com/office/mac/drawingml/2011/main" val="1"/>
+              <ma14:wrappingTextBoxFlag xmlns:ma14="http://schemas.microsoft.com/office/mac/drawingml/2011/main" xmlns:a14="http://schemas.microsoft.com/office/drawing/2010/main" xmlns:m="http://schemas.openxmlformats.org/officeDocument/2006/math" xmlns="" val="1"/>
             </a:ext>
           </a:extLst>
         </p:spPr>
@@ -5297,7 +5297,7 @@
           </a:ln>
           <a:extLst>
             <a:ext uri="{C572A759-6A51-4108-AA02-DFA0A04FC94B}">
-              <ma14:wrappingTextBoxFlag xmlns="" xmlns:m="http://schemas.openxmlformats.org/officeDocument/2006/math" xmlns:a14="http://schemas.microsoft.com/office/drawing/2010/main" xmlns:ma14="http://schemas.microsoft.com/office/mac/drawingml/2011/main" val="1"/>
+              <ma14:wrappingTextBoxFlag xmlns:ma14="http://schemas.microsoft.com/office/mac/drawingml/2011/main" xmlns:a14="http://schemas.microsoft.com/office/drawing/2010/main" xmlns:m="http://schemas.openxmlformats.org/officeDocument/2006/math" xmlns="" val="1"/>
             </a:ext>
           </a:extLst>
         </p:spPr>
@@ -5349,7 +5349,7 @@
           </a:ln>
           <a:extLst>
             <a:ext uri="{C572A759-6A51-4108-AA02-DFA0A04FC94B}">
-              <ma14:wrappingTextBoxFlag xmlns="" xmlns:m="http://schemas.openxmlformats.org/officeDocument/2006/math" xmlns:a14="http://schemas.microsoft.com/office/drawing/2010/main" xmlns:ma14="http://schemas.microsoft.com/office/mac/drawingml/2011/main" val="1"/>
+              <ma14:wrappingTextBoxFlag xmlns:ma14="http://schemas.microsoft.com/office/mac/drawingml/2011/main" xmlns:a14="http://schemas.microsoft.com/office/drawing/2010/main" xmlns:m="http://schemas.openxmlformats.org/officeDocument/2006/math" xmlns="" val="1"/>
             </a:ext>
           </a:extLst>
         </p:spPr>
@@ -5401,7 +5401,7 @@
           </a:ln>
           <a:extLst>
             <a:ext uri="{C572A759-6A51-4108-AA02-DFA0A04FC94B}">
-              <ma14:wrappingTextBoxFlag xmlns="" xmlns:m="http://schemas.openxmlformats.org/officeDocument/2006/math" xmlns:a14="http://schemas.microsoft.com/office/drawing/2010/main" xmlns:ma14="http://schemas.microsoft.com/office/mac/drawingml/2011/main" val="1"/>
+              <ma14:wrappingTextBoxFlag xmlns:ma14="http://schemas.microsoft.com/office/mac/drawingml/2011/main" xmlns:a14="http://schemas.microsoft.com/office/drawing/2010/main" xmlns:m="http://schemas.openxmlformats.org/officeDocument/2006/math" xmlns="" val="1"/>
             </a:ext>
           </a:extLst>
         </p:spPr>
@@ -5453,7 +5453,7 @@
           </a:ln>
           <a:extLst>
             <a:ext uri="{C572A759-6A51-4108-AA02-DFA0A04FC94B}">
-              <ma14:wrappingTextBoxFlag xmlns="" xmlns:m="http://schemas.openxmlformats.org/officeDocument/2006/math" xmlns:a14="http://schemas.microsoft.com/office/drawing/2010/main" xmlns:ma14="http://schemas.microsoft.com/office/mac/drawingml/2011/main" val="1"/>
+              <ma14:wrappingTextBoxFlag xmlns:ma14="http://schemas.microsoft.com/office/mac/drawingml/2011/main" xmlns:a14="http://schemas.microsoft.com/office/drawing/2010/main" xmlns:m="http://schemas.openxmlformats.org/officeDocument/2006/math" xmlns="" val="1"/>
             </a:ext>
           </a:extLst>
         </p:spPr>
@@ -5582,7 +5582,7 @@
           </a:ln>
           <a:extLst>
             <a:ext uri="{C572A759-6A51-4108-AA02-DFA0A04FC94B}">
-              <ma14:wrappingTextBoxFlag xmlns="" xmlns:m="http://schemas.openxmlformats.org/officeDocument/2006/math" xmlns:a14="http://schemas.microsoft.com/office/drawing/2010/main" xmlns:ma14="http://schemas.microsoft.com/office/mac/drawingml/2011/main" val="1"/>
+              <ma14:wrappingTextBoxFlag xmlns:ma14="http://schemas.microsoft.com/office/mac/drawingml/2011/main" xmlns:a14="http://schemas.microsoft.com/office/drawing/2010/main" xmlns:m="http://schemas.openxmlformats.org/officeDocument/2006/math" xmlns="" val="1"/>
             </a:ext>
           </a:extLst>
         </p:spPr>
@@ -5630,7 +5630,7 @@
           </a:ln>
           <a:extLst>
             <a:ext uri="{C572A759-6A51-4108-AA02-DFA0A04FC94B}">
-              <ma14:wrappingTextBoxFlag xmlns="" xmlns:m="http://schemas.openxmlformats.org/officeDocument/2006/math" xmlns:a14="http://schemas.microsoft.com/office/drawing/2010/main" xmlns:ma14="http://schemas.microsoft.com/office/mac/drawingml/2011/main" val="1"/>
+              <ma14:wrappingTextBoxFlag xmlns:ma14="http://schemas.microsoft.com/office/mac/drawingml/2011/main" xmlns:a14="http://schemas.microsoft.com/office/drawing/2010/main" xmlns:m="http://schemas.openxmlformats.org/officeDocument/2006/math" xmlns="" val="1"/>
             </a:ext>
           </a:extLst>
         </p:spPr>
@@ -5678,7 +5678,7 @@
           </a:ln>
           <a:extLst>
             <a:ext uri="{C572A759-6A51-4108-AA02-DFA0A04FC94B}">
-              <ma14:wrappingTextBoxFlag xmlns="" xmlns:m="http://schemas.openxmlformats.org/officeDocument/2006/math" xmlns:a14="http://schemas.microsoft.com/office/drawing/2010/main" xmlns:ma14="http://schemas.microsoft.com/office/mac/drawingml/2011/main" val="1"/>
+              <ma14:wrappingTextBoxFlag xmlns:ma14="http://schemas.microsoft.com/office/mac/drawingml/2011/main" xmlns:a14="http://schemas.microsoft.com/office/drawing/2010/main" xmlns:m="http://schemas.openxmlformats.org/officeDocument/2006/math" xmlns="" val="1"/>
             </a:ext>
           </a:extLst>
         </p:spPr>
@@ -5726,7 +5726,7 @@
           </a:ln>
           <a:extLst>
             <a:ext uri="{C572A759-6A51-4108-AA02-DFA0A04FC94B}">
-              <ma14:wrappingTextBoxFlag xmlns="" xmlns:m="http://schemas.openxmlformats.org/officeDocument/2006/math" xmlns:a14="http://schemas.microsoft.com/office/drawing/2010/main" xmlns:ma14="http://schemas.microsoft.com/office/mac/drawingml/2011/main" val="1"/>
+              <ma14:wrappingTextBoxFlag xmlns:ma14="http://schemas.microsoft.com/office/mac/drawingml/2011/main" xmlns:a14="http://schemas.microsoft.com/office/drawing/2010/main" xmlns:m="http://schemas.openxmlformats.org/officeDocument/2006/math" xmlns="" val="1"/>
             </a:ext>
           </a:extLst>
         </p:spPr>
@@ -5774,7 +5774,7 @@
           </a:ln>
           <a:extLst>
             <a:ext uri="{C572A759-6A51-4108-AA02-DFA0A04FC94B}">
-              <ma14:wrappingTextBoxFlag xmlns="" xmlns:m="http://schemas.openxmlformats.org/officeDocument/2006/math" xmlns:a14="http://schemas.microsoft.com/office/drawing/2010/main" xmlns:ma14="http://schemas.microsoft.com/office/mac/drawingml/2011/main" val="1"/>
+              <ma14:wrappingTextBoxFlag xmlns:ma14="http://schemas.microsoft.com/office/mac/drawingml/2011/main" xmlns:a14="http://schemas.microsoft.com/office/drawing/2010/main" xmlns:m="http://schemas.openxmlformats.org/officeDocument/2006/math" xmlns="" val="1"/>
             </a:ext>
           </a:extLst>
         </p:spPr>
@@ -5822,7 +5822,7 @@
           </a:ln>
           <a:extLst>
             <a:ext uri="{C572A759-6A51-4108-AA02-DFA0A04FC94B}">
-              <ma14:wrappingTextBoxFlag xmlns="" xmlns:m="http://schemas.openxmlformats.org/officeDocument/2006/math" xmlns:a14="http://schemas.microsoft.com/office/drawing/2010/main" xmlns:ma14="http://schemas.microsoft.com/office/mac/drawingml/2011/main" val="1"/>
+              <ma14:wrappingTextBoxFlag xmlns:ma14="http://schemas.microsoft.com/office/mac/drawingml/2011/main" xmlns:a14="http://schemas.microsoft.com/office/drawing/2010/main" xmlns:m="http://schemas.openxmlformats.org/officeDocument/2006/math" xmlns="" val="1"/>
             </a:ext>
           </a:extLst>
         </p:spPr>
@@ -5870,7 +5870,7 @@
           </a:ln>
           <a:extLst>
             <a:ext uri="{C572A759-6A51-4108-AA02-DFA0A04FC94B}">
-              <ma14:wrappingTextBoxFlag xmlns="" xmlns:m="http://schemas.openxmlformats.org/officeDocument/2006/math" xmlns:a14="http://schemas.microsoft.com/office/drawing/2010/main" xmlns:ma14="http://schemas.microsoft.com/office/mac/drawingml/2011/main" val="1"/>
+              <ma14:wrappingTextBoxFlag xmlns:ma14="http://schemas.microsoft.com/office/mac/drawingml/2011/main" xmlns:a14="http://schemas.microsoft.com/office/drawing/2010/main" xmlns:m="http://schemas.openxmlformats.org/officeDocument/2006/math" xmlns="" val="1"/>
             </a:ext>
           </a:extLst>
         </p:spPr>
@@ -5918,7 +5918,7 @@
           </a:ln>
           <a:extLst>
             <a:ext uri="{C572A759-6A51-4108-AA02-DFA0A04FC94B}">
-              <ma14:wrappingTextBoxFlag xmlns="" xmlns:m="http://schemas.openxmlformats.org/officeDocument/2006/math" xmlns:a14="http://schemas.microsoft.com/office/drawing/2010/main" xmlns:ma14="http://schemas.microsoft.com/office/mac/drawingml/2011/main" val="1"/>
+              <ma14:wrappingTextBoxFlag xmlns:ma14="http://schemas.microsoft.com/office/mac/drawingml/2011/main" xmlns:a14="http://schemas.microsoft.com/office/drawing/2010/main" xmlns:m="http://schemas.openxmlformats.org/officeDocument/2006/math" xmlns="" val="1"/>
             </a:ext>
           </a:extLst>
         </p:spPr>
@@ -5966,7 +5966,7 @@
           </a:ln>
           <a:extLst>
             <a:ext uri="{C572A759-6A51-4108-AA02-DFA0A04FC94B}">
-              <ma14:wrappingTextBoxFlag xmlns="" xmlns:m="http://schemas.openxmlformats.org/officeDocument/2006/math" xmlns:a14="http://schemas.microsoft.com/office/drawing/2010/main" xmlns:ma14="http://schemas.microsoft.com/office/mac/drawingml/2011/main" val="1"/>
+              <ma14:wrappingTextBoxFlag xmlns:ma14="http://schemas.microsoft.com/office/mac/drawingml/2011/main" xmlns:a14="http://schemas.microsoft.com/office/drawing/2010/main" xmlns:m="http://schemas.openxmlformats.org/officeDocument/2006/math" xmlns="" val="1"/>
             </a:ext>
           </a:extLst>
         </p:spPr>
@@ -6014,7 +6014,7 @@
           </a:ln>
           <a:extLst>
             <a:ext uri="{C572A759-6A51-4108-AA02-DFA0A04FC94B}">
-              <ma14:wrappingTextBoxFlag xmlns="" xmlns:m="http://schemas.openxmlformats.org/officeDocument/2006/math" xmlns:a14="http://schemas.microsoft.com/office/drawing/2010/main" xmlns:ma14="http://schemas.microsoft.com/office/mac/drawingml/2011/main" val="1"/>
+              <ma14:wrappingTextBoxFlag xmlns:ma14="http://schemas.microsoft.com/office/mac/drawingml/2011/main" xmlns:a14="http://schemas.microsoft.com/office/drawing/2010/main" xmlns:m="http://schemas.openxmlformats.org/officeDocument/2006/math" xmlns="" val="1"/>
             </a:ext>
           </a:extLst>
         </p:spPr>
@@ -6062,7 +6062,7 @@
           </a:ln>
           <a:extLst>
             <a:ext uri="{C572A759-6A51-4108-AA02-DFA0A04FC94B}">
-              <ma14:wrappingTextBoxFlag xmlns="" xmlns:m="http://schemas.openxmlformats.org/officeDocument/2006/math" xmlns:a14="http://schemas.microsoft.com/office/drawing/2010/main" xmlns:ma14="http://schemas.microsoft.com/office/mac/drawingml/2011/main" val="1"/>
+              <ma14:wrappingTextBoxFlag xmlns:ma14="http://schemas.microsoft.com/office/mac/drawingml/2011/main" xmlns:a14="http://schemas.microsoft.com/office/drawing/2010/main" xmlns:m="http://schemas.openxmlformats.org/officeDocument/2006/math" xmlns="" val="1"/>
             </a:ext>
           </a:extLst>
         </p:spPr>
@@ -6104,7 +6104,7 @@
           </a:ln>
           <a:extLst>
             <a:ext uri="{C572A759-6A51-4108-AA02-DFA0A04FC94B}">
-              <ma14:wrappingTextBoxFlag xmlns="" xmlns:m="http://schemas.openxmlformats.org/officeDocument/2006/math" xmlns:a14="http://schemas.microsoft.com/office/drawing/2010/main" xmlns:ma14="http://schemas.microsoft.com/office/mac/drawingml/2011/main" val="1"/>
+              <ma14:wrappingTextBoxFlag xmlns:ma14="http://schemas.microsoft.com/office/mac/drawingml/2011/main" xmlns:a14="http://schemas.microsoft.com/office/drawing/2010/main" xmlns:m="http://schemas.openxmlformats.org/officeDocument/2006/math" xmlns="" val="1"/>
             </a:ext>
           </a:extLst>
         </p:spPr>
@@ -7383,7 +7383,7 @@
           </a:ln>
           <a:extLst>
             <a:ext uri="{C572A759-6A51-4108-AA02-DFA0A04FC94B}">
-              <ma14:wrappingTextBoxFlag xmlns="" xmlns:m="http://schemas.openxmlformats.org/officeDocument/2006/math" xmlns:a14="http://schemas.microsoft.com/office/drawing/2010/main" xmlns:ma14="http://schemas.microsoft.com/office/mac/drawingml/2011/main" val="1"/>
+              <ma14:wrappingTextBoxFlag xmlns:ma14="http://schemas.microsoft.com/office/mac/drawingml/2011/main" xmlns:a14="http://schemas.microsoft.com/office/drawing/2010/main" xmlns:m="http://schemas.openxmlformats.org/officeDocument/2006/math" xmlns="" val="1"/>
             </a:ext>
           </a:extLst>
         </p:spPr>
@@ -7440,7 +7440,7 @@
           </a:ln>
           <a:extLst>
             <a:ext uri="{C572A759-6A51-4108-AA02-DFA0A04FC94B}">
-              <ma14:wrappingTextBoxFlag xmlns="" xmlns:m="http://schemas.openxmlformats.org/officeDocument/2006/math" xmlns:a14="http://schemas.microsoft.com/office/drawing/2010/main" xmlns:ma14="http://schemas.microsoft.com/office/mac/drawingml/2011/main" val="1"/>
+              <ma14:wrappingTextBoxFlag xmlns:ma14="http://schemas.microsoft.com/office/mac/drawingml/2011/main" xmlns:a14="http://schemas.microsoft.com/office/drawing/2010/main" xmlns:m="http://schemas.openxmlformats.org/officeDocument/2006/math" xmlns="" val="1"/>
             </a:ext>
           </a:extLst>
         </p:spPr>
@@ -7497,7 +7497,7 @@
           </a:ln>
           <a:extLst>
             <a:ext uri="{C572A759-6A51-4108-AA02-DFA0A04FC94B}">
-              <ma14:wrappingTextBoxFlag xmlns="" xmlns:m="http://schemas.openxmlformats.org/officeDocument/2006/math" xmlns:a14="http://schemas.microsoft.com/office/drawing/2010/main" xmlns:ma14="http://schemas.microsoft.com/office/mac/drawingml/2011/main" val="1"/>
+              <ma14:wrappingTextBoxFlag xmlns:ma14="http://schemas.microsoft.com/office/mac/drawingml/2011/main" xmlns:a14="http://schemas.microsoft.com/office/drawing/2010/main" xmlns:m="http://schemas.openxmlformats.org/officeDocument/2006/math" xmlns="" val="1"/>
             </a:ext>
           </a:extLst>
         </p:spPr>
@@ -7587,7 +7587,7 @@
           </a:ln>
           <a:extLst>
             <a:ext uri="{C572A759-6A51-4108-AA02-DFA0A04FC94B}">
-              <ma14:wrappingTextBoxFlag xmlns="" xmlns:m="http://schemas.openxmlformats.org/officeDocument/2006/math" xmlns:a14="http://schemas.microsoft.com/office/drawing/2010/main" xmlns:ma14="http://schemas.microsoft.com/office/mac/drawingml/2011/main" val="1"/>
+              <ma14:wrappingTextBoxFlag xmlns:ma14="http://schemas.microsoft.com/office/mac/drawingml/2011/main" xmlns:a14="http://schemas.microsoft.com/office/drawing/2010/main" xmlns:m="http://schemas.openxmlformats.org/officeDocument/2006/math" xmlns="" val="1"/>
             </a:ext>
           </a:extLst>
         </p:spPr>
@@ -7645,7 +7645,7 @@
           </a:ln>
           <a:extLst>
             <a:ext uri="{C572A759-6A51-4108-AA02-DFA0A04FC94B}">
-              <ma14:wrappingTextBoxFlag xmlns="" xmlns:m="http://schemas.openxmlformats.org/officeDocument/2006/math" xmlns:a14="http://schemas.microsoft.com/office/drawing/2010/main" xmlns:ma14="http://schemas.microsoft.com/office/mac/drawingml/2011/main" val="1"/>
+              <ma14:wrappingTextBoxFlag xmlns:ma14="http://schemas.microsoft.com/office/mac/drawingml/2011/main" xmlns:a14="http://schemas.microsoft.com/office/drawing/2010/main" xmlns:m="http://schemas.openxmlformats.org/officeDocument/2006/math" xmlns="" val="1"/>
             </a:ext>
           </a:extLst>
         </p:spPr>
@@ -7702,7 +7702,7 @@
           </a:ln>
           <a:extLst>
             <a:ext uri="{C572A759-6A51-4108-AA02-DFA0A04FC94B}">
-              <ma14:wrappingTextBoxFlag xmlns="" xmlns:m="http://schemas.openxmlformats.org/officeDocument/2006/math" xmlns:a14="http://schemas.microsoft.com/office/drawing/2010/main" xmlns:ma14="http://schemas.microsoft.com/office/mac/drawingml/2011/main" val="1"/>
+              <ma14:wrappingTextBoxFlag xmlns:ma14="http://schemas.microsoft.com/office/mac/drawingml/2011/main" xmlns:a14="http://schemas.microsoft.com/office/drawing/2010/main" xmlns:m="http://schemas.openxmlformats.org/officeDocument/2006/math" xmlns="" val="1"/>
             </a:ext>
           </a:extLst>
         </p:spPr>
@@ -7762,7 +7762,7 @@
           </a:ln>
           <a:extLst>
             <a:ext uri="{C572A759-6A51-4108-AA02-DFA0A04FC94B}">
-              <ma14:wrappingTextBoxFlag xmlns="" xmlns:m="http://schemas.openxmlformats.org/officeDocument/2006/math" xmlns:a14="http://schemas.microsoft.com/office/drawing/2010/main" xmlns:ma14="http://schemas.microsoft.com/office/mac/drawingml/2011/main" val="1"/>
+              <ma14:wrappingTextBoxFlag xmlns:ma14="http://schemas.microsoft.com/office/mac/drawingml/2011/main" xmlns:a14="http://schemas.microsoft.com/office/drawing/2010/main" xmlns:m="http://schemas.openxmlformats.org/officeDocument/2006/math" xmlns="" val="1"/>
             </a:ext>
           </a:extLst>
         </p:spPr>
@@ -7822,7 +7822,7 @@
           </a:ln>
           <a:extLst>
             <a:ext uri="{C572A759-6A51-4108-AA02-DFA0A04FC94B}">
-              <ma14:wrappingTextBoxFlag xmlns="" xmlns:m="http://schemas.openxmlformats.org/officeDocument/2006/math" xmlns:a14="http://schemas.microsoft.com/office/drawing/2010/main" xmlns:ma14="http://schemas.microsoft.com/office/mac/drawingml/2011/main" val="1"/>
+              <ma14:wrappingTextBoxFlag xmlns:ma14="http://schemas.microsoft.com/office/mac/drawingml/2011/main" xmlns:a14="http://schemas.microsoft.com/office/drawing/2010/main" xmlns:m="http://schemas.openxmlformats.org/officeDocument/2006/math" xmlns="" val="1"/>
             </a:ext>
           </a:extLst>
         </p:spPr>
@@ -7882,7 +7882,7 @@
           </a:ln>
           <a:extLst>
             <a:ext uri="{C572A759-6A51-4108-AA02-DFA0A04FC94B}">
-              <ma14:wrappingTextBoxFlag xmlns="" xmlns:m="http://schemas.openxmlformats.org/officeDocument/2006/math" xmlns:a14="http://schemas.microsoft.com/office/drawing/2010/main" xmlns:ma14="http://schemas.microsoft.com/office/mac/drawingml/2011/main" val="1"/>
+              <ma14:wrappingTextBoxFlag xmlns:ma14="http://schemas.microsoft.com/office/mac/drawingml/2011/main" xmlns:a14="http://schemas.microsoft.com/office/drawing/2010/main" xmlns:m="http://schemas.openxmlformats.org/officeDocument/2006/math" xmlns="" val="1"/>
             </a:ext>
           </a:extLst>
         </p:spPr>
@@ -7942,7 +7942,7 @@
           </a:ln>
           <a:extLst>
             <a:ext uri="{C572A759-6A51-4108-AA02-DFA0A04FC94B}">
-              <ma14:wrappingTextBoxFlag xmlns="" xmlns:m="http://schemas.openxmlformats.org/officeDocument/2006/math" xmlns:a14="http://schemas.microsoft.com/office/drawing/2010/main" xmlns:ma14="http://schemas.microsoft.com/office/mac/drawingml/2011/main" val="1"/>
+              <ma14:wrappingTextBoxFlag xmlns:ma14="http://schemas.microsoft.com/office/mac/drawingml/2011/main" xmlns:a14="http://schemas.microsoft.com/office/drawing/2010/main" xmlns:m="http://schemas.openxmlformats.org/officeDocument/2006/math" xmlns="" val="1"/>
             </a:ext>
           </a:extLst>
         </p:spPr>
@@ -8002,7 +8002,7 @@
           </a:ln>
           <a:extLst>
             <a:ext uri="{C572A759-6A51-4108-AA02-DFA0A04FC94B}">
-              <ma14:wrappingTextBoxFlag xmlns="" xmlns:m="http://schemas.openxmlformats.org/officeDocument/2006/math" xmlns:a14="http://schemas.microsoft.com/office/drawing/2010/main" xmlns:ma14="http://schemas.microsoft.com/office/mac/drawingml/2011/main" val="1"/>
+              <ma14:wrappingTextBoxFlag xmlns:ma14="http://schemas.microsoft.com/office/mac/drawingml/2011/main" xmlns:a14="http://schemas.microsoft.com/office/drawing/2010/main" xmlns:m="http://schemas.openxmlformats.org/officeDocument/2006/math" xmlns="" val="1"/>
             </a:ext>
           </a:extLst>
         </p:spPr>
@@ -8062,7 +8062,7 @@
           </a:ln>
           <a:extLst>
             <a:ext uri="{C572A759-6A51-4108-AA02-DFA0A04FC94B}">
-              <ma14:wrappingTextBoxFlag xmlns="" xmlns:m="http://schemas.openxmlformats.org/officeDocument/2006/math" xmlns:a14="http://schemas.microsoft.com/office/drawing/2010/main" xmlns:ma14="http://schemas.microsoft.com/office/mac/drawingml/2011/main" val="1"/>
+              <ma14:wrappingTextBoxFlag xmlns:ma14="http://schemas.microsoft.com/office/mac/drawingml/2011/main" xmlns:a14="http://schemas.microsoft.com/office/drawing/2010/main" xmlns:m="http://schemas.openxmlformats.org/officeDocument/2006/math" xmlns="" val="1"/>
             </a:ext>
           </a:extLst>
         </p:spPr>
@@ -8119,7 +8119,7 @@
           </a:ln>
           <a:extLst>
             <a:ext uri="{C572A759-6A51-4108-AA02-DFA0A04FC94B}">
-              <ma14:wrappingTextBoxFlag xmlns="" xmlns:m="http://schemas.openxmlformats.org/officeDocument/2006/math" xmlns:a14="http://schemas.microsoft.com/office/drawing/2010/main" xmlns:ma14="http://schemas.microsoft.com/office/mac/drawingml/2011/main" val="1"/>
+              <ma14:wrappingTextBoxFlag xmlns:ma14="http://schemas.microsoft.com/office/mac/drawingml/2011/main" xmlns:a14="http://schemas.microsoft.com/office/drawing/2010/main" xmlns:m="http://schemas.openxmlformats.org/officeDocument/2006/math" xmlns="" val="1"/>
             </a:ext>
           </a:extLst>
         </p:spPr>
@@ -8179,7 +8179,7 @@
           </a:ln>
           <a:extLst>
             <a:ext uri="{C572A759-6A51-4108-AA02-DFA0A04FC94B}">
-              <ma14:wrappingTextBoxFlag xmlns="" xmlns:m="http://schemas.openxmlformats.org/officeDocument/2006/math" xmlns:a14="http://schemas.microsoft.com/office/drawing/2010/main" xmlns:ma14="http://schemas.microsoft.com/office/mac/drawingml/2011/main" val="1"/>
+              <ma14:wrappingTextBoxFlag xmlns:ma14="http://schemas.microsoft.com/office/mac/drawingml/2011/main" xmlns:a14="http://schemas.microsoft.com/office/drawing/2010/main" xmlns:m="http://schemas.openxmlformats.org/officeDocument/2006/math" xmlns="" val="1"/>
             </a:ext>
           </a:extLst>
         </p:spPr>
@@ -8239,7 +8239,7 @@
           </a:ln>
           <a:extLst>
             <a:ext uri="{C572A759-6A51-4108-AA02-DFA0A04FC94B}">
-              <ma14:wrappingTextBoxFlag xmlns="" xmlns:m="http://schemas.openxmlformats.org/officeDocument/2006/math" xmlns:a14="http://schemas.microsoft.com/office/drawing/2010/main" xmlns:ma14="http://schemas.microsoft.com/office/mac/drawingml/2011/main" val="1"/>
+              <ma14:wrappingTextBoxFlag xmlns:ma14="http://schemas.microsoft.com/office/mac/drawingml/2011/main" xmlns:a14="http://schemas.microsoft.com/office/drawing/2010/main" xmlns:m="http://schemas.openxmlformats.org/officeDocument/2006/math" xmlns="" val="1"/>
             </a:ext>
           </a:extLst>
         </p:spPr>

--- a/powerpoint template.pptx
+++ b/powerpoint template.pptx
@@ -1045,7 +1045,7 @@
           </a:ln>
           <a:extLst>
             <a:ext uri="{C572A759-6A51-4108-AA02-DFA0A04FC94B}">
-              <ma14:wrappingTextBoxFlag xmlns:ma14="http://schemas.microsoft.com/office/mac/drawingml/2011/main" xmlns:a14="http://schemas.microsoft.com/office/drawing/2010/main" xmlns:m="http://schemas.openxmlformats.org/officeDocument/2006/math" xmlns="" val="1"/>
+              <ma14:wrappingTextBoxFlag xmlns="" xmlns:m="http://schemas.openxmlformats.org/officeDocument/2006/math" xmlns:a14="http://schemas.microsoft.com/office/drawing/2010/main" xmlns:ma14="http://schemas.microsoft.com/office/mac/drawingml/2011/main" val="1"/>
             </a:ext>
           </a:extLst>
         </p:spPr>
@@ -1092,7 +1092,7 @@
           </a:ln>
           <a:extLst>
             <a:ext uri="{C572A759-6A51-4108-AA02-DFA0A04FC94B}">
-              <ma14:wrappingTextBoxFlag xmlns:ma14="http://schemas.microsoft.com/office/mac/drawingml/2011/main" xmlns:a14="http://schemas.microsoft.com/office/drawing/2010/main" xmlns:m="http://schemas.openxmlformats.org/officeDocument/2006/math" xmlns="" val="1"/>
+              <ma14:wrappingTextBoxFlag xmlns="" xmlns:m="http://schemas.openxmlformats.org/officeDocument/2006/math" xmlns:a14="http://schemas.microsoft.com/office/drawing/2010/main" xmlns:ma14="http://schemas.microsoft.com/office/mac/drawingml/2011/main" val="1"/>
             </a:ext>
           </a:extLst>
         </p:spPr>
@@ -1139,7 +1139,7 @@
           </a:ln>
           <a:extLst>
             <a:ext uri="{C572A759-6A51-4108-AA02-DFA0A04FC94B}">
-              <ma14:wrappingTextBoxFlag xmlns:ma14="http://schemas.microsoft.com/office/mac/drawingml/2011/main" xmlns:a14="http://schemas.microsoft.com/office/drawing/2010/main" xmlns:m="http://schemas.openxmlformats.org/officeDocument/2006/math" xmlns="" val="1"/>
+              <ma14:wrappingTextBoxFlag xmlns="" xmlns:m="http://schemas.openxmlformats.org/officeDocument/2006/math" xmlns:a14="http://schemas.microsoft.com/office/drawing/2010/main" xmlns:ma14="http://schemas.microsoft.com/office/mac/drawingml/2011/main" val="1"/>
             </a:ext>
           </a:extLst>
         </p:spPr>
@@ -2620,7 +2620,7 @@
           </a:ln>
           <a:extLst>
             <a:ext uri="{C572A759-6A51-4108-AA02-DFA0A04FC94B}">
-              <ma14:wrappingTextBoxFlag xmlns:ma14="http://schemas.microsoft.com/office/mac/drawingml/2011/main" xmlns:a14="http://schemas.microsoft.com/office/drawing/2010/main" xmlns:m="http://schemas.openxmlformats.org/officeDocument/2006/math" xmlns="" val="1"/>
+              <ma14:wrappingTextBoxFlag xmlns="" xmlns:m="http://schemas.openxmlformats.org/officeDocument/2006/math" xmlns:a14="http://schemas.microsoft.com/office/drawing/2010/main" xmlns:ma14="http://schemas.microsoft.com/office/mac/drawingml/2011/main" val="1"/>
             </a:ext>
           </a:extLst>
         </p:spPr>
@@ -2762,7 +2762,7 @@
           </a:ln>
           <a:extLst>
             <a:ext uri="{C572A759-6A51-4108-AA02-DFA0A04FC94B}">
-              <ma14:wrappingTextBoxFlag xmlns:ma14="http://schemas.microsoft.com/office/mac/drawingml/2011/main" xmlns:a14="http://schemas.microsoft.com/office/drawing/2010/main" xmlns:m="http://schemas.openxmlformats.org/officeDocument/2006/math" xmlns="" val="1"/>
+              <ma14:wrappingTextBoxFlag xmlns="" xmlns:m="http://schemas.openxmlformats.org/officeDocument/2006/math" xmlns:a14="http://schemas.microsoft.com/office/drawing/2010/main" xmlns:ma14="http://schemas.microsoft.com/office/mac/drawingml/2011/main" val="1"/>
             </a:ext>
           </a:extLst>
         </p:spPr>
@@ -2840,7 +2840,7 @@
           </a:ln>
           <a:extLst>
             <a:ext uri="{C572A759-6A51-4108-AA02-DFA0A04FC94B}">
-              <ma14:wrappingTextBoxFlag xmlns:ma14="http://schemas.microsoft.com/office/mac/drawingml/2011/main" xmlns:a14="http://schemas.microsoft.com/office/drawing/2010/main" xmlns:m="http://schemas.openxmlformats.org/officeDocument/2006/math" xmlns="" val="1"/>
+              <ma14:wrappingTextBoxFlag xmlns="" xmlns:m="http://schemas.openxmlformats.org/officeDocument/2006/math" xmlns:a14="http://schemas.microsoft.com/office/drawing/2010/main" xmlns:ma14="http://schemas.microsoft.com/office/mac/drawingml/2011/main" val="1"/>
             </a:ext>
           </a:extLst>
         </p:spPr>
@@ -2887,7 +2887,7 @@
           </a:ln>
           <a:extLst>
             <a:ext uri="{C572A759-6A51-4108-AA02-DFA0A04FC94B}">
-              <ma14:wrappingTextBoxFlag xmlns:ma14="http://schemas.microsoft.com/office/mac/drawingml/2011/main" xmlns:a14="http://schemas.microsoft.com/office/drawing/2010/main" xmlns:m="http://schemas.openxmlformats.org/officeDocument/2006/math" xmlns="" val="1"/>
+              <ma14:wrappingTextBoxFlag xmlns="" xmlns:m="http://schemas.openxmlformats.org/officeDocument/2006/math" xmlns:a14="http://schemas.microsoft.com/office/drawing/2010/main" xmlns:ma14="http://schemas.microsoft.com/office/mac/drawingml/2011/main" val="1"/>
             </a:ext>
           </a:extLst>
         </p:spPr>
@@ -2934,7 +2934,7 @@
           </a:ln>
           <a:extLst>
             <a:ext uri="{C572A759-6A51-4108-AA02-DFA0A04FC94B}">
-              <ma14:wrappingTextBoxFlag xmlns:ma14="http://schemas.microsoft.com/office/mac/drawingml/2011/main" xmlns:a14="http://schemas.microsoft.com/office/drawing/2010/main" xmlns:m="http://schemas.openxmlformats.org/officeDocument/2006/math" xmlns="" val="1"/>
+              <ma14:wrappingTextBoxFlag xmlns="" xmlns:m="http://schemas.openxmlformats.org/officeDocument/2006/math" xmlns:a14="http://schemas.microsoft.com/office/drawing/2010/main" xmlns:ma14="http://schemas.microsoft.com/office/mac/drawingml/2011/main" val="1"/>
             </a:ext>
           </a:extLst>
         </p:spPr>
@@ -2981,7 +2981,7 @@
           </a:ln>
           <a:extLst>
             <a:ext uri="{C572A759-6A51-4108-AA02-DFA0A04FC94B}">
-              <ma14:wrappingTextBoxFlag xmlns:ma14="http://schemas.microsoft.com/office/mac/drawingml/2011/main" xmlns:a14="http://schemas.microsoft.com/office/drawing/2010/main" xmlns:m="http://schemas.openxmlformats.org/officeDocument/2006/math" xmlns="" val="1"/>
+              <ma14:wrappingTextBoxFlag xmlns="" xmlns:m="http://schemas.openxmlformats.org/officeDocument/2006/math" xmlns:a14="http://schemas.microsoft.com/office/drawing/2010/main" xmlns:ma14="http://schemas.microsoft.com/office/mac/drawingml/2011/main" val="1"/>
             </a:ext>
           </a:extLst>
         </p:spPr>
@@ -3028,7 +3028,7 @@
           </a:ln>
           <a:extLst>
             <a:ext uri="{C572A759-6A51-4108-AA02-DFA0A04FC94B}">
-              <ma14:wrappingTextBoxFlag xmlns:ma14="http://schemas.microsoft.com/office/mac/drawingml/2011/main" xmlns:a14="http://schemas.microsoft.com/office/drawing/2010/main" xmlns:m="http://schemas.openxmlformats.org/officeDocument/2006/math" xmlns="" val="1"/>
+              <ma14:wrappingTextBoxFlag xmlns="" xmlns:m="http://schemas.openxmlformats.org/officeDocument/2006/math" xmlns:a14="http://schemas.microsoft.com/office/drawing/2010/main" xmlns:ma14="http://schemas.microsoft.com/office/mac/drawingml/2011/main" val="1"/>
             </a:ext>
           </a:extLst>
         </p:spPr>
@@ -3264,7 +3264,7 @@
           </a:ln>
           <a:extLst>
             <a:ext uri="{C572A759-6A51-4108-AA02-DFA0A04FC94B}">
-              <ma14:wrappingTextBoxFlag xmlns:ma14="http://schemas.microsoft.com/office/mac/drawingml/2011/main" xmlns:a14="http://schemas.microsoft.com/office/drawing/2010/main" xmlns:m="http://schemas.openxmlformats.org/officeDocument/2006/math" xmlns="" val="1"/>
+              <ma14:wrappingTextBoxFlag xmlns="" xmlns:m="http://schemas.openxmlformats.org/officeDocument/2006/math" xmlns:a14="http://schemas.microsoft.com/office/drawing/2010/main" xmlns:ma14="http://schemas.microsoft.com/office/mac/drawingml/2011/main" val="1"/>
             </a:ext>
           </a:extLst>
         </p:spPr>
@@ -3311,7 +3311,7 @@
           </a:ln>
           <a:extLst>
             <a:ext uri="{C572A759-6A51-4108-AA02-DFA0A04FC94B}">
-              <ma14:wrappingTextBoxFlag xmlns:ma14="http://schemas.microsoft.com/office/mac/drawingml/2011/main" xmlns:a14="http://schemas.microsoft.com/office/drawing/2010/main" xmlns:m="http://schemas.openxmlformats.org/officeDocument/2006/math" xmlns="" val="1"/>
+              <ma14:wrappingTextBoxFlag xmlns="" xmlns:m="http://schemas.openxmlformats.org/officeDocument/2006/math" xmlns:a14="http://schemas.microsoft.com/office/drawing/2010/main" xmlns:ma14="http://schemas.microsoft.com/office/mac/drawingml/2011/main" val="1"/>
             </a:ext>
           </a:extLst>
         </p:spPr>
@@ -3503,7 +3503,7 @@
           </a:ln>
           <a:extLst>
             <a:ext uri="{C572A759-6A51-4108-AA02-DFA0A04FC94B}">
-              <ma14:wrappingTextBoxFlag xmlns:ma14="http://schemas.microsoft.com/office/mac/drawingml/2011/main" xmlns:a14="http://schemas.microsoft.com/office/drawing/2010/main" xmlns:m="http://schemas.openxmlformats.org/officeDocument/2006/math" xmlns="" val="1"/>
+              <ma14:wrappingTextBoxFlag xmlns="" xmlns:m="http://schemas.openxmlformats.org/officeDocument/2006/math" xmlns:a14="http://schemas.microsoft.com/office/drawing/2010/main" xmlns:ma14="http://schemas.microsoft.com/office/mac/drawingml/2011/main" val="1"/>
             </a:ext>
           </a:extLst>
         </p:spPr>
@@ -3542,7 +3542,7 @@
           </a:ln>
           <a:extLst>
             <a:ext uri="{C572A759-6A51-4108-AA02-DFA0A04FC94B}">
-              <ma14:wrappingTextBoxFlag xmlns:ma14="http://schemas.microsoft.com/office/mac/drawingml/2011/main" xmlns:a14="http://schemas.microsoft.com/office/drawing/2010/main" xmlns:m="http://schemas.openxmlformats.org/officeDocument/2006/math" xmlns="" val="1"/>
+              <ma14:wrappingTextBoxFlag xmlns="" xmlns:m="http://schemas.openxmlformats.org/officeDocument/2006/math" xmlns:a14="http://schemas.microsoft.com/office/drawing/2010/main" xmlns:ma14="http://schemas.microsoft.com/office/mac/drawingml/2011/main" val="1"/>
             </a:ext>
           </a:extLst>
         </p:spPr>
@@ -4552,7 +4552,7 @@
           </a:ln>
           <a:extLst>
             <a:ext uri="{C572A759-6A51-4108-AA02-DFA0A04FC94B}">
-              <ma14:wrappingTextBoxFlag xmlns:ma14="http://schemas.microsoft.com/office/mac/drawingml/2011/main" xmlns:a14="http://schemas.microsoft.com/office/drawing/2010/main" xmlns:m="http://schemas.openxmlformats.org/officeDocument/2006/math" xmlns="" val="1"/>
+              <ma14:wrappingTextBoxFlag xmlns="" xmlns:m="http://schemas.openxmlformats.org/officeDocument/2006/math" xmlns:a14="http://schemas.microsoft.com/office/drawing/2010/main" xmlns:ma14="http://schemas.microsoft.com/office/mac/drawingml/2011/main" val="1"/>
             </a:ext>
           </a:extLst>
         </p:spPr>
@@ -4694,7 +4694,7 @@
           </a:ln>
           <a:extLst>
             <a:ext uri="{C572A759-6A51-4108-AA02-DFA0A04FC94B}">
-              <ma14:wrappingTextBoxFlag xmlns:ma14="http://schemas.microsoft.com/office/mac/drawingml/2011/main" xmlns:a14="http://schemas.microsoft.com/office/drawing/2010/main" xmlns:m="http://schemas.openxmlformats.org/officeDocument/2006/math" xmlns="" val="1"/>
+              <ma14:wrappingTextBoxFlag xmlns="" xmlns:m="http://schemas.openxmlformats.org/officeDocument/2006/math" xmlns:a14="http://schemas.microsoft.com/office/drawing/2010/main" xmlns:ma14="http://schemas.microsoft.com/office/mac/drawingml/2011/main" val="1"/>
             </a:ext>
           </a:extLst>
         </p:spPr>
@@ -4741,7 +4741,7 @@
           </a:ln>
           <a:extLst>
             <a:ext uri="{C572A759-6A51-4108-AA02-DFA0A04FC94B}">
-              <ma14:wrappingTextBoxFlag xmlns:ma14="http://schemas.microsoft.com/office/mac/drawingml/2011/main" xmlns:a14="http://schemas.microsoft.com/office/drawing/2010/main" xmlns:m="http://schemas.openxmlformats.org/officeDocument/2006/math" xmlns="" val="1"/>
+              <ma14:wrappingTextBoxFlag xmlns="" xmlns:m="http://schemas.openxmlformats.org/officeDocument/2006/math" xmlns:a14="http://schemas.microsoft.com/office/drawing/2010/main" xmlns:ma14="http://schemas.microsoft.com/office/mac/drawingml/2011/main" val="1"/>
             </a:ext>
           </a:extLst>
         </p:spPr>
@@ -4788,7 +4788,7 @@
           </a:ln>
           <a:extLst>
             <a:ext uri="{C572A759-6A51-4108-AA02-DFA0A04FC94B}">
-              <ma14:wrappingTextBoxFlag xmlns:ma14="http://schemas.microsoft.com/office/mac/drawingml/2011/main" xmlns:a14="http://schemas.microsoft.com/office/drawing/2010/main" xmlns:m="http://schemas.openxmlformats.org/officeDocument/2006/math" xmlns="" val="1"/>
+              <ma14:wrappingTextBoxFlag xmlns="" xmlns:m="http://schemas.openxmlformats.org/officeDocument/2006/math" xmlns:a14="http://schemas.microsoft.com/office/drawing/2010/main" xmlns:ma14="http://schemas.microsoft.com/office/mac/drawingml/2011/main" val="1"/>
             </a:ext>
           </a:extLst>
         </p:spPr>
@@ -4835,7 +4835,7 @@
           </a:ln>
           <a:extLst>
             <a:ext uri="{C572A759-6A51-4108-AA02-DFA0A04FC94B}">
-              <ma14:wrappingTextBoxFlag xmlns:ma14="http://schemas.microsoft.com/office/mac/drawingml/2011/main" xmlns:a14="http://schemas.microsoft.com/office/drawing/2010/main" xmlns:m="http://schemas.openxmlformats.org/officeDocument/2006/math" xmlns="" val="1"/>
+              <ma14:wrappingTextBoxFlag xmlns="" xmlns:m="http://schemas.openxmlformats.org/officeDocument/2006/math" xmlns:a14="http://schemas.microsoft.com/office/drawing/2010/main" xmlns:ma14="http://schemas.microsoft.com/office/mac/drawingml/2011/main" val="1"/>
             </a:ext>
           </a:extLst>
         </p:spPr>
@@ -4882,7 +4882,7 @@
           </a:ln>
           <a:extLst>
             <a:ext uri="{C572A759-6A51-4108-AA02-DFA0A04FC94B}">
-              <ma14:wrappingTextBoxFlag xmlns:ma14="http://schemas.microsoft.com/office/mac/drawingml/2011/main" xmlns:a14="http://schemas.microsoft.com/office/drawing/2010/main" xmlns:m="http://schemas.openxmlformats.org/officeDocument/2006/math" xmlns="" val="1"/>
+              <ma14:wrappingTextBoxFlag xmlns="" xmlns:m="http://schemas.openxmlformats.org/officeDocument/2006/math" xmlns:a14="http://schemas.microsoft.com/office/drawing/2010/main" xmlns:ma14="http://schemas.microsoft.com/office/mac/drawingml/2011/main" val="1"/>
             </a:ext>
           </a:extLst>
         </p:spPr>
@@ -4929,7 +4929,7 @@
           </a:ln>
           <a:extLst>
             <a:ext uri="{C572A759-6A51-4108-AA02-DFA0A04FC94B}">
-              <ma14:wrappingTextBoxFlag xmlns:ma14="http://schemas.microsoft.com/office/mac/drawingml/2011/main" xmlns:a14="http://schemas.microsoft.com/office/drawing/2010/main" xmlns:m="http://schemas.openxmlformats.org/officeDocument/2006/math" xmlns="" val="1"/>
+              <ma14:wrappingTextBoxFlag xmlns="" xmlns:m="http://schemas.openxmlformats.org/officeDocument/2006/math" xmlns:a14="http://schemas.microsoft.com/office/drawing/2010/main" xmlns:ma14="http://schemas.microsoft.com/office/mac/drawingml/2011/main" val="1"/>
             </a:ext>
           </a:extLst>
         </p:spPr>
@@ -5101,7 +5101,7 @@
           </a:ln>
           <a:extLst>
             <a:ext uri="{C572A759-6A51-4108-AA02-DFA0A04FC94B}">
-              <ma14:wrappingTextBoxFlag xmlns:ma14="http://schemas.microsoft.com/office/mac/drawingml/2011/main" xmlns:a14="http://schemas.microsoft.com/office/drawing/2010/main" xmlns:m="http://schemas.openxmlformats.org/officeDocument/2006/math" xmlns="" val="1"/>
+              <ma14:wrappingTextBoxFlag xmlns="" xmlns:m="http://schemas.openxmlformats.org/officeDocument/2006/math" xmlns:a14="http://schemas.microsoft.com/office/drawing/2010/main" xmlns:ma14="http://schemas.microsoft.com/office/mac/drawingml/2011/main" val="1"/>
             </a:ext>
           </a:extLst>
         </p:spPr>
@@ -5184,7 +5184,7 @@
         <p:spPr>
           <a:xfrm>
             <a:off x="272520" y="4082400"/>
-            <a:ext cx="2235546" cy="276999"/>
+            <a:ext cx="3815660" cy="276999"/>
           </a:xfrm>
           <a:prstGeom prst="rect">
             <a:avLst/>
@@ -5194,12 +5194,12 @@
           </a:ln>
           <a:extLst>
             <a:ext uri="{C572A759-6A51-4108-AA02-DFA0A04FC94B}">
-              <ma14:wrappingTextBoxFlag xmlns:ma14="http://schemas.microsoft.com/office/mac/drawingml/2011/main" xmlns:a14="http://schemas.microsoft.com/office/drawing/2010/main" xmlns:m="http://schemas.openxmlformats.org/officeDocument/2006/math" xmlns="" val="1"/>
+              <ma14:wrappingTextBoxFlag xmlns="" xmlns:m="http://schemas.openxmlformats.org/officeDocument/2006/math" xmlns:a14="http://schemas.microsoft.com/office/drawing/2010/main" xmlns:ma14="http://schemas.microsoft.com/office/mac/drawingml/2011/main" val="1"/>
             </a:ext>
           </a:extLst>
         </p:spPr>
         <p:txBody>
-          <a:bodyPr wrap="none" lIns="45719" rIns="45719">
+          <a:bodyPr wrap="square" lIns="45719" rIns="45719">
             <a:spAutoFit/>
           </a:bodyPr>
           <a:lstStyle>
@@ -5245,7 +5245,7 @@
           </a:ln>
           <a:extLst>
             <a:ext uri="{C572A759-6A51-4108-AA02-DFA0A04FC94B}">
-              <ma14:wrappingTextBoxFlag xmlns:ma14="http://schemas.microsoft.com/office/mac/drawingml/2011/main" xmlns:a14="http://schemas.microsoft.com/office/drawing/2010/main" xmlns:m="http://schemas.openxmlformats.org/officeDocument/2006/math" xmlns="" val="1"/>
+              <ma14:wrappingTextBoxFlag xmlns="" xmlns:m="http://schemas.openxmlformats.org/officeDocument/2006/math" xmlns:a14="http://schemas.microsoft.com/office/drawing/2010/main" xmlns:ma14="http://schemas.microsoft.com/office/mac/drawingml/2011/main" val="1"/>
             </a:ext>
           </a:extLst>
         </p:spPr>
@@ -5297,7 +5297,7 @@
           </a:ln>
           <a:extLst>
             <a:ext uri="{C572A759-6A51-4108-AA02-DFA0A04FC94B}">
-              <ma14:wrappingTextBoxFlag xmlns:ma14="http://schemas.microsoft.com/office/mac/drawingml/2011/main" xmlns:a14="http://schemas.microsoft.com/office/drawing/2010/main" xmlns:m="http://schemas.openxmlformats.org/officeDocument/2006/math" xmlns="" val="1"/>
+              <ma14:wrappingTextBoxFlag xmlns="" xmlns:m="http://schemas.openxmlformats.org/officeDocument/2006/math" xmlns:a14="http://schemas.microsoft.com/office/drawing/2010/main" xmlns:ma14="http://schemas.microsoft.com/office/mac/drawingml/2011/main" val="1"/>
             </a:ext>
           </a:extLst>
         </p:spPr>
@@ -5349,7 +5349,7 @@
           </a:ln>
           <a:extLst>
             <a:ext uri="{C572A759-6A51-4108-AA02-DFA0A04FC94B}">
-              <ma14:wrappingTextBoxFlag xmlns:ma14="http://schemas.microsoft.com/office/mac/drawingml/2011/main" xmlns:a14="http://schemas.microsoft.com/office/drawing/2010/main" xmlns:m="http://schemas.openxmlformats.org/officeDocument/2006/math" xmlns="" val="1"/>
+              <ma14:wrappingTextBoxFlag xmlns="" xmlns:m="http://schemas.openxmlformats.org/officeDocument/2006/math" xmlns:a14="http://schemas.microsoft.com/office/drawing/2010/main" xmlns:ma14="http://schemas.microsoft.com/office/mac/drawingml/2011/main" val="1"/>
             </a:ext>
           </a:extLst>
         </p:spPr>
@@ -5401,7 +5401,7 @@
           </a:ln>
           <a:extLst>
             <a:ext uri="{C572A759-6A51-4108-AA02-DFA0A04FC94B}">
-              <ma14:wrappingTextBoxFlag xmlns:ma14="http://schemas.microsoft.com/office/mac/drawingml/2011/main" xmlns:a14="http://schemas.microsoft.com/office/drawing/2010/main" xmlns:m="http://schemas.openxmlformats.org/officeDocument/2006/math" xmlns="" val="1"/>
+              <ma14:wrappingTextBoxFlag xmlns="" xmlns:m="http://schemas.openxmlformats.org/officeDocument/2006/math" xmlns:a14="http://schemas.microsoft.com/office/drawing/2010/main" xmlns:ma14="http://schemas.microsoft.com/office/mac/drawingml/2011/main" val="1"/>
             </a:ext>
           </a:extLst>
         </p:spPr>
@@ -5453,7 +5453,7 @@
           </a:ln>
           <a:extLst>
             <a:ext uri="{C572A759-6A51-4108-AA02-DFA0A04FC94B}">
-              <ma14:wrappingTextBoxFlag xmlns:ma14="http://schemas.microsoft.com/office/mac/drawingml/2011/main" xmlns:a14="http://schemas.microsoft.com/office/drawing/2010/main" xmlns:m="http://schemas.openxmlformats.org/officeDocument/2006/math" xmlns="" val="1"/>
+              <ma14:wrappingTextBoxFlag xmlns="" xmlns:m="http://schemas.openxmlformats.org/officeDocument/2006/math" xmlns:a14="http://schemas.microsoft.com/office/drawing/2010/main" xmlns:ma14="http://schemas.microsoft.com/office/mac/drawingml/2011/main" val="1"/>
             </a:ext>
           </a:extLst>
         </p:spPr>
@@ -5582,7 +5582,7 @@
           </a:ln>
           <a:extLst>
             <a:ext uri="{C572A759-6A51-4108-AA02-DFA0A04FC94B}">
-              <ma14:wrappingTextBoxFlag xmlns:ma14="http://schemas.microsoft.com/office/mac/drawingml/2011/main" xmlns:a14="http://schemas.microsoft.com/office/drawing/2010/main" xmlns:m="http://schemas.openxmlformats.org/officeDocument/2006/math" xmlns="" val="1"/>
+              <ma14:wrappingTextBoxFlag xmlns="" xmlns:m="http://schemas.openxmlformats.org/officeDocument/2006/math" xmlns:a14="http://schemas.microsoft.com/office/drawing/2010/main" xmlns:ma14="http://schemas.microsoft.com/office/mac/drawingml/2011/main" val="1"/>
             </a:ext>
           </a:extLst>
         </p:spPr>
@@ -5630,7 +5630,7 @@
           </a:ln>
           <a:extLst>
             <a:ext uri="{C572A759-6A51-4108-AA02-DFA0A04FC94B}">
-              <ma14:wrappingTextBoxFlag xmlns:ma14="http://schemas.microsoft.com/office/mac/drawingml/2011/main" xmlns:a14="http://schemas.microsoft.com/office/drawing/2010/main" xmlns:m="http://schemas.openxmlformats.org/officeDocument/2006/math" xmlns="" val="1"/>
+              <ma14:wrappingTextBoxFlag xmlns="" xmlns:m="http://schemas.openxmlformats.org/officeDocument/2006/math" xmlns:a14="http://schemas.microsoft.com/office/drawing/2010/main" xmlns:ma14="http://schemas.microsoft.com/office/mac/drawingml/2011/main" val="1"/>
             </a:ext>
           </a:extLst>
         </p:spPr>
@@ -5678,7 +5678,7 @@
           </a:ln>
           <a:extLst>
             <a:ext uri="{C572A759-6A51-4108-AA02-DFA0A04FC94B}">
-              <ma14:wrappingTextBoxFlag xmlns:ma14="http://schemas.microsoft.com/office/mac/drawingml/2011/main" xmlns:a14="http://schemas.microsoft.com/office/drawing/2010/main" xmlns:m="http://schemas.openxmlformats.org/officeDocument/2006/math" xmlns="" val="1"/>
+              <ma14:wrappingTextBoxFlag xmlns="" xmlns:m="http://schemas.openxmlformats.org/officeDocument/2006/math" xmlns:a14="http://schemas.microsoft.com/office/drawing/2010/main" xmlns:ma14="http://schemas.microsoft.com/office/mac/drawingml/2011/main" val="1"/>
             </a:ext>
           </a:extLst>
         </p:spPr>
@@ -5726,7 +5726,7 @@
           </a:ln>
           <a:extLst>
             <a:ext uri="{C572A759-6A51-4108-AA02-DFA0A04FC94B}">
-              <ma14:wrappingTextBoxFlag xmlns:ma14="http://schemas.microsoft.com/office/mac/drawingml/2011/main" xmlns:a14="http://schemas.microsoft.com/office/drawing/2010/main" xmlns:m="http://schemas.openxmlformats.org/officeDocument/2006/math" xmlns="" val="1"/>
+              <ma14:wrappingTextBoxFlag xmlns="" xmlns:m="http://schemas.openxmlformats.org/officeDocument/2006/math" xmlns:a14="http://schemas.microsoft.com/office/drawing/2010/main" xmlns:ma14="http://schemas.microsoft.com/office/mac/drawingml/2011/main" val="1"/>
             </a:ext>
           </a:extLst>
         </p:spPr>
@@ -5774,7 +5774,7 @@
           </a:ln>
           <a:extLst>
             <a:ext uri="{C572A759-6A51-4108-AA02-DFA0A04FC94B}">
-              <ma14:wrappingTextBoxFlag xmlns:ma14="http://schemas.microsoft.com/office/mac/drawingml/2011/main" xmlns:a14="http://schemas.microsoft.com/office/drawing/2010/main" xmlns:m="http://schemas.openxmlformats.org/officeDocument/2006/math" xmlns="" val="1"/>
+              <ma14:wrappingTextBoxFlag xmlns="" xmlns:m="http://schemas.openxmlformats.org/officeDocument/2006/math" xmlns:a14="http://schemas.microsoft.com/office/drawing/2010/main" xmlns:ma14="http://schemas.microsoft.com/office/mac/drawingml/2011/main" val="1"/>
             </a:ext>
           </a:extLst>
         </p:spPr>
@@ -5822,7 +5822,7 @@
           </a:ln>
           <a:extLst>
             <a:ext uri="{C572A759-6A51-4108-AA02-DFA0A04FC94B}">
-              <ma14:wrappingTextBoxFlag xmlns:ma14="http://schemas.microsoft.com/office/mac/drawingml/2011/main" xmlns:a14="http://schemas.microsoft.com/office/drawing/2010/main" xmlns:m="http://schemas.openxmlformats.org/officeDocument/2006/math" xmlns="" val="1"/>
+              <ma14:wrappingTextBoxFlag xmlns="" xmlns:m="http://schemas.openxmlformats.org/officeDocument/2006/math" xmlns:a14="http://schemas.microsoft.com/office/drawing/2010/main" xmlns:ma14="http://schemas.microsoft.com/office/mac/drawingml/2011/main" val="1"/>
             </a:ext>
           </a:extLst>
         </p:spPr>
@@ -5870,7 +5870,7 @@
           </a:ln>
           <a:extLst>
             <a:ext uri="{C572A759-6A51-4108-AA02-DFA0A04FC94B}">
-              <ma14:wrappingTextBoxFlag xmlns:ma14="http://schemas.microsoft.com/office/mac/drawingml/2011/main" xmlns:a14="http://schemas.microsoft.com/office/drawing/2010/main" xmlns:m="http://schemas.openxmlformats.org/officeDocument/2006/math" xmlns="" val="1"/>
+              <ma14:wrappingTextBoxFlag xmlns="" xmlns:m="http://schemas.openxmlformats.org/officeDocument/2006/math" xmlns:a14="http://schemas.microsoft.com/office/drawing/2010/main" xmlns:ma14="http://schemas.microsoft.com/office/mac/drawingml/2011/main" val="1"/>
             </a:ext>
           </a:extLst>
         </p:spPr>
@@ -5918,7 +5918,7 @@
           </a:ln>
           <a:extLst>
             <a:ext uri="{C572A759-6A51-4108-AA02-DFA0A04FC94B}">
-              <ma14:wrappingTextBoxFlag xmlns:ma14="http://schemas.microsoft.com/office/mac/drawingml/2011/main" xmlns:a14="http://schemas.microsoft.com/office/drawing/2010/main" xmlns:m="http://schemas.openxmlformats.org/officeDocument/2006/math" xmlns="" val="1"/>
+              <ma14:wrappingTextBoxFlag xmlns="" xmlns:m="http://schemas.openxmlformats.org/officeDocument/2006/math" xmlns:a14="http://schemas.microsoft.com/office/drawing/2010/main" xmlns:ma14="http://schemas.microsoft.com/office/mac/drawingml/2011/main" val="1"/>
             </a:ext>
           </a:extLst>
         </p:spPr>
@@ -5966,7 +5966,7 @@
           </a:ln>
           <a:extLst>
             <a:ext uri="{C572A759-6A51-4108-AA02-DFA0A04FC94B}">
-              <ma14:wrappingTextBoxFlag xmlns:ma14="http://schemas.microsoft.com/office/mac/drawingml/2011/main" xmlns:a14="http://schemas.microsoft.com/office/drawing/2010/main" xmlns:m="http://schemas.openxmlformats.org/officeDocument/2006/math" xmlns="" val="1"/>
+              <ma14:wrappingTextBoxFlag xmlns="" xmlns:m="http://schemas.openxmlformats.org/officeDocument/2006/math" xmlns:a14="http://schemas.microsoft.com/office/drawing/2010/main" xmlns:ma14="http://schemas.microsoft.com/office/mac/drawingml/2011/main" val="1"/>
             </a:ext>
           </a:extLst>
         </p:spPr>
@@ -6014,7 +6014,7 @@
           </a:ln>
           <a:extLst>
             <a:ext uri="{C572A759-6A51-4108-AA02-DFA0A04FC94B}">
-              <ma14:wrappingTextBoxFlag xmlns:ma14="http://schemas.microsoft.com/office/mac/drawingml/2011/main" xmlns:a14="http://schemas.microsoft.com/office/drawing/2010/main" xmlns:m="http://schemas.openxmlformats.org/officeDocument/2006/math" xmlns="" val="1"/>
+              <ma14:wrappingTextBoxFlag xmlns="" xmlns:m="http://schemas.openxmlformats.org/officeDocument/2006/math" xmlns:a14="http://schemas.microsoft.com/office/drawing/2010/main" xmlns:ma14="http://schemas.microsoft.com/office/mac/drawingml/2011/main" val="1"/>
             </a:ext>
           </a:extLst>
         </p:spPr>
@@ -6062,7 +6062,7 @@
           </a:ln>
           <a:extLst>
             <a:ext uri="{C572A759-6A51-4108-AA02-DFA0A04FC94B}">
-              <ma14:wrappingTextBoxFlag xmlns:ma14="http://schemas.microsoft.com/office/mac/drawingml/2011/main" xmlns:a14="http://schemas.microsoft.com/office/drawing/2010/main" xmlns:m="http://schemas.openxmlformats.org/officeDocument/2006/math" xmlns="" val="1"/>
+              <ma14:wrappingTextBoxFlag xmlns="" xmlns:m="http://schemas.openxmlformats.org/officeDocument/2006/math" xmlns:a14="http://schemas.microsoft.com/office/drawing/2010/main" xmlns:ma14="http://schemas.microsoft.com/office/mac/drawingml/2011/main" val="1"/>
             </a:ext>
           </a:extLst>
         </p:spPr>
@@ -6104,7 +6104,7 @@
           </a:ln>
           <a:extLst>
             <a:ext uri="{C572A759-6A51-4108-AA02-DFA0A04FC94B}">
-              <ma14:wrappingTextBoxFlag xmlns:ma14="http://schemas.microsoft.com/office/mac/drawingml/2011/main" xmlns:a14="http://schemas.microsoft.com/office/drawing/2010/main" xmlns:m="http://schemas.openxmlformats.org/officeDocument/2006/math" xmlns="" val="1"/>
+              <ma14:wrappingTextBoxFlag xmlns="" xmlns:m="http://schemas.openxmlformats.org/officeDocument/2006/math" xmlns:a14="http://schemas.microsoft.com/office/drawing/2010/main" xmlns:ma14="http://schemas.microsoft.com/office/mac/drawingml/2011/main" val="1"/>
             </a:ext>
           </a:extLst>
         </p:spPr>
@@ -7383,7 +7383,7 @@
           </a:ln>
           <a:extLst>
             <a:ext uri="{C572A759-6A51-4108-AA02-DFA0A04FC94B}">
-              <ma14:wrappingTextBoxFlag xmlns:ma14="http://schemas.microsoft.com/office/mac/drawingml/2011/main" xmlns:a14="http://schemas.microsoft.com/office/drawing/2010/main" xmlns:m="http://schemas.openxmlformats.org/officeDocument/2006/math" xmlns="" val="1"/>
+              <ma14:wrappingTextBoxFlag xmlns="" xmlns:m="http://schemas.openxmlformats.org/officeDocument/2006/math" xmlns:a14="http://schemas.microsoft.com/office/drawing/2010/main" xmlns:ma14="http://schemas.microsoft.com/office/mac/drawingml/2011/main" val="1"/>
             </a:ext>
           </a:extLst>
         </p:spPr>
@@ -7440,7 +7440,7 @@
           </a:ln>
           <a:extLst>
             <a:ext uri="{C572A759-6A51-4108-AA02-DFA0A04FC94B}">
-              <ma14:wrappingTextBoxFlag xmlns:ma14="http://schemas.microsoft.com/office/mac/drawingml/2011/main" xmlns:a14="http://schemas.microsoft.com/office/drawing/2010/main" xmlns:m="http://schemas.openxmlformats.org/officeDocument/2006/math" xmlns="" val="1"/>
+              <ma14:wrappingTextBoxFlag xmlns="" xmlns:m="http://schemas.openxmlformats.org/officeDocument/2006/math" xmlns:a14="http://schemas.microsoft.com/office/drawing/2010/main" xmlns:ma14="http://schemas.microsoft.com/office/mac/drawingml/2011/main" val="1"/>
             </a:ext>
           </a:extLst>
         </p:spPr>
@@ -7497,7 +7497,7 @@
           </a:ln>
           <a:extLst>
             <a:ext uri="{C572A759-6A51-4108-AA02-DFA0A04FC94B}">
-              <ma14:wrappingTextBoxFlag xmlns:ma14="http://schemas.microsoft.com/office/mac/drawingml/2011/main" xmlns:a14="http://schemas.microsoft.com/office/drawing/2010/main" xmlns:m="http://schemas.openxmlformats.org/officeDocument/2006/math" xmlns="" val="1"/>
+              <ma14:wrappingTextBoxFlag xmlns="" xmlns:m="http://schemas.openxmlformats.org/officeDocument/2006/math" xmlns:a14="http://schemas.microsoft.com/office/drawing/2010/main" xmlns:ma14="http://schemas.microsoft.com/office/mac/drawingml/2011/main" val="1"/>
             </a:ext>
           </a:extLst>
         </p:spPr>
@@ -7587,7 +7587,7 @@
           </a:ln>
           <a:extLst>
             <a:ext uri="{C572A759-6A51-4108-AA02-DFA0A04FC94B}">
-              <ma14:wrappingTextBoxFlag xmlns:ma14="http://schemas.microsoft.com/office/mac/drawingml/2011/main" xmlns:a14="http://schemas.microsoft.com/office/drawing/2010/main" xmlns:m="http://schemas.openxmlformats.org/officeDocument/2006/math" xmlns="" val="1"/>
+              <ma14:wrappingTextBoxFlag xmlns="" xmlns:m="http://schemas.openxmlformats.org/officeDocument/2006/math" xmlns:a14="http://schemas.microsoft.com/office/drawing/2010/main" xmlns:ma14="http://schemas.microsoft.com/office/mac/drawingml/2011/main" val="1"/>
             </a:ext>
           </a:extLst>
         </p:spPr>
@@ -7645,7 +7645,7 @@
           </a:ln>
           <a:extLst>
             <a:ext uri="{C572A759-6A51-4108-AA02-DFA0A04FC94B}">
-              <ma14:wrappingTextBoxFlag xmlns:ma14="http://schemas.microsoft.com/office/mac/drawingml/2011/main" xmlns:a14="http://schemas.microsoft.com/office/drawing/2010/main" xmlns:m="http://schemas.openxmlformats.org/officeDocument/2006/math" xmlns="" val="1"/>
+              <ma14:wrappingTextBoxFlag xmlns="" xmlns:m="http://schemas.openxmlformats.org/officeDocument/2006/math" xmlns:a14="http://schemas.microsoft.com/office/drawing/2010/main" xmlns:ma14="http://schemas.microsoft.com/office/mac/drawingml/2011/main" val="1"/>
             </a:ext>
           </a:extLst>
         </p:spPr>
@@ -7702,7 +7702,7 @@
           </a:ln>
           <a:extLst>
             <a:ext uri="{C572A759-6A51-4108-AA02-DFA0A04FC94B}">
-              <ma14:wrappingTextBoxFlag xmlns:ma14="http://schemas.microsoft.com/office/mac/drawingml/2011/main" xmlns:a14="http://schemas.microsoft.com/office/drawing/2010/main" xmlns:m="http://schemas.openxmlformats.org/officeDocument/2006/math" xmlns="" val="1"/>
+              <ma14:wrappingTextBoxFlag xmlns="" xmlns:m="http://schemas.openxmlformats.org/officeDocument/2006/math" xmlns:a14="http://schemas.microsoft.com/office/drawing/2010/main" xmlns:ma14="http://schemas.microsoft.com/office/mac/drawingml/2011/main" val="1"/>
             </a:ext>
           </a:extLst>
         </p:spPr>
@@ -7762,7 +7762,7 @@
           </a:ln>
           <a:extLst>
             <a:ext uri="{C572A759-6A51-4108-AA02-DFA0A04FC94B}">
-              <ma14:wrappingTextBoxFlag xmlns:ma14="http://schemas.microsoft.com/office/mac/drawingml/2011/main" xmlns:a14="http://schemas.microsoft.com/office/drawing/2010/main" xmlns:m="http://schemas.openxmlformats.org/officeDocument/2006/math" xmlns="" val="1"/>
+              <ma14:wrappingTextBoxFlag xmlns="" xmlns:m="http://schemas.openxmlformats.org/officeDocument/2006/math" xmlns:a14="http://schemas.microsoft.com/office/drawing/2010/main" xmlns:ma14="http://schemas.microsoft.com/office/mac/drawingml/2011/main" val="1"/>
             </a:ext>
           </a:extLst>
         </p:spPr>
@@ -7790,483 +7790,6 @@
             <a:r>
               <a:rPr lang="nl-NL"/>
               <a:t>{{A24/25}}</a:t>
-            </a:r>
-          </a:p>
-          <a:p>
-            <a:endParaRPr/>
-          </a:p>
-        </p:txBody>
-      </p:sp>
-      <p:sp>
-        <p:nvSpPr>
-          <p:cNvPr id="36" name="TextBox 73">
-            <a:extLst>
-              <a:ext uri="{FF2B5EF4-FFF2-40B4-BE49-F238E27FC236}">
-                <a16:creationId xmlns:a16="http://schemas.microsoft.com/office/drawing/2014/main" id="{1D943C90-0A0D-5AEE-FD32-C472C13C4E6E}"/>
-              </a:ext>
-            </a:extLst>
-          </p:cNvPr>
-          <p:cNvSpPr txBox="1"/>
-          <p:nvPr/>
-        </p:nvSpPr>
-        <p:spPr>
-          <a:xfrm>
-            <a:off x="3194210" y="4716249"/>
-            <a:ext cx="755972" cy="615549"/>
-          </a:xfrm>
-          <a:prstGeom prst="rect">
-            <a:avLst/>
-          </a:prstGeom>
-          <a:ln w="12700">
-            <a:miter lim="400000"/>
-          </a:ln>
-          <a:extLst>
-            <a:ext uri="{C572A759-6A51-4108-AA02-DFA0A04FC94B}">
-              <ma14:wrappingTextBoxFlag xmlns:ma14="http://schemas.microsoft.com/office/mac/drawingml/2011/main" xmlns:a14="http://schemas.microsoft.com/office/drawing/2010/main" xmlns:m="http://schemas.openxmlformats.org/officeDocument/2006/math" xmlns="" val="1"/>
-            </a:ext>
-          </a:extLst>
-        </p:spPr>
-        <p:txBody>
-          <a:bodyPr wrap="none" lIns="45718" tIns="45718" rIns="45718" bIns="45718">
-            <a:spAutoFit/>
-          </a:bodyPr>
-          <a:lstStyle>
-            <a:lvl1pPr algn="ctr">
-              <a:spcBef>
-                <a:spcPts val="1200"/>
-              </a:spcBef>
-              <a:defRPr sz="1200">
-                <a:solidFill>
-                  <a:srgbClr val="FFFFFF"/>
-                </a:solidFill>
-                <a:latin typeface="Avenir Next Regular"/>
-                <a:ea typeface="Avenir Next Regular"/>
-                <a:cs typeface="Avenir Next Regular"/>
-                <a:sym typeface="Avenir Next Regular"/>
-              </a:defRPr>
-            </a:lvl1pPr>
-          </a:lstStyle>
-          <a:p>
-            <a:r>
-              <a:rPr lang="nl-NL"/>
-              <a:t>{{G23/24}}</a:t>
-            </a:r>
-          </a:p>
-          <a:p>
-            <a:endParaRPr/>
-          </a:p>
-        </p:txBody>
-      </p:sp>
-      <p:sp>
-        <p:nvSpPr>
-          <p:cNvPr id="37" name="TextBox 74">
-            <a:extLst>
-              <a:ext uri="{FF2B5EF4-FFF2-40B4-BE49-F238E27FC236}">
-                <a16:creationId xmlns:a16="http://schemas.microsoft.com/office/drawing/2014/main" id="{122C9079-3B49-943B-C654-FE9BA52B87C0}"/>
-              </a:ext>
-            </a:extLst>
-          </p:cNvPr>
-          <p:cNvSpPr txBox="1"/>
-          <p:nvPr/>
-        </p:nvSpPr>
-        <p:spPr>
-          <a:xfrm>
-            <a:off x="4105011" y="4716249"/>
-            <a:ext cx="755972" cy="615549"/>
-          </a:xfrm>
-          <a:prstGeom prst="rect">
-            <a:avLst/>
-          </a:prstGeom>
-          <a:ln w="12700">
-            <a:miter lim="400000"/>
-          </a:ln>
-          <a:extLst>
-            <a:ext uri="{C572A759-6A51-4108-AA02-DFA0A04FC94B}">
-              <ma14:wrappingTextBoxFlag xmlns:ma14="http://schemas.microsoft.com/office/mac/drawingml/2011/main" xmlns:a14="http://schemas.microsoft.com/office/drawing/2010/main" xmlns:m="http://schemas.openxmlformats.org/officeDocument/2006/math" xmlns="" val="1"/>
-            </a:ext>
-          </a:extLst>
-        </p:spPr>
-        <p:txBody>
-          <a:bodyPr wrap="none" lIns="45718" tIns="45718" rIns="45718" bIns="45718">
-            <a:spAutoFit/>
-          </a:bodyPr>
-          <a:lstStyle>
-            <a:lvl1pPr algn="ctr">
-              <a:spcBef>
-                <a:spcPts val="1200"/>
-              </a:spcBef>
-              <a:defRPr sz="1200">
-                <a:solidFill>
-                  <a:srgbClr val="FFFFFF"/>
-                </a:solidFill>
-                <a:latin typeface="Avenir Next Regular"/>
-                <a:ea typeface="Avenir Next Regular"/>
-                <a:cs typeface="Avenir Next Regular"/>
-                <a:sym typeface="Avenir Next Regular"/>
-              </a:defRPr>
-            </a:lvl1pPr>
-          </a:lstStyle>
-          <a:p>
-            <a:r>
-              <a:rPr lang="nl-NL"/>
-              <a:t>{{G23/24}}</a:t>
-            </a:r>
-          </a:p>
-          <a:p>
-            <a:endParaRPr/>
-          </a:p>
-        </p:txBody>
-      </p:sp>
-      <p:sp>
-        <p:nvSpPr>
-          <p:cNvPr id="38" name="TextBox 75">
-            <a:extLst>
-              <a:ext uri="{FF2B5EF4-FFF2-40B4-BE49-F238E27FC236}">
-                <a16:creationId xmlns:a16="http://schemas.microsoft.com/office/drawing/2014/main" id="{0DF7A233-D532-35F6-43F9-AC9D9702F216}"/>
-              </a:ext>
-            </a:extLst>
-          </p:cNvPr>
-          <p:cNvSpPr txBox="1"/>
-          <p:nvPr/>
-        </p:nvSpPr>
-        <p:spPr>
-          <a:xfrm>
-            <a:off x="5022115" y="4716249"/>
-            <a:ext cx="858564" cy="615549"/>
-          </a:xfrm>
-          <a:prstGeom prst="rect">
-            <a:avLst/>
-          </a:prstGeom>
-          <a:ln w="12700">
-            <a:miter lim="400000"/>
-          </a:ln>
-          <a:extLst>
-            <a:ext uri="{C572A759-6A51-4108-AA02-DFA0A04FC94B}">
-              <ma14:wrappingTextBoxFlag xmlns:ma14="http://schemas.microsoft.com/office/mac/drawingml/2011/main" xmlns:a14="http://schemas.microsoft.com/office/drawing/2010/main" xmlns:m="http://schemas.openxmlformats.org/officeDocument/2006/math" xmlns="" val="1"/>
-            </a:ext>
-          </a:extLst>
-        </p:spPr>
-        <p:txBody>
-          <a:bodyPr wrap="none" lIns="45718" tIns="45718" rIns="45718" bIns="45718">
-            <a:spAutoFit/>
-          </a:bodyPr>
-          <a:lstStyle>
-            <a:lvl1pPr algn="ctr">
-              <a:spcBef>
-                <a:spcPts val="1200"/>
-              </a:spcBef>
-              <a:defRPr sz="1200">
-                <a:solidFill>
-                  <a:srgbClr val="FFFFFF"/>
-                </a:solidFill>
-                <a:latin typeface="Avenir Next Regular"/>
-                <a:ea typeface="Avenir Next Regular"/>
-                <a:cs typeface="Avenir Next Regular"/>
-                <a:sym typeface="Avenir Next Regular"/>
-              </a:defRPr>
-            </a:lvl1pPr>
-          </a:lstStyle>
-          <a:p>
-            <a:r>
-              <a:rPr lang="nl-NL"/>
-              <a:t>{{GO23/24}}</a:t>
-            </a:r>
-          </a:p>
-          <a:p>
-            <a:endParaRPr/>
-          </a:p>
-        </p:txBody>
-      </p:sp>
-      <p:sp>
-        <p:nvSpPr>
-          <p:cNvPr id="39" name="TextBox 76">
-            <a:extLst>
-              <a:ext uri="{FF2B5EF4-FFF2-40B4-BE49-F238E27FC236}">
-                <a16:creationId xmlns:a16="http://schemas.microsoft.com/office/drawing/2014/main" id="{DC1E359B-CEC8-5103-7FE0-6A705AC5D119}"/>
-              </a:ext>
-            </a:extLst>
-          </p:cNvPr>
-          <p:cNvSpPr txBox="1"/>
-          <p:nvPr/>
-        </p:nvSpPr>
-        <p:spPr>
-          <a:xfrm>
-            <a:off x="5956623" y="4716249"/>
-            <a:ext cx="747958" cy="615549"/>
-          </a:xfrm>
-          <a:prstGeom prst="rect">
-            <a:avLst/>
-          </a:prstGeom>
-          <a:ln w="12700">
-            <a:miter lim="400000"/>
-          </a:ln>
-          <a:extLst>
-            <a:ext uri="{C572A759-6A51-4108-AA02-DFA0A04FC94B}">
-              <ma14:wrappingTextBoxFlag xmlns:ma14="http://schemas.microsoft.com/office/mac/drawingml/2011/main" xmlns:a14="http://schemas.microsoft.com/office/drawing/2010/main" xmlns:m="http://schemas.openxmlformats.org/officeDocument/2006/math" xmlns="" val="1"/>
-            </a:ext>
-          </a:extLst>
-        </p:spPr>
-        <p:txBody>
-          <a:bodyPr wrap="none" lIns="45718" tIns="45718" rIns="45718" bIns="45718">
-            <a:spAutoFit/>
-          </a:bodyPr>
-          <a:lstStyle>
-            <a:lvl1pPr algn="ctr">
-              <a:spcBef>
-                <a:spcPts val="1200"/>
-              </a:spcBef>
-              <a:defRPr sz="1200">
-                <a:solidFill>
-                  <a:srgbClr val="FFFFFF"/>
-                </a:solidFill>
-                <a:latin typeface="Avenir Next Regular"/>
-                <a:ea typeface="Avenir Next Regular"/>
-                <a:cs typeface="Avenir Next Regular"/>
-                <a:sym typeface="Avenir Next Regular"/>
-              </a:defRPr>
-            </a:lvl1pPr>
-          </a:lstStyle>
-          <a:p>
-            <a:r>
-              <a:rPr lang="nl-NL"/>
-              <a:t>{{A23/24}}</a:t>
-            </a:r>
-          </a:p>
-          <a:p>
-            <a:endParaRPr/>
-          </a:p>
-        </p:txBody>
-      </p:sp>
-      <p:sp>
-        <p:nvSpPr>
-          <p:cNvPr id="40" name="TextBox 73">
-            <a:extLst>
-              <a:ext uri="{FF2B5EF4-FFF2-40B4-BE49-F238E27FC236}">
-                <a16:creationId xmlns:a16="http://schemas.microsoft.com/office/drawing/2014/main" id="{FE365C3A-F312-EDC5-3058-47EE10D5EB87}"/>
-              </a:ext>
-            </a:extLst>
-          </p:cNvPr>
-          <p:cNvSpPr txBox="1"/>
-          <p:nvPr/>
-        </p:nvSpPr>
-        <p:spPr>
-          <a:xfrm>
-            <a:off x="3194210" y="5028809"/>
-            <a:ext cx="755972" cy="276995"/>
-          </a:xfrm>
-          <a:prstGeom prst="rect">
-            <a:avLst/>
-          </a:prstGeom>
-          <a:ln w="12700">
-            <a:miter lim="400000"/>
-          </a:ln>
-          <a:extLst>
-            <a:ext uri="{C572A759-6A51-4108-AA02-DFA0A04FC94B}">
-              <ma14:wrappingTextBoxFlag xmlns:ma14="http://schemas.microsoft.com/office/mac/drawingml/2011/main" xmlns:a14="http://schemas.microsoft.com/office/drawing/2010/main" xmlns:m="http://schemas.openxmlformats.org/officeDocument/2006/math" xmlns="" val="1"/>
-            </a:ext>
-          </a:extLst>
-        </p:spPr>
-        <p:txBody>
-          <a:bodyPr wrap="none" lIns="45718" tIns="45718" rIns="45718" bIns="45718">
-            <a:spAutoFit/>
-          </a:bodyPr>
-          <a:lstStyle>
-            <a:lvl1pPr algn="ctr">
-              <a:spcBef>
-                <a:spcPts val="1200"/>
-              </a:spcBef>
-              <a:defRPr sz="1200">
-                <a:solidFill>
-                  <a:srgbClr val="FFFFFF"/>
-                </a:solidFill>
-                <a:latin typeface="Avenir Next Regular"/>
-                <a:ea typeface="Avenir Next Regular"/>
-                <a:cs typeface="Avenir Next Regular"/>
-                <a:sym typeface="Avenir Next Regular"/>
-              </a:defRPr>
-            </a:lvl1pPr>
-          </a:lstStyle>
-          <a:p>
-            <a:r>
-              <a:rPr lang="nl-NL"/>
-              <a:t>{{G22/23}}</a:t>
-            </a:r>
-          </a:p>
-        </p:txBody>
-      </p:sp>
-      <p:sp>
-        <p:nvSpPr>
-          <p:cNvPr id="41" name="TextBox 74">
-            <a:extLst>
-              <a:ext uri="{FF2B5EF4-FFF2-40B4-BE49-F238E27FC236}">
-                <a16:creationId xmlns:a16="http://schemas.microsoft.com/office/drawing/2014/main" id="{4930AC89-81CA-566A-B2BD-F5118C00FE3D}"/>
-              </a:ext>
-            </a:extLst>
-          </p:cNvPr>
-          <p:cNvSpPr txBox="1"/>
-          <p:nvPr/>
-        </p:nvSpPr>
-        <p:spPr>
-          <a:xfrm>
-            <a:off x="4105011" y="5028809"/>
-            <a:ext cx="755972" cy="615549"/>
-          </a:xfrm>
-          <a:prstGeom prst="rect">
-            <a:avLst/>
-          </a:prstGeom>
-          <a:ln w="12700">
-            <a:miter lim="400000"/>
-          </a:ln>
-          <a:extLst>
-            <a:ext uri="{C572A759-6A51-4108-AA02-DFA0A04FC94B}">
-              <ma14:wrappingTextBoxFlag xmlns:ma14="http://schemas.microsoft.com/office/mac/drawingml/2011/main" xmlns:a14="http://schemas.microsoft.com/office/drawing/2010/main" xmlns:m="http://schemas.openxmlformats.org/officeDocument/2006/math" xmlns="" val="1"/>
-            </a:ext>
-          </a:extLst>
-        </p:spPr>
-        <p:txBody>
-          <a:bodyPr wrap="none" lIns="45718" tIns="45718" rIns="45718" bIns="45718">
-            <a:spAutoFit/>
-          </a:bodyPr>
-          <a:lstStyle>
-            <a:lvl1pPr algn="ctr">
-              <a:spcBef>
-                <a:spcPts val="1200"/>
-              </a:spcBef>
-              <a:defRPr sz="1200">
-                <a:solidFill>
-                  <a:srgbClr val="FFFFFF"/>
-                </a:solidFill>
-                <a:latin typeface="Avenir Next Regular"/>
-                <a:ea typeface="Avenir Next Regular"/>
-                <a:cs typeface="Avenir Next Regular"/>
-                <a:sym typeface="Avenir Next Regular"/>
-              </a:defRPr>
-            </a:lvl1pPr>
-          </a:lstStyle>
-          <a:p>
-            <a:r>
-              <a:rPr lang="nl-NL"/>
-              <a:t>{{G22/23}}</a:t>
-            </a:r>
-          </a:p>
-          <a:p>
-            <a:endParaRPr/>
-          </a:p>
-        </p:txBody>
-      </p:sp>
-      <p:sp>
-        <p:nvSpPr>
-          <p:cNvPr id="42" name="TextBox 75">
-            <a:extLst>
-              <a:ext uri="{FF2B5EF4-FFF2-40B4-BE49-F238E27FC236}">
-                <a16:creationId xmlns:a16="http://schemas.microsoft.com/office/drawing/2014/main" id="{ABCD3AC6-7BCB-81CE-1834-8EB7126E9105}"/>
-              </a:ext>
-            </a:extLst>
-          </p:cNvPr>
-          <p:cNvSpPr txBox="1"/>
-          <p:nvPr/>
-        </p:nvSpPr>
-        <p:spPr>
-          <a:xfrm>
-            <a:off x="5022115" y="5028809"/>
-            <a:ext cx="858564" cy="615549"/>
-          </a:xfrm>
-          <a:prstGeom prst="rect">
-            <a:avLst/>
-          </a:prstGeom>
-          <a:ln w="12700">
-            <a:miter lim="400000"/>
-          </a:ln>
-          <a:extLst>
-            <a:ext uri="{C572A759-6A51-4108-AA02-DFA0A04FC94B}">
-              <ma14:wrappingTextBoxFlag xmlns:ma14="http://schemas.microsoft.com/office/mac/drawingml/2011/main" xmlns:a14="http://schemas.microsoft.com/office/drawing/2010/main" xmlns:m="http://schemas.openxmlformats.org/officeDocument/2006/math" xmlns="" val="1"/>
-            </a:ext>
-          </a:extLst>
-        </p:spPr>
-        <p:txBody>
-          <a:bodyPr wrap="none" lIns="45718" tIns="45718" rIns="45718" bIns="45718">
-            <a:spAutoFit/>
-          </a:bodyPr>
-          <a:lstStyle>
-            <a:lvl1pPr algn="ctr">
-              <a:spcBef>
-                <a:spcPts val="1200"/>
-              </a:spcBef>
-              <a:defRPr sz="1200">
-                <a:solidFill>
-                  <a:srgbClr val="FFFFFF"/>
-                </a:solidFill>
-                <a:latin typeface="Avenir Next Regular"/>
-                <a:ea typeface="Avenir Next Regular"/>
-                <a:cs typeface="Avenir Next Regular"/>
-                <a:sym typeface="Avenir Next Regular"/>
-              </a:defRPr>
-            </a:lvl1pPr>
-          </a:lstStyle>
-          <a:p>
-            <a:r>
-              <a:rPr lang="nl-NL"/>
-              <a:t>{{GO22/23}}</a:t>
-            </a:r>
-          </a:p>
-          <a:p>
-            <a:endParaRPr/>
-          </a:p>
-        </p:txBody>
-      </p:sp>
-      <p:sp>
-        <p:nvSpPr>
-          <p:cNvPr id="43" name="TextBox 76">
-            <a:extLst>
-              <a:ext uri="{FF2B5EF4-FFF2-40B4-BE49-F238E27FC236}">
-                <a16:creationId xmlns:a16="http://schemas.microsoft.com/office/drawing/2014/main" id="{83791589-56D9-0F0E-DEE0-3189C7FF6F5D}"/>
-              </a:ext>
-            </a:extLst>
-          </p:cNvPr>
-          <p:cNvSpPr txBox="1"/>
-          <p:nvPr/>
-        </p:nvSpPr>
-        <p:spPr>
-          <a:xfrm>
-            <a:off x="5956623" y="5028809"/>
-            <a:ext cx="747958" cy="615549"/>
-          </a:xfrm>
-          <a:prstGeom prst="rect">
-            <a:avLst/>
-          </a:prstGeom>
-          <a:ln w="12700">
-            <a:miter lim="400000"/>
-          </a:ln>
-          <a:extLst>
-            <a:ext uri="{C572A759-6A51-4108-AA02-DFA0A04FC94B}">
-              <ma14:wrappingTextBoxFlag xmlns:ma14="http://schemas.microsoft.com/office/mac/drawingml/2011/main" xmlns:a14="http://schemas.microsoft.com/office/drawing/2010/main" xmlns:m="http://schemas.openxmlformats.org/officeDocument/2006/math" xmlns="" val="1"/>
-            </a:ext>
-          </a:extLst>
-        </p:spPr>
-        <p:txBody>
-          <a:bodyPr wrap="none" lIns="45718" tIns="45718" rIns="45718" bIns="45718">
-            <a:spAutoFit/>
-          </a:bodyPr>
-          <a:lstStyle>
-            <a:lvl1pPr algn="ctr">
-              <a:spcBef>
-                <a:spcPts val="1200"/>
-              </a:spcBef>
-              <a:defRPr sz="1200">
-                <a:solidFill>
-                  <a:srgbClr val="FFFFFF"/>
-                </a:solidFill>
-                <a:latin typeface="Avenir Next Regular"/>
-                <a:ea typeface="Avenir Next Regular"/>
-                <a:cs typeface="Avenir Next Regular"/>
-                <a:sym typeface="Avenir Next Regular"/>
-              </a:defRPr>
-            </a:lvl1pPr>
-          </a:lstStyle>
-          <a:p>
-            <a:r>
-              <a:rPr lang="nl-NL"/>
-              <a:t>{{A22/23}}</a:t>
             </a:r>
           </a:p>
           <a:p>

--- a/powerpoint template.pptx
+++ b/powerpoint template.pptx
@@ -1045,7 +1045,7 @@
           </a:ln>
           <a:extLst>
             <a:ext uri="{C572A759-6A51-4108-AA02-DFA0A04FC94B}">
-              <ma14:wrappingTextBoxFlag xmlns="" xmlns:m="http://schemas.openxmlformats.org/officeDocument/2006/math" xmlns:a14="http://schemas.microsoft.com/office/drawing/2010/main" xmlns:ma14="http://schemas.microsoft.com/office/mac/drawingml/2011/main" val="1"/>
+              <ma14:wrappingTextBoxFlag xmlns:ma14="http://schemas.microsoft.com/office/mac/drawingml/2011/main" xmlns:a14="http://schemas.microsoft.com/office/drawing/2010/main" xmlns:m="http://schemas.openxmlformats.org/officeDocument/2006/math" xmlns="" val="1"/>
             </a:ext>
           </a:extLst>
         </p:spPr>
@@ -1092,7 +1092,7 @@
           </a:ln>
           <a:extLst>
             <a:ext uri="{C572A759-6A51-4108-AA02-DFA0A04FC94B}">
-              <ma14:wrappingTextBoxFlag xmlns="" xmlns:m="http://schemas.openxmlformats.org/officeDocument/2006/math" xmlns:a14="http://schemas.microsoft.com/office/drawing/2010/main" xmlns:ma14="http://schemas.microsoft.com/office/mac/drawingml/2011/main" val="1"/>
+              <ma14:wrappingTextBoxFlag xmlns:ma14="http://schemas.microsoft.com/office/mac/drawingml/2011/main" xmlns:a14="http://schemas.microsoft.com/office/drawing/2010/main" xmlns:m="http://schemas.openxmlformats.org/officeDocument/2006/math" xmlns="" val="1"/>
             </a:ext>
           </a:extLst>
         </p:spPr>
@@ -1139,7 +1139,7 @@
           </a:ln>
           <a:extLst>
             <a:ext uri="{C572A759-6A51-4108-AA02-DFA0A04FC94B}">
-              <ma14:wrappingTextBoxFlag xmlns="" xmlns:m="http://schemas.openxmlformats.org/officeDocument/2006/math" xmlns:a14="http://schemas.microsoft.com/office/drawing/2010/main" xmlns:ma14="http://schemas.microsoft.com/office/mac/drawingml/2011/main" val="1"/>
+              <ma14:wrappingTextBoxFlag xmlns:ma14="http://schemas.microsoft.com/office/mac/drawingml/2011/main" xmlns:a14="http://schemas.microsoft.com/office/drawing/2010/main" xmlns:m="http://schemas.openxmlformats.org/officeDocument/2006/math" xmlns="" val="1"/>
             </a:ext>
           </a:extLst>
         </p:spPr>
@@ -2620,7 +2620,7 @@
           </a:ln>
           <a:extLst>
             <a:ext uri="{C572A759-6A51-4108-AA02-DFA0A04FC94B}">
-              <ma14:wrappingTextBoxFlag xmlns="" xmlns:m="http://schemas.openxmlformats.org/officeDocument/2006/math" xmlns:a14="http://schemas.microsoft.com/office/drawing/2010/main" xmlns:ma14="http://schemas.microsoft.com/office/mac/drawingml/2011/main" val="1"/>
+              <ma14:wrappingTextBoxFlag xmlns:ma14="http://schemas.microsoft.com/office/mac/drawingml/2011/main" xmlns:a14="http://schemas.microsoft.com/office/drawing/2010/main" xmlns:m="http://schemas.openxmlformats.org/officeDocument/2006/math" xmlns="" val="1"/>
             </a:ext>
           </a:extLst>
         </p:spPr>
@@ -2762,7 +2762,7 @@
           </a:ln>
           <a:extLst>
             <a:ext uri="{C572A759-6A51-4108-AA02-DFA0A04FC94B}">
-              <ma14:wrappingTextBoxFlag xmlns="" xmlns:m="http://schemas.openxmlformats.org/officeDocument/2006/math" xmlns:a14="http://schemas.microsoft.com/office/drawing/2010/main" xmlns:ma14="http://schemas.microsoft.com/office/mac/drawingml/2011/main" val="1"/>
+              <ma14:wrappingTextBoxFlag xmlns:ma14="http://schemas.microsoft.com/office/mac/drawingml/2011/main" xmlns:a14="http://schemas.microsoft.com/office/drawing/2010/main" xmlns:m="http://schemas.openxmlformats.org/officeDocument/2006/math" xmlns="" val="1"/>
             </a:ext>
           </a:extLst>
         </p:spPr>
@@ -2840,7 +2840,7 @@
           </a:ln>
           <a:extLst>
             <a:ext uri="{C572A759-6A51-4108-AA02-DFA0A04FC94B}">
-              <ma14:wrappingTextBoxFlag xmlns="" xmlns:m="http://schemas.openxmlformats.org/officeDocument/2006/math" xmlns:a14="http://schemas.microsoft.com/office/drawing/2010/main" xmlns:ma14="http://schemas.microsoft.com/office/mac/drawingml/2011/main" val="1"/>
+              <ma14:wrappingTextBoxFlag xmlns:ma14="http://schemas.microsoft.com/office/mac/drawingml/2011/main" xmlns:a14="http://schemas.microsoft.com/office/drawing/2010/main" xmlns:m="http://schemas.openxmlformats.org/officeDocument/2006/math" xmlns="" val="1"/>
             </a:ext>
           </a:extLst>
         </p:spPr>
@@ -2887,7 +2887,7 @@
           </a:ln>
           <a:extLst>
             <a:ext uri="{C572A759-6A51-4108-AA02-DFA0A04FC94B}">
-              <ma14:wrappingTextBoxFlag xmlns="" xmlns:m="http://schemas.openxmlformats.org/officeDocument/2006/math" xmlns:a14="http://schemas.microsoft.com/office/drawing/2010/main" xmlns:ma14="http://schemas.microsoft.com/office/mac/drawingml/2011/main" val="1"/>
+              <ma14:wrappingTextBoxFlag xmlns:ma14="http://schemas.microsoft.com/office/mac/drawingml/2011/main" xmlns:a14="http://schemas.microsoft.com/office/drawing/2010/main" xmlns:m="http://schemas.openxmlformats.org/officeDocument/2006/math" xmlns="" val="1"/>
             </a:ext>
           </a:extLst>
         </p:spPr>
@@ -2934,7 +2934,7 @@
           </a:ln>
           <a:extLst>
             <a:ext uri="{C572A759-6A51-4108-AA02-DFA0A04FC94B}">
-              <ma14:wrappingTextBoxFlag xmlns="" xmlns:m="http://schemas.openxmlformats.org/officeDocument/2006/math" xmlns:a14="http://schemas.microsoft.com/office/drawing/2010/main" xmlns:ma14="http://schemas.microsoft.com/office/mac/drawingml/2011/main" val="1"/>
+              <ma14:wrappingTextBoxFlag xmlns:ma14="http://schemas.microsoft.com/office/mac/drawingml/2011/main" xmlns:a14="http://schemas.microsoft.com/office/drawing/2010/main" xmlns:m="http://schemas.openxmlformats.org/officeDocument/2006/math" xmlns="" val="1"/>
             </a:ext>
           </a:extLst>
         </p:spPr>
@@ -2981,7 +2981,7 @@
           </a:ln>
           <a:extLst>
             <a:ext uri="{C572A759-6A51-4108-AA02-DFA0A04FC94B}">
-              <ma14:wrappingTextBoxFlag xmlns="" xmlns:m="http://schemas.openxmlformats.org/officeDocument/2006/math" xmlns:a14="http://schemas.microsoft.com/office/drawing/2010/main" xmlns:ma14="http://schemas.microsoft.com/office/mac/drawingml/2011/main" val="1"/>
+              <ma14:wrappingTextBoxFlag xmlns:ma14="http://schemas.microsoft.com/office/mac/drawingml/2011/main" xmlns:a14="http://schemas.microsoft.com/office/drawing/2010/main" xmlns:m="http://schemas.openxmlformats.org/officeDocument/2006/math" xmlns="" val="1"/>
             </a:ext>
           </a:extLst>
         </p:spPr>
@@ -3028,7 +3028,7 @@
           </a:ln>
           <a:extLst>
             <a:ext uri="{C572A759-6A51-4108-AA02-DFA0A04FC94B}">
-              <ma14:wrappingTextBoxFlag xmlns="" xmlns:m="http://schemas.openxmlformats.org/officeDocument/2006/math" xmlns:a14="http://schemas.microsoft.com/office/drawing/2010/main" xmlns:ma14="http://schemas.microsoft.com/office/mac/drawingml/2011/main" val="1"/>
+              <ma14:wrappingTextBoxFlag xmlns:ma14="http://schemas.microsoft.com/office/mac/drawingml/2011/main" xmlns:a14="http://schemas.microsoft.com/office/drawing/2010/main" xmlns:m="http://schemas.openxmlformats.org/officeDocument/2006/math" xmlns="" val="1"/>
             </a:ext>
           </a:extLst>
         </p:spPr>
@@ -3264,7 +3264,7 @@
           </a:ln>
           <a:extLst>
             <a:ext uri="{C572A759-6A51-4108-AA02-DFA0A04FC94B}">
-              <ma14:wrappingTextBoxFlag xmlns="" xmlns:m="http://schemas.openxmlformats.org/officeDocument/2006/math" xmlns:a14="http://schemas.microsoft.com/office/drawing/2010/main" xmlns:ma14="http://schemas.microsoft.com/office/mac/drawingml/2011/main" val="1"/>
+              <ma14:wrappingTextBoxFlag xmlns:ma14="http://schemas.microsoft.com/office/mac/drawingml/2011/main" xmlns:a14="http://schemas.microsoft.com/office/drawing/2010/main" xmlns:m="http://schemas.openxmlformats.org/officeDocument/2006/math" xmlns="" val="1"/>
             </a:ext>
           </a:extLst>
         </p:spPr>
@@ -3311,7 +3311,7 @@
           </a:ln>
           <a:extLst>
             <a:ext uri="{C572A759-6A51-4108-AA02-DFA0A04FC94B}">
-              <ma14:wrappingTextBoxFlag xmlns="" xmlns:m="http://schemas.openxmlformats.org/officeDocument/2006/math" xmlns:a14="http://schemas.microsoft.com/office/drawing/2010/main" xmlns:ma14="http://schemas.microsoft.com/office/mac/drawingml/2011/main" val="1"/>
+              <ma14:wrappingTextBoxFlag xmlns:ma14="http://schemas.microsoft.com/office/mac/drawingml/2011/main" xmlns:a14="http://schemas.microsoft.com/office/drawing/2010/main" xmlns:m="http://schemas.openxmlformats.org/officeDocument/2006/math" xmlns="" val="1"/>
             </a:ext>
           </a:extLst>
         </p:spPr>
@@ -3503,7 +3503,7 @@
           </a:ln>
           <a:extLst>
             <a:ext uri="{C572A759-6A51-4108-AA02-DFA0A04FC94B}">
-              <ma14:wrappingTextBoxFlag xmlns="" xmlns:m="http://schemas.openxmlformats.org/officeDocument/2006/math" xmlns:a14="http://schemas.microsoft.com/office/drawing/2010/main" xmlns:ma14="http://schemas.microsoft.com/office/mac/drawingml/2011/main" val="1"/>
+              <ma14:wrappingTextBoxFlag xmlns:ma14="http://schemas.microsoft.com/office/mac/drawingml/2011/main" xmlns:a14="http://schemas.microsoft.com/office/drawing/2010/main" xmlns:m="http://schemas.openxmlformats.org/officeDocument/2006/math" xmlns="" val="1"/>
             </a:ext>
           </a:extLst>
         </p:spPr>
@@ -3542,7 +3542,7 @@
           </a:ln>
           <a:extLst>
             <a:ext uri="{C572A759-6A51-4108-AA02-DFA0A04FC94B}">
-              <ma14:wrappingTextBoxFlag xmlns="" xmlns:m="http://schemas.openxmlformats.org/officeDocument/2006/math" xmlns:a14="http://schemas.microsoft.com/office/drawing/2010/main" xmlns:ma14="http://schemas.microsoft.com/office/mac/drawingml/2011/main" val="1"/>
+              <ma14:wrappingTextBoxFlag xmlns:ma14="http://schemas.microsoft.com/office/mac/drawingml/2011/main" xmlns:a14="http://schemas.microsoft.com/office/drawing/2010/main" xmlns:m="http://schemas.openxmlformats.org/officeDocument/2006/math" xmlns="" val="1"/>
             </a:ext>
           </a:extLst>
         </p:spPr>
@@ -4552,7 +4552,7 @@
           </a:ln>
           <a:extLst>
             <a:ext uri="{C572A759-6A51-4108-AA02-DFA0A04FC94B}">
-              <ma14:wrappingTextBoxFlag xmlns="" xmlns:m="http://schemas.openxmlformats.org/officeDocument/2006/math" xmlns:a14="http://schemas.microsoft.com/office/drawing/2010/main" xmlns:ma14="http://schemas.microsoft.com/office/mac/drawingml/2011/main" val="1"/>
+              <ma14:wrappingTextBoxFlag xmlns:ma14="http://schemas.microsoft.com/office/mac/drawingml/2011/main" xmlns:a14="http://schemas.microsoft.com/office/drawing/2010/main" xmlns:m="http://schemas.openxmlformats.org/officeDocument/2006/math" xmlns="" val="1"/>
             </a:ext>
           </a:extLst>
         </p:spPr>
@@ -4694,7 +4694,7 @@
           </a:ln>
           <a:extLst>
             <a:ext uri="{C572A759-6A51-4108-AA02-DFA0A04FC94B}">
-              <ma14:wrappingTextBoxFlag xmlns="" xmlns:m="http://schemas.openxmlformats.org/officeDocument/2006/math" xmlns:a14="http://schemas.microsoft.com/office/drawing/2010/main" xmlns:ma14="http://schemas.microsoft.com/office/mac/drawingml/2011/main" val="1"/>
+              <ma14:wrappingTextBoxFlag xmlns:ma14="http://schemas.microsoft.com/office/mac/drawingml/2011/main" xmlns:a14="http://schemas.microsoft.com/office/drawing/2010/main" xmlns:m="http://schemas.openxmlformats.org/officeDocument/2006/math" xmlns="" val="1"/>
             </a:ext>
           </a:extLst>
         </p:spPr>
@@ -4741,7 +4741,7 @@
           </a:ln>
           <a:extLst>
             <a:ext uri="{C572A759-6A51-4108-AA02-DFA0A04FC94B}">
-              <ma14:wrappingTextBoxFlag xmlns="" xmlns:m="http://schemas.openxmlformats.org/officeDocument/2006/math" xmlns:a14="http://schemas.microsoft.com/office/drawing/2010/main" xmlns:ma14="http://schemas.microsoft.com/office/mac/drawingml/2011/main" val="1"/>
+              <ma14:wrappingTextBoxFlag xmlns:ma14="http://schemas.microsoft.com/office/mac/drawingml/2011/main" xmlns:a14="http://schemas.microsoft.com/office/drawing/2010/main" xmlns:m="http://schemas.openxmlformats.org/officeDocument/2006/math" xmlns="" val="1"/>
             </a:ext>
           </a:extLst>
         </p:spPr>
@@ -4788,7 +4788,7 @@
           </a:ln>
           <a:extLst>
             <a:ext uri="{C572A759-6A51-4108-AA02-DFA0A04FC94B}">
-              <ma14:wrappingTextBoxFlag xmlns="" xmlns:m="http://schemas.openxmlformats.org/officeDocument/2006/math" xmlns:a14="http://schemas.microsoft.com/office/drawing/2010/main" xmlns:ma14="http://schemas.microsoft.com/office/mac/drawingml/2011/main" val="1"/>
+              <ma14:wrappingTextBoxFlag xmlns:ma14="http://schemas.microsoft.com/office/mac/drawingml/2011/main" xmlns:a14="http://schemas.microsoft.com/office/drawing/2010/main" xmlns:m="http://schemas.openxmlformats.org/officeDocument/2006/math" xmlns="" val="1"/>
             </a:ext>
           </a:extLst>
         </p:spPr>
@@ -4835,7 +4835,7 @@
           </a:ln>
           <a:extLst>
             <a:ext uri="{C572A759-6A51-4108-AA02-DFA0A04FC94B}">
-              <ma14:wrappingTextBoxFlag xmlns="" xmlns:m="http://schemas.openxmlformats.org/officeDocument/2006/math" xmlns:a14="http://schemas.microsoft.com/office/drawing/2010/main" xmlns:ma14="http://schemas.microsoft.com/office/mac/drawingml/2011/main" val="1"/>
+              <ma14:wrappingTextBoxFlag xmlns:ma14="http://schemas.microsoft.com/office/mac/drawingml/2011/main" xmlns:a14="http://schemas.microsoft.com/office/drawing/2010/main" xmlns:m="http://schemas.openxmlformats.org/officeDocument/2006/math" xmlns="" val="1"/>
             </a:ext>
           </a:extLst>
         </p:spPr>
@@ -4882,7 +4882,7 @@
           </a:ln>
           <a:extLst>
             <a:ext uri="{C572A759-6A51-4108-AA02-DFA0A04FC94B}">
-              <ma14:wrappingTextBoxFlag xmlns="" xmlns:m="http://schemas.openxmlformats.org/officeDocument/2006/math" xmlns:a14="http://schemas.microsoft.com/office/drawing/2010/main" xmlns:ma14="http://schemas.microsoft.com/office/mac/drawingml/2011/main" val="1"/>
+              <ma14:wrappingTextBoxFlag xmlns:ma14="http://schemas.microsoft.com/office/mac/drawingml/2011/main" xmlns:a14="http://schemas.microsoft.com/office/drawing/2010/main" xmlns:m="http://schemas.openxmlformats.org/officeDocument/2006/math" xmlns="" val="1"/>
             </a:ext>
           </a:extLst>
         </p:spPr>
@@ -4929,7 +4929,7 @@
           </a:ln>
           <a:extLst>
             <a:ext uri="{C572A759-6A51-4108-AA02-DFA0A04FC94B}">
-              <ma14:wrappingTextBoxFlag xmlns="" xmlns:m="http://schemas.openxmlformats.org/officeDocument/2006/math" xmlns:a14="http://schemas.microsoft.com/office/drawing/2010/main" xmlns:ma14="http://schemas.microsoft.com/office/mac/drawingml/2011/main" val="1"/>
+              <ma14:wrappingTextBoxFlag xmlns:ma14="http://schemas.microsoft.com/office/mac/drawingml/2011/main" xmlns:a14="http://schemas.microsoft.com/office/drawing/2010/main" xmlns:m="http://schemas.openxmlformats.org/officeDocument/2006/math" xmlns="" val="1"/>
             </a:ext>
           </a:extLst>
         </p:spPr>
@@ -5101,7 +5101,7 @@
           </a:ln>
           <a:extLst>
             <a:ext uri="{C572A759-6A51-4108-AA02-DFA0A04FC94B}">
-              <ma14:wrappingTextBoxFlag xmlns="" xmlns:m="http://schemas.openxmlformats.org/officeDocument/2006/math" xmlns:a14="http://schemas.microsoft.com/office/drawing/2010/main" xmlns:ma14="http://schemas.microsoft.com/office/mac/drawingml/2011/main" val="1"/>
+              <ma14:wrappingTextBoxFlag xmlns:ma14="http://schemas.microsoft.com/office/mac/drawingml/2011/main" xmlns:a14="http://schemas.microsoft.com/office/drawing/2010/main" xmlns:m="http://schemas.openxmlformats.org/officeDocument/2006/math" xmlns="" val="1"/>
             </a:ext>
           </a:extLst>
         </p:spPr>
@@ -5194,7 +5194,7 @@
           </a:ln>
           <a:extLst>
             <a:ext uri="{C572A759-6A51-4108-AA02-DFA0A04FC94B}">
-              <ma14:wrappingTextBoxFlag xmlns="" xmlns:m="http://schemas.openxmlformats.org/officeDocument/2006/math" xmlns:a14="http://schemas.microsoft.com/office/drawing/2010/main" xmlns:ma14="http://schemas.microsoft.com/office/mac/drawingml/2011/main" val="1"/>
+              <ma14:wrappingTextBoxFlag xmlns:ma14="http://schemas.microsoft.com/office/mac/drawingml/2011/main" xmlns:a14="http://schemas.microsoft.com/office/drawing/2010/main" xmlns:m="http://schemas.openxmlformats.org/officeDocument/2006/math" xmlns="" val="1"/>
             </a:ext>
           </a:extLst>
         </p:spPr>
@@ -5221,7 +5221,7 @@
           <a:p>
             <a:r>
               <a:rPr lang="nl-NL"/>
-              <a:t>{{CLUB_2025/2026}} (2024/2025)</a:t>
+              <a:t>{{CLUB_2025/2026}} (2025/2026)</a:t>
             </a:r>
           </a:p>
         </p:txBody>
@@ -5245,7 +5245,7 @@
           </a:ln>
           <a:extLst>
             <a:ext uri="{C572A759-6A51-4108-AA02-DFA0A04FC94B}">
-              <ma14:wrappingTextBoxFlag xmlns="" xmlns:m="http://schemas.openxmlformats.org/officeDocument/2006/math" xmlns:a14="http://schemas.microsoft.com/office/drawing/2010/main" xmlns:ma14="http://schemas.microsoft.com/office/mac/drawingml/2011/main" val="1"/>
+              <ma14:wrappingTextBoxFlag xmlns:ma14="http://schemas.microsoft.com/office/mac/drawingml/2011/main" xmlns:a14="http://schemas.microsoft.com/office/drawing/2010/main" xmlns:m="http://schemas.openxmlformats.org/officeDocument/2006/math" xmlns="" val="1"/>
             </a:ext>
           </a:extLst>
         </p:spPr>
@@ -5297,7 +5297,7 @@
           </a:ln>
           <a:extLst>
             <a:ext uri="{C572A759-6A51-4108-AA02-DFA0A04FC94B}">
-              <ma14:wrappingTextBoxFlag xmlns="" xmlns:m="http://schemas.openxmlformats.org/officeDocument/2006/math" xmlns:a14="http://schemas.microsoft.com/office/drawing/2010/main" xmlns:ma14="http://schemas.microsoft.com/office/mac/drawingml/2011/main" val="1"/>
+              <ma14:wrappingTextBoxFlag xmlns:ma14="http://schemas.microsoft.com/office/mac/drawingml/2011/main" xmlns:a14="http://schemas.microsoft.com/office/drawing/2010/main" xmlns:m="http://schemas.openxmlformats.org/officeDocument/2006/math" xmlns="" val="1"/>
             </a:ext>
           </a:extLst>
         </p:spPr>
@@ -5349,7 +5349,7 @@
           </a:ln>
           <a:extLst>
             <a:ext uri="{C572A759-6A51-4108-AA02-DFA0A04FC94B}">
-              <ma14:wrappingTextBoxFlag xmlns="" xmlns:m="http://schemas.openxmlformats.org/officeDocument/2006/math" xmlns:a14="http://schemas.microsoft.com/office/drawing/2010/main" xmlns:ma14="http://schemas.microsoft.com/office/mac/drawingml/2011/main" val="1"/>
+              <ma14:wrappingTextBoxFlag xmlns:ma14="http://schemas.microsoft.com/office/mac/drawingml/2011/main" xmlns:a14="http://schemas.microsoft.com/office/drawing/2010/main" xmlns:m="http://schemas.openxmlformats.org/officeDocument/2006/math" xmlns="" val="1"/>
             </a:ext>
           </a:extLst>
         </p:spPr>
@@ -5401,7 +5401,7 @@
           </a:ln>
           <a:extLst>
             <a:ext uri="{C572A759-6A51-4108-AA02-DFA0A04FC94B}">
-              <ma14:wrappingTextBoxFlag xmlns="" xmlns:m="http://schemas.openxmlformats.org/officeDocument/2006/math" xmlns:a14="http://schemas.microsoft.com/office/drawing/2010/main" xmlns:ma14="http://schemas.microsoft.com/office/mac/drawingml/2011/main" val="1"/>
+              <ma14:wrappingTextBoxFlag xmlns:ma14="http://schemas.microsoft.com/office/mac/drawingml/2011/main" xmlns:a14="http://schemas.microsoft.com/office/drawing/2010/main" xmlns:m="http://schemas.openxmlformats.org/officeDocument/2006/math" xmlns="" val="1"/>
             </a:ext>
           </a:extLst>
         </p:spPr>
@@ -5453,7 +5453,7 @@
           </a:ln>
           <a:extLst>
             <a:ext uri="{C572A759-6A51-4108-AA02-DFA0A04FC94B}">
-              <ma14:wrappingTextBoxFlag xmlns="" xmlns:m="http://schemas.openxmlformats.org/officeDocument/2006/math" xmlns:a14="http://schemas.microsoft.com/office/drawing/2010/main" xmlns:ma14="http://schemas.microsoft.com/office/mac/drawingml/2011/main" val="1"/>
+              <ma14:wrappingTextBoxFlag xmlns:ma14="http://schemas.microsoft.com/office/mac/drawingml/2011/main" xmlns:a14="http://schemas.microsoft.com/office/drawing/2010/main" xmlns:m="http://schemas.openxmlformats.org/officeDocument/2006/math" xmlns="" val="1"/>
             </a:ext>
           </a:extLst>
         </p:spPr>
@@ -5582,7 +5582,7 @@
           </a:ln>
           <a:extLst>
             <a:ext uri="{C572A759-6A51-4108-AA02-DFA0A04FC94B}">
-              <ma14:wrappingTextBoxFlag xmlns="" xmlns:m="http://schemas.openxmlformats.org/officeDocument/2006/math" xmlns:a14="http://schemas.microsoft.com/office/drawing/2010/main" xmlns:ma14="http://schemas.microsoft.com/office/mac/drawingml/2011/main" val="1"/>
+              <ma14:wrappingTextBoxFlag xmlns:ma14="http://schemas.microsoft.com/office/mac/drawingml/2011/main" xmlns:a14="http://schemas.microsoft.com/office/drawing/2010/main" xmlns:m="http://schemas.openxmlformats.org/officeDocument/2006/math" xmlns="" val="1"/>
             </a:ext>
           </a:extLst>
         </p:spPr>
@@ -5630,7 +5630,7 @@
           </a:ln>
           <a:extLst>
             <a:ext uri="{C572A759-6A51-4108-AA02-DFA0A04FC94B}">
-              <ma14:wrappingTextBoxFlag xmlns="" xmlns:m="http://schemas.openxmlformats.org/officeDocument/2006/math" xmlns:a14="http://schemas.microsoft.com/office/drawing/2010/main" xmlns:ma14="http://schemas.microsoft.com/office/mac/drawingml/2011/main" val="1"/>
+              <ma14:wrappingTextBoxFlag xmlns:ma14="http://schemas.microsoft.com/office/mac/drawingml/2011/main" xmlns:a14="http://schemas.microsoft.com/office/drawing/2010/main" xmlns:m="http://schemas.openxmlformats.org/officeDocument/2006/math" xmlns="" val="1"/>
             </a:ext>
           </a:extLst>
         </p:spPr>
@@ -5678,7 +5678,7 @@
           </a:ln>
           <a:extLst>
             <a:ext uri="{C572A759-6A51-4108-AA02-DFA0A04FC94B}">
-              <ma14:wrappingTextBoxFlag xmlns="" xmlns:m="http://schemas.openxmlformats.org/officeDocument/2006/math" xmlns:a14="http://schemas.microsoft.com/office/drawing/2010/main" xmlns:ma14="http://schemas.microsoft.com/office/mac/drawingml/2011/main" val="1"/>
+              <ma14:wrappingTextBoxFlag xmlns:ma14="http://schemas.microsoft.com/office/mac/drawingml/2011/main" xmlns:a14="http://schemas.microsoft.com/office/drawing/2010/main" xmlns:m="http://schemas.openxmlformats.org/officeDocument/2006/math" xmlns="" val="1"/>
             </a:ext>
           </a:extLst>
         </p:spPr>
@@ -5726,7 +5726,7 @@
           </a:ln>
           <a:extLst>
             <a:ext uri="{C572A759-6A51-4108-AA02-DFA0A04FC94B}">
-              <ma14:wrappingTextBoxFlag xmlns="" xmlns:m="http://schemas.openxmlformats.org/officeDocument/2006/math" xmlns:a14="http://schemas.microsoft.com/office/drawing/2010/main" xmlns:ma14="http://schemas.microsoft.com/office/mac/drawingml/2011/main" val="1"/>
+              <ma14:wrappingTextBoxFlag xmlns:ma14="http://schemas.microsoft.com/office/mac/drawingml/2011/main" xmlns:a14="http://schemas.microsoft.com/office/drawing/2010/main" xmlns:m="http://schemas.openxmlformats.org/officeDocument/2006/math" xmlns="" val="1"/>
             </a:ext>
           </a:extLst>
         </p:spPr>
@@ -5774,7 +5774,7 @@
           </a:ln>
           <a:extLst>
             <a:ext uri="{C572A759-6A51-4108-AA02-DFA0A04FC94B}">
-              <ma14:wrappingTextBoxFlag xmlns="" xmlns:m="http://schemas.openxmlformats.org/officeDocument/2006/math" xmlns:a14="http://schemas.microsoft.com/office/drawing/2010/main" xmlns:ma14="http://schemas.microsoft.com/office/mac/drawingml/2011/main" val="1"/>
+              <ma14:wrappingTextBoxFlag xmlns:ma14="http://schemas.microsoft.com/office/mac/drawingml/2011/main" xmlns:a14="http://schemas.microsoft.com/office/drawing/2010/main" xmlns:m="http://schemas.openxmlformats.org/officeDocument/2006/math" xmlns="" val="1"/>
             </a:ext>
           </a:extLst>
         </p:spPr>
@@ -5822,7 +5822,7 @@
           </a:ln>
           <a:extLst>
             <a:ext uri="{C572A759-6A51-4108-AA02-DFA0A04FC94B}">
-              <ma14:wrappingTextBoxFlag xmlns="" xmlns:m="http://schemas.openxmlformats.org/officeDocument/2006/math" xmlns:a14="http://schemas.microsoft.com/office/drawing/2010/main" xmlns:ma14="http://schemas.microsoft.com/office/mac/drawingml/2011/main" val="1"/>
+              <ma14:wrappingTextBoxFlag xmlns:ma14="http://schemas.microsoft.com/office/mac/drawingml/2011/main" xmlns:a14="http://schemas.microsoft.com/office/drawing/2010/main" xmlns:m="http://schemas.openxmlformats.org/officeDocument/2006/math" xmlns="" val="1"/>
             </a:ext>
           </a:extLst>
         </p:spPr>
@@ -5870,7 +5870,7 @@
           </a:ln>
           <a:extLst>
             <a:ext uri="{C572A759-6A51-4108-AA02-DFA0A04FC94B}">
-              <ma14:wrappingTextBoxFlag xmlns="" xmlns:m="http://schemas.openxmlformats.org/officeDocument/2006/math" xmlns:a14="http://schemas.microsoft.com/office/drawing/2010/main" xmlns:ma14="http://schemas.microsoft.com/office/mac/drawingml/2011/main" val="1"/>
+              <ma14:wrappingTextBoxFlag xmlns:ma14="http://schemas.microsoft.com/office/mac/drawingml/2011/main" xmlns:a14="http://schemas.microsoft.com/office/drawing/2010/main" xmlns:m="http://schemas.openxmlformats.org/officeDocument/2006/math" xmlns="" val="1"/>
             </a:ext>
           </a:extLst>
         </p:spPr>
@@ -5918,7 +5918,7 @@
           </a:ln>
           <a:extLst>
             <a:ext uri="{C572A759-6A51-4108-AA02-DFA0A04FC94B}">
-              <ma14:wrappingTextBoxFlag xmlns="" xmlns:m="http://schemas.openxmlformats.org/officeDocument/2006/math" xmlns:a14="http://schemas.microsoft.com/office/drawing/2010/main" xmlns:ma14="http://schemas.microsoft.com/office/mac/drawingml/2011/main" val="1"/>
+              <ma14:wrappingTextBoxFlag xmlns:ma14="http://schemas.microsoft.com/office/mac/drawingml/2011/main" xmlns:a14="http://schemas.microsoft.com/office/drawing/2010/main" xmlns:m="http://schemas.openxmlformats.org/officeDocument/2006/math" xmlns="" val="1"/>
             </a:ext>
           </a:extLst>
         </p:spPr>
@@ -5966,7 +5966,7 @@
           </a:ln>
           <a:extLst>
             <a:ext uri="{C572A759-6A51-4108-AA02-DFA0A04FC94B}">
-              <ma14:wrappingTextBoxFlag xmlns="" xmlns:m="http://schemas.openxmlformats.org/officeDocument/2006/math" xmlns:a14="http://schemas.microsoft.com/office/drawing/2010/main" xmlns:ma14="http://schemas.microsoft.com/office/mac/drawingml/2011/main" val="1"/>
+              <ma14:wrappingTextBoxFlag xmlns:ma14="http://schemas.microsoft.com/office/mac/drawingml/2011/main" xmlns:a14="http://schemas.microsoft.com/office/drawing/2010/main" xmlns:m="http://schemas.openxmlformats.org/officeDocument/2006/math" xmlns="" val="1"/>
             </a:ext>
           </a:extLst>
         </p:spPr>
@@ -6014,7 +6014,7 @@
           </a:ln>
           <a:extLst>
             <a:ext uri="{C572A759-6A51-4108-AA02-DFA0A04FC94B}">
-              <ma14:wrappingTextBoxFlag xmlns="" xmlns:m="http://schemas.openxmlformats.org/officeDocument/2006/math" xmlns:a14="http://schemas.microsoft.com/office/drawing/2010/main" xmlns:ma14="http://schemas.microsoft.com/office/mac/drawingml/2011/main" val="1"/>
+              <ma14:wrappingTextBoxFlag xmlns:ma14="http://schemas.microsoft.com/office/mac/drawingml/2011/main" xmlns:a14="http://schemas.microsoft.com/office/drawing/2010/main" xmlns:m="http://schemas.openxmlformats.org/officeDocument/2006/math" xmlns="" val="1"/>
             </a:ext>
           </a:extLst>
         </p:spPr>
@@ -6062,7 +6062,7 @@
           </a:ln>
           <a:extLst>
             <a:ext uri="{C572A759-6A51-4108-AA02-DFA0A04FC94B}">
-              <ma14:wrappingTextBoxFlag xmlns="" xmlns:m="http://schemas.openxmlformats.org/officeDocument/2006/math" xmlns:a14="http://schemas.microsoft.com/office/drawing/2010/main" xmlns:ma14="http://schemas.microsoft.com/office/mac/drawingml/2011/main" val="1"/>
+              <ma14:wrappingTextBoxFlag xmlns:ma14="http://schemas.microsoft.com/office/mac/drawingml/2011/main" xmlns:a14="http://schemas.microsoft.com/office/drawing/2010/main" xmlns:m="http://schemas.openxmlformats.org/officeDocument/2006/math" xmlns="" val="1"/>
             </a:ext>
           </a:extLst>
         </p:spPr>
@@ -6104,7 +6104,7 @@
           </a:ln>
           <a:extLst>
             <a:ext uri="{C572A759-6A51-4108-AA02-DFA0A04FC94B}">
-              <ma14:wrappingTextBoxFlag xmlns="" xmlns:m="http://schemas.openxmlformats.org/officeDocument/2006/math" xmlns:a14="http://schemas.microsoft.com/office/drawing/2010/main" xmlns:ma14="http://schemas.microsoft.com/office/mac/drawingml/2011/main" val="1"/>
+              <ma14:wrappingTextBoxFlag xmlns:ma14="http://schemas.microsoft.com/office/mac/drawingml/2011/main" xmlns:a14="http://schemas.microsoft.com/office/drawing/2010/main" xmlns:m="http://schemas.openxmlformats.org/officeDocument/2006/math" xmlns="" val="1"/>
             </a:ext>
           </a:extLst>
         </p:spPr>
@@ -7383,7 +7383,7 @@
           </a:ln>
           <a:extLst>
             <a:ext uri="{C572A759-6A51-4108-AA02-DFA0A04FC94B}">
-              <ma14:wrappingTextBoxFlag xmlns="" xmlns:m="http://schemas.openxmlformats.org/officeDocument/2006/math" xmlns:a14="http://schemas.microsoft.com/office/drawing/2010/main" xmlns:ma14="http://schemas.microsoft.com/office/mac/drawingml/2011/main" val="1"/>
+              <ma14:wrappingTextBoxFlag xmlns:ma14="http://schemas.microsoft.com/office/mac/drawingml/2011/main" xmlns:a14="http://schemas.microsoft.com/office/drawing/2010/main" xmlns:m="http://schemas.openxmlformats.org/officeDocument/2006/math" xmlns="" val="1"/>
             </a:ext>
           </a:extLst>
         </p:spPr>
@@ -7440,7 +7440,7 @@
           </a:ln>
           <a:extLst>
             <a:ext uri="{C572A759-6A51-4108-AA02-DFA0A04FC94B}">
-              <ma14:wrappingTextBoxFlag xmlns="" xmlns:m="http://schemas.openxmlformats.org/officeDocument/2006/math" xmlns:a14="http://schemas.microsoft.com/office/drawing/2010/main" xmlns:ma14="http://schemas.microsoft.com/office/mac/drawingml/2011/main" val="1"/>
+              <ma14:wrappingTextBoxFlag xmlns:ma14="http://schemas.microsoft.com/office/mac/drawingml/2011/main" xmlns:a14="http://schemas.microsoft.com/office/drawing/2010/main" xmlns:m="http://schemas.openxmlformats.org/officeDocument/2006/math" xmlns="" val="1"/>
             </a:ext>
           </a:extLst>
         </p:spPr>
@@ -7497,7 +7497,7 @@
           </a:ln>
           <a:extLst>
             <a:ext uri="{C572A759-6A51-4108-AA02-DFA0A04FC94B}">
-              <ma14:wrappingTextBoxFlag xmlns="" xmlns:m="http://schemas.openxmlformats.org/officeDocument/2006/math" xmlns:a14="http://schemas.microsoft.com/office/drawing/2010/main" xmlns:ma14="http://schemas.microsoft.com/office/mac/drawingml/2011/main" val="1"/>
+              <ma14:wrappingTextBoxFlag xmlns:ma14="http://schemas.microsoft.com/office/mac/drawingml/2011/main" xmlns:a14="http://schemas.microsoft.com/office/drawing/2010/main" xmlns:m="http://schemas.openxmlformats.org/officeDocument/2006/math" xmlns="" val="1"/>
             </a:ext>
           </a:extLst>
         </p:spPr>
@@ -7587,7 +7587,7 @@
           </a:ln>
           <a:extLst>
             <a:ext uri="{C572A759-6A51-4108-AA02-DFA0A04FC94B}">
-              <ma14:wrappingTextBoxFlag xmlns="" xmlns:m="http://schemas.openxmlformats.org/officeDocument/2006/math" xmlns:a14="http://schemas.microsoft.com/office/drawing/2010/main" xmlns:ma14="http://schemas.microsoft.com/office/mac/drawingml/2011/main" val="1"/>
+              <ma14:wrappingTextBoxFlag xmlns:ma14="http://schemas.microsoft.com/office/mac/drawingml/2011/main" xmlns:a14="http://schemas.microsoft.com/office/drawing/2010/main" xmlns:m="http://schemas.openxmlformats.org/officeDocument/2006/math" xmlns="" val="1"/>
             </a:ext>
           </a:extLst>
         </p:spPr>
@@ -7645,7 +7645,7 @@
           </a:ln>
           <a:extLst>
             <a:ext uri="{C572A759-6A51-4108-AA02-DFA0A04FC94B}">
-              <ma14:wrappingTextBoxFlag xmlns="" xmlns:m="http://schemas.openxmlformats.org/officeDocument/2006/math" xmlns:a14="http://schemas.microsoft.com/office/drawing/2010/main" xmlns:ma14="http://schemas.microsoft.com/office/mac/drawingml/2011/main" val="1"/>
+              <ma14:wrappingTextBoxFlag xmlns:ma14="http://schemas.microsoft.com/office/mac/drawingml/2011/main" xmlns:a14="http://schemas.microsoft.com/office/drawing/2010/main" xmlns:m="http://schemas.openxmlformats.org/officeDocument/2006/math" xmlns="" val="1"/>
             </a:ext>
           </a:extLst>
         </p:spPr>
@@ -7702,7 +7702,7 @@
           </a:ln>
           <a:extLst>
             <a:ext uri="{C572A759-6A51-4108-AA02-DFA0A04FC94B}">
-              <ma14:wrappingTextBoxFlag xmlns="" xmlns:m="http://schemas.openxmlformats.org/officeDocument/2006/math" xmlns:a14="http://schemas.microsoft.com/office/drawing/2010/main" xmlns:ma14="http://schemas.microsoft.com/office/mac/drawingml/2011/main" val="1"/>
+              <ma14:wrappingTextBoxFlag xmlns:ma14="http://schemas.microsoft.com/office/mac/drawingml/2011/main" xmlns:a14="http://schemas.microsoft.com/office/drawing/2010/main" xmlns:m="http://schemas.openxmlformats.org/officeDocument/2006/math" xmlns="" val="1"/>
             </a:ext>
           </a:extLst>
         </p:spPr>
@@ -7762,7 +7762,7 @@
           </a:ln>
           <a:extLst>
             <a:ext uri="{C572A759-6A51-4108-AA02-DFA0A04FC94B}">
-              <ma14:wrappingTextBoxFlag xmlns="" xmlns:m="http://schemas.openxmlformats.org/officeDocument/2006/math" xmlns:a14="http://schemas.microsoft.com/office/drawing/2010/main" xmlns:ma14="http://schemas.microsoft.com/office/mac/drawingml/2011/main" val="1"/>
+              <ma14:wrappingTextBoxFlag xmlns:ma14="http://schemas.microsoft.com/office/mac/drawingml/2011/main" xmlns:a14="http://schemas.microsoft.com/office/drawing/2010/main" xmlns:m="http://schemas.openxmlformats.org/officeDocument/2006/math" xmlns="" val="1"/>
             </a:ext>
           </a:extLst>
         </p:spPr>

--- a/powerpoint template.pptx
+++ b/powerpoint template.pptx
@@ -69,7 +69,7 @@
         <a:sym typeface="Aptos"/>
       </a:defRPr>
     </a:lvl1pPr>
-    <a:lvl2pPr marL="0" marR="0" indent="457200" algn="l" defTabSz="457200" rtl="0" fontAlgn="auto" latinLnBrk="0" hangingPunct="0">
+    <a:lvl2pPr marL="0" marR="0" indent="0" algn="l" defTabSz="457200" rtl="0" fontAlgn="auto" latinLnBrk="0" hangingPunct="0">
       <a:lnSpc>
         <a:spcPct val="100000"/>
       </a:lnSpc>
@@ -99,7 +99,7 @@
         <a:sym typeface="Aptos"/>
       </a:defRPr>
     </a:lvl2pPr>
-    <a:lvl3pPr marL="0" marR="0" indent="914400" algn="l" defTabSz="457200" rtl="0" fontAlgn="auto" latinLnBrk="0" hangingPunct="0">
+    <a:lvl3pPr marL="0" marR="0" indent="0" algn="l" defTabSz="457200" rtl="0" fontAlgn="auto" latinLnBrk="0" hangingPunct="0">
       <a:lnSpc>
         <a:spcPct val="100000"/>
       </a:lnSpc>
@@ -129,7 +129,7 @@
         <a:sym typeface="Aptos"/>
       </a:defRPr>
     </a:lvl3pPr>
-    <a:lvl4pPr marL="0" marR="0" indent="1371600" algn="l" defTabSz="457200" rtl="0" fontAlgn="auto" latinLnBrk="0" hangingPunct="0">
+    <a:lvl4pPr marL="0" marR="0" indent="0" algn="l" defTabSz="457200" rtl="0" fontAlgn="auto" latinLnBrk="0" hangingPunct="0">
       <a:lnSpc>
         <a:spcPct val="100000"/>
       </a:lnSpc>
@@ -159,7 +159,7 @@
         <a:sym typeface="Aptos"/>
       </a:defRPr>
     </a:lvl4pPr>
-    <a:lvl5pPr marL="0" marR="0" indent="1828800" algn="l" defTabSz="457200" rtl="0" fontAlgn="auto" latinLnBrk="0" hangingPunct="0">
+    <a:lvl5pPr marL="0" marR="0" indent="0" algn="l" defTabSz="457200" rtl="0" fontAlgn="auto" latinLnBrk="0" hangingPunct="0">
       <a:lnSpc>
         <a:spcPct val="100000"/>
       </a:lnSpc>
@@ -189,7 +189,7 @@
         <a:sym typeface="Aptos"/>
       </a:defRPr>
     </a:lvl5pPr>
-    <a:lvl6pPr marL="0" marR="0" indent="2286000" algn="l" defTabSz="457200" rtl="0" fontAlgn="auto" latinLnBrk="0" hangingPunct="0">
+    <a:lvl6pPr marL="0" marR="0" indent="0" algn="l" defTabSz="457200" rtl="0" fontAlgn="auto" latinLnBrk="0" hangingPunct="0">
       <a:lnSpc>
         <a:spcPct val="100000"/>
       </a:lnSpc>
@@ -219,7 +219,7 @@
         <a:sym typeface="Aptos"/>
       </a:defRPr>
     </a:lvl6pPr>
-    <a:lvl7pPr marL="0" marR="0" indent="2743200" algn="l" defTabSz="457200" rtl="0" fontAlgn="auto" latinLnBrk="0" hangingPunct="0">
+    <a:lvl7pPr marL="0" marR="0" indent="0" algn="l" defTabSz="457200" rtl="0" fontAlgn="auto" latinLnBrk="0" hangingPunct="0">
       <a:lnSpc>
         <a:spcPct val="100000"/>
       </a:lnSpc>
@@ -249,7 +249,7 @@
         <a:sym typeface="Aptos"/>
       </a:defRPr>
     </a:lvl7pPr>
-    <a:lvl8pPr marL="0" marR="0" indent="3200400" algn="l" defTabSz="457200" rtl="0" fontAlgn="auto" latinLnBrk="0" hangingPunct="0">
+    <a:lvl8pPr marL="0" marR="0" indent="0" algn="l" defTabSz="457200" rtl="0" fontAlgn="auto" latinLnBrk="0" hangingPunct="0">
       <a:lnSpc>
         <a:spcPct val="100000"/>
       </a:lnSpc>
@@ -279,7 +279,7 @@
         <a:sym typeface="Aptos"/>
       </a:defRPr>
     </a:lvl8pPr>
-    <a:lvl9pPr marL="0" marR="0" indent="3657600" algn="l" defTabSz="457200" rtl="0" fontAlgn="auto" latinLnBrk="0" hangingPunct="0">
+    <a:lvl9pPr marL="0" marR="0" indent="0" algn="l" defTabSz="457200" rtl="0" fontAlgn="auto" latinLnBrk="0" hangingPunct="0">
       <a:lnSpc>
         <a:spcPct val="100000"/>
       </a:lnSpc>
@@ -310,89 +310,7 @@
       </a:defRPr>
     </a:lvl9pPr>
   </p:defaultTextStyle>
-  <p:extLst>
-    <p:ext uri="{EFAFB233-063F-42B5-8137-9DF3F51BA10A}">
-      <p15:sldGuideLst xmlns:p15="http://schemas.microsoft.com/office/powerpoint/2012/main"/>
-    </p:ext>
-  </p:extLst>
 </p:presentation>
-</file>
-
-<file path=ppt/revisionInfo.xml><?xml version="1.0" encoding="utf-8"?>
-<p1510:revInfo xmlns:a="http://schemas.openxmlformats.org/drawingml/2006/main" xmlns:r="http://schemas.openxmlformats.org/officeDocument/2006/relationships" xmlns:p1510="http://schemas.microsoft.com/office/powerpoint/2015/10/main">
-  <p1510:revLst>
-    <p1510:client id="{CB0225AB-6E09-4C02-964D-D149BB380812}" v="3" dt="2026-02-11T11:01:34.408"/>
-  </p1510:revLst>
-</p1510:revInfo>
-</file>
-
-<file path=ppt/changesInfos/changesInfo1.xml><?xml version="1.0" encoding="utf-8"?>
-<pc:chgInfo xmlns:a="http://schemas.openxmlformats.org/drawingml/2006/main" xmlns:r="http://schemas.openxmlformats.org/officeDocument/2006/relationships" xmlns:ac="http://schemas.microsoft.com/office/drawing/2013/main/command" xmlns:pc="http://schemas.microsoft.com/office/powerpoint/2013/main/command">
-  <pc:docChgLst>
-    <pc:chgData name="roeland kramer" userId="205d280fcba3cbd5" providerId="LiveId" clId="{AE241127-7682-4E2B-B120-8E8D17819845}"/>
-    <pc:docChg chg="undo custSel modSld">
-      <pc:chgData name="roeland kramer" userId="205d280fcba3cbd5" providerId="LiveId" clId="{AE241127-7682-4E2B-B120-8E8D17819845}" dt="2026-02-11T11:01:42.612" v="12" actId="14100"/>
-      <pc:docMkLst>
-        <pc:docMk/>
-      </pc:docMkLst>
-      <pc:sldChg chg="addSp modSp mod">
-        <pc:chgData name="roeland kramer" userId="205d280fcba3cbd5" providerId="LiveId" clId="{AE241127-7682-4E2B-B120-8E8D17819845}" dt="2026-02-11T11:01:42.612" v="12" actId="14100"/>
-        <pc:sldMkLst>
-          <pc:docMk/>
-          <pc:sldMk cId="0" sldId="256"/>
-        </pc:sldMkLst>
-        <pc:spChg chg="add mod">
-          <ac:chgData name="roeland kramer" userId="205d280fcba3cbd5" providerId="LiveId" clId="{AE241127-7682-4E2B-B120-8E8D17819845}" dt="2026-02-11T11:00:37.721" v="5"/>
-          <ac:spMkLst>
-            <pc:docMk/>
-            <pc:sldMk cId="0" sldId="256"/>
-            <ac:spMk id="3" creationId="{BB3921B5-1062-934A-9741-17E6263E6886}"/>
-          </ac:spMkLst>
-        </pc:spChg>
-        <pc:spChg chg="add mod">
-          <ac:chgData name="roeland kramer" userId="205d280fcba3cbd5" providerId="LiveId" clId="{AE241127-7682-4E2B-B120-8E8D17819845}" dt="2026-02-11T11:01:42.612" v="12" actId="14100"/>
-          <ac:spMkLst>
-            <pc:docMk/>
-            <pc:sldMk cId="0" sldId="256"/>
-            <ac:spMk id="4" creationId="{5DC59128-3946-7A3C-5BF2-3C0AC5E116AC}"/>
-          </ac:spMkLst>
-        </pc:spChg>
-        <pc:spChg chg="add mod">
-          <ac:chgData name="roeland kramer" userId="205d280fcba3cbd5" providerId="LiveId" clId="{AE241127-7682-4E2B-B120-8E8D17819845}" dt="2026-02-10T13:48:19.521" v="3"/>
-          <ac:spMkLst>
-            <pc:docMk/>
-            <pc:sldMk cId="0" sldId="256"/>
-            <ac:spMk id="4" creationId="{C29B6D7C-C33A-D242-6C97-5AB89E6195D7}"/>
-          </ac:spMkLst>
-        </pc:spChg>
-        <pc:spChg chg="mod">
-          <ac:chgData name="roeland kramer" userId="205d280fcba3cbd5" providerId="LiveId" clId="{AE241127-7682-4E2B-B120-8E8D17819845}" dt="2026-02-10T13:48:31.615" v="4" actId="1076"/>
-          <ac:spMkLst>
-            <pc:docMk/>
-            <pc:sldMk cId="0" sldId="256"/>
-            <ac:spMk id="6" creationId="{1A70E66F-FDAA-0070-7C79-E2F3E1807420}"/>
-          </ac:spMkLst>
-        </pc:spChg>
-        <pc:spChg chg="mod">
-          <ac:chgData name="roeland kramer" userId="205d280fcba3cbd5" providerId="LiveId" clId="{AE241127-7682-4E2B-B120-8E8D17819845}" dt="2026-02-11T11:00:50.194" v="7" actId="1076"/>
-          <ac:spMkLst>
-            <pc:docMk/>
-            <pc:sldMk cId="0" sldId="256"/>
-            <ac:spMk id="176" creationId="{00000000-0000-0000-0000-000000000000}"/>
-          </ac:spMkLst>
-        </pc:spChg>
-        <pc:spChg chg="mod">
-          <ac:chgData name="roeland kramer" userId="205d280fcba3cbd5" providerId="LiveId" clId="{AE241127-7682-4E2B-B120-8E8D17819845}" dt="2026-02-11T11:00:52.538" v="8" actId="20577"/>
-          <ac:spMkLst>
-            <pc:docMk/>
-            <pc:sldMk cId="0" sldId="256"/>
-            <ac:spMk id="177" creationId="{00000000-0000-0000-0000-000000000000}"/>
-          </ac:spMkLst>
-        </pc:spChg>
-      </pc:sldChg>
-    </pc:docChg>
-  </pc:docChgLst>
-</pc:chgInfo>
 </file>
 
 <file path=ppt/notesMasters/notesMaster1.xml><?xml version="1.0" encoding="utf-8"?>
@@ -419,7 +337,7 @@
       </p:grpSpPr>
       <p:sp>
         <p:nvSpPr>
-          <p:cNvPr id="151" name="Shape 151"/>
+          <p:cNvPr id="142" name="Shape 142"/>
           <p:cNvSpPr>
             <a:spLocks noGrp="1" noRot="1" noChangeAspect="1"/>
           </p:cNvSpPr>
@@ -446,7 +364,7 @@
       </p:sp>
       <p:sp>
         <p:nvSpPr>
-          <p:cNvPr id="152" name="Shape 152"/>
+          <p:cNvPr id="143" name="Shape 143"/>
           <p:cNvSpPr>
             <a:spLocks noGrp="1"/>
           </p:cNvSpPr>
@@ -570,7 +488,7 @@
       </p:grpSpPr>
       <p:sp>
         <p:nvSpPr>
-          <p:cNvPr id="20" name="Titeltekst"/>
+          <p:cNvPr id="11" name="Titeltekst"/>
           <p:cNvSpPr txBox="1">
             <a:spLocks noGrp="1"/>
           </p:cNvSpPr>
@@ -595,7 +513,7 @@
       </p:sp>
       <p:sp>
         <p:nvSpPr>
-          <p:cNvPr id="21" name="Hoofdtekst - niveau één…"/>
+          <p:cNvPr id="12" name="Hoofdtekst - niveau één…"/>
           <p:cNvSpPr txBox="1">
             <a:spLocks noGrp="1"/>
           </p:cNvSpPr>
@@ -644,7 +562,7 @@
       </p:sp>
       <p:sp>
         <p:nvSpPr>
-          <p:cNvPr id="22" name="Dianummer"/>
+          <p:cNvPr id="13" name="Dianummer"/>
           <p:cNvSpPr txBox="1">
             <a:spLocks noGrp="1"/>
           </p:cNvSpPr>
@@ -696,7 +614,7 @@
       </p:grpSpPr>
       <p:pic>
         <p:nvPicPr>
-          <p:cNvPr id="131" name="Afbeelding 18" descr="Afbeelding 18"/>
+          <p:cNvPr id="122" name="Afbeelding 18" descr="Afbeelding 18"/>
           <p:cNvPicPr>
             <a:picLocks noChangeAspect="1"/>
           </p:cNvPicPr>
@@ -711,7 +629,7 @@
         <p:spPr>
           <a:xfrm>
             <a:off x="0" y="4061631"/>
-            <a:ext cx="6858000" cy="2756744"/>
+            <a:ext cx="6858000" cy="2756745"/>
           </a:xfrm>
           <a:prstGeom prst="rect">
             <a:avLst/>
@@ -723,21 +641,21 @@
       </p:pic>
       <p:sp>
         <p:nvSpPr>
-          <p:cNvPr id="132" name="Rechthoek"/>
+          <p:cNvPr id="123" name="Rechthoek"/>
           <p:cNvSpPr/>
           <p:nvPr/>
         </p:nvSpPr>
         <p:spPr>
           <a:xfrm>
-            <a:off x="-66675" y="1114237"/>
-            <a:ext cx="3398093" cy="2811526"/>
+            <a:off x="-66675" y="1114236"/>
+            <a:ext cx="3398093" cy="2811528"/>
           </a:xfrm>
           <a:prstGeom prst="rect">
             <a:avLst/>
           </a:prstGeom>
           <a:solidFill>
             <a:srgbClr val="FFFFFF">
-              <a:alpha val="59729"/>
+              <a:alpha val="59728"/>
             </a:srgbClr>
           </a:solidFill>
           <a:ln w="12700">
@@ -745,7 +663,7 @@
           </a:ln>
         </p:spPr>
         <p:txBody>
-          <a:bodyPr lIns="45719" rIns="45719" anchor="ctr"/>
+          <a:bodyPr lIns="45718" tIns="45718" rIns="45718" bIns="45718" anchor="ctr"/>
           <a:lstStyle/>
           <a:p>
             <a:endParaRPr/>
@@ -754,21 +672,21 @@
       </p:sp>
       <p:sp>
         <p:nvSpPr>
-          <p:cNvPr id="133" name="Rechthoek"/>
+          <p:cNvPr id="124" name="Rechthoek"/>
           <p:cNvSpPr/>
           <p:nvPr/>
         </p:nvSpPr>
         <p:spPr>
           <a:xfrm>
-            <a:off x="-66675" y="4006850"/>
-            <a:ext cx="3398093" cy="6156288"/>
+            <a:off x="-66675" y="4006849"/>
+            <a:ext cx="3398093" cy="6156290"/>
           </a:xfrm>
           <a:prstGeom prst="rect">
             <a:avLst/>
           </a:prstGeom>
           <a:solidFill>
             <a:srgbClr val="FFFFFF">
-              <a:alpha val="59581"/>
+              <a:alpha val="59728"/>
             </a:srgbClr>
           </a:solidFill>
           <a:ln w="12700">
@@ -776,7 +694,7 @@
           </a:ln>
         </p:spPr>
         <p:txBody>
-          <a:bodyPr lIns="45719" rIns="45719" anchor="ctr"/>
+          <a:bodyPr lIns="45718" tIns="45718" rIns="45718" bIns="45718" anchor="ctr"/>
           <a:lstStyle/>
           <a:p>
             <a:endParaRPr/>
@@ -785,7 +703,7 @@
       </p:sp>
       <p:pic>
         <p:nvPicPr>
-          <p:cNvPr id="134" name="Afbeelding" descr="Afbeelding"/>
+          <p:cNvPr id="125" name="Afbeelding" descr="Afbeelding"/>
           <p:cNvPicPr>
             <a:picLocks noChangeAspect="1"/>
           </p:cNvPicPr>
@@ -799,8 +717,8 @@
         </p:blipFill>
         <p:spPr>
           <a:xfrm>
-            <a:off x="3637339" y="-22389"/>
-            <a:ext cx="3218490" cy="3242597"/>
+            <a:off x="3637338" y="-22389"/>
+            <a:ext cx="3218491" cy="3242598"/>
           </a:xfrm>
           <a:prstGeom prst="rect">
             <a:avLst/>
@@ -812,7 +730,7 @@
       </p:pic>
       <p:pic>
         <p:nvPicPr>
-          <p:cNvPr id="135" name="Afbeelding" descr="Afbeelding"/>
+          <p:cNvPr id="126" name="Afbeelding" descr="Afbeelding"/>
           <p:cNvPicPr>
             <a:picLocks noChangeAspect="1"/>
           </p:cNvPicPr>
@@ -827,7 +745,7 @@
         <p:spPr>
           <a:xfrm>
             <a:off x="350286" y="330461"/>
-            <a:ext cx="3235551" cy="425663"/>
+            <a:ext cx="3235551" cy="425664"/>
           </a:xfrm>
           <a:prstGeom prst="rect">
             <a:avLst/>
@@ -839,7 +757,7 @@
       </p:pic>
       <p:pic>
         <p:nvPicPr>
-          <p:cNvPr id="136" name="Afbeelding 15" descr="Afbeelding 15"/>
+          <p:cNvPr id="127" name="Afbeelding 15" descr="Afbeelding 15"/>
           <p:cNvPicPr>
             <a:picLocks noChangeAspect="1"/>
           </p:cNvPicPr>
@@ -866,7 +784,7 @@
       </p:pic>
       <p:pic>
         <p:nvPicPr>
-          <p:cNvPr id="137" name="Afbeelding 20" descr="Afbeelding 20"/>
+          <p:cNvPr id="128" name="Afbeelding 20" descr="Afbeelding 20"/>
           <p:cNvPicPr>
             <a:picLocks noChangeAspect="1"/>
           </p:cNvPicPr>
@@ -880,8 +798,8 @@
         </p:blipFill>
         <p:spPr>
           <a:xfrm>
-            <a:off x="0" y="7149256"/>
-            <a:ext cx="6858000" cy="2756744"/>
+            <a:off x="0" y="7149255"/>
+            <a:ext cx="6858000" cy="2756745"/>
           </a:xfrm>
           <a:prstGeom prst="rect">
             <a:avLst/>
@@ -893,14 +811,14 @@
       </p:pic>
       <p:sp>
         <p:nvSpPr>
-          <p:cNvPr id="138" name="Rechthoek 21"/>
+          <p:cNvPr id="129" name="Rechthoek 21"/>
           <p:cNvSpPr/>
           <p:nvPr/>
         </p:nvSpPr>
         <p:spPr>
           <a:xfrm>
             <a:off x="0" y="968562"/>
-            <a:ext cx="6858000" cy="328016"/>
+            <a:ext cx="6858000" cy="328017"/>
           </a:xfrm>
           <a:prstGeom prst="rect">
             <a:avLst/>
@@ -913,7 +831,7 @@
           </a:ln>
         </p:spPr>
         <p:txBody>
-          <a:bodyPr lIns="45719" rIns="45719" anchor="ctr"/>
+          <a:bodyPr lIns="45718" tIns="45718" rIns="45718" bIns="45718" anchor="ctr"/>
           <a:lstStyle/>
           <a:p>
             <a:pPr algn="ctr">
@@ -929,14 +847,14 @@
       </p:sp>
       <p:sp>
         <p:nvSpPr>
-          <p:cNvPr id="139" name="Rechthoek 22"/>
+          <p:cNvPr id="130" name="Rechthoek 22"/>
           <p:cNvSpPr/>
           <p:nvPr/>
         </p:nvSpPr>
         <p:spPr>
           <a:xfrm>
             <a:off x="0" y="3728261"/>
-            <a:ext cx="6858000" cy="328016"/>
+            <a:ext cx="6858000" cy="328017"/>
           </a:xfrm>
           <a:prstGeom prst="rect">
             <a:avLst/>
@@ -949,7 +867,7 @@
           </a:ln>
         </p:spPr>
         <p:txBody>
-          <a:bodyPr lIns="45719" rIns="45719" anchor="ctr"/>
+          <a:bodyPr lIns="45718" tIns="45718" rIns="45718" bIns="45718" anchor="ctr"/>
           <a:lstStyle/>
           <a:p>
             <a:pPr algn="ctr">
@@ -965,14 +883,14 @@
       </p:sp>
       <p:sp>
         <p:nvSpPr>
-          <p:cNvPr id="140" name="Rechthoek 23"/>
+          <p:cNvPr id="131" name="Rechthoek 23"/>
           <p:cNvSpPr/>
           <p:nvPr/>
         </p:nvSpPr>
         <p:spPr>
           <a:xfrm>
             <a:off x="0" y="6821241"/>
-            <a:ext cx="6858000" cy="328016"/>
+            <a:ext cx="6858000" cy="328017"/>
           </a:xfrm>
           <a:prstGeom prst="rect">
             <a:avLst/>
@@ -985,7 +903,7 @@
           </a:ln>
         </p:spPr>
         <p:txBody>
-          <a:bodyPr lIns="45719" rIns="45719" anchor="ctr"/>
+          <a:bodyPr lIns="45718" tIns="45718" rIns="45718" bIns="45718" anchor="ctr"/>
           <a:lstStyle/>
           <a:p>
             <a:pPr algn="ctr">
@@ -1001,7 +919,7 @@
       </p:sp>
       <p:pic>
         <p:nvPicPr>
-          <p:cNvPr id="141" name="Afbeelding 3" descr="Afbeelding 3"/>
+          <p:cNvPr id="132" name="Afbeelding 3" descr="Afbeelding 3"/>
           <p:cNvPicPr>
             <a:picLocks noChangeAspect="1"/>
           </p:cNvPicPr>
@@ -1015,8 +933,8 @@
         </p:blipFill>
         <p:spPr>
           <a:xfrm>
-            <a:off x="228599" y="227259"/>
-            <a:ext cx="4728160" cy="623496"/>
+            <a:off x="228599" y="227258"/>
+            <a:ext cx="4728160" cy="623497"/>
           </a:xfrm>
           <a:prstGeom prst="rect">
             <a:avLst/>
@@ -1028,14 +946,14 @@
       </p:pic>
       <p:sp>
         <p:nvSpPr>
-          <p:cNvPr id="142" name="Tekstvak 28"/>
+          <p:cNvPr id="133" name="Tekstvak 28"/>
           <p:cNvSpPr txBox="1"/>
           <p:nvPr/>
         </p:nvSpPr>
         <p:spPr>
           <a:xfrm>
-            <a:off x="274319" y="995634"/>
-            <a:ext cx="3867913" cy="370841"/>
+            <a:off x="274318" y="995634"/>
+            <a:ext cx="3867915" cy="370839"/>
           </a:xfrm>
           <a:prstGeom prst="rect">
             <a:avLst/>
@@ -1050,7 +968,7 @@
           </a:extLst>
         </p:spPr>
         <p:txBody>
-          <a:bodyPr lIns="45719" rIns="45719">
+          <a:bodyPr lIns="45718" tIns="45718" rIns="45718" bIns="45718">
             <a:spAutoFit/>
           </a:bodyPr>
           <a:lstStyle>
@@ -1075,14 +993,14 @@
       </p:sp>
       <p:sp>
         <p:nvSpPr>
-          <p:cNvPr id="143" name="Tekstvak 29"/>
+          <p:cNvPr id="134" name="Tekstvak 29"/>
           <p:cNvSpPr txBox="1"/>
           <p:nvPr/>
         </p:nvSpPr>
         <p:spPr>
           <a:xfrm>
-            <a:off x="293779" y="3750885"/>
-            <a:ext cx="3991643" cy="370841"/>
+            <a:off x="293778" y="3750886"/>
+            <a:ext cx="3991645" cy="370839"/>
           </a:xfrm>
           <a:prstGeom prst="rect">
             <a:avLst/>
@@ -1097,7 +1015,7 @@
           </a:extLst>
         </p:spPr>
         <p:txBody>
-          <a:bodyPr lIns="45719" rIns="45719">
+          <a:bodyPr lIns="45718" tIns="45718" rIns="45718" bIns="45718">
             <a:spAutoFit/>
           </a:bodyPr>
           <a:lstStyle>
@@ -1122,14 +1040,14 @@
       </p:sp>
       <p:sp>
         <p:nvSpPr>
-          <p:cNvPr id="144" name="Tekstvak 30"/>
+          <p:cNvPr id="135" name="Tekstvak 30"/>
           <p:cNvSpPr txBox="1"/>
           <p:nvPr/>
         </p:nvSpPr>
         <p:spPr>
           <a:xfrm>
-            <a:off x="274318" y="6833474"/>
-            <a:ext cx="3867913" cy="370841"/>
+            <a:off x="274317" y="6833475"/>
+            <a:ext cx="3867915" cy="370839"/>
           </a:xfrm>
           <a:prstGeom prst="rect">
             <a:avLst/>
@@ -1144,7 +1062,7 @@
           </a:extLst>
         </p:spPr>
         <p:txBody>
-          <a:bodyPr lIns="45719" rIns="45719">
+          <a:bodyPr lIns="45718" tIns="45718" rIns="45718" bIns="45718">
             <a:spAutoFit/>
           </a:bodyPr>
           <a:lstStyle>
@@ -1169,7 +1087,7 @@
       </p:sp>
       <p:sp>
         <p:nvSpPr>
-          <p:cNvPr id="145" name="Dianummer"/>
+          <p:cNvPr id="136" name="Dianummer"/>
           <p:cNvSpPr txBox="1">
             <a:spLocks noGrp="1"/>
           </p:cNvSpPr>
@@ -1221,7 +1139,7 @@
       </p:grpSpPr>
       <p:sp>
         <p:nvSpPr>
-          <p:cNvPr id="29" name="Titeltekst"/>
+          <p:cNvPr id="20" name="Titeltekst"/>
           <p:cNvSpPr txBox="1">
             <a:spLocks noGrp="1"/>
           </p:cNvSpPr>
@@ -1232,7 +1150,7 @@
         <p:spPr>
           <a:xfrm>
             <a:off x="467916" y="2469624"/>
-            <a:ext cx="5915026" cy="4120621"/>
+            <a:ext cx="5915027" cy="4120622"/>
           </a:xfrm>
           <a:prstGeom prst="rect">
             <a:avLst/>
@@ -1254,7 +1172,7 @@
       </p:sp>
       <p:sp>
         <p:nvSpPr>
-          <p:cNvPr id="30" name="Hoofdtekst - niveau één…"/>
+          <p:cNvPr id="21" name="Hoofdtekst - niveau één…"/>
           <p:cNvSpPr txBox="1">
             <a:spLocks noGrp="1"/>
           </p:cNvSpPr>
@@ -1265,7 +1183,7 @@
         <p:spPr>
           <a:xfrm>
             <a:off x="467916" y="6629226"/>
-            <a:ext cx="5915026" cy="2166938"/>
+            <a:ext cx="5915027" cy="2166939"/>
           </a:xfrm>
           <a:prstGeom prst="rect">
             <a:avLst/>
@@ -1284,7 +1202,7 @@
                 </a:solidFill>
               </a:defRPr>
             </a:lvl1pPr>
-            <a:lvl2pPr marL="0" indent="342900">
+            <a:lvl2pPr marL="0" indent="0">
               <a:buSzTx/>
               <a:buFontTx/>
               <a:buNone/>
@@ -1294,7 +1212,7 @@
                 </a:solidFill>
               </a:defRPr>
             </a:lvl2pPr>
-            <a:lvl3pPr marL="0" indent="685800">
+            <a:lvl3pPr marL="0" indent="0">
               <a:buSzTx/>
               <a:buFontTx/>
               <a:buNone/>
@@ -1304,7 +1222,7 @@
                 </a:solidFill>
               </a:defRPr>
             </a:lvl3pPr>
-            <a:lvl4pPr marL="0" indent="1028700">
+            <a:lvl4pPr marL="0" indent="0">
               <a:buSzTx/>
               <a:buFontTx/>
               <a:buNone/>
@@ -1314,7 +1232,7 @@
                 </a:solidFill>
               </a:defRPr>
             </a:lvl4pPr>
-            <a:lvl5pPr marL="0" indent="1371600">
+            <a:lvl5pPr marL="0" indent="0">
               <a:buSzTx/>
               <a:buFontTx/>
               <a:buNone/>
@@ -1358,7 +1276,7 @@
       </p:sp>
       <p:sp>
         <p:nvSpPr>
-          <p:cNvPr id="31" name="Dianummer"/>
+          <p:cNvPr id="22" name="Dianummer"/>
           <p:cNvSpPr txBox="1">
             <a:spLocks noGrp="1"/>
           </p:cNvSpPr>
@@ -1410,7 +1328,7 @@
       </p:grpSpPr>
       <p:sp>
         <p:nvSpPr>
-          <p:cNvPr id="38" name="Titeltekst"/>
+          <p:cNvPr id="29" name="Titeltekst"/>
           <p:cNvSpPr txBox="1">
             <a:spLocks noGrp="1"/>
           </p:cNvSpPr>
@@ -1435,7 +1353,7 @@
       </p:sp>
       <p:sp>
         <p:nvSpPr>
-          <p:cNvPr id="39" name="Hoofdtekst - niveau één…"/>
+          <p:cNvPr id="30" name="Hoofdtekst - niveau één…"/>
           <p:cNvSpPr txBox="1">
             <a:spLocks noGrp="1"/>
           </p:cNvSpPr>
@@ -1446,7 +1364,7 @@
         <p:spPr>
           <a:xfrm>
             <a:off x="471487" y="2637014"/>
-            <a:ext cx="2914651" cy="6285267"/>
+            <a:ext cx="2914651" cy="6285268"/>
           </a:xfrm>
           <a:prstGeom prst="rect">
             <a:avLst/>
@@ -1488,7 +1406,7 @@
       </p:sp>
       <p:sp>
         <p:nvSpPr>
-          <p:cNvPr id="40" name="Dianummer"/>
+          <p:cNvPr id="31" name="Dianummer"/>
           <p:cNvSpPr txBox="1">
             <a:spLocks noGrp="1"/>
           </p:cNvSpPr>
@@ -1540,7 +1458,7 @@
       </p:grpSpPr>
       <p:sp>
         <p:nvSpPr>
-          <p:cNvPr id="47" name="Titeltekst"/>
+          <p:cNvPr id="38" name="Titeltekst"/>
           <p:cNvSpPr txBox="1">
             <a:spLocks noGrp="1"/>
           </p:cNvSpPr>
@@ -1551,7 +1469,7 @@
         <p:spPr>
           <a:xfrm>
             <a:off x="472381" y="527405"/>
-            <a:ext cx="5915026" cy="1914702"/>
+            <a:ext cx="5915027" cy="1914702"/>
           </a:xfrm>
           <a:prstGeom prst="rect">
             <a:avLst/>
@@ -1569,7 +1487,7 @@
       </p:sp>
       <p:sp>
         <p:nvSpPr>
-          <p:cNvPr id="48" name="Hoofdtekst - niveau één…"/>
+          <p:cNvPr id="39" name="Hoofdtekst - niveau één…"/>
           <p:cNvSpPr txBox="1">
             <a:spLocks noGrp="1"/>
           </p:cNvSpPr>
@@ -1579,8 +1497,8 @@
         </p:nvSpPr>
         <p:spPr>
           <a:xfrm>
-            <a:off x="472381" y="2428346"/>
-            <a:ext cx="2901256" cy="1190096"/>
+            <a:off x="472381" y="2428345"/>
+            <a:ext cx="2901257" cy="1190097"/>
           </a:xfrm>
           <a:prstGeom prst="rect">
             <a:avLst/>
@@ -1595,25 +1513,25 @@
               <a:buNone/>
               <a:defRPr sz="1800" b="1"/>
             </a:lvl1pPr>
-            <a:lvl2pPr marL="0" indent="342900">
+            <a:lvl2pPr marL="0" indent="0">
               <a:buSzTx/>
               <a:buFontTx/>
               <a:buNone/>
               <a:defRPr sz="1800" b="1"/>
             </a:lvl2pPr>
-            <a:lvl3pPr marL="0" indent="685800">
+            <a:lvl3pPr marL="0" indent="0">
               <a:buSzTx/>
               <a:buFontTx/>
               <a:buNone/>
               <a:defRPr sz="1800" b="1"/>
             </a:lvl3pPr>
-            <a:lvl4pPr marL="0" indent="1028700">
+            <a:lvl4pPr marL="0" indent="0">
               <a:buSzTx/>
               <a:buFontTx/>
               <a:buNone/>
               <a:defRPr sz="1800" b="1"/>
             </a:lvl4pPr>
-            <a:lvl5pPr marL="0" indent="1371600">
+            <a:lvl5pPr marL="0" indent="0">
               <a:buSzTx/>
               <a:buFontTx/>
               <a:buNone/>
@@ -1653,7 +1571,7 @@
       </p:sp>
       <p:sp>
         <p:nvSpPr>
-          <p:cNvPr id="49" name="Text Placeholder 4"/>
+          <p:cNvPr id="40" name="Text Placeholder 4"/>
           <p:cNvSpPr>
             <a:spLocks noGrp="1"/>
           </p:cNvSpPr>
@@ -1664,7 +1582,7 @@
         <p:spPr>
           <a:xfrm>
             <a:off x="3471862" y="2428346"/>
-            <a:ext cx="2915544" cy="1190096"/>
+            <a:ext cx="2915545" cy="1190096"/>
           </a:xfrm>
           <a:prstGeom prst="rect">
             <a:avLst/>
@@ -1674,19 +1592,13 @@
           <a:bodyPr anchor="b"/>
           <a:lstStyle/>
           <a:p>
-            <a:pPr marL="0" indent="0">
-              <a:buSzTx/>
-              <a:buFontTx/>
-              <a:buNone/>
-              <a:defRPr sz="1800" b="1"/>
-            </a:pPr>
             <a:endParaRPr/>
           </a:p>
         </p:txBody>
       </p:sp>
       <p:sp>
         <p:nvSpPr>
-          <p:cNvPr id="50" name="Dianummer"/>
+          <p:cNvPr id="41" name="Dianummer"/>
           <p:cNvSpPr txBox="1">
             <a:spLocks noGrp="1"/>
           </p:cNvSpPr>
@@ -1738,7 +1650,7 @@
       </p:grpSpPr>
       <p:sp>
         <p:nvSpPr>
-          <p:cNvPr id="57" name="Titeltekst"/>
+          <p:cNvPr id="48" name="Titeltekst"/>
           <p:cNvSpPr txBox="1">
             <a:spLocks noGrp="1"/>
           </p:cNvSpPr>
@@ -1763,7 +1675,7 @@
       </p:sp>
       <p:sp>
         <p:nvSpPr>
-          <p:cNvPr id="58" name="Dianummer"/>
+          <p:cNvPr id="49" name="Dianummer"/>
           <p:cNvSpPr txBox="1">
             <a:spLocks noGrp="1"/>
           </p:cNvSpPr>
@@ -1815,7 +1727,7 @@
       </p:grpSpPr>
       <p:sp>
         <p:nvSpPr>
-          <p:cNvPr id="65" name="Dianummer"/>
+          <p:cNvPr id="56" name="Dianummer"/>
           <p:cNvSpPr txBox="1">
             <a:spLocks noGrp="1"/>
           </p:cNvSpPr>
@@ -1867,7 +1779,7 @@
       </p:grpSpPr>
       <p:sp>
         <p:nvSpPr>
-          <p:cNvPr id="72" name="Titeltekst"/>
+          <p:cNvPr id="63" name="Titeltekst"/>
           <p:cNvSpPr txBox="1">
             <a:spLocks noGrp="1"/>
           </p:cNvSpPr>
@@ -1900,7 +1812,7 @@
       </p:sp>
       <p:sp>
         <p:nvSpPr>
-          <p:cNvPr id="73" name="Hoofdtekst - niveau één…"/>
+          <p:cNvPr id="64" name="Hoofdtekst - niveau één…"/>
           <p:cNvSpPr txBox="1">
             <a:spLocks noGrp="1"/>
           </p:cNvSpPr>
@@ -1910,8 +1822,8 @@
         </p:nvSpPr>
         <p:spPr>
           <a:xfrm>
-            <a:off x="2915542" y="1426282"/>
-            <a:ext cx="3471864" cy="7039682"/>
+            <a:off x="2915541" y="1426282"/>
+            <a:ext cx="3471866" cy="7039682"/>
           </a:xfrm>
           <a:prstGeom prst="rect">
             <a:avLst/>
@@ -1932,7 +1844,7 @@
             <a:lvl4pPr marL="1303019" indent="-274319">
               <a:defRPr sz="2400"/>
             </a:lvl4pPr>
-            <a:lvl5pPr marL="1645920" indent="-274320">
+            <a:lvl5pPr marL="1645920" indent="-274319">
               <a:defRPr sz="2400"/>
             </a:lvl5pPr>
           </a:lstStyle>
@@ -1969,7 +1881,7 @@
       </p:sp>
       <p:sp>
         <p:nvSpPr>
-          <p:cNvPr id="74" name="Text Placeholder 3"/>
+          <p:cNvPr id="65" name="Text Placeholder 3"/>
           <p:cNvSpPr>
             <a:spLocks noGrp="1"/>
           </p:cNvSpPr>
@@ -1990,19 +1902,13 @@
           <a:bodyPr/>
           <a:lstStyle/>
           <a:p>
-            <a:pPr marL="0" indent="0">
-              <a:buSzTx/>
-              <a:buFontTx/>
-              <a:buNone/>
-              <a:defRPr sz="1200"/>
-            </a:pPr>
             <a:endParaRPr/>
           </a:p>
         </p:txBody>
       </p:sp>
       <p:sp>
         <p:nvSpPr>
-          <p:cNvPr id="75" name="Dianummer"/>
+          <p:cNvPr id="66" name="Dianummer"/>
           <p:cNvSpPr txBox="1">
             <a:spLocks noGrp="1"/>
           </p:cNvSpPr>
@@ -2054,7 +1960,7 @@
       </p:grpSpPr>
       <p:sp>
         <p:nvSpPr>
-          <p:cNvPr id="82" name="Titeltekst"/>
+          <p:cNvPr id="73" name="Titeltekst"/>
           <p:cNvSpPr txBox="1">
             <a:spLocks noGrp="1"/>
           </p:cNvSpPr>
@@ -2087,7 +1993,7 @@
       </p:sp>
       <p:sp>
         <p:nvSpPr>
-          <p:cNvPr id="83" name="Picture Placeholder 2"/>
+          <p:cNvPr id="74" name="Picture Placeholder 2"/>
           <p:cNvSpPr>
             <a:spLocks noGrp="1"/>
           </p:cNvSpPr>
@@ -2097,15 +2003,15 @@
         </p:nvSpPr>
         <p:spPr>
           <a:xfrm>
-            <a:off x="2915542" y="1426282"/>
-            <a:ext cx="3471864" cy="7039682"/>
+            <a:off x="2915541" y="1426282"/>
+            <a:ext cx="3471866" cy="7039682"/>
           </a:xfrm>
           <a:prstGeom prst="rect">
             <a:avLst/>
           </a:prstGeom>
         </p:spPr>
         <p:txBody>
-          <a:bodyPr lIns="91439" rIns="91439">
+          <a:bodyPr lIns="91439" tIns="45719" rIns="91439" bIns="45719">
             <a:noAutofit/>
           </a:bodyPr>
           <a:lstStyle/>
@@ -2116,7 +2022,7 @@
       </p:sp>
       <p:sp>
         <p:nvSpPr>
-          <p:cNvPr id="84" name="Hoofdtekst - niveau één…"/>
+          <p:cNvPr id="75" name="Hoofdtekst - niveau één…"/>
           <p:cNvSpPr txBox="1">
             <a:spLocks noGrp="1"/>
           </p:cNvSpPr>
@@ -2142,25 +2048,25 @@
               <a:buNone/>
               <a:defRPr sz="1200"/>
             </a:lvl1pPr>
-            <a:lvl2pPr marL="0" indent="342900">
+            <a:lvl2pPr marL="0" indent="0">
               <a:buSzTx/>
               <a:buFontTx/>
               <a:buNone/>
               <a:defRPr sz="1200"/>
             </a:lvl2pPr>
-            <a:lvl3pPr marL="0" indent="685800">
+            <a:lvl3pPr marL="0" indent="0">
               <a:buSzTx/>
               <a:buFontTx/>
               <a:buNone/>
               <a:defRPr sz="1200"/>
             </a:lvl3pPr>
-            <a:lvl4pPr marL="0" indent="1028700">
+            <a:lvl4pPr marL="0" indent="0">
               <a:buSzTx/>
               <a:buFontTx/>
               <a:buNone/>
               <a:defRPr sz="1200"/>
             </a:lvl4pPr>
-            <a:lvl5pPr marL="0" indent="1371600">
+            <a:lvl5pPr marL="0" indent="0">
               <a:buSzTx/>
               <a:buFontTx/>
               <a:buNone/>
@@ -2200,7 +2106,7 @@
       </p:sp>
       <p:sp>
         <p:nvSpPr>
-          <p:cNvPr id="85" name="Dianummer"/>
+          <p:cNvPr id="76" name="Dianummer"/>
           <p:cNvSpPr txBox="1">
             <a:spLocks noGrp="1"/>
           </p:cNvSpPr>
@@ -2252,9 +2158,9 @@
       </p:grpSpPr>
       <p:pic>
         <p:nvPicPr>
-          <p:cNvPr id="92" name="Afbeelding 10" descr="Afbeelding 10"/>
+          <p:cNvPr id="83" name="Afbeelding 10" descr="Afbeelding 10"/>
           <p:cNvPicPr>
-            <a:picLocks/>
+            <a:picLocks noChangeAspect="1"/>
           </p:cNvPicPr>
           <p:nvPr/>
         </p:nvPicPr>
@@ -2266,8 +2172,8 @@
         </p:blipFill>
         <p:spPr>
           <a:xfrm>
-            <a:off x="-74315" y="3684932"/>
-            <a:ext cx="7147323" cy="6582205"/>
+            <a:off x="-74316" y="3684932"/>
+            <a:ext cx="7147324" cy="6582206"/>
           </a:xfrm>
           <a:prstGeom prst="rect">
             <a:avLst/>
@@ -2279,7 +2185,7 @@
       </p:pic>
       <p:pic>
         <p:nvPicPr>
-          <p:cNvPr id="93" name="Afbeelding" descr="Afbeelding"/>
+          <p:cNvPr id="84" name="Afbeelding" descr="Afbeelding"/>
           <p:cNvPicPr>
             <a:picLocks noChangeAspect="1"/>
           </p:cNvPicPr>
@@ -2293,8 +2199,8 @@
         </p:blipFill>
         <p:spPr>
           <a:xfrm>
-            <a:off x="3637339" y="-22389"/>
-            <a:ext cx="3218490" cy="3242597"/>
+            <a:off x="3637338" y="-22389"/>
+            <a:ext cx="3218491" cy="3242598"/>
           </a:xfrm>
           <a:prstGeom prst="rect">
             <a:avLst/>
@@ -2306,7 +2212,7 @@
       </p:pic>
       <p:pic>
         <p:nvPicPr>
-          <p:cNvPr id="94" name="Afbeelding" descr="Afbeelding"/>
+          <p:cNvPr id="85" name="Afbeelding" descr="Afbeelding"/>
           <p:cNvPicPr>
             <a:picLocks noChangeAspect="1"/>
           </p:cNvPicPr>
@@ -2321,7 +2227,7 @@
         <p:spPr>
           <a:xfrm>
             <a:off x="350286" y="330461"/>
-            <a:ext cx="3235551" cy="425663"/>
+            <a:ext cx="3235551" cy="425664"/>
           </a:xfrm>
           <a:prstGeom prst="rect">
             <a:avLst/>
@@ -2333,7 +2239,7 @@
       </p:pic>
       <p:pic>
         <p:nvPicPr>
-          <p:cNvPr id="95" name="Afbeelding 9" descr="Afbeelding 9"/>
+          <p:cNvPr id="86" name="Afbeelding 9" descr="Afbeelding 9"/>
           <p:cNvPicPr>
             <a:picLocks noChangeAspect="1"/>
           </p:cNvPicPr>
@@ -2360,7 +2266,7 @@
       </p:pic>
       <p:pic>
         <p:nvPicPr>
-          <p:cNvPr id="96" name="Afbeelding 12" descr="Afbeelding 12"/>
+          <p:cNvPr id="87" name="Afbeelding 12" descr="Afbeelding 12"/>
           <p:cNvPicPr>
             <a:picLocks noChangeAspect="1"/>
           </p:cNvPicPr>
@@ -2375,7 +2281,7 @@
         <p:spPr>
           <a:xfrm>
             <a:off x="0" y="983101"/>
-            <a:ext cx="6858000" cy="432761"/>
+            <a:ext cx="6858000" cy="432762"/>
           </a:xfrm>
           <a:prstGeom prst="rect">
             <a:avLst/>
@@ -2387,7 +2293,7 @@
       </p:pic>
       <p:pic>
         <p:nvPicPr>
-          <p:cNvPr id="97" name="Afbeelding 13" descr="Afbeelding 13"/>
+          <p:cNvPr id="88" name="Afbeelding 13" descr="Afbeelding 13"/>
           <p:cNvPicPr>
             <a:picLocks noChangeAspect="1"/>
           </p:cNvPicPr>
@@ -2402,7 +2308,7 @@
         <p:spPr>
           <a:xfrm>
             <a:off x="0" y="3291418"/>
-            <a:ext cx="6858000" cy="430004"/>
+            <a:ext cx="6858000" cy="430005"/>
           </a:xfrm>
           <a:prstGeom prst="rect">
             <a:avLst/>
@@ -2414,7 +2320,7 @@
       </p:pic>
       <p:pic>
         <p:nvPicPr>
-          <p:cNvPr id="98" name="Afbeelding 3" descr="Afbeelding 3"/>
+          <p:cNvPr id="89" name="Afbeelding 3" descr="Afbeelding 3"/>
           <p:cNvPicPr>
             <a:picLocks noChangeAspect="1"/>
           </p:cNvPicPr>
@@ -2428,8 +2334,8 @@
         </p:blipFill>
         <p:spPr>
           <a:xfrm>
-            <a:off x="228599" y="227259"/>
-            <a:ext cx="4728160" cy="623496"/>
+            <a:off x="228599" y="227258"/>
+            <a:ext cx="4728160" cy="623497"/>
           </a:xfrm>
           <a:prstGeom prst="rect">
             <a:avLst/>
@@ -2441,7 +2347,7 @@
       </p:pic>
       <p:pic>
         <p:nvPicPr>
-          <p:cNvPr id="99" name="Afbeelding 28" descr="Afbeelding 28"/>
+          <p:cNvPr id="90" name="Afbeelding 28" descr="Afbeelding 28"/>
           <p:cNvPicPr>
             <a:picLocks noChangeAspect="1"/>
           </p:cNvPicPr>
@@ -2456,7 +2362,7 @@
         <p:spPr>
           <a:xfrm>
             <a:off x="228599" y="1019608"/>
-            <a:ext cx="445478" cy="392863"/>
+            <a:ext cx="445478" cy="392864"/>
           </a:xfrm>
           <a:prstGeom prst="rect">
             <a:avLst/>
@@ -2468,7 +2374,7 @@
       </p:pic>
       <p:pic>
         <p:nvPicPr>
-          <p:cNvPr id="100" name="Afbeelding 29" descr="Afbeelding 29"/>
+          <p:cNvPr id="91" name="Afbeelding 29" descr="Afbeelding 29"/>
           <p:cNvPicPr>
             <a:picLocks noChangeAspect="1"/>
           </p:cNvPicPr>
@@ -2482,8 +2388,8 @@
         </p:blipFill>
         <p:spPr>
           <a:xfrm>
-            <a:off x="228597" y="3329725"/>
-            <a:ext cx="445479" cy="392863"/>
+            <a:off x="228596" y="3329725"/>
+            <a:ext cx="445481" cy="392864"/>
           </a:xfrm>
           <a:prstGeom prst="rect">
             <a:avLst/>
@@ -2495,7 +2401,7 @@
       </p:pic>
       <p:pic>
         <p:nvPicPr>
-          <p:cNvPr id="101" name="Afbeelding 34" descr="Afbeelding 34"/>
+          <p:cNvPr id="92" name="Afbeelding 34" descr="Afbeelding 34"/>
           <p:cNvPicPr>
             <a:picLocks noChangeAspect="1"/>
           </p:cNvPicPr>
@@ -2509,8 +2415,8 @@
         </p:blipFill>
         <p:spPr>
           <a:xfrm>
-            <a:off x="228597" y="7710989"/>
-            <a:ext cx="445479" cy="392863"/>
+            <a:off x="228596" y="7710989"/>
+            <a:ext cx="445481" cy="392864"/>
           </a:xfrm>
           <a:prstGeom prst="rect">
             <a:avLst/>
@@ -2522,7 +2428,7 @@
       </p:pic>
       <p:pic>
         <p:nvPicPr>
-          <p:cNvPr id="102" name="Afbeelding 43" descr="Afbeelding 43"/>
+          <p:cNvPr id="93" name="Afbeelding 43" descr="Afbeelding 43"/>
           <p:cNvPicPr>
             <a:picLocks noChangeAspect="1"/>
           </p:cNvPicPr>
@@ -2536,8 +2442,8 @@
         </p:blipFill>
         <p:spPr>
           <a:xfrm>
-            <a:off x="228597" y="6630836"/>
-            <a:ext cx="445479" cy="392863"/>
+            <a:off x="228596" y="6630836"/>
+            <a:ext cx="445481" cy="392864"/>
           </a:xfrm>
           <a:prstGeom prst="rect">
             <a:avLst/>
@@ -2549,7 +2455,7 @@
       </p:pic>
       <p:pic>
         <p:nvPicPr>
-          <p:cNvPr id="103" name="Afbeelding 45" descr="Afbeelding 45"/>
+          <p:cNvPr id="94" name="Afbeelding 45" descr="Afbeelding 45"/>
           <p:cNvPicPr>
             <a:picLocks noChangeAspect="1"/>
           </p:cNvPicPr>
@@ -2563,8 +2469,8 @@
         </p:blipFill>
         <p:spPr>
           <a:xfrm>
-            <a:off x="228597" y="5575279"/>
-            <a:ext cx="445479" cy="392863"/>
+            <a:off x="228596" y="5575279"/>
+            <a:ext cx="445481" cy="392864"/>
           </a:xfrm>
           <a:prstGeom prst="rect">
             <a:avLst/>
@@ -2576,7 +2482,7 @@
       </p:pic>
       <p:pic>
         <p:nvPicPr>
-          <p:cNvPr id="104" name="Afbeelding 47" descr="Afbeelding 47"/>
+          <p:cNvPr id="95" name="Afbeelding 47" descr="Afbeelding 47"/>
           <p:cNvPicPr>
             <a:picLocks noChangeAspect="1"/>
           </p:cNvPicPr>
@@ -2591,7 +2497,7 @@
         <p:spPr>
           <a:xfrm>
             <a:off x="3766037" y="5575279"/>
-            <a:ext cx="445478" cy="392863"/>
+            <a:ext cx="445479" cy="392864"/>
           </a:xfrm>
           <a:prstGeom prst="rect">
             <a:avLst/>
@@ -2603,14 +2509,14 @@
       </p:pic>
       <p:sp>
         <p:nvSpPr>
-          <p:cNvPr id="105" name="Tekstvak 58"/>
+          <p:cNvPr id="96" name="Tekstvak 58"/>
           <p:cNvSpPr txBox="1"/>
           <p:nvPr/>
         </p:nvSpPr>
         <p:spPr>
           <a:xfrm>
             <a:off x="274317" y="1567967"/>
-            <a:ext cx="1549793" cy="1513841"/>
+            <a:ext cx="1549794" cy="1513839"/>
           </a:xfrm>
           <a:prstGeom prst="rect">
             <a:avLst/>
@@ -2625,7 +2531,7 @@
           </a:extLst>
         </p:spPr>
         <p:txBody>
-          <a:bodyPr lIns="45719" rIns="45719">
+          <a:bodyPr lIns="45718" tIns="45718" rIns="45718" bIns="45718">
             <a:spAutoFit/>
           </a:bodyPr>
           <a:lstStyle/>
@@ -2745,14 +2651,14 @@
       </p:sp>
       <p:sp>
         <p:nvSpPr>
-          <p:cNvPr id="106" name="Tekstvak 59"/>
+          <p:cNvPr id="97" name="Tekstvak 59"/>
           <p:cNvSpPr txBox="1"/>
           <p:nvPr/>
         </p:nvSpPr>
         <p:spPr>
           <a:xfrm>
-            <a:off x="3432221" y="2585783"/>
-            <a:ext cx="1863386" cy="701041"/>
+            <a:off x="3432221" y="2585784"/>
+            <a:ext cx="1863387" cy="701039"/>
           </a:xfrm>
           <a:prstGeom prst="rect">
             <a:avLst/>
@@ -2767,7 +2673,7 @@
           </a:extLst>
         </p:spPr>
         <p:txBody>
-          <a:bodyPr lIns="45719" rIns="45719">
+          <a:bodyPr lIns="45718" tIns="45718" rIns="45718" bIns="45718">
             <a:spAutoFit/>
           </a:bodyPr>
           <a:lstStyle/>
@@ -2823,14 +2729,14 @@
       </p:sp>
       <p:sp>
         <p:nvSpPr>
-          <p:cNvPr id="107" name="Tekstvak 8"/>
+          <p:cNvPr id="98" name="Tekstvak 8"/>
           <p:cNvSpPr txBox="1"/>
           <p:nvPr/>
         </p:nvSpPr>
         <p:spPr>
           <a:xfrm>
-            <a:off x="274318" y="3818868"/>
-            <a:ext cx="961945" cy="281941"/>
+            <a:off x="274317" y="3818869"/>
+            <a:ext cx="961945" cy="281939"/>
           </a:xfrm>
           <a:prstGeom prst="rect">
             <a:avLst/>
@@ -2845,7 +2751,7 @@
           </a:extLst>
         </p:spPr>
         <p:txBody>
-          <a:bodyPr lIns="45719" rIns="45719">
+          <a:bodyPr lIns="45718" tIns="45718" rIns="45718" bIns="45718">
             <a:spAutoFit/>
           </a:bodyPr>
           <a:lstStyle>
@@ -2870,14 +2776,14 @@
       </p:sp>
       <p:sp>
         <p:nvSpPr>
-          <p:cNvPr id="108" name="Tekstvak 11"/>
+          <p:cNvPr id="99" name="Tekstvak 11"/>
           <p:cNvSpPr txBox="1"/>
           <p:nvPr/>
         </p:nvSpPr>
         <p:spPr>
           <a:xfrm>
-            <a:off x="3090670" y="3827914"/>
-            <a:ext cx="961945" cy="281941"/>
+            <a:off x="3090670" y="3827915"/>
+            <a:ext cx="961945" cy="281939"/>
           </a:xfrm>
           <a:prstGeom prst="rect">
             <a:avLst/>
@@ -2892,7 +2798,7 @@
           </a:extLst>
         </p:spPr>
         <p:txBody>
-          <a:bodyPr lIns="45719" rIns="45719">
+          <a:bodyPr lIns="45718" tIns="45718" rIns="45718" bIns="45718">
             <a:spAutoFit/>
           </a:bodyPr>
           <a:lstStyle>
@@ -2917,14 +2823,14 @@
       </p:sp>
       <p:sp>
         <p:nvSpPr>
-          <p:cNvPr id="109" name="Tekstvak 14"/>
+          <p:cNvPr id="100" name="Tekstvak 14"/>
           <p:cNvSpPr txBox="1"/>
           <p:nvPr/>
         </p:nvSpPr>
         <p:spPr>
           <a:xfrm>
-            <a:off x="4000860" y="3826800"/>
-            <a:ext cx="961945" cy="281941"/>
+            <a:off x="4000860" y="3826801"/>
+            <a:ext cx="961945" cy="281939"/>
           </a:xfrm>
           <a:prstGeom prst="rect">
             <a:avLst/>
@@ -2939,7 +2845,7 @@
           </a:extLst>
         </p:spPr>
         <p:txBody>
-          <a:bodyPr lIns="45719" rIns="45719">
+          <a:bodyPr lIns="45718" tIns="45718" rIns="45718" bIns="45718">
             <a:spAutoFit/>
           </a:bodyPr>
           <a:lstStyle>
@@ -2964,14 +2870,14 @@
       </p:sp>
       <p:sp>
         <p:nvSpPr>
-          <p:cNvPr id="110" name="Tekstvak 15"/>
+          <p:cNvPr id="101" name="Tekstvak 15"/>
           <p:cNvSpPr txBox="1"/>
           <p:nvPr/>
         </p:nvSpPr>
         <p:spPr>
           <a:xfrm>
-            <a:off x="4969765" y="3826800"/>
-            <a:ext cx="961945" cy="281941"/>
+            <a:off x="4969764" y="3826801"/>
+            <a:ext cx="961945" cy="281939"/>
           </a:xfrm>
           <a:prstGeom prst="rect">
             <a:avLst/>
@@ -2986,7 +2892,7 @@
           </a:extLst>
         </p:spPr>
         <p:txBody>
-          <a:bodyPr lIns="45719" rIns="45719">
+          <a:bodyPr lIns="45718" tIns="45718" rIns="45718" bIns="45718">
             <a:spAutoFit/>
           </a:bodyPr>
           <a:lstStyle>
@@ -3011,14 +2917,14 @@
       </p:sp>
       <p:sp>
         <p:nvSpPr>
-          <p:cNvPr id="111" name="Tekstvak 17"/>
+          <p:cNvPr id="102" name="Tekstvak 17"/>
           <p:cNvSpPr txBox="1"/>
           <p:nvPr/>
         </p:nvSpPr>
         <p:spPr>
           <a:xfrm>
-            <a:off x="5850335" y="3824754"/>
-            <a:ext cx="961945" cy="281941"/>
+            <a:off x="5850335" y="3824755"/>
+            <a:ext cx="961945" cy="281939"/>
           </a:xfrm>
           <a:prstGeom prst="rect">
             <a:avLst/>
@@ -3033,7 +2939,7 @@
           </a:extLst>
         </p:spPr>
         <p:txBody>
-          <a:bodyPr lIns="45719" rIns="45719">
+          <a:bodyPr lIns="45718" tIns="45718" rIns="45718" bIns="45718">
             <a:spAutoFit/>
           </a:bodyPr>
           <a:lstStyle>
@@ -3058,7 +2964,7 @@
       </p:sp>
       <p:pic>
         <p:nvPicPr>
-          <p:cNvPr id="112" name="Afbeelding 13" descr="Afbeelding 13"/>
+          <p:cNvPr id="103" name="Afbeelding 13" descr="Afbeelding 13"/>
           <p:cNvPicPr>
             <a:picLocks noChangeAspect="1"/>
           </p:cNvPicPr>
@@ -3073,7 +2979,7 @@
         <p:spPr>
           <a:xfrm>
             <a:off x="0" y="3291418"/>
-            <a:ext cx="6858000" cy="430004"/>
+            <a:ext cx="6858000" cy="430005"/>
           </a:xfrm>
           <a:prstGeom prst="rect">
             <a:avLst/>
@@ -3085,7 +2991,7 @@
       </p:pic>
       <p:pic>
         <p:nvPicPr>
-          <p:cNvPr id="113" name="Afbeelding 29" descr="Afbeelding 29"/>
+          <p:cNvPr id="104" name="Afbeelding 29" descr="Afbeelding 29"/>
           <p:cNvPicPr>
             <a:picLocks noChangeAspect="1"/>
           </p:cNvPicPr>
@@ -3099,8 +3005,8 @@
         </p:blipFill>
         <p:spPr>
           <a:xfrm>
-            <a:off x="228597" y="3329725"/>
-            <a:ext cx="445479" cy="392863"/>
+            <a:off x="228596" y="3329725"/>
+            <a:ext cx="445481" cy="392864"/>
           </a:xfrm>
           <a:prstGeom prst="rect">
             <a:avLst/>
@@ -3112,7 +3018,7 @@
       </p:pic>
       <p:pic>
         <p:nvPicPr>
-          <p:cNvPr id="114" name="Afbeelding 34" descr="Afbeelding 34"/>
+          <p:cNvPr id="105" name="Afbeelding 34" descr="Afbeelding 34"/>
           <p:cNvPicPr>
             <a:picLocks noChangeAspect="1"/>
           </p:cNvPicPr>
@@ -3126,8 +3032,8 @@
         </p:blipFill>
         <p:spPr>
           <a:xfrm>
-            <a:off x="228597" y="7710989"/>
-            <a:ext cx="445479" cy="392863"/>
+            <a:off x="228596" y="7710989"/>
+            <a:ext cx="445481" cy="392864"/>
           </a:xfrm>
           <a:prstGeom prst="rect">
             <a:avLst/>
@@ -3139,7 +3045,7 @@
       </p:pic>
       <p:pic>
         <p:nvPicPr>
-          <p:cNvPr id="115" name="Afbeelding 40" descr="Afbeelding 40"/>
+          <p:cNvPr id="106" name="Afbeelding 40" descr="Afbeelding 40"/>
           <p:cNvPicPr>
             <a:picLocks noChangeAspect="1"/>
           </p:cNvPicPr>
@@ -3154,7 +3060,7 @@
         <p:spPr>
           <a:xfrm>
             <a:off x="0" y="5560459"/>
-            <a:ext cx="6858000" cy="432761"/>
+            <a:ext cx="6858000" cy="432762"/>
           </a:xfrm>
           <a:prstGeom prst="rect">
             <a:avLst/>
@@ -3166,7 +3072,7 @@
       </p:pic>
       <p:pic>
         <p:nvPicPr>
-          <p:cNvPr id="116" name="Afbeelding 43" descr="Afbeelding 43"/>
+          <p:cNvPr id="107" name="Afbeelding 43" descr="Afbeelding 43"/>
           <p:cNvPicPr>
             <a:picLocks noChangeAspect="1"/>
           </p:cNvPicPr>
@@ -3180,8 +3086,8 @@
         </p:blipFill>
         <p:spPr>
           <a:xfrm>
-            <a:off x="228597" y="6630836"/>
-            <a:ext cx="445479" cy="392863"/>
+            <a:off x="228596" y="6630836"/>
+            <a:ext cx="445481" cy="392864"/>
           </a:xfrm>
           <a:prstGeom prst="rect">
             <a:avLst/>
@@ -3193,7 +3099,7 @@
       </p:pic>
       <p:pic>
         <p:nvPicPr>
-          <p:cNvPr id="117" name="Afbeelding 45" descr="Afbeelding 45"/>
+          <p:cNvPr id="108" name="Afbeelding 45" descr="Afbeelding 45"/>
           <p:cNvPicPr>
             <a:picLocks noChangeAspect="1"/>
           </p:cNvPicPr>
@@ -3207,8 +3113,8 @@
         </p:blipFill>
         <p:spPr>
           <a:xfrm>
-            <a:off x="228597" y="5575279"/>
-            <a:ext cx="445479" cy="392863"/>
+            <a:off x="228596" y="5575279"/>
+            <a:ext cx="445481" cy="392864"/>
           </a:xfrm>
           <a:prstGeom prst="rect">
             <a:avLst/>
@@ -3220,7 +3126,7 @@
       </p:pic>
       <p:pic>
         <p:nvPicPr>
-          <p:cNvPr id="118" name="Afbeelding 47" descr="Afbeelding 47"/>
+          <p:cNvPr id="109" name="Afbeelding 47" descr="Afbeelding 47"/>
           <p:cNvPicPr>
             <a:picLocks noChangeAspect="1"/>
           </p:cNvPicPr>
@@ -3235,7 +3141,7 @@
         <p:spPr>
           <a:xfrm>
             <a:off x="3766037" y="5575279"/>
-            <a:ext cx="445478" cy="392863"/>
+            <a:ext cx="445479" cy="392864"/>
           </a:xfrm>
           <a:prstGeom prst="rect">
             <a:avLst/>
@@ -3247,14 +3153,14 @@
       </p:pic>
       <p:sp>
         <p:nvSpPr>
-          <p:cNvPr id="119" name="TextBox 28"/>
+          <p:cNvPr id="110" name="TextBox 28"/>
           <p:cNvSpPr txBox="1"/>
           <p:nvPr/>
         </p:nvSpPr>
         <p:spPr>
           <a:xfrm>
-            <a:off x="318080" y="5607511"/>
-            <a:ext cx="828295" cy="361189"/>
+            <a:off x="318080" y="5607510"/>
+            <a:ext cx="828293" cy="361187"/>
           </a:xfrm>
           <a:prstGeom prst="rect">
             <a:avLst/>
@@ -3269,11 +3175,11 @@
           </a:extLst>
         </p:spPr>
         <p:txBody>
-          <a:bodyPr wrap="none" lIns="9143" tIns="9143" rIns="9143" bIns="9143" anchor="ctr">
+          <a:bodyPr wrap="none" lIns="9142" tIns="9142" rIns="9142" bIns="9142" anchor="ctr">
             <a:spAutoFit/>
           </a:bodyPr>
           <a:lstStyle>
-            <a:lvl1pPr defTabSz="91439">
+            <a:lvl1pPr defTabSz="91438">
               <a:defRPr sz="2000" cap="all">
                 <a:solidFill>
                   <a:srgbClr val="FFFFFF"/>
@@ -3294,14 +3200,14 @@
       </p:sp>
       <p:sp>
         <p:nvSpPr>
-          <p:cNvPr id="120" name="TextBox 28"/>
+          <p:cNvPr id="111" name="TextBox 28"/>
           <p:cNvSpPr txBox="1"/>
           <p:nvPr/>
         </p:nvSpPr>
         <p:spPr>
           <a:xfrm>
-            <a:off x="605758" y="3329106"/>
-            <a:ext cx="1817625" cy="361189"/>
+            <a:off x="605758" y="3329107"/>
+            <a:ext cx="891031" cy="361187"/>
           </a:xfrm>
           <a:prstGeom prst="rect">
             <a:avLst/>
@@ -3316,11 +3222,11 @@
           </a:extLst>
         </p:spPr>
         <p:txBody>
-          <a:bodyPr wrap="none" lIns="9143" tIns="9143" rIns="9143" bIns="9143" anchor="ctr">
+          <a:bodyPr wrap="none" lIns="9142" tIns="9142" rIns="9142" bIns="9142" anchor="ctr">
             <a:spAutoFit/>
           </a:bodyPr>
           <a:lstStyle>
-            <a:lvl1pPr defTabSz="91439">
+            <a:lvl1pPr defTabSz="91438">
               <a:defRPr sz="2000">
                 <a:solidFill>
                   <a:srgbClr val="FFFFFF"/>
@@ -3334,14 +3240,14 @@
           </a:lstStyle>
           <a:p>
             <a:r>
-              <a:t>#STATISTIEKEN</a:t>
+              <a:t>#STATS</a:t>
             </a:r>
           </a:p>
         </p:txBody>
       </p:sp>
       <p:pic>
         <p:nvPicPr>
-          <p:cNvPr id="121" name="market-research-analysis-icon-wit.png" descr="market-research-analysis-icon-wit.png"/>
+          <p:cNvPr id="112" name="market-research-analysis-icon-wit.png" descr="market-research-analysis-icon-wit.png"/>
           <p:cNvPicPr>
             <a:picLocks noChangeAspect="1"/>
           </p:cNvPicPr>
@@ -3355,8 +3261,8 @@
         </p:blipFill>
         <p:spPr>
           <a:xfrm>
-            <a:off x="310327" y="3392068"/>
-            <a:ext cx="245699" cy="226589"/>
+            <a:off x="310326" y="3392068"/>
+            <a:ext cx="245700" cy="226590"/>
           </a:xfrm>
           <a:prstGeom prst="rect">
             <a:avLst/>
@@ -3368,7 +3274,7 @@
       </p:pic>
       <p:pic>
         <p:nvPicPr>
-          <p:cNvPr id="122" name="Afbeelding 20" descr="Afbeelding 20"/>
+          <p:cNvPr id="113" name="Afbeelding 20" descr="Afbeelding 20"/>
           <p:cNvPicPr>
             <a:picLocks noChangeAspect="1"/>
           </p:cNvPicPr>
@@ -3382,8 +3288,8 @@
         </p:blipFill>
         <p:spPr>
           <a:xfrm>
-            <a:off x="0" y="1496935"/>
-            <a:ext cx="6858000" cy="6912129"/>
+            <a:off x="0" y="1496934"/>
+            <a:ext cx="6858000" cy="6912131"/>
           </a:xfrm>
           <a:prstGeom prst="rect">
             <a:avLst/>
@@ -3395,7 +3301,7 @@
       </p:pic>
       <p:pic>
         <p:nvPicPr>
-          <p:cNvPr id="123" name="Afbeelding 20" descr="Afbeelding 20"/>
+          <p:cNvPr id="114" name="Afbeelding 20" descr="Afbeelding 20"/>
           <p:cNvPicPr>
             <a:picLocks noChangeAspect="1"/>
           </p:cNvPicPr>
@@ -3409,8 +3315,8 @@
         </p:blipFill>
         <p:spPr>
           <a:xfrm>
-            <a:off x="0" y="1496935"/>
-            <a:ext cx="6858000" cy="6912129"/>
+            <a:off x="0" y="1496934"/>
+            <a:ext cx="6858000" cy="6912131"/>
           </a:xfrm>
           <a:prstGeom prst="rect">
             <a:avLst/>
@@ -3422,7 +3328,7 @@
       </p:pic>
       <p:sp>
         <p:nvSpPr>
-          <p:cNvPr id="124" name="Dianummer"/>
+          <p:cNvPr id="115" name="Dianummer"/>
           <p:cNvSpPr txBox="1">
             <a:spLocks noGrp="1"/>
           </p:cNvSpPr>
@@ -3493,7 +3399,7 @@
         <p:spPr>
           <a:xfrm>
             <a:off x="471487" y="527405"/>
-            <a:ext cx="5915026" cy="1914702"/>
+            <a:ext cx="5915027" cy="1914702"/>
           </a:xfrm>
           <a:prstGeom prst="rect">
             <a:avLst/>
@@ -3508,7 +3414,7 @@
           </a:extLst>
         </p:spPr>
         <p:txBody>
-          <a:bodyPr lIns="45719" rIns="45719" anchor="ctr">
+          <a:bodyPr lIns="45718" tIns="45718" rIns="45718" bIns="45718" anchor="ctr">
             <a:normAutofit/>
           </a:bodyPr>
           <a:lstStyle/>
@@ -3532,7 +3438,7 @@
         <p:spPr>
           <a:xfrm>
             <a:off x="471487" y="2637014"/>
-            <a:ext cx="5915026" cy="6285267"/>
+            <a:ext cx="5915027" cy="6285268"/>
           </a:xfrm>
           <a:prstGeom prst="rect">
             <a:avLst/>
@@ -3547,7 +3453,7 @@
           </a:extLst>
         </p:spPr>
         <p:txBody>
-          <a:bodyPr lIns="45719" rIns="45719">
+          <a:bodyPr lIns="45718" tIns="45718" rIns="45718" bIns="45718">
             <a:normAutofit/>
           </a:bodyPr>
           <a:lstStyle/>
@@ -3594,8 +3500,8 @@
         </p:nvSpPr>
         <p:spPr>
           <a:xfrm>
-            <a:off x="6155236" y="9329528"/>
-            <a:ext cx="231277" cy="231141"/>
+            <a:off x="6155238" y="9329529"/>
+            <a:ext cx="231275" cy="231139"/>
           </a:xfrm>
           <a:prstGeom prst="rect">
             <a:avLst/>
@@ -3605,7 +3511,7 @@
           </a:ln>
         </p:spPr>
         <p:txBody>
-          <a:bodyPr wrap="none" lIns="45719" rIns="45719" anchor="ctr">
+          <a:bodyPr wrap="none" lIns="45718" tIns="45718" rIns="45718" bIns="45718" anchor="ctr">
             <a:spAutoFit/>
           </a:bodyPr>
           <a:lstStyle>
@@ -3629,16 +3535,16 @@
   </p:cSld>
   <p:clrMap bg1="lt1" tx1="dk1" bg2="lt2" tx2="dk2" accent1="accent1" accent2="accent2" accent3="accent3" accent4="accent4" accent5="accent5" accent6="accent6" hlink="hlink" folHlink="folHlink"/>
   <p:sldLayoutIdLst>
-    <p:sldLayoutId id="2147483650" r:id="rId1"/>
-    <p:sldLayoutId id="2147483651" r:id="rId2"/>
-    <p:sldLayoutId id="2147483652" r:id="rId3"/>
-    <p:sldLayoutId id="2147483653" r:id="rId4"/>
-    <p:sldLayoutId id="2147483654" r:id="rId5"/>
-    <p:sldLayoutId id="2147483655" r:id="rId6"/>
-    <p:sldLayoutId id="2147483656" r:id="rId7"/>
-    <p:sldLayoutId id="2147483657" r:id="rId8"/>
-    <p:sldLayoutId id="2147483658" r:id="rId9"/>
-    <p:sldLayoutId id="2147483659" r:id="rId10"/>
+    <p:sldLayoutId id="2147483649" r:id="rId1"/>
+    <p:sldLayoutId id="2147483650" r:id="rId2"/>
+    <p:sldLayoutId id="2147483651" r:id="rId3"/>
+    <p:sldLayoutId id="2147483652" r:id="rId4"/>
+    <p:sldLayoutId id="2147483653" r:id="rId5"/>
+    <p:sldLayoutId id="2147483654" r:id="rId6"/>
+    <p:sldLayoutId id="2147483655" r:id="rId7"/>
+    <p:sldLayoutId id="2147483656" r:id="rId8"/>
+    <p:sldLayoutId id="2147483657" r:id="rId9"/>
+    <p:sldLayoutId id="2147483658" r:id="rId10"/>
   </p:sldLayoutIdLst>
   <p:transition spd="med"/>
   <p:txStyles>
@@ -3983,7 +3889,7 @@
           <a:sym typeface="Aptos"/>
         </a:defRPr>
       </a:lvl4pPr>
-      <a:lvl5pPr marL="1648557" marR="0" indent="-276957" algn="l" defTabSz="685800" rtl="0" latinLnBrk="0">
+      <a:lvl5pPr marL="1648556" marR="0" indent="-276957" algn="l" defTabSz="685800" rtl="0" latinLnBrk="0">
         <a:lnSpc>
           <a:spcPct val="90000"/>
         </a:lnSpc>
@@ -4009,7 +3915,7 @@
           <a:sym typeface="Aptos"/>
         </a:defRPr>
       </a:lvl5pPr>
-      <a:lvl6pPr marL="1991457" marR="0" indent="-276957" algn="l" defTabSz="685800" rtl="0" latinLnBrk="0">
+      <a:lvl6pPr marL="1991456" marR="0" indent="-276956" algn="l" defTabSz="685800" rtl="0" latinLnBrk="0">
         <a:lnSpc>
           <a:spcPct val="90000"/>
         </a:lnSpc>
@@ -4035,7 +3941,7 @@
           <a:sym typeface="Aptos"/>
         </a:defRPr>
       </a:lvl6pPr>
-      <a:lvl7pPr marL="2334357" marR="0" indent="-276957" algn="l" defTabSz="685800" rtl="0" latinLnBrk="0">
+      <a:lvl7pPr marL="2334356" marR="0" indent="-276956" algn="l" defTabSz="685800" rtl="0" latinLnBrk="0">
         <a:lnSpc>
           <a:spcPct val="90000"/>
         </a:lnSpc>
@@ -4061,7 +3967,7 @@
           <a:sym typeface="Aptos"/>
         </a:defRPr>
       </a:lvl7pPr>
-      <a:lvl8pPr marL="2677257" marR="0" indent="-276957" algn="l" defTabSz="685800" rtl="0" latinLnBrk="0">
+      <a:lvl8pPr marL="2677256" marR="0" indent="-276956" algn="l" defTabSz="685800" rtl="0" latinLnBrk="0">
         <a:lnSpc>
           <a:spcPct val="90000"/>
         </a:lnSpc>
@@ -4087,7 +3993,7 @@
           <a:sym typeface="Aptos"/>
         </a:defRPr>
       </a:lvl8pPr>
-      <a:lvl9pPr marL="3020157" marR="0" indent="-276957" algn="l" defTabSz="685800" rtl="0" latinLnBrk="0">
+      <a:lvl9pPr marL="3020156" marR="0" indent="-276956" algn="l" defTabSz="685800" rtl="0" latinLnBrk="0">
         <a:lnSpc>
           <a:spcPct val="90000"/>
         </a:lnSpc>
@@ -4141,7 +4047,7 @@
           <a:sym typeface="Aptos"/>
         </a:defRPr>
       </a:lvl1pPr>
-      <a:lvl2pPr marL="0" marR="0" indent="457200" algn="r" defTabSz="457200" rtl="0" latinLnBrk="0">
+      <a:lvl2pPr marL="0" marR="0" indent="0" algn="r" defTabSz="457200" rtl="0" latinLnBrk="0">
         <a:lnSpc>
           <a:spcPct val="100000"/>
         </a:lnSpc>
@@ -4167,7 +4073,7 @@
           <a:sym typeface="Aptos"/>
         </a:defRPr>
       </a:lvl2pPr>
-      <a:lvl3pPr marL="0" marR="0" indent="914400" algn="r" defTabSz="457200" rtl="0" latinLnBrk="0">
+      <a:lvl3pPr marL="0" marR="0" indent="0" algn="r" defTabSz="457200" rtl="0" latinLnBrk="0">
         <a:lnSpc>
           <a:spcPct val="100000"/>
         </a:lnSpc>
@@ -4193,7 +4099,7 @@
           <a:sym typeface="Aptos"/>
         </a:defRPr>
       </a:lvl3pPr>
-      <a:lvl4pPr marL="0" marR="0" indent="1371600" algn="r" defTabSz="457200" rtl="0" latinLnBrk="0">
+      <a:lvl4pPr marL="0" marR="0" indent="0" algn="r" defTabSz="457200" rtl="0" latinLnBrk="0">
         <a:lnSpc>
           <a:spcPct val="100000"/>
         </a:lnSpc>
@@ -4219,7 +4125,7 @@
           <a:sym typeface="Aptos"/>
         </a:defRPr>
       </a:lvl4pPr>
-      <a:lvl5pPr marL="0" marR="0" indent="1828800" algn="r" defTabSz="457200" rtl="0" latinLnBrk="0">
+      <a:lvl5pPr marL="0" marR="0" indent="0" algn="r" defTabSz="457200" rtl="0" latinLnBrk="0">
         <a:lnSpc>
           <a:spcPct val="100000"/>
         </a:lnSpc>
@@ -4245,7 +4151,7 @@
           <a:sym typeface="Aptos"/>
         </a:defRPr>
       </a:lvl5pPr>
-      <a:lvl6pPr marL="0" marR="0" indent="2286000" algn="r" defTabSz="457200" rtl="0" latinLnBrk="0">
+      <a:lvl6pPr marL="0" marR="0" indent="0" algn="r" defTabSz="457200" rtl="0" latinLnBrk="0">
         <a:lnSpc>
           <a:spcPct val="100000"/>
         </a:lnSpc>
@@ -4271,7 +4177,7 @@
           <a:sym typeface="Aptos"/>
         </a:defRPr>
       </a:lvl6pPr>
-      <a:lvl7pPr marL="0" marR="0" indent="2743200" algn="r" defTabSz="457200" rtl="0" latinLnBrk="0">
+      <a:lvl7pPr marL="0" marR="0" indent="0" algn="r" defTabSz="457200" rtl="0" latinLnBrk="0">
         <a:lnSpc>
           <a:spcPct val="100000"/>
         </a:lnSpc>
@@ -4297,7 +4203,7 @@
           <a:sym typeface="Aptos"/>
         </a:defRPr>
       </a:lvl7pPr>
-      <a:lvl8pPr marL="0" marR="0" indent="3200400" algn="r" defTabSz="457200" rtl="0" latinLnBrk="0">
+      <a:lvl8pPr marL="0" marR="0" indent="0" algn="r" defTabSz="457200" rtl="0" latinLnBrk="0">
         <a:lnSpc>
           <a:spcPct val="100000"/>
         </a:lnSpc>
@@ -4323,7 +4229,7 @@
           <a:sym typeface="Aptos"/>
         </a:defRPr>
       </a:lvl8pPr>
-      <a:lvl9pPr marL="0" marR="0" indent="3657600" algn="r" defTabSz="457200" rtl="0" latinLnBrk="0">
+      <a:lvl9pPr marL="0" marR="0" indent="0" algn="r" defTabSz="457200" rtl="0" latinLnBrk="0">
         <a:lnSpc>
           <a:spcPct val="100000"/>
         </a:lnSpc>
@@ -4373,7 +4279,13 @@
       </p:grpSpPr>
       <p:pic>
         <p:nvPicPr>
-          <p:cNvPr id="154" name="Afbeelding 12" descr="Afbeelding 12"/>
+          <p:cNvPr id="2" name="Afbeelding 12" descr="Afbeelding 12">
+            <a:extLst>
+              <a:ext uri="{FF2B5EF4-FFF2-40B4-BE49-F238E27FC236}">
+                <a16:creationId xmlns:a16="http://schemas.microsoft.com/office/drawing/2014/main" id="{AB2DE8BF-7A04-ECE2-1A27-D8719968E656}"/>
+              </a:ext>
+            </a:extLst>
+          </p:cNvPr>
           <p:cNvPicPr>
             <a:picLocks noChangeAspect="1"/>
           </p:cNvPicPr>
@@ -4400,7 +4312,13 @@
       </p:pic>
       <p:pic>
         <p:nvPicPr>
-          <p:cNvPr id="156" name="Afbeelding 3" descr="Afbeelding 3"/>
+          <p:cNvPr id="3" name="Afbeelding 3" descr="Afbeelding 3">
+            <a:extLst>
+              <a:ext uri="{FF2B5EF4-FFF2-40B4-BE49-F238E27FC236}">
+                <a16:creationId xmlns:a16="http://schemas.microsoft.com/office/drawing/2014/main" id="{DE45FE86-8020-2F83-2FEC-52C1FE2F40E1}"/>
+              </a:ext>
+            </a:extLst>
+          </p:cNvPr>
           <p:cNvPicPr>
             <a:picLocks noChangeAspect="1"/>
           </p:cNvPicPr>
@@ -4427,7 +4345,13 @@
       </p:pic>
       <p:pic>
         <p:nvPicPr>
-          <p:cNvPr id="157" name="Afbeelding 28" descr="Afbeelding 28"/>
+          <p:cNvPr id="4" name="Afbeelding 28" descr="Afbeelding 28">
+            <a:extLst>
+              <a:ext uri="{FF2B5EF4-FFF2-40B4-BE49-F238E27FC236}">
+                <a16:creationId xmlns:a16="http://schemas.microsoft.com/office/drawing/2014/main" id="{34277203-D8B9-D8A2-46BF-D7319410CF82}"/>
+              </a:ext>
+            </a:extLst>
+          </p:cNvPr>
           <p:cNvPicPr>
             <a:picLocks noChangeAspect="1"/>
           </p:cNvPicPr>
@@ -4454,7 +4378,13 @@
       </p:pic>
       <p:pic>
         <p:nvPicPr>
-          <p:cNvPr id="158" name="Afbeelding 29" descr="Afbeelding 29"/>
+          <p:cNvPr id="5" name="Afbeelding 29" descr="Afbeelding 29">
+            <a:extLst>
+              <a:ext uri="{FF2B5EF4-FFF2-40B4-BE49-F238E27FC236}">
+                <a16:creationId xmlns:a16="http://schemas.microsoft.com/office/drawing/2014/main" id="{153727E0-3F13-F2D6-DC09-CF69E7E11381}"/>
+              </a:ext>
+            </a:extLst>
+          </p:cNvPr>
           <p:cNvPicPr>
             <a:picLocks noChangeAspect="1"/>
           </p:cNvPicPr>
@@ -4481,7 +4411,13 @@
       </p:pic>
       <p:pic>
         <p:nvPicPr>
-          <p:cNvPr id="159" name="Afbeelding 45" descr="Afbeelding 45"/>
+          <p:cNvPr id="6" name="Afbeelding 45" descr="Afbeelding 45">
+            <a:extLst>
+              <a:ext uri="{FF2B5EF4-FFF2-40B4-BE49-F238E27FC236}">
+                <a16:creationId xmlns:a16="http://schemas.microsoft.com/office/drawing/2014/main" id="{64BEF1F0-5846-D75E-E487-3C5A3B3C3138}"/>
+              </a:ext>
+            </a:extLst>
+          </p:cNvPr>
           <p:cNvPicPr>
             <a:picLocks noChangeAspect="1"/>
           </p:cNvPicPr>
@@ -4508,7 +4444,13 @@
       </p:pic>
       <p:pic>
         <p:nvPicPr>
-          <p:cNvPr id="160" name="Afbeelding 47" descr="Afbeelding 47"/>
+          <p:cNvPr id="7" name="Afbeelding 47" descr="Afbeelding 47">
+            <a:extLst>
+              <a:ext uri="{FF2B5EF4-FFF2-40B4-BE49-F238E27FC236}">
+                <a16:creationId xmlns:a16="http://schemas.microsoft.com/office/drawing/2014/main" id="{AFF330DB-8390-6F7D-34AD-19480B4B30A9}"/>
+              </a:ext>
+            </a:extLst>
+          </p:cNvPr>
           <p:cNvPicPr>
             <a:picLocks noChangeAspect="1"/>
           </p:cNvPicPr>
@@ -4535,14 +4477,20 @@
       </p:pic>
       <p:sp>
         <p:nvSpPr>
-          <p:cNvPr id="162" name="Tekstvak 58"/>
+          <p:cNvPr id="9" name="Tekstvak 8">
+            <a:extLst>
+              <a:ext uri="{FF2B5EF4-FFF2-40B4-BE49-F238E27FC236}">
+                <a16:creationId xmlns:a16="http://schemas.microsoft.com/office/drawing/2014/main" id="{4D64347C-E455-3BDC-B546-D48DC34299CB}"/>
+              </a:ext>
+            </a:extLst>
+          </p:cNvPr>
           <p:cNvSpPr txBox="1"/>
           <p:nvPr/>
         </p:nvSpPr>
         <p:spPr>
           <a:xfrm>
-            <a:off x="274317" y="1567967"/>
-            <a:ext cx="1549793" cy="1513841"/>
+            <a:off x="274318" y="3818868"/>
+            <a:ext cx="961945" cy="281941"/>
           </a:xfrm>
           <a:prstGeom prst="rect">
             <a:avLst/>
@@ -4552,149 +4500,7 @@
           </a:ln>
           <a:extLst>
             <a:ext uri="{C572A759-6A51-4108-AA02-DFA0A04FC94B}">
-              <ma14:wrappingTextBoxFlag xmlns:ma14="http://schemas.microsoft.com/office/mac/drawingml/2011/main" xmlns:a14="http://schemas.microsoft.com/office/drawing/2010/main" xmlns:m="http://schemas.openxmlformats.org/officeDocument/2006/math" xmlns="" val="1"/>
-            </a:ext>
-          </a:extLst>
-        </p:spPr>
-        <p:txBody>
-          <a:bodyPr lIns="45719" rIns="45719">
-            <a:spAutoFit/>
-          </a:bodyPr>
-          <a:lstStyle/>
-          <a:p>
-            <a:pPr>
-              <a:defRPr sz="1200" b="1">
-                <a:solidFill>
-                  <a:srgbClr val="173883"/>
-                </a:solidFill>
-                <a:latin typeface="Avenir Next Regular"/>
-                <a:ea typeface="Avenir Next Regular"/>
-                <a:cs typeface="Avenir Next Regular"/>
-                <a:sym typeface="Avenir Next Regular"/>
-              </a:defRPr>
-            </a:pPr>
-            <a:r>
-              <a:t>NATIONALITY</a:t>
-            </a:r>
-          </a:p>
-          <a:p>
-            <a:pPr>
-              <a:defRPr sz="1200" b="1">
-                <a:solidFill>
-                  <a:srgbClr val="173883"/>
-                </a:solidFill>
-                <a:latin typeface="Avenir Next Regular"/>
-                <a:ea typeface="Avenir Next Regular"/>
-                <a:cs typeface="Avenir Next Regular"/>
-                <a:sym typeface="Avenir Next Regular"/>
-              </a:defRPr>
-            </a:pPr>
-            <a:r>
-              <a:t>DATE OF BIRTH</a:t>
-            </a:r>
-          </a:p>
-          <a:p>
-            <a:pPr>
-              <a:defRPr sz="1200" b="1">
-                <a:solidFill>
-                  <a:srgbClr val="173883"/>
-                </a:solidFill>
-                <a:latin typeface="Avenir Next Regular"/>
-                <a:ea typeface="Avenir Next Regular"/>
-                <a:cs typeface="Avenir Next Regular"/>
-                <a:sym typeface="Avenir Next Regular"/>
-              </a:defRPr>
-            </a:pPr>
-            <a:r>
-              <a:t>HEIGHT</a:t>
-            </a:r>
-          </a:p>
-          <a:p>
-            <a:pPr>
-              <a:defRPr sz="1200" b="1">
-                <a:solidFill>
-                  <a:srgbClr val="173883"/>
-                </a:solidFill>
-                <a:latin typeface="Avenir Next Regular"/>
-                <a:ea typeface="Avenir Next Regular"/>
-                <a:cs typeface="Avenir Next Regular"/>
-                <a:sym typeface="Avenir Next Regular"/>
-              </a:defRPr>
-            </a:pPr>
-            <a:r>
-              <a:t>CURRENT CLUB</a:t>
-            </a:r>
-          </a:p>
-          <a:p>
-            <a:pPr>
-              <a:defRPr sz="1200" b="1">
-                <a:solidFill>
-                  <a:srgbClr val="173883"/>
-                </a:solidFill>
-                <a:latin typeface="Avenir Next Regular"/>
-                <a:ea typeface="Avenir Next Regular"/>
-                <a:cs typeface="Avenir Next Regular"/>
-                <a:sym typeface="Avenir Next Regular"/>
-              </a:defRPr>
-            </a:pPr>
-            <a:r>
-              <a:t>CONTRACT</a:t>
-            </a:r>
-          </a:p>
-          <a:p>
-            <a:pPr>
-              <a:defRPr sz="1200" b="1">
-                <a:solidFill>
-                  <a:srgbClr val="173883"/>
-                </a:solidFill>
-                <a:latin typeface="Avenir Next Regular"/>
-                <a:ea typeface="Avenir Next Regular"/>
-                <a:cs typeface="Avenir Next Regular"/>
-                <a:sym typeface="Avenir Next Regular"/>
-              </a:defRPr>
-            </a:pPr>
-            <a:r>
-              <a:t>EU</a:t>
-            </a:r>
-          </a:p>
-          <a:p>
-            <a:pPr>
-              <a:defRPr sz="1200" b="1">
-                <a:solidFill>
-                  <a:srgbClr val="173883"/>
-                </a:solidFill>
-                <a:latin typeface="Avenir Next Regular"/>
-                <a:ea typeface="Avenir Next Regular"/>
-                <a:cs typeface="Avenir Next Regular"/>
-                <a:sym typeface="Avenir Next Regular"/>
-              </a:defRPr>
-            </a:pPr>
-            <a:r>
-              <a:t>AGENT</a:t>
-            </a:r>
-          </a:p>
-        </p:txBody>
-      </p:sp>
-      <p:sp>
-        <p:nvSpPr>
-          <p:cNvPr id="164" name="Tekstvak 8"/>
-          <p:cNvSpPr txBox="1"/>
-          <p:nvPr/>
-        </p:nvSpPr>
-        <p:spPr>
-          <a:xfrm>
-            <a:off x="274318" y="3818868"/>
-            <a:ext cx="961945" cy="281941"/>
-          </a:xfrm>
-          <a:prstGeom prst="rect">
-            <a:avLst/>
-          </a:prstGeom>
-          <a:ln w="12700">
-            <a:miter lim="400000"/>
-          </a:ln>
-          <a:extLst>
-            <a:ext uri="{C572A759-6A51-4108-AA02-DFA0A04FC94B}">
-              <ma14:wrappingTextBoxFlag xmlns:ma14="http://schemas.microsoft.com/office/mac/drawingml/2011/main" xmlns:a14="http://schemas.microsoft.com/office/drawing/2010/main" xmlns:m="http://schemas.openxmlformats.org/officeDocument/2006/math" xmlns="" val="1"/>
+              <ma14:wrappingTextBoxFlag xmlns="" xmlns:m="http://schemas.openxmlformats.org/officeDocument/2006/math" xmlns:a14="http://schemas.microsoft.com/office/drawing/2010/main" xmlns:ma14="http://schemas.microsoft.com/office/mac/drawingml/2011/main" val="1"/>
             </a:ext>
           </a:extLst>
         </p:spPr>
@@ -4724,7 +4530,13 @@
       </p:sp>
       <p:sp>
         <p:nvSpPr>
-          <p:cNvPr id="165" name="Tekstvak 11"/>
+          <p:cNvPr id="10" name="Tekstvak 11">
+            <a:extLst>
+              <a:ext uri="{FF2B5EF4-FFF2-40B4-BE49-F238E27FC236}">
+                <a16:creationId xmlns:a16="http://schemas.microsoft.com/office/drawing/2014/main" id="{0FD2D50B-90B6-E4CD-E974-CA295F56D909}"/>
+              </a:ext>
+            </a:extLst>
+          </p:cNvPr>
           <p:cNvSpPr txBox="1"/>
           <p:nvPr/>
         </p:nvSpPr>
@@ -4741,7 +4553,7 @@
           </a:ln>
           <a:extLst>
             <a:ext uri="{C572A759-6A51-4108-AA02-DFA0A04FC94B}">
-              <ma14:wrappingTextBoxFlag xmlns:ma14="http://schemas.microsoft.com/office/mac/drawingml/2011/main" xmlns:a14="http://schemas.microsoft.com/office/drawing/2010/main" xmlns:m="http://schemas.openxmlformats.org/officeDocument/2006/math" xmlns="" val="1"/>
+              <ma14:wrappingTextBoxFlag xmlns="" xmlns:m="http://schemas.openxmlformats.org/officeDocument/2006/math" xmlns:a14="http://schemas.microsoft.com/office/drawing/2010/main" xmlns:ma14="http://schemas.microsoft.com/office/mac/drawingml/2011/main" val="1"/>
             </a:ext>
           </a:extLst>
         </p:spPr>
@@ -4771,7 +4583,13 @@
       </p:sp>
       <p:sp>
         <p:nvSpPr>
-          <p:cNvPr id="166" name="Tekstvak 14"/>
+          <p:cNvPr id="11" name="Tekstvak 14">
+            <a:extLst>
+              <a:ext uri="{FF2B5EF4-FFF2-40B4-BE49-F238E27FC236}">
+                <a16:creationId xmlns:a16="http://schemas.microsoft.com/office/drawing/2014/main" id="{54332D02-843F-A257-B3DD-C161C8DB55B7}"/>
+              </a:ext>
+            </a:extLst>
+          </p:cNvPr>
           <p:cNvSpPr txBox="1"/>
           <p:nvPr/>
         </p:nvSpPr>
@@ -4788,7 +4606,7 @@
           </a:ln>
           <a:extLst>
             <a:ext uri="{C572A759-6A51-4108-AA02-DFA0A04FC94B}">
-              <ma14:wrappingTextBoxFlag xmlns:ma14="http://schemas.microsoft.com/office/mac/drawingml/2011/main" xmlns:a14="http://schemas.microsoft.com/office/drawing/2010/main" xmlns:m="http://schemas.openxmlformats.org/officeDocument/2006/math" xmlns="" val="1"/>
+              <ma14:wrappingTextBoxFlag xmlns="" xmlns:m="http://schemas.openxmlformats.org/officeDocument/2006/math" xmlns:a14="http://schemas.microsoft.com/office/drawing/2010/main" xmlns:ma14="http://schemas.microsoft.com/office/mac/drawingml/2011/main" val="1"/>
             </a:ext>
           </a:extLst>
         </p:spPr>
@@ -4818,7 +4636,13 @@
       </p:sp>
       <p:sp>
         <p:nvSpPr>
-          <p:cNvPr id="167" name="Tekstvak 15"/>
+          <p:cNvPr id="12" name="Tekstvak 15">
+            <a:extLst>
+              <a:ext uri="{FF2B5EF4-FFF2-40B4-BE49-F238E27FC236}">
+                <a16:creationId xmlns:a16="http://schemas.microsoft.com/office/drawing/2014/main" id="{20CA872E-460D-2C42-4D3F-67023FE0BB24}"/>
+              </a:ext>
+            </a:extLst>
+          </p:cNvPr>
           <p:cNvSpPr txBox="1"/>
           <p:nvPr/>
         </p:nvSpPr>
@@ -4835,7 +4659,7 @@
           </a:ln>
           <a:extLst>
             <a:ext uri="{C572A759-6A51-4108-AA02-DFA0A04FC94B}">
-              <ma14:wrappingTextBoxFlag xmlns:ma14="http://schemas.microsoft.com/office/mac/drawingml/2011/main" xmlns:a14="http://schemas.microsoft.com/office/drawing/2010/main" xmlns:m="http://schemas.openxmlformats.org/officeDocument/2006/math" xmlns="" val="1"/>
+              <ma14:wrappingTextBoxFlag xmlns="" xmlns:m="http://schemas.openxmlformats.org/officeDocument/2006/math" xmlns:a14="http://schemas.microsoft.com/office/drawing/2010/main" xmlns:ma14="http://schemas.microsoft.com/office/mac/drawingml/2011/main" val="1"/>
             </a:ext>
           </a:extLst>
         </p:spPr>
@@ -4865,7 +4689,13 @@
       </p:sp>
       <p:sp>
         <p:nvSpPr>
-          <p:cNvPr id="168" name="Tekstvak 17"/>
+          <p:cNvPr id="13" name="Tekstvak 17">
+            <a:extLst>
+              <a:ext uri="{FF2B5EF4-FFF2-40B4-BE49-F238E27FC236}">
+                <a16:creationId xmlns:a16="http://schemas.microsoft.com/office/drawing/2014/main" id="{2AFD56E4-58C4-778E-A395-358A0F4C2924}"/>
+              </a:ext>
+            </a:extLst>
+          </p:cNvPr>
           <p:cNvSpPr txBox="1"/>
           <p:nvPr/>
         </p:nvSpPr>
@@ -4882,7 +4712,7 @@
           </a:ln>
           <a:extLst>
             <a:ext uri="{C572A759-6A51-4108-AA02-DFA0A04FC94B}">
-              <ma14:wrappingTextBoxFlag xmlns:ma14="http://schemas.microsoft.com/office/mac/drawingml/2011/main" xmlns:a14="http://schemas.microsoft.com/office/drawing/2010/main" xmlns:m="http://schemas.openxmlformats.org/officeDocument/2006/math" xmlns="" val="1"/>
+              <ma14:wrappingTextBoxFlag xmlns="" xmlns:m="http://schemas.openxmlformats.org/officeDocument/2006/math" xmlns:a14="http://schemas.microsoft.com/office/drawing/2010/main" xmlns:ma14="http://schemas.microsoft.com/office/mac/drawingml/2011/main" val="1"/>
             </a:ext>
           </a:extLst>
         </p:spPr>
@@ -4912,7 +4742,13 @@
       </p:sp>
       <p:sp>
         <p:nvSpPr>
-          <p:cNvPr id="169" name="TextBox 69"/>
+          <p:cNvPr id="14" name="TextBox 69">
+            <a:extLst>
+              <a:ext uri="{FF2B5EF4-FFF2-40B4-BE49-F238E27FC236}">
+                <a16:creationId xmlns:a16="http://schemas.microsoft.com/office/drawing/2014/main" id="{D2BBB25B-DC9E-7A5A-2926-8C1630AFAA6D}"/>
+              </a:ext>
+            </a:extLst>
+          </p:cNvPr>
           <p:cNvSpPr txBox="1"/>
           <p:nvPr/>
         </p:nvSpPr>
@@ -4929,7 +4765,7 @@
           </a:ln>
           <a:extLst>
             <a:ext uri="{C572A759-6A51-4108-AA02-DFA0A04FC94B}">
-              <ma14:wrappingTextBoxFlag xmlns:ma14="http://schemas.microsoft.com/office/mac/drawingml/2011/main" xmlns:a14="http://schemas.microsoft.com/office/drawing/2010/main" xmlns:m="http://schemas.openxmlformats.org/officeDocument/2006/math" xmlns="" val="1"/>
+              <ma14:wrappingTextBoxFlag xmlns="" xmlns:m="http://schemas.openxmlformats.org/officeDocument/2006/math" xmlns:a14="http://schemas.microsoft.com/office/drawing/2010/main" xmlns:ma14="http://schemas.microsoft.com/office/mac/drawingml/2011/main" val="1"/>
             </a:ext>
           </a:extLst>
         </p:spPr>
@@ -5084,7 +4920,13 @@
       </p:sp>
       <p:sp>
         <p:nvSpPr>
-          <p:cNvPr id="170" name="TextBox 71"/>
+          <p:cNvPr id="15" name="TextBox 71">
+            <a:extLst>
+              <a:ext uri="{FF2B5EF4-FFF2-40B4-BE49-F238E27FC236}">
+                <a16:creationId xmlns:a16="http://schemas.microsoft.com/office/drawing/2014/main" id="{62F3632F-1079-A9C9-B4FA-661A9D010E14}"/>
+              </a:ext>
+            </a:extLst>
+          </p:cNvPr>
           <p:cNvSpPr txBox="1"/>
           <p:nvPr/>
         </p:nvSpPr>
@@ -5101,7 +4943,7 @@
           </a:ln>
           <a:extLst>
             <a:ext uri="{C572A759-6A51-4108-AA02-DFA0A04FC94B}">
-              <ma14:wrappingTextBoxFlag xmlns:ma14="http://schemas.microsoft.com/office/mac/drawingml/2011/main" xmlns:a14="http://schemas.microsoft.com/office/drawing/2010/main" xmlns:m="http://schemas.openxmlformats.org/officeDocument/2006/math" xmlns="" val="1"/>
+              <ma14:wrappingTextBoxFlag xmlns="" xmlns:m="http://schemas.openxmlformats.org/officeDocument/2006/math" xmlns:a14="http://schemas.microsoft.com/office/drawing/2010/main" xmlns:ma14="http://schemas.microsoft.com/office/mac/drawingml/2011/main" val="1"/>
             </a:ext>
           </a:extLst>
         </p:spPr>
@@ -5177,7 +5019,13 @@
       </p:sp>
       <p:sp>
         <p:nvSpPr>
-          <p:cNvPr id="171" name="TextBox 72"/>
+          <p:cNvPr id="16" name="TextBox 72">
+            <a:extLst>
+              <a:ext uri="{FF2B5EF4-FFF2-40B4-BE49-F238E27FC236}">
+                <a16:creationId xmlns:a16="http://schemas.microsoft.com/office/drawing/2014/main" id="{1F9B94A9-BF4F-A79C-134B-5726D045FB0D}"/>
+              </a:ext>
+            </a:extLst>
+          </p:cNvPr>
           <p:cNvSpPr txBox="1"/>
           <p:nvPr/>
         </p:nvSpPr>
@@ -5194,7 +5042,7 @@
           </a:ln>
           <a:extLst>
             <a:ext uri="{C572A759-6A51-4108-AA02-DFA0A04FC94B}">
-              <ma14:wrappingTextBoxFlag xmlns:ma14="http://schemas.microsoft.com/office/mac/drawingml/2011/main" xmlns:a14="http://schemas.microsoft.com/office/drawing/2010/main" xmlns:m="http://schemas.openxmlformats.org/officeDocument/2006/math" xmlns="" val="1"/>
+              <ma14:wrappingTextBoxFlag xmlns="" xmlns:m="http://schemas.openxmlformats.org/officeDocument/2006/math" xmlns:a14="http://schemas.microsoft.com/office/drawing/2010/main" xmlns:ma14="http://schemas.microsoft.com/office/mac/drawingml/2011/main" val="1"/>
             </a:ext>
           </a:extLst>
         </p:spPr>
@@ -5228,7 +5076,13 @@
       </p:sp>
       <p:sp>
         <p:nvSpPr>
-          <p:cNvPr id="172" name="TextBox 73"/>
+          <p:cNvPr id="17" name="TextBox 73">
+            <a:extLst>
+              <a:ext uri="{FF2B5EF4-FFF2-40B4-BE49-F238E27FC236}">
+                <a16:creationId xmlns:a16="http://schemas.microsoft.com/office/drawing/2014/main" id="{A7BEC453-E51B-549E-88D1-C458D5DDF5D0}"/>
+              </a:ext>
+            </a:extLst>
+          </p:cNvPr>
           <p:cNvSpPr txBox="1"/>
           <p:nvPr/>
         </p:nvSpPr>
@@ -5245,7 +5099,7 @@
           </a:ln>
           <a:extLst>
             <a:ext uri="{C572A759-6A51-4108-AA02-DFA0A04FC94B}">
-              <ma14:wrappingTextBoxFlag xmlns:ma14="http://schemas.microsoft.com/office/mac/drawingml/2011/main" xmlns:a14="http://schemas.microsoft.com/office/drawing/2010/main" xmlns:m="http://schemas.openxmlformats.org/officeDocument/2006/math" xmlns="" val="1"/>
+              <ma14:wrappingTextBoxFlag xmlns="" xmlns:m="http://schemas.openxmlformats.org/officeDocument/2006/math" xmlns:a14="http://schemas.microsoft.com/office/drawing/2010/main" xmlns:ma14="http://schemas.microsoft.com/office/mac/drawingml/2011/main" val="1"/>
             </a:ext>
           </a:extLst>
         </p:spPr>
@@ -5280,7 +5134,13 @@
       </p:sp>
       <p:sp>
         <p:nvSpPr>
-          <p:cNvPr id="173" name="TextBox 74"/>
+          <p:cNvPr id="18" name="TextBox 74">
+            <a:extLst>
+              <a:ext uri="{FF2B5EF4-FFF2-40B4-BE49-F238E27FC236}">
+                <a16:creationId xmlns:a16="http://schemas.microsoft.com/office/drawing/2014/main" id="{A6907E4F-134D-6A5E-95C4-AC788A19DCE5}"/>
+              </a:ext>
+            </a:extLst>
+          </p:cNvPr>
           <p:cNvSpPr txBox="1"/>
           <p:nvPr/>
         </p:nvSpPr>
@@ -5297,7 +5157,7 @@
           </a:ln>
           <a:extLst>
             <a:ext uri="{C572A759-6A51-4108-AA02-DFA0A04FC94B}">
-              <ma14:wrappingTextBoxFlag xmlns:ma14="http://schemas.microsoft.com/office/mac/drawingml/2011/main" xmlns:a14="http://schemas.microsoft.com/office/drawing/2010/main" xmlns:m="http://schemas.openxmlformats.org/officeDocument/2006/math" xmlns="" val="1"/>
+              <ma14:wrappingTextBoxFlag xmlns="" xmlns:m="http://schemas.openxmlformats.org/officeDocument/2006/math" xmlns:a14="http://schemas.microsoft.com/office/drawing/2010/main" xmlns:ma14="http://schemas.microsoft.com/office/mac/drawingml/2011/main" val="1"/>
             </a:ext>
           </a:extLst>
         </p:spPr>
@@ -5332,7 +5192,13 @@
       </p:sp>
       <p:sp>
         <p:nvSpPr>
-          <p:cNvPr id="174" name="TextBox 75"/>
+          <p:cNvPr id="19" name="TextBox 75">
+            <a:extLst>
+              <a:ext uri="{FF2B5EF4-FFF2-40B4-BE49-F238E27FC236}">
+                <a16:creationId xmlns:a16="http://schemas.microsoft.com/office/drawing/2014/main" id="{AC890F1F-7FD0-3B11-133B-4F5F8BA5381A}"/>
+              </a:ext>
+            </a:extLst>
+          </p:cNvPr>
           <p:cNvSpPr txBox="1"/>
           <p:nvPr/>
         </p:nvSpPr>
@@ -5349,7 +5215,7 @@
           </a:ln>
           <a:extLst>
             <a:ext uri="{C572A759-6A51-4108-AA02-DFA0A04FC94B}">
-              <ma14:wrappingTextBoxFlag xmlns:ma14="http://schemas.microsoft.com/office/mac/drawingml/2011/main" xmlns:a14="http://schemas.microsoft.com/office/drawing/2010/main" xmlns:m="http://schemas.openxmlformats.org/officeDocument/2006/math" xmlns="" val="1"/>
+              <ma14:wrappingTextBoxFlag xmlns="" xmlns:m="http://schemas.openxmlformats.org/officeDocument/2006/math" xmlns:a14="http://schemas.microsoft.com/office/drawing/2010/main" xmlns:ma14="http://schemas.microsoft.com/office/mac/drawingml/2011/main" val="1"/>
             </a:ext>
           </a:extLst>
         </p:spPr>
@@ -5384,7 +5250,13 @@
       </p:sp>
       <p:sp>
         <p:nvSpPr>
-          <p:cNvPr id="175" name="TextBox 76"/>
+          <p:cNvPr id="20" name="TextBox 76">
+            <a:extLst>
+              <a:ext uri="{FF2B5EF4-FFF2-40B4-BE49-F238E27FC236}">
+                <a16:creationId xmlns:a16="http://schemas.microsoft.com/office/drawing/2014/main" id="{878BDF2A-684C-4A8C-EDCE-E9A8D59C892A}"/>
+              </a:ext>
+            </a:extLst>
+          </p:cNvPr>
           <p:cNvSpPr txBox="1"/>
           <p:nvPr/>
         </p:nvSpPr>
@@ -5401,7 +5273,7 @@
           </a:ln>
           <a:extLst>
             <a:ext uri="{C572A759-6A51-4108-AA02-DFA0A04FC94B}">
-              <ma14:wrappingTextBoxFlag xmlns:ma14="http://schemas.microsoft.com/office/mac/drawingml/2011/main" xmlns:a14="http://schemas.microsoft.com/office/drawing/2010/main" xmlns:m="http://schemas.openxmlformats.org/officeDocument/2006/math" xmlns="" val="1"/>
+              <ma14:wrappingTextBoxFlag xmlns="" xmlns:m="http://schemas.openxmlformats.org/officeDocument/2006/math" xmlns:a14="http://schemas.microsoft.com/office/drawing/2010/main" xmlns:ma14="http://schemas.microsoft.com/office/mac/drawingml/2011/main" val="1"/>
             </a:ext>
           </a:extLst>
         </p:spPr>
@@ -5436,7 +5308,13 @@
       </p:sp>
       <p:sp>
         <p:nvSpPr>
-          <p:cNvPr id="178" name="TextBox 28"/>
+          <p:cNvPr id="21" name="TextBox 28">
+            <a:extLst>
+              <a:ext uri="{FF2B5EF4-FFF2-40B4-BE49-F238E27FC236}">
+                <a16:creationId xmlns:a16="http://schemas.microsoft.com/office/drawing/2014/main" id="{1F3073E8-49DA-48A1-D9F1-50424D94AFAA}"/>
+              </a:ext>
+            </a:extLst>
+          </p:cNvPr>
           <p:cNvSpPr txBox="1"/>
           <p:nvPr/>
         </p:nvSpPr>
@@ -5453,7 +5331,7 @@
           </a:ln>
           <a:extLst>
             <a:ext uri="{C572A759-6A51-4108-AA02-DFA0A04FC94B}">
-              <ma14:wrappingTextBoxFlag xmlns:ma14="http://schemas.microsoft.com/office/mac/drawingml/2011/main" xmlns:a14="http://schemas.microsoft.com/office/drawing/2010/main" xmlns:m="http://schemas.openxmlformats.org/officeDocument/2006/math" xmlns="" val="1"/>
+              <ma14:wrappingTextBoxFlag xmlns="" xmlns:m="http://schemas.openxmlformats.org/officeDocument/2006/math" xmlns:a14="http://schemas.microsoft.com/office/drawing/2010/main" xmlns:ma14="http://schemas.microsoft.com/office/mac/drawingml/2011/main" val="1"/>
             </a:ext>
           </a:extLst>
         </p:spPr>
@@ -5489,7 +5367,13 @@
       </p:sp>
       <p:pic>
         <p:nvPicPr>
-          <p:cNvPr id="180" name="pasted-image.tiff" descr="pasted-image.tiff"/>
+          <p:cNvPr id="22" name="pasted-image.tiff" descr="pasted-image.tiff">
+            <a:extLst>
+              <a:ext uri="{FF2B5EF4-FFF2-40B4-BE49-F238E27FC236}">
+                <a16:creationId xmlns:a16="http://schemas.microsoft.com/office/drawing/2014/main" id="{E89A5A1C-4290-78A2-FFA4-897ADAEDD6E5}"/>
+              </a:ext>
+            </a:extLst>
+          </p:cNvPr>
           <p:cNvPicPr>
             <a:picLocks noChangeAspect="1"/>
           </p:cNvPicPr>
@@ -5559,7 +5443,13 @@
       </p:pic>
       <p:sp>
         <p:nvSpPr>
-          <p:cNvPr id="181" name="9"/>
+          <p:cNvPr id="23" name="9">
+            <a:extLst>
+              <a:ext uri="{FF2B5EF4-FFF2-40B4-BE49-F238E27FC236}">
+                <a16:creationId xmlns:a16="http://schemas.microsoft.com/office/drawing/2014/main" id="{684F3FAB-5CFD-A261-33F6-D0F7E17FBD76}"/>
+              </a:ext>
+            </a:extLst>
+          </p:cNvPr>
           <p:cNvSpPr/>
           <p:nvPr/>
         </p:nvSpPr>
@@ -5582,7 +5472,7 @@
           </a:ln>
           <a:extLst>
             <a:ext uri="{C572A759-6A51-4108-AA02-DFA0A04FC94B}">
-              <ma14:wrappingTextBoxFlag xmlns:ma14="http://schemas.microsoft.com/office/mac/drawingml/2011/main" xmlns:a14="http://schemas.microsoft.com/office/drawing/2010/main" xmlns:m="http://schemas.openxmlformats.org/officeDocument/2006/math" xmlns="" val="1"/>
+              <ma14:wrappingTextBoxFlag xmlns="" xmlns:m="http://schemas.openxmlformats.org/officeDocument/2006/math" xmlns:a14="http://schemas.microsoft.com/office/drawing/2010/main" xmlns:ma14="http://schemas.microsoft.com/office/mac/drawingml/2011/main" val="1"/>
             </a:ext>
           </a:extLst>
         </p:spPr>
@@ -5607,7 +5497,13 @@
       </p:sp>
       <p:sp>
         <p:nvSpPr>
-          <p:cNvPr id="182" name="11"/>
+          <p:cNvPr id="24" name="11">
+            <a:extLst>
+              <a:ext uri="{FF2B5EF4-FFF2-40B4-BE49-F238E27FC236}">
+                <a16:creationId xmlns:a16="http://schemas.microsoft.com/office/drawing/2014/main" id="{6B9A16E5-C597-A3D8-0FDA-B9BF3F2E7407}"/>
+              </a:ext>
+            </a:extLst>
+          </p:cNvPr>
           <p:cNvSpPr/>
           <p:nvPr/>
         </p:nvSpPr>
@@ -5630,7 +5526,7 @@
           </a:ln>
           <a:extLst>
             <a:ext uri="{C572A759-6A51-4108-AA02-DFA0A04FC94B}">
-              <ma14:wrappingTextBoxFlag xmlns:ma14="http://schemas.microsoft.com/office/mac/drawingml/2011/main" xmlns:a14="http://schemas.microsoft.com/office/drawing/2010/main" xmlns:m="http://schemas.openxmlformats.org/officeDocument/2006/math" xmlns="" val="1"/>
+              <ma14:wrappingTextBoxFlag xmlns="" xmlns:m="http://schemas.openxmlformats.org/officeDocument/2006/math" xmlns:a14="http://schemas.microsoft.com/office/drawing/2010/main" xmlns:ma14="http://schemas.microsoft.com/office/mac/drawingml/2011/main" val="1"/>
             </a:ext>
           </a:extLst>
         </p:spPr>
@@ -5655,7 +5551,13 @@
       </p:sp>
       <p:sp>
         <p:nvSpPr>
-          <p:cNvPr id="183" name="7"/>
+          <p:cNvPr id="25" name="7">
+            <a:extLst>
+              <a:ext uri="{FF2B5EF4-FFF2-40B4-BE49-F238E27FC236}">
+                <a16:creationId xmlns:a16="http://schemas.microsoft.com/office/drawing/2014/main" id="{3D271F04-59E0-655F-2FC7-134C44F1A6F4}"/>
+              </a:ext>
+            </a:extLst>
+          </p:cNvPr>
           <p:cNvSpPr/>
           <p:nvPr/>
         </p:nvSpPr>
@@ -5678,7 +5580,7 @@
           </a:ln>
           <a:extLst>
             <a:ext uri="{C572A759-6A51-4108-AA02-DFA0A04FC94B}">
-              <ma14:wrappingTextBoxFlag xmlns:ma14="http://schemas.microsoft.com/office/mac/drawingml/2011/main" xmlns:a14="http://schemas.microsoft.com/office/drawing/2010/main" xmlns:m="http://schemas.openxmlformats.org/officeDocument/2006/math" xmlns="" val="1"/>
+              <ma14:wrappingTextBoxFlag xmlns="" xmlns:m="http://schemas.openxmlformats.org/officeDocument/2006/math" xmlns:a14="http://schemas.microsoft.com/office/drawing/2010/main" xmlns:ma14="http://schemas.microsoft.com/office/mac/drawingml/2011/main" val="1"/>
             </a:ext>
           </a:extLst>
         </p:spPr>
@@ -5703,7 +5605,13 @@
       </p:sp>
       <p:sp>
         <p:nvSpPr>
-          <p:cNvPr id="184" name="8"/>
+          <p:cNvPr id="26" name="8">
+            <a:extLst>
+              <a:ext uri="{FF2B5EF4-FFF2-40B4-BE49-F238E27FC236}">
+                <a16:creationId xmlns:a16="http://schemas.microsoft.com/office/drawing/2014/main" id="{D705ED11-209A-76E7-B83B-CA0C730A0678}"/>
+              </a:ext>
+            </a:extLst>
+          </p:cNvPr>
           <p:cNvSpPr/>
           <p:nvPr/>
         </p:nvSpPr>
@@ -5726,7 +5634,7 @@
           </a:ln>
           <a:extLst>
             <a:ext uri="{C572A759-6A51-4108-AA02-DFA0A04FC94B}">
-              <ma14:wrappingTextBoxFlag xmlns:ma14="http://schemas.microsoft.com/office/mac/drawingml/2011/main" xmlns:a14="http://schemas.microsoft.com/office/drawing/2010/main" xmlns:m="http://schemas.openxmlformats.org/officeDocument/2006/math" xmlns="" val="1"/>
+              <ma14:wrappingTextBoxFlag xmlns="" xmlns:m="http://schemas.openxmlformats.org/officeDocument/2006/math" xmlns:a14="http://schemas.microsoft.com/office/drawing/2010/main" xmlns:ma14="http://schemas.microsoft.com/office/mac/drawingml/2011/main" val="1"/>
             </a:ext>
           </a:extLst>
         </p:spPr>
@@ -5751,7 +5659,13 @@
       </p:sp>
       <p:sp>
         <p:nvSpPr>
-          <p:cNvPr id="185" name="10"/>
+          <p:cNvPr id="27" name="10">
+            <a:extLst>
+              <a:ext uri="{FF2B5EF4-FFF2-40B4-BE49-F238E27FC236}">
+                <a16:creationId xmlns:a16="http://schemas.microsoft.com/office/drawing/2014/main" id="{6A2E82E1-7977-E99D-C810-CADB884D880F}"/>
+              </a:ext>
+            </a:extLst>
+          </p:cNvPr>
           <p:cNvSpPr/>
           <p:nvPr/>
         </p:nvSpPr>
@@ -5774,7 +5688,7 @@
           </a:ln>
           <a:extLst>
             <a:ext uri="{C572A759-6A51-4108-AA02-DFA0A04FC94B}">
-              <ma14:wrappingTextBoxFlag xmlns:ma14="http://schemas.microsoft.com/office/mac/drawingml/2011/main" xmlns:a14="http://schemas.microsoft.com/office/drawing/2010/main" xmlns:m="http://schemas.openxmlformats.org/officeDocument/2006/math" xmlns="" val="1"/>
+              <ma14:wrappingTextBoxFlag xmlns="" xmlns:m="http://schemas.openxmlformats.org/officeDocument/2006/math" xmlns:a14="http://schemas.microsoft.com/office/drawing/2010/main" xmlns:ma14="http://schemas.microsoft.com/office/mac/drawingml/2011/main" val="1"/>
             </a:ext>
           </a:extLst>
         </p:spPr>
@@ -5799,7 +5713,13 @@
       </p:sp>
       <p:sp>
         <p:nvSpPr>
-          <p:cNvPr id="186" name="6"/>
+          <p:cNvPr id="28" name="6">
+            <a:extLst>
+              <a:ext uri="{FF2B5EF4-FFF2-40B4-BE49-F238E27FC236}">
+                <a16:creationId xmlns:a16="http://schemas.microsoft.com/office/drawing/2014/main" id="{8F97BDB1-9C73-DE6F-51AE-A1955D5EEA0B}"/>
+              </a:ext>
+            </a:extLst>
+          </p:cNvPr>
           <p:cNvSpPr/>
           <p:nvPr/>
         </p:nvSpPr>
@@ -5822,7 +5742,7 @@
           </a:ln>
           <a:extLst>
             <a:ext uri="{C572A759-6A51-4108-AA02-DFA0A04FC94B}">
-              <ma14:wrappingTextBoxFlag xmlns:ma14="http://schemas.microsoft.com/office/mac/drawingml/2011/main" xmlns:a14="http://schemas.microsoft.com/office/drawing/2010/main" xmlns:m="http://schemas.openxmlformats.org/officeDocument/2006/math" xmlns="" val="1"/>
+              <ma14:wrappingTextBoxFlag xmlns="" xmlns:m="http://schemas.openxmlformats.org/officeDocument/2006/math" xmlns:a14="http://schemas.microsoft.com/office/drawing/2010/main" xmlns:ma14="http://schemas.microsoft.com/office/mac/drawingml/2011/main" val="1"/>
             </a:ext>
           </a:extLst>
         </p:spPr>
@@ -5847,7 +5767,13 @@
       </p:sp>
       <p:sp>
         <p:nvSpPr>
-          <p:cNvPr id="187" name="5"/>
+          <p:cNvPr id="29" name="5">
+            <a:extLst>
+              <a:ext uri="{FF2B5EF4-FFF2-40B4-BE49-F238E27FC236}">
+                <a16:creationId xmlns:a16="http://schemas.microsoft.com/office/drawing/2014/main" id="{68A6AB8F-ABE6-01E8-5E3C-1CC716DEDF25}"/>
+              </a:ext>
+            </a:extLst>
+          </p:cNvPr>
           <p:cNvSpPr/>
           <p:nvPr/>
         </p:nvSpPr>
@@ -5870,7 +5796,7 @@
           </a:ln>
           <a:extLst>
             <a:ext uri="{C572A759-6A51-4108-AA02-DFA0A04FC94B}">
-              <ma14:wrappingTextBoxFlag xmlns:ma14="http://schemas.microsoft.com/office/mac/drawingml/2011/main" xmlns:a14="http://schemas.microsoft.com/office/drawing/2010/main" xmlns:m="http://schemas.openxmlformats.org/officeDocument/2006/math" xmlns="" val="1"/>
+              <ma14:wrappingTextBoxFlag xmlns="" xmlns:m="http://schemas.openxmlformats.org/officeDocument/2006/math" xmlns:a14="http://schemas.microsoft.com/office/drawing/2010/main" xmlns:ma14="http://schemas.microsoft.com/office/mac/drawingml/2011/main" val="1"/>
             </a:ext>
           </a:extLst>
         </p:spPr>
@@ -5895,7 +5821,13 @@
       </p:sp>
       <p:sp>
         <p:nvSpPr>
-          <p:cNvPr id="188" name="2"/>
+          <p:cNvPr id="30" name="2">
+            <a:extLst>
+              <a:ext uri="{FF2B5EF4-FFF2-40B4-BE49-F238E27FC236}">
+                <a16:creationId xmlns:a16="http://schemas.microsoft.com/office/drawing/2014/main" id="{C0EEBA3C-6FE6-9D54-DFE8-C188D2708138}"/>
+              </a:ext>
+            </a:extLst>
+          </p:cNvPr>
           <p:cNvSpPr/>
           <p:nvPr/>
         </p:nvSpPr>
@@ -5918,7 +5850,7 @@
           </a:ln>
           <a:extLst>
             <a:ext uri="{C572A759-6A51-4108-AA02-DFA0A04FC94B}">
-              <ma14:wrappingTextBoxFlag xmlns:ma14="http://schemas.microsoft.com/office/mac/drawingml/2011/main" xmlns:a14="http://schemas.microsoft.com/office/drawing/2010/main" xmlns:m="http://schemas.openxmlformats.org/officeDocument/2006/math" xmlns="" val="1"/>
+              <ma14:wrappingTextBoxFlag xmlns="" xmlns:m="http://schemas.openxmlformats.org/officeDocument/2006/math" xmlns:a14="http://schemas.microsoft.com/office/drawing/2010/main" xmlns:ma14="http://schemas.microsoft.com/office/mac/drawingml/2011/main" val="1"/>
             </a:ext>
           </a:extLst>
         </p:spPr>
@@ -5943,7 +5875,13 @@
       </p:sp>
       <p:sp>
         <p:nvSpPr>
-          <p:cNvPr id="189" name="4"/>
+          <p:cNvPr id="31" name="4">
+            <a:extLst>
+              <a:ext uri="{FF2B5EF4-FFF2-40B4-BE49-F238E27FC236}">
+                <a16:creationId xmlns:a16="http://schemas.microsoft.com/office/drawing/2014/main" id="{0A518ECF-C032-4FF2-3805-BE7E80F02BA2}"/>
+              </a:ext>
+            </a:extLst>
+          </p:cNvPr>
           <p:cNvSpPr/>
           <p:nvPr/>
         </p:nvSpPr>
@@ -5966,7 +5904,7 @@
           </a:ln>
           <a:extLst>
             <a:ext uri="{C572A759-6A51-4108-AA02-DFA0A04FC94B}">
-              <ma14:wrappingTextBoxFlag xmlns:ma14="http://schemas.microsoft.com/office/mac/drawingml/2011/main" xmlns:a14="http://schemas.microsoft.com/office/drawing/2010/main" xmlns:m="http://schemas.openxmlformats.org/officeDocument/2006/math" xmlns="" val="1"/>
+              <ma14:wrappingTextBoxFlag xmlns="" xmlns:m="http://schemas.openxmlformats.org/officeDocument/2006/math" xmlns:a14="http://schemas.microsoft.com/office/drawing/2010/main" xmlns:ma14="http://schemas.microsoft.com/office/mac/drawingml/2011/main" val="1"/>
             </a:ext>
           </a:extLst>
         </p:spPr>
@@ -5991,7 +5929,13 @@
       </p:sp>
       <p:sp>
         <p:nvSpPr>
-          <p:cNvPr id="190" name="3"/>
+          <p:cNvPr id="32" name="3">
+            <a:extLst>
+              <a:ext uri="{FF2B5EF4-FFF2-40B4-BE49-F238E27FC236}">
+                <a16:creationId xmlns:a16="http://schemas.microsoft.com/office/drawing/2014/main" id="{20A2E1F1-4D29-DFA9-6D98-1EDACE16FDC5}"/>
+              </a:ext>
+            </a:extLst>
+          </p:cNvPr>
           <p:cNvSpPr/>
           <p:nvPr/>
         </p:nvSpPr>
@@ -6014,7 +5958,7 @@
           </a:ln>
           <a:extLst>
             <a:ext uri="{C572A759-6A51-4108-AA02-DFA0A04FC94B}">
-              <ma14:wrappingTextBoxFlag xmlns:ma14="http://schemas.microsoft.com/office/mac/drawingml/2011/main" xmlns:a14="http://schemas.microsoft.com/office/drawing/2010/main" xmlns:m="http://schemas.openxmlformats.org/officeDocument/2006/math" xmlns="" val="1"/>
+              <ma14:wrappingTextBoxFlag xmlns="" xmlns:m="http://schemas.openxmlformats.org/officeDocument/2006/math" xmlns:a14="http://schemas.microsoft.com/office/drawing/2010/main" xmlns:ma14="http://schemas.microsoft.com/office/mac/drawingml/2011/main" val="1"/>
             </a:ext>
           </a:extLst>
         </p:spPr>
@@ -6039,7 +5983,13 @@
       </p:sp>
       <p:sp>
         <p:nvSpPr>
-          <p:cNvPr id="191" name="1"/>
+          <p:cNvPr id="33" name="1">
+            <a:extLst>
+              <a:ext uri="{FF2B5EF4-FFF2-40B4-BE49-F238E27FC236}">
+                <a16:creationId xmlns:a16="http://schemas.microsoft.com/office/drawing/2014/main" id="{39EC7D20-03CD-D73D-2231-7B9E230F578E}"/>
+              </a:ext>
+            </a:extLst>
+          </p:cNvPr>
           <p:cNvSpPr/>
           <p:nvPr/>
         </p:nvSpPr>
@@ -6062,7 +6012,7 @@
           </a:ln>
           <a:extLst>
             <a:ext uri="{C572A759-6A51-4108-AA02-DFA0A04FC94B}">
-              <ma14:wrappingTextBoxFlag xmlns:ma14="http://schemas.microsoft.com/office/mac/drawingml/2011/main" xmlns:a14="http://schemas.microsoft.com/office/drawing/2010/main" xmlns:m="http://schemas.openxmlformats.org/officeDocument/2006/math" xmlns="" val="1"/>
+              <ma14:wrappingTextBoxFlag xmlns="" xmlns:m="http://schemas.openxmlformats.org/officeDocument/2006/math" xmlns:a14="http://schemas.microsoft.com/office/drawing/2010/main" xmlns:ma14="http://schemas.microsoft.com/office/mac/drawingml/2011/main" val="1"/>
             </a:ext>
           </a:extLst>
         </p:spPr>
@@ -6087,7 +6037,13 @@
       </p:sp>
       <p:sp>
         <p:nvSpPr>
-          <p:cNvPr id="193" name="Tekstvak 8"/>
+          <p:cNvPr id="34" name="Tekstvak 8">
+            <a:extLst>
+              <a:ext uri="{FF2B5EF4-FFF2-40B4-BE49-F238E27FC236}">
+                <a16:creationId xmlns:a16="http://schemas.microsoft.com/office/drawing/2014/main" id="{8DED130C-1ED1-13E7-6AD9-4ECADD8BDD4E}"/>
+              </a:ext>
+            </a:extLst>
+          </p:cNvPr>
           <p:cNvSpPr txBox="1"/>
           <p:nvPr/>
         </p:nvSpPr>
@@ -6104,7 +6060,7 @@
           </a:ln>
           <a:extLst>
             <a:ext uri="{C572A759-6A51-4108-AA02-DFA0A04FC94B}">
-              <ma14:wrappingTextBoxFlag xmlns:ma14="http://schemas.microsoft.com/office/mac/drawingml/2011/main" xmlns:a14="http://schemas.microsoft.com/office/drawing/2010/main" xmlns:m="http://schemas.openxmlformats.org/officeDocument/2006/math" xmlns="" val="1"/>
+              <ma14:wrappingTextBoxFlag xmlns="" xmlns:m="http://schemas.openxmlformats.org/officeDocument/2006/math" xmlns:a14="http://schemas.microsoft.com/office/drawing/2010/main" xmlns:ma14="http://schemas.microsoft.com/office/mac/drawingml/2011/main" val="1"/>
             </a:ext>
           </a:extLst>
         </p:spPr>
@@ -6132,10 +6088,10 @@
       </p:sp>
       <p:sp>
         <p:nvSpPr>
-          <p:cNvPr id="2" name="Rectangle 1">
+          <p:cNvPr id="35" name="Rectangle 34">
             <a:extLst>
               <a:ext uri="{FF2B5EF4-FFF2-40B4-BE49-F238E27FC236}">
-                <a16:creationId xmlns:a16="http://schemas.microsoft.com/office/drawing/2014/main" id="{51D2FC0F-7778-2B25-4C95-EC227905986F}"/>
+                <a16:creationId xmlns:a16="http://schemas.microsoft.com/office/drawing/2014/main" id="{438FA007-202B-C2B7-E7BF-80898EC3FB79}"/>
               </a:ext>
             </a:extLst>
           </p:cNvPr>
@@ -6353,10 +6309,10 @@
       </p:sp>
       <p:sp>
         <p:nvSpPr>
-          <p:cNvPr id="6" name="Rectangle 5">
+          <p:cNvPr id="36" name="Rectangle 35">
             <a:extLst>
               <a:ext uri="{FF2B5EF4-FFF2-40B4-BE49-F238E27FC236}">
-                <a16:creationId xmlns:a16="http://schemas.microsoft.com/office/drawing/2014/main" id="{1A70E66F-FDAA-0070-7C79-E2F3E1807420}"/>
+                <a16:creationId xmlns:a16="http://schemas.microsoft.com/office/drawing/2014/main" id="{E1E6CFE5-2E41-B43C-8971-C3DA1E5E6D3B}"/>
               </a:ext>
             </a:extLst>
           </p:cNvPr>
@@ -6816,10 +6772,10 @@
       </p:sp>
       <p:sp>
         <p:nvSpPr>
-          <p:cNvPr id="5" name="Rectangle 3">
+          <p:cNvPr id="37" name="Rectangle 3">
             <a:extLst>
               <a:ext uri="{FF2B5EF4-FFF2-40B4-BE49-F238E27FC236}">
-                <a16:creationId xmlns:a16="http://schemas.microsoft.com/office/drawing/2014/main" id="{E77BFF67-E3DC-DAF9-7053-0AF1A279012C}"/>
+                <a16:creationId xmlns:a16="http://schemas.microsoft.com/office/drawing/2014/main" id="{84C2E8EB-D505-973F-D643-24BA505D7E22}"/>
               </a:ext>
             </a:extLst>
           </p:cNvPr>
@@ -6858,10 +6814,10 @@
       </p:sp>
       <p:sp>
         <p:nvSpPr>
-          <p:cNvPr id="8" name="Rectangle 7">
+          <p:cNvPr id="38" name="Rectangle 37">
             <a:extLst>
               <a:ext uri="{FF2B5EF4-FFF2-40B4-BE49-F238E27FC236}">
-                <a16:creationId xmlns:a16="http://schemas.microsoft.com/office/drawing/2014/main" id="{4C530CA0-0D9F-70EC-6B1D-2E27C30B5E9B}"/>
+                <a16:creationId xmlns:a16="http://schemas.microsoft.com/office/drawing/2014/main" id="{39F87DD8-3A63-4607-FDA8-0E47599ECA68}"/>
               </a:ext>
             </a:extLst>
           </p:cNvPr>
@@ -7248,10 +7204,10 @@
       </p:sp>
       <p:sp>
         <p:nvSpPr>
-          <p:cNvPr id="7" name="Rectangle 2">
+          <p:cNvPr id="39" name="Rectangle 2">
             <a:extLst>
               <a:ext uri="{FF2B5EF4-FFF2-40B4-BE49-F238E27FC236}">
-                <a16:creationId xmlns:a16="http://schemas.microsoft.com/office/drawing/2014/main" id="{E39DDD7D-3A0C-6109-7668-4B3E8487D472}"/>
+                <a16:creationId xmlns:a16="http://schemas.microsoft.com/office/drawing/2014/main" id="{E837F6FF-776E-6012-DC31-5AEBA218FBB1}"/>
               </a:ext>
             </a:extLst>
           </p:cNvPr>
@@ -7290,10 +7246,10 @@
       </p:sp>
       <p:sp>
         <p:nvSpPr>
-          <p:cNvPr id="9" name="Rechthoek">
+          <p:cNvPr id="40" name="Rechthoek">
             <a:extLst>
               <a:ext uri="{FF2B5EF4-FFF2-40B4-BE49-F238E27FC236}">
-                <a16:creationId xmlns:a16="http://schemas.microsoft.com/office/drawing/2014/main" id="{A06A7496-2F9E-232D-D46C-98387FA1F4D7}"/>
+                <a16:creationId xmlns:a16="http://schemas.microsoft.com/office/drawing/2014/main" id="{27D704A6-198A-8536-E243-60B1BC23811B}"/>
               </a:ext>
             </a:extLst>
           </p:cNvPr>
@@ -7325,10 +7281,10 @@
       </p:sp>
       <p:sp>
         <p:nvSpPr>
-          <p:cNvPr id="4" name="Rechte verbindingslijn 6">
+          <p:cNvPr id="41" name="Rechte verbindingslijn 6">
             <a:extLst>
               <a:ext uri="{FF2B5EF4-FFF2-40B4-BE49-F238E27FC236}">
-                <a16:creationId xmlns:a16="http://schemas.microsoft.com/office/drawing/2014/main" id="{A23C5B04-6DAC-0EC1-08D4-63C00CCB1815}"/>
+                <a16:creationId xmlns:a16="http://schemas.microsoft.com/office/drawing/2014/main" id="{D0257108-F263-7DFB-1899-805FE75C4FA9}"/>
               </a:ext>
             </a:extLst>
           </p:cNvPr>
@@ -7360,10 +7316,10 @@
       </p:sp>
       <p:sp>
         <p:nvSpPr>
-          <p:cNvPr id="12" name="TextBox 72">
+          <p:cNvPr id="42" name="TextBox 72">
             <a:extLst>
               <a:ext uri="{FF2B5EF4-FFF2-40B4-BE49-F238E27FC236}">
-                <a16:creationId xmlns:a16="http://schemas.microsoft.com/office/drawing/2014/main" id="{06D2ADCC-DB12-998A-F693-AD240609E0BB}"/>
+                <a16:creationId xmlns:a16="http://schemas.microsoft.com/office/drawing/2014/main" id="{EB623CCB-115C-2955-81A0-0C848F021779}"/>
               </a:ext>
             </a:extLst>
           </p:cNvPr>
@@ -7383,7 +7339,7 @@
           </a:ln>
           <a:extLst>
             <a:ext uri="{C572A759-6A51-4108-AA02-DFA0A04FC94B}">
-              <ma14:wrappingTextBoxFlag xmlns:ma14="http://schemas.microsoft.com/office/mac/drawingml/2011/main" xmlns:a14="http://schemas.microsoft.com/office/drawing/2010/main" xmlns:m="http://schemas.openxmlformats.org/officeDocument/2006/math" xmlns="" val="1"/>
+              <ma14:wrappingTextBoxFlag xmlns="" xmlns:m="http://schemas.openxmlformats.org/officeDocument/2006/math" xmlns:a14="http://schemas.microsoft.com/office/drawing/2010/main" xmlns:ma14="http://schemas.microsoft.com/office/mac/drawingml/2011/main" val="1"/>
             </a:ext>
           </a:extLst>
         </p:spPr>
@@ -7417,10 +7373,10 @@
       </p:sp>
       <p:sp>
         <p:nvSpPr>
-          <p:cNvPr id="13" name="TextBox 72">
+          <p:cNvPr id="43" name="TextBox 72">
             <a:extLst>
               <a:ext uri="{FF2B5EF4-FFF2-40B4-BE49-F238E27FC236}">
-                <a16:creationId xmlns:a16="http://schemas.microsoft.com/office/drawing/2014/main" id="{7DE77425-E702-EC58-C155-A0740A2F1639}"/>
+                <a16:creationId xmlns:a16="http://schemas.microsoft.com/office/drawing/2014/main" id="{DC517647-AD78-96F8-7BD6-9C6940478F91}"/>
               </a:ext>
             </a:extLst>
           </p:cNvPr>
@@ -7440,7 +7396,7 @@
           </a:ln>
           <a:extLst>
             <a:ext uri="{C572A759-6A51-4108-AA02-DFA0A04FC94B}">
-              <ma14:wrappingTextBoxFlag xmlns:ma14="http://schemas.microsoft.com/office/mac/drawingml/2011/main" xmlns:a14="http://schemas.microsoft.com/office/drawing/2010/main" xmlns:m="http://schemas.openxmlformats.org/officeDocument/2006/math" xmlns="" val="1"/>
+              <ma14:wrappingTextBoxFlag xmlns="" xmlns:m="http://schemas.openxmlformats.org/officeDocument/2006/math" xmlns:a14="http://schemas.microsoft.com/office/drawing/2010/main" xmlns:ma14="http://schemas.microsoft.com/office/mac/drawingml/2011/main" val="1"/>
             </a:ext>
           </a:extLst>
         </p:spPr>
@@ -7474,10 +7430,10 @@
       </p:sp>
       <p:sp>
         <p:nvSpPr>
-          <p:cNvPr id="14" name="TextBox 72">
+          <p:cNvPr id="44" name="TextBox 72">
             <a:extLst>
               <a:ext uri="{FF2B5EF4-FFF2-40B4-BE49-F238E27FC236}">
-                <a16:creationId xmlns:a16="http://schemas.microsoft.com/office/drawing/2014/main" id="{32DF8666-D1B4-CD0B-C7D8-B88FF80B5AB2}"/>
+                <a16:creationId xmlns:a16="http://schemas.microsoft.com/office/drawing/2014/main" id="{662428CB-5362-CD14-C329-75D152EEE777}"/>
               </a:ext>
             </a:extLst>
           </p:cNvPr>
@@ -7497,7 +7453,7 @@
           </a:ln>
           <a:extLst>
             <a:ext uri="{C572A759-6A51-4108-AA02-DFA0A04FC94B}">
-              <ma14:wrappingTextBoxFlag xmlns:ma14="http://schemas.microsoft.com/office/mac/drawingml/2011/main" xmlns:a14="http://schemas.microsoft.com/office/drawing/2010/main" xmlns:m="http://schemas.openxmlformats.org/officeDocument/2006/math" xmlns="" val="1"/>
+              <ma14:wrappingTextBoxFlag xmlns="" xmlns:m="http://schemas.openxmlformats.org/officeDocument/2006/math" xmlns:a14="http://schemas.microsoft.com/office/drawing/2010/main" xmlns:ma14="http://schemas.microsoft.com/office/mac/drawingml/2011/main" val="1"/>
             </a:ext>
           </a:extLst>
         </p:spPr>
@@ -7531,10 +7487,10 @@
       </p:sp>
       <p:pic>
         <p:nvPicPr>
-          <p:cNvPr id="31" name="Afbeelding 47" descr="Afbeelding 47">
+          <p:cNvPr id="45" name="Afbeelding 47" descr="Afbeelding 47">
             <a:extLst>
               <a:ext uri="{FF2B5EF4-FFF2-40B4-BE49-F238E27FC236}">
-                <a16:creationId xmlns:a16="http://schemas.microsoft.com/office/drawing/2014/main" id="{6526D066-9B91-00EC-0B0E-EF1A19E389EB}"/>
+                <a16:creationId xmlns:a16="http://schemas.microsoft.com/office/drawing/2014/main" id="{0901BABD-A966-76FB-BE29-3017A50273AA}"/>
               </a:ext>
             </a:extLst>
           </p:cNvPr>
@@ -7564,10 +7520,10 @@
       </p:pic>
       <p:sp>
         <p:nvSpPr>
-          <p:cNvPr id="32" name="TextBox 73">
+          <p:cNvPr id="46" name="TextBox 73">
             <a:extLst>
               <a:ext uri="{FF2B5EF4-FFF2-40B4-BE49-F238E27FC236}">
-                <a16:creationId xmlns:a16="http://schemas.microsoft.com/office/drawing/2014/main" id="{4E8D4BBB-CD3C-A8E8-FCFF-377DE27583B8}"/>
+                <a16:creationId xmlns:a16="http://schemas.microsoft.com/office/drawing/2014/main" id="{12C70677-0343-916F-1AAA-1BB061E6EB75}"/>
               </a:ext>
             </a:extLst>
           </p:cNvPr>
@@ -7587,7 +7543,7 @@
           </a:ln>
           <a:extLst>
             <a:ext uri="{C572A759-6A51-4108-AA02-DFA0A04FC94B}">
-              <ma14:wrappingTextBoxFlag xmlns:ma14="http://schemas.microsoft.com/office/mac/drawingml/2011/main" xmlns:a14="http://schemas.microsoft.com/office/drawing/2010/main" xmlns:m="http://schemas.openxmlformats.org/officeDocument/2006/math" xmlns="" val="1"/>
+              <ma14:wrappingTextBoxFlag xmlns="" xmlns:m="http://schemas.openxmlformats.org/officeDocument/2006/math" xmlns:a14="http://schemas.microsoft.com/office/drawing/2010/main" xmlns:ma14="http://schemas.microsoft.com/office/mac/drawingml/2011/main" val="1"/>
             </a:ext>
           </a:extLst>
         </p:spPr>
@@ -7622,10 +7578,10 @@
       </p:sp>
       <p:sp>
         <p:nvSpPr>
-          <p:cNvPr id="33" name="TextBox 74">
+          <p:cNvPr id="47" name="TextBox 74">
             <a:extLst>
               <a:ext uri="{FF2B5EF4-FFF2-40B4-BE49-F238E27FC236}">
-                <a16:creationId xmlns:a16="http://schemas.microsoft.com/office/drawing/2014/main" id="{BBB713D0-BAE5-82DD-D841-7DCC6F996928}"/>
+                <a16:creationId xmlns:a16="http://schemas.microsoft.com/office/drawing/2014/main" id="{E41D8A56-70A8-B688-91C6-CE9EA708F09C}"/>
               </a:ext>
             </a:extLst>
           </p:cNvPr>
@@ -7645,7 +7601,7 @@
           </a:ln>
           <a:extLst>
             <a:ext uri="{C572A759-6A51-4108-AA02-DFA0A04FC94B}">
-              <ma14:wrappingTextBoxFlag xmlns:ma14="http://schemas.microsoft.com/office/mac/drawingml/2011/main" xmlns:a14="http://schemas.microsoft.com/office/drawing/2010/main" xmlns:m="http://schemas.openxmlformats.org/officeDocument/2006/math" xmlns="" val="1"/>
+              <ma14:wrappingTextBoxFlag xmlns="" xmlns:m="http://schemas.openxmlformats.org/officeDocument/2006/math" xmlns:a14="http://schemas.microsoft.com/office/drawing/2010/main" xmlns:ma14="http://schemas.microsoft.com/office/mac/drawingml/2011/main" val="1"/>
             </a:ext>
           </a:extLst>
         </p:spPr>
@@ -7679,10 +7635,10 @@
       </p:sp>
       <p:sp>
         <p:nvSpPr>
-          <p:cNvPr id="34" name="TextBox 75">
+          <p:cNvPr id="48" name="TextBox 75">
             <a:extLst>
               <a:ext uri="{FF2B5EF4-FFF2-40B4-BE49-F238E27FC236}">
-                <a16:creationId xmlns:a16="http://schemas.microsoft.com/office/drawing/2014/main" id="{98926A7D-E11D-4A2E-B8F5-21C628F82E52}"/>
+                <a16:creationId xmlns:a16="http://schemas.microsoft.com/office/drawing/2014/main" id="{D4A17647-D948-3C15-C132-27B6F298163A}"/>
               </a:ext>
             </a:extLst>
           </p:cNvPr>
@@ -7702,7 +7658,7 @@
           </a:ln>
           <a:extLst>
             <a:ext uri="{C572A759-6A51-4108-AA02-DFA0A04FC94B}">
-              <ma14:wrappingTextBoxFlag xmlns:ma14="http://schemas.microsoft.com/office/mac/drawingml/2011/main" xmlns:a14="http://schemas.microsoft.com/office/drawing/2010/main" xmlns:m="http://schemas.openxmlformats.org/officeDocument/2006/math" xmlns="" val="1"/>
+              <ma14:wrappingTextBoxFlag xmlns="" xmlns:m="http://schemas.openxmlformats.org/officeDocument/2006/math" xmlns:a14="http://schemas.microsoft.com/office/drawing/2010/main" xmlns:ma14="http://schemas.microsoft.com/office/mac/drawingml/2011/main" val="1"/>
             </a:ext>
           </a:extLst>
         </p:spPr>
@@ -7739,10 +7695,10 @@
       </p:sp>
       <p:sp>
         <p:nvSpPr>
-          <p:cNvPr id="35" name="TextBox 76">
+          <p:cNvPr id="49" name="TextBox 76">
             <a:extLst>
               <a:ext uri="{FF2B5EF4-FFF2-40B4-BE49-F238E27FC236}">
-                <a16:creationId xmlns:a16="http://schemas.microsoft.com/office/drawing/2014/main" id="{DF909042-067C-83F0-41A9-F6F568B5D3C9}"/>
+                <a16:creationId xmlns:a16="http://schemas.microsoft.com/office/drawing/2014/main" id="{CB914D85-84E6-9929-5499-F0909B21DC08}"/>
               </a:ext>
             </a:extLst>
           </p:cNvPr>
@@ -7762,7 +7718,7 @@
           </a:ln>
           <a:extLst>
             <a:ext uri="{C572A759-6A51-4108-AA02-DFA0A04FC94B}">
-              <ma14:wrappingTextBoxFlag xmlns:ma14="http://schemas.microsoft.com/office/mac/drawingml/2011/main" xmlns:a14="http://schemas.microsoft.com/office/drawing/2010/main" xmlns:m="http://schemas.openxmlformats.org/officeDocument/2006/math" xmlns="" val="1"/>
+              <ma14:wrappingTextBoxFlag xmlns="" xmlns:m="http://schemas.openxmlformats.org/officeDocument/2006/math" xmlns:a14="http://schemas.microsoft.com/office/drawing/2010/main" xmlns:ma14="http://schemas.microsoft.com/office/mac/drawingml/2011/main" val="1"/>
             </a:ext>
           </a:extLst>
         </p:spPr>
@@ -7794,105 +7750,6 @@
           </a:p>
           <a:p>
             <a:endParaRPr/>
-          </a:p>
-        </p:txBody>
-      </p:sp>
-      <p:sp>
-        <p:nvSpPr>
-          <p:cNvPr id="3" name="Rectangle: Single Corner Rounded 2">
-            <a:extLst>
-              <a:ext uri="{FF2B5EF4-FFF2-40B4-BE49-F238E27FC236}">
-                <a16:creationId xmlns:a16="http://schemas.microsoft.com/office/drawing/2014/main" id="{C2A14CDF-BFC8-C478-AAF8-18B7FB72B9A4}"/>
-              </a:ext>
-            </a:extLst>
-          </p:cNvPr>
-          <p:cNvSpPr/>
-          <p:nvPr/>
-        </p:nvSpPr>
-        <p:spPr>
-          <a:xfrm>
-            <a:off x="574308" y="3324888"/>
-            <a:ext cx="2271711" cy="369330"/>
-          </a:xfrm>
-          <a:prstGeom prst="round1Rect">
-            <a:avLst/>
-          </a:prstGeom>
-          <a:solidFill>
-            <a:schemeClr val="tx1"/>
-          </a:solidFill>
-          <a:ln w="19050" cap="flat">
-            <a:noFill/>
-            <a:prstDash val="solid"/>
-            <a:miter lim="800000"/>
-          </a:ln>
-          <a:effectLst/>
-          <a:sp3d/>
-        </p:spPr>
-        <p:style>
-          <a:lnRef idx="0">
-            <a:scrgbClr r="0" g="0" b="0"/>
-          </a:lnRef>
-          <a:fillRef idx="0">
-            <a:scrgbClr r="0" g="0" b="0"/>
-          </a:fillRef>
-          <a:effectRef idx="0">
-            <a:scrgbClr r="0" g="0" b="0"/>
-          </a:effectRef>
-          <a:fontRef idx="none"/>
-        </p:style>
-        <p:txBody>
-          <a:bodyPr rot="0" spcFirstLastPara="1" vertOverflow="overflow" horzOverflow="overflow" vert="horz" wrap="square" lIns="45719" tIns="45719" rIns="45719" bIns="45719" numCol="1" spcCol="38100" rtlCol="0" anchor="ctr">
-            <a:spAutoFit/>
-          </a:bodyPr>
-          <a:lstStyle/>
-          <a:p>
-            <a:pPr marL="0" marR="0" indent="0" algn="l" defTabSz="457200" rtl="0" fontAlgn="auto" latinLnBrk="0" hangingPunct="0">
-              <a:lnSpc>
-                <a:spcPct val="100000"/>
-              </a:lnSpc>
-              <a:spcBef>
-                <a:spcPts val="0"/>
-              </a:spcBef>
-              <a:spcAft>
-                <a:spcPts val="0"/>
-              </a:spcAft>
-              <a:buClrTx/>
-              <a:buSzTx/>
-              <a:buFontTx/>
-              <a:buNone/>
-              <a:tabLst/>
-            </a:pPr>
-            <a:r>
-              <a:rPr kumimoji="0" lang="nl-NL" sz="1800" b="0" i="0" u="none" strike="noStrike" cap="none" spc="0" normalizeH="0" baseline="0">
-                <a:ln>
-                  <a:noFill/>
-                </a:ln>
-                <a:solidFill>
-                  <a:srgbClr val="FFFFFF"/>
-                </a:solidFill>
-                <a:effectLst/>
-                <a:uFillTx/>
-                <a:latin typeface="+mn-lt"/>
-                <a:ea typeface="+mn-ea"/>
-                <a:cs typeface="+mn-cs"/>
-                <a:sym typeface="Aptos"/>
-              </a:rPr>
-              <a:t>#STATS</a:t>
-            </a:r>
-            <a:endParaRPr kumimoji="0" lang="LID4096" sz="1800" b="0" i="0" u="none" strike="noStrike" cap="none" spc="0" normalizeH="0" baseline="0">
-              <a:ln>
-                <a:noFill/>
-              </a:ln>
-              <a:solidFill>
-                <a:srgbClr val="FFFFFF"/>
-              </a:solidFill>
-              <a:effectLst/>
-              <a:uFillTx/>
-              <a:latin typeface="+mn-lt"/>
-              <a:ea typeface="+mn-ea"/>
-              <a:cs typeface="+mn-cs"/>
-              <a:sym typeface="Aptos"/>
-            </a:endParaRPr>
           </a:p>
         </p:txBody>
       </p:sp>
@@ -8096,19 +7953,19 @@
     <a:spDef>
       <a:spPr>
         <a:solidFill>
-          <a:srgbClr val="FFFFFF"/>
+          <a:srgbClr val="173883"/>
         </a:solidFill>
-        <a:ln w="19050" cap="flat">
+        <a:ln w="25400" cap="flat">
           <a:solidFill>
             <a:schemeClr val="accent1"/>
           </a:solidFill>
           <a:prstDash val="solid"/>
-          <a:miter lim="800000"/>
+          <a:round/>
         </a:ln>
         <a:effectLst/>
         <a:sp3d/>
       </a:spPr>
-      <a:bodyPr rot="0" spcFirstLastPara="1" vertOverflow="overflow" horzOverflow="overflow" vert="horz" wrap="square" lIns="45719" tIns="45719" rIns="45719" bIns="45719" numCol="1" spcCol="38100" rtlCol="0" anchor="ctr">
+      <a:bodyPr rot="0" spcFirstLastPara="1" vertOverflow="overflow" horzOverflow="overflow" vert="horz" wrap="square" lIns="45718" tIns="45718" rIns="45718" bIns="45718" numCol="1" spcCol="38100" rtlCol="0" anchor="ctr">
         <a:spAutoFit/>
       </a:bodyPr>
       <a:lstStyle>
@@ -8393,12 +8250,12 @@
     <a:lnDef>
       <a:spPr>
         <a:noFill/>
-        <a:ln w="19050" cap="flat">
+        <a:ln w="25400" cap="flat">
           <a:solidFill>
             <a:schemeClr val="accent1"/>
           </a:solidFill>
           <a:prstDash val="solid"/>
-          <a:miter lim="800000"/>
+          <a:round/>
         </a:ln>
         <a:effectLst/>
         <a:sp3d/>
@@ -8691,7 +8548,7 @@
         <a:effectLst/>
         <a:sp3d/>
       </a:spPr>
-      <a:bodyPr rot="0" spcFirstLastPara="1" vertOverflow="overflow" horzOverflow="overflow" vert="horz" wrap="square" lIns="45719" tIns="45719" rIns="45719" bIns="45719" numCol="1" spcCol="38100" rtlCol="0" anchor="t">
+      <a:bodyPr rot="0" spcFirstLastPara="1" vertOverflow="overflow" horzOverflow="overflow" vert="horz" wrap="square" lIns="45718" tIns="45718" rIns="45718" bIns="45718" numCol="1" spcCol="38100" rtlCol="0" anchor="t">
         <a:spAutoFit/>
       </a:bodyPr>
       <a:lstStyle>
@@ -9169,19 +9026,19 @@
     <a:spDef>
       <a:spPr>
         <a:solidFill>
-          <a:srgbClr val="FFFFFF"/>
+          <a:srgbClr val="173883"/>
         </a:solidFill>
-        <a:ln w="19050" cap="flat">
+        <a:ln w="25400" cap="flat">
           <a:solidFill>
             <a:schemeClr val="accent1"/>
           </a:solidFill>
           <a:prstDash val="solid"/>
-          <a:miter lim="800000"/>
+          <a:round/>
         </a:ln>
         <a:effectLst/>
         <a:sp3d/>
       </a:spPr>
-      <a:bodyPr rot="0" spcFirstLastPara="1" vertOverflow="overflow" horzOverflow="overflow" vert="horz" wrap="square" lIns="45719" tIns="45719" rIns="45719" bIns="45719" numCol="1" spcCol="38100" rtlCol="0" anchor="ctr">
+      <a:bodyPr rot="0" spcFirstLastPara="1" vertOverflow="overflow" horzOverflow="overflow" vert="horz" wrap="square" lIns="45718" tIns="45718" rIns="45718" bIns="45718" numCol="1" spcCol="38100" rtlCol="0" anchor="ctr">
         <a:spAutoFit/>
       </a:bodyPr>
       <a:lstStyle>
@@ -9466,12 +9323,12 @@
     <a:lnDef>
       <a:spPr>
         <a:noFill/>
-        <a:ln w="19050" cap="flat">
+        <a:ln w="25400" cap="flat">
           <a:solidFill>
             <a:schemeClr val="accent1"/>
           </a:solidFill>
           <a:prstDash val="solid"/>
-          <a:miter lim="800000"/>
+          <a:round/>
         </a:ln>
         <a:effectLst/>
         <a:sp3d/>
@@ -9764,7 +9621,7 @@
         <a:effectLst/>
         <a:sp3d/>
       </a:spPr>
-      <a:bodyPr rot="0" spcFirstLastPara="1" vertOverflow="overflow" horzOverflow="overflow" vert="horz" wrap="square" lIns="45719" tIns="45719" rIns="45719" bIns="45719" numCol="1" spcCol="38100" rtlCol="0" anchor="t">
+      <a:bodyPr rot="0" spcFirstLastPara="1" vertOverflow="overflow" horzOverflow="overflow" vert="horz" wrap="square" lIns="45718" tIns="45718" rIns="45718" bIns="45718" numCol="1" spcCol="38100" rtlCol="0" anchor="t">
         <a:spAutoFit/>
       </a:bodyPr>
       <a:lstStyle>

--- a/powerpoint template.pptx
+++ b/powerpoint template.pptx
@@ -310,6 +310,11 @@
       </a:defRPr>
     </a:lvl9pPr>
   </p:defaultTextStyle>
+  <p:extLst>
+    <p:ext uri="{EFAFB233-063F-42B5-8137-9DF3F51BA10A}">
+      <p15:sldGuideLst xmlns:p15="http://schemas.microsoft.com/office/powerpoint/2012/main"/>
+    </p:ext>
+  </p:extLst>
 </p:presentation>
 </file>
 
@@ -963,7 +968,7 @@
           </a:ln>
           <a:extLst>
             <a:ext uri="{C572A759-6A51-4108-AA02-DFA0A04FC94B}">
-              <ma14:wrappingTextBoxFlag xmlns:ma14="http://schemas.microsoft.com/office/mac/drawingml/2011/main" xmlns:a14="http://schemas.microsoft.com/office/drawing/2010/main" xmlns:m="http://schemas.openxmlformats.org/officeDocument/2006/math" xmlns="" val="1"/>
+              <ma14:wrappingTextBoxFlag xmlns="" xmlns:m="http://schemas.openxmlformats.org/officeDocument/2006/math" xmlns:a14="http://schemas.microsoft.com/office/drawing/2010/main" xmlns:ma14="http://schemas.microsoft.com/office/mac/drawingml/2011/main" val="1"/>
             </a:ext>
           </a:extLst>
         </p:spPr>
@@ -1010,7 +1015,7 @@
           </a:ln>
           <a:extLst>
             <a:ext uri="{C572A759-6A51-4108-AA02-DFA0A04FC94B}">
-              <ma14:wrappingTextBoxFlag xmlns:ma14="http://schemas.microsoft.com/office/mac/drawingml/2011/main" xmlns:a14="http://schemas.microsoft.com/office/drawing/2010/main" xmlns:m="http://schemas.openxmlformats.org/officeDocument/2006/math" xmlns="" val="1"/>
+              <ma14:wrappingTextBoxFlag xmlns="" xmlns:m="http://schemas.openxmlformats.org/officeDocument/2006/math" xmlns:a14="http://schemas.microsoft.com/office/drawing/2010/main" xmlns:ma14="http://schemas.microsoft.com/office/mac/drawingml/2011/main" val="1"/>
             </a:ext>
           </a:extLst>
         </p:spPr>
@@ -1057,7 +1062,7 @@
           </a:ln>
           <a:extLst>
             <a:ext uri="{C572A759-6A51-4108-AA02-DFA0A04FC94B}">
-              <ma14:wrappingTextBoxFlag xmlns:ma14="http://schemas.microsoft.com/office/mac/drawingml/2011/main" xmlns:a14="http://schemas.microsoft.com/office/drawing/2010/main" xmlns:m="http://schemas.openxmlformats.org/officeDocument/2006/math" xmlns="" val="1"/>
+              <ma14:wrappingTextBoxFlag xmlns="" xmlns:m="http://schemas.openxmlformats.org/officeDocument/2006/math" xmlns:a14="http://schemas.microsoft.com/office/drawing/2010/main" xmlns:ma14="http://schemas.microsoft.com/office/mac/drawingml/2011/main" val="1"/>
             </a:ext>
           </a:extLst>
         </p:spPr>
@@ -2526,7 +2531,7 @@
           </a:ln>
           <a:extLst>
             <a:ext uri="{C572A759-6A51-4108-AA02-DFA0A04FC94B}">
-              <ma14:wrappingTextBoxFlag xmlns:ma14="http://schemas.microsoft.com/office/mac/drawingml/2011/main" xmlns:a14="http://schemas.microsoft.com/office/drawing/2010/main" xmlns:m="http://schemas.openxmlformats.org/officeDocument/2006/math" xmlns="" val="1"/>
+              <ma14:wrappingTextBoxFlag xmlns="" xmlns:m="http://schemas.openxmlformats.org/officeDocument/2006/math" xmlns:a14="http://schemas.microsoft.com/office/drawing/2010/main" xmlns:ma14="http://schemas.microsoft.com/office/mac/drawingml/2011/main" val="1"/>
             </a:ext>
           </a:extLst>
         </p:spPr>
@@ -2668,7 +2673,7 @@
           </a:ln>
           <a:extLst>
             <a:ext uri="{C572A759-6A51-4108-AA02-DFA0A04FC94B}">
-              <ma14:wrappingTextBoxFlag xmlns:ma14="http://schemas.microsoft.com/office/mac/drawingml/2011/main" xmlns:a14="http://schemas.microsoft.com/office/drawing/2010/main" xmlns:m="http://schemas.openxmlformats.org/officeDocument/2006/math" xmlns="" val="1"/>
+              <ma14:wrappingTextBoxFlag xmlns="" xmlns:m="http://schemas.openxmlformats.org/officeDocument/2006/math" xmlns:a14="http://schemas.microsoft.com/office/drawing/2010/main" xmlns:ma14="http://schemas.microsoft.com/office/mac/drawingml/2011/main" val="1"/>
             </a:ext>
           </a:extLst>
         </p:spPr>
@@ -2746,7 +2751,7 @@
           </a:ln>
           <a:extLst>
             <a:ext uri="{C572A759-6A51-4108-AA02-DFA0A04FC94B}">
-              <ma14:wrappingTextBoxFlag xmlns:ma14="http://schemas.microsoft.com/office/mac/drawingml/2011/main" xmlns:a14="http://schemas.microsoft.com/office/drawing/2010/main" xmlns:m="http://schemas.openxmlformats.org/officeDocument/2006/math" xmlns="" val="1"/>
+              <ma14:wrappingTextBoxFlag xmlns="" xmlns:m="http://schemas.openxmlformats.org/officeDocument/2006/math" xmlns:a14="http://schemas.microsoft.com/office/drawing/2010/main" xmlns:ma14="http://schemas.microsoft.com/office/mac/drawingml/2011/main" val="1"/>
             </a:ext>
           </a:extLst>
         </p:spPr>
@@ -2793,7 +2798,7 @@
           </a:ln>
           <a:extLst>
             <a:ext uri="{C572A759-6A51-4108-AA02-DFA0A04FC94B}">
-              <ma14:wrappingTextBoxFlag xmlns:ma14="http://schemas.microsoft.com/office/mac/drawingml/2011/main" xmlns:a14="http://schemas.microsoft.com/office/drawing/2010/main" xmlns:m="http://schemas.openxmlformats.org/officeDocument/2006/math" xmlns="" val="1"/>
+              <ma14:wrappingTextBoxFlag xmlns="" xmlns:m="http://schemas.openxmlformats.org/officeDocument/2006/math" xmlns:a14="http://schemas.microsoft.com/office/drawing/2010/main" xmlns:ma14="http://schemas.microsoft.com/office/mac/drawingml/2011/main" val="1"/>
             </a:ext>
           </a:extLst>
         </p:spPr>
@@ -2840,7 +2845,7 @@
           </a:ln>
           <a:extLst>
             <a:ext uri="{C572A759-6A51-4108-AA02-DFA0A04FC94B}">
-              <ma14:wrappingTextBoxFlag xmlns:ma14="http://schemas.microsoft.com/office/mac/drawingml/2011/main" xmlns:a14="http://schemas.microsoft.com/office/drawing/2010/main" xmlns:m="http://schemas.openxmlformats.org/officeDocument/2006/math" xmlns="" val="1"/>
+              <ma14:wrappingTextBoxFlag xmlns="" xmlns:m="http://schemas.openxmlformats.org/officeDocument/2006/math" xmlns:a14="http://schemas.microsoft.com/office/drawing/2010/main" xmlns:ma14="http://schemas.microsoft.com/office/mac/drawingml/2011/main" val="1"/>
             </a:ext>
           </a:extLst>
         </p:spPr>
@@ -2887,7 +2892,7 @@
           </a:ln>
           <a:extLst>
             <a:ext uri="{C572A759-6A51-4108-AA02-DFA0A04FC94B}">
-              <ma14:wrappingTextBoxFlag xmlns:ma14="http://schemas.microsoft.com/office/mac/drawingml/2011/main" xmlns:a14="http://schemas.microsoft.com/office/drawing/2010/main" xmlns:m="http://schemas.openxmlformats.org/officeDocument/2006/math" xmlns="" val="1"/>
+              <ma14:wrappingTextBoxFlag xmlns="" xmlns:m="http://schemas.openxmlformats.org/officeDocument/2006/math" xmlns:a14="http://schemas.microsoft.com/office/drawing/2010/main" xmlns:ma14="http://schemas.microsoft.com/office/mac/drawingml/2011/main" val="1"/>
             </a:ext>
           </a:extLst>
         </p:spPr>
@@ -2934,7 +2939,7 @@
           </a:ln>
           <a:extLst>
             <a:ext uri="{C572A759-6A51-4108-AA02-DFA0A04FC94B}">
-              <ma14:wrappingTextBoxFlag xmlns:ma14="http://schemas.microsoft.com/office/mac/drawingml/2011/main" xmlns:a14="http://schemas.microsoft.com/office/drawing/2010/main" xmlns:m="http://schemas.openxmlformats.org/officeDocument/2006/math" xmlns="" val="1"/>
+              <ma14:wrappingTextBoxFlag xmlns="" xmlns:m="http://schemas.openxmlformats.org/officeDocument/2006/math" xmlns:a14="http://schemas.microsoft.com/office/drawing/2010/main" xmlns:ma14="http://schemas.microsoft.com/office/mac/drawingml/2011/main" val="1"/>
             </a:ext>
           </a:extLst>
         </p:spPr>
@@ -3170,7 +3175,7 @@
           </a:ln>
           <a:extLst>
             <a:ext uri="{C572A759-6A51-4108-AA02-DFA0A04FC94B}">
-              <ma14:wrappingTextBoxFlag xmlns:ma14="http://schemas.microsoft.com/office/mac/drawingml/2011/main" xmlns:a14="http://schemas.microsoft.com/office/drawing/2010/main" xmlns:m="http://schemas.openxmlformats.org/officeDocument/2006/math" xmlns="" val="1"/>
+              <ma14:wrappingTextBoxFlag xmlns="" xmlns:m="http://schemas.openxmlformats.org/officeDocument/2006/math" xmlns:a14="http://schemas.microsoft.com/office/drawing/2010/main" xmlns:ma14="http://schemas.microsoft.com/office/mac/drawingml/2011/main" val="1"/>
             </a:ext>
           </a:extLst>
         </p:spPr>
@@ -3217,7 +3222,7 @@
           </a:ln>
           <a:extLst>
             <a:ext uri="{C572A759-6A51-4108-AA02-DFA0A04FC94B}">
-              <ma14:wrappingTextBoxFlag xmlns:ma14="http://schemas.microsoft.com/office/mac/drawingml/2011/main" xmlns:a14="http://schemas.microsoft.com/office/drawing/2010/main" xmlns:m="http://schemas.openxmlformats.org/officeDocument/2006/math" xmlns="" val="1"/>
+              <ma14:wrappingTextBoxFlag xmlns="" xmlns:m="http://schemas.openxmlformats.org/officeDocument/2006/math" xmlns:a14="http://schemas.microsoft.com/office/drawing/2010/main" xmlns:ma14="http://schemas.microsoft.com/office/mac/drawingml/2011/main" val="1"/>
             </a:ext>
           </a:extLst>
         </p:spPr>
@@ -3409,7 +3414,7 @@
           </a:ln>
           <a:extLst>
             <a:ext uri="{C572A759-6A51-4108-AA02-DFA0A04FC94B}">
-              <ma14:wrappingTextBoxFlag xmlns:ma14="http://schemas.microsoft.com/office/mac/drawingml/2011/main" xmlns:a14="http://schemas.microsoft.com/office/drawing/2010/main" xmlns:m="http://schemas.openxmlformats.org/officeDocument/2006/math" xmlns="" val="1"/>
+              <ma14:wrappingTextBoxFlag xmlns="" xmlns:m="http://schemas.openxmlformats.org/officeDocument/2006/math" xmlns:a14="http://schemas.microsoft.com/office/drawing/2010/main" xmlns:ma14="http://schemas.microsoft.com/office/mac/drawingml/2011/main" val="1"/>
             </a:ext>
           </a:extLst>
         </p:spPr>
@@ -3448,7 +3453,7 @@
           </a:ln>
           <a:extLst>
             <a:ext uri="{C572A759-6A51-4108-AA02-DFA0A04FC94B}">
-              <ma14:wrappingTextBoxFlag xmlns:ma14="http://schemas.microsoft.com/office/mac/drawingml/2011/main" xmlns:a14="http://schemas.microsoft.com/office/drawing/2010/main" xmlns:m="http://schemas.openxmlformats.org/officeDocument/2006/math" xmlns="" val="1"/>
+              <ma14:wrappingTextBoxFlag xmlns="" xmlns:m="http://schemas.openxmlformats.org/officeDocument/2006/math" xmlns:a14="http://schemas.microsoft.com/office/drawing/2010/main" xmlns:ma14="http://schemas.microsoft.com/office/mac/drawingml/2011/main" val="1"/>
             </a:ext>
           </a:extLst>
         </p:spPr>
@@ -4500,7 +4505,7 @@
           </a:ln>
           <a:extLst>
             <a:ext uri="{C572A759-6A51-4108-AA02-DFA0A04FC94B}">
-              <ma14:wrappingTextBoxFlag xmlns="" xmlns:m="http://schemas.openxmlformats.org/officeDocument/2006/math" xmlns:a14="http://schemas.microsoft.com/office/drawing/2010/main" xmlns:ma14="http://schemas.microsoft.com/office/mac/drawingml/2011/main" val="1"/>
+              <ma14:wrappingTextBoxFlag xmlns:ma14="http://schemas.microsoft.com/office/mac/drawingml/2011/main" xmlns:a14="http://schemas.microsoft.com/office/drawing/2010/main" xmlns:m="http://schemas.openxmlformats.org/officeDocument/2006/math" xmlns="" val="1"/>
             </a:ext>
           </a:extLst>
         </p:spPr>
@@ -4553,7 +4558,7 @@
           </a:ln>
           <a:extLst>
             <a:ext uri="{C572A759-6A51-4108-AA02-DFA0A04FC94B}">
-              <ma14:wrappingTextBoxFlag xmlns="" xmlns:m="http://schemas.openxmlformats.org/officeDocument/2006/math" xmlns:a14="http://schemas.microsoft.com/office/drawing/2010/main" xmlns:ma14="http://schemas.microsoft.com/office/mac/drawingml/2011/main" val="1"/>
+              <ma14:wrappingTextBoxFlag xmlns:ma14="http://schemas.microsoft.com/office/mac/drawingml/2011/main" xmlns:a14="http://schemas.microsoft.com/office/drawing/2010/main" xmlns:m="http://schemas.openxmlformats.org/officeDocument/2006/math" xmlns="" val="1"/>
             </a:ext>
           </a:extLst>
         </p:spPr>
@@ -4606,7 +4611,7 @@
           </a:ln>
           <a:extLst>
             <a:ext uri="{C572A759-6A51-4108-AA02-DFA0A04FC94B}">
-              <ma14:wrappingTextBoxFlag xmlns="" xmlns:m="http://schemas.openxmlformats.org/officeDocument/2006/math" xmlns:a14="http://schemas.microsoft.com/office/drawing/2010/main" xmlns:ma14="http://schemas.microsoft.com/office/mac/drawingml/2011/main" val="1"/>
+              <ma14:wrappingTextBoxFlag xmlns:ma14="http://schemas.microsoft.com/office/mac/drawingml/2011/main" xmlns:a14="http://schemas.microsoft.com/office/drawing/2010/main" xmlns:m="http://schemas.openxmlformats.org/officeDocument/2006/math" xmlns="" val="1"/>
             </a:ext>
           </a:extLst>
         </p:spPr>
@@ -4659,7 +4664,7 @@
           </a:ln>
           <a:extLst>
             <a:ext uri="{C572A759-6A51-4108-AA02-DFA0A04FC94B}">
-              <ma14:wrappingTextBoxFlag xmlns="" xmlns:m="http://schemas.openxmlformats.org/officeDocument/2006/math" xmlns:a14="http://schemas.microsoft.com/office/drawing/2010/main" xmlns:ma14="http://schemas.microsoft.com/office/mac/drawingml/2011/main" val="1"/>
+              <ma14:wrappingTextBoxFlag xmlns:ma14="http://schemas.microsoft.com/office/mac/drawingml/2011/main" xmlns:a14="http://schemas.microsoft.com/office/drawing/2010/main" xmlns:m="http://schemas.openxmlformats.org/officeDocument/2006/math" xmlns="" val="1"/>
             </a:ext>
           </a:extLst>
         </p:spPr>
@@ -4712,7 +4717,7 @@
           </a:ln>
           <a:extLst>
             <a:ext uri="{C572A759-6A51-4108-AA02-DFA0A04FC94B}">
-              <ma14:wrappingTextBoxFlag xmlns="" xmlns:m="http://schemas.openxmlformats.org/officeDocument/2006/math" xmlns:a14="http://schemas.microsoft.com/office/drawing/2010/main" xmlns:ma14="http://schemas.microsoft.com/office/mac/drawingml/2011/main" val="1"/>
+              <ma14:wrappingTextBoxFlag xmlns:ma14="http://schemas.microsoft.com/office/mac/drawingml/2011/main" xmlns:a14="http://schemas.microsoft.com/office/drawing/2010/main" xmlns:m="http://schemas.openxmlformats.org/officeDocument/2006/math" xmlns="" val="1"/>
             </a:ext>
           </a:extLst>
         </p:spPr>
@@ -4765,7 +4770,7 @@
           </a:ln>
           <a:extLst>
             <a:ext uri="{C572A759-6A51-4108-AA02-DFA0A04FC94B}">
-              <ma14:wrappingTextBoxFlag xmlns="" xmlns:m="http://schemas.openxmlformats.org/officeDocument/2006/math" xmlns:a14="http://schemas.microsoft.com/office/drawing/2010/main" xmlns:ma14="http://schemas.microsoft.com/office/mac/drawingml/2011/main" val="1"/>
+              <ma14:wrappingTextBoxFlag xmlns:ma14="http://schemas.microsoft.com/office/mac/drawingml/2011/main" xmlns:a14="http://schemas.microsoft.com/office/drawing/2010/main" xmlns:m="http://schemas.openxmlformats.org/officeDocument/2006/math" xmlns="" val="1"/>
             </a:ext>
           </a:extLst>
         </p:spPr>
@@ -4943,7 +4948,7 @@
           </a:ln>
           <a:extLst>
             <a:ext uri="{C572A759-6A51-4108-AA02-DFA0A04FC94B}">
-              <ma14:wrappingTextBoxFlag xmlns="" xmlns:m="http://schemas.openxmlformats.org/officeDocument/2006/math" xmlns:a14="http://schemas.microsoft.com/office/drawing/2010/main" xmlns:ma14="http://schemas.microsoft.com/office/mac/drawingml/2011/main" val="1"/>
+              <ma14:wrappingTextBoxFlag xmlns:ma14="http://schemas.microsoft.com/office/mac/drawingml/2011/main" xmlns:a14="http://schemas.microsoft.com/office/drawing/2010/main" xmlns:m="http://schemas.openxmlformats.org/officeDocument/2006/math" xmlns="" val="1"/>
             </a:ext>
           </a:extLst>
         </p:spPr>
@@ -5042,7 +5047,7 @@
           </a:ln>
           <a:extLst>
             <a:ext uri="{C572A759-6A51-4108-AA02-DFA0A04FC94B}">
-              <ma14:wrappingTextBoxFlag xmlns="" xmlns:m="http://schemas.openxmlformats.org/officeDocument/2006/math" xmlns:a14="http://schemas.microsoft.com/office/drawing/2010/main" xmlns:ma14="http://schemas.microsoft.com/office/mac/drawingml/2011/main" val="1"/>
+              <ma14:wrappingTextBoxFlag xmlns:ma14="http://schemas.microsoft.com/office/mac/drawingml/2011/main" xmlns:a14="http://schemas.microsoft.com/office/drawing/2010/main" xmlns:m="http://schemas.openxmlformats.org/officeDocument/2006/math" xmlns="" val="1"/>
             </a:ext>
           </a:extLst>
         </p:spPr>
@@ -5088,8 +5093,8 @@
         </p:nvSpPr>
         <p:spPr>
           <a:xfrm>
-            <a:off x="3198220" y="4082400"/>
-            <a:ext cx="749563" cy="276999"/>
+            <a:off x="3195015" y="4082400"/>
+            <a:ext cx="755974" cy="276999"/>
           </a:xfrm>
           <a:prstGeom prst="rect">
             <a:avLst/>
@@ -5099,7 +5104,7 @@
           </a:ln>
           <a:extLst>
             <a:ext uri="{C572A759-6A51-4108-AA02-DFA0A04FC94B}">
-              <ma14:wrappingTextBoxFlag xmlns="" xmlns:m="http://schemas.openxmlformats.org/officeDocument/2006/math" xmlns:a14="http://schemas.microsoft.com/office/drawing/2010/main" xmlns:ma14="http://schemas.microsoft.com/office/mac/drawingml/2011/main" val="1"/>
+              <ma14:wrappingTextBoxFlag xmlns:ma14="http://schemas.microsoft.com/office/mac/drawingml/2011/main" xmlns:a14="http://schemas.microsoft.com/office/drawing/2010/main" xmlns:m="http://schemas.openxmlformats.org/officeDocument/2006/math" xmlns="" val="1"/>
             </a:ext>
           </a:extLst>
         </p:spPr>
@@ -5126,7 +5131,7 @@
           <a:p>
             <a:r>
               <a:rPr lang="nl-NL"/>
-              <a:t>{{GAMES}}</a:t>
+              <a:t>{{G25/26}}</a:t>
             </a:r>
             <a:endParaRPr/>
           </a:p>
@@ -5146,8 +5151,8 @@
         </p:nvSpPr>
         <p:spPr>
           <a:xfrm>
-            <a:off x="4046504" y="4082400"/>
-            <a:ext cx="874596" cy="276999"/>
+            <a:off x="4088984" y="4082400"/>
+            <a:ext cx="789638" cy="276999"/>
           </a:xfrm>
           <a:prstGeom prst="rect">
             <a:avLst/>
@@ -5157,7 +5162,7 @@
           </a:ln>
           <a:extLst>
             <a:ext uri="{C572A759-6A51-4108-AA02-DFA0A04FC94B}">
-              <ma14:wrappingTextBoxFlag xmlns="" xmlns:m="http://schemas.openxmlformats.org/officeDocument/2006/math" xmlns:a14="http://schemas.microsoft.com/office/drawing/2010/main" xmlns:ma14="http://schemas.microsoft.com/office/mac/drawingml/2011/main" val="1"/>
+              <ma14:wrappingTextBoxFlag xmlns:ma14="http://schemas.microsoft.com/office/mac/drawingml/2011/main" xmlns:a14="http://schemas.microsoft.com/office/drawing/2010/main" xmlns:m="http://schemas.openxmlformats.org/officeDocument/2006/math" xmlns="" val="1"/>
             </a:ext>
           </a:extLst>
         </p:spPr>
@@ -5184,7 +5189,7 @@
           <a:p>
             <a:r>
               <a:rPr lang="nl-NL"/>
-              <a:t>{{MINUTES}}</a:t>
+              <a:t>{{M25/26}}</a:t>
             </a:r>
             <a:endParaRPr/>
           </a:p>
@@ -5204,8 +5209,8 @@
         </p:nvSpPr>
         <p:spPr>
           <a:xfrm>
-            <a:off x="5097458" y="4082400"/>
-            <a:ext cx="709488" cy="276999"/>
+            <a:off x="5022919" y="4082400"/>
+            <a:ext cx="858566" cy="276999"/>
           </a:xfrm>
           <a:prstGeom prst="rect">
             <a:avLst/>
@@ -5215,7 +5220,7 @@
           </a:ln>
           <a:extLst>
             <a:ext uri="{C572A759-6A51-4108-AA02-DFA0A04FC94B}">
-              <ma14:wrappingTextBoxFlag xmlns="" xmlns:m="http://schemas.openxmlformats.org/officeDocument/2006/math" xmlns:a14="http://schemas.microsoft.com/office/drawing/2010/main" xmlns:ma14="http://schemas.microsoft.com/office/mac/drawingml/2011/main" val="1"/>
+              <ma14:wrappingTextBoxFlag xmlns:ma14="http://schemas.microsoft.com/office/mac/drawingml/2011/main" xmlns:a14="http://schemas.microsoft.com/office/drawing/2010/main" xmlns:m="http://schemas.openxmlformats.org/officeDocument/2006/math" xmlns="" val="1"/>
             </a:ext>
           </a:extLst>
         </p:spPr>
@@ -5242,7 +5247,7 @@
           <a:p>
             <a:r>
               <a:rPr lang="nl-NL"/>
-              <a:t>{{GOALS}}</a:t>
+              <a:t>{{GO25/26}}</a:t>
             </a:r>
             <a:endParaRPr/>
           </a:p>
@@ -5262,8 +5267,8 @@
         </p:nvSpPr>
         <p:spPr>
           <a:xfrm>
-            <a:off x="5945401" y="4082400"/>
-            <a:ext cx="770402" cy="276999"/>
+            <a:off x="5956623" y="4082400"/>
+            <a:ext cx="747960" cy="276999"/>
           </a:xfrm>
           <a:prstGeom prst="rect">
             <a:avLst/>
@@ -5273,7 +5278,7 @@
           </a:ln>
           <a:extLst>
             <a:ext uri="{C572A759-6A51-4108-AA02-DFA0A04FC94B}">
-              <ma14:wrappingTextBoxFlag xmlns="" xmlns:m="http://schemas.openxmlformats.org/officeDocument/2006/math" xmlns:a14="http://schemas.microsoft.com/office/drawing/2010/main" xmlns:ma14="http://schemas.microsoft.com/office/mac/drawingml/2011/main" val="1"/>
+              <ma14:wrappingTextBoxFlag xmlns:ma14="http://schemas.microsoft.com/office/mac/drawingml/2011/main" xmlns:a14="http://schemas.microsoft.com/office/drawing/2010/main" xmlns:m="http://schemas.openxmlformats.org/officeDocument/2006/math" xmlns="" val="1"/>
             </a:ext>
           </a:extLst>
         </p:spPr>
@@ -5300,7 +5305,7 @@
           <a:p>
             <a:r>
               <a:rPr lang="nl-NL"/>
-              <a:t>{{ASSISTS}}</a:t>
+              <a:t>{{A25/26}}</a:t>
             </a:r>
             <a:endParaRPr/>
           </a:p>
@@ -5331,7 +5336,7 @@
           </a:ln>
           <a:extLst>
             <a:ext uri="{C572A759-6A51-4108-AA02-DFA0A04FC94B}">
-              <ma14:wrappingTextBoxFlag xmlns="" xmlns:m="http://schemas.openxmlformats.org/officeDocument/2006/math" xmlns:a14="http://schemas.microsoft.com/office/drawing/2010/main" xmlns:ma14="http://schemas.microsoft.com/office/mac/drawingml/2011/main" val="1"/>
+              <ma14:wrappingTextBoxFlag xmlns:ma14="http://schemas.microsoft.com/office/mac/drawingml/2011/main" xmlns:a14="http://schemas.microsoft.com/office/drawing/2010/main" xmlns:m="http://schemas.openxmlformats.org/officeDocument/2006/math" xmlns="" val="1"/>
             </a:ext>
           </a:extLst>
         </p:spPr>
@@ -5472,7 +5477,7 @@
           </a:ln>
           <a:extLst>
             <a:ext uri="{C572A759-6A51-4108-AA02-DFA0A04FC94B}">
-              <ma14:wrappingTextBoxFlag xmlns="" xmlns:m="http://schemas.openxmlformats.org/officeDocument/2006/math" xmlns:a14="http://schemas.microsoft.com/office/drawing/2010/main" xmlns:ma14="http://schemas.microsoft.com/office/mac/drawingml/2011/main" val="1"/>
+              <ma14:wrappingTextBoxFlag xmlns:ma14="http://schemas.microsoft.com/office/mac/drawingml/2011/main" xmlns:a14="http://schemas.microsoft.com/office/drawing/2010/main" xmlns:m="http://schemas.openxmlformats.org/officeDocument/2006/math" xmlns="" val="1"/>
             </a:ext>
           </a:extLst>
         </p:spPr>
@@ -5526,7 +5531,7 @@
           </a:ln>
           <a:extLst>
             <a:ext uri="{C572A759-6A51-4108-AA02-DFA0A04FC94B}">
-              <ma14:wrappingTextBoxFlag xmlns="" xmlns:m="http://schemas.openxmlformats.org/officeDocument/2006/math" xmlns:a14="http://schemas.microsoft.com/office/drawing/2010/main" xmlns:ma14="http://schemas.microsoft.com/office/mac/drawingml/2011/main" val="1"/>
+              <ma14:wrappingTextBoxFlag xmlns:ma14="http://schemas.microsoft.com/office/mac/drawingml/2011/main" xmlns:a14="http://schemas.microsoft.com/office/drawing/2010/main" xmlns:m="http://schemas.openxmlformats.org/officeDocument/2006/math" xmlns="" val="1"/>
             </a:ext>
           </a:extLst>
         </p:spPr>
@@ -5580,7 +5585,7 @@
           </a:ln>
           <a:extLst>
             <a:ext uri="{C572A759-6A51-4108-AA02-DFA0A04FC94B}">
-              <ma14:wrappingTextBoxFlag xmlns="" xmlns:m="http://schemas.openxmlformats.org/officeDocument/2006/math" xmlns:a14="http://schemas.microsoft.com/office/drawing/2010/main" xmlns:ma14="http://schemas.microsoft.com/office/mac/drawingml/2011/main" val="1"/>
+              <ma14:wrappingTextBoxFlag xmlns:ma14="http://schemas.microsoft.com/office/mac/drawingml/2011/main" xmlns:a14="http://schemas.microsoft.com/office/drawing/2010/main" xmlns:m="http://schemas.openxmlformats.org/officeDocument/2006/math" xmlns="" val="1"/>
             </a:ext>
           </a:extLst>
         </p:spPr>
@@ -5634,7 +5639,7 @@
           </a:ln>
           <a:extLst>
             <a:ext uri="{C572A759-6A51-4108-AA02-DFA0A04FC94B}">
-              <ma14:wrappingTextBoxFlag xmlns="" xmlns:m="http://schemas.openxmlformats.org/officeDocument/2006/math" xmlns:a14="http://schemas.microsoft.com/office/drawing/2010/main" xmlns:ma14="http://schemas.microsoft.com/office/mac/drawingml/2011/main" val="1"/>
+              <ma14:wrappingTextBoxFlag xmlns:ma14="http://schemas.microsoft.com/office/mac/drawingml/2011/main" xmlns:a14="http://schemas.microsoft.com/office/drawing/2010/main" xmlns:m="http://schemas.openxmlformats.org/officeDocument/2006/math" xmlns="" val="1"/>
             </a:ext>
           </a:extLst>
         </p:spPr>
@@ -5688,7 +5693,7 @@
           </a:ln>
           <a:extLst>
             <a:ext uri="{C572A759-6A51-4108-AA02-DFA0A04FC94B}">
-              <ma14:wrappingTextBoxFlag xmlns="" xmlns:m="http://schemas.openxmlformats.org/officeDocument/2006/math" xmlns:a14="http://schemas.microsoft.com/office/drawing/2010/main" xmlns:ma14="http://schemas.microsoft.com/office/mac/drawingml/2011/main" val="1"/>
+              <ma14:wrappingTextBoxFlag xmlns:ma14="http://schemas.microsoft.com/office/mac/drawingml/2011/main" xmlns:a14="http://schemas.microsoft.com/office/drawing/2010/main" xmlns:m="http://schemas.openxmlformats.org/officeDocument/2006/math" xmlns="" val="1"/>
             </a:ext>
           </a:extLst>
         </p:spPr>
@@ -5742,7 +5747,7 @@
           </a:ln>
           <a:extLst>
             <a:ext uri="{C572A759-6A51-4108-AA02-DFA0A04FC94B}">
-              <ma14:wrappingTextBoxFlag xmlns="" xmlns:m="http://schemas.openxmlformats.org/officeDocument/2006/math" xmlns:a14="http://schemas.microsoft.com/office/drawing/2010/main" xmlns:ma14="http://schemas.microsoft.com/office/mac/drawingml/2011/main" val="1"/>
+              <ma14:wrappingTextBoxFlag xmlns:ma14="http://schemas.microsoft.com/office/mac/drawingml/2011/main" xmlns:a14="http://schemas.microsoft.com/office/drawing/2010/main" xmlns:m="http://schemas.openxmlformats.org/officeDocument/2006/math" xmlns="" val="1"/>
             </a:ext>
           </a:extLst>
         </p:spPr>
@@ -5796,7 +5801,7 @@
           </a:ln>
           <a:extLst>
             <a:ext uri="{C572A759-6A51-4108-AA02-DFA0A04FC94B}">
-              <ma14:wrappingTextBoxFlag xmlns="" xmlns:m="http://schemas.openxmlformats.org/officeDocument/2006/math" xmlns:a14="http://schemas.microsoft.com/office/drawing/2010/main" xmlns:ma14="http://schemas.microsoft.com/office/mac/drawingml/2011/main" val="1"/>
+              <ma14:wrappingTextBoxFlag xmlns:ma14="http://schemas.microsoft.com/office/mac/drawingml/2011/main" xmlns:a14="http://schemas.microsoft.com/office/drawing/2010/main" xmlns:m="http://schemas.openxmlformats.org/officeDocument/2006/math" xmlns="" val="1"/>
             </a:ext>
           </a:extLst>
         </p:spPr>
@@ -5850,7 +5855,7 @@
           </a:ln>
           <a:extLst>
             <a:ext uri="{C572A759-6A51-4108-AA02-DFA0A04FC94B}">
-              <ma14:wrappingTextBoxFlag xmlns="" xmlns:m="http://schemas.openxmlformats.org/officeDocument/2006/math" xmlns:a14="http://schemas.microsoft.com/office/drawing/2010/main" xmlns:ma14="http://schemas.microsoft.com/office/mac/drawingml/2011/main" val="1"/>
+              <ma14:wrappingTextBoxFlag xmlns:ma14="http://schemas.microsoft.com/office/mac/drawingml/2011/main" xmlns:a14="http://schemas.microsoft.com/office/drawing/2010/main" xmlns:m="http://schemas.openxmlformats.org/officeDocument/2006/math" xmlns="" val="1"/>
             </a:ext>
           </a:extLst>
         </p:spPr>
@@ -5904,7 +5909,7 @@
           </a:ln>
           <a:extLst>
             <a:ext uri="{C572A759-6A51-4108-AA02-DFA0A04FC94B}">
-              <ma14:wrappingTextBoxFlag xmlns="" xmlns:m="http://schemas.openxmlformats.org/officeDocument/2006/math" xmlns:a14="http://schemas.microsoft.com/office/drawing/2010/main" xmlns:ma14="http://schemas.microsoft.com/office/mac/drawingml/2011/main" val="1"/>
+              <ma14:wrappingTextBoxFlag xmlns:ma14="http://schemas.microsoft.com/office/mac/drawingml/2011/main" xmlns:a14="http://schemas.microsoft.com/office/drawing/2010/main" xmlns:m="http://schemas.openxmlformats.org/officeDocument/2006/math" xmlns="" val="1"/>
             </a:ext>
           </a:extLst>
         </p:spPr>
@@ -5958,7 +5963,7 @@
           </a:ln>
           <a:extLst>
             <a:ext uri="{C572A759-6A51-4108-AA02-DFA0A04FC94B}">
-              <ma14:wrappingTextBoxFlag xmlns="" xmlns:m="http://schemas.openxmlformats.org/officeDocument/2006/math" xmlns:a14="http://schemas.microsoft.com/office/drawing/2010/main" xmlns:ma14="http://schemas.microsoft.com/office/mac/drawingml/2011/main" val="1"/>
+              <ma14:wrappingTextBoxFlag xmlns:ma14="http://schemas.microsoft.com/office/mac/drawingml/2011/main" xmlns:a14="http://schemas.microsoft.com/office/drawing/2010/main" xmlns:m="http://schemas.openxmlformats.org/officeDocument/2006/math" xmlns="" val="1"/>
             </a:ext>
           </a:extLst>
         </p:spPr>
@@ -6012,7 +6017,7 @@
           </a:ln>
           <a:extLst>
             <a:ext uri="{C572A759-6A51-4108-AA02-DFA0A04FC94B}">
-              <ma14:wrappingTextBoxFlag xmlns="" xmlns:m="http://schemas.openxmlformats.org/officeDocument/2006/math" xmlns:a14="http://schemas.microsoft.com/office/drawing/2010/main" xmlns:ma14="http://schemas.microsoft.com/office/mac/drawingml/2011/main" val="1"/>
+              <ma14:wrappingTextBoxFlag xmlns:ma14="http://schemas.microsoft.com/office/mac/drawingml/2011/main" xmlns:a14="http://schemas.microsoft.com/office/drawing/2010/main" xmlns:m="http://schemas.openxmlformats.org/officeDocument/2006/math" xmlns="" val="1"/>
             </a:ext>
           </a:extLst>
         </p:spPr>
@@ -6060,7 +6065,7 @@
           </a:ln>
           <a:extLst>
             <a:ext uri="{C572A759-6A51-4108-AA02-DFA0A04FC94B}">
-              <ma14:wrappingTextBoxFlag xmlns="" xmlns:m="http://schemas.openxmlformats.org/officeDocument/2006/math" xmlns:a14="http://schemas.microsoft.com/office/drawing/2010/main" xmlns:ma14="http://schemas.microsoft.com/office/mac/drawingml/2011/main" val="1"/>
+              <ma14:wrappingTextBoxFlag xmlns:ma14="http://schemas.microsoft.com/office/mac/drawingml/2011/main" xmlns:a14="http://schemas.microsoft.com/office/drawing/2010/main" xmlns:m="http://schemas.openxmlformats.org/officeDocument/2006/math" xmlns="" val="1"/>
             </a:ext>
           </a:extLst>
         </p:spPr>
@@ -7339,7 +7344,7 @@
           </a:ln>
           <a:extLst>
             <a:ext uri="{C572A759-6A51-4108-AA02-DFA0A04FC94B}">
-              <ma14:wrappingTextBoxFlag xmlns="" xmlns:m="http://schemas.openxmlformats.org/officeDocument/2006/math" xmlns:a14="http://schemas.microsoft.com/office/drawing/2010/main" xmlns:ma14="http://schemas.microsoft.com/office/mac/drawingml/2011/main" val="1"/>
+              <ma14:wrappingTextBoxFlag xmlns:ma14="http://schemas.microsoft.com/office/mac/drawingml/2011/main" xmlns:a14="http://schemas.microsoft.com/office/drawing/2010/main" xmlns:m="http://schemas.openxmlformats.org/officeDocument/2006/math" xmlns="" val="1"/>
             </a:ext>
           </a:extLst>
         </p:spPr>
@@ -7396,7 +7401,7 @@
           </a:ln>
           <a:extLst>
             <a:ext uri="{C572A759-6A51-4108-AA02-DFA0A04FC94B}">
-              <ma14:wrappingTextBoxFlag xmlns="" xmlns:m="http://schemas.openxmlformats.org/officeDocument/2006/math" xmlns:a14="http://schemas.microsoft.com/office/drawing/2010/main" xmlns:ma14="http://schemas.microsoft.com/office/mac/drawingml/2011/main" val="1"/>
+              <ma14:wrappingTextBoxFlag xmlns:ma14="http://schemas.microsoft.com/office/mac/drawingml/2011/main" xmlns:a14="http://schemas.microsoft.com/office/drawing/2010/main" xmlns:m="http://schemas.openxmlformats.org/officeDocument/2006/math" xmlns="" val="1"/>
             </a:ext>
           </a:extLst>
         </p:spPr>
@@ -7453,7 +7458,7 @@
           </a:ln>
           <a:extLst>
             <a:ext uri="{C572A759-6A51-4108-AA02-DFA0A04FC94B}">
-              <ma14:wrappingTextBoxFlag xmlns="" xmlns:m="http://schemas.openxmlformats.org/officeDocument/2006/math" xmlns:a14="http://schemas.microsoft.com/office/drawing/2010/main" xmlns:ma14="http://schemas.microsoft.com/office/mac/drawingml/2011/main" val="1"/>
+              <ma14:wrappingTextBoxFlag xmlns:ma14="http://schemas.microsoft.com/office/mac/drawingml/2011/main" xmlns:a14="http://schemas.microsoft.com/office/drawing/2010/main" xmlns:m="http://schemas.openxmlformats.org/officeDocument/2006/math" xmlns="" val="1"/>
             </a:ext>
           </a:extLst>
         </p:spPr>
@@ -7543,7 +7548,7 @@
           </a:ln>
           <a:extLst>
             <a:ext uri="{C572A759-6A51-4108-AA02-DFA0A04FC94B}">
-              <ma14:wrappingTextBoxFlag xmlns="" xmlns:m="http://schemas.openxmlformats.org/officeDocument/2006/math" xmlns:a14="http://schemas.microsoft.com/office/drawing/2010/main" xmlns:ma14="http://schemas.microsoft.com/office/mac/drawingml/2011/main" val="1"/>
+              <ma14:wrappingTextBoxFlag xmlns:ma14="http://schemas.microsoft.com/office/mac/drawingml/2011/main" xmlns:a14="http://schemas.microsoft.com/office/drawing/2010/main" xmlns:m="http://schemas.openxmlformats.org/officeDocument/2006/math" xmlns="" val="1"/>
             </a:ext>
           </a:extLst>
         </p:spPr>
@@ -7601,7 +7606,7 @@
           </a:ln>
           <a:extLst>
             <a:ext uri="{C572A759-6A51-4108-AA02-DFA0A04FC94B}">
-              <ma14:wrappingTextBoxFlag xmlns="" xmlns:m="http://schemas.openxmlformats.org/officeDocument/2006/math" xmlns:a14="http://schemas.microsoft.com/office/drawing/2010/main" xmlns:ma14="http://schemas.microsoft.com/office/mac/drawingml/2011/main" val="1"/>
+              <ma14:wrappingTextBoxFlag xmlns:ma14="http://schemas.microsoft.com/office/mac/drawingml/2011/main" xmlns:a14="http://schemas.microsoft.com/office/drawing/2010/main" xmlns:m="http://schemas.openxmlformats.org/officeDocument/2006/math" xmlns="" val="1"/>
             </a:ext>
           </a:extLst>
         </p:spPr>
@@ -7658,7 +7663,7 @@
           </a:ln>
           <a:extLst>
             <a:ext uri="{C572A759-6A51-4108-AA02-DFA0A04FC94B}">
-              <ma14:wrappingTextBoxFlag xmlns="" xmlns:m="http://schemas.openxmlformats.org/officeDocument/2006/math" xmlns:a14="http://schemas.microsoft.com/office/drawing/2010/main" xmlns:ma14="http://schemas.microsoft.com/office/mac/drawingml/2011/main" val="1"/>
+              <ma14:wrappingTextBoxFlag xmlns:ma14="http://schemas.microsoft.com/office/mac/drawingml/2011/main" xmlns:a14="http://schemas.microsoft.com/office/drawing/2010/main" xmlns:m="http://schemas.openxmlformats.org/officeDocument/2006/math" xmlns="" val="1"/>
             </a:ext>
           </a:extLst>
         </p:spPr>
@@ -7718,7 +7723,7 @@
           </a:ln>
           <a:extLst>
             <a:ext uri="{C572A759-6A51-4108-AA02-DFA0A04FC94B}">
-              <ma14:wrappingTextBoxFlag xmlns="" xmlns:m="http://schemas.openxmlformats.org/officeDocument/2006/math" xmlns:a14="http://schemas.microsoft.com/office/drawing/2010/main" xmlns:ma14="http://schemas.microsoft.com/office/mac/drawingml/2011/main" val="1"/>
+              <ma14:wrappingTextBoxFlag xmlns:ma14="http://schemas.microsoft.com/office/mac/drawingml/2011/main" xmlns:a14="http://schemas.microsoft.com/office/drawing/2010/main" xmlns:m="http://schemas.openxmlformats.org/officeDocument/2006/math" xmlns="" val="1"/>
             </a:ext>
           </a:extLst>
         </p:spPr>

--- a/powerpoint template.pptx
+++ b/powerpoint template.pptx
@@ -5074,8 +5074,13 @@
           <a:p>
             <a:r>
               <a:rPr lang="nl-NL"/>
-              <a:t>{{CLUB_2025/2026}} (2025/2026)</a:t>
-            </a:r>
+              <a:t>{{CLUB_2025/2026}} </a:t>
+            </a:r>
+            <a:r>
+              <a:rPr lang="en-US"/>
+              <a:t>{{YEAR_2025/2026}}</a:t>
+            </a:r>
+            <a:endParaRPr lang="nl-NL"/>
           </a:p>
         </p:txBody>
       </p:sp>
@@ -7371,8 +7376,13 @@
           <a:p>
             <a:r>
               <a:rPr lang="nl-NL"/>
-              <a:t>{{CLUB_2024/2025}} (2024/2025)</a:t>
-            </a:r>
+              <a:t>{{CLUB_2024/2025}} </a:t>
+            </a:r>
+            <a:r>
+              <a:rPr lang="en-US"/>
+              <a:t>{{YEAR_2024/2025}}</a:t>
+            </a:r>
+            <a:endParaRPr lang="nl-NL"/>
           </a:p>
         </p:txBody>
       </p:sp>
@@ -7428,8 +7438,13 @@
           <a:p>
             <a:r>
               <a:rPr lang="nl-NL"/>
-              <a:t>{{CLUB_2023/2024}} (2023/2024)</a:t>
-            </a:r>
+              <a:t>{{CLUB_2023/2024}} </a:t>
+            </a:r>
+            <a:r>
+              <a:rPr lang="en-US"/>
+              <a:t>{{YEAR_2023/2024}}</a:t>
+            </a:r>
+            <a:endParaRPr lang="nl-NL"/>
           </a:p>
         </p:txBody>
       </p:sp>
@@ -7485,8 +7500,13 @@
           <a:p>
             <a:r>
               <a:rPr lang="nl-NL"/>
-              <a:t>{{CLUB_2022/2023}} (2022/2023)</a:t>
-            </a:r>
+              <a:t>{{CLUB_2022/2023}} </a:t>
+            </a:r>
+            <a:r>
+              <a:rPr lang="en-US"/>
+              <a:t>{{YEAR_2022/2023}}</a:t>
+            </a:r>
+            <a:endParaRPr lang="nl-NL"/>
           </a:p>
         </p:txBody>
       </p:sp>
@@ -7751,6 +7771,241 @@
             <a:r>
               <a:rPr lang="nl-NL"/>
               <a:t>{{A24/25}}</a:t>
+            </a:r>
+          </a:p>
+          <a:p>
+            <a:endParaRPr/>
+          </a:p>
+        </p:txBody>
+      </p:sp>
+      <p:sp>
+        <p:nvSpPr>
+          <p:cNvPr id="8" name="TextBox 73">
+            <a:extLst>
+              <a:ext uri="{FF2B5EF4-FFF2-40B4-BE49-F238E27FC236}">
+                <a16:creationId xmlns:a16="http://schemas.microsoft.com/office/drawing/2014/main" id="{EE4DFA15-140D-5324-EF7F-267E24793F0D}"/>
+              </a:ext>
+            </a:extLst>
+          </p:cNvPr>
+          <p:cNvSpPr txBox="1"/>
+          <p:nvPr/>
+        </p:nvSpPr>
+        <p:spPr>
+          <a:xfrm>
+            <a:off x="3194211" y="4731221"/>
+            <a:ext cx="755972" cy="276995"/>
+          </a:xfrm>
+          <a:prstGeom prst="rect">
+            <a:avLst/>
+          </a:prstGeom>
+          <a:ln w="12700">
+            <a:miter lim="400000"/>
+          </a:ln>
+          <a:extLst>
+            <a:ext uri="{C572A759-6A51-4108-AA02-DFA0A04FC94B}">
+              <ma14:wrappingTextBoxFlag xmlns:ma14="http://schemas.microsoft.com/office/mac/drawingml/2011/main" xmlns:a14="http://schemas.microsoft.com/office/drawing/2010/main" xmlns:m="http://schemas.openxmlformats.org/officeDocument/2006/math" xmlns="" val="1"/>
+            </a:ext>
+          </a:extLst>
+        </p:spPr>
+        <p:txBody>
+          <a:bodyPr wrap="none" lIns="45718" tIns="45718" rIns="45718" bIns="45718">
+            <a:spAutoFit/>
+          </a:bodyPr>
+          <a:lstStyle>
+            <a:lvl1pPr algn="ctr">
+              <a:spcBef>
+                <a:spcPts val="1200"/>
+              </a:spcBef>
+              <a:defRPr sz="1200">
+                <a:solidFill>
+                  <a:srgbClr val="FFFFFF"/>
+                </a:solidFill>
+                <a:latin typeface="Avenir Next Regular"/>
+                <a:ea typeface="Avenir Next Regular"/>
+                <a:cs typeface="Avenir Next Regular"/>
+                <a:sym typeface="Avenir Next Regular"/>
+              </a:defRPr>
+            </a:lvl1pPr>
+          </a:lstStyle>
+          <a:p>
+            <a:r>
+              <a:rPr lang="nl-NL"/>
+              <a:t>{{G23/24}}</a:t>
+            </a:r>
+            <a:endParaRPr/>
+          </a:p>
+        </p:txBody>
+      </p:sp>
+      <p:sp>
+        <p:nvSpPr>
+          <p:cNvPr id="50" name="TextBox 74">
+            <a:extLst>
+              <a:ext uri="{FF2B5EF4-FFF2-40B4-BE49-F238E27FC236}">
+                <a16:creationId xmlns:a16="http://schemas.microsoft.com/office/drawing/2014/main" id="{A0E91244-80FD-6882-2A3B-05C8664F650F}"/>
+              </a:ext>
+            </a:extLst>
+          </p:cNvPr>
+          <p:cNvSpPr txBox="1"/>
+          <p:nvPr/>
+        </p:nvSpPr>
+        <p:spPr>
+          <a:xfrm>
+            <a:off x="4088180" y="4731221"/>
+            <a:ext cx="789636" cy="276995"/>
+          </a:xfrm>
+          <a:prstGeom prst="rect">
+            <a:avLst/>
+          </a:prstGeom>
+          <a:ln w="12700">
+            <a:miter lim="400000"/>
+          </a:ln>
+          <a:extLst>
+            <a:ext uri="{C572A759-6A51-4108-AA02-DFA0A04FC94B}">
+              <ma14:wrappingTextBoxFlag xmlns:ma14="http://schemas.microsoft.com/office/mac/drawingml/2011/main" xmlns:a14="http://schemas.microsoft.com/office/drawing/2010/main" xmlns:m="http://schemas.openxmlformats.org/officeDocument/2006/math" xmlns="" val="1"/>
+            </a:ext>
+          </a:extLst>
+        </p:spPr>
+        <p:txBody>
+          <a:bodyPr wrap="none" lIns="45718" tIns="45718" rIns="45718" bIns="45718">
+            <a:spAutoFit/>
+          </a:bodyPr>
+          <a:lstStyle>
+            <a:lvl1pPr algn="ctr">
+              <a:spcBef>
+                <a:spcPts val="1200"/>
+              </a:spcBef>
+              <a:defRPr sz="1200">
+                <a:solidFill>
+                  <a:srgbClr val="FFFFFF"/>
+                </a:solidFill>
+                <a:latin typeface="Avenir Next Regular"/>
+                <a:ea typeface="Avenir Next Regular"/>
+                <a:cs typeface="Avenir Next Regular"/>
+                <a:sym typeface="Avenir Next Regular"/>
+              </a:defRPr>
+            </a:lvl1pPr>
+          </a:lstStyle>
+          <a:p>
+            <a:r>
+              <a:rPr lang="nl-NL"/>
+              <a:t>{{M23/24}}</a:t>
+            </a:r>
+          </a:p>
+        </p:txBody>
+      </p:sp>
+      <p:sp>
+        <p:nvSpPr>
+          <p:cNvPr id="51" name="TextBox 75">
+            <a:extLst>
+              <a:ext uri="{FF2B5EF4-FFF2-40B4-BE49-F238E27FC236}">
+                <a16:creationId xmlns:a16="http://schemas.microsoft.com/office/drawing/2014/main" id="{A77442C7-D300-300F-2C34-4E0FDA5A6142}"/>
+              </a:ext>
+            </a:extLst>
+          </p:cNvPr>
+          <p:cNvSpPr txBox="1"/>
+          <p:nvPr/>
+        </p:nvSpPr>
+        <p:spPr>
+          <a:xfrm>
+            <a:off x="5022115" y="4731221"/>
+            <a:ext cx="858564" cy="615549"/>
+          </a:xfrm>
+          <a:prstGeom prst="rect">
+            <a:avLst/>
+          </a:prstGeom>
+          <a:ln w="12700">
+            <a:miter lim="400000"/>
+          </a:ln>
+          <a:extLst>
+            <a:ext uri="{C572A759-6A51-4108-AA02-DFA0A04FC94B}">
+              <ma14:wrappingTextBoxFlag xmlns:ma14="http://schemas.microsoft.com/office/mac/drawingml/2011/main" xmlns:a14="http://schemas.microsoft.com/office/drawing/2010/main" xmlns:m="http://schemas.openxmlformats.org/officeDocument/2006/math" xmlns="" val="1"/>
+            </a:ext>
+          </a:extLst>
+        </p:spPr>
+        <p:txBody>
+          <a:bodyPr wrap="none" lIns="45718" tIns="45718" rIns="45718" bIns="45718">
+            <a:spAutoFit/>
+          </a:bodyPr>
+          <a:lstStyle>
+            <a:lvl1pPr algn="ctr">
+              <a:spcBef>
+                <a:spcPts val="1200"/>
+              </a:spcBef>
+              <a:defRPr sz="1200">
+                <a:solidFill>
+                  <a:srgbClr val="FFFFFF"/>
+                </a:solidFill>
+                <a:latin typeface="Avenir Next Regular"/>
+                <a:ea typeface="Avenir Next Regular"/>
+                <a:cs typeface="Avenir Next Regular"/>
+                <a:sym typeface="Avenir Next Regular"/>
+              </a:defRPr>
+            </a:lvl1pPr>
+          </a:lstStyle>
+          <a:p>
+            <a:r>
+              <a:rPr lang="nl-NL"/>
+              <a:t>{{GO23/24}}</a:t>
+            </a:r>
+          </a:p>
+          <a:p>
+            <a:endParaRPr/>
+          </a:p>
+        </p:txBody>
+      </p:sp>
+      <p:sp>
+        <p:nvSpPr>
+          <p:cNvPr id="52" name="TextBox 76">
+            <a:extLst>
+              <a:ext uri="{FF2B5EF4-FFF2-40B4-BE49-F238E27FC236}">
+                <a16:creationId xmlns:a16="http://schemas.microsoft.com/office/drawing/2014/main" id="{A51CF09E-E611-D2E4-A8B1-525C07E9D3F7}"/>
+              </a:ext>
+            </a:extLst>
+          </p:cNvPr>
+          <p:cNvSpPr txBox="1"/>
+          <p:nvPr/>
+        </p:nvSpPr>
+        <p:spPr>
+          <a:xfrm>
+            <a:off x="5956623" y="4731221"/>
+            <a:ext cx="747958" cy="615549"/>
+          </a:xfrm>
+          <a:prstGeom prst="rect">
+            <a:avLst/>
+          </a:prstGeom>
+          <a:ln w="12700">
+            <a:miter lim="400000"/>
+          </a:ln>
+          <a:extLst>
+            <a:ext uri="{C572A759-6A51-4108-AA02-DFA0A04FC94B}">
+              <ma14:wrappingTextBoxFlag xmlns:ma14="http://schemas.microsoft.com/office/mac/drawingml/2011/main" xmlns:a14="http://schemas.microsoft.com/office/drawing/2010/main" xmlns:m="http://schemas.openxmlformats.org/officeDocument/2006/math" xmlns="" val="1"/>
+            </a:ext>
+          </a:extLst>
+        </p:spPr>
+        <p:txBody>
+          <a:bodyPr wrap="none" lIns="45718" tIns="45718" rIns="45718" bIns="45718">
+            <a:spAutoFit/>
+          </a:bodyPr>
+          <a:lstStyle>
+            <a:lvl1pPr algn="ctr">
+              <a:spcBef>
+                <a:spcPts val="1200"/>
+              </a:spcBef>
+              <a:defRPr sz="1200">
+                <a:solidFill>
+                  <a:srgbClr val="FFFFFF"/>
+                </a:solidFill>
+                <a:latin typeface="Avenir Next Regular"/>
+                <a:ea typeface="Avenir Next Regular"/>
+                <a:cs typeface="Avenir Next Regular"/>
+                <a:sym typeface="Avenir Next Regular"/>
+              </a:defRPr>
+            </a:lvl1pPr>
+          </a:lstStyle>
+          <a:p>
+            <a:r>
+              <a:rPr lang="nl-NL"/>
+              <a:t>{{A23/24}}</a:t>
             </a:r>
           </a:p>
           <a:p>
